--- a/3-1 기획 포트폴리오 작성/PUBG 전투 UI 역기획서.pptx
+++ b/3-1 기획 포트폴리오 작성/PUBG 전투 UI 역기획서.pptx
@@ -5,7 +5,7 @@
     <p:sldMasterId id="2147483660" r:id="rId1"/>
   </p:sldMasterIdLst>
   <p:notesMasterIdLst>
-    <p:notesMasterId r:id="rId10"/>
+    <p:notesMasterId r:id="rId12"/>
   </p:notesMasterIdLst>
   <p:sldIdLst>
     <p:sldId id="258" r:id="rId2"/>
@@ -16,6 +16,8 @@
     <p:sldId id="267" r:id="rId7"/>
     <p:sldId id="268" r:id="rId8"/>
     <p:sldId id="269" r:id="rId9"/>
+    <p:sldId id="270" r:id="rId10"/>
+    <p:sldId id="271" r:id="rId11"/>
   </p:sldIdLst>
   <p:sldSz cx="12192000" cy="6858000"/>
   <p:notesSz cx="6858000" cy="9144000"/>
@@ -116,7 +118,7 @@
   </p:defaultTextStyle>
   <p:extLst>
     <p:ext uri="{EFAFB233-063F-42B5-8137-9DF3F51BA10A}">
-      <p15:sldGuideLst xmlns:p15="http://schemas.microsoft.com/office/powerpoint/2012/main"/>
+      <p15:sldGuideLst xmlns:p15="http://schemas.microsoft.com/office/powerpoint/2012/main" xmlns=""/>
     </p:ext>
   </p:extLst>
 </p:presentation>
@@ -204,7 +206,7 @@
           <a:p>
             <a:fld id="{BEB49F3D-8A57-43DD-A757-DD94CEE66A95}" type="datetimeFigureOut">
               <a:rPr lang="ko-KR" altLang="en-US" smtClean="0"/>
-              <a:t>2019-05-12</a:t>
+              <a:t>2019-05-13</a:t>
             </a:fld>
             <a:endParaRPr lang="ko-KR" altLang="en-US"/>
           </a:p>
@@ -494,7 +496,7 @@
           <p:cNvPr id="2" name="제목 1">
             <a:extLst>
               <a:ext uri="{FF2B5EF4-FFF2-40B4-BE49-F238E27FC236}">
-                <a16:creationId xmlns:a16="http://schemas.microsoft.com/office/drawing/2014/main" id="{BC4B5A23-C81F-4AF5-A748-1D1EE93505F9}"/>
+                <a16:creationId xmlns:a16="http://schemas.microsoft.com/office/drawing/2014/main" xmlns="" id="{BC4B5A23-C81F-4AF5-A748-1D1EE93505F9}"/>
               </a:ext>
             </a:extLst>
           </p:cNvPr>
@@ -531,7 +533,7 @@
           <p:cNvPr id="3" name="부제목 2">
             <a:extLst>
               <a:ext uri="{FF2B5EF4-FFF2-40B4-BE49-F238E27FC236}">
-                <a16:creationId xmlns:a16="http://schemas.microsoft.com/office/drawing/2014/main" id="{26F8B85E-9692-4475-9B5C-3E3DB5D88828}"/>
+                <a16:creationId xmlns:a16="http://schemas.microsoft.com/office/drawing/2014/main" xmlns="" id="{26F8B85E-9692-4475-9B5C-3E3DB5D88828}"/>
               </a:ext>
             </a:extLst>
           </p:cNvPr>
@@ -601,7 +603,7 @@
           <p:cNvPr id="4" name="날짜 개체 틀 3">
             <a:extLst>
               <a:ext uri="{FF2B5EF4-FFF2-40B4-BE49-F238E27FC236}">
-                <a16:creationId xmlns:a16="http://schemas.microsoft.com/office/drawing/2014/main" id="{BC005B73-604A-4AB5-8137-DDC71FB7678B}"/>
+                <a16:creationId xmlns:a16="http://schemas.microsoft.com/office/drawing/2014/main" xmlns="" id="{BC005B73-604A-4AB5-8137-DDC71FB7678B}"/>
               </a:ext>
             </a:extLst>
           </p:cNvPr>
@@ -625,7 +627,7 @@
                   </a:prstClr>
                 </a:solidFill>
               </a:rPr>
-              <a:t>2019-05-12</a:t>
+              <a:t>2019-05-13</a:t>
             </a:fld>
             <a:endParaRPr lang="ko-KR" altLang="en-US">
               <a:solidFill>
@@ -642,7 +644,7 @@
           <p:cNvPr id="5" name="바닥글 개체 틀 4">
             <a:extLst>
               <a:ext uri="{FF2B5EF4-FFF2-40B4-BE49-F238E27FC236}">
-                <a16:creationId xmlns:a16="http://schemas.microsoft.com/office/drawing/2014/main" id="{D657B5ED-EDEA-4726-A63A-ABCD88DDA24F}"/>
+                <a16:creationId xmlns:a16="http://schemas.microsoft.com/office/drawing/2014/main" xmlns="" id="{D657B5ED-EDEA-4726-A63A-ABCD88DDA24F}"/>
               </a:ext>
             </a:extLst>
           </p:cNvPr>
@@ -673,7 +675,7 @@
           <p:cNvPr id="6" name="슬라이드 번호 개체 틀 5">
             <a:extLst>
               <a:ext uri="{FF2B5EF4-FFF2-40B4-BE49-F238E27FC236}">
-                <a16:creationId xmlns:a16="http://schemas.microsoft.com/office/drawing/2014/main" id="{EE561B83-F1A6-46DA-BD34-3B375CB3487C}"/>
+                <a16:creationId xmlns:a16="http://schemas.microsoft.com/office/drawing/2014/main" xmlns="" id="{EE561B83-F1A6-46DA-BD34-3B375CB3487C}"/>
               </a:ext>
             </a:extLst>
           </p:cNvPr>
@@ -745,7 +747,7 @@
           <p:cNvPr id="2" name="제목 1">
             <a:extLst>
               <a:ext uri="{FF2B5EF4-FFF2-40B4-BE49-F238E27FC236}">
-                <a16:creationId xmlns:a16="http://schemas.microsoft.com/office/drawing/2014/main" id="{39E36BD6-A4CF-4B25-AB1E-51253291E2B4}"/>
+                <a16:creationId xmlns:a16="http://schemas.microsoft.com/office/drawing/2014/main" xmlns="" id="{39E36BD6-A4CF-4B25-AB1E-51253291E2B4}"/>
               </a:ext>
             </a:extLst>
           </p:cNvPr>
@@ -773,7 +775,7 @@
           <p:cNvPr id="3" name="세로 텍스트 개체 틀 2">
             <a:extLst>
               <a:ext uri="{FF2B5EF4-FFF2-40B4-BE49-F238E27FC236}">
-                <a16:creationId xmlns:a16="http://schemas.microsoft.com/office/drawing/2014/main" id="{8749623F-E56B-4F2D-8C1B-7FE5A6708872}"/>
+                <a16:creationId xmlns:a16="http://schemas.microsoft.com/office/drawing/2014/main" xmlns="" id="{8749623F-E56B-4F2D-8C1B-7FE5A6708872}"/>
               </a:ext>
             </a:extLst>
           </p:cNvPr>
@@ -830,7 +832,7 @@
           <p:cNvPr id="4" name="날짜 개체 틀 3">
             <a:extLst>
               <a:ext uri="{FF2B5EF4-FFF2-40B4-BE49-F238E27FC236}">
-                <a16:creationId xmlns:a16="http://schemas.microsoft.com/office/drawing/2014/main" id="{638878DC-1F89-454E-8C22-21927454BB66}"/>
+                <a16:creationId xmlns:a16="http://schemas.microsoft.com/office/drawing/2014/main" xmlns="" id="{638878DC-1F89-454E-8C22-21927454BB66}"/>
               </a:ext>
             </a:extLst>
           </p:cNvPr>
@@ -854,7 +856,7 @@
                   </a:prstClr>
                 </a:solidFill>
               </a:rPr>
-              <a:t>2019-05-12</a:t>
+              <a:t>2019-05-13</a:t>
             </a:fld>
             <a:endParaRPr lang="ko-KR" altLang="en-US">
               <a:solidFill>
@@ -871,7 +873,7 @@
           <p:cNvPr id="5" name="바닥글 개체 틀 4">
             <a:extLst>
               <a:ext uri="{FF2B5EF4-FFF2-40B4-BE49-F238E27FC236}">
-                <a16:creationId xmlns:a16="http://schemas.microsoft.com/office/drawing/2014/main" id="{A9C32D40-FC59-4599-8DB0-4EDB55159969}"/>
+                <a16:creationId xmlns:a16="http://schemas.microsoft.com/office/drawing/2014/main" xmlns="" id="{A9C32D40-FC59-4599-8DB0-4EDB55159969}"/>
               </a:ext>
             </a:extLst>
           </p:cNvPr>
@@ -902,7 +904,7 @@
           <p:cNvPr id="6" name="슬라이드 번호 개체 틀 5">
             <a:extLst>
               <a:ext uri="{FF2B5EF4-FFF2-40B4-BE49-F238E27FC236}">
-                <a16:creationId xmlns:a16="http://schemas.microsoft.com/office/drawing/2014/main" id="{C4BECE70-0B94-4918-8A6B-CE318F78DB6B}"/>
+                <a16:creationId xmlns:a16="http://schemas.microsoft.com/office/drawing/2014/main" xmlns="" id="{C4BECE70-0B94-4918-8A6B-CE318F78DB6B}"/>
               </a:ext>
             </a:extLst>
           </p:cNvPr>
@@ -974,7 +976,7 @@
           <p:cNvPr id="2" name="세로 제목 1">
             <a:extLst>
               <a:ext uri="{FF2B5EF4-FFF2-40B4-BE49-F238E27FC236}">
-                <a16:creationId xmlns:a16="http://schemas.microsoft.com/office/drawing/2014/main" id="{1CC509A6-106F-4F30-B678-2B05478C05AD}"/>
+                <a16:creationId xmlns:a16="http://schemas.microsoft.com/office/drawing/2014/main" xmlns="" id="{1CC509A6-106F-4F30-B678-2B05478C05AD}"/>
               </a:ext>
             </a:extLst>
           </p:cNvPr>
@@ -1007,7 +1009,7 @@
           <p:cNvPr id="3" name="세로 텍스트 개체 틀 2">
             <a:extLst>
               <a:ext uri="{FF2B5EF4-FFF2-40B4-BE49-F238E27FC236}">
-                <a16:creationId xmlns:a16="http://schemas.microsoft.com/office/drawing/2014/main" id="{4728D6E4-1D89-4B38-BBBD-0F051698128F}"/>
+                <a16:creationId xmlns:a16="http://schemas.microsoft.com/office/drawing/2014/main" xmlns="" id="{4728D6E4-1D89-4B38-BBBD-0F051698128F}"/>
               </a:ext>
             </a:extLst>
           </p:cNvPr>
@@ -1069,7 +1071,7 @@
           <p:cNvPr id="4" name="날짜 개체 틀 3">
             <a:extLst>
               <a:ext uri="{FF2B5EF4-FFF2-40B4-BE49-F238E27FC236}">
-                <a16:creationId xmlns:a16="http://schemas.microsoft.com/office/drawing/2014/main" id="{5C995D7F-87F4-4EAE-B067-A371E5D3C9ED}"/>
+                <a16:creationId xmlns:a16="http://schemas.microsoft.com/office/drawing/2014/main" xmlns="" id="{5C995D7F-87F4-4EAE-B067-A371E5D3C9ED}"/>
               </a:ext>
             </a:extLst>
           </p:cNvPr>
@@ -1093,7 +1095,7 @@
                   </a:prstClr>
                 </a:solidFill>
               </a:rPr>
-              <a:t>2019-05-12</a:t>
+              <a:t>2019-05-13</a:t>
             </a:fld>
             <a:endParaRPr lang="ko-KR" altLang="en-US">
               <a:solidFill>
@@ -1110,7 +1112,7 @@
           <p:cNvPr id="5" name="바닥글 개체 틀 4">
             <a:extLst>
               <a:ext uri="{FF2B5EF4-FFF2-40B4-BE49-F238E27FC236}">
-                <a16:creationId xmlns:a16="http://schemas.microsoft.com/office/drawing/2014/main" id="{B56F322D-4B78-410F-883C-30640F0A1B9B}"/>
+                <a16:creationId xmlns:a16="http://schemas.microsoft.com/office/drawing/2014/main" xmlns="" id="{B56F322D-4B78-410F-883C-30640F0A1B9B}"/>
               </a:ext>
             </a:extLst>
           </p:cNvPr>
@@ -1141,7 +1143,7 @@
           <p:cNvPr id="6" name="슬라이드 번호 개체 틀 5">
             <a:extLst>
               <a:ext uri="{FF2B5EF4-FFF2-40B4-BE49-F238E27FC236}">
-                <a16:creationId xmlns:a16="http://schemas.microsoft.com/office/drawing/2014/main" id="{D8A676F9-DE6E-4CF9-8A5F-C636669B6A79}"/>
+                <a16:creationId xmlns:a16="http://schemas.microsoft.com/office/drawing/2014/main" xmlns="" id="{D8A676F9-DE6E-4CF9-8A5F-C636669B6A79}"/>
               </a:ext>
             </a:extLst>
           </p:cNvPr>
@@ -1213,7 +1215,7 @@
           <p:cNvPr id="2" name="제목 1">
             <a:extLst>
               <a:ext uri="{FF2B5EF4-FFF2-40B4-BE49-F238E27FC236}">
-                <a16:creationId xmlns:a16="http://schemas.microsoft.com/office/drawing/2014/main" id="{F2AFF599-F9A5-411F-BFB9-C4FB2A3A31B1}"/>
+                <a16:creationId xmlns:a16="http://schemas.microsoft.com/office/drawing/2014/main" xmlns="" id="{F2AFF599-F9A5-411F-BFB9-C4FB2A3A31B1}"/>
               </a:ext>
             </a:extLst>
           </p:cNvPr>
@@ -1241,7 +1243,7 @@
           <p:cNvPr id="3" name="내용 개체 틀 2">
             <a:extLst>
               <a:ext uri="{FF2B5EF4-FFF2-40B4-BE49-F238E27FC236}">
-                <a16:creationId xmlns:a16="http://schemas.microsoft.com/office/drawing/2014/main" id="{193CECED-CCAF-4DDD-B539-F3AF15540E07}"/>
+                <a16:creationId xmlns:a16="http://schemas.microsoft.com/office/drawing/2014/main" xmlns="" id="{193CECED-CCAF-4DDD-B539-F3AF15540E07}"/>
               </a:ext>
             </a:extLst>
           </p:cNvPr>
@@ -1298,7 +1300,7 @@
           <p:cNvPr id="4" name="날짜 개체 틀 3">
             <a:extLst>
               <a:ext uri="{FF2B5EF4-FFF2-40B4-BE49-F238E27FC236}">
-                <a16:creationId xmlns:a16="http://schemas.microsoft.com/office/drawing/2014/main" id="{BC0C8BE3-B2E2-4859-8481-2ADA01A44F0B}"/>
+                <a16:creationId xmlns:a16="http://schemas.microsoft.com/office/drawing/2014/main" xmlns="" id="{BC0C8BE3-B2E2-4859-8481-2ADA01A44F0B}"/>
               </a:ext>
             </a:extLst>
           </p:cNvPr>
@@ -1322,7 +1324,7 @@
                   </a:prstClr>
                 </a:solidFill>
               </a:rPr>
-              <a:t>2019-05-12</a:t>
+              <a:t>2019-05-13</a:t>
             </a:fld>
             <a:endParaRPr lang="ko-KR" altLang="en-US">
               <a:solidFill>
@@ -1339,7 +1341,7 @@
           <p:cNvPr id="5" name="바닥글 개체 틀 4">
             <a:extLst>
               <a:ext uri="{FF2B5EF4-FFF2-40B4-BE49-F238E27FC236}">
-                <a16:creationId xmlns:a16="http://schemas.microsoft.com/office/drawing/2014/main" id="{288CDC39-E89C-42A8-9B52-C7D6DAC2A6DF}"/>
+                <a16:creationId xmlns:a16="http://schemas.microsoft.com/office/drawing/2014/main" xmlns="" id="{288CDC39-E89C-42A8-9B52-C7D6DAC2A6DF}"/>
               </a:ext>
             </a:extLst>
           </p:cNvPr>
@@ -1370,7 +1372,7 @@
           <p:cNvPr id="6" name="슬라이드 번호 개체 틀 5">
             <a:extLst>
               <a:ext uri="{FF2B5EF4-FFF2-40B4-BE49-F238E27FC236}">
-                <a16:creationId xmlns:a16="http://schemas.microsoft.com/office/drawing/2014/main" id="{E1B28C08-4C0A-48B8-A2D2-41A018AB93AC}"/>
+                <a16:creationId xmlns:a16="http://schemas.microsoft.com/office/drawing/2014/main" xmlns="" id="{E1B28C08-4C0A-48B8-A2D2-41A018AB93AC}"/>
               </a:ext>
             </a:extLst>
           </p:cNvPr>
@@ -1442,7 +1444,7 @@
           <p:cNvPr id="2" name="제목 1">
             <a:extLst>
               <a:ext uri="{FF2B5EF4-FFF2-40B4-BE49-F238E27FC236}">
-                <a16:creationId xmlns:a16="http://schemas.microsoft.com/office/drawing/2014/main" id="{CB24B900-D8B5-4B2F-9A9B-DAFD43923849}"/>
+                <a16:creationId xmlns:a16="http://schemas.microsoft.com/office/drawing/2014/main" xmlns="" id="{CB24B900-D8B5-4B2F-9A9B-DAFD43923849}"/>
               </a:ext>
             </a:extLst>
           </p:cNvPr>
@@ -1479,7 +1481,7 @@
           <p:cNvPr id="3" name="텍스트 개체 틀 2">
             <a:extLst>
               <a:ext uri="{FF2B5EF4-FFF2-40B4-BE49-F238E27FC236}">
-                <a16:creationId xmlns:a16="http://schemas.microsoft.com/office/drawing/2014/main" id="{46D0AAEF-5449-4C97-B530-902BE63F1B9A}"/>
+                <a16:creationId xmlns:a16="http://schemas.microsoft.com/office/drawing/2014/main" xmlns="" id="{46D0AAEF-5449-4C97-B530-902BE63F1B9A}"/>
               </a:ext>
             </a:extLst>
           </p:cNvPr>
@@ -1604,7 +1606,7 @@
           <p:cNvPr id="4" name="날짜 개체 틀 3">
             <a:extLst>
               <a:ext uri="{FF2B5EF4-FFF2-40B4-BE49-F238E27FC236}">
-                <a16:creationId xmlns:a16="http://schemas.microsoft.com/office/drawing/2014/main" id="{598CE2F0-2D83-432D-AAAB-53B7BDADB673}"/>
+                <a16:creationId xmlns:a16="http://schemas.microsoft.com/office/drawing/2014/main" xmlns="" id="{598CE2F0-2D83-432D-AAAB-53B7BDADB673}"/>
               </a:ext>
             </a:extLst>
           </p:cNvPr>
@@ -1628,7 +1630,7 @@
                   </a:prstClr>
                 </a:solidFill>
               </a:rPr>
-              <a:t>2019-05-12</a:t>
+              <a:t>2019-05-13</a:t>
             </a:fld>
             <a:endParaRPr lang="ko-KR" altLang="en-US">
               <a:solidFill>
@@ -1645,7 +1647,7 @@
           <p:cNvPr id="5" name="바닥글 개체 틀 4">
             <a:extLst>
               <a:ext uri="{FF2B5EF4-FFF2-40B4-BE49-F238E27FC236}">
-                <a16:creationId xmlns:a16="http://schemas.microsoft.com/office/drawing/2014/main" id="{F14A1FD5-451B-4844-91B8-CAAD1300221D}"/>
+                <a16:creationId xmlns:a16="http://schemas.microsoft.com/office/drawing/2014/main" xmlns="" id="{F14A1FD5-451B-4844-91B8-CAAD1300221D}"/>
               </a:ext>
             </a:extLst>
           </p:cNvPr>
@@ -1676,7 +1678,7 @@
           <p:cNvPr id="6" name="슬라이드 번호 개체 틀 5">
             <a:extLst>
               <a:ext uri="{FF2B5EF4-FFF2-40B4-BE49-F238E27FC236}">
-                <a16:creationId xmlns:a16="http://schemas.microsoft.com/office/drawing/2014/main" id="{DC4FCB56-5F29-4966-828B-6F12C897F578}"/>
+                <a16:creationId xmlns:a16="http://schemas.microsoft.com/office/drawing/2014/main" xmlns="" id="{DC4FCB56-5F29-4966-828B-6F12C897F578}"/>
               </a:ext>
             </a:extLst>
           </p:cNvPr>
@@ -1748,7 +1750,7 @@
           <p:cNvPr id="2" name="제목 1">
             <a:extLst>
               <a:ext uri="{FF2B5EF4-FFF2-40B4-BE49-F238E27FC236}">
-                <a16:creationId xmlns:a16="http://schemas.microsoft.com/office/drawing/2014/main" id="{07A8BCA9-CCD6-4662-A75A-29683674065D}"/>
+                <a16:creationId xmlns:a16="http://schemas.microsoft.com/office/drawing/2014/main" xmlns="" id="{07A8BCA9-CCD6-4662-A75A-29683674065D}"/>
               </a:ext>
             </a:extLst>
           </p:cNvPr>
@@ -1776,7 +1778,7 @@
           <p:cNvPr id="3" name="내용 개체 틀 2">
             <a:extLst>
               <a:ext uri="{FF2B5EF4-FFF2-40B4-BE49-F238E27FC236}">
-                <a16:creationId xmlns:a16="http://schemas.microsoft.com/office/drawing/2014/main" id="{2DB64179-D214-4078-BA5F-DFCB5B7AB550}"/>
+                <a16:creationId xmlns:a16="http://schemas.microsoft.com/office/drawing/2014/main" xmlns="" id="{2DB64179-D214-4078-BA5F-DFCB5B7AB550}"/>
               </a:ext>
             </a:extLst>
           </p:cNvPr>
@@ -1838,7 +1840,7 @@
           <p:cNvPr id="4" name="내용 개체 틀 3">
             <a:extLst>
               <a:ext uri="{FF2B5EF4-FFF2-40B4-BE49-F238E27FC236}">
-                <a16:creationId xmlns:a16="http://schemas.microsoft.com/office/drawing/2014/main" id="{B1779CDF-61C0-406A-811C-6499DEFD46BA}"/>
+                <a16:creationId xmlns:a16="http://schemas.microsoft.com/office/drawing/2014/main" xmlns="" id="{B1779CDF-61C0-406A-811C-6499DEFD46BA}"/>
               </a:ext>
             </a:extLst>
           </p:cNvPr>
@@ -1900,7 +1902,7 @@
           <p:cNvPr id="5" name="날짜 개체 틀 4">
             <a:extLst>
               <a:ext uri="{FF2B5EF4-FFF2-40B4-BE49-F238E27FC236}">
-                <a16:creationId xmlns:a16="http://schemas.microsoft.com/office/drawing/2014/main" id="{AE2950D3-3FB5-4335-966B-7606E35446D8}"/>
+                <a16:creationId xmlns:a16="http://schemas.microsoft.com/office/drawing/2014/main" xmlns="" id="{AE2950D3-3FB5-4335-966B-7606E35446D8}"/>
               </a:ext>
             </a:extLst>
           </p:cNvPr>
@@ -1924,7 +1926,7 @@
                   </a:prstClr>
                 </a:solidFill>
               </a:rPr>
-              <a:t>2019-05-12</a:t>
+              <a:t>2019-05-13</a:t>
             </a:fld>
             <a:endParaRPr lang="ko-KR" altLang="en-US">
               <a:solidFill>
@@ -1941,7 +1943,7 @@
           <p:cNvPr id="6" name="바닥글 개체 틀 5">
             <a:extLst>
               <a:ext uri="{FF2B5EF4-FFF2-40B4-BE49-F238E27FC236}">
-                <a16:creationId xmlns:a16="http://schemas.microsoft.com/office/drawing/2014/main" id="{6EA6937B-7D55-49EA-B7A1-89529F5A35C3}"/>
+                <a16:creationId xmlns:a16="http://schemas.microsoft.com/office/drawing/2014/main" xmlns="" id="{6EA6937B-7D55-49EA-B7A1-89529F5A35C3}"/>
               </a:ext>
             </a:extLst>
           </p:cNvPr>
@@ -1972,7 +1974,7 @@
           <p:cNvPr id="7" name="슬라이드 번호 개체 틀 6">
             <a:extLst>
               <a:ext uri="{FF2B5EF4-FFF2-40B4-BE49-F238E27FC236}">
-                <a16:creationId xmlns:a16="http://schemas.microsoft.com/office/drawing/2014/main" id="{BB794612-C908-4F25-B9A3-09427AE34A52}"/>
+                <a16:creationId xmlns:a16="http://schemas.microsoft.com/office/drawing/2014/main" xmlns="" id="{BB794612-C908-4F25-B9A3-09427AE34A52}"/>
               </a:ext>
             </a:extLst>
           </p:cNvPr>
@@ -2044,7 +2046,7 @@
           <p:cNvPr id="2" name="제목 1">
             <a:extLst>
               <a:ext uri="{FF2B5EF4-FFF2-40B4-BE49-F238E27FC236}">
-                <a16:creationId xmlns:a16="http://schemas.microsoft.com/office/drawing/2014/main" id="{3F3C1362-BBA7-4D01-B788-14FDB950ECB7}"/>
+                <a16:creationId xmlns:a16="http://schemas.microsoft.com/office/drawing/2014/main" xmlns="" id="{3F3C1362-BBA7-4D01-B788-14FDB950ECB7}"/>
               </a:ext>
             </a:extLst>
           </p:cNvPr>
@@ -2077,7 +2079,7 @@
           <p:cNvPr id="3" name="텍스트 개체 틀 2">
             <a:extLst>
               <a:ext uri="{FF2B5EF4-FFF2-40B4-BE49-F238E27FC236}">
-                <a16:creationId xmlns:a16="http://schemas.microsoft.com/office/drawing/2014/main" id="{65AC57B0-4E1F-4D85-8918-3867A4BE7C4B}"/>
+                <a16:creationId xmlns:a16="http://schemas.microsoft.com/office/drawing/2014/main" xmlns="" id="{65AC57B0-4E1F-4D85-8918-3867A4BE7C4B}"/>
               </a:ext>
             </a:extLst>
           </p:cNvPr>
@@ -2148,7 +2150,7 @@
           <p:cNvPr id="4" name="내용 개체 틀 3">
             <a:extLst>
               <a:ext uri="{FF2B5EF4-FFF2-40B4-BE49-F238E27FC236}">
-                <a16:creationId xmlns:a16="http://schemas.microsoft.com/office/drawing/2014/main" id="{5E57D204-8AC0-4D04-AEF3-91D211206179}"/>
+                <a16:creationId xmlns:a16="http://schemas.microsoft.com/office/drawing/2014/main" xmlns="" id="{5E57D204-8AC0-4D04-AEF3-91D211206179}"/>
               </a:ext>
             </a:extLst>
           </p:cNvPr>
@@ -2210,7 +2212,7 @@
           <p:cNvPr id="5" name="텍스트 개체 틀 4">
             <a:extLst>
               <a:ext uri="{FF2B5EF4-FFF2-40B4-BE49-F238E27FC236}">
-                <a16:creationId xmlns:a16="http://schemas.microsoft.com/office/drawing/2014/main" id="{695EB064-60AB-4FE5-AF06-C9FE48BB4819}"/>
+                <a16:creationId xmlns:a16="http://schemas.microsoft.com/office/drawing/2014/main" xmlns="" id="{695EB064-60AB-4FE5-AF06-C9FE48BB4819}"/>
               </a:ext>
             </a:extLst>
           </p:cNvPr>
@@ -2281,7 +2283,7 @@
           <p:cNvPr id="6" name="내용 개체 틀 5">
             <a:extLst>
               <a:ext uri="{FF2B5EF4-FFF2-40B4-BE49-F238E27FC236}">
-                <a16:creationId xmlns:a16="http://schemas.microsoft.com/office/drawing/2014/main" id="{79DB6808-33C3-4B13-8365-0D85B8DDBE45}"/>
+                <a16:creationId xmlns:a16="http://schemas.microsoft.com/office/drawing/2014/main" xmlns="" id="{79DB6808-33C3-4B13-8365-0D85B8DDBE45}"/>
               </a:ext>
             </a:extLst>
           </p:cNvPr>
@@ -2343,7 +2345,7 @@
           <p:cNvPr id="7" name="날짜 개체 틀 6">
             <a:extLst>
               <a:ext uri="{FF2B5EF4-FFF2-40B4-BE49-F238E27FC236}">
-                <a16:creationId xmlns:a16="http://schemas.microsoft.com/office/drawing/2014/main" id="{9C2640C7-3844-4222-AC6F-AB4902A4DB44}"/>
+                <a16:creationId xmlns:a16="http://schemas.microsoft.com/office/drawing/2014/main" xmlns="" id="{9C2640C7-3844-4222-AC6F-AB4902A4DB44}"/>
               </a:ext>
             </a:extLst>
           </p:cNvPr>
@@ -2367,7 +2369,7 @@
                   </a:prstClr>
                 </a:solidFill>
               </a:rPr>
-              <a:t>2019-05-12</a:t>
+              <a:t>2019-05-13</a:t>
             </a:fld>
             <a:endParaRPr lang="ko-KR" altLang="en-US">
               <a:solidFill>
@@ -2384,7 +2386,7 @@
           <p:cNvPr id="8" name="바닥글 개체 틀 7">
             <a:extLst>
               <a:ext uri="{FF2B5EF4-FFF2-40B4-BE49-F238E27FC236}">
-                <a16:creationId xmlns:a16="http://schemas.microsoft.com/office/drawing/2014/main" id="{61889AA5-8486-41FD-8413-A10122960217}"/>
+                <a16:creationId xmlns:a16="http://schemas.microsoft.com/office/drawing/2014/main" xmlns="" id="{61889AA5-8486-41FD-8413-A10122960217}"/>
               </a:ext>
             </a:extLst>
           </p:cNvPr>
@@ -2415,7 +2417,7 @@
           <p:cNvPr id="9" name="슬라이드 번호 개체 틀 8">
             <a:extLst>
               <a:ext uri="{FF2B5EF4-FFF2-40B4-BE49-F238E27FC236}">
-                <a16:creationId xmlns:a16="http://schemas.microsoft.com/office/drawing/2014/main" id="{72CBBB2D-B216-4BCD-8B81-731C681CF619}"/>
+                <a16:creationId xmlns:a16="http://schemas.microsoft.com/office/drawing/2014/main" xmlns="" id="{72CBBB2D-B216-4BCD-8B81-731C681CF619}"/>
               </a:ext>
             </a:extLst>
           </p:cNvPr>
@@ -2487,7 +2489,7 @@
           <p:cNvPr id="2" name="제목 1">
             <a:extLst>
               <a:ext uri="{FF2B5EF4-FFF2-40B4-BE49-F238E27FC236}">
-                <a16:creationId xmlns:a16="http://schemas.microsoft.com/office/drawing/2014/main" id="{86649871-FAAA-407D-9245-5C61A8E32E22}"/>
+                <a16:creationId xmlns:a16="http://schemas.microsoft.com/office/drawing/2014/main" xmlns="" id="{86649871-FAAA-407D-9245-5C61A8E32E22}"/>
               </a:ext>
             </a:extLst>
           </p:cNvPr>
@@ -2515,7 +2517,7 @@
           <p:cNvPr id="3" name="날짜 개체 틀 2">
             <a:extLst>
               <a:ext uri="{FF2B5EF4-FFF2-40B4-BE49-F238E27FC236}">
-                <a16:creationId xmlns:a16="http://schemas.microsoft.com/office/drawing/2014/main" id="{3A38A7DA-9D13-4BB7-ADE4-F35E84E3A879}"/>
+                <a16:creationId xmlns:a16="http://schemas.microsoft.com/office/drawing/2014/main" xmlns="" id="{3A38A7DA-9D13-4BB7-ADE4-F35E84E3A879}"/>
               </a:ext>
             </a:extLst>
           </p:cNvPr>
@@ -2539,7 +2541,7 @@
                   </a:prstClr>
                 </a:solidFill>
               </a:rPr>
-              <a:t>2019-05-12</a:t>
+              <a:t>2019-05-13</a:t>
             </a:fld>
             <a:endParaRPr lang="ko-KR" altLang="en-US">
               <a:solidFill>
@@ -2556,7 +2558,7 @@
           <p:cNvPr id="4" name="바닥글 개체 틀 3">
             <a:extLst>
               <a:ext uri="{FF2B5EF4-FFF2-40B4-BE49-F238E27FC236}">
-                <a16:creationId xmlns:a16="http://schemas.microsoft.com/office/drawing/2014/main" id="{43FEE6E1-89D7-49AE-A816-C7B25C1D5069}"/>
+                <a16:creationId xmlns:a16="http://schemas.microsoft.com/office/drawing/2014/main" xmlns="" id="{43FEE6E1-89D7-49AE-A816-C7B25C1D5069}"/>
               </a:ext>
             </a:extLst>
           </p:cNvPr>
@@ -2587,7 +2589,7 @@
           <p:cNvPr id="5" name="슬라이드 번호 개체 틀 4">
             <a:extLst>
               <a:ext uri="{FF2B5EF4-FFF2-40B4-BE49-F238E27FC236}">
-                <a16:creationId xmlns:a16="http://schemas.microsoft.com/office/drawing/2014/main" id="{516B1AE1-FDC9-44CA-9C12-53013C082766}"/>
+                <a16:creationId xmlns:a16="http://schemas.microsoft.com/office/drawing/2014/main" xmlns="" id="{516B1AE1-FDC9-44CA-9C12-53013C082766}"/>
               </a:ext>
             </a:extLst>
           </p:cNvPr>
@@ -2659,7 +2661,7 @@
           <p:cNvPr id="2" name="날짜 개체 틀 1">
             <a:extLst>
               <a:ext uri="{FF2B5EF4-FFF2-40B4-BE49-F238E27FC236}">
-                <a16:creationId xmlns:a16="http://schemas.microsoft.com/office/drawing/2014/main" id="{275ACA46-7E3A-4F54-B5C7-2D501C8054EF}"/>
+                <a16:creationId xmlns:a16="http://schemas.microsoft.com/office/drawing/2014/main" xmlns="" id="{275ACA46-7E3A-4F54-B5C7-2D501C8054EF}"/>
               </a:ext>
             </a:extLst>
           </p:cNvPr>
@@ -2683,7 +2685,7 @@
                   </a:prstClr>
                 </a:solidFill>
               </a:rPr>
-              <a:t>2019-05-12</a:t>
+              <a:t>2019-05-13</a:t>
             </a:fld>
             <a:endParaRPr lang="ko-KR" altLang="en-US">
               <a:solidFill>
@@ -2700,7 +2702,7 @@
           <p:cNvPr id="3" name="바닥글 개체 틀 2">
             <a:extLst>
               <a:ext uri="{FF2B5EF4-FFF2-40B4-BE49-F238E27FC236}">
-                <a16:creationId xmlns:a16="http://schemas.microsoft.com/office/drawing/2014/main" id="{3A6C4713-7972-4FE4-B6C4-CD4F252FD09F}"/>
+                <a16:creationId xmlns:a16="http://schemas.microsoft.com/office/drawing/2014/main" xmlns="" id="{3A6C4713-7972-4FE4-B6C4-CD4F252FD09F}"/>
               </a:ext>
             </a:extLst>
           </p:cNvPr>
@@ -2731,7 +2733,7 @@
           <p:cNvPr id="4" name="슬라이드 번호 개체 틀 3">
             <a:extLst>
               <a:ext uri="{FF2B5EF4-FFF2-40B4-BE49-F238E27FC236}">
-                <a16:creationId xmlns:a16="http://schemas.microsoft.com/office/drawing/2014/main" id="{7D64F96C-A2F1-409B-B68C-BE3C8992CC4D}"/>
+                <a16:creationId xmlns:a16="http://schemas.microsoft.com/office/drawing/2014/main" xmlns="" id="{7D64F96C-A2F1-409B-B68C-BE3C8992CC4D}"/>
               </a:ext>
             </a:extLst>
           </p:cNvPr>
@@ -2803,7 +2805,7 @@
           <p:cNvPr id="2" name="제목 1">
             <a:extLst>
               <a:ext uri="{FF2B5EF4-FFF2-40B4-BE49-F238E27FC236}">
-                <a16:creationId xmlns:a16="http://schemas.microsoft.com/office/drawing/2014/main" id="{C113D69A-09A1-4C99-B3A6-6FFAF00F0057}"/>
+                <a16:creationId xmlns:a16="http://schemas.microsoft.com/office/drawing/2014/main" xmlns="" id="{C113D69A-09A1-4C99-B3A6-6FFAF00F0057}"/>
               </a:ext>
             </a:extLst>
           </p:cNvPr>
@@ -2840,7 +2842,7 @@
           <p:cNvPr id="3" name="내용 개체 틀 2">
             <a:extLst>
               <a:ext uri="{FF2B5EF4-FFF2-40B4-BE49-F238E27FC236}">
-                <a16:creationId xmlns:a16="http://schemas.microsoft.com/office/drawing/2014/main" id="{EA0AD2F4-8A1D-4D48-B8E0-B0A9F378B44D}"/>
+                <a16:creationId xmlns:a16="http://schemas.microsoft.com/office/drawing/2014/main" xmlns="" id="{EA0AD2F4-8A1D-4D48-B8E0-B0A9F378B44D}"/>
               </a:ext>
             </a:extLst>
           </p:cNvPr>
@@ -2930,7 +2932,7 @@
           <p:cNvPr id="4" name="텍스트 개체 틀 3">
             <a:extLst>
               <a:ext uri="{FF2B5EF4-FFF2-40B4-BE49-F238E27FC236}">
-                <a16:creationId xmlns:a16="http://schemas.microsoft.com/office/drawing/2014/main" id="{1F2D0DD9-6BA7-496D-AB88-10339921C67C}"/>
+                <a16:creationId xmlns:a16="http://schemas.microsoft.com/office/drawing/2014/main" xmlns="" id="{1F2D0DD9-6BA7-496D-AB88-10339921C67C}"/>
               </a:ext>
             </a:extLst>
           </p:cNvPr>
@@ -3001,7 +3003,7 @@
           <p:cNvPr id="5" name="날짜 개체 틀 4">
             <a:extLst>
               <a:ext uri="{FF2B5EF4-FFF2-40B4-BE49-F238E27FC236}">
-                <a16:creationId xmlns:a16="http://schemas.microsoft.com/office/drawing/2014/main" id="{EE604958-49B0-4000-9AE8-1A82649DBB2B}"/>
+                <a16:creationId xmlns:a16="http://schemas.microsoft.com/office/drawing/2014/main" xmlns="" id="{EE604958-49B0-4000-9AE8-1A82649DBB2B}"/>
               </a:ext>
             </a:extLst>
           </p:cNvPr>
@@ -3025,7 +3027,7 @@
                   </a:prstClr>
                 </a:solidFill>
               </a:rPr>
-              <a:t>2019-05-12</a:t>
+              <a:t>2019-05-13</a:t>
             </a:fld>
             <a:endParaRPr lang="ko-KR" altLang="en-US">
               <a:solidFill>
@@ -3042,7 +3044,7 @@
           <p:cNvPr id="6" name="바닥글 개체 틀 5">
             <a:extLst>
               <a:ext uri="{FF2B5EF4-FFF2-40B4-BE49-F238E27FC236}">
-                <a16:creationId xmlns:a16="http://schemas.microsoft.com/office/drawing/2014/main" id="{5A224506-57FE-4AE4-915B-1BCF662CF85C}"/>
+                <a16:creationId xmlns:a16="http://schemas.microsoft.com/office/drawing/2014/main" xmlns="" id="{5A224506-57FE-4AE4-915B-1BCF662CF85C}"/>
               </a:ext>
             </a:extLst>
           </p:cNvPr>
@@ -3073,7 +3075,7 @@
           <p:cNvPr id="7" name="슬라이드 번호 개체 틀 6">
             <a:extLst>
               <a:ext uri="{FF2B5EF4-FFF2-40B4-BE49-F238E27FC236}">
-                <a16:creationId xmlns:a16="http://schemas.microsoft.com/office/drawing/2014/main" id="{106D5D81-A0DA-465B-9DDB-DA44E7CFA71E}"/>
+                <a16:creationId xmlns:a16="http://schemas.microsoft.com/office/drawing/2014/main" xmlns="" id="{106D5D81-A0DA-465B-9DDB-DA44E7CFA71E}"/>
               </a:ext>
             </a:extLst>
           </p:cNvPr>
@@ -3145,7 +3147,7 @@
           <p:cNvPr id="2" name="제목 1">
             <a:extLst>
               <a:ext uri="{FF2B5EF4-FFF2-40B4-BE49-F238E27FC236}">
-                <a16:creationId xmlns:a16="http://schemas.microsoft.com/office/drawing/2014/main" id="{8BD983AA-0F4A-45E5-9631-DE95D37482BB}"/>
+                <a16:creationId xmlns:a16="http://schemas.microsoft.com/office/drawing/2014/main" xmlns="" id="{8BD983AA-0F4A-45E5-9631-DE95D37482BB}"/>
               </a:ext>
             </a:extLst>
           </p:cNvPr>
@@ -3182,7 +3184,7 @@
           <p:cNvPr id="3" name="그림 개체 틀 2">
             <a:extLst>
               <a:ext uri="{FF2B5EF4-FFF2-40B4-BE49-F238E27FC236}">
-                <a16:creationId xmlns:a16="http://schemas.microsoft.com/office/drawing/2014/main" id="{4E327D0E-1174-49F8-B6E6-ED9C4C24CCD7}"/>
+                <a16:creationId xmlns:a16="http://schemas.microsoft.com/office/drawing/2014/main" xmlns="" id="{4E327D0E-1174-49F8-B6E6-ED9C4C24CCD7}"/>
               </a:ext>
             </a:extLst>
           </p:cNvPr>
@@ -3249,7 +3251,7 @@
           <p:cNvPr id="4" name="텍스트 개체 틀 3">
             <a:extLst>
               <a:ext uri="{FF2B5EF4-FFF2-40B4-BE49-F238E27FC236}">
-                <a16:creationId xmlns:a16="http://schemas.microsoft.com/office/drawing/2014/main" id="{909C250D-0505-42BE-A5E8-7419DF44EF8A}"/>
+                <a16:creationId xmlns:a16="http://schemas.microsoft.com/office/drawing/2014/main" xmlns="" id="{909C250D-0505-42BE-A5E8-7419DF44EF8A}"/>
               </a:ext>
             </a:extLst>
           </p:cNvPr>
@@ -3320,7 +3322,7 @@
           <p:cNvPr id="5" name="날짜 개체 틀 4">
             <a:extLst>
               <a:ext uri="{FF2B5EF4-FFF2-40B4-BE49-F238E27FC236}">
-                <a16:creationId xmlns:a16="http://schemas.microsoft.com/office/drawing/2014/main" id="{1BEAFD8E-9839-4C72-8762-8562A91618C3}"/>
+                <a16:creationId xmlns:a16="http://schemas.microsoft.com/office/drawing/2014/main" xmlns="" id="{1BEAFD8E-9839-4C72-8762-8562A91618C3}"/>
               </a:ext>
             </a:extLst>
           </p:cNvPr>
@@ -3344,7 +3346,7 @@
                   </a:prstClr>
                 </a:solidFill>
               </a:rPr>
-              <a:t>2019-05-12</a:t>
+              <a:t>2019-05-13</a:t>
             </a:fld>
             <a:endParaRPr lang="ko-KR" altLang="en-US">
               <a:solidFill>
@@ -3361,7 +3363,7 @@
           <p:cNvPr id="6" name="바닥글 개체 틀 5">
             <a:extLst>
               <a:ext uri="{FF2B5EF4-FFF2-40B4-BE49-F238E27FC236}">
-                <a16:creationId xmlns:a16="http://schemas.microsoft.com/office/drawing/2014/main" id="{9BFA4037-6B16-4DCF-B42A-04CA15059F48}"/>
+                <a16:creationId xmlns:a16="http://schemas.microsoft.com/office/drawing/2014/main" xmlns="" id="{9BFA4037-6B16-4DCF-B42A-04CA15059F48}"/>
               </a:ext>
             </a:extLst>
           </p:cNvPr>
@@ -3392,7 +3394,7 @@
           <p:cNvPr id="7" name="슬라이드 번호 개체 틀 6">
             <a:extLst>
               <a:ext uri="{FF2B5EF4-FFF2-40B4-BE49-F238E27FC236}">
-                <a16:creationId xmlns:a16="http://schemas.microsoft.com/office/drawing/2014/main" id="{F41A69A5-76C9-4317-9EA8-5195D125D9B5}"/>
+                <a16:creationId xmlns:a16="http://schemas.microsoft.com/office/drawing/2014/main" xmlns="" id="{F41A69A5-76C9-4317-9EA8-5195D125D9B5}"/>
               </a:ext>
             </a:extLst>
           </p:cNvPr>
@@ -3469,7 +3471,7 @@
           <p:cNvPr id="2" name="제목 개체 틀 1">
             <a:extLst>
               <a:ext uri="{FF2B5EF4-FFF2-40B4-BE49-F238E27FC236}">
-                <a16:creationId xmlns:a16="http://schemas.microsoft.com/office/drawing/2014/main" id="{E67ADECC-9799-4216-9862-AA5ADA4C89E7}"/>
+                <a16:creationId xmlns:a16="http://schemas.microsoft.com/office/drawing/2014/main" xmlns="" id="{E67ADECC-9799-4216-9862-AA5ADA4C89E7}"/>
               </a:ext>
             </a:extLst>
           </p:cNvPr>
@@ -3507,7 +3509,7 @@
           <p:cNvPr id="3" name="텍스트 개체 틀 2">
             <a:extLst>
               <a:ext uri="{FF2B5EF4-FFF2-40B4-BE49-F238E27FC236}">
-                <a16:creationId xmlns:a16="http://schemas.microsoft.com/office/drawing/2014/main" id="{247C8BE3-DBC3-496D-978E-EEAF27BD153D}"/>
+                <a16:creationId xmlns:a16="http://schemas.microsoft.com/office/drawing/2014/main" xmlns="" id="{247C8BE3-DBC3-496D-978E-EEAF27BD153D}"/>
               </a:ext>
             </a:extLst>
           </p:cNvPr>
@@ -3574,7 +3576,7 @@
           <p:cNvPr id="4" name="날짜 개체 틀 3">
             <a:extLst>
               <a:ext uri="{FF2B5EF4-FFF2-40B4-BE49-F238E27FC236}">
-                <a16:creationId xmlns:a16="http://schemas.microsoft.com/office/drawing/2014/main" id="{3EA01D7B-4D81-4C57-A818-0D2B635AD141}"/>
+                <a16:creationId xmlns:a16="http://schemas.microsoft.com/office/drawing/2014/main" xmlns="" id="{3EA01D7B-4D81-4C57-A818-0D2B635AD141}"/>
               </a:ext>
             </a:extLst>
           </p:cNvPr>
@@ -3616,7 +3618,7 @@
                   </a:prstClr>
                 </a:solidFill>
               </a:rPr>
-              <a:t>2019-05-12</a:t>
+              <a:t>2019-05-13</a:t>
             </a:fld>
             <a:endParaRPr lang="ko-KR" altLang="en-US">
               <a:solidFill>
@@ -3633,7 +3635,7 @@
           <p:cNvPr id="5" name="바닥글 개체 틀 4">
             <a:extLst>
               <a:ext uri="{FF2B5EF4-FFF2-40B4-BE49-F238E27FC236}">
-                <a16:creationId xmlns:a16="http://schemas.microsoft.com/office/drawing/2014/main" id="{D5504206-C714-4A83-8AB2-390F6A4DB12B}"/>
+                <a16:creationId xmlns:a16="http://schemas.microsoft.com/office/drawing/2014/main" xmlns="" id="{D5504206-C714-4A83-8AB2-390F6A4DB12B}"/>
               </a:ext>
             </a:extLst>
           </p:cNvPr>
@@ -3682,7 +3684,7 @@
           <p:cNvPr id="6" name="슬라이드 번호 개체 틀 5">
             <a:extLst>
               <a:ext uri="{FF2B5EF4-FFF2-40B4-BE49-F238E27FC236}">
-                <a16:creationId xmlns:a16="http://schemas.microsoft.com/office/drawing/2014/main" id="{DC61C595-D0A5-4894-99F9-5A8A1E0099AF}"/>
+                <a16:creationId xmlns:a16="http://schemas.microsoft.com/office/drawing/2014/main" xmlns="" id="{DC61C595-D0A5-4894-99F9-5A8A1E0099AF}"/>
               </a:ext>
             </a:extLst>
           </p:cNvPr>
@@ -4127,7 +4129,7 @@
           <p:cNvPr id="44" name="직사각형 43">
             <a:extLst>
               <a:ext uri="{FF2B5EF4-FFF2-40B4-BE49-F238E27FC236}">
-                <a16:creationId xmlns:a16="http://schemas.microsoft.com/office/drawing/2014/main" id="{D8241E59-0646-41EB-8ED0-090409856B7D}"/>
+                <a16:creationId xmlns:a16="http://schemas.microsoft.com/office/drawing/2014/main" xmlns="" id="{D8241E59-0646-41EB-8ED0-090409856B7D}"/>
               </a:ext>
             </a:extLst>
           </p:cNvPr>
@@ -4183,7 +4185,7 @@
           <p:cNvPr id="26" name="직사각형 25">
             <a:extLst>
               <a:ext uri="{FF2B5EF4-FFF2-40B4-BE49-F238E27FC236}">
-                <a16:creationId xmlns:a16="http://schemas.microsoft.com/office/drawing/2014/main" id="{24EDB60A-88EE-4624-924F-1D4B6948100C}"/>
+                <a16:creationId xmlns:a16="http://schemas.microsoft.com/office/drawing/2014/main" xmlns="" id="{24EDB60A-88EE-4624-924F-1D4B6948100C}"/>
               </a:ext>
             </a:extLst>
           </p:cNvPr>
@@ -4234,15 +4236,7 @@
                   <a:prstClr val="white"/>
                 </a:solidFill>
               </a:rPr>
-              <a:t>전투</a:t>
-            </a:r>
-            <a:r>
-              <a:rPr lang="ko-KR" altLang="en-US" sz="2400" b="1" kern="0" dirty="0" smtClean="0">
-                <a:solidFill>
-                  <a:prstClr val="white"/>
-                </a:solidFill>
-              </a:rPr>
-              <a:t> </a:t>
+              <a:t>전투 </a:t>
             </a:r>
             <a:r>
               <a:rPr lang="en-US" altLang="ko-KR" sz="2400" b="1" kern="0" dirty="0" smtClean="0">
@@ -4273,7 +4267,7 @@
           <p:cNvPr id="30" name="직사각형 29">
             <a:extLst>
               <a:ext uri="{FF2B5EF4-FFF2-40B4-BE49-F238E27FC236}">
-                <a16:creationId xmlns:a16="http://schemas.microsoft.com/office/drawing/2014/main" id="{32B56811-2E7B-4FBF-99CB-4CECF20A9AC0}"/>
+                <a16:creationId xmlns:a16="http://schemas.microsoft.com/office/drawing/2014/main" xmlns="" id="{32B56811-2E7B-4FBF-99CB-4CECF20A9AC0}"/>
               </a:ext>
             </a:extLst>
           </p:cNvPr>
@@ -4345,7 +4339,7 @@
             <p:cNvPr id="34" name="타원 33">
               <a:extLst>
                 <a:ext uri="{FF2B5EF4-FFF2-40B4-BE49-F238E27FC236}">
-                  <a16:creationId xmlns:a16="http://schemas.microsoft.com/office/drawing/2014/main" id="{D8241E59-0646-41EB-8ED0-090409856B7D}"/>
+                  <a16:creationId xmlns:a16="http://schemas.microsoft.com/office/drawing/2014/main" xmlns="" id="{D8241E59-0646-41EB-8ED0-090409856B7D}"/>
                 </a:ext>
               </a:extLst>
             </p:cNvPr>
@@ -4401,7 +4395,7 @@
             <p:cNvPr id="35" name="Freeform 11">
               <a:extLst>
                 <a:ext uri="{FF2B5EF4-FFF2-40B4-BE49-F238E27FC236}">
-                  <a16:creationId xmlns:a16="http://schemas.microsoft.com/office/drawing/2014/main" id="{C4F9A130-FA06-4C64-B9C8-AF00295A3700}"/>
+                  <a16:creationId xmlns:a16="http://schemas.microsoft.com/office/drawing/2014/main" xmlns="" id="{C4F9A130-FA06-4C64-B9C8-AF00295A3700}"/>
                 </a:ext>
               </a:extLst>
             </p:cNvPr>
@@ -6278,7 +6272,7 @@
             <p:cNvPr id="36" name="타원 35">
               <a:extLst>
                 <a:ext uri="{FF2B5EF4-FFF2-40B4-BE49-F238E27FC236}">
-                  <a16:creationId xmlns:a16="http://schemas.microsoft.com/office/drawing/2014/main" id="{D8241E59-0646-41EB-8ED0-090409856B7D}"/>
+                  <a16:creationId xmlns:a16="http://schemas.microsoft.com/office/drawing/2014/main" xmlns="" id="{D8241E59-0646-41EB-8ED0-090409856B7D}"/>
                 </a:ext>
               </a:extLst>
             </p:cNvPr>
@@ -6334,7 +6328,7 @@
             <p:cNvPr id="38" name="Group 20">
               <a:extLst>
                 <a:ext uri="{FF2B5EF4-FFF2-40B4-BE49-F238E27FC236}">
-                  <a16:creationId xmlns:a16="http://schemas.microsoft.com/office/drawing/2014/main" id="{1C7089A4-20D7-4AF1-BE6E-531433FE9E66}"/>
+                  <a16:creationId xmlns:a16="http://schemas.microsoft.com/office/drawing/2014/main" xmlns="" id="{1C7089A4-20D7-4AF1-BE6E-531433FE9E66}"/>
                 </a:ext>
               </a:extLst>
             </p:cNvPr>
@@ -6359,7 +6353,7 @@
               <p:cNvPr id="39" name="Freeform 22">
                 <a:extLst>
                   <a:ext uri="{FF2B5EF4-FFF2-40B4-BE49-F238E27FC236}">
-                    <a16:creationId xmlns:a16="http://schemas.microsoft.com/office/drawing/2014/main" id="{4FD96A79-3125-4B4D-9D0F-5318695145ED}"/>
+                    <a16:creationId xmlns:a16="http://schemas.microsoft.com/office/drawing/2014/main" xmlns="" id="{4FD96A79-3125-4B4D-9D0F-5318695145ED}"/>
                   </a:ext>
                 </a:extLst>
               </p:cNvPr>
@@ -7345,7 +7339,7 @@
               <p:cNvPr id="40" name="Freeform 23">
                 <a:extLst>
                   <a:ext uri="{FF2B5EF4-FFF2-40B4-BE49-F238E27FC236}">
-                    <a16:creationId xmlns:a16="http://schemas.microsoft.com/office/drawing/2014/main" id="{1E104CFD-44EE-4744-892C-82D81F2C0045}"/>
+                    <a16:creationId xmlns:a16="http://schemas.microsoft.com/office/drawing/2014/main" xmlns="" id="{1E104CFD-44EE-4744-892C-82D81F2C0045}"/>
                   </a:ext>
                 </a:extLst>
               </p:cNvPr>
@@ -8241,7 +8235,7 @@
               <p:cNvPr id="41" name="Freeform 24">
                 <a:extLst>
                   <a:ext uri="{FF2B5EF4-FFF2-40B4-BE49-F238E27FC236}">
-                    <a16:creationId xmlns:a16="http://schemas.microsoft.com/office/drawing/2014/main" id="{E013D346-0728-4628-A7B9-15F1191C1C66}"/>
+                    <a16:creationId xmlns:a16="http://schemas.microsoft.com/office/drawing/2014/main" xmlns="" id="{E013D346-0728-4628-A7B9-15F1191C1C66}"/>
                   </a:ext>
                 </a:extLst>
               </p:cNvPr>
@@ -8685,7 +8679,7 @@
               <p:cNvPr id="42" name="Freeform 25">
                 <a:extLst>
                   <a:ext uri="{FF2B5EF4-FFF2-40B4-BE49-F238E27FC236}">
-                    <a16:creationId xmlns:a16="http://schemas.microsoft.com/office/drawing/2014/main" id="{388D3E4B-8569-4D4B-B6C3-A3B9FCAA8122}"/>
+                    <a16:creationId xmlns:a16="http://schemas.microsoft.com/office/drawing/2014/main" xmlns="" id="{388D3E4B-8569-4D4B-B6C3-A3B9FCAA8122}"/>
                   </a:ext>
                 </a:extLst>
               </p:cNvPr>
@@ -9158,6 +9152,811 @@
 </p:sld>
 </file>
 
+<file path=ppt/slides/slide10.xml><?xml version="1.0" encoding="utf-8"?>
+<p:sld xmlns:a="http://schemas.openxmlformats.org/drawingml/2006/main" xmlns:r="http://schemas.openxmlformats.org/officeDocument/2006/relationships" xmlns:p="http://schemas.openxmlformats.org/presentationml/2006/main">
+  <p:cSld>
+    <p:bg>
+      <p:bgPr>
+        <a:solidFill>
+          <a:schemeClr val="tx2">
+            <a:lumMod val="50000"/>
+          </a:schemeClr>
+        </a:solidFill>
+        <a:effectLst/>
+      </p:bgPr>
+    </p:bg>
+    <p:spTree>
+      <p:nvGrpSpPr>
+        <p:cNvPr id="1" name=""/>
+        <p:cNvGrpSpPr/>
+        <p:nvPr/>
+      </p:nvGrpSpPr>
+      <p:grpSpPr>
+        <a:xfrm>
+          <a:off x="0" y="0"/>
+          <a:ext cx="0" cy="0"/>
+          <a:chOff x="0" y="0"/>
+          <a:chExt cx="0" cy="0"/>
+        </a:xfrm>
+      </p:grpSpPr>
+      <p:sp>
+        <p:nvSpPr>
+          <p:cNvPr id="40" name="사각형: 둥근 모서리 39">
+            <a:extLst>
+              <a:ext uri="{FF2B5EF4-FFF2-40B4-BE49-F238E27FC236}">
+                <a16:creationId xmlns:a16="http://schemas.microsoft.com/office/drawing/2014/main" xmlns="" id="{DEB48728-12FA-4B10-82E6-7899DDCA2731}"/>
+              </a:ext>
+            </a:extLst>
+          </p:cNvPr>
+          <p:cNvSpPr/>
+          <p:nvPr/>
+        </p:nvSpPr>
+        <p:spPr>
+          <a:xfrm>
+            <a:off x="491492" y="504093"/>
+            <a:ext cx="1711727" cy="585286"/>
+          </a:xfrm>
+          <a:prstGeom prst="roundRect">
+            <a:avLst>
+              <a:gd name="adj" fmla="val 50000"/>
+            </a:avLst>
+          </a:prstGeom>
+          <a:solidFill>
+            <a:srgbClr val="181E26"/>
+          </a:solidFill>
+          <a:ln>
+            <a:noFill/>
+          </a:ln>
+        </p:spPr>
+        <p:style>
+          <a:lnRef idx="2">
+            <a:schemeClr val="accent1">
+              <a:shade val="50000"/>
+            </a:schemeClr>
+          </a:lnRef>
+          <a:fillRef idx="1">
+            <a:schemeClr val="accent1"/>
+          </a:fillRef>
+          <a:effectRef idx="0">
+            <a:schemeClr val="accent1"/>
+          </a:effectRef>
+          <a:fontRef idx="minor">
+            <a:schemeClr val="lt1"/>
+          </a:fontRef>
+        </p:style>
+        <p:txBody>
+          <a:bodyPr rtlCol="0" anchor="ctr"/>
+          <a:lstStyle/>
+          <a:p>
+            <a:pPr algn="ctr">
+              <a:lnSpc>
+                <a:spcPct val="150000"/>
+              </a:lnSpc>
+            </a:pPr>
+            <a:r>
+              <a:rPr lang="ko-KR" altLang="en-US" sz="2400" b="1" dirty="0" smtClean="0">
+                <a:solidFill>
+                  <a:prstClr val="white"/>
+                </a:solidFill>
+              </a:rPr>
+              <a:t>기본 화면</a:t>
+            </a:r>
+            <a:endParaRPr lang="en-US" altLang="ko-KR" sz="1600" dirty="0">
+              <a:solidFill>
+                <a:prstClr val="white">
+                  <a:lumMod val="50000"/>
+                </a:prstClr>
+              </a:solidFill>
+            </a:endParaRPr>
+          </a:p>
+        </p:txBody>
+      </p:sp>
+      <p:sp>
+        <p:nvSpPr>
+          <p:cNvPr id="43" name="직사각형 42">
+            <a:extLst>
+              <a:ext uri="{FF2B5EF4-FFF2-40B4-BE49-F238E27FC236}">
+                <a16:creationId xmlns:a16="http://schemas.microsoft.com/office/drawing/2014/main" xmlns="" id="{32B56811-2E7B-4FBF-99CB-4CECF20A9AC0}"/>
+              </a:ext>
+            </a:extLst>
+          </p:cNvPr>
+          <p:cNvSpPr/>
+          <p:nvPr/>
+        </p:nvSpPr>
+        <p:spPr>
+          <a:xfrm>
+            <a:off x="0" y="472736"/>
+            <a:ext cx="45719" cy="648000"/>
+          </a:xfrm>
+          <a:prstGeom prst="rect">
+            <a:avLst/>
+          </a:prstGeom>
+          <a:solidFill>
+            <a:srgbClr val="FF9900"/>
+          </a:solidFill>
+          <a:ln>
+            <a:noFill/>
+          </a:ln>
+        </p:spPr>
+        <p:style>
+          <a:lnRef idx="2">
+            <a:schemeClr val="accent1">
+              <a:shade val="50000"/>
+            </a:schemeClr>
+          </a:lnRef>
+          <a:fillRef idx="1">
+            <a:schemeClr val="accent1"/>
+          </a:fillRef>
+          <a:effectRef idx="0">
+            <a:schemeClr val="accent1"/>
+          </a:effectRef>
+          <a:fontRef idx="minor">
+            <a:schemeClr val="lt1"/>
+          </a:fontRef>
+        </p:style>
+        <p:txBody>
+          <a:bodyPr rtlCol="0" anchor="ctr"/>
+          <a:lstStyle/>
+          <a:p>
+            <a:pPr algn="ctr">
+              <a:defRPr/>
+            </a:pPr>
+            <a:endParaRPr lang="ko-KR" altLang="en-US">
+              <a:solidFill>
+                <a:prstClr val="white"/>
+              </a:solidFill>
+            </a:endParaRPr>
+          </a:p>
+        </p:txBody>
+      </p:sp>
+      <p:sp>
+        <p:nvSpPr>
+          <p:cNvPr id="2" name="슬라이드 번호 개체 틀 1"/>
+          <p:cNvSpPr>
+            <a:spLocks noGrp="1"/>
+          </p:cNvSpPr>
+          <p:nvPr>
+            <p:ph type="sldNum" sz="quarter" idx="12"/>
+          </p:nvPr>
+        </p:nvSpPr>
+        <p:spPr/>
+        <p:txBody>
+          <a:bodyPr/>
+          <a:lstStyle/>
+          <a:p>
+            <a:fld id="{5D878A70-FB77-4F9B-8311-4FBED7F04F1E}" type="slidenum">
+              <a:rPr lang="ko-KR" altLang="en-US" sz="1600" smtClean="0">
+                <a:solidFill>
+                  <a:prstClr val="black">
+                    <a:tint val="75000"/>
+                  </a:prstClr>
+                </a:solidFill>
+              </a:rPr>
+              <a:pPr/>
+              <a:t>10</a:t>
+            </a:fld>
+            <a:endParaRPr lang="ko-KR" altLang="en-US" sz="1600" dirty="0">
+              <a:solidFill>
+                <a:prstClr val="black">
+                  <a:tint val="75000"/>
+                </a:prstClr>
+              </a:solidFill>
+            </a:endParaRPr>
+          </a:p>
+        </p:txBody>
+      </p:sp>
+      <p:pic>
+        <p:nvPicPr>
+          <p:cNvPr id="5" name="그림 4"/>
+          <p:cNvPicPr>
+            <a:picLocks noChangeAspect="1"/>
+          </p:cNvPicPr>
+          <p:nvPr/>
+        </p:nvPicPr>
+        <p:blipFill>
+          <a:blip r:embed="rId2" cstate="print">
+            <a:extLst>
+              <a:ext uri="{28A0092B-C50C-407E-A947-70E740481C1C}">
+                <a14:useLocalDpi xmlns:a14="http://schemas.microsoft.com/office/drawing/2010/main" val="0"/>
+              </a:ext>
+            </a:extLst>
+          </a:blip>
+          <a:stretch>
+            <a:fillRect/>
+          </a:stretch>
+        </p:blipFill>
+        <p:spPr>
+          <a:xfrm>
+            <a:off x="491492" y="1332345"/>
+            <a:ext cx="2404740" cy="1352666"/>
+          </a:xfrm>
+          <a:prstGeom prst="rect">
+            <a:avLst/>
+          </a:prstGeom>
+        </p:spPr>
+      </p:pic>
+      <p:sp>
+        <p:nvSpPr>
+          <p:cNvPr id="10" name="직사각형 9"/>
+          <p:cNvSpPr/>
+          <p:nvPr/>
+        </p:nvSpPr>
+        <p:spPr>
+          <a:xfrm>
+            <a:off x="1280324" y="2542834"/>
+            <a:ext cx="827075" cy="145472"/>
+          </a:xfrm>
+          <a:prstGeom prst="rect">
+            <a:avLst/>
+          </a:prstGeom>
+          <a:noFill/>
+          <a:ln>
+            <a:solidFill>
+              <a:srgbClr val="FF0000"/>
+            </a:solidFill>
+            <a:prstDash val="dash"/>
+          </a:ln>
+        </p:spPr>
+        <p:style>
+          <a:lnRef idx="2">
+            <a:schemeClr val="accent1">
+              <a:shade val="50000"/>
+            </a:schemeClr>
+          </a:lnRef>
+          <a:fillRef idx="1">
+            <a:schemeClr val="accent1"/>
+          </a:fillRef>
+          <a:effectRef idx="0">
+            <a:schemeClr val="accent1"/>
+          </a:effectRef>
+          <a:fontRef idx="minor">
+            <a:schemeClr val="lt1"/>
+          </a:fontRef>
+        </p:style>
+        <p:txBody>
+          <a:bodyPr rtlCol="0" anchor="ctr"/>
+          <a:lstStyle/>
+          <a:p>
+            <a:pPr algn="ctr"/>
+            <a:endParaRPr lang="ko-KR" altLang="en-US"/>
+          </a:p>
+        </p:txBody>
+      </p:sp>
+      <p:sp>
+        <p:nvSpPr>
+          <p:cNvPr id="13" name="직사각형 12">
+            <a:extLst>
+              <a:ext uri="{FF2B5EF4-FFF2-40B4-BE49-F238E27FC236}">
+                <a16:creationId xmlns:a16="http://schemas.microsoft.com/office/drawing/2014/main" xmlns="" id="{24EDB60A-88EE-4624-924F-1D4B6948100C}"/>
+              </a:ext>
+            </a:extLst>
+          </p:cNvPr>
+          <p:cNvSpPr/>
+          <p:nvPr/>
+        </p:nvSpPr>
+        <p:spPr>
+          <a:xfrm>
+            <a:off x="2371327" y="544106"/>
+            <a:ext cx="1751786" cy="461665"/>
+          </a:xfrm>
+          <a:prstGeom prst="rect">
+            <a:avLst/>
+          </a:prstGeom>
+          <a:noFill/>
+        </p:spPr>
+        <p:txBody>
+          <a:bodyPr wrap="square">
+            <a:spAutoFit/>
+          </a:bodyPr>
+          <a:lstStyle/>
+          <a:p>
+            <a:pPr latinLnBrk="0">
+              <a:lnSpc>
+                <a:spcPct val="150000"/>
+              </a:lnSpc>
+              <a:defRPr/>
+            </a:pPr>
+            <a:r>
+              <a:rPr lang="en-US" altLang="ko-KR" sz="1600" kern="0" dirty="0">
+                <a:solidFill>
+                  <a:prstClr val="white"/>
+                </a:solidFill>
+              </a:rPr>
+              <a:t>4</a:t>
+            </a:r>
+            <a:r>
+              <a:rPr lang="en-US" altLang="ko-KR" sz="1600" kern="0" dirty="0" smtClean="0">
+                <a:solidFill>
+                  <a:prstClr val="white"/>
+                </a:solidFill>
+              </a:rPr>
+              <a:t>) </a:t>
+            </a:r>
+            <a:r>
+              <a:rPr lang="ko-KR" altLang="en-US" sz="1600" kern="0" dirty="0" err="1" smtClean="0">
+                <a:solidFill>
+                  <a:prstClr val="white"/>
+                </a:solidFill>
+              </a:rPr>
+              <a:t>스테이터스</a:t>
+            </a:r>
+            <a:endParaRPr lang="ko-KR" altLang="en-US" sz="8800" kern="0" dirty="0">
+              <a:solidFill>
+                <a:prstClr val="white"/>
+              </a:solidFill>
+            </a:endParaRPr>
+          </a:p>
+        </p:txBody>
+      </p:sp>
+      <p:cxnSp>
+        <p:nvCxnSpPr>
+          <p:cNvPr id="15" name="직선 화살표 연결선 14"/>
+          <p:cNvCxnSpPr/>
+          <p:nvPr/>
+        </p:nvCxnSpPr>
+        <p:spPr>
+          <a:xfrm>
+            <a:off x="2051732" y="2615570"/>
+            <a:ext cx="1195555" cy="873109"/>
+          </a:xfrm>
+          <a:prstGeom prst="straightConnector1">
+            <a:avLst/>
+          </a:prstGeom>
+          <a:ln w="28575">
+            <a:solidFill>
+              <a:srgbClr val="FF0000"/>
+            </a:solidFill>
+            <a:tailEnd type="triangle"/>
+          </a:ln>
+        </p:spPr>
+        <p:style>
+          <a:lnRef idx="1">
+            <a:schemeClr val="accent1"/>
+          </a:lnRef>
+          <a:fillRef idx="0">
+            <a:schemeClr val="accent1"/>
+          </a:fillRef>
+          <a:effectRef idx="0">
+            <a:schemeClr val="accent1"/>
+          </a:effectRef>
+          <a:fontRef idx="minor">
+            <a:schemeClr val="tx1"/>
+          </a:fontRef>
+        </p:style>
+      </p:cxnSp>
+      <p:pic>
+        <p:nvPicPr>
+          <p:cNvPr id="1026" name="Picture 2"/>
+          <p:cNvPicPr>
+            <a:picLocks noChangeAspect="1" noChangeArrowheads="1"/>
+          </p:cNvPicPr>
+          <p:nvPr/>
+        </p:nvPicPr>
+        <p:blipFill>
+          <a:blip r:embed="rId3">
+            <a:extLst>
+              <a:ext uri="{28A0092B-C50C-407E-A947-70E740481C1C}">
+                <a14:useLocalDpi xmlns:a14="http://schemas.microsoft.com/office/drawing/2010/main" val="0"/>
+              </a:ext>
+            </a:extLst>
+          </a:blip>
+          <a:srcRect/>
+          <a:stretch>
+            <a:fillRect/>
+          </a:stretch>
+        </p:blipFill>
+        <p:spPr bwMode="auto">
+          <a:xfrm>
+            <a:off x="3247287" y="3488679"/>
+            <a:ext cx="5281933" cy="1478153"/>
+          </a:xfrm>
+          <a:prstGeom prst="rect">
+            <a:avLst/>
+          </a:prstGeom>
+          <a:noFill/>
+          <a:ln>
+            <a:noFill/>
+          </a:ln>
+          <a:effectLst/>
+          <a:extLst>
+            <a:ext uri="{909E8E84-426E-40DD-AFC4-6F175D3DCCD1}">
+              <a14:hiddenFill xmlns:a14="http://schemas.microsoft.com/office/drawing/2010/main">
+                <a:solidFill>
+                  <a:schemeClr val="accent1"/>
+                </a:solidFill>
+              </a14:hiddenFill>
+            </a:ext>
+            <a:ext uri="{91240B29-F687-4F45-9708-019B960494DF}">
+              <a14:hiddenLine xmlns:a14="http://schemas.microsoft.com/office/drawing/2010/main" w="9525">
+                <a:solidFill>
+                  <a:schemeClr val="tx1"/>
+                </a:solidFill>
+                <a:miter lim="800000"/>
+                <a:headEnd/>
+                <a:tailEnd/>
+              </a14:hiddenLine>
+            </a:ext>
+            <a:ext uri="{AF507438-7753-43E0-B8FC-AC1667EBCBE1}">
+              <a14:hiddenEffects xmlns:a14="http://schemas.microsoft.com/office/drawing/2010/main">
+                <a:effectLst>
+                  <a:outerShdw dist="35921" dir="2700000" algn="ctr" rotWithShape="0">
+                    <a:schemeClr val="bg2"/>
+                  </a:outerShdw>
+                </a:effectLst>
+              </a14:hiddenEffects>
+            </a:ext>
+          </a:extLst>
+        </p:spPr>
+      </p:pic>
+      <p:sp>
+        <p:nvSpPr>
+          <p:cNvPr id="22" name="직사각형 21"/>
+          <p:cNvSpPr/>
+          <p:nvPr/>
+        </p:nvSpPr>
+        <p:spPr>
+          <a:xfrm>
+            <a:off x="4697206" y="3737562"/>
+            <a:ext cx="2133252" cy="556296"/>
+          </a:xfrm>
+          <a:prstGeom prst="rect">
+            <a:avLst/>
+          </a:prstGeom>
+          <a:noFill/>
+          <a:ln>
+            <a:solidFill>
+              <a:srgbClr val="FF0000"/>
+            </a:solidFill>
+            <a:prstDash val="dash"/>
+          </a:ln>
+        </p:spPr>
+        <p:style>
+          <a:lnRef idx="2">
+            <a:schemeClr val="accent1">
+              <a:shade val="50000"/>
+            </a:schemeClr>
+          </a:lnRef>
+          <a:fillRef idx="1">
+            <a:schemeClr val="accent1"/>
+          </a:fillRef>
+          <a:effectRef idx="0">
+            <a:schemeClr val="accent1"/>
+          </a:effectRef>
+          <a:fontRef idx="minor">
+            <a:schemeClr val="lt1"/>
+          </a:fontRef>
+        </p:style>
+        <p:txBody>
+          <a:bodyPr rtlCol="0" anchor="ctr"/>
+          <a:lstStyle/>
+          <a:p>
+            <a:pPr algn="ctr"/>
+            <a:endParaRPr lang="ko-KR" altLang="en-US"/>
+          </a:p>
+        </p:txBody>
+      </p:sp>
+      <p:cxnSp>
+        <p:nvCxnSpPr>
+          <p:cNvPr id="30" name="직선 화살표 연결선 29"/>
+          <p:cNvCxnSpPr/>
+          <p:nvPr/>
+        </p:nvCxnSpPr>
+        <p:spPr>
+          <a:xfrm flipH="1">
+            <a:off x="5772839" y="2539850"/>
+            <a:ext cx="506776" cy="1197712"/>
+          </a:xfrm>
+          <a:prstGeom prst="straightConnector1">
+            <a:avLst/>
+          </a:prstGeom>
+          <a:ln w="28575">
+            <a:solidFill>
+              <a:srgbClr val="FF0000"/>
+            </a:solidFill>
+            <a:prstDash val="dash"/>
+            <a:tailEnd type="triangle"/>
+          </a:ln>
+        </p:spPr>
+        <p:style>
+          <a:lnRef idx="1">
+            <a:schemeClr val="accent1"/>
+          </a:lnRef>
+          <a:fillRef idx="0">
+            <a:schemeClr val="accent1"/>
+          </a:fillRef>
+          <a:effectRef idx="0">
+            <a:schemeClr val="accent1"/>
+          </a:effectRef>
+          <a:fontRef idx="minor">
+            <a:schemeClr val="tx1"/>
+          </a:fontRef>
+        </p:style>
+      </p:cxnSp>
+      <p:sp>
+        <p:nvSpPr>
+          <p:cNvPr id="24" name="직사각형 23"/>
+          <p:cNvSpPr/>
+          <p:nvPr/>
+        </p:nvSpPr>
+        <p:spPr>
+          <a:xfrm>
+            <a:off x="5772839" y="1123721"/>
+            <a:ext cx="5640636" cy="1416130"/>
+          </a:xfrm>
+          <a:prstGeom prst="rect">
+            <a:avLst/>
+          </a:prstGeom>
+          <a:solidFill>
+            <a:schemeClr val="tx2"/>
+          </a:solidFill>
+          <a:ln>
+            <a:solidFill>
+              <a:schemeClr val="accent5">
+                <a:lumMod val="50000"/>
+              </a:schemeClr>
+            </a:solidFill>
+          </a:ln>
+        </p:spPr>
+        <p:style>
+          <a:lnRef idx="2">
+            <a:schemeClr val="accent1">
+              <a:shade val="50000"/>
+            </a:schemeClr>
+          </a:lnRef>
+          <a:fillRef idx="1">
+            <a:schemeClr val="accent1"/>
+          </a:fillRef>
+          <a:effectRef idx="0">
+            <a:schemeClr val="accent1"/>
+          </a:effectRef>
+          <a:fontRef idx="minor">
+            <a:schemeClr val="lt1"/>
+          </a:fontRef>
+        </p:style>
+        <p:txBody>
+          <a:bodyPr rtlCol="0" anchor="ctr"/>
+          <a:lstStyle/>
+          <a:p>
+            <a:r>
+              <a:rPr lang="ko-KR" altLang="en-US" sz="1200" dirty="0" smtClean="0">
+                <a:solidFill>
+                  <a:schemeClr val="bg1">
+                    <a:lumMod val="85000"/>
+                  </a:schemeClr>
+                </a:solidFill>
+              </a:rPr>
+              <a:t>플레이어가 현재 </a:t>
+            </a:r>
+            <a:r>
+              <a:rPr lang="ko-KR" altLang="en-US" sz="1200" dirty="0" err="1" smtClean="0">
+                <a:solidFill>
+                  <a:schemeClr val="bg1">
+                    <a:lumMod val="85000"/>
+                  </a:schemeClr>
+                </a:solidFill>
+              </a:rPr>
+              <a:t>들고있는</a:t>
+            </a:r>
+            <a:r>
+              <a:rPr lang="ko-KR" altLang="en-US" sz="1200" dirty="0" smtClean="0">
+                <a:solidFill>
+                  <a:schemeClr val="bg1">
+                    <a:lumMod val="85000"/>
+                  </a:schemeClr>
+                </a:solidFill>
+              </a:rPr>
+              <a:t> 주무기의 탄약과 발사모드를 보여준다</a:t>
+            </a:r>
+            <a:r>
+              <a:rPr lang="en-US" altLang="ko-KR" sz="1200" dirty="0" smtClean="0">
+                <a:solidFill>
+                  <a:schemeClr val="bg1">
+                    <a:lumMod val="85000"/>
+                  </a:schemeClr>
+                </a:solidFill>
+              </a:rPr>
+              <a:t>.</a:t>
+            </a:r>
+          </a:p>
+          <a:p>
+            <a:r>
+              <a:rPr lang="ko-KR" altLang="en-US" sz="1200" dirty="0" smtClean="0">
+                <a:solidFill>
+                  <a:schemeClr val="bg1">
+                    <a:lumMod val="85000"/>
+                  </a:schemeClr>
+                </a:solidFill>
+              </a:rPr>
+              <a:t>총기류의 경우</a:t>
+            </a:r>
+            <a:r>
+              <a:rPr lang="en-US" altLang="ko-KR" sz="1200" dirty="0" smtClean="0">
+                <a:solidFill>
+                  <a:schemeClr val="bg1">
+                    <a:lumMod val="85000"/>
+                  </a:schemeClr>
+                </a:solidFill>
+              </a:rPr>
+              <a:t>, </a:t>
+            </a:r>
+            <a:r>
+              <a:rPr lang="ko-KR" altLang="en-US" sz="1200" dirty="0" smtClean="0">
+                <a:solidFill>
+                  <a:schemeClr val="bg1">
+                    <a:lumMod val="85000"/>
+                  </a:schemeClr>
+                </a:solidFill>
+              </a:rPr>
+              <a:t>발사모드가 존재한다면 좌측에 </a:t>
+            </a:r>
+            <a:r>
+              <a:rPr lang="ko-KR" altLang="en-US" sz="1200" dirty="0" smtClean="0">
+                <a:solidFill>
+                  <a:schemeClr val="bg1">
+                    <a:lumMod val="85000"/>
+                  </a:schemeClr>
+                </a:solidFill>
+              </a:rPr>
+              <a:t>단발</a:t>
+            </a:r>
+            <a:r>
+              <a:rPr lang="en-US" altLang="ko-KR" sz="1200" dirty="0" smtClean="0">
+                <a:solidFill>
+                  <a:schemeClr val="bg1">
+                    <a:lumMod val="85000"/>
+                  </a:schemeClr>
+                </a:solidFill>
+              </a:rPr>
+              <a:t>, </a:t>
+            </a:r>
+            <a:r>
+              <a:rPr lang="ko-KR" altLang="en-US" sz="1200" dirty="0" err="1" smtClean="0">
+                <a:solidFill>
+                  <a:schemeClr val="bg1">
+                    <a:lumMod val="85000"/>
+                  </a:schemeClr>
+                </a:solidFill>
+              </a:rPr>
+              <a:t>점사</a:t>
+            </a:r>
+            <a:r>
+              <a:rPr lang="en-US" altLang="ko-KR" sz="1200" dirty="0" smtClean="0">
+                <a:solidFill>
+                  <a:schemeClr val="bg1">
+                    <a:lumMod val="85000"/>
+                  </a:schemeClr>
+                </a:solidFill>
+              </a:rPr>
+              <a:t>, </a:t>
+            </a:r>
+            <a:r>
+              <a:rPr lang="ko-KR" altLang="en-US" sz="1200" dirty="0" smtClean="0">
+                <a:solidFill>
+                  <a:schemeClr val="bg1">
+                    <a:lumMod val="85000"/>
+                  </a:schemeClr>
+                </a:solidFill>
+              </a:rPr>
+              <a:t>연사</a:t>
+            </a:r>
+            <a:r>
+              <a:rPr lang="en-US" altLang="ko-KR" sz="1200" dirty="0" smtClean="0">
+                <a:solidFill>
+                  <a:schemeClr val="bg1">
+                    <a:lumMod val="85000"/>
+                  </a:schemeClr>
+                </a:solidFill>
+              </a:rPr>
+              <a:t> </a:t>
+            </a:r>
+            <a:r>
+              <a:rPr lang="ko-KR" altLang="en-US" sz="1200" dirty="0" smtClean="0">
+                <a:solidFill>
+                  <a:schemeClr val="bg1">
+                    <a:lumMod val="85000"/>
+                  </a:schemeClr>
+                </a:solidFill>
+              </a:rPr>
+              <a:t>중 </a:t>
+            </a:r>
+            <a:endParaRPr lang="en-US" altLang="ko-KR" sz="1200" dirty="0" smtClean="0">
+              <a:solidFill>
+                <a:schemeClr val="bg1">
+                  <a:lumMod val="85000"/>
+                </a:schemeClr>
+              </a:solidFill>
+            </a:endParaRPr>
+          </a:p>
+          <a:p>
+            <a:r>
+              <a:rPr lang="ko-KR" altLang="en-US" sz="1200" dirty="0" smtClean="0">
+                <a:solidFill>
+                  <a:schemeClr val="bg1">
+                    <a:lumMod val="85000"/>
+                  </a:schemeClr>
+                </a:solidFill>
+              </a:rPr>
+              <a:t>하나가 추가로 표시된다</a:t>
+            </a:r>
+            <a:r>
+              <a:rPr lang="en-US" altLang="ko-KR" sz="1200" dirty="0" smtClean="0">
+                <a:solidFill>
+                  <a:schemeClr val="bg1">
+                    <a:lumMod val="85000"/>
+                  </a:schemeClr>
+                </a:solidFill>
+              </a:rPr>
+              <a:t>. </a:t>
+            </a:r>
+            <a:r>
+              <a:rPr lang="ko-KR" altLang="en-US" sz="1200" dirty="0" smtClean="0">
+                <a:solidFill>
+                  <a:schemeClr val="bg1">
+                    <a:lumMod val="85000"/>
+                  </a:schemeClr>
+                </a:solidFill>
+              </a:rPr>
+              <a:t>우측에는 장전되어 있는 잔여 탄약과 </a:t>
+            </a:r>
+            <a:endParaRPr lang="en-US" altLang="ko-KR" sz="1200" dirty="0" smtClean="0">
+              <a:solidFill>
+                <a:schemeClr val="bg1">
+                  <a:lumMod val="85000"/>
+                </a:schemeClr>
+              </a:solidFill>
+            </a:endParaRPr>
+          </a:p>
+          <a:p>
+            <a:r>
+              <a:rPr lang="ko-KR" altLang="en-US" sz="1200" dirty="0" smtClean="0">
+                <a:solidFill>
+                  <a:schemeClr val="bg1">
+                    <a:lumMod val="85000"/>
+                  </a:schemeClr>
+                </a:solidFill>
+              </a:rPr>
+              <a:t>가방에 보유하고 있는 탄약을 숫자로 표현한다</a:t>
+            </a:r>
+            <a:r>
+              <a:rPr lang="en-US" altLang="ko-KR" sz="1200" smtClean="0">
+                <a:solidFill>
+                  <a:schemeClr val="bg1">
+                    <a:lumMod val="85000"/>
+                  </a:schemeClr>
+                </a:solidFill>
+              </a:rPr>
+              <a:t>. </a:t>
+            </a:r>
+            <a:endParaRPr lang="en-US" altLang="ko-KR" sz="1200" dirty="0" smtClean="0">
+              <a:solidFill>
+                <a:schemeClr val="bg1">
+                  <a:lumMod val="85000"/>
+                </a:schemeClr>
+              </a:solidFill>
+            </a:endParaRPr>
+          </a:p>
+        </p:txBody>
+      </p:sp>
+    </p:spTree>
+    <p:extLst>
+      <p:ext uri="{BB962C8B-B14F-4D97-AF65-F5344CB8AC3E}">
+        <p14:creationId xmlns:p14="http://schemas.microsoft.com/office/powerpoint/2010/main" val="3688643029"/>
+      </p:ext>
+    </p:extLst>
+  </p:cSld>
+  <p:clrMapOvr>
+    <a:masterClrMapping/>
+  </p:clrMapOvr>
+  <p:timing>
+    <p:tnLst>
+      <p:par>
+        <p:cTn id="1" dur="indefinite" restart="never" nodeType="tmRoot"/>
+      </p:par>
+    </p:tnLst>
+  </p:timing>
+</p:sld>
+</file>
+
 <file path=ppt/slides/slide2.xml><?xml version="1.0" encoding="utf-8"?>
 <p:sld xmlns:a="http://schemas.openxmlformats.org/drawingml/2006/main" xmlns:r="http://schemas.openxmlformats.org/officeDocument/2006/relationships" xmlns:p="http://schemas.openxmlformats.org/presentationml/2006/main">
   <p:cSld>
@@ -9190,7 +9989,7 @@
           <p:cNvPr id="3" name="직선 연결선 2">
             <a:extLst>
               <a:ext uri="{FF2B5EF4-FFF2-40B4-BE49-F238E27FC236}">
-                <a16:creationId xmlns:a16="http://schemas.microsoft.com/office/drawing/2014/main" id="{24C98E6B-2B63-475F-837A-7E31088AD69A}"/>
+                <a16:creationId xmlns:a16="http://schemas.microsoft.com/office/drawing/2014/main" xmlns="" id="{24C98E6B-2B63-475F-837A-7E31088AD69A}"/>
               </a:ext>
             </a:extLst>
           </p:cNvPr>
@@ -9233,7 +10032,7 @@
           <p:cNvPr id="22" name="타원 21">
             <a:extLst>
               <a:ext uri="{FF2B5EF4-FFF2-40B4-BE49-F238E27FC236}">
-                <a16:creationId xmlns:a16="http://schemas.microsoft.com/office/drawing/2014/main" id="{D8241E59-0646-41EB-8ED0-090409856B7D}"/>
+                <a16:creationId xmlns:a16="http://schemas.microsoft.com/office/drawing/2014/main" xmlns="" id="{D8241E59-0646-41EB-8ED0-090409856B7D}"/>
               </a:ext>
             </a:extLst>
           </p:cNvPr>
@@ -9301,7 +10100,7 @@
           <p:cNvPr id="26" name="직사각형 25">
             <a:extLst>
               <a:ext uri="{FF2B5EF4-FFF2-40B4-BE49-F238E27FC236}">
-                <a16:creationId xmlns:a16="http://schemas.microsoft.com/office/drawing/2014/main" id="{76B5609D-62AE-4714-BDF8-6284F2967DFB}"/>
+                <a16:creationId xmlns:a16="http://schemas.microsoft.com/office/drawing/2014/main" xmlns="" id="{76B5609D-62AE-4714-BDF8-6284F2967DFB}"/>
               </a:ext>
             </a:extLst>
           </p:cNvPr>
@@ -9349,7 +10148,7 @@
           <p:cNvPr id="40" name="사각형: 둥근 모서리 39">
             <a:extLst>
               <a:ext uri="{FF2B5EF4-FFF2-40B4-BE49-F238E27FC236}">
-                <a16:creationId xmlns:a16="http://schemas.microsoft.com/office/drawing/2014/main" id="{DEB48728-12FA-4B10-82E6-7899DDCA2731}"/>
+                <a16:creationId xmlns:a16="http://schemas.microsoft.com/office/drawing/2014/main" xmlns="" id="{DEB48728-12FA-4B10-82E6-7899DDCA2731}"/>
               </a:ext>
             </a:extLst>
           </p:cNvPr>
@@ -9421,7 +10220,7 @@
           <p:cNvPr id="43" name="직사각형 42">
             <a:extLst>
               <a:ext uri="{FF2B5EF4-FFF2-40B4-BE49-F238E27FC236}">
-                <a16:creationId xmlns:a16="http://schemas.microsoft.com/office/drawing/2014/main" id="{32B56811-2E7B-4FBF-99CB-4CECF20A9AC0}"/>
+                <a16:creationId xmlns:a16="http://schemas.microsoft.com/office/drawing/2014/main" xmlns="" id="{32B56811-2E7B-4FBF-99CB-4CECF20A9AC0}"/>
               </a:ext>
             </a:extLst>
           </p:cNvPr>
@@ -9479,7 +10278,7 @@
           <p:cNvPr id="27" name="타원 26">
             <a:extLst>
               <a:ext uri="{FF2B5EF4-FFF2-40B4-BE49-F238E27FC236}">
-                <a16:creationId xmlns:a16="http://schemas.microsoft.com/office/drawing/2014/main" id="{D8241E59-0646-41EB-8ED0-090409856B7D}"/>
+                <a16:creationId xmlns:a16="http://schemas.microsoft.com/office/drawing/2014/main" xmlns="" id="{D8241E59-0646-41EB-8ED0-090409856B7D}"/>
               </a:ext>
             </a:extLst>
           </p:cNvPr>
@@ -9547,7 +10346,7 @@
           <p:cNvPr id="45" name="직사각형 44">
             <a:extLst>
               <a:ext uri="{FF2B5EF4-FFF2-40B4-BE49-F238E27FC236}">
-                <a16:creationId xmlns:a16="http://schemas.microsoft.com/office/drawing/2014/main" id="{76B5609D-62AE-4714-BDF8-6284F2967DFB}"/>
+                <a16:creationId xmlns:a16="http://schemas.microsoft.com/office/drawing/2014/main" xmlns="" id="{76B5609D-62AE-4714-BDF8-6284F2967DFB}"/>
               </a:ext>
             </a:extLst>
           </p:cNvPr>
@@ -9631,7 +10430,7 @@
           <p:cNvPr id="52" name="직사각형 51">
             <a:extLst>
               <a:ext uri="{FF2B5EF4-FFF2-40B4-BE49-F238E27FC236}">
-                <a16:creationId xmlns:a16="http://schemas.microsoft.com/office/drawing/2014/main" id="{76B5609D-62AE-4714-BDF8-6284F2967DFB}"/>
+                <a16:creationId xmlns:a16="http://schemas.microsoft.com/office/drawing/2014/main" xmlns="" id="{76B5609D-62AE-4714-BDF8-6284F2967DFB}"/>
               </a:ext>
             </a:extLst>
           </p:cNvPr>
@@ -9687,7 +10486,7 @@
           <p:cNvPr id="53" name="직사각형 52">
             <a:extLst>
               <a:ext uri="{FF2B5EF4-FFF2-40B4-BE49-F238E27FC236}">
-                <a16:creationId xmlns:a16="http://schemas.microsoft.com/office/drawing/2014/main" id="{76B5609D-62AE-4714-BDF8-6284F2967DFB}"/>
+                <a16:creationId xmlns:a16="http://schemas.microsoft.com/office/drawing/2014/main" xmlns="" id="{76B5609D-62AE-4714-BDF8-6284F2967DFB}"/>
               </a:ext>
             </a:extLst>
           </p:cNvPr>
@@ -9759,7 +10558,7 @@
           <p:cNvPr id="54" name="직사각형 53">
             <a:extLst>
               <a:ext uri="{FF2B5EF4-FFF2-40B4-BE49-F238E27FC236}">
-                <a16:creationId xmlns:a16="http://schemas.microsoft.com/office/drawing/2014/main" id="{76B5609D-62AE-4714-BDF8-6284F2967DFB}"/>
+                <a16:creationId xmlns:a16="http://schemas.microsoft.com/office/drawing/2014/main" xmlns="" id="{76B5609D-62AE-4714-BDF8-6284F2967DFB}"/>
               </a:ext>
             </a:extLst>
           </p:cNvPr>
@@ -9815,7 +10614,7 @@
           <p:cNvPr id="56" name="직사각형 55">
             <a:extLst>
               <a:ext uri="{FF2B5EF4-FFF2-40B4-BE49-F238E27FC236}">
-                <a16:creationId xmlns:a16="http://schemas.microsoft.com/office/drawing/2014/main" id="{76B5609D-62AE-4714-BDF8-6284F2967DFB}"/>
+                <a16:creationId xmlns:a16="http://schemas.microsoft.com/office/drawing/2014/main" xmlns="" id="{76B5609D-62AE-4714-BDF8-6284F2967DFB}"/>
               </a:ext>
             </a:extLst>
           </p:cNvPr>
@@ -9871,7 +10670,7 @@
           <p:cNvPr id="57" name="직사각형 56">
             <a:extLst>
               <a:ext uri="{FF2B5EF4-FFF2-40B4-BE49-F238E27FC236}">
-                <a16:creationId xmlns:a16="http://schemas.microsoft.com/office/drawing/2014/main" id="{76B5609D-62AE-4714-BDF8-6284F2967DFB}"/>
+                <a16:creationId xmlns:a16="http://schemas.microsoft.com/office/drawing/2014/main" xmlns="" id="{76B5609D-62AE-4714-BDF8-6284F2967DFB}"/>
               </a:ext>
             </a:extLst>
           </p:cNvPr>
@@ -9935,7 +10734,7 @@
           <p:cNvPr id="58" name="직사각형 57">
             <a:extLst>
               <a:ext uri="{FF2B5EF4-FFF2-40B4-BE49-F238E27FC236}">
-                <a16:creationId xmlns:a16="http://schemas.microsoft.com/office/drawing/2014/main" id="{76B5609D-62AE-4714-BDF8-6284F2967DFB}"/>
+                <a16:creationId xmlns:a16="http://schemas.microsoft.com/office/drawing/2014/main" xmlns="" id="{76B5609D-62AE-4714-BDF8-6284F2967DFB}"/>
               </a:ext>
             </a:extLst>
           </p:cNvPr>
@@ -9991,7 +10790,7 @@
           <p:cNvPr id="59" name="직사각형 58">
             <a:extLst>
               <a:ext uri="{FF2B5EF4-FFF2-40B4-BE49-F238E27FC236}">
-                <a16:creationId xmlns:a16="http://schemas.microsoft.com/office/drawing/2014/main" id="{76B5609D-62AE-4714-BDF8-6284F2967DFB}"/>
+                <a16:creationId xmlns:a16="http://schemas.microsoft.com/office/drawing/2014/main" xmlns="" id="{76B5609D-62AE-4714-BDF8-6284F2967DFB}"/>
               </a:ext>
             </a:extLst>
           </p:cNvPr>
@@ -10071,7 +10870,7 @@
           <p:cNvPr id="60" name="직사각형 59">
             <a:extLst>
               <a:ext uri="{FF2B5EF4-FFF2-40B4-BE49-F238E27FC236}">
-                <a16:creationId xmlns:a16="http://schemas.microsoft.com/office/drawing/2014/main" id="{76B5609D-62AE-4714-BDF8-6284F2967DFB}"/>
+                <a16:creationId xmlns:a16="http://schemas.microsoft.com/office/drawing/2014/main" xmlns="" id="{76B5609D-62AE-4714-BDF8-6284F2967DFB}"/>
               </a:ext>
             </a:extLst>
           </p:cNvPr>
@@ -10127,7 +10926,7 @@
           <p:cNvPr id="61" name="직사각형 60">
             <a:extLst>
               <a:ext uri="{FF2B5EF4-FFF2-40B4-BE49-F238E27FC236}">
-                <a16:creationId xmlns:a16="http://schemas.microsoft.com/office/drawing/2014/main" id="{76B5609D-62AE-4714-BDF8-6284F2967DFB}"/>
+                <a16:creationId xmlns:a16="http://schemas.microsoft.com/office/drawing/2014/main" xmlns="" id="{76B5609D-62AE-4714-BDF8-6284F2967DFB}"/>
               </a:ext>
             </a:extLst>
           </p:cNvPr>
@@ -10183,7 +10982,7 @@
           <p:cNvPr id="67" name="직사각형 66">
             <a:extLst>
               <a:ext uri="{FF2B5EF4-FFF2-40B4-BE49-F238E27FC236}">
-                <a16:creationId xmlns:a16="http://schemas.microsoft.com/office/drawing/2014/main" id="{76B5609D-62AE-4714-BDF8-6284F2967DFB}"/>
+                <a16:creationId xmlns:a16="http://schemas.microsoft.com/office/drawing/2014/main" xmlns="" id="{76B5609D-62AE-4714-BDF8-6284F2967DFB}"/>
               </a:ext>
             </a:extLst>
           </p:cNvPr>
@@ -10286,7 +11085,7 @@
           <p:cNvPr id="3" name="직선 연결선 2">
             <a:extLst>
               <a:ext uri="{FF2B5EF4-FFF2-40B4-BE49-F238E27FC236}">
-                <a16:creationId xmlns:a16="http://schemas.microsoft.com/office/drawing/2014/main" id="{24C98E6B-2B63-475F-837A-7E31088AD69A}"/>
+                <a16:creationId xmlns:a16="http://schemas.microsoft.com/office/drawing/2014/main" xmlns="" id="{24C98E6B-2B63-475F-837A-7E31088AD69A}"/>
               </a:ext>
             </a:extLst>
           </p:cNvPr>
@@ -10329,7 +11128,7 @@
           <p:cNvPr id="22" name="타원 21">
             <a:extLst>
               <a:ext uri="{FF2B5EF4-FFF2-40B4-BE49-F238E27FC236}">
-                <a16:creationId xmlns:a16="http://schemas.microsoft.com/office/drawing/2014/main" id="{D8241E59-0646-41EB-8ED0-090409856B7D}"/>
+                <a16:creationId xmlns:a16="http://schemas.microsoft.com/office/drawing/2014/main" xmlns="" id="{D8241E59-0646-41EB-8ED0-090409856B7D}"/>
               </a:ext>
             </a:extLst>
           </p:cNvPr>
@@ -10397,7 +11196,7 @@
           <p:cNvPr id="26" name="직사각형 25">
             <a:extLst>
               <a:ext uri="{FF2B5EF4-FFF2-40B4-BE49-F238E27FC236}">
-                <a16:creationId xmlns:a16="http://schemas.microsoft.com/office/drawing/2014/main" id="{76B5609D-62AE-4714-BDF8-6284F2967DFB}"/>
+                <a16:creationId xmlns:a16="http://schemas.microsoft.com/office/drawing/2014/main" xmlns="" id="{76B5609D-62AE-4714-BDF8-6284F2967DFB}"/>
               </a:ext>
             </a:extLst>
           </p:cNvPr>
@@ -10445,7 +11244,7 @@
           <p:cNvPr id="40" name="사각형: 둥근 모서리 39">
             <a:extLst>
               <a:ext uri="{FF2B5EF4-FFF2-40B4-BE49-F238E27FC236}">
-                <a16:creationId xmlns:a16="http://schemas.microsoft.com/office/drawing/2014/main" id="{DEB48728-12FA-4B10-82E6-7899DDCA2731}"/>
+                <a16:creationId xmlns:a16="http://schemas.microsoft.com/office/drawing/2014/main" xmlns="" id="{DEB48728-12FA-4B10-82E6-7899DDCA2731}"/>
               </a:ext>
             </a:extLst>
           </p:cNvPr>
@@ -10517,7 +11316,7 @@
           <p:cNvPr id="43" name="직사각형 42">
             <a:extLst>
               <a:ext uri="{FF2B5EF4-FFF2-40B4-BE49-F238E27FC236}">
-                <a16:creationId xmlns:a16="http://schemas.microsoft.com/office/drawing/2014/main" id="{32B56811-2E7B-4FBF-99CB-4CECF20A9AC0}"/>
+                <a16:creationId xmlns:a16="http://schemas.microsoft.com/office/drawing/2014/main" xmlns="" id="{32B56811-2E7B-4FBF-99CB-4CECF20A9AC0}"/>
               </a:ext>
             </a:extLst>
           </p:cNvPr>
@@ -10575,7 +11374,7 @@
           <p:cNvPr id="27" name="타원 26">
             <a:extLst>
               <a:ext uri="{FF2B5EF4-FFF2-40B4-BE49-F238E27FC236}">
-                <a16:creationId xmlns:a16="http://schemas.microsoft.com/office/drawing/2014/main" id="{D8241E59-0646-41EB-8ED0-090409856B7D}"/>
+                <a16:creationId xmlns:a16="http://schemas.microsoft.com/office/drawing/2014/main" xmlns="" id="{D8241E59-0646-41EB-8ED0-090409856B7D}"/>
               </a:ext>
             </a:extLst>
           </p:cNvPr>
@@ -10643,7 +11442,7 @@
           <p:cNvPr id="45" name="직사각형 44">
             <a:extLst>
               <a:ext uri="{FF2B5EF4-FFF2-40B4-BE49-F238E27FC236}">
-                <a16:creationId xmlns:a16="http://schemas.microsoft.com/office/drawing/2014/main" id="{76B5609D-62AE-4714-BDF8-6284F2967DFB}"/>
+                <a16:creationId xmlns:a16="http://schemas.microsoft.com/office/drawing/2014/main" xmlns="" id="{76B5609D-62AE-4714-BDF8-6284F2967DFB}"/>
               </a:ext>
             </a:extLst>
           </p:cNvPr>
@@ -10743,7 +11542,7 @@
           <p:cNvPr id="52" name="직사각형 51">
             <a:extLst>
               <a:ext uri="{FF2B5EF4-FFF2-40B4-BE49-F238E27FC236}">
-                <a16:creationId xmlns:a16="http://schemas.microsoft.com/office/drawing/2014/main" id="{76B5609D-62AE-4714-BDF8-6284F2967DFB}"/>
+                <a16:creationId xmlns:a16="http://schemas.microsoft.com/office/drawing/2014/main" xmlns="" id="{76B5609D-62AE-4714-BDF8-6284F2967DFB}"/>
               </a:ext>
             </a:extLst>
           </p:cNvPr>
@@ -10791,7 +11590,7 @@
           <p:cNvPr id="53" name="직사각형 52">
             <a:extLst>
               <a:ext uri="{FF2B5EF4-FFF2-40B4-BE49-F238E27FC236}">
-                <a16:creationId xmlns:a16="http://schemas.microsoft.com/office/drawing/2014/main" id="{76B5609D-62AE-4714-BDF8-6284F2967DFB}"/>
+                <a16:creationId xmlns:a16="http://schemas.microsoft.com/office/drawing/2014/main" xmlns="" id="{76B5609D-62AE-4714-BDF8-6284F2967DFB}"/>
               </a:ext>
             </a:extLst>
           </p:cNvPr>
@@ -10847,7 +11646,7 @@
           <p:cNvPr id="54" name="직사각형 53">
             <a:extLst>
               <a:ext uri="{FF2B5EF4-FFF2-40B4-BE49-F238E27FC236}">
-                <a16:creationId xmlns:a16="http://schemas.microsoft.com/office/drawing/2014/main" id="{76B5609D-62AE-4714-BDF8-6284F2967DFB}"/>
+                <a16:creationId xmlns:a16="http://schemas.microsoft.com/office/drawing/2014/main" xmlns="" id="{76B5609D-62AE-4714-BDF8-6284F2967DFB}"/>
               </a:ext>
             </a:extLst>
           </p:cNvPr>
@@ -10903,7 +11702,7 @@
           <p:cNvPr id="56" name="직사각형 55">
             <a:extLst>
               <a:ext uri="{FF2B5EF4-FFF2-40B4-BE49-F238E27FC236}">
-                <a16:creationId xmlns:a16="http://schemas.microsoft.com/office/drawing/2014/main" id="{76B5609D-62AE-4714-BDF8-6284F2967DFB}"/>
+                <a16:creationId xmlns:a16="http://schemas.microsoft.com/office/drawing/2014/main" xmlns="" id="{76B5609D-62AE-4714-BDF8-6284F2967DFB}"/>
               </a:ext>
             </a:extLst>
           </p:cNvPr>
@@ -10959,7 +11758,7 @@
           <p:cNvPr id="57" name="직사각형 56">
             <a:extLst>
               <a:ext uri="{FF2B5EF4-FFF2-40B4-BE49-F238E27FC236}">
-                <a16:creationId xmlns:a16="http://schemas.microsoft.com/office/drawing/2014/main" id="{76B5609D-62AE-4714-BDF8-6284F2967DFB}"/>
+                <a16:creationId xmlns:a16="http://schemas.microsoft.com/office/drawing/2014/main" xmlns="" id="{76B5609D-62AE-4714-BDF8-6284F2967DFB}"/>
               </a:ext>
             </a:extLst>
           </p:cNvPr>
@@ -11015,7 +11814,7 @@
           <p:cNvPr id="58" name="직사각형 57">
             <a:extLst>
               <a:ext uri="{FF2B5EF4-FFF2-40B4-BE49-F238E27FC236}">
-                <a16:creationId xmlns:a16="http://schemas.microsoft.com/office/drawing/2014/main" id="{76B5609D-62AE-4714-BDF8-6284F2967DFB}"/>
+                <a16:creationId xmlns:a16="http://schemas.microsoft.com/office/drawing/2014/main" xmlns="" id="{76B5609D-62AE-4714-BDF8-6284F2967DFB}"/>
               </a:ext>
             </a:extLst>
           </p:cNvPr>
@@ -11071,7 +11870,7 @@
           <p:cNvPr id="60" name="직사각형 59">
             <a:extLst>
               <a:ext uri="{FF2B5EF4-FFF2-40B4-BE49-F238E27FC236}">
-                <a16:creationId xmlns:a16="http://schemas.microsoft.com/office/drawing/2014/main" id="{76B5609D-62AE-4714-BDF8-6284F2967DFB}"/>
+                <a16:creationId xmlns:a16="http://schemas.microsoft.com/office/drawing/2014/main" xmlns="" id="{76B5609D-62AE-4714-BDF8-6284F2967DFB}"/>
               </a:ext>
             </a:extLst>
           </p:cNvPr>
@@ -11127,7 +11926,7 @@
           <p:cNvPr id="61" name="직사각형 60">
             <a:extLst>
               <a:ext uri="{FF2B5EF4-FFF2-40B4-BE49-F238E27FC236}">
-                <a16:creationId xmlns:a16="http://schemas.microsoft.com/office/drawing/2014/main" id="{76B5609D-62AE-4714-BDF8-6284F2967DFB}"/>
+                <a16:creationId xmlns:a16="http://schemas.microsoft.com/office/drawing/2014/main" xmlns="" id="{76B5609D-62AE-4714-BDF8-6284F2967DFB}"/>
               </a:ext>
             </a:extLst>
           </p:cNvPr>
@@ -11183,7 +11982,7 @@
           <p:cNvPr id="25" name="직사각형 24">
             <a:extLst>
               <a:ext uri="{FF2B5EF4-FFF2-40B4-BE49-F238E27FC236}">
-                <a16:creationId xmlns:a16="http://schemas.microsoft.com/office/drawing/2014/main" id="{76B5609D-62AE-4714-BDF8-6284F2967DFB}"/>
+                <a16:creationId xmlns:a16="http://schemas.microsoft.com/office/drawing/2014/main" xmlns="" id="{76B5609D-62AE-4714-BDF8-6284F2967DFB}"/>
               </a:ext>
             </a:extLst>
           </p:cNvPr>
@@ -11286,7 +12085,7 @@
           <p:cNvPr id="40" name="사각형: 둥근 모서리 39">
             <a:extLst>
               <a:ext uri="{FF2B5EF4-FFF2-40B4-BE49-F238E27FC236}">
-                <a16:creationId xmlns:a16="http://schemas.microsoft.com/office/drawing/2014/main" id="{DEB48728-12FA-4B10-82E6-7899DDCA2731}"/>
+                <a16:creationId xmlns:a16="http://schemas.microsoft.com/office/drawing/2014/main" xmlns="" id="{DEB48728-12FA-4B10-82E6-7899DDCA2731}"/>
               </a:ext>
             </a:extLst>
           </p:cNvPr>
@@ -11358,7 +12157,7 @@
           <p:cNvPr id="43" name="직사각형 42">
             <a:extLst>
               <a:ext uri="{FF2B5EF4-FFF2-40B4-BE49-F238E27FC236}">
-                <a16:creationId xmlns:a16="http://schemas.microsoft.com/office/drawing/2014/main" id="{32B56811-2E7B-4FBF-99CB-4CECF20A9AC0}"/>
+                <a16:creationId xmlns:a16="http://schemas.microsoft.com/office/drawing/2014/main" xmlns="" id="{32B56811-2E7B-4FBF-99CB-4CECF20A9AC0}"/>
               </a:ext>
             </a:extLst>
           </p:cNvPr>
@@ -11529,7 +12328,7 @@
           <p:cNvPr id="40" name="사각형: 둥근 모서리 39">
             <a:extLst>
               <a:ext uri="{FF2B5EF4-FFF2-40B4-BE49-F238E27FC236}">
-                <a16:creationId xmlns:a16="http://schemas.microsoft.com/office/drawing/2014/main" id="{DEB48728-12FA-4B10-82E6-7899DDCA2731}"/>
+                <a16:creationId xmlns:a16="http://schemas.microsoft.com/office/drawing/2014/main" xmlns="" id="{DEB48728-12FA-4B10-82E6-7899DDCA2731}"/>
               </a:ext>
             </a:extLst>
           </p:cNvPr>
@@ -11601,7 +12400,7 @@
           <p:cNvPr id="43" name="직사각형 42">
             <a:extLst>
               <a:ext uri="{FF2B5EF4-FFF2-40B4-BE49-F238E27FC236}">
-                <a16:creationId xmlns:a16="http://schemas.microsoft.com/office/drawing/2014/main" id="{32B56811-2E7B-4FBF-99CB-4CECF20A9AC0}"/>
+                <a16:creationId xmlns:a16="http://schemas.microsoft.com/office/drawing/2014/main" xmlns="" id="{32B56811-2E7B-4FBF-99CB-4CECF20A9AC0}"/>
               </a:ext>
             </a:extLst>
           </p:cNvPr>
@@ -12105,7 +12904,7 @@
           <p:cNvPr id="15" name="직사각형 14">
             <a:extLst>
               <a:ext uri="{FF2B5EF4-FFF2-40B4-BE49-F238E27FC236}">
-                <a16:creationId xmlns:a16="http://schemas.microsoft.com/office/drawing/2014/main" id="{76B5609D-62AE-4714-BDF8-6284F2967DFB}"/>
+                <a16:creationId xmlns:a16="http://schemas.microsoft.com/office/drawing/2014/main" xmlns="" id="{76B5609D-62AE-4714-BDF8-6284F2967DFB}"/>
               </a:ext>
             </a:extLst>
           </p:cNvPr>
@@ -12218,7 +13017,7 @@
             <p:cNvPr id="19" name="직사각형 18">
               <a:extLst>
                 <a:ext uri="{FF2B5EF4-FFF2-40B4-BE49-F238E27FC236}">
-                  <a16:creationId xmlns:a16="http://schemas.microsoft.com/office/drawing/2014/main" id="{76B5609D-62AE-4714-BDF8-6284F2967DFB}"/>
+                  <a16:creationId xmlns:a16="http://schemas.microsoft.com/office/drawing/2014/main" xmlns="" id="{76B5609D-62AE-4714-BDF8-6284F2967DFB}"/>
                 </a:ext>
               </a:extLst>
             </p:cNvPr>
@@ -12253,11 +13052,6 @@
                 </a:rPr>
                 <a:t>2</a:t>
               </a:r>
-              <a:endParaRPr lang="en-US" altLang="ko-KR" sz="1400" dirty="0">
-                <a:solidFill>
-                  <a:prstClr val="white"/>
-                </a:solidFill>
-              </a:endParaRPr>
             </a:p>
           </p:txBody>
         </p:sp>
@@ -12332,7 +13126,7 @@
             <p:cNvPr id="22" name="직사각형 21">
               <a:extLst>
                 <a:ext uri="{FF2B5EF4-FFF2-40B4-BE49-F238E27FC236}">
-                  <a16:creationId xmlns:a16="http://schemas.microsoft.com/office/drawing/2014/main" id="{76B5609D-62AE-4714-BDF8-6284F2967DFB}"/>
+                  <a16:creationId xmlns:a16="http://schemas.microsoft.com/office/drawing/2014/main" xmlns="" id="{76B5609D-62AE-4714-BDF8-6284F2967DFB}"/>
                 </a:ext>
               </a:extLst>
             </p:cNvPr>
@@ -12432,7 +13226,7 @@
           <p:cNvPr id="31" name="직사각형 30">
             <a:extLst>
               <a:ext uri="{FF2B5EF4-FFF2-40B4-BE49-F238E27FC236}">
-                <a16:creationId xmlns:a16="http://schemas.microsoft.com/office/drawing/2014/main" id="{76B5609D-62AE-4714-BDF8-6284F2967DFB}"/>
+                <a16:creationId xmlns:a16="http://schemas.microsoft.com/office/drawing/2014/main" xmlns="" id="{76B5609D-62AE-4714-BDF8-6284F2967DFB}"/>
               </a:ext>
             </a:extLst>
           </p:cNvPr>
@@ -12531,7 +13325,7 @@
           <p:cNvPr id="32" name="직사각형 31">
             <a:extLst>
               <a:ext uri="{FF2B5EF4-FFF2-40B4-BE49-F238E27FC236}">
-                <a16:creationId xmlns:a16="http://schemas.microsoft.com/office/drawing/2014/main" id="{76B5609D-62AE-4714-BDF8-6284F2967DFB}"/>
+                <a16:creationId xmlns:a16="http://schemas.microsoft.com/office/drawing/2014/main" xmlns="" id="{76B5609D-62AE-4714-BDF8-6284F2967DFB}"/>
               </a:ext>
             </a:extLst>
           </p:cNvPr>
@@ -12644,7 +13438,7 @@
             <p:cNvPr id="36" name="직사각형 35">
               <a:extLst>
                 <a:ext uri="{FF2B5EF4-FFF2-40B4-BE49-F238E27FC236}">
-                  <a16:creationId xmlns:a16="http://schemas.microsoft.com/office/drawing/2014/main" id="{76B5609D-62AE-4714-BDF8-6284F2967DFB}"/>
+                  <a16:creationId xmlns:a16="http://schemas.microsoft.com/office/drawing/2014/main" xmlns="" id="{76B5609D-62AE-4714-BDF8-6284F2967DFB}"/>
                 </a:ext>
               </a:extLst>
             </p:cNvPr>
@@ -12679,11 +13473,6 @@
                 </a:rPr>
                 <a:t>6</a:t>
               </a:r>
-              <a:endParaRPr lang="en-US" altLang="ko-KR" sz="1400" dirty="0">
-                <a:solidFill>
-                  <a:prstClr val="white"/>
-                </a:solidFill>
-              </a:endParaRPr>
             </a:p>
           </p:txBody>
         </p:sp>
@@ -12744,7 +13533,7 @@
           <p:cNvPr id="42" name="직사각형 41">
             <a:extLst>
               <a:ext uri="{FF2B5EF4-FFF2-40B4-BE49-F238E27FC236}">
-                <a16:creationId xmlns:a16="http://schemas.microsoft.com/office/drawing/2014/main" id="{76B5609D-62AE-4714-BDF8-6284F2967DFB}"/>
+                <a16:creationId xmlns:a16="http://schemas.microsoft.com/office/drawing/2014/main" xmlns="" id="{76B5609D-62AE-4714-BDF8-6284F2967DFB}"/>
               </a:ext>
             </a:extLst>
           </p:cNvPr>
@@ -12779,11 +13568,6 @@
               </a:rPr>
               <a:t>7</a:t>
             </a:r>
-            <a:endParaRPr lang="en-US" altLang="ko-KR" sz="1400" dirty="0">
-              <a:solidFill>
-                <a:prstClr val="white"/>
-              </a:solidFill>
-            </a:endParaRPr>
           </a:p>
         </p:txBody>
       </p:sp>
@@ -12839,7 +13623,7 @@
           <p:cNvPr id="40" name="사각형: 둥근 모서리 39">
             <a:extLst>
               <a:ext uri="{FF2B5EF4-FFF2-40B4-BE49-F238E27FC236}">
-                <a16:creationId xmlns:a16="http://schemas.microsoft.com/office/drawing/2014/main" id="{DEB48728-12FA-4B10-82E6-7899DDCA2731}"/>
+                <a16:creationId xmlns:a16="http://schemas.microsoft.com/office/drawing/2014/main" xmlns="" id="{DEB48728-12FA-4B10-82E6-7899DDCA2731}"/>
               </a:ext>
             </a:extLst>
           </p:cNvPr>
@@ -12911,7 +13695,7 @@
           <p:cNvPr id="43" name="직사각형 42">
             <a:extLst>
               <a:ext uri="{FF2B5EF4-FFF2-40B4-BE49-F238E27FC236}">
-                <a16:creationId xmlns:a16="http://schemas.microsoft.com/office/drawing/2014/main" id="{32B56811-2E7B-4FBF-99CB-4CECF20A9AC0}"/>
+                <a16:creationId xmlns:a16="http://schemas.microsoft.com/office/drawing/2014/main" xmlns="" id="{32B56811-2E7B-4FBF-99CB-4CECF20A9AC0}"/>
               </a:ext>
             </a:extLst>
           </p:cNvPr>
@@ -13082,7 +13866,7 @@
           <p:cNvPr id="13" name="직사각형 12">
             <a:extLst>
               <a:ext uri="{FF2B5EF4-FFF2-40B4-BE49-F238E27FC236}">
-                <a16:creationId xmlns:a16="http://schemas.microsoft.com/office/drawing/2014/main" id="{24EDB60A-88EE-4624-924F-1D4B6948100C}"/>
+                <a16:creationId xmlns:a16="http://schemas.microsoft.com/office/drawing/2014/main" xmlns="" id="{24EDB60A-88EE-4624-924F-1D4B6948100C}"/>
               </a:ext>
             </a:extLst>
           </p:cNvPr>
@@ -13117,15 +13901,7 @@
                   <a:prstClr val="white"/>
                 </a:solidFill>
               </a:rPr>
-              <a:t>1)</a:t>
-            </a:r>
-            <a:r>
-              <a:rPr lang="en-US" altLang="ko-KR" sz="1600" kern="0" dirty="0" smtClean="0">
-                <a:solidFill>
-                  <a:prstClr val="white"/>
-                </a:solidFill>
-              </a:rPr>
-              <a:t> </a:t>
+              <a:t>1) </a:t>
             </a:r>
             <a:r>
               <a:rPr lang="ko-KR" altLang="en-US" sz="1600" kern="0" dirty="0" smtClean="0">
@@ -13324,11 +14100,17 @@
               </a:rPr>
               <a:t>현재 위치를 기준으로 표시하여 </a:t>
             </a:r>
+            <a:r>
+              <a:rPr lang="ko-KR" altLang="en-US" sz="1200" dirty="0" smtClean="0">
+                <a:solidFill>
+                  <a:schemeClr val="accent4"/>
+                </a:solidFill>
+              </a:rPr>
+              <a:t>설정해놓은</a:t>
+            </a:r>
             <a:endParaRPr lang="en-US" altLang="ko-KR" sz="1200" dirty="0" smtClean="0">
               <a:solidFill>
-                <a:schemeClr val="bg1">
-                  <a:lumMod val="85000"/>
-                </a:schemeClr>
+                <a:schemeClr val="accent4"/>
               </a:solidFill>
             </a:endParaRPr>
           </a:p>
@@ -13339,7 +14121,15 @@
                   <a:schemeClr val="accent4"/>
                 </a:solidFill>
               </a:rPr>
-              <a:t>중요 목표의 방향을 알 수 있도록 도와준다</a:t>
+              <a:t>중요 </a:t>
+            </a:r>
+            <a:r>
+              <a:rPr lang="ko-KR" altLang="en-US" sz="1200" dirty="0" smtClean="0">
+                <a:solidFill>
+                  <a:schemeClr val="accent4"/>
+                </a:solidFill>
+              </a:rPr>
+              <a:t>목표의 방향을 알 수 있도록 도와준다</a:t>
             </a:r>
             <a:r>
               <a:rPr lang="en-US" altLang="ko-KR" sz="1200" dirty="0" smtClean="0">
@@ -13920,7 +14710,15 @@
                   <a:schemeClr val="accent4"/>
                 </a:solidFill>
               </a:rPr>
-              <a:t>대략적인 정보와 세부적인 정보를 동시에 전달하기 위해서 </a:t>
+              <a:t>대략적인 정보와 세부적인 정보를 동시에 전달하기 </a:t>
+            </a:r>
+            <a:r>
+              <a:rPr lang="ko-KR" altLang="en-US" sz="1200" dirty="0" smtClean="0">
+                <a:solidFill>
+                  <a:schemeClr val="accent4"/>
+                </a:solidFill>
+              </a:rPr>
+              <a:t>위해서 </a:t>
             </a:r>
             <a:r>
               <a:rPr lang="ko-KR" altLang="en-US" sz="1200" dirty="0" smtClean="0">
@@ -13930,7 +14728,7 @@
                   </a:schemeClr>
                 </a:solidFill>
               </a:rPr>
-              <a:t>주요 </a:t>
+              <a:t> 기존에 익숙한 주요 </a:t>
             </a:r>
             <a:r>
               <a:rPr lang="en-US" altLang="ko-KR" sz="1200" dirty="0" smtClean="0">
@@ -13950,129 +14748,147 @@
                   </a:schemeClr>
                 </a:solidFill>
               </a:rPr>
-              <a:t>방위는 더 크고 굵게</a:t>
-            </a:r>
-            <a:r>
-              <a:rPr lang="en-US" altLang="ko-KR" sz="1200" dirty="0">
+              <a:t>방위는 </a:t>
+            </a:r>
+            <a:r>
+              <a:rPr lang="ko-KR" altLang="en-US" sz="1200" dirty="0" smtClean="0">
                 <a:solidFill>
                   <a:schemeClr val="bg1">
                     <a:lumMod val="85000"/>
                   </a:schemeClr>
                 </a:solidFill>
               </a:rPr>
-              <a:t> </a:t>
-            </a:r>
-            <a:r>
-              <a:rPr lang="ko-KR" altLang="en-US" sz="1200" dirty="0" smtClean="0">
+              <a:t>더 크고 굵게</a:t>
+            </a:r>
+            <a:r>
+              <a:rPr lang="en-US" altLang="ko-KR" sz="1200" dirty="0">
                 <a:solidFill>
                   <a:schemeClr val="bg1">
                     <a:lumMod val="85000"/>
                   </a:schemeClr>
                 </a:solidFill>
               </a:rPr>
-              <a:t>영어로 표시하고</a:t>
-            </a:r>
-            <a:r>
-              <a:rPr lang="en-US" altLang="ko-KR" sz="1200" dirty="0" smtClean="0">
+              <a:t> </a:t>
+            </a:r>
+            <a:r>
+              <a:rPr lang="ko-KR" altLang="en-US" sz="1200" dirty="0" smtClean="0">
                 <a:solidFill>
                   <a:schemeClr val="bg1">
                     <a:lumMod val="85000"/>
                   </a:schemeClr>
                 </a:solidFill>
               </a:rPr>
-              <a:t>, </a:t>
-            </a:r>
-            <a:r>
-              <a:rPr lang="ko-KR" altLang="en-US" sz="1200" dirty="0" smtClean="0">
+              <a:t>영어로 표시하고</a:t>
+            </a:r>
+            <a:r>
+              <a:rPr lang="en-US" altLang="ko-KR" sz="1200" dirty="0" smtClean="0">
                 <a:solidFill>
                   <a:schemeClr val="bg1">
                     <a:lumMod val="85000"/>
                   </a:schemeClr>
                 </a:solidFill>
               </a:rPr>
-              <a:t>각</a:t>
-            </a:r>
-            <a:r>
-              <a:rPr lang="en-US" altLang="ko-KR" sz="1200" dirty="0" smtClean="0">
+              <a:t>, </a:t>
+            </a:r>
+            <a:r>
+              <a:rPr lang="ko-KR" altLang="en-US" sz="1200" dirty="0" smtClean="0">
                 <a:solidFill>
                   <a:schemeClr val="bg1">
                     <a:lumMod val="85000"/>
                   </a:schemeClr>
                 </a:solidFill>
               </a:rPr>
-              <a:t> </a:t>
-            </a:r>
-            <a:r>
-              <a:rPr lang="ko-KR" altLang="en-US" sz="1200" dirty="0" smtClean="0">
+              <a:t>각</a:t>
+            </a:r>
+            <a:r>
+              <a:rPr lang="en-US" altLang="ko-KR" sz="1200" dirty="0" smtClean="0">
                 <a:solidFill>
                   <a:schemeClr val="bg1">
                     <a:lumMod val="85000"/>
                   </a:schemeClr>
                 </a:solidFill>
               </a:rPr>
-              <a:t>방위 사이를 </a:t>
-            </a:r>
-            <a:r>
-              <a:rPr lang="en-US" altLang="ko-KR" sz="1200" dirty="0" smtClean="0">
+              <a:t> </a:t>
+            </a:r>
+            <a:r>
+              <a:rPr lang="ko-KR" altLang="en-US" sz="1200" dirty="0" smtClean="0">
                 <a:solidFill>
                   <a:schemeClr val="bg1">
                     <a:lumMod val="85000"/>
                   </a:schemeClr>
                 </a:solidFill>
               </a:rPr>
-              <a:t>15</a:t>
-            </a:r>
-            <a:r>
-              <a:rPr lang="ko-KR" altLang="en-US" sz="1200" dirty="0" smtClean="0">
+              <a:t>방위 사이를 </a:t>
+            </a:r>
+            <a:r>
+              <a:rPr lang="en-US" altLang="ko-KR" sz="1200" dirty="0" smtClean="0">
                 <a:solidFill>
                   <a:schemeClr val="bg1">
                     <a:lumMod val="85000"/>
                   </a:schemeClr>
                 </a:solidFill>
               </a:rPr>
-              <a:t>도 단위로 나눠 숫자를 통해 총 </a:t>
-            </a:r>
-            <a:r>
-              <a:rPr lang="en-US" altLang="ko-KR" sz="1200" dirty="0" smtClean="0">
+              <a:t>15</a:t>
+            </a:r>
+            <a:r>
+              <a:rPr lang="ko-KR" altLang="en-US" sz="1200" dirty="0" smtClean="0">
                 <a:solidFill>
                   <a:schemeClr val="bg1">
                     <a:lumMod val="85000"/>
                   </a:schemeClr>
                 </a:solidFill>
               </a:rPr>
-              <a:t>360</a:t>
-            </a:r>
-            <a:r>
-              <a:rPr lang="ko-KR" altLang="en-US" sz="1200" dirty="0" smtClean="0">
+              <a:t>도 단위로 나눠 숫자를 통해 총 </a:t>
+            </a:r>
+            <a:r>
+              <a:rPr lang="en-US" altLang="ko-KR" sz="1200" dirty="0" smtClean="0">
                 <a:solidFill>
                   <a:schemeClr val="bg1">
                     <a:lumMod val="85000"/>
                   </a:schemeClr>
                 </a:solidFill>
               </a:rPr>
-              <a:t>도까지 표시한다</a:t>
-            </a:r>
-            <a:r>
-              <a:rPr lang="en-US" altLang="ko-KR" sz="1200" dirty="0" smtClean="0">
+              <a:t>360</a:t>
+            </a:r>
+            <a:r>
+              <a:rPr lang="ko-KR" altLang="en-US" sz="1200" dirty="0" smtClean="0">
                 <a:solidFill>
                   <a:schemeClr val="bg1">
                     <a:lumMod val="85000"/>
                   </a:schemeClr>
                 </a:solidFill>
               </a:rPr>
-              <a:t>.</a:t>
-            </a:r>
-          </a:p>
-          <a:p>
-            <a:r>
-              <a:rPr lang="ko-KR" altLang="en-US" sz="1200" dirty="0" smtClean="0">
+              <a:t>도까지 표시한다</a:t>
+            </a:r>
+            <a:r>
+              <a:rPr lang="en-US" altLang="ko-KR" sz="1200" dirty="0" smtClean="0">
                 <a:solidFill>
                   <a:schemeClr val="bg1">
                     <a:lumMod val="85000"/>
                   </a:schemeClr>
                 </a:solidFill>
               </a:rPr>
-              <a:t>또한 모든 방향표 위에 선분을 그어 정확한 방향을 나타내고 방향표들을 서로 구분 짓는다</a:t>
+              <a:t>. </a:t>
+            </a:r>
+            <a:r>
+              <a:rPr lang="ko-KR" altLang="en-US" sz="1200" dirty="0" smtClean="0">
+                <a:solidFill>
+                  <a:schemeClr val="bg1">
+                    <a:lumMod val="85000"/>
+                  </a:schemeClr>
+                </a:solidFill>
+              </a:rPr>
+              <a:t>또한 </a:t>
+            </a:r>
+            <a:r>
+              <a:rPr lang="ko-KR" altLang="en-US" sz="1200" dirty="0" smtClean="0">
+                <a:solidFill>
+                  <a:schemeClr val="bg1">
+                    <a:lumMod val="85000"/>
+                  </a:schemeClr>
+                </a:solidFill>
+              </a:rPr>
+              <a:t>모든 방향표 위에 선분을 그어 정확한 방향을 나타내고 방향표들을 서로 구분 짓는다</a:t>
             </a:r>
             <a:r>
               <a:rPr lang="en-US" altLang="ko-KR" sz="1200" dirty="0" smtClean="0">
@@ -14266,7 +15082,7 @@
           <p:cNvPr id="40" name="사각형: 둥근 모서리 39">
             <a:extLst>
               <a:ext uri="{FF2B5EF4-FFF2-40B4-BE49-F238E27FC236}">
-                <a16:creationId xmlns:a16="http://schemas.microsoft.com/office/drawing/2014/main" id="{DEB48728-12FA-4B10-82E6-7899DDCA2731}"/>
+                <a16:creationId xmlns:a16="http://schemas.microsoft.com/office/drawing/2014/main" xmlns="" id="{DEB48728-12FA-4B10-82E6-7899DDCA2731}"/>
               </a:ext>
             </a:extLst>
           </p:cNvPr>
@@ -14338,7 +15154,7 @@
           <p:cNvPr id="43" name="직사각형 42">
             <a:extLst>
               <a:ext uri="{FF2B5EF4-FFF2-40B4-BE49-F238E27FC236}">
-                <a16:creationId xmlns:a16="http://schemas.microsoft.com/office/drawing/2014/main" id="{32B56811-2E7B-4FBF-99CB-4CECF20A9AC0}"/>
+                <a16:creationId xmlns:a16="http://schemas.microsoft.com/office/drawing/2014/main" xmlns="" id="{32B56811-2E7B-4FBF-99CB-4CECF20A9AC0}"/>
               </a:ext>
             </a:extLst>
           </p:cNvPr>
@@ -14509,7 +15325,7 @@
           <p:cNvPr id="13" name="직사각형 12">
             <a:extLst>
               <a:ext uri="{FF2B5EF4-FFF2-40B4-BE49-F238E27FC236}">
-                <a16:creationId xmlns:a16="http://schemas.microsoft.com/office/drawing/2014/main" id="{24EDB60A-88EE-4624-924F-1D4B6948100C}"/>
+                <a16:creationId xmlns:a16="http://schemas.microsoft.com/office/drawing/2014/main" xmlns="" id="{24EDB60A-88EE-4624-924F-1D4B6948100C}"/>
               </a:ext>
             </a:extLst>
           </p:cNvPr>
@@ -14552,15 +15368,7 @@
                   <a:prstClr val="white"/>
                 </a:solidFill>
               </a:rPr>
-              <a:t>)</a:t>
-            </a:r>
-            <a:r>
-              <a:rPr lang="en-US" altLang="ko-KR" sz="1600" kern="0" dirty="0" smtClean="0">
-                <a:solidFill>
-                  <a:prstClr val="white"/>
-                </a:solidFill>
-              </a:rPr>
-              <a:t> </a:t>
+              <a:t>) </a:t>
             </a:r>
             <a:r>
               <a:rPr lang="ko-KR" altLang="en-US" sz="1600" kern="0" dirty="0" smtClean="0">
@@ -14632,87 +15440,6 @@
           </a:fontRef>
         </p:style>
       </p:cxnSp>
-      <p:sp>
-        <p:nvSpPr>
-          <p:cNvPr id="24" name="직사각형 23"/>
-          <p:cNvSpPr/>
-          <p:nvPr/>
-        </p:nvSpPr>
-        <p:spPr>
-          <a:xfrm>
-            <a:off x="6450757" y="1163309"/>
-            <a:ext cx="3391512" cy="845367"/>
-          </a:xfrm>
-          <a:prstGeom prst="rect">
-            <a:avLst/>
-          </a:prstGeom>
-          <a:solidFill>
-            <a:schemeClr val="tx2"/>
-          </a:solidFill>
-          <a:ln>
-            <a:solidFill>
-              <a:schemeClr val="accent5">
-                <a:lumMod val="50000"/>
-              </a:schemeClr>
-            </a:solidFill>
-          </a:ln>
-        </p:spPr>
-        <p:style>
-          <a:lnRef idx="2">
-            <a:schemeClr val="accent1">
-              <a:shade val="50000"/>
-            </a:schemeClr>
-          </a:lnRef>
-          <a:fillRef idx="1">
-            <a:schemeClr val="accent1"/>
-          </a:fillRef>
-          <a:effectRef idx="0">
-            <a:schemeClr val="accent1"/>
-          </a:effectRef>
-          <a:fontRef idx="minor">
-            <a:schemeClr val="lt1"/>
-          </a:fontRef>
-        </p:style>
-        <p:txBody>
-          <a:bodyPr rtlCol="0" anchor="ctr"/>
-          <a:lstStyle/>
-          <a:p>
-            <a:r>
-              <a:rPr lang="ko-KR" altLang="en-US" sz="1200" dirty="0" smtClean="0">
-                <a:solidFill>
-                  <a:schemeClr val="bg1">
-                    <a:lumMod val="85000"/>
-                  </a:schemeClr>
-                </a:solidFill>
-              </a:rPr>
-              <a:t>현재 남아있는 생존자의 인원수를 표시하여</a:t>
-            </a:r>
-            <a:endParaRPr lang="en-US" altLang="ko-KR" sz="1200" dirty="0" smtClean="0">
-              <a:solidFill>
-                <a:schemeClr val="accent4"/>
-              </a:solidFill>
-            </a:endParaRPr>
-          </a:p>
-          <a:p>
-            <a:r>
-              <a:rPr lang="ko-KR" altLang="en-US" sz="1200" dirty="0" smtClean="0">
-                <a:solidFill>
-                  <a:schemeClr val="accent4"/>
-                </a:solidFill>
-              </a:rPr>
-              <a:t>서바이벌 게임으로서 이후 전략을 펼치는 데에 중요한 도움이 되는 정보를 보여준다</a:t>
-            </a:r>
-            <a:r>
-              <a:rPr lang="en-US" altLang="ko-KR" sz="1200" dirty="0" smtClean="0">
-                <a:solidFill>
-                  <a:schemeClr val="accent4"/>
-                </a:solidFill>
-              </a:rPr>
-              <a:t>.</a:t>
-            </a:r>
-          </a:p>
-        </p:txBody>
-      </p:sp>
       <p:pic>
         <p:nvPicPr>
           <p:cNvPr id="4" name="그림 3"/>
@@ -14813,6 +15540,454 @@
           </a:fontRef>
         </p:style>
       </p:cxnSp>
+      <p:cxnSp>
+        <p:nvCxnSpPr>
+          <p:cNvPr id="53" name="직선 화살표 연결선 52"/>
+          <p:cNvCxnSpPr/>
+          <p:nvPr/>
+        </p:nvCxnSpPr>
+        <p:spPr>
+          <a:xfrm flipH="1" flipV="1">
+            <a:off x="5394959" y="3699627"/>
+            <a:ext cx="2007164" cy="1235930"/>
+          </a:xfrm>
+          <a:prstGeom prst="straightConnector1">
+            <a:avLst/>
+          </a:prstGeom>
+          <a:ln w="28575">
+            <a:solidFill>
+              <a:srgbClr val="FF0000"/>
+            </a:solidFill>
+            <a:prstDash val="dash"/>
+            <a:tailEnd type="triangle"/>
+          </a:ln>
+        </p:spPr>
+        <p:style>
+          <a:lnRef idx="1">
+            <a:schemeClr val="accent1"/>
+          </a:lnRef>
+          <a:fillRef idx="0">
+            <a:schemeClr val="accent1"/>
+          </a:fillRef>
+          <a:effectRef idx="0">
+            <a:schemeClr val="accent1"/>
+          </a:effectRef>
+          <a:fontRef idx="minor">
+            <a:schemeClr val="tx1"/>
+          </a:fontRef>
+        </p:style>
+      </p:cxnSp>
+      <p:sp>
+        <p:nvSpPr>
+          <p:cNvPr id="52" name="직사각형 51"/>
+          <p:cNvSpPr/>
+          <p:nvPr/>
+        </p:nvSpPr>
+        <p:spPr>
+          <a:xfrm>
+            <a:off x="7402124" y="4802894"/>
+            <a:ext cx="3702878" cy="1069096"/>
+          </a:xfrm>
+          <a:prstGeom prst="rect">
+            <a:avLst/>
+          </a:prstGeom>
+          <a:solidFill>
+            <a:schemeClr val="tx2"/>
+          </a:solidFill>
+          <a:ln>
+            <a:solidFill>
+              <a:schemeClr val="accent5">
+                <a:lumMod val="50000"/>
+              </a:schemeClr>
+            </a:solidFill>
+          </a:ln>
+        </p:spPr>
+        <p:style>
+          <a:lnRef idx="2">
+            <a:schemeClr val="accent1">
+              <a:shade val="50000"/>
+            </a:schemeClr>
+          </a:lnRef>
+          <a:fillRef idx="1">
+            <a:schemeClr val="accent1"/>
+          </a:fillRef>
+          <a:effectRef idx="0">
+            <a:schemeClr val="accent1"/>
+          </a:effectRef>
+          <a:fontRef idx="minor">
+            <a:schemeClr val="lt1"/>
+          </a:fontRef>
+        </p:style>
+        <p:txBody>
+          <a:bodyPr rtlCol="0" anchor="ctr"/>
+          <a:lstStyle/>
+          <a:p>
+            <a:r>
+              <a:rPr lang="ko-KR" altLang="en-US" sz="1200" dirty="0" smtClean="0">
+                <a:solidFill>
+                  <a:schemeClr val="accent4"/>
+                </a:solidFill>
+              </a:rPr>
+              <a:t>서바이벌 정보를 제공하고 기절 </a:t>
+            </a:r>
+            <a:r>
+              <a:rPr lang="en-US" altLang="ko-KR" sz="1200" dirty="0" smtClean="0">
+                <a:solidFill>
+                  <a:schemeClr val="accent4"/>
+                </a:solidFill>
+              </a:rPr>
+              <a:t>/ </a:t>
+            </a:r>
+            <a:r>
+              <a:rPr lang="ko-KR" altLang="en-US" sz="1200" dirty="0" smtClean="0">
+                <a:solidFill>
+                  <a:schemeClr val="accent4"/>
+                </a:solidFill>
+              </a:rPr>
+              <a:t>사망 </a:t>
+            </a:r>
+            <a:r>
+              <a:rPr lang="ko-KR" altLang="en-US" sz="1200" dirty="0" smtClean="0">
+                <a:solidFill>
+                  <a:schemeClr val="accent4"/>
+                </a:solidFill>
+              </a:rPr>
+              <a:t>원인을</a:t>
+            </a:r>
+            <a:endParaRPr lang="en-US" altLang="ko-KR" sz="1200" dirty="0" smtClean="0">
+              <a:solidFill>
+                <a:schemeClr val="accent4"/>
+              </a:solidFill>
+            </a:endParaRPr>
+          </a:p>
+          <a:p>
+            <a:r>
+              <a:rPr lang="ko-KR" altLang="en-US" sz="1200" dirty="0" smtClean="0">
+                <a:solidFill>
+                  <a:schemeClr val="accent4"/>
+                </a:solidFill>
+              </a:rPr>
+              <a:t>정확히 </a:t>
+            </a:r>
+            <a:r>
+              <a:rPr lang="ko-KR" altLang="en-US" sz="1200" dirty="0" smtClean="0">
+                <a:solidFill>
+                  <a:schemeClr val="accent4"/>
+                </a:solidFill>
+              </a:rPr>
+              <a:t>표시하기 위해</a:t>
+            </a:r>
+            <a:r>
+              <a:rPr lang="ko-KR" altLang="en-US" sz="1200" dirty="0">
+                <a:solidFill>
+                  <a:schemeClr val="bg1">
+                    <a:lumMod val="85000"/>
+                  </a:schemeClr>
+                </a:solidFill>
+              </a:rPr>
+              <a:t> </a:t>
+            </a:r>
+            <a:r>
+              <a:rPr lang="ko-KR" altLang="en-US" sz="1200" dirty="0" smtClean="0">
+                <a:solidFill>
+                  <a:schemeClr val="bg1">
+                    <a:lumMod val="85000"/>
+                  </a:schemeClr>
+                </a:solidFill>
+              </a:rPr>
+              <a:t>총기의 종류</a:t>
+            </a:r>
+            <a:r>
+              <a:rPr lang="en-US" altLang="ko-KR" sz="1200" dirty="0" smtClean="0">
+                <a:solidFill>
+                  <a:schemeClr val="bg1">
+                    <a:lumMod val="85000"/>
+                  </a:schemeClr>
+                </a:solidFill>
+              </a:rPr>
+              <a:t>, </a:t>
+            </a:r>
+            <a:r>
+              <a:rPr lang="ko-KR" altLang="en-US" sz="1200" dirty="0" smtClean="0">
+                <a:solidFill>
+                  <a:schemeClr val="bg1">
+                    <a:lumMod val="85000"/>
+                  </a:schemeClr>
+                </a:solidFill>
+              </a:rPr>
+              <a:t>수류</a:t>
+            </a:r>
+            <a:r>
+              <a:rPr lang="ko-KR" altLang="en-US" sz="1200" dirty="0">
+                <a:solidFill>
+                  <a:schemeClr val="bg1">
+                    <a:lumMod val="85000"/>
+                  </a:schemeClr>
+                </a:solidFill>
+              </a:rPr>
+              <a:t>탄</a:t>
+            </a:r>
+            <a:r>
+              <a:rPr lang="en-US" altLang="ko-KR" sz="1200" dirty="0" smtClean="0">
+                <a:solidFill>
+                  <a:schemeClr val="bg1">
+                    <a:lumMod val="85000"/>
+                  </a:schemeClr>
+                </a:solidFill>
+              </a:rPr>
+              <a:t>, </a:t>
+            </a:r>
+            <a:r>
+              <a:rPr lang="ko-KR" altLang="en-US" sz="1200" dirty="0" smtClean="0">
+                <a:solidFill>
+                  <a:schemeClr val="bg1">
+                    <a:lumMod val="85000"/>
+                  </a:schemeClr>
+                </a:solidFill>
+              </a:rPr>
+              <a:t>차량</a:t>
+            </a:r>
+            <a:r>
+              <a:rPr lang="en-US" altLang="ko-KR" sz="1200" dirty="0" smtClean="0">
+                <a:solidFill>
+                  <a:schemeClr val="bg1">
+                    <a:lumMod val="85000"/>
+                  </a:schemeClr>
+                </a:solidFill>
+              </a:rPr>
+              <a:t>, </a:t>
+            </a:r>
+            <a:r>
+              <a:rPr lang="ko-KR" altLang="en-US" sz="1200" dirty="0" smtClean="0">
+                <a:solidFill>
+                  <a:schemeClr val="bg1">
+                    <a:lumMod val="85000"/>
+                  </a:schemeClr>
+                </a:solidFill>
+              </a:rPr>
+              <a:t>근접무기</a:t>
+            </a:r>
+            <a:r>
+              <a:rPr lang="en-US" altLang="ko-KR" sz="1200" dirty="0" smtClean="0">
+                <a:solidFill>
+                  <a:schemeClr val="bg1">
+                    <a:lumMod val="85000"/>
+                  </a:schemeClr>
+                </a:solidFill>
+              </a:rPr>
+              <a:t>, </a:t>
+            </a:r>
+            <a:r>
+              <a:rPr lang="ko-KR" altLang="en-US" sz="1200" dirty="0" smtClean="0">
+                <a:solidFill>
+                  <a:schemeClr val="bg1">
+                    <a:lumMod val="85000"/>
+                  </a:schemeClr>
+                </a:solidFill>
+              </a:rPr>
+              <a:t>자기장 등 모두 각기 다른 아이콘을 </a:t>
+            </a:r>
+            <a:endParaRPr lang="en-US" altLang="ko-KR" sz="1200" dirty="0" smtClean="0">
+              <a:solidFill>
+                <a:schemeClr val="bg1">
+                  <a:lumMod val="85000"/>
+                </a:schemeClr>
+              </a:solidFill>
+            </a:endParaRPr>
+          </a:p>
+          <a:p>
+            <a:r>
+              <a:rPr lang="ko-KR" altLang="en-US" sz="1200" dirty="0" smtClean="0">
+                <a:solidFill>
+                  <a:schemeClr val="bg1">
+                    <a:lumMod val="85000"/>
+                  </a:schemeClr>
+                </a:solidFill>
+              </a:rPr>
+              <a:t>사용하여 누가 </a:t>
+            </a:r>
+            <a:r>
+              <a:rPr lang="ko-KR" altLang="en-US" sz="1200" dirty="0" smtClean="0">
+                <a:solidFill>
+                  <a:schemeClr val="bg1">
+                    <a:lumMod val="85000"/>
+                  </a:schemeClr>
+                </a:solidFill>
+              </a:rPr>
+              <a:t>어떤 것으로 쓰러졌는지 보여준다</a:t>
+            </a:r>
+            <a:r>
+              <a:rPr lang="en-US" altLang="ko-KR" sz="1200" dirty="0" smtClean="0">
+                <a:solidFill>
+                  <a:schemeClr val="bg1">
+                    <a:lumMod val="85000"/>
+                  </a:schemeClr>
+                </a:solidFill>
+              </a:rPr>
+              <a:t>.</a:t>
+            </a:r>
+          </a:p>
+        </p:txBody>
+      </p:sp>
+      <p:sp>
+        <p:nvSpPr>
+          <p:cNvPr id="24" name="직사각형 23"/>
+          <p:cNvSpPr/>
+          <p:nvPr/>
+        </p:nvSpPr>
+        <p:spPr>
+          <a:xfrm>
+            <a:off x="6450757" y="1120736"/>
+            <a:ext cx="3391512" cy="1148739"/>
+          </a:xfrm>
+          <a:prstGeom prst="rect">
+            <a:avLst/>
+          </a:prstGeom>
+          <a:solidFill>
+            <a:schemeClr val="tx2"/>
+          </a:solidFill>
+          <a:ln>
+            <a:solidFill>
+              <a:schemeClr val="accent5">
+                <a:lumMod val="50000"/>
+              </a:schemeClr>
+            </a:solidFill>
+          </a:ln>
+        </p:spPr>
+        <p:style>
+          <a:lnRef idx="2">
+            <a:schemeClr val="accent1">
+              <a:shade val="50000"/>
+            </a:schemeClr>
+          </a:lnRef>
+          <a:fillRef idx="1">
+            <a:schemeClr val="accent1"/>
+          </a:fillRef>
+          <a:effectRef idx="0">
+            <a:schemeClr val="accent1"/>
+          </a:effectRef>
+          <a:fontRef idx="minor">
+            <a:schemeClr val="lt1"/>
+          </a:fontRef>
+        </p:style>
+        <p:txBody>
+          <a:bodyPr rtlCol="0" anchor="ctr"/>
+          <a:lstStyle/>
+          <a:p>
+            <a:r>
+              <a:rPr lang="ko-KR" altLang="en-US" sz="1200" dirty="0" smtClean="0">
+                <a:solidFill>
+                  <a:schemeClr val="bg1">
+                    <a:lumMod val="85000"/>
+                  </a:schemeClr>
+                </a:solidFill>
+              </a:rPr>
+              <a:t>현재 남아있는 생존자의 인원수를 표시하여</a:t>
+            </a:r>
+            <a:endParaRPr lang="en-US" altLang="ko-KR" sz="1200" dirty="0" smtClean="0">
+              <a:solidFill>
+                <a:schemeClr val="accent4"/>
+              </a:solidFill>
+            </a:endParaRPr>
+          </a:p>
+          <a:p>
+            <a:r>
+              <a:rPr lang="ko-KR" altLang="en-US" sz="1200" dirty="0" smtClean="0">
+                <a:solidFill>
+                  <a:schemeClr val="accent4"/>
+                </a:solidFill>
+              </a:rPr>
+              <a:t>서바이벌 게임으로서 이후 전략을 펼치는 데에 중요한 도움이 되는 정보를 보여준다</a:t>
+            </a:r>
+            <a:r>
+              <a:rPr lang="en-US" altLang="ko-KR" sz="1200" dirty="0" smtClean="0">
+                <a:solidFill>
+                  <a:schemeClr val="accent4"/>
+                </a:solidFill>
+              </a:rPr>
+              <a:t>.</a:t>
+            </a:r>
+          </a:p>
+          <a:p>
+            <a:r>
+              <a:rPr lang="en-US" altLang="ko-KR" sz="1200" dirty="0" smtClean="0">
+                <a:solidFill>
+                  <a:schemeClr val="accent4"/>
+                </a:solidFill>
+              </a:rPr>
+              <a:t>(</a:t>
+            </a:r>
+            <a:r>
+              <a:rPr lang="ko-KR" altLang="en-US" sz="1200" dirty="0" err="1" smtClean="0">
+                <a:solidFill>
+                  <a:schemeClr val="accent4"/>
+                </a:solidFill>
+              </a:rPr>
+              <a:t>서바이벌</a:t>
+            </a:r>
+            <a:r>
+              <a:rPr lang="ko-KR" altLang="en-US" sz="1200" dirty="0" smtClean="0">
+                <a:solidFill>
+                  <a:schemeClr val="accent4"/>
+                </a:solidFill>
+              </a:rPr>
+              <a:t> 정보</a:t>
+            </a:r>
+            <a:r>
+              <a:rPr lang="en-US" altLang="ko-KR" sz="1200" dirty="0" smtClean="0">
+                <a:solidFill>
+                  <a:schemeClr val="accent4"/>
+                </a:solidFill>
+              </a:rPr>
+              <a:t>)</a:t>
+            </a:r>
+            <a:endParaRPr lang="en-US" altLang="ko-KR" sz="1200" dirty="0" smtClean="0">
+              <a:solidFill>
+                <a:schemeClr val="accent4"/>
+              </a:solidFill>
+            </a:endParaRPr>
+          </a:p>
+        </p:txBody>
+      </p:sp>
+      <p:cxnSp>
+        <p:nvCxnSpPr>
+          <p:cNvPr id="16" name="직선 화살표 연결선 15"/>
+          <p:cNvCxnSpPr>
+            <a:stCxn id="42" idx="0"/>
+          </p:cNvCxnSpPr>
+          <p:nvPr/>
+        </p:nvCxnSpPr>
+        <p:spPr>
+          <a:xfrm flipV="1">
+            <a:off x="3311394" y="3759707"/>
+            <a:ext cx="2968220" cy="946946"/>
+          </a:xfrm>
+          <a:prstGeom prst="straightConnector1">
+            <a:avLst/>
+          </a:prstGeom>
+          <a:ln w="28575">
+            <a:solidFill>
+              <a:srgbClr val="FF0000"/>
+            </a:solidFill>
+            <a:prstDash val="dash"/>
+            <a:tailEnd type="triangle"/>
+          </a:ln>
+        </p:spPr>
+        <p:style>
+          <a:lnRef idx="1">
+            <a:schemeClr val="accent1"/>
+          </a:lnRef>
+          <a:fillRef idx="0">
+            <a:schemeClr val="accent1"/>
+          </a:fillRef>
+          <a:effectRef idx="0">
+            <a:schemeClr val="accent1"/>
+          </a:effectRef>
+          <a:fontRef idx="minor">
+            <a:schemeClr val="tx1"/>
+          </a:fontRef>
+        </p:style>
+      </p:cxnSp>
       <p:sp>
         <p:nvSpPr>
           <p:cNvPr id="42" name="직사각형 41"/>
@@ -14864,7 +16039,39 @@
                   <a:schemeClr val="accent4"/>
                 </a:solidFill>
               </a:rPr>
-              <a:t>플레이어 간 전투의 결과를 명백히 표시하고 서바이벌 정보를</a:t>
+              <a:t>플레이어 간 전투의 결과를 명백히 </a:t>
+            </a:r>
+            <a:r>
+              <a:rPr lang="ko-KR" altLang="en-US" sz="1200" dirty="0" smtClean="0">
+                <a:solidFill>
+                  <a:schemeClr val="accent4"/>
+                </a:solidFill>
+              </a:rPr>
+              <a:t>표시하고</a:t>
+            </a:r>
+            <a:r>
+              <a:rPr lang="en-US" altLang="ko-KR" sz="1200" dirty="0" smtClean="0">
+                <a:solidFill>
+                  <a:schemeClr val="accent4"/>
+                </a:solidFill>
+              </a:rPr>
+              <a:t>,</a:t>
+            </a:r>
+            <a:r>
+              <a:rPr lang="ko-KR" altLang="en-US" sz="1200" dirty="0" smtClean="0">
+                <a:solidFill>
+                  <a:schemeClr val="accent4"/>
+                </a:solidFill>
+              </a:rPr>
+              <a:t> </a:t>
+            </a:r>
+            <a:r>
+              <a:rPr lang="ko-KR" altLang="en-US" sz="1200" dirty="0" smtClean="0">
+                <a:solidFill>
+                  <a:schemeClr val="accent4"/>
+                </a:solidFill>
+              </a:rPr>
+              <a:t>서바이벌 정보를</a:t>
             </a:r>
             <a:endParaRPr lang="en-US" altLang="ko-KR" sz="1200" dirty="0" smtClean="0">
               <a:solidFill>
@@ -15255,164 +16462,6 @@
                 </a:solidFill>
               </a:rPr>
               <a:t>부분이 생략된다</a:t>
-            </a:r>
-            <a:r>
-              <a:rPr lang="en-US" altLang="ko-KR" sz="1200" dirty="0" smtClean="0">
-                <a:solidFill>
-                  <a:schemeClr val="bg1">
-                    <a:lumMod val="85000"/>
-                  </a:schemeClr>
-                </a:solidFill>
-              </a:rPr>
-              <a:t>.</a:t>
-            </a:r>
-          </a:p>
-        </p:txBody>
-      </p:sp>
-      <p:cxnSp>
-        <p:nvCxnSpPr>
-          <p:cNvPr id="53" name="직선 화살표 연결선 52"/>
-          <p:cNvCxnSpPr/>
-          <p:nvPr/>
-        </p:nvCxnSpPr>
-        <p:spPr>
-          <a:xfrm flipH="1" flipV="1">
-            <a:off x="5394959" y="3699626"/>
-            <a:ext cx="2326654" cy="661383"/>
-          </a:xfrm>
-          <a:prstGeom prst="straightConnector1">
-            <a:avLst/>
-          </a:prstGeom>
-          <a:ln w="28575">
-            <a:solidFill>
-              <a:srgbClr val="FF0000"/>
-            </a:solidFill>
-            <a:prstDash val="dash"/>
-            <a:tailEnd type="triangle"/>
-          </a:ln>
-        </p:spPr>
-        <p:style>
-          <a:lnRef idx="1">
-            <a:schemeClr val="accent1"/>
-          </a:lnRef>
-          <a:fillRef idx="0">
-            <a:schemeClr val="accent1"/>
-          </a:fillRef>
-          <a:effectRef idx="0">
-            <a:schemeClr val="accent1"/>
-          </a:effectRef>
-          <a:fontRef idx="minor">
-            <a:schemeClr val="tx1"/>
-          </a:fontRef>
-        </p:style>
-      </p:cxnSp>
-      <p:sp>
-        <p:nvSpPr>
-          <p:cNvPr id="52" name="직사각형 51"/>
-          <p:cNvSpPr/>
-          <p:nvPr/>
-        </p:nvSpPr>
-        <p:spPr>
-          <a:xfrm>
-            <a:off x="7721612" y="4174933"/>
-            <a:ext cx="3434067" cy="962332"/>
-          </a:xfrm>
-          <a:prstGeom prst="rect">
-            <a:avLst/>
-          </a:prstGeom>
-          <a:solidFill>
-            <a:schemeClr val="tx2"/>
-          </a:solidFill>
-          <a:ln>
-            <a:solidFill>
-              <a:schemeClr val="accent5">
-                <a:lumMod val="50000"/>
-              </a:schemeClr>
-            </a:solidFill>
-          </a:ln>
-        </p:spPr>
-        <p:style>
-          <a:lnRef idx="2">
-            <a:schemeClr val="accent1">
-              <a:shade val="50000"/>
-            </a:schemeClr>
-          </a:lnRef>
-          <a:fillRef idx="1">
-            <a:schemeClr val="accent1"/>
-          </a:fillRef>
-          <a:effectRef idx="0">
-            <a:schemeClr val="accent1"/>
-          </a:effectRef>
-          <a:fontRef idx="minor">
-            <a:schemeClr val="lt1"/>
-          </a:fontRef>
-        </p:style>
-        <p:txBody>
-          <a:bodyPr rtlCol="0" anchor="ctr"/>
-          <a:lstStyle/>
-          <a:p>
-            <a:r>
-              <a:rPr lang="ko-KR" altLang="en-US" sz="1200" dirty="0" smtClean="0">
-                <a:solidFill>
-                  <a:schemeClr val="accent4"/>
-                </a:solidFill>
-              </a:rPr>
-              <a:t>서바이벌 정보를 제공하고 기절 </a:t>
-            </a:r>
-            <a:r>
-              <a:rPr lang="en-US" altLang="ko-KR" sz="1200" dirty="0" smtClean="0">
-                <a:solidFill>
-                  <a:schemeClr val="accent4"/>
-                </a:solidFill>
-              </a:rPr>
-              <a:t>/ </a:t>
-            </a:r>
-            <a:r>
-              <a:rPr lang="ko-KR" altLang="en-US" sz="1200" dirty="0" smtClean="0">
-                <a:solidFill>
-                  <a:schemeClr val="accent4"/>
-                </a:solidFill>
-              </a:rPr>
-              <a:t>사망 원인을 정확히 표시하기 위해</a:t>
-            </a:r>
-            <a:r>
-              <a:rPr lang="ko-KR" altLang="en-US" sz="1200" dirty="0">
-                <a:solidFill>
-                  <a:schemeClr val="bg1">
-                    <a:lumMod val="85000"/>
-                  </a:schemeClr>
-                </a:solidFill>
-              </a:rPr>
-              <a:t> </a:t>
-            </a:r>
-            <a:r>
-              <a:rPr lang="ko-KR" altLang="en-US" sz="1200" dirty="0" smtClean="0">
-                <a:solidFill>
-                  <a:schemeClr val="bg1">
-                    <a:lumMod val="85000"/>
-                  </a:schemeClr>
-                </a:solidFill>
-              </a:rPr>
-              <a:t>아이콘을 사용하여 </a:t>
-            </a:r>
-            <a:endParaRPr lang="en-US" altLang="ko-KR" sz="1200" dirty="0" smtClean="0">
-              <a:solidFill>
-                <a:schemeClr val="bg1">
-                  <a:lumMod val="85000"/>
-                </a:schemeClr>
-              </a:solidFill>
-            </a:endParaRPr>
-          </a:p>
-          <a:p>
-            <a:r>
-              <a:rPr lang="ko-KR" altLang="en-US" sz="1200" dirty="0" smtClean="0">
-                <a:solidFill>
-                  <a:schemeClr val="bg1">
-                    <a:lumMod val="85000"/>
-                  </a:schemeClr>
-                </a:solidFill>
-              </a:rPr>
-              <a:t>누가 어떤 것으로 쓰러졌는지 보여준다</a:t>
             </a:r>
             <a:r>
               <a:rPr lang="en-US" altLang="ko-KR" sz="1200" dirty="0" smtClean="0">
@@ -15479,7 +16528,7 @@
           <p:cNvPr id="40" name="사각형: 둥근 모서리 39">
             <a:extLst>
               <a:ext uri="{FF2B5EF4-FFF2-40B4-BE49-F238E27FC236}">
-                <a16:creationId xmlns:a16="http://schemas.microsoft.com/office/drawing/2014/main" id="{DEB48728-12FA-4B10-82E6-7899DDCA2731}"/>
+                <a16:creationId xmlns:a16="http://schemas.microsoft.com/office/drawing/2014/main" xmlns="" id="{DEB48728-12FA-4B10-82E6-7899DDCA2731}"/>
               </a:ext>
             </a:extLst>
           </p:cNvPr>
@@ -15551,7 +16600,7 @@
           <p:cNvPr id="43" name="직사각형 42">
             <a:extLst>
               <a:ext uri="{FF2B5EF4-FFF2-40B4-BE49-F238E27FC236}">
-                <a16:creationId xmlns:a16="http://schemas.microsoft.com/office/drawing/2014/main" id="{32B56811-2E7B-4FBF-99CB-4CECF20A9AC0}"/>
+                <a16:creationId xmlns:a16="http://schemas.microsoft.com/office/drawing/2014/main" xmlns="" id="{32B56811-2E7B-4FBF-99CB-4CECF20A9AC0}"/>
               </a:ext>
             </a:extLst>
           </p:cNvPr>
@@ -15722,7 +16771,7 @@
           <p:cNvPr id="13" name="직사각형 12">
             <a:extLst>
               <a:ext uri="{FF2B5EF4-FFF2-40B4-BE49-F238E27FC236}">
-                <a16:creationId xmlns:a16="http://schemas.microsoft.com/office/drawing/2014/main" id="{24EDB60A-88EE-4624-924F-1D4B6948100C}"/>
+                <a16:creationId xmlns:a16="http://schemas.microsoft.com/office/drawing/2014/main" xmlns="" id="{24EDB60A-88EE-4624-924F-1D4B6948100C}"/>
               </a:ext>
             </a:extLst>
           </p:cNvPr>
@@ -15757,15 +16806,7 @@
                   <a:prstClr val="white"/>
                 </a:solidFill>
               </a:rPr>
-              <a:t>3)</a:t>
-            </a:r>
-            <a:r>
-              <a:rPr lang="en-US" altLang="ko-KR" sz="1600" kern="0" dirty="0" smtClean="0">
-                <a:solidFill>
-                  <a:prstClr val="white"/>
-                </a:solidFill>
-              </a:rPr>
-              <a:t> </a:t>
+              <a:t>3) </a:t>
             </a:r>
             <a:r>
               <a:rPr lang="ko-KR" altLang="en-US" sz="1600" kern="0" dirty="0" err="1" smtClean="0">
@@ -16050,102 +17091,6 @@
           </a:fontRef>
         </p:style>
       </p:cxnSp>
-      <p:sp>
-        <p:nvSpPr>
-          <p:cNvPr id="28" name="직사각형 27"/>
-          <p:cNvSpPr/>
-          <p:nvPr/>
-        </p:nvSpPr>
-        <p:spPr>
-          <a:xfrm>
-            <a:off x="786048" y="4915192"/>
-            <a:ext cx="3535446" cy="978532"/>
-          </a:xfrm>
-          <a:prstGeom prst="rect">
-            <a:avLst/>
-          </a:prstGeom>
-          <a:solidFill>
-            <a:schemeClr val="tx2"/>
-          </a:solidFill>
-          <a:ln>
-            <a:solidFill>
-              <a:schemeClr val="accent5">
-                <a:lumMod val="50000"/>
-              </a:schemeClr>
-            </a:solidFill>
-          </a:ln>
-        </p:spPr>
-        <p:style>
-          <a:lnRef idx="2">
-            <a:schemeClr val="accent1">
-              <a:shade val="50000"/>
-            </a:schemeClr>
-          </a:lnRef>
-          <a:fillRef idx="1">
-            <a:schemeClr val="accent1"/>
-          </a:fillRef>
-          <a:effectRef idx="0">
-            <a:schemeClr val="accent1"/>
-          </a:effectRef>
-          <a:fontRef idx="minor">
-            <a:schemeClr val="lt1"/>
-          </a:fontRef>
-        </p:style>
-        <p:txBody>
-          <a:bodyPr rtlCol="0" anchor="ctr"/>
-          <a:lstStyle/>
-          <a:p>
-            <a:r>
-              <a:rPr lang="ko-KR" altLang="en-US" sz="1200" dirty="0" smtClean="0">
-                <a:solidFill>
-                  <a:schemeClr val="bg1">
-                    <a:lumMod val="85000"/>
-                  </a:schemeClr>
-                </a:solidFill>
-              </a:rPr>
-              <a:t>장비한 무기의 종류에 따라 크로스헤어가 달라져</a:t>
-            </a:r>
-            <a:endParaRPr lang="en-US" altLang="ko-KR" sz="1200" dirty="0" smtClean="0">
-              <a:solidFill>
-                <a:schemeClr val="bg1">
-                  <a:lumMod val="85000"/>
-                </a:schemeClr>
-              </a:solidFill>
-            </a:endParaRPr>
-          </a:p>
-          <a:p>
-            <a:r>
-              <a:rPr lang="ko-KR" altLang="en-US" sz="1200" dirty="0" smtClean="0">
-                <a:solidFill>
-                  <a:schemeClr val="accent4"/>
-                </a:solidFill>
-              </a:rPr>
-              <a:t>현재 플레이어가 어떤 무기를 선택한 상태인지 알 수 있다</a:t>
-            </a:r>
-            <a:r>
-              <a:rPr lang="en-US" altLang="ko-KR" sz="1200" dirty="0" smtClean="0">
-                <a:solidFill>
-                  <a:schemeClr val="accent4"/>
-                </a:solidFill>
-              </a:rPr>
-              <a:t>.</a:t>
-            </a:r>
-            <a:r>
-              <a:rPr lang="ko-KR" altLang="en-US" sz="1200" dirty="0">
-                <a:solidFill>
-                  <a:schemeClr val="accent4"/>
-                </a:solidFill>
-              </a:rPr>
-              <a:t> </a:t>
-            </a:r>
-            <a:endParaRPr lang="en-US" altLang="ko-KR" sz="1200" dirty="0" smtClean="0">
-              <a:solidFill>
-                <a:schemeClr val="accent4"/>
-              </a:solidFill>
-            </a:endParaRPr>
-          </a:p>
-        </p:txBody>
-      </p:sp>
       <p:pic>
         <p:nvPicPr>
           <p:cNvPr id="6" name="그림 5"/>
@@ -16254,8 +17199,8 @@
         </p:nvCxnSpPr>
         <p:spPr>
           <a:xfrm flipV="1">
-            <a:off x="4321494" y="5054140"/>
-            <a:ext cx="803647" cy="350318"/>
+            <a:off x="4389547" y="4888723"/>
+            <a:ext cx="764726" cy="374424"/>
           </a:xfrm>
           <a:prstGeom prst="straightConnector1">
             <a:avLst/>
@@ -16283,10 +17228,951 @@
           </a:fontRef>
         </p:style>
       </p:cxnSp>
+      <p:sp>
+        <p:nvSpPr>
+          <p:cNvPr id="28" name="직사각형 27"/>
+          <p:cNvSpPr/>
+          <p:nvPr/>
+        </p:nvSpPr>
+        <p:spPr>
+          <a:xfrm>
+            <a:off x="353106" y="4888723"/>
+            <a:ext cx="4036441" cy="748847"/>
+          </a:xfrm>
+          <a:prstGeom prst="rect">
+            <a:avLst/>
+          </a:prstGeom>
+          <a:solidFill>
+            <a:schemeClr val="tx2"/>
+          </a:solidFill>
+          <a:ln>
+            <a:solidFill>
+              <a:schemeClr val="accent5">
+                <a:lumMod val="50000"/>
+              </a:schemeClr>
+            </a:solidFill>
+          </a:ln>
+        </p:spPr>
+        <p:style>
+          <a:lnRef idx="2">
+            <a:schemeClr val="accent1">
+              <a:shade val="50000"/>
+            </a:schemeClr>
+          </a:lnRef>
+          <a:fillRef idx="1">
+            <a:schemeClr val="accent1"/>
+          </a:fillRef>
+          <a:effectRef idx="0">
+            <a:schemeClr val="accent1"/>
+          </a:effectRef>
+          <a:fontRef idx="minor">
+            <a:schemeClr val="lt1"/>
+          </a:fontRef>
+        </p:style>
+        <p:txBody>
+          <a:bodyPr rtlCol="0" anchor="ctr"/>
+          <a:lstStyle/>
+          <a:p>
+            <a:r>
+              <a:rPr lang="ko-KR" altLang="en-US" sz="1200" dirty="0" smtClean="0">
+                <a:solidFill>
+                  <a:schemeClr val="bg1">
+                    <a:lumMod val="85000"/>
+                  </a:schemeClr>
+                </a:solidFill>
+              </a:rPr>
+              <a:t>현재 장비한 주무기의 </a:t>
+            </a:r>
+            <a:r>
+              <a:rPr lang="ko-KR" altLang="en-US" sz="1200" dirty="0" smtClean="0">
+                <a:solidFill>
+                  <a:schemeClr val="bg1">
+                    <a:lumMod val="85000"/>
+                  </a:schemeClr>
+                </a:solidFill>
+              </a:rPr>
+              <a:t>종류에 따라 크로스헤어가 달라져</a:t>
+            </a:r>
+            <a:endParaRPr lang="en-US" altLang="ko-KR" sz="1200" dirty="0" smtClean="0">
+              <a:solidFill>
+                <a:schemeClr val="bg1">
+                  <a:lumMod val="85000"/>
+                </a:schemeClr>
+              </a:solidFill>
+            </a:endParaRPr>
+          </a:p>
+          <a:p>
+            <a:r>
+              <a:rPr lang="ko-KR" altLang="en-US" sz="1200" dirty="0" smtClean="0">
+                <a:solidFill>
+                  <a:schemeClr val="accent4"/>
+                </a:solidFill>
+              </a:rPr>
+              <a:t>현재 </a:t>
+            </a:r>
+            <a:r>
+              <a:rPr lang="ko-KR" altLang="en-US" sz="1200" dirty="0" smtClean="0">
+                <a:solidFill>
+                  <a:schemeClr val="accent4"/>
+                </a:solidFill>
+              </a:rPr>
+              <a:t>플레이어의 주무기가 </a:t>
+            </a:r>
+            <a:r>
+              <a:rPr lang="ko-KR" altLang="en-US" sz="1200" dirty="0" smtClean="0">
+                <a:solidFill>
+                  <a:schemeClr val="accent4"/>
+                </a:solidFill>
+              </a:rPr>
+              <a:t>어떤 </a:t>
+            </a:r>
+            <a:r>
+              <a:rPr lang="ko-KR" altLang="en-US" sz="1200" dirty="0" smtClean="0">
+                <a:solidFill>
+                  <a:schemeClr val="accent4"/>
+                </a:solidFill>
+              </a:rPr>
+              <a:t>종류인지 </a:t>
+            </a:r>
+            <a:r>
+              <a:rPr lang="ko-KR" altLang="en-US" sz="1200" dirty="0" smtClean="0">
+                <a:solidFill>
+                  <a:schemeClr val="accent4"/>
+                </a:solidFill>
+              </a:rPr>
+              <a:t>알 수 있다</a:t>
+            </a:r>
+            <a:r>
+              <a:rPr lang="en-US" altLang="ko-KR" sz="1200" dirty="0" smtClean="0">
+                <a:solidFill>
+                  <a:schemeClr val="accent4"/>
+                </a:solidFill>
+              </a:rPr>
+              <a:t>.</a:t>
+            </a:r>
+            <a:r>
+              <a:rPr lang="ko-KR" altLang="en-US" sz="1200" dirty="0">
+                <a:solidFill>
+                  <a:schemeClr val="accent4"/>
+                </a:solidFill>
+              </a:rPr>
+              <a:t> </a:t>
+            </a:r>
+            <a:endParaRPr lang="en-US" altLang="ko-KR" sz="1200" dirty="0" smtClean="0">
+              <a:solidFill>
+                <a:schemeClr val="accent4"/>
+              </a:solidFill>
+            </a:endParaRPr>
+          </a:p>
+        </p:txBody>
+      </p:sp>
     </p:spTree>
     <p:extLst>
       <p:ext uri="{BB962C8B-B14F-4D97-AF65-F5344CB8AC3E}">
         <p14:creationId xmlns:p14="http://schemas.microsoft.com/office/powerpoint/2010/main" val="1281583759"/>
+      </p:ext>
+    </p:extLst>
+  </p:cSld>
+  <p:clrMapOvr>
+    <a:masterClrMapping/>
+  </p:clrMapOvr>
+  <p:timing>
+    <p:tnLst>
+      <p:par>
+        <p:cTn id="1" dur="indefinite" restart="never" nodeType="tmRoot"/>
+      </p:par>
+    </p:tnLst>
+  </p:timing>
+</p:sld>
+</file>
+
+<file path=ppt/slides/slide9.xml><?xml version="1.0" encoding="utf-8"?>
+<p:sld xmlns:a="http://schemas.openxmlformats.org/drawingml/2006/main" xmlns:r="http://schemas.openxmlformats.org/officeDocument/2006/relationships" xmlns:p="http://schemas.openxmlformats.org/presentationml/2006/main">
+  <p:cSld>
+    <p:bg>
+      <p:bgPr>
+        <a:solidFill>
+          <a:schemeClr val="tx2">
+            <a:lumMod val="50000"/>
+          </a:schemeClr>
+        </a:solidFill>
+        <a:effectLst/>
+      </p:bgPr>
+    </p:bg>
+    <p:spTree>
+      <p:nvGrpSpPr>
+        <p:cNvPr id="1" name=""/>
+        <p:cNvGrpSpPr/>
+        <p:nvPr/>
+      </p:nvGrpSpPr>
+      <p:grpSpPr>
+        <a:xfrm>
+          <a:off x="0" y="0"/>
+          <a:ext cx="0" cy="0"/>
+          <a:chOff x="0" y="0"/>
+          <a:chExt cx="0" cy="0"/>
+        </a:xfrm>
+      </p:grpSpPr>
+      <p:sp>
+        <p:nvSpPr>
+          <p:cNvPr id="40" name="사각형: 둥근 모서리 39">
+            <a:extLst>
+              <a:ext uri="{FF2B5EF4-FFF2-40B4-BE49-F238E27FC236}">
+                <a16:creationId xmlns:a16="http://schemas.microsoft.com/office/drawing/2014/main" xmlns="" id="{DEB48728-12FA-4B10-82E6-7899DDCA2731}"/>
+              </a:ext>
+            </a:extLst>
+          </p:cNvPr>
+          <p:cNvSpPr/>
+          <p:nvPr/>
+        </p:nvSpPr>
+        <p:spPr>
+          <a:xfrm>
+            <a:off x="491492" y="504093"/>
+            <a:ext cx="1711727" cy="585286"/>
+          </a:xfrm>
+          <a:prstGeom prst="roundRect">
+            <a:avLst>
+              <a:gd name="adj" fmla="val 50000"/>
+            </a:avLst>
+          </a:prstGeom>
+          <a:solidFill>
+            <a:srgbClr val="181E26"/>
+          </a:solidFill>
+          <a:ln>
+            <a:noFill/>
+          </a:ln>
+        </p:spPr>
+        <p:style>
+          <a:lnRef idx="2">
+            <a:schemeClr val="accent1">
+              <a:shade val="50000"/>
+            </a:schemeClr>
+          </a:lnRef>
+          <a:fillRef idx="1">
+            <a:schemeClr val="accent1"/>
+          </a:fillRef>
+          <a:effectRef idx="0">
+            <a:schemeClr val="accent1"/>
+          </a:effectRef>
+          <a:fontRef idx="minor">
+            <a:schemeClr val="lt1"/>
+          </a:fontRef>
+        </p:style>
+        <p:txBody>
+          <a:bodyPr rtlCol="0" anchor="ctr"/>
+          <a:lstStyle/>
+          <a:p>
+            <a:pPr algn="ctr">
+              <a:lnSpc>
+                <a:spcPct val="150000"/>
+              </a:lnSpc>
+            </a:pPr>
+            <a:r>
+              <a:rPr lang="ko-KR" altLang="en-US" sz="2400" b="1" dirty="0" smtClean="0">
+                <a:solidFill>
+                  <a:prstClr val="white"/>
+                </a:solidFill>
+              </a:rPr>
+              <a:t>기본 화면</a:t>
+            </a:r>
+            <a:endParaRPr lang="en-US" altLang="ko-KR" sz="1600" dirty="0">
+              <a:solidFill>
+                <a:prstClr val="white">
+                  <a:lumMod val="50000"/>
+                </a:prstClr>
+              </a:solidFill>
+            </a:endParaRPr>
+          </a:p>
+        </p:txBody>
+      </p:sp>
+      <p:sp>
+        <p:nvSpPr>
+          <p:cNvPr id="43" name="직사각형 42">
+            <a:extLst>
+              <a:ext uri="{FF2B5EF4-FFF2-40B4-BE49-F238E27FC236}">
+                <a16:creationId xmlns:a16="http://schemas.microsoft.com/office/drawing/2014/main" xmlns="" id="{32B56811-2E7B-4FBF-99CB-4CECF20A9AC0}"/>
+              </a:ext>
+            </a:extLst>
+          </p:cNvPr>
+          <p:cNvSpPr/>
+          <p:nvPr/>
+        </p:nvSpPr>
+        <p:spPr>
+          <a:xfrm>
+            <a:off x="0" y="472736"/>
+            <a:ext cx="45719" cy="648000"/>
+          </a:xfrm>
+          <a:prstGeom prst="rect">
+            <a:avLst/>
+          </a:prstGeom>
+          <a:solidFill>
+            <a:srgbClr val="FF9900"/>
+          </a:solidFill>
+          <a:ln>
+            <a:noFill/>
+          </a:ln>
+        </p:spPr>
+        <p:style>
+          <a:lnRef idx="2">
+            <a:schemeClr val="accent1">
+              <a:shade val="50000"/>
+            </a:schemeClr>
+          </a:lnRef>
+          <a:fillRef idx="1">
+            <a:schemeClr val="accent1"/>
+          </a:fillRef>
+          <a:effectRef idx="0">
+            <a:schemeClr val="accent1"/>
+          </a:effectRef>
+          <a:fontRef idx="minor">
+            <a:schemeClr val="lt1"/>
+          </a:fontRef>
+        </p:style>
+        <p:txBody>
+          <a:bodyPr rtlCol="0" anchor="ctr"/>
+          <a:lstStyle/>
+          <a:p>
+            <a:pPr algn="ctr">
+              <a:defRPr/>
+            </a:pPr>
+            <a:endParaRPr lang="ko-KR" altLang="en-US">
+              <a:solidFill>
+                <a:prstClr val="white"/>
+              </a:solidFill>
+            </a:endParaRPr>
+          </a:p>
+        </p:txBody>
+      </p:sp>
+      <p:sp>
+        <p:nvSpPr>
+          <p:cNvPr id="2" name="슬라이드 번호 개체 틀 1"/>
+          <p:cNvSpPr>
+            <a:spLocks noGrp="1"/>
+          </p:cNvSpPr>
+          <p:nvPr>
+            <p:ph type="sldNum" sz="quarter" idx="12"/>
+          </p:nvPr>
+        </p:nvSpPr>
+        <p:spPr/>
+        <p:txBody>
+          <a:bodyPr/>
+          <a:lstStyle/>
+          <a:p>
+            <a:fld id="{5D878A70-FB77-4F9B-8311-4FBED7F04F1E}" type="slidenum">
+              <a:rPr lang="ko-KR" altLang="en-US" sz="1600" smtClean="0">
+                <a:solidFill>
+                  <a:prstClr val="black">
+                    <a:tint val="75000"/>
+                  </a:prstClr>
+                </a:solidFill>
+              </a:rPr>
+              <a:pPr/>
+              <a:t>9</a:t>
+            </a:fld>
+            <a:endParaRPr lang="ko-KR" altLang="en-US" sz="1600" dirty="0">
+              <a:solidFill>
+                <a:prstClr val="black">
+                  <a:tint val="75000"/>
+                </a:prstClr>
+              </a:solidFill>
+            </a:endParaRPr>
+          </a:p>
+        </p:txBody>
+      </p:sp>
+      <p:pic>
+        <p:nvPicPr>
+          <p:cNvPr id="5" name="그림 4"/>
+          <p:cNvPicPr>
+            <a:picLocks noChangeAspect="1"/>
+          </p:cNvPicPr>
+          <p:nvPr/>
+        </p:nvPicPr>
+        <p:blipFill>
+          <a:blip r:embed="rId2" cstate="print">
+            <a:extLst>
+              <a:ext uri="{28A0092B-C50C-407E-A947-70E740481C1C}">
+                <a14:useLocalDpi xmlns:a14="http://schemas.microsoft.com/office/drawing/2010/main" val="0"/>
+              </a:ext>
+            </a:extLst>
+          </a:blip>
+          <a:stretch>
+            <a:fillRect/>
+          </a:stretch>
+        </p:blipFill>
+        <p:spPr>
+          <a:xfrm>
+            <a:off x="491492" y="1332345"/>
+            <a:ext cx="2404740" cy="1352666"/>
+          </a:xfrm>
+          <a:prstGeom prst="rect">
+            <a:avLst/>
+          </a:prstGeom>
+        </p:spPr>
+      </p:pic>
+      <p:sp>
+        <p:nvSpPr>
+          <p:cNvPr id="10" name="직사각형 9"/>
+          <p:cNvSpPr/>
+          <p:nvPr/>
+        </p:nvSpPr>
+        <p:spPr>
+          <a:xfrm>
+            <a:off x="1280324" y="2542834"/>
+            <a:ext cx="827075" cy="145472"/>
+          </a:xfrm>
+          <a:prstGeom prst="rect">
+            <a:avLst/>
+          </a:prstGeom>
+          <a:noFill/>
+          <a:ln>
+            <a:solidFill>
+              <a:srgbClr val="FF0000"/>
+            </a:solidFill>
+            <a:prstDash val="dash"/>
+          </a:ln>
+        </p:spPr>
+        <p:style>
+          <a:lnRef idx="2">
+            <a:schemeClr val="accent1">
+              <a:shade val="50000"/>
+            </a:schemeClr>
+          </a:lnRef>
+          <a:fillRef idx="1">
+            <a:schemeClr val="accent1"/>
+          </a:fillRef>
+          <a:effectRef idx="0">
+            <a:schemeClr val="accent1"/>
+          </a:effectRef>
+          <a:fontRef idx="minor">
+            <a:schemeClr val="lt1"/>
+          </a:fontRef>
+        </p:style>
+        <p:txBody>
+          <a:bodyPr rtlCol="0" anchor="ctr"/>
+          <a:lstStyle/>
+          <a:p>
+            <a:pPr algn="ctr"/>
+            <a:endParaRPr lang="ko-KR" altLang="en-US"/>
+          </a:p>
+        </p:txBody>
+      </p:sp>
+      <p:sp>
+        <p:nvSpPr>
+          <p:cNvPr id="13" name="직사각형 12">
+            <a:extLst>
+              <a:ext uri="{FF2B5EF4-FFF2-40B4-BE49-F238E27FC236}">
+                <a16:creationId xmlns:a16="http://schemas.microsoft.com/office/drawing/2014/main" xmlns="" id="{24EDB60A-88EE-4624-924F-1D4B6948100C}"/>
+              </a:ext>
+            </a:extLst>
+          </p:cNvPr>
+          <p:cNvSpPr/>
+          <p:nvPr/>
+        </p:nvSpPr>
+        <p:spPr>
+          <a:xfrm>
+            <a:off x="2371327" y="544106"/>
+            <a:ext cx="1751786" cy="461665"/>
+          </a:xfrm>
+          <a:prstGeom prst="rect">
+            <a:avLst/>
+          </a:prstGeom>
+          <a:noFill/>
+        </p:spPr>
+        <p:txBody>
+          <a:bodyPr wrap="square">
+            <a:spAutoFit/>
+          </a:bodyPr>
+          <a:lstStyle/>
+          <a:p>
+            <a:pPr latinLnBrk="0">
+              <a:lnSpc>
+                <a:spcPct val="150000"/>
+              </a:lnSpc>
+              <a:defRPr/>
+            </a:pPr>
+            <a:r>
+              <a:rPr lang="en-US" altLang="ko-KR" sz="1600" kern="0" dirty="0">
+                <a:solidFill>
+                  <a:prstClr val="white"/>
+                </a:solidFill>
+              </a:rPr>
+              <a:t>4</a:t>
+            </a:r>
+            <a:r>
+              <a:rPr lang="en-US" altLang="ko-KR" sz="1600" kern="0" dirty="0" smtClean="0">
+                <a:solidFill>
+                  <a:prstClr val="white"/>
+                </a:solidFill>
+              </a:rPr>
+              <a:t>) </a:t>
+            </a:r>
+            <a:r>
+              <a:rPr lang="ko-KR" altLang="en-US" sz="1600" kern="0" dirty="0" err="1" smtClean="0">
+                <a:solidFill>
+                  <a:prstClr val="white"/>
+                </a:solidFill>
+              </a:rPr>
+              <a:t>스테이터스</a:t>
+            </a:r>
+            <a:endParaRPr lang="ko-KR" altLang="en-US" sz="8800" kern="0" dirty="0">
+              <a:solidFill>
+                <a:prstClr val="white"/>
+              </a:solidFill>
+            </a:endParaRPr>
+          </a:p>
+        </p:txBody>
+      </p:sp>
+      <p:cxnSp>
+        <p:nvCxnSpPr>
+          <p:cNvPr id="15" name="직선 화살표 연결선 14"/>
+          <p:cNvCxnSpPr/>
+          <p:nvPr/>
+        </p:nvCxnSpPr>
+        <p:spPr>
+          <a:xfrm>
+            <a:off x="2051732" y="2615570"/>
+            <a:ext cx="1195555" cy="873109"/>
+          </a:xfrm>
+          <a:prstGeom prst="straightConnector1">
+            <a:avLst/>
+          </a:prstGeom>
+          <a:ln w="28575">
+            <a:solidFill>
+              <a:srgbClr val="FF0000"/>
+            </a:solidFill>
+            <a:tailEnd type="triangle"/>
+          </a:ln>
+        </p:spPr>
+        <p:style>
+          <a:lnRef idx="1">
+            <a:schemeClr val="accent1"/>
+          </a:lnRef>
+          <a:fillRef idx="0">
+            <a:schemeClr val="accent1"/>
+          </a:fillRef>
+          <a:effectRef idx="0">
+            <a:schemeClr val="accent1"/>
+          </a:effectRef>
+          <a:fontRef idx="minor">
+            <a:schemeClr val="tx1"/>
+          </a:fontRef>
+        </p:style>
+      </p:cxnSp>
+      <p:pic>
+        <p:nvPicPr>
+          <p:cNvPr id="1026" name="Picture 2"/>
+          <p:cNvPicPr>
+            <a:picLocks noChangeAspect="1" noChangeArrowheads="1"/>
+          </p:cNvPicPr>
+          <p:nvPr/>
+        </p:nvPicPr>
+        <p:blipFill>
+          <a:blip r:embed="rId3">
+            <a:extLst>
+              <a:ext uri="{28A0092B-C50C-407E-A947-70E740481C1C}">
+                <a14:useLocalDpi xmlns:a14="http://schemas.microsoft.com/office/drawing/2010/main" val="0"/>
+              </a:ext>
+            </a:extLst>
+          </a:blip>
+          <a:srcRect/>
+          <a:stretch>
+            <a:fillRect/>
+          </a:stretch>
+        </p:blipFill>
+        <p:spPr bwMode="auto">
+          <a:xfrm>
+            <a:off x="3247287" y="3488679"/>
+            <a:ext cx="5281933" cy="1478153"/>
+          </a:xfrm>
+          <a:prstGeom prst="rect">
+            <a:avLst/>
+          </a:prstGeom>
+          <a:noFill/>
+          <a:ln>
+            <a:noFill/>
+          </a:ln>
+          <a:effectLst/>
+          <a:extLst>
+            <a:ext uri="{909E8E84-426E-40DD-AFC4-6F175D3DCCD1}">
+              <a14:hiddenFill xmlns:a14="http://schemas.microsoft.com/office/drawing/2010/main">
+                <a:solidFill>
+                  <a:schemeClr val="accent1"/>
+                </a:solidFill>
+              </a14:hiddenFill>
+            </a:ext>
+            <a:ext uri="{91240B29-F687-4F45-9708-019B960494DF}">
+              <a14:hiddenLine xmlns:a14="http://schemas.microsoft.com/office/drawing/2010/main" w="9525">
+                <a:solidFill>
+                  <a:schemeClr val="tx1"/>
+                </a:solidFill>
+                <a:miter lim="800000"/>
+                <a:headEnd/>
+                <a:tailEnd/>
+              </a14:hiddenLine>
+            </a:ext>
+            <a:ext uri="{AF507438-7753-43E0-B8FC-AC1667EBCBE1}">
+              <a14:hiddenEffects xmlns:a14="http://schemas.microsoft.com/office/drawing/2010/main">
+                <a:effectLst>
+                  <a:outerShdw dist="35921" dir="2700000" algn="ctr" rotWithShape="0">
+                    <a:schemeClr val="bg2"/>
+                  </a:outerShdw>
+                </a:effectLst>
+              </a14:hiddenEffects>
+            </a:ext>
+          </a:extLst>
+        </p:spPr>
+      </p:pic>
+      <p:sp>
+        <p:nvSpPr>
+          <p:cNvPr id="22" name="직사각형 21"/>
+          <p:cNvSpPr/>
+          <p:nvPr/>
+        </p:nvSpPr>
+        <p:spPr>
+          <a:xfrm>
+            <a:off x="3353750" y="3737562"/>
+            <a:ext cx="1343456" cy="556296"/>
+          </a:xfrm>
+          <a:prstGeom prst="rect">
+            <a:avLst/>
+          </a:prstGeom>
+          <a:noFill/>
+          <a:ln>
+            <a:solidFill>
+              <a:srgbClr val="FF0000"/>
+            </a:solidFill>
+            <a:prstDash val="dash"/>
+          </a:ln>
+        </p:spPr>
+        <p:style>
+          <a:lnRef idx="2">
+            <a:schemeClr val="accent1">
+              <a:shade val="50000"/>
+            </a:schemeClr>
+          </a:lnRef>
+          <a:fillRef idx="1">
+            <a:schemeClr val="accent1"/>
+          </a:fillRef>
+          <a:effectRef idx="0">
+            <a:schemeClr val="accent1"/>
+          </a:effectRef>
+          <a:fontRef idx="minor">
+            <a:schemeClr val="lt1"/>
+          </a:fontRef>
+        </p:style>
+        <p:txBody>
+          <a:bodyPr rtlCol="0" anchor="ctr"/>
+          <a:lstStyle/>
+          <a:p>
+            <a:pPr algn="ctr"/>
+            <a:endParaRPr lang="ko-KR" altLang="en-US"/>
+          </a:p>
+        </p:txBody>
+      </p:sp>
+      <p:cxnSp>
+        <p:nvCxnSpPr>
+          <p:cNvPr id="30" name="직선 화살표 연결선 29"/>
+          <p:cNvCxnSpPr/>
+          <p:nvPr/>
+        </p:nvCxnSpPr>
+        <p:spPr>
+          <a:xfrm flipH="1">
+            <a:off x="4560985" y="2539850"/>
+            <a:ext cx="1718629" cy="1197712"/>
+          </a:xfrm>
+          <a:prstGeom prst="straightConnector1">
+            <a:avLst/>
+          </a:prstGeom>
+          <a:ln w="28575">
+            <a:solidFill>
+              <a:srgbClr val="FF0000"/>
+            </a:solidFill>
+            <a:prstDash val="dash"/>
+            <a:tailEnd type="triangle"/>
+          </a:ln>
+        </p:spPr>
+        <p:style>
+          <a:lnRef idx="1">
+            <a:schemeClr val="accent1"/>
+          </a:lnRef>
+          <a:fillRef idx="0">
+            <a:schemeClr val="accent1"/>
+          </a:fillRef>
+          <a:effectRef idx="0">
+            <a:schemeClr val="accent1"/>
+          </a:effectRef>
+          <a:fontRef idx="minor">
+            <a:schemeClr val="tx1"/>
+          </a:fontRef>
+        </p:style>
+      </p:cxnSp>
+      <p:sp>
+        <p:nvSpPr>
+          <p:cNvPr id="24" name="직사각형 23"/>
+          <p:cNvSpPr/>
+          <p:nvPr/>
+        </p:nvSpPr>
+        <p:spPr>
+          <a:xfrm>
+            <a:off x="5772839" y="1005771"/>
+            <a:ext cx="5640636" cy="1534080"/>
+          </a:xfrm>
+          <a:prstGeom prst="rect">
+            <a:avLst/>
+          </a:prstGeom>
+          <a:solidFill>
+            <a:schemeClr val="tx2"/>
+          </a:solidFill>
+          <a:ln>
+            <a:solidFill>
+              <a:schemeClr val="accent5">
+                <a:lumMod val="50000"/>
+              </a:schemeClr>
+            </a:solidFill>
+          </a:ln>
+        </p:spPr>
+        <p:style>
+          <a:lnRef idx="2">
+            <a:schemeClr val="accent1">
+              <a:shade val="50000"/>
+            </a:schemeClr>
+          </a:lnRef>
+          <a:fillRef idx="1">
+            <a:schemeClr val="accent1"/>
+          </a:fillRef>
+          <a:effectRef idx="0">
+            <a:schemeClr val="accent1"/>
+          </a:effectRef>
+          <a:fontRef idx="minor">
+            <a:schemeClr val="lt1"/>
+          </a:fontRef>
+        </p:style>
+        <p:txBody>
+          <a:bodyPr rtlCol="0" anchor="ctr"/>
+          <a:lstStyle/>
+          <a:p>
+            <a:r>
+              <a:rPr lang="ko-KR" altLang="en-US" sz="1200" dirty="0" smtClean="0">
+                <a:solidFill>
+                  <a:schemeClr val="bg1">
+                    <a:lumMod val="85000"/>
+                  </a:schemeClr>
+                </a:solidFill>
+              </a:rPr>
+              <a:t>플레이어가 장비류를 장비하고 있는 경우 그에 대응하는 아이콘이 생성되어</a:t>
+            </a:r>
+            <a:endParaRPr lang="en-US" altLang="ko-KR" sz="1200" dirty="0" smtClean="0">
+              <a:solidFill>
+                <a:schemeClr val="bg1">
+                  <a:lumMod val="85000"/>
+                </a:schemeClr>
+              </a:solidFill>
+            </a:endParaRPr>
+          </a:p>
+          <a:p>
+            <a:r>
+              <a:rPr lang="ko-KR" altLang="en-US" sz="1200" dirty="0" smtClean="0">
+                <a:solidFill>
+                  <a:schemeClr val="bg1">
+                    <a:lumMod val="85000"/>
+                  </a:schemeClr>
+                </a:solidFill>
+              </a:rPr>
+              <a:t>현재 </a:t>
+            </a:r>
+            <a:r>
+              <a:rPr lang="ko-KR" altLang="en-US" sz="1200" dirty="0">
+                <a:solidFill>
+                  <a:schemeClr val="bg1">
+                    <a:lumMod val="85000"/>
+                  </a:schemeClr>
+                </a:solidFill>
+              </a:rPr>
+              <a:t>플레이어가 장비하고 있는 가방과 헬멧</a:t>
+            </a:r>
+            <a:r>
+              <a:rPr lang="en-US" altLang="ko-KR" sz="1200" dirty="0">
+                <a:solidFill>
+                  <a:schemeClr val="bg1">
+                    <a:lumMod val="85000"/>
+                  </a:schemeClr>
+                </a:solidFill>
+              </a:rPr>
+              <a:t>, </a:t>
+            </a:r>
+            <a:r>
+              <a:rPr lang="ko-KR" altLang="en-US" sz="1200" dirty="0">
+                <a:solidFill>
+                  <a:schemeClr val="bg1">
+                    <a:lumMod val="85000"/>
+                  </a:schemeClr>
+                </a:solidFill>
+              </a:rPr>
+              <a:t>조끼의 레벨과 상태를 보여준다</a:t>
+            </a:r>
+            <a:r>
+              <a:rPr lang="en-US" altLang="ko-KR" sz="1200" dirty="0">
+                <a:solidFill>
+                  <a:schemeClr val="bg1">
+                    <a:lumMod val="85000"/>
+                  </a:schemeClr>
+                </a:solidFill>
+              </a:rPr>
+              <a:t>. </a:t>
+            </a:r>
+            <a:r>
+              <a:rPr lang="ko-KR" altLang="en-US" sz="1200" dirty="0">
+                <a:solidFill>
+                  <a:schemeClr val="bg1">
+                    <a:lumMod val="85000"/>
+                  </a:schemeClr>
+                </a:solidFill>
+              </a:rPr>
+              <a:t>레벨마다 서로 다른 아이콘을 적용하고</a:t>
+            </a:r>
+            <a:r>
+              <a:rPr lang="en-US" altLang="ko-KR" sz="1200" dirty="0">
+                <a:solidFill>
+                  <a:schemeClr val="bg1">
+                    <a:lumMod val="85000"/>
+                  </a:schemeClr>
+                </a:solidFill>
+              </a:rPr>
+              <a:t>, </a:t>
+            </a:r>
+            <a:r>
+              <a:rPr lang="ko-KR" altLang="en-US" sz="1200" dirty="0" err="1">
+                <a:solidFill>
+                  <a:schemeClr val="bg1">
+                    <a:lumMod val="85000"/>
+                  </a:schemeClr>
+                </a:solidFill>
+              </a:rPr>
+              <a:t>방어구의</a:t>
+            </a:r>
+            <a:r>
+              <a:rPr lang="ko-KR" altLang="en-US" sz="1200" dirty="0">
+                <a:solidFill>
+                  <a:schemeClr val="bg1">
+                    <a:lumMod val="85000"/>
+                  </a:schemeClr>
+                </a:solidFill>
+              </a:rPr>
+              <a:t> 경우 적의 공격으로 방어도가 깎였을 때 그 비율에 따라 밑에서부터 빨간색으로 채워진다</a:t>
+            </a:r>
+            <a:r>
+              <a:rPr lang="en-US" altLang="ko-KR" sz="1200" dirty="0">
+                <a:solidFill>
+                  <a:schemeClr val="bg1">
+                    <a:lumMod val="85000"/>
+                  </a:schemeClr>
+                </a:solidFill>
+              </a:rPr>
+              <a:t>. </a:t>
+            </a:r>
+            <a:r>
+              <a:rPr lang="ko-KR" altLang="en-US" sz="1200" dirty="0">
+                <a:solidFill>
+                  <a:schemeClr val="bg1">
+                    <a:lumMod val="85000"/>
+                  </a:schemeClr>
+                </a:solidFill>
+              </a:rPr>
+              <a:t>이를 통해 </a:t>
+            </a:r>
+            <a:r>
+              <a:rPr lang="ko-KR" altLang="en-US" sz="1200" dirty="0">
+                <a:solidFill>
+                  <a:schemeClr val="accent4"/>
+                </a:solidFill>
+              </a:rPr>
+              <a:t>굳이 </a:t>
+            </a:r>
+            <a:endParaRPr lang="en-US" altLang="ko-KR" sz="1200" dirty="0">
+              <a:solidFill>
+                <a:schemeClr val="accent4"/>
+              </a:solidFill>
+            </a:endParaRPr>
+          </a:p>
+          <a:p>
+            <a:r>
+              <a:rPr lang="ko-KR" altLang="en-US" sz="1200" dirty="0" err="1">
+                <a:solidFill>
+                  <a:schemeClr val="accent4"/>
+                </a:solidFill>
+              </a:rPr>
+              <a:t>인벤토리를</a:t>
+            </a:r>
+            <a:r>
+              <a:rPr lang="ko-KR" altLang="en-US" sz="1200" dirty="0">
+                <a:solidFill>
+                  <a:schemeClr val="accent4"/>
+                </a:solidFill>
+              </a:rPr>
+              <a:t> 열지 않고도 자신의 </a:t>
+            </a:r>
+            <a:r>
+              <a:rPr lang="ko-KR" altLang="en-US" sz="1200" dirty="0" smtClean="0">
+                <a:solidFill>
+                  <a:schemeClr val="accent4"/>
+                </a:solidFill>
+              </a:rPr>
+              <a:t>장비 상태와 수준을 </a:t>
+            </a:r>
+            <a:r>
+              <a:rPr lang="ko-KR" altLang="en-US" sz="1200" dirty="0">
+                <a:solidFill>
+                  <a:schemeClr val="accent4"/>
+                </a:solidFill>
+              </a:rPr>
+              <a:t>한 눈에 파악할 수 있고 </a:t>
+            </a:r>
+            <a:endParaRPr lang="en-US" altLang="ko-KR" sz="1200" dirty="0">
+              <a:solidFill>
+                <a:schemeClr val="accent4"/>
+              </a:solidFill>
+            </a:endParaRPr>
+          </a:p>
+          <a:p>
+            <a:r>
+              <a:rPr lang="ko-KR" altLang="en-US" sz="1200" dirty="0">
+                <a:solidFill>
+                  <a:schemeClr val="accent4"/>
+                </a:solidFill>
+              </a:rPr>
+              <a:t>그럼으로써 간편하고 신속한 아이템 </a:t>
+            </a:r>
+            <a:r>
+              <a:rPr lang="ko-KR" altLang="en-US" sz="1200" dirty="0" err="1">
+                <a:solidFill>
+                  <a:schemeClr val="accent4"/>
+                </a:solidFill>
+              </a:rPr>
+              <a:t>파밍을</a:t>
+            </a:r>
+            <a:r>
+              <a:rPr lang="ko-KR" altLang="en-US" sz="1200" dirty="0">
+                <a:solidFill>
+                  <a:schemeClr val="accent4"/>
+                </a:solidFill>
+              </a:rPr>
+              <a:t> 유도한다</a:t>
+            </a:r>
+            <a:r>
+              <a:rPr lang="en-US" altLang="ko-KR" sz="1200" dirty="0">
+                <a:solidFill>
+                  <a:schemeClr val="accent4"/>
+                </a:solidFill>
+              </a:rPr>
+              <a:t>.</a:t>
+            </a:r>
+          </a:p>
+        </p:txBody>
+      </p:sp>
+    </p:spTree>
+    <p:extLst>
+      <p:ext uri="{BB962C8B-B14F-4D97-AF65-F5344CB8AC3E}">
+        <p14:creationId xmlns:p14="http://schemas.microsoft.com/office/powerpoint/2010/main" val="2559082494"/>
       </p:ext>
     </p:extLst>
   </p:cSld>
@@ -16346,7 +18232,7 @@
     </a:clrScheme>
     <a:fontScheme name="Office">
       <a:majorFont>
-        <a:latin typeface="맑은 고딕" panose="020F0302020204030204"/>
+        <a:latin typeface="맑은 고딕"/>
         <a:ea typeface=""/>
         <a:cs typeface=""/>
         <a:font script="Jpan" typeface="游ゴシック Light"/>
@@ -16398,7 +18284,7 @@
         <a:font script="Tfng" typeface="Ebrima"/>
       </a:majorFont>
       <a:minorFont>
-        <a:latin typeface="맑은 고딕" panose="020F0502020204030204"/>
+        <a:latin typeface="맑은 고딕"/>
         <a:ea typeface=""/>
         <a:cs typeface=""/>
         <a:font script="Jpan" typeface="游ゴシック"/>
@@ -16592,7 +18478,7 @@
   <a:extraClrSchemeLst/>
   <a:extLst>
     <a:ext uri="{05A4C25C-085E-4340-85A3-A5531E510DB2}">
-      <thm15:themeFamily xmlns:thm15="http://schemas.microsoft.com/office/thememl/2012/main" name="Office Theme" id="{62F939B6-93AF-4DB8-9C6B-D6C7DFDC589F}" vid="{4A3C46E8-61CC-4603-A589-7422A47A8E4A}"/>
+      <thm15:themeFamily xmlns:thm15="http://schemas.microsoft.com/office/thememl/2012/main" xmlns="" name="Office Theme" id="{62F939B6-93AF-4DB8-9C6B-D6C7DFDC589F}" vid="{4A3C46E8-61CC-4603-A589-7422A47A8E4A}"/>
     </a:ext>
   </a:extLst>
 </a:theme>
@@ -16641,7 +18527,7 @@
     </a:clrScheme>
     <a:fontScheme name="Office">
       <a:majorFont>
-        <a:latin typeface="맑은 고딕" panose="020F0302020204030204"/>
+        <a:latin typeface="맑은 고딕"/>
         <a:ea typeface=""/>
         <a:cs typeface=""/>
         <a:font script="Jpan" typeface="游ゴシック Light"/>
@@ -16676,7 +18562,7 @@
         <a:font script="Geor" typeface="Sylfaen"/>
       </a:majorFont>
       <a:minorFont>
-        <a:latin typeface="맑은 고딕" panose="020F0502020204030204"/>
+        <a:latin typeface="맑은 고딕"/>
         <a:ea typeface=""/>
         <a:cs typeface=""/>
         <a:font script="Jpan" typeface="游ゴシック"/>
@@ -16853,7 +18739,7 @@
   <a:extraClrSchemeLst/>
   <a:extLst>
     <a:ext uri="{05A4C25C-085E-4340-85A3-A5531E510DB2}">
-      <thm15:themeFamily xmlns:thm15="http://schemas.microsoft.com/office/thememl/2012/main" name="Office Theme" id="{62F939B6-93AF-4DB8-9C6B-D6C7DFDC589F}" vid="{4A3C46E8-61CC-4603-A589-7422A47A8E4A}"/>
+      <thm15:themeFamily xmlns:thm15="http://schemas.microsoft.com/office/thememl/2012/main" xmlns="" name="Office Theme" id="{62F939B6-93AF-4DB8-9C6B-D6C7DFDC589F}" vid="{4A3C46E8-61CC-4603-A589-7422A47A8E4A}"/>
     </a:ext>
   </a:extLst>
 </a:theme>

--- a/3-1 기획 포트폴리오 작성/PUBG 전투 UI 역기획서.pptx
+++ b/3-1 기획 포트폴리오 작성/PUBG 전투 UI 역기획서.pptx
@@ -5,7 +5,7 @@
     <p:sldMasterId id="2147483660" r:id="rId1"/>
   </p:sldMasterIdLst>
   <p:notesMasterIdLst>
-    <p:notesMasterId r:id="rId12"/>
+    <p:notesMasterId r:id="rId14"/>
   </p:notesMasterIdLst>
   <p:sldIdLst>
     <p:sldId id="258" r:id="rId2"/>
@@ -18,6 +18,8 @@
     <p:sldId id="269" r:id="rId9"/>
     <p:sldId id="270" r:id="rId10"/>
     <p:sldId id="271" r:id="rId11"/>
+    <p:sldId id="272" r:id="rId12"/>
+    <p:sldId id="273" r:id="rId13"/>
   </p:sldIdLst>
   <p:sldSz cx="12192000" cy="6858000"/>
   <p:notesSz cx="6858000" cy="9144000"/>
@@ -118,7 +120,7 @@
   </p:defaultTextStyle>
   <p:extLst>
     <p:ext uri="{EFAFB233-063F-42B5-8137-9DF3F51BA10A}">
-      <p15:sldGuideLst xmlns:p15="http://schemas.microsoft.com/office/powerpoint/2012/main" xmlns=""/>
+      <p15:sldGuideLst xmlns="" xmlns:p15="http://schemas.microsoft.com/office/powerpoint/2012/main"/>
     </p:ext>
   </p:extLst>
 </p:presentation>
@@ -206,7 +208,7 @@
           <a:p>
             <a:fld id="{BEB49F3D-8A57-43DD-A757-DD94CEE66A95}" type="datetimeFigureOut">
               <a:rPr lang="ko-KR" altLang="en-US" smtClean="0"/>
-              <a:t>2019-05-13</a:t>
+              <a:t>2019-05-15</a:t>
             </a:fld>
             <a:endParaRPr lang="ko-KR" altLang="en-US"/>
           </a:p>
@@ -496,7 +498,7 @@
           <p:cNvPr id="2" name="제목 1">
             <a:extLst>
               <a:ext uri="{FF2B5EF4-FFF2-40B4-BE49-F238E27FC236}">
-                <a16:creationId xmlns:a16="http://schemas.microsoft.com/office/drawing/2014/main" xmlns="" id="{BC4B5A23-C81F-4AF5-A748-1D1EE93505F9}"/>
+                <a16:creationId xmlns="" xmlns:a16="http://schemas.microsoft.com/office/drawing/2014/main" id="{BC4B5A23-C81F-4AF5-A748-1D1EE93505F9}"/>
               </a:ext>
             </a:extLst>
           </p:cNvPr>
@@ -533,7 +535,7 @@
           <p:cNvPr id="3" name="부제목 2">
             <a:extLst>
               <a:ext uri="{FF2B5EF4-FFF2-40B4-BE49-F238E27FC236}">
-                <a16:creationId xmlns:a16="http://schemas.microsoft.com/office/drawing/2014/main" xmlns="" id="{26F8B85E-9692-4475-9B5C-3E3DB5D88828}"/>
+                <a16:creationId xmlns="" xmlns:a16="http://schemas.microsoft.com/office/drawing/2014/main" id="{26F8B85E-9692-4475-9B5C-3E3DB5D88828}"/>
               </a:ext>
             </a:extLst>
           </p:cNvPr>
@@ -603,7 +605,7 @@
           <p:cNvPr id="4" name="날짜 개체 틀 3">
             <a:extLst>
               <a:ext uri="{FF2B5EF4-FFF2-40B4-BE49-F238E27FC236}">
-                <a16:creationId xmlns:a16="http://schemas.microsoft.com/office/drawing/2014/main" xmlns="" id="{BC005B73-604A-4AB5-8137-DDC71FB7678B}"/>
+                <a16:creationId xmlns="" xmlns:a16="http://schemas.microsoft.com/office/drawing/2014/main" id="{BC005B73-604A-4AB5-8137-DDC71FB7678B}"/>
               </a:ext>
             </a:extLst>
           </p:cNvPr>
@@ -627,7 +629,7 @@
                   </a:prstClr>
                 </a:solidFill>
               </a:rPr>
-              <a:t>2019-05-13</a:t>
+              <a:t>2019-05-15</a:t>
             </a:fld>
             <a:endParaRPr lang="ko-KR" altLang="en-US">
               <a:solidFill>
@@ -644,7 +646,7 @@
           <p:cNvPr id="5" name="바닥글 개체 틀 4">
             <a:extLst>
               <a:ext uri="{FF2B5EF4-FFF2-40B4-BE49-F238E27FC236}">
-                <a16:creationId xmlns:a16="http://schemas.microsoft.com/office/drawing/2014/main" xmlns="" id="{D657B5ED-EDEA-4726-A63A-ABCD88DDA24F}"/>
+                <a16:creationId xmlns="" xmlns:a16="http://schemas.microsoft.com/office/drawing/2014/main" id="{D657B5ED-EDEA-4726-A63A-ABCD88DDA24F}"/>
               </a:ext>
             </a:extLst>
           </p:cNvPr>
@@ -675,7 +677,7 @@
           <p:cNvPr id="6" name="슬라이드 번호 개체 틀 5">
             <a:extLst>
               <a:ext uri="{FF2B5EF4-FFF2-40B4-BE49-F238E27FC236}">
-                <a16:creationId xmlns:a16="http://schemas.microsoft.com/office/drawing/2014/main" xmlns="" id="{EE561B83-F1A6-46DA-BD34-3B375CB3487C}"/>
+                <a16:creationId xmlns="" xmlns:a16="http://schemas.microsoft.com/office/drawing/2014/main" id="{EE561B83-F1A6-46DA-BD34-3B375CB3487C}"/>
               </a:ext>
             </a:extLst>
           </p:cNvPr>
@@ -747,7 +749,7 @@
           <p:cNvPr id="2" name="제목 1">
             <a:extLst>
               <a:ext uri="{FF2B5EF4-FFF2-40B4-BE49-F238E27FC236}">
-                <a16:creationId xmlns:a16="http://schemas.microsoft.com/office/drawing/2014/main" xmlns="" id="{39E36BD6-A4CF-4B25-AB1E-51253291E2B4}"/>
+                <a16:creationId xmlns="" xmlns:a16="http://schemas.microsoft.com/office/drawing/2014/main" id="{39E36BD6-A4CF-4B25-AB1E-51253291E2B4}"/>
               </a:ext>
             </a:extLst>
           </p:cNvPr>
@@ -775,7 +777,7 @@
           <p:cNvPr id="3" name="세로 텍스트 개체 틀 2">
             <a:extLst>
               <a:ext uri="{FF2B5EF4-FFF2-40B4-BE49-F238E27FC236}">
-                <a16:creationId xmlns:a16="http://schemas.microsoft.com/office/drawing/2014/main" xmlns="" id="{8749623F-E56B-4F2D-8C1B-7FE5A6708872}"/>
+                <a16:creationId xmlns="" xmlns:a16="http://schemas.microsoft.com/office/drawing/2014/main" id="{8749623F-E56B-4F2D-8C1B-7FE5A6708872}"/>
               </a:ext>
             </a:extLst>
           </p:cNvPr>
@@ -832,7 +834,7 @@
           <p:cNvPr id="4" name="날짜 개체 틀 3">
             <a:extLst>
               <a:ext uri="{FF2B5EF4-FFF2-40B4-BE49-F238E27FC236}">
-                <a16:creationId xmlns:a16="http://schemas.microsoft.com/office/drawing/2014/main" xmlns="" id="{638878DC-1F89-454E-8C22-21927454BB66}"/>
+                <a16:creationId xmlns="" xmlns:a16="http://schemas.microsoft.com/office/drawing/2014/main" id="{638878DC-1F89-454E-8C22-21927454BB66}"/>
               </a:ext>
             </a:extLst>
           </p:cNvPr>
@@ -856,7 +858,7 @@
                   </a:prstClr>
                 </a:solidFill>
               </a:rPr>
-              <a:t>2019-05-13</a:t>
+              <a:t>2019-05-15</a:t>
             </a:fld>
             <a:endParaRPr lang="ko-KR" altLang="en-US">
               <a:solidFill>
@@ -873,7 +875,7 @@
           <p:cNvPr id="5" name="바닥글 개체 틀 4">
             <a:extLst>
               <a:ext uri="{FF2B5EF4-FFF2-40B4-BE49-F238E27FC236}">
-                <a16:creationId xmlns:a16="http://schemas.microsoft.com/office/drawing/2014/main" xmlns="" id="{A9C32D40-FC59-4599-8DB0-4EDB55159969}"/>
+                <a16:creationId xmlns="" xmlns:a16="http://schemas.microsoft.com/office/drawing/2014/main" id="{A9C32D40-FC59-4599-8DB0-4EDB55159969}"/>
               </a:ext>
             </a:extLst>
           </p:cNvPr>
@@ -904,7 +906,7 @@
           <p:cNvPr id="6" name="슬라이드 번호 개체 틀 5">
             <a:extLst>
               <a:ext uri="{FF2B5EF4-FFF2-40B4-BE49-F238E27FC236}">
-                <a16:creationId xmlns:a16="http://schemas.microsoft.com/office/drawing/2014/main" xmlns="" id="{C4BECE70-0B94-4918-8A6B-CE318F78DB6B}"/>
+                <a16:creationId xmlns="" xmlns:a16="http://schemas.microsoft.com/office/drawing/2014/main" id="{C4BECE70-0B94-4918-8A6B-CE318F78DB6B}"/>
               </a:ext>
             </a:extLst>
           </p:cNvPr>
@@ -976,7 +978,7 @@
           <p:cNvPr id="2" name="세로 제목 1">
             <a:extLst>
               <a:ext uri="{FF2B5EF4-FFF2-40B4-BE49-F238E27FC236}">
-                <a16:creationId xmlns:a16="http://schemas.microsoft.com/office/drawing/2014/main" xmlns="" id="{1CC509A6-106F-4F30-B678-2B05478C05AD}"/>
+                <a16:creationId xmlns="" xmlns:a16="http://schemas.microsoft.com/office/drawing/2014/main" id="{1CC509A6-106F-4F30-B678-2B05478C05AD}"/>
               </a:ext>
             </a:extLst>
           </p:cNvPr>
@@ -1009,7 +1011,7 @@
           <p:cNvPr id="3" name="세로 텍스트 개체 틀 2">
             <a:extLst>
               <a:ext uri="{FF2B5EF4-FFF2-40B4-BE49-F238E27FC236}">
-                <a16:creationId xmlns:a16="http://schemas.microsoft.com/office/drawing/2014/main" xmlns="" id="{4728D6E4-1D89-4B38-BBBD-0F051698128F}"/>
+                <a16:creationId xmlns="" xmlns:a16="http://schemas.microsoft.com/office/drawing/2014/main" id="{4728D6E4-1D89-4B38-BBBD-0F051698128F}"/>
               </a:ext>
             </a:extLst>
           </p:cNvPr>
@@ -1071,7 +1073,7 @@
           <p:cNvPr id="4" name="날짜 개체 틀 3">
             <a:extLst>
               <a:ext uri="{FF2B5EF4-FFF2-40B4-BE49-F238E27FC236}">
-                <a16:creationId xmlns:a16="http://schemas.microsoft.com/office/drawing/2014/main" xmlns="" id="{5C995D7F-87F4-4EAE-B067-A371E5D3C9ED}"/>
+                <a16:creationId xmlns="" xmlns:a16="http://schemas.microsoft.com/office/drawing/2014/main" id="{5C995D7F-87F4-4EAE-B067-A371E5D3C9ED}"/>
               </a:ext>
             </a:extLst>
           </p:cNvPr>
@@ -1095,7 +1097,7 @@
                   </a:prstClr>
                 </a:solidFill>
               </a:rPr>
-              <a:t>2019-05-13</a:t>
+              <a:t>2019-05-15</a:t>
             </a:fld>
             <a:endParaRPr lang="ko-KR" altLang="en-US">
               <a:solidFill>
@@ -1112,7 +1114,7 @@
           <p:cNvPr id="5" name="바닥글 개체 틀 4">
             <a:extLst>
               <a:ext uri="{FF2B5EF4-FFF2-40B4-BE49-F238E27FC236}">
-                <a16:creationId xmlns:a16="http://schemas.microsoft.com/office/drawing/2014/main" xmlns="" id="{B56F322D-4B78-410F-883C-30640F0A1B9B}"/>
+                <a16:creationId xmlns="" xmlns:a16="http://schemas.microsoft.com/office/drawing/2014/main" id="{B56F322D-4B78-410F-883C-30640F0A1B9B}"/>
               </a:ext>
             </a:extLst>
           </p:cNvPr>
@@ -1143,7 +1145,7 @@
           <p:cNvPr id="6" name="슬라이드 번호 개체 틀 5">
             <a:extLst>
               <a:ext uri="{FF2B5EF4-FFF2-40B4-BE49-F238E27FC236}">
-                <a16:creationId xmlns:a16="http://schemas.microsoft.com/office/drawing/2014/main" xmlns="" id="{D8A676F9-DE6E-4CF9-8A5F-C636669B6A79}"/>
+                <a16:creationId xmlns="" xmlns:a16="http://schemas.microsoft.com/office/drawing/2014/main" id="{D8A676F9-DE6E-4CF9-8A5F-C636669B6A79}"/>
               </a:ext>
             </a:extLst>
           </p:cNvPr>
@@ -1215,7 +1217,7 @@
           <p:cNvPr id="2" name="제목 1">
             <a:extLst>
               <a:ext uri="{FF2B5EF4-FFF2-40B4-BE49-F238E27FC236}">
-                <a16:creationId xmlns:a16="http://schemas.microsoft.com/office/drawing/2014/main" xmlns="" id="{F2AFF599-F9A5-411F-BFB9-C4FB2A3A31B1}"/>
+                <a16:creationId xmlns="" xmlns:a16="http://schemas.microsoft.com/office/drawing/2014/main" id="{F2AFF599-F9A5-411F-BFB9-C4FB2A3A31B1}"/>
               </a:ext>
             </a:extLst>
           </p:cNvPr>
@@ -1243,7 +1245,7 @@
           <p:cNvPr id="3" name="내용 개체 틀 2">
             <a:extLst>
               <a:ext uri="{FF2B5EF4-FFF2-40B4-BE49-F238E27FC236}">
-                <a16:creationId xmlns:a16="http://schemas.microsoft.com/office/drawing/2014/main" xmlns="" id="{193CECED-CCAF-4DDD-B539-F3AF15540E07}"/>
+                <a16:creationId xmlns="" xmlns:a16="http://schemas.microsoft.com/office/drawing/2014/main" id="{193CECED-CCAF-4DDD-B539-F3AF15540E07}"/>
               </a:ext>
             </a:extLst>
           </p:cNvPr>
@@ -1300,7 +1302,7 @@
           <p:cNvPr id="4" name="날짜 개체 틀 3">
             <a:extLst>
               <a:ext uri="{FF2B5EF4-FFF2-40B4-BE49-F238E27FC236}">
-                <a16:creationId xmlns:a16="http://schemas.microsoft.com/office/drawing/2014/main" xmlns="" id="{BC0C8BE3-B2E2-4859-8481-2ADA01A44F0B}"/>
+                <a16:creationId xmlns="" xmlns:a16="http://schemas.microsoft.com/office/drawing/2014/main" id="{BC0C8BE3-B2E2-4859-8481-2ADA01A44F0B}"/>
               </a:ext>
             </a:extLst>
           </p:cNvPr>
@@ -1324,7 +1326,7 @@
                   </a:prstClr>
                 </a:solidFill>
               </a:rPr>
-              <a:t>2019-05-13</a:t>
+              <a:t>2019-05-15</a:t>
             </a:fld>
             <a:endParaRPr lang="ko-KR" altLang="en-US">
               <a:solidFill>
@@ -1341,7 +1343,7 @@
           <p:cNvPr id="5" name="바닥글 개체 틀 4">
             <a:extLst>
               <a:ext uri="{FF2B5EF4-FFF2-40B4-BE49-F238E27FC236}">
-                <a16:creationId xmlns:a16="http://schemas.microsoft.com/office/drawing/2014/main" xmlns="" id="{288CDC39-E89C-42A8-9B52-C7D6DAC2A6DF}"/>
+                <a16:creationId xmlns="" xmlns:a16="http://schemas.microsoft.com/office/drawing/2014/main" id="{288CDC39-E89C-42A8-9B52-C7D6DAC2A6DF}"/>
               </a:ext>
             </a:extLst>
           </p:cNvPr>
@@ -1372,7 +1374,7 @@
           <p:cNvPr id="6" name="슬라이드 번호 개체 틀 5">
             <a:extLst>
               <a:ext uri="{FF2B5EF4-FFF2-40B4-BE49-F238E27FC236}">
-                <a16:creationId xmlns:a16="http://schemas.microsoft.com/office/drawing/2014/main" xmlns="" id="{E1B28C08-4C0A-48B8-A2D2-41A018AB93AC}"/>
+                <a16:creationId xmlns="" xmlns:a16="http://schemas.microsoft.com/office/drawing/2014/main" id="{E1B28C08-4C0A-48B8-A2D2-41A018AB93AC}"/>
               </a:ext>
             </a:extLst>
           </p:cNvPr>
@@ -1444,7 +1446,7 @@
           <p:cNvPr id="2" name="제목 1">
             <a:extLst>
               <a:ext uri="{FF2B5EF4-FFF2-40B4-BE49-F238E27FC236}">
-                <a16:creationId xmlns:a16="http://schemas.microsoft.com/office/drawing/2014/main" xmlns="" id="{CB24B900-D8B5-4B2F-9A9B-DAFD43923849}"/>
+                <a16:creationId xmlns="" xmlns:a16="http://schemas.microsoft.com/office/drawing/2014/main" id="{CB24B900-D8B5-4B2F-9A9B-DAFD43923849}"/>
               </a:ext>
             </a:extLst>
           </p:cNvPr>
@@ -1481,7 +1483,7 @@
           <p:cNvPr id="3" name="텍스트 개체 틀 2">
             <a:extLst>
               <a:ext uri="{FF2B5EF4-FFF2-40B4-BE49-F238E27FC236}">
-                <a16:creationId xmlns:a16="http://schemas.microsoft.com/office/drawing/2014/main" xmlns="" id="{46D0AAEF-5449-4C97-B530-902BE63F1B9A}"/>
+                <a16:creationId xmlns="" xmlns:a16="http://schemas.microsoft.com/office/drawing/2014/main" id="{46D0AAEF-5449-4C97-B530-902BE63F1B9A}"/>
               </a:ext>
             </a:extLst>
           </p:cNvPr>
@@ -1606,7 +1608,7 @@
           <p:cNvPr id="4" name="날짜 개체 틀 3">
             <a:extLst>
               <a:ext uri="{FF2B5EF4-FFF2-40B4-BE49-F238E27FC236}">
-                <a16:creationId xmlns:a16="http://schemas.microsoft.com/office/drawing/2014/main" xmlns="" id="{598CE2F0-2D83-432D-AAAB-53B7BDADB673}"/>
+                <a16:creationId xmlns="" xmlns:a16="http://schemas.microsoft.com/office/drawing/2014/main" id="{598CE2F0-2D83-432D-AAAB-53B7BDADB673}"/>
               </a:ext>
             </a:extLst>
           </p:cNvPr>
@@ -1630,7 +1632,7 @@
                   </a:prstClr>
                 </a:solidFill>
               </a:rPr>
-              <a:t>2019-05-13</a:t>
+              <a:t>2019-05-15</a:t>
             </a:fld>
             <a:endParaRPr lang="ko-KR" altLang="en-US">
               <a:solidFill>
@@ -1647,7 +1649,7 @@
           <p:cNvPr id="5" name="바닥글 개체 틀 4">
             <a:extLst>
               <a:ext uri="{FF2B5EF4-FFF2-40B4-BE49-F238E27FC236}">
-                <a16:creationId xmlns:a16="http://schemas.microsoft.com/office/drawing/2014/main" xmlns="" id="{F14A1FD5-451B-4844-91B8-CAAD1300221D}"/>
+                <a16:creationId xmlns="" xmlns:a16="http://schemas.microsoft.com/office/drawing/2014/main" id="{F14A1FD5-451B-4844-91B8-CAAD1300221D}"/>
               </a:ext>
             </a:extLst>
           </p:cNvPr>
@@ -1678,7 +1680,7 @@
           <p:cNvPr id="6" name="슬라이드 번호 개체 틀 5">
             <a:extLst>
               <a:ext uri="{FF2B5EF4-FFF2-40B4-BE49-F238E27FC236}">
-                <a16:creationId xmlns:a16="http://schemas.microsoft.com/office/drawing/2014/main" xmlns="" id="{DC4FCB56-5F29-4966-828B-6F12C897F578}"/>
+                <a16:creationId xmlns="" xmlns:a16="http://schemas.microsoft.com/office/drawing/2014/main" id="{DC4FCB56-5F29-4966-828B-6F12C897F578}"/>
               </a:ext>
             </a:extLst>
           </p:cNvPr>
@@ -1750,7 +1752,7 @@
           <p:cNvPr id="2" name="제목 1">
             <a:extLst>
               <a:ext uri="{FF2B5EF4-FFF2-40B4-BE49-F238E27FC236}">
-                <a16:creationId xmlns:a16="http://schemas.microsoft.com/office/drawing/2014/main" xmlns="" id="{07A8BCA9-CCD6-4662-A75A-29683674065D}"/>
+                <a16:creationId xmlns="" xmlns:a16="http://schemas.microsoft.com/office/drawing/2014/main" id="{07A8BCA9-CCD6-4662-A75A-29683674065D}"/>
               </a:ext>
             </a:extLst>
           </p:cNvPr>
@@ -1778,7 +1780,7 @@
           <p:cNvPr id="3" name="내용 개체 틀 2">
             <a:extLst>
               <a:ext uri="{FF2B5EF4-FFF2-40B4-BE49-F238E27FC236}">
-                <a16:creationId xmlns:a16="http://schemas.microsoft.com/office/drawing/2014/main" xmlns="" id="{2DB64179-D214-4078-BA5F-DFCB5B7AB550}"/>
+                <a16:creationId xmlns="" xmlns:a16="http://schemas.microsoft.com/office/drawing/2014/main" id="{2DB64179-D214-4078-BA5F-DFCB5B7AB550}"/>
               </a:ext>
             </a:extLst>
           </p:cNvPr>
@@ -1840,7 +1842,7 @@
           <p:cNvPr id="4" name="내용 개체 틀 3">
             <a:extLst>
               <a:ext uri="{FF2B5EF4-FFF2-40B4-BE49-F238E27FC236}">
-                <a16:creationId xmlns:a16="http://schemas.microsoft.com/office/drawing/2014/main" xmlns="" id="{B1779CDF-61C0-406A-811C-6499DEFD46BA}"/>
+                <a16:creationId xmlns="" xmlns:a16="http://schemas.microsoft.com/office/drawing/2014/main" id="{B1779CDF-61C0-406A-811C-6499DEFD46BA}"/>
               </a:ext>
             </a:extLst>
           </p:cNvPr>
@@ -1902,7 +1904,7 @@
           <p:cNvPr id="5" name="날짜 개체 틀 4">
             <a:extLst>
               <a:ext uri="{FF2B5EF4-FFF2-40B4-BE49-F238E27FC236}">
-                <a16:creationId xmlns:a16="http://schemas.microsoft.com/office/drawing/2014/main" xmlns="" id="{AE2950D3-3FB5-4335-966B-7606E35446D8}"/>
+                <a16:creationId xmlns="" xmlns:a16="http://schemas.microsoft.com/office/drawing/2014/main" id="{AE2950D3-3FB5-4335-966B-7606E35446D8}"/>
               </a:ext>
             </a:extLst>
           </p:cNvPr>
@@ -1926,7 +1928,7 @@
                   </a:prstClr>
                 </a:solidFill>
               </a:rPr>
-              <a:t>2019-05-13</a:t>
+              <a:t>2019-05-15</a:t>
             </a:fld>
             <a:endParaRPr lang="ko-KR" altLang="en-US">
               <a:solidFill>
@@ -1943,7 +1945,7 @@
           <p:cNvPr id="6" name="바닥글 개체 틀 5">
             <a:extLst>
               <a:ext uri="{FF2B5EF4-FFF2-40B4-BE49-F238E27FC236}">
-                <a16:creationId xmlns:a16="http://schemas.microsoft.com/office/drawing/2014/main" xmlns="" id="{6EA6937B-7D55-49EA-B7A1-89529F5A35C3}"/>
+                <a16:creationId xmlns="" xmlns:a16="http://schemas.microsoft.com/office/drawing/2014/main" id="{6EA6937B-7D55-49EA-B7A1-89529F5A35C3}"/>
               </a:ext>
             </a:extLst>
           </p:cNvPr>
@@ -1974,7 +1976,7 @@
           <p:cNvPr id="7" name="슬라이드 번호 개체 틀 6">
             <a:extLst>
               <a:ext uri="{FF2B5EF4-FFF2-40B4-BE49-F238E27FC236}">
-                <a16:creationId xmlns:a16="http://schemas.microsoft.com/office/drawing/2014/main" xmlns="" id="{BB794612-C908-4F25-B9A3-09427AE34A52}"/>
+                <a16:creationId xmlns="" xmlns:a16="http://schemas.microsoft.com/office/drawing/2014/main" id="{BB794612-C908-4F25-B9A3-09427AE34A52}"/>
               </a:ext>
             </a:extLst>
           </p:cNvPr>
@@ -2046,7 +2048,7 @@
           <p:cNvPr id="2" name="제목 1">
             <a:extLst>
               <a:ext uri="{FF2B5EF4-FFF2-40B4-BE49-F238E27FC236}">
-                <a16:creationId xmlns:a16="http://schemas.microsoft.com/office/drawing/2014/main" xmlns="" id="{3F3C1362-BBA7-4D01-B788-14FDB950ECB7}"/>
+                <a16:creationId xmlns="" xmlns:a16="http://schemas.microsoft.com/office/drawing/2014/main" id="{3F3C1362-BBA7-4D01-B788-14FDB950ECB7}"/>
               </a:ext>
             </a:extLst>
           </p:cNvPr>
@@ -2079,7 +2081,7 @@
           <p:cNvPr id="3" name="텍스트 개체 틀 2">
             <a:extLst>
               <a:ext uri="{FF2B5EF4-FFF2-40B4-BE49-F238E27FC236}">
-                <a16:creationId xmlns:a16="http://schemas.microsoft.com/office/drawing/2014/main" xmlns="" id="{65AC57B0-4E1F-4D85-8918-3867A4BE7C4B}"/>
+                <a16:creationId xmlns="" xmlns:a16="http://schemas.microsoft.com/office/drawing/2014/main" id="{65AC57B0-4E1F-4D85-8918-3867A4BE7C4B}"/>
               </a:ext>
             </a:extLst>
           </p:cNvPr>
@@ -2150,7 +2152,7 @@
           <p:cNvPr id="4" name="내용 개체 틀 3">
             <a:extLst>
               <a:ext uri="{FF2B5EF4-FFF2-40B4-BE49-F238E27FC236}">
-                <a16:creationId xmlns:a16="http://schemas.microsoft.com/office/drawing/2014/main" xmlns="" id="{5E57D204-8AC0-4D04-AEF3-91D211206179}"/>
+                <a16:creationId xmlns="" xmlns:a16="http://schemas.microsoft.com/office/drawing/2014/main" id="{5E57D204-8AC0-4D04-AEF3-91D211206179}"/>
               </a:ext>
             </a:extLst>
           </p:cNvPr>
@@ -2212,7 +2214,7 @@
           <p:cNvPr id="5" name="텍스트 개체 틀 4">
             <a:extLst>
               <a:ext uri="{FF2B5EF4-FFF2-40B4-BE49-F238E27FC236}">
-                <a16:creationId xmlns:a16="http://schemas.microsoft.com/office/drawing/2014/main" xmlns="" id="{695EB064-60AB-4FE5-AF06-C9FE48BB4819}"/>
+                <a16:creationId xmlns="" xmlns:a16="http://schemas.microsoft.com/office/drawing/2014/main" id="{695EB064-60AB-4FE5-AF06-C9FE48BB4819}"/>
               </a:ext>
             </a:extLst>
           </p:cNvPr>
@@ -2283,7 +2285,7 @@
           <p:cNvPr id="6" name="내용 개체 틀 5">
             <a:extLst>
               <a:ext uri="{FF2B5EF4-FFF2-40B4-BE49-F238E27FC236}">
-                <a16:creationId xmlns:a16="http://schemas.microsoft.com/office/drawing/2014/main" xmlns="" id="{79DB6808-33C3-4B13-8365-0D85B8DDBE45}"/>
+                <a16:creationId xmlns="" xmlns:a16="http://schemas.microsoft.com/office/drawing/2014/main" id="{79DB6808-33C3-4B13-8365-0D85B8DDBE45}"/>
               </a:ext>
             </a:extLst>
           </p:cNvPr>
@@ -2345,7 +2347,7 @@
           <p:cNvPr id="7" name="날짜 개체 틀 6">
             <a:extLst>
               <a:ext uri="{FF2B5EF4-FFF2-40B4-BE49-F238E27FC236}">
-                <a16:creationId xmlns:a16="http://schemas.microsoft.com/office/drawing/2014/main" xmlns="" id="{9C2640C7-3844-4222-AC6F-AB4902A4DB44}"/>
+                <a16:creationId xmlns="" xmlns:a16="http://schemas.microsoft.com/office/drawing/2014/main" id="{9C2640C7-3844-4222-AC6F-AB4902A4DB44}"/>
               </a:ext>
             </a:extLst>
           </p:cNvPr>
@@ -2369,7 +2371,7 @@
                   </a:prstClr>
                 </a:solidFill>
               </a:rPr>
-              <a:t>2019-05-13</a:t>
+              <a:t>2019-05-15</a:t>
             </a:fld>
             <a:endParaRPr lang="ko-KR" altLang="en-US">
               <a:solidFill>
@@ -2386,7 +2388,7 @@
           <p:cNvPr id="8" name="바닥글 개체 틀 7">
             <a:extLst>
               <a:ext uri="{FF2B5EF4-FFF2-40B4-BE49-F238E27FC236}">
-                <a16:creationId xmlns:a16="http://schemas.microsoft.com/office/drawing/2014/main" xmlns="" id="{61889AA5-8486-41FD-8413-A10122960217}"/>
+                <a16:creationId xmlns="" xmlns:a16="http://schemas.microsoft.com/office/drawing/2014/main" id="{61889AA5-8486-41FD-8413-A10122960217}"/>
               </a:ext>
             </a:extLst>
           </p:cNvPr>
@@ -2417,7 +2419,7 @@
           <p:cNvPr id="9" name="슬라이드 번호 개체 틀 8">
             <a:extLst>
               <a:ext uri="{FF2B5EF4-FFF2-40B4-BE49-F238E27FC236}">
-                <a16:creationId xmlns:a16="http://schemas.microsoft.com/office/drawing/2014/main" xmlns="" id="{72CBBB2D-B216-4BCD-8B81-731C681CF619}"/>
+                <a16:creationId xmlns="" xmlns:a16="http://schemas.microsoft.com/office/drawing/2014/main" id="{72CBBB2D-B216-4BCD-8B81-731C681CF619}"/>
               </a:ext>
             </a:extLst>
           </p:cNvPr>
@@ -2489,7 +2491,7 @@
           <p:cNvPr id="2" name="제목 1">
             <a:extLst>
               <a:ext uri="{FF2B5EF4-FFF2-40B4-BE49-F238E27FC236}">
-                <a16:creationId xmlns:a16="http://schemas.microsoft.com/office/drawing/2014/main" xmlns="" id="{86649871-FAAA-407D-9245-5C61A8E32E22}"/>
+                <a16:creationId xmlns="" xmlns:a16="http://schemas.microsoft.com/office/drawing/2014/main" id="{86649871-FAAA-407D-9245-5C61A8E32E22}"/>
               </a:ext>
             </a:extLst>
           </p:cNvPr>
@@ -2517,7 +2519,7 @@
           <p:cNvPr id="3" name="날짜 개체 틀 2">
             <a:extLst>
               <a:ext uri="{FF2B5EF4-FFF2-40B4-BE49-F238E27FC236}">
-                <a16:creationId xmlns:a16="http://schemas.microsoft.com/office/drawing/2014/main" xmlns="" id="{3A38A7DA-9D13-4BB7-ADE4-F35E84E3A879}"/>
+                <a16:creationId xmlns="" xmlns:a16="http://schemas.microsoft.com/office/drawing/2014/main" id="{3A38A7DA-9D13-4BB7-ADE4-F35E84E3A879}"/>
               </a:ext>
             </a:extLst>
           </p:cNvPr>
@@ -2541,7 +2543,7 @@
                   </a:prstClr>
                 </a:solidFill>
               </a:rPr>
-              <a:t>2019-05-13</a:t>
+              <a:t>2019-05-15</a:t>
             </a:fld>
             <a:endParaRPr lang="ko-KR" altLang="en-US">
               <a:solidFill>
@@ -2558,7 +2560,7 @@
           <p:cNvPr id="4" name="바닥글 개체 틀 3">
             <a:extLst>
               <a:ext uri="{FF2B5EF4-FFF2-40B4-BE49-F238E27FC236}">
-                <a16:creationId xmlns:a16="http://schemas.microsoft.com/office/drawing/2014/main" xmlns="" id="{43FEE6E1-89D7-49AE-A816-C7B25C1D5069}"/>
+                <a16:creationId xmlns="" xmlns:a16="http://schemas.microsoft.com/office/drawing/2014/main" id="{43FEE6E1-89D7-49AE-A816-C7B25C1D5069}"/>
               </a:ext>
             </a:extLst>
           </p:cNvPr>
@@ -2589,7 +2591,7 @@
           <p:cNvPr id="5" name="슬라이드 번호 개체 틀 4">
             <a:extLst>
               <a:ext uri="{FF2B5EF4-FFF2-40B4-BE49-F238E27FC236}">
-                <a16:creationId xmlns:a16="http://schemas.microsoft.com/office/drawing/2014/main" xmlns="" id="{516B1AE1-FDC9-44CA-9C12-53013C082766}"/>
+                <a16:creationId xmlns="" xmlns:a16="http://schemas.microsoft.com/office/drawing/2014/main" id="{516B1AE1-FDC9-44CA-9C12-53013C082766}"/>
               </a:ext>
             </a:extLst>
           </p:cNvPr>
@@ -2661,7 +2663,7 @@
           <p:cNvPr id="2" name="날짜 개체 틀 1">
             <a:extLst>
               <a:ext uri="{FF2B5EF4-FFF2-40B4-BE49-F238E27FC236}">
-                <a16:creationId xmlns:a16="http://schemas.microsoft.com/office/drawing/2014/main" xmlns="" id="{275ACA46-7E3A-4F54-B5C7-2D501C8054EF}"/>
+                <a16:creationId xmlns="" xmlns:a16="http://schemas.microsoft.com/office/drawing/2014/main" id="{275ACA46-7E3A-4F54-B5C7-2D501C8054EF}"/>
               </a:ext>
             </a:extLst>
           </p:cNvPr>
@@ -2685,7 +2687,7 @@
                   </a:prstClr>
                 </a:solidFill>
               </a:rPr>
-              <a:t>2019-05-13</a:t>
+              <a:t>2019-05-15</a:t>
             </a:fld>
             <a:endParaRPr lang="ko-KR" altLang="en-US">
               <a:solidFill>
@@ -2702,7 +2704,7 @@
           <p:cNvPr id="3" name="바닥글 개체 틀 2">
             <a:extLst>
               <a:ext uri="{FF2B5EF4-FFF2-40B4-BE49-F238E27FC236}">
-                <a16:creationId xmlns:a16="http://schemas.microsoft.com/office/drawing/2014/main" xmlns="" id="{3A6C4713-7972-4FE4-B6C4-CD4F252FD09F}"/>
+                <a16:creationId xmlns="" xmlns:a16="http://schemas.microsoft.com/office/drawing/2014/main" id="{3A6C4713-7972-4FE4-B6C4-CD4F252FD09F}"/>
               </a:ext>
             </a:extLst>
           </p:cNvPr>
@@ -2733,7 +2735,7 @@
           <p:cNvPr id="4" name="슬라이드 번호 개체 틀 3">
             <a:extLst>
               <a:ext uri="{FF2B5EF4-FFF2-40B4-BE49-F238E27FC236}">
-                <a16:creationId xmlns:a16="http://schemas.microsoft.com/office/drawing/2014/main" xmlns="" id="{7D64F96C-A2F1-409B-B68C-BE3C8992CC4D}"/>
+                <a16:creationId xmlns="" xmlns:a16="http://schemas.microsoft.com/office/drawing/2014/main" id="{7D64F96C-A2F1-409B-B68C-BE3C8992CC4D}"/>
               </a:ext>
             </a:extLst>
           </p:cNvPr>
@@ -2805,7 +2807,7 @@
           <p:cNvPr id="2" name="제목 1">
             <a:extLst>
               <a:ext uri="{FF2B5EF4-FFF2-40B4-BE49-F238E27FC236}">
-                <a16:creationId xmlns:a16="http://schemas.microsoft.com/office/drawing/2014/main" xmlns="" id="{C113D69A-09A1-4C99-B3A6-6FFAF00F0057}"/>
+                <a16:creationId xmlns="" xmlns:a16="http://schemas.microsoft.com/office/drawing/2014/main" id="{C113D69A-09A1-4C99-B3A6-6FFAF00F0057}"/>
               </a:ext>
             </a:extLst>
           </p:cNvPr>
@@ -2842,7 +2844,7 @@
           <p:cNvPr id="3" name="내용 개체 틀 2">
             <a:extLst>
               <a:ext uri="{FF2B5EF4-FFF2-40B4-BE49-F238E27FC236}">
-                <a16:creationId xmlns:a16="http://schemas.microsoft.com/office/drawing/2014/main" xmlns="" id="{EA0AD2F4-8A1D-4D48-B8E0-B0A9F378B44D}"/>
+                <a16:creationId xmlns="" xmlns:a16="http://schemas.microsoft.com/office/drawing/2014/main" id="{EA0AD2F4-8A1D-4D48-B8E0-B0A9F378B44D}"/>
               </a:ext>
             </a:extLst>
           </p:cNvPr>
@@ -2932,7 +2934,7 @@
           <p:cNvPr id="4" name="텍스트 개체 틀 3">
             <a:extLst>
               <a:ext uri="{FF2B5EF4-FFF2-40B4-BE49-F238E27FC236}">
-                <a16:creationId xmlns:a16="http://schemas.microsoft.com/office/drawing/2014/main" xmlns="" id="{1F2D0DD9-6BA7-496D-AB88-10339921C67C}"/>
+                <a16:creationId xmlns="" xmlns:a16="http://schemas.microsoft.com/office/drawing/2014/main" id="{1F2D0DD9-6BA7-496D-AB88-10339921C67C}"/>
               </a:ext>
             </a:extLst>
           </p:cNvPr>
@@ -3003,7 +3005,7 @@
           <p:cNvPr id="5" name="날짜 개체 틀 4">
             <a:extLst>
               <a:ext uri="{FF2B5EF4-FFF2-40B4-BE49-F238E27FC236}">
-                <a16:creationId xmlns:a16="http://schemas.microsoft.com/office/drawing/2014/main" xmlns="" id="{EE604958-49B0-4000-9AE8-1A82649DBB2B}"/>
+                <a16:creationId xmlns="" xmlns:a16="http://schemas.microsoft.com/office/drawing/2014/main" id="{EE604958-49B0-4000-9AE8-1A82649DBB2B}"/>
               </a:ext>
             </a:extLst>
           </p:cNvPr>
@@ -3027,7 +3029,7 @@
                   </a:prstClr>
                 </a:solidFill>
               </a:rPr>
-              <a:t>2019-05-13</a:t>
+              <a:t>2019-05-15</a:t>
             </a:fld>
             <a:endParaRPr lang="ko-KR" altLang="en-US">
               <a:solidFill>
@@ -3044,7 +3046,7 @@
           <p:cNvPr id="6" name="바닥글 개체 틀 5">
             <a:extLst>
               <a:ext uri="{FF2B5EF4-FFF2-40B4-BE49-F238E27FC236}">
-                <a16:creationId xmlns:a16="http://schemas.microsoft.com/office/drawing/2014/main" xmlns="" id="{5A224506-57FE-4AE4-915B-1BCF662CF85C}"/>
+                <a16:creationId xmlns="" xmlns:a16="http://schemas.microsoft.com/office/drawing/2014/main" id="{5A224506-57FE-4AE4-915B-1BCF662CF85C}"/>
               </a:ext>
             </a:extLst>
           </p:cNvPr>
@@ -3075,7 +3077,7 @@
           <p:cNvPr id="7" name="슬라이드 번호 개체 틀 6">
             <a:extLst>
               <a:ext uri="{FF2B5EF4-FFF2-40B4-BE49-F238E27FC236}">
-                <a16:creationId xmlns:a16="http://schemas.microsoft.com/office/drawing/2014/main" xmlns="" id="{106D5D81-A0DA-465B-9DDB-DA44E7CFA71E}"/>
+                <a16:creationId xmlns="" xmlns:a16="http://schemas.microsoft.com/office/drawing/2014/main" id="{106D5D81-A0DA-465B-9DDB-DA44E7CFA71E}"/>
               </a:ext>
             </a:extLst>
           </p:cNvPr>
@@ -3147,7 +3149,7 @@
           <p:cNvPr id="2" name="제목 1">
             <a:extLst>
               <a:ext uri="{FF2B5EF4-FFF2-40B4-BE49-F238E27FC236}">
-                <a16:creationId xmlns:a16="http://schemas.microsoft.com/office/drawing/2014/main" xmlns="" id="{8BD983AA-0F4A-45E5-9631-DE95D37482BB}"/>
+                <a16:creationId xmlns="" xmlns:a16="http://schemas.microsoft.com/office/drawing/2014/main" id="{8BD983AA-0F4A-45E5-9631-DE95D37482BB}"/>
               </a:ext>
             </a:extLst>
           </p:cNvPr>
@@ -3184,7 +3186,7 @@
           <p:cNvPr id="3" name="그림 개체 틀 2">
             <a:extLst>
               <a:ext uri="{FF2B5EF4-FFF2-40B4-BE49-F238E27FC236}">
-                <a16:creationId xmlns:a16="http://schemas.microsoft.com/office/drawing/2014/main" xmlns="" id="{4E327D0E-1174-49F8-B6E6-ED9C4C24CCD7}"/>
+                <a16:creationId xmlns="" xmlns:a16="http://schemas.microsoft.com/office/drawing/2014/main" id="{4E327D0E-1174-49F8-B6E6-ED9C4C24CCD7}"/>
               </a:ext>
             </a:extLst>
           </p:cNvPr>
@@ -3251,7 +3253,7 @@
           <p:cNvPr id="4" name="텍스트 개체 틀 3">
             <a:extLst>
               <a:ext uri="{FF2B5EF4-FFF2-40B4-BE49-F238E27FC236}">
-                <a16:creationId xmlns:a16="http://schemas.microsoft.com/office/drawing/2014/main" xmlns="" id="{909C250D-0505-42BE-A5E8-7419DF44EF8A}"/>
+                <a16:creationId xmlns="" xmlns:a16="http://schemas.microsoft.com/office/drawing/2014/main" id="{909C250D-0505-42BE-A5E8-7419DF44EF8A}"/>
               </a:ext>
             </a:extLst>
           </p:cNvPr>
@@ -3322,7 +3324,7 @@
           <p:cNvPr id="5" name="날짜 개체 틀 4">
             <a:extLst>
               <a:ext uri="{FF2B5EF4-FFF2-40B4-BE49-F238E27FC236}">
-                <a16:creationId xmlns:a16="http://schemas.microsoft.com/office/drawing/2014/main" xmlns="" id="{1BEAFD8E-9839-4C72-8762-8562A91618C3}"/>
+                <a16:creationId xmlns="" xmlns:a16="http://schemas.microsoft.com/office/drawing/2014/main" id="{1BEAFD8E-9839-4C72-8762-8562A91618C3}"/>
               </a:ext>
             </a:extLst>
           </p:cNvPr>
@@ -3346,7 +3348,7 @@
                   </a:prstClr>
                 </a:solidFill>
               </a:rPr>
-              <a:t>2019-05-13</a:t>
+              <a:t>2019-05-15</a:t>
             </a:fld>
             <a:endParaRPr lang="ko-KR" altLang="en-US">
               <a:solidFill>
@@ -3363,7 +3365,7 @@
           <p:cNvPr id="6" name="바닥글 개체 틀 5">
             <a:extLst>
               <a:ext uri="{FF2B5EF4-FFF2-40B4-BE49-F238E27FC236}">
-                <a16:creationId xmlns:a16="http://schemas.microsoft.com/office/drawing/2014/main" xmlns="" id="{9BFA4037-6B16-4DCF-B42A-04CA15059F48}"/>
+                <a16:creationId xmlns="" xmlns:a16="http://schemas.microsoft.com/office/drawing/2014/main" id="{9BFA4037-6B16-4DCF-B42A-04CA15059F48}"/>
               </a:ext>
             </a:extLst>
           </p:cNvPr>
@@ -3394,7 +3396,7 @@
           <p:cNvPr id="7" name="슬라이드 번호 개체 틀 6">
             <a:extLst>
               <a:ext uri="{FF2B5EF4-FFF2-40B4-BE49-F238E27FC236}">
-                <a16:creationId xmlns:a16="http://schemas.microsoft.com/office/drawing/2014/main" xmlns="" id="{F41A69A5-76C9-4317-9EA8-5195D125D9B5}"/>
+                <a16:creationId xmlns="" xmlns:a16="http://schemas.microsoft.com/office/drawing/2014/main" id="{F41A69A5-76C9-4317-9EA8-5195D125D9B5}"/>
               </a:ext>
             </a:extLst>
           </p:cNvPr>
@@ -3471,7 +3473,7 @@
           <p:cNvPr id="2" name="제목 개체 틀 1">
             <a:extLst>
               <a:ext uri="{FF2B5EF4-FFF2-40B4-BE49-F238E27FC236}">
-                <a16:creationId xmlns:a16="http://schemas.microsoft.com/office/drawing/2014/main" xmlns="" id="{E67ADECC-9799-4216-9862-AA5ADA4C89E7}"/>
+                <a16:creationId xmlns="" xmlns:a16="http://schemas.microsoft.com/office/drawing/2014/main" id="{E67ADECC-9799-4216-9862-AA5ADA4C89E7}"/>
               </a:ext>
             </a:extLst>
           </p:cNvPr>
@@ -3509,7 +3511,7 @@
           <p:cNvPr id="3" name="텍스트 개체 틀 2">
             <a:extLst>
               <a:ext uri="{FF2B5EF4-FFF2-40B4-BE49-F238E27FC236}">
-                <a16:creationId xmlns:a16="http://schemas.microsoft.com/office/drawing/2014/main" xmlns="" id="{247C8BE3-DBC3-496D-978E-EEAF27BD153D}"/>
+                <a16:creationId xmlns="" xmlns:a16="http://schemas.microsoft.com/office/drawing/2014/main" id="{247C8BE3-DBC3-496D-978E-EEAF27BD153D}"/>
               </a:ext>
             </a:extLst>
           </p:cNvPr>
@@ -3576,7 +3578,7 @@
           <p:cNvPr id="4" name="날짜 개체 틀 3">
             <a:extLst>
               <a:ext uri="{FF2B5EF4-FFF2-40B4-BE49-F238E27FC236}">
-                <a16:creationId xmlns:a16="http://schemas.microsoft.com/office/drawing/2014/main" xmlns="" id="{3EA01D7B-4D81-4C57-A818-0D2B635AD141}"/>
+                <a16:creationId xmlns="" xmlns:a16="http://schemas.microsoft.com/office/drawing/2014/main" id="{3EA01D7B-4D81-4C57-A818-0D2B635AD141}"/>
               </a:ext>
             </a:extLst>
           </p:cNvPr>
@@ -3618,7 +3620,7 @@
                   </a:prstClr>
                 </a:solidFill>
               </a:rPr>
-              <a:t>2019-05-13</a:t>
+              <a:t>2019-05-15</a:t>
             </a:fld>
             <a:endParaRPr lang="ko-KR" altLang="en-US">
               <a:solidFill>
@@ -3635,7 +3637,7 @@
           <p:cNvPr id="5" name="바닥글 개체 틀 4">
             <a:extLst>
               <a:ext uri="{FF2B5EF4-FFF2-40B4-BE49-F238E27FC236}">
-                <a16:creationId xmlns:a16="http://schemas.microsoft.com/office/drawing/2014/main" xmlns="" id="{D5504206-C714-4A83-8AB2-390F6A4DB12B}"/>
+                <a16:creationId xmlns="" xmlns:a16="http://schemas.microsoft.com/office/drawing/2014/main" id="{D5504206-C714-4A83-8AB2-390F6A4DB12B}"/>
               </a:ext>
             </a:extLst>
           </p:cNvPr>
@@ -3684,7 +3686,7 @@
           <p:cNvPr id="6" name="슬라이드 번호 개체 틀 5">
             <a:extLst>
               <a:ext uri="{FF2B5EF4-FFF2-40B4-BE49-F238E27FC236}">
-                <a16:creationId xmlns:a16="http://schemas.microsoft.com/office/drawing/2014/main" xmlns="" id="{DC61C595-D0A5-4894-99F9-5A8A1E0099AF}"/>
+                <a16:creationId xmlns="" xmlns:a16="http://schemas.microsoft.com/office/drawing/2014/main" id="{DC61C595-D0A5-4894-99F9-5A8A1E0099AF}"/>
               </a:ext>
             </a:extLst>
           </p:cNvPr>
@@ -4129,7 +4131,7 @@
           <p:cNvPr id="44" name="직사각형 43">
             <a:extLst>
               <a:ext uri="{FF2B5EF4-FFF2-40B4-BE49-F238E27FC236}">
-                <a16:creationId xmlns:a16="http://schemas.microsoft.com/office/drawing/2014/main" xmlns="" id="{D8241E59-0646-41EB-8ED0-090409856B7D}"/>
+                <a16:creationId xmlns="" xmlns:a16="http://schemas.microsoft.com/office/drawing/2014/main" id="{D8241E59-0646-41EB-8ED0-090409856B7D}"/>
               </a:ext>
             </a:extLst>
           </p:cNvPr>
@@ -4185,7 +4187,7 @@
           <p:cNvPr id="26" name="직사각형 25">
             <a:extLst>
               <a:ext uri="{FF2B5EF4-FFF2-40B4-BE49-F238E27FC236}">
-                <a16:creationId xmlns:a16="http://schemas.microsoft.com/office/drawing/2014/main" xmlns="" id="{24EDB60A-88EE-4624-924F-1D4B6948100C}"/>
+                <a16:creationId xmlns="" xmlns:a16="http://schemas.microsoft.com/office/drawing/2014/main" id="{24EDB60A-88EE-4624-924F-1D4B6948100C}"/>
               </a:ext>
             </a:extLst>
           </p:cNvPr>
@@ -4267,7 +4269,7 @@
           <p:cNvPr id="30" name="직사각형 29">
             <a:extLst>
               <a:ext uri="{FF2B5EF4-FFF2-40B4-BE49-F238E27FC236}">
-                <a16:creationId xmlns:a16="http://schemas.microsoft.com/office/drawing/2014/main" xmlns="" id="{32B56811-2E7B-4FBF-99CB-4CECF20A9AC0}"/>
+                <a16:creationId xmlns="" xmlns:a16="http://schemas.microsoft.com/office/drawing/2014/main" id="{32B56811-2E7B-4FBF-99CB-4CECF20A9AC0}"/>
               </a:ext>
             </a:extLst>
           </p:cNvPr>
@@ -4339,7 +4341,7 @@
             <p:cNvPr id="34" name="타원 33">
               <a:extLst>
                 <a:ext uri="{FF2B5EF4-FFF2-40B4-BE49-F238E27FC236}">
-                  <a16:creationId xmlns:a16="http://schemas.microsoft.com/office/drawing/2014/main" xmlns="" id="{D8241E59-0646-41EB-8ED0-090409856B7D}"/>
+                  <a16:creationId xmlns="" xmlns:a16="http://schemas.microsoft.com/office/drawing/2014/main" id="{D8241E59-0646-41EB-8ED0-090409856B7D}"/>
                 </a:ext>
               </a:extLst>
             </p:cNvPr>
@@ -4395,7 +4397,7 @@
             <p:cNvPr id="35" name="Freeform 11">
               <a:extLst>
                 <a:ext uri="{FF2B5EF4-FFF2-40B4-BE49-F238E27FC236}">
-                  <a16:creationId xmlns:a16="http://schemas.microsoft.com/office/drawing/2014/main" xmlns="" id="{C4F9A130-FA06-4C64-B9C8-AF00295A3700}"/>
+                  <a16:creationId xmlns="" xmlns:a16="http://schemas.microsoft.com/office/drawing/2014/main" id="{C4F9A130-FA06-4C64-B9C8-AF00295A3700}"/>
                 </a:ext>
               </a:extLst>
             </p:cNvPr>
@@ -6272,7 +6274,7 @@
             <p:cNvPr id="36" name="타원 35">
               <a:extLst>
                 <a:ext uri="{FF2B5EF4-FFF2-40B4-BE49-F238E27FC236}">
-                  <a16:creationId xmlns:a16="http://schemas.microsoft.com/office/drawing/2014/main" xmlns="" id="{D8241E59-0646-41EB-8ED0-090409856B7D}"/>
+                  <a16:creationId xmlns="" xmlns:a16="http://schemas.microsoft.com/office/drawing/2014/main" id="{D8241E59-0646-41EB-8ED0-090409856B7D}"/>
                 </a:ext>
               </a:extLst>
             </p:cNvPr>
@@ -6328,7 +6330,7 @@
             <p:cNvPr id="38" name="Group 20">
               <a:extLst>
                 <a:ext uri="{FF2B5EF4-FFF2-40B4-BE49-F238E27FC236}">
-                  <a16:creationId xmlns:a16="http://schemas.microsoft.com/office/drawing/2014/main" xmlns="" id="{1C7089A4-20D7-4AF1-BE6E-531433FE9E66}"/>
+                  <a16:creationId xmlns="" xmlns:a16="http://schemas.microsoft.com/office/drawing/2014/main" id="{1C7089A4-20D7-4AF1-BE6E-531433FE9E66}"/>
                 </a:ext>
               </a:extLst>
             </p:cNvPr>
@@ -6353,7 +6355,7 @@
               <p:cNvPr id="39" name="Freeform 22">
                 <a:extLst>
                   <a:ext uri="{FF2B5EF4-FFF2-40B4-BE49-F238E27FC236}">
-                    <a16:creationId xmlns:a16="http://schemas.microsoft.com/office/drawing/2014/main" xmlns="" id="{4FD96A79-3125-4B4D-9D0F-5318695145ED}"/>
+                    <a16:creationId xmlns="" xmlns:a16="http://schemas.microsoft.com/office/drawing/2014/main" id="{4FD96A79-3125-4B4D-9D0F-5318695145ED}"/>
                   </a:ext>
                 </a:extLst>
               </p:cNvPr>
@@ -7339,7 +7341,7 @@
               <p:cNvPr id="40" name="Freeform 23">
                 <a:extLst>
                   <a:ext uri="{FF2B5EF4-FFF2-40B4-BE49-F238E27FC236}">
-                    <a16:creationId xmlns:a16="http://schemas.microsoft.com/office/drawing/2014/main" xmlns="" id="{1E104CFD-44EE-4744-892C-82D81F2C0045}"/>
+                    <a16:creationId xmlns="" xmlns:a16="http://schemas.microsoft.com/office/drawing/2014/main" id="{1E104CFD-44EE-4744-892C-82D81F2C0045}"/>
                   </a:ext>
                 </a:extLst>
               </p:cNvPr>
@@ -8235,7 +8237,7 @@
               <p:cNvPr id="41" name="Freeform 24">
                 <a:extLst>
                   <a:ext uri="{FF2B5EF4-FFF2-40B4-BE49-F238E27FC236}">
-                    <a16:creationId xmlns:a16="http://schemas.microsoft.com/office/drawing/2014/main" xmlns="" id="{E013D346-0728-4628-A7B9-15F1191C1C66}"/>
+                    <a16:creationId xmlns="" xmlns:a16="http://schemas.microsoft.com/office/drawing/2014/main" id="{E013D346-0728-4628-A7B9-15F1191C1C66}"/>
                   </a:ext>
                 </a:extLst>
               </p:cNvPr>
@@ -8679,7 +8681,7 @@
               <p:cNvPr id="42" name="Freeform 25">
                 <a:extLst>
                   <a:ext uri="{FF2B5EF4-FFF2-40B4-BE49-F238E27FC236}">
-                    <a16:creationId xmlns:a16="http://schemas.microsoft.com/office/drawing/2014/main" xmlns="" id="{388D3E4B-8569-4D4B-B6C3-A3B9FCAA8122}"/>
+                    <a16:creationId xmlns="" xmlns:a16="http://schemas.microsoft.com/office/drawing/2014/main" id="{388D3E4B-8569-4D4B-B6C3-A3B9FCAA8122}"/>
                   </a:ext>
                 </a:extLst>
               </p:cNvPr>
@@ -9184,7 +9186,7 @@
           <p:cNvPr id="40" name="사각형: 둥근 모서리 39">
             <a:extLst>
               <a:ext uri="{FF2B5EF4-FFF2-40B4-BE49-F238E27FC236}">
-                <a16:creationId xmlns:a16="http://schemas.microsoft.com/office/drawing/2014/main" xmlns="" id="{DEB48728-12FA-4B10-82E6-7899DDCA2731}"/>
+                <a16:creationId xmlns="" xmlns:a16="http://schemas.microsoft.com/office/drawing/2014/main" id="{DEB48728-12FA-4B10-82E6-7899DDCA2731}"/>
               </a:ext>
             </a:extLst>
           </p:cNvPr>
@@ -9256,7 +9258,7 @@
           <p:cNvPr id="43" name="직사각형 42">
             <a:extLst>
               <a:ext uri="{FF2B5EF4-FFF2-40B4-BE49-F238E27FC236}">
-                <a16:creationId xmlns:a16="http://schemas.microsoft.com/office/drawing/2014/main" xmlns="" id="{32B56811-2E7B-4FBF-99CB-4CECF20A9AC0}"/>
+                <a16:creationId xmlns="" xmlns:a16="http://schemas.microsoft.com/office/drawing/2014/main" id="{32B56811-2E7B-4FBF-99CB-4CECF20A9AC0}"/>
               </a:ext>
             </a:extLst>
           </p:cNvPr>
@@ -9427,7 +9429,7 @@
           <p:cNvPr id="13" name="직사각형 12">
             <a:extLst>
               <a:ext uri="{FF2B5EF4-FFF2-40B4-BE49-F238E27FC236}">
-                <a16:creationId xmlns:a16="http://schemas.microsoft.com/office/drawing/2014/main" xmlns="" id="{24EDB60A-88EE-4624-924F-1D4B6948100C}"/>
+                <a16:creationId xmlns="" xmlns:a16="http://schemas.microsoft.com/office/drawing/2014/main" id="{24EDB60A-88EE-4624-924F-1D4B6948100C}"/>
               </a:ext>
             </a:extLst>
           </p:cNvPr>
@@ -9436,8 +9438,8 @@
         </p:nvSpPr>
         <p:spPr>
           <a:xfrm>
-            <a:off x="2371327" y="544106"/>
-            <a:ext cx="1751786" cy="461665"/>
+            <a:off x="2371326" y="544106"/>
+            <a:ext cx="3087267" cy="414024"/>
           </a:xfrm>
           <a:prstGeom prst="rect">
             <a:avLst/>
@@ -9480,7 +9482,55 @@
               </a:rPr>
               <a:t>스테이터스</a:t>
             </a:r>
-            <a:endParaRPr lang="ko-KR" altLang="en-US" sz="8800" kern="0" dirty="0">
+            <a:r>
+              <a:rPr lang="ko-KR" altLang="en-US" sz="1600" kern="0" dirty="0" smtClean="0">
+                <a:solidFill>
+                  <a:prstClr val="white"/>
+                </a:solidFill>
+              </a:rPr>
+              <a:t> </a:t>
+            </a:r>
+            <a:r>
+              <a:rPr lang="en-US" altLang="ko-KR" sz="1400" kern="0" dirty="0" smtClean="0">
+                <a:solidFill>
+                  <a:prstClr val="white"/>
+                </a:solidFill>
+              </a:rPr>
+              <a:t>(</a:t>
+            </a:r>
+            <a:r>
+              <a:rPr lang="ko-KR" altLang="en-US" sz="1400" kern="0" dirty="0" smtClean="0">
+                <a:solidFill>
+                  <a:prstClr val="white"/>
+                </a:solidFill>
+              </a:rPr>
+              <a:t>발사모드 </a:t>
+            </a:r>
+            <a:r>
+              <a:rPr lang="en-US" altLang="ko-KR" sz="1400" kern="0" dirty="0" smtClean="0">
+                <a:solidFill>
+                  <a:prstClr val="white"/>
+                </a:solidFill>
+              </a:rPr>
+              <a:t>/ </a:t>
+            </a:r>
+            <a:r>
+              <a:rPr lang="ko-KR" altLang="en-US" sz="1400" kern="0" dirty="0" smtClean="0">
+                <a:solidFill>
+                  <a:prstClr val="white"/>
+                </a:solidFill>
+              </a:rPr>
+              <a:t>탄약</a:t>
+            </a:r>
+            <a:r>
+              <a:rPr lang="en-US" altLang="ko-KR" sz="1400" kern="0" dirty="0" smtClean="0">
+                <a:solidFill>
+                  <a:prstClr val="white"/>
+                </a:solidFill>
+              </a:rPr>
+              <a:t>)</a:t>
+            </a:r>
+            <a:endParaRPr lang="ko-KR" altLang="en-US" sz="8000" kern="0" dirty="0">
               <a:solidFill>
                 <a:prstClr val="white"/>
               </a:solidFill>
@@ -9497,7 +9547,7 @@
         <p:spPr>
           <a:xfrm>
             <a:off x="2051732" y="2615570"/>
-            <a:ext cx="1195555" cy="873109"/>
+            <a:ext cx="1195488" cy="873109"/>
           </a:xfrm>
           <a:prstGeom prst="straightConnector1">
             <a:avLst/>
@@ -9547,7 +9597,7 @@
         </p:blipFill>
         <p:spPr bwMode="auto">
           <a:xfrm>
-            <a:off x="3247287" y="3488679"/>
+            <a:off x="3247220" y="3488677"/>
             <a:ext cx="5281933" cy="1478153"/>
           </a:xfrm>
           <a:prstGeom prst="rect">
@@ -9596,7 +9646,7 @@
         </p:nvSpPr>
         <p:spPr>
           <a:xfrm>
-            <a:off x="4697206" y="3737562"/>
+            <a:off x="4697139" y="3737560"/>
             <a:ext cx="2133252" cy="556296"/>
           </a:xfrm>
           <a:prstGeom prst="rect">
@@ -9643,7 +9693,7 @@
         </p:nvCxnSpPr>
         <p:spPr>
           <a:xfrm flipH="1">
-            <a:off x="5772839" y="2539850"/>
+            <a:off x="5205206" y="2539850"/>
             <a:ext cx="506776" cy="1197712"/>
           </a:xfrm>
           <a:prstGeom prst="straightConnector1">
@@ -9680,8 +9730,8 @@
         </p:nvSpPr>
         <p:spPr>
           <a:xfrm>
-            <a:off x="5772839" y="1123721"/>
-            <a:ext cx="5640636" cy="1416130"/>
+            <a:off x="4329629" y="1123721"/>
+            <a:ext cx="5001658" cy="1416130"/>
           </a:xfrm>
           <a:prstGeom prst="rect">
             <a:avLst/>
@@ -9787,17 +9837,7 @@
                   </a:schemeClr>
                 </a:solidFill>
               </a:rPr>
-              <a:t>발사모드가 존재한다면 좌측에 </a:t>
-            </a:r>
-            <a:r>
-              <a:rPr lang="ko-KR" altLang="en-US" sz="1200" dirty="0" smtClean="0">
-                <a:solidFill>
-                  <a:schemeClr val="bg1">
-                    <a:lumMod val="85000"/>
-                  </a:schemeClr>
-                </a:solidFill>
-              </a:rPr>
-              <a:t>단발</a:t>
+              <a:t>발사모드가 존재한다면 좌측에 단발</a:t>
             </a:r>
             <a:r>
               <a:rPr lang="en-US" altLang="ko-KR" sz="1200" dirty="0" smtClean="0">
@@ -9918,7 +9958,7 @@
               <a:t>가방에 보유하고 있는 탄약을 숫자로 표현한다</a:t>
             </a:r>
             <a:r>
-              <a:rPr lang="en-US" altLang="ko-KR" sz="1200" smtClean="0">
+              <a:rPr lang="en-US" altLang="ko-KR" sz="1200" dirty="0" smtClean="0">
                 <a:solidFill>
                   <a:schemeClr val="bg1">
                     <a:lumMod val="85000"/>
@@ -9926,6 +9966,16 @@
                 </a:solidFill>
               </a:rPr>
               <a:t>. </a:t>
+            </a:r>
+            <a:r>
+              <a:rPr lang="ko-KR" altLang="en-US" sz="1200" dirty="0" smtClean="0">
+                <a:solidFill>
+                  <a:schemeClr val="bg1">
+                    <a:lumMod val="85000"/>
+                  </a:schemeClr>
+                </a:solidFill>
+              </a:rPr>
+              <a:t>이러한 정보들은</a:t>
             </a:r>
             <a:endParaRPr lang="en-US" altLang="ko-KR" sz="1200" dirty="0" smtClean="0">
               <a:solidFill>
@@ -9935,12 +9985,2626 @@
               </a:solidFill>
             </a:endParaRPr>
           </a:p>
+          <a:p>
+            <a:r>
+              <a:rPr lang="ko-KR" altLang="en-US" sz="1200" dirty="0" smtClean="0">
+                <a:solidFill>
+                  <a:schemeClr val="accent4"/>
+                </a:solidFill>
+              </a:rPr>
+              <a:t>슈팅 게임에서 공격 가능 여부</a:t>
+            </a:r>
+            <a:r>
+              <a:rPr lang="en-US" altLang="ko-KR" sz="1200" dirty="0" smtClean="0">
+                <a:solidFill>
+                  <a:schemeClr val="accent4"/>
+                </a:solidFill>
+              </a:rPr>
+              <a:t>, </a:t>
+            </a:r>
+            <a:r>
+              <a:rPr lang="ko-KR" altLang="en-US" sz="1200" dirty="0" smtClean="0">
+                <a:solidFill>
+                  <a:schemeClr val="accent4"/>
+                </a:solidFill>
+              </a:rPr>
+              <a:t>자원의 소모 정도를 나타내는 중요한 전략적 정보이기 때문에 캐릭터와 가장 가까운 공간에 배치한다</a:t>
+            </a:r>
+            <a:r>
+              <a:rPr lang="en-US" altLang="ko-KR" sz="1200" dirty="0" smtClean="0">
+                <a:solidFill>
+                  <a:schemeClr val="accent4"/>
+                </a:solidFill>
+              </a:rPr>
+              <a:t>.</a:t>
+            </a:r>
+          </a:p>
+        </p:txBody>
+      </p:sp>
+      <p:pic>
+        <p:nvPicPr>
+          <p:cNvPr id="3" name="Picture 2"/>
+          <p:cNvPicPr>
+            <a:picLocks noChangeAspect="1" noChangeArrowheads="1"/>
+          </p:cNvPicPr>
+          <p:nvPr/>
+        </p:nvPicPr>
+        <p:blipFill>
+          <a:blip r:embed="rId4">
+            <a:extLst>
+              <a:ext uri="{28A0092B-C50C-407E-A947-70E740481C1C}">
+                <a14:useLocalDpi xmlns:a14="http://schemas.microsoft.com/office/drawing/2010/main" val="0"/>
+              </a:ext>
+            </a:extLst>
+          </a:blip>
+          <a:srcRect/>
+          <a:stretch>
+            <a:fillRect/>
+          </a:stretch>
+        </p:blipFill>
+        <p:spPr bwMode="auto">
+          <a:xfrm>
+            <a:off x="1110094" y="4903529"/>
+            <a:ext cx="1494564" cy="1252202"/>
+          </a:xfrm>
+          <a:prstGeom prst="rect">
+            <a:avLst/>
+          </a:prstGeom>
+          <a:noFill/>
+          <a:ln>
+            <a:noFill/>
+          </a:ln>
+          <a:effectLst/>
+          <a:extLst>
+            <a:ext uri="{909E8E84-426E-40DD-AFC4-6F175D3DCCD1}">
+              <a14:hiddenFill xmlns:a14="http://schemas.microsoft.com/office/drawing/2010/main">
+                <a:solidFill>
+                  <a:schemeClr val="accent1"/>
+                </a:solidFill>
+              </a14:hiddenFill>
+            </a:ext>
+            <a:ext uri="{91240B29-F687-4F45-9708-019B960494DF}">
+              <a14:hiddenLine xmlns:a14="http://schemas.microsoft.com/office/drawing/2010/main" w="9525">
+                <a:solidFill>
+                  <a:schemeClr val="tx1"/>
+                </a:solidFill>
+                <a:miter lim="800000"/>
+                <a:headEnd/>
+                <a:tailEnd/>
+              </a14:hiddenLine>
+            </a:ext>
+            <a:ext uri="{AF507438-7753-43E0-B8FC-AC1667EBCBE1}">
+              <a14:hiddenEffects xmlns:a14="http://schemas.microsoft.com/office/drawing/2010/main">
+                <a:effectLst>
+                  <a:outerShdw dist="35921" dir="2700000" algn="ctr" rotWithShape="0">
+                    <a:schemeClr val="bg2"/>
+                  </a:outerShdw>
+                </a:effectLst>
+              </a14:hiddenEffects>
+            </a:ext>
+          </a:extLst>
+        </p:spPr>
+      </p:pic>
+      <p:cxnSp>
+        <p:nvCxnSpPr>
+          <p:cNvPr id="17" name="직선 화살표 연결선 16"/>
+          <p:cNvCxnSpPr>
+            <a:stCxn id="16" idx="1"/>
+          </p:cNvCxnSpPr>
+          <p:nvPr/>
+        </p:nvCxnSpPr>
+        <p:spPr>
+          <a:xfrm flipH="1" flipV="1">
+            <a:off x="2135525" y="5747167"/>
+            <a:ext cx="1473637" cy="231632"/>
+          </a:xfrm>
+          <a:prstGeom prst="straightConnector1">
+            <a:avLst/>
+          </a:prstGeom>
+          <a:ln w="28575">
+            <a:solidFill>
+              <a:srgbClr val="FF0000"/>
+            </a:solidFill>
+            <a:prstDash val="dash"/>
+            <a:tailEnd type="triangle"/>
+          </a:ln>
+        </p:spPr>
+        <p:style>
+          <a:lnRef idx="1">
+            <a:schemeClr val="accent1"/>
+          </a:lnRef>
+          <a:fillRef idx="0">
+            <a:schemeClr val="accent1"/>
+          </a:fillRef>
+          <a:effectRef idx="0">
+            <a:schemeClr val="accent1"/>
+          </a:effectRef>
+          <a:fontRef idx="minor">
+            <a:schemeClr val="tx1"/>
+          </a:fontRef>
+        </p:style>
+      </p:cxnSp>
+      <p:sp>
+        <p:nvSpPr>
+          <p:cNvPr id="16" name="직사각형 15"/>
+          <p:cNvSpPr/>
+          <p:nvPr/>
+        </p:nvSpPr>
+        <p:spPr>
+          <a:xfrm>
+            <a:off x="3609162" y="5529630"/>
+            <a:ext cx="4205639" cy="898338"/>
+          </a:xfrm>
+          <a:prstGeom prst="rect">
+            <a:avLst/>
+          </a:prstGeom>
+          <a:solidFill>
+            <a:schemeClr val="tx2"/>
+          </a:solidFill>
+          <a:ln>
+            <a:solidFill>
+              <a:schemeClr val="accent5">
+                <a:lumMod val="50000"/>
+              </a:schemeClr>
+            </a:solidFill>
+          </a:ln>
+        </p:spPr>
+        <p:style>
+          <a:lnRef idx="2">
+            <a:schemeClr val="accent1">
+              <a:shade val="50000"/>
+            </a:schemeClr>
+          </a:lnRef>
+          <a:fillRef idx="1">
+            <a:schemeClr val="accent1"/>
+          </a:fillRef>
+          <a:effectRef idx="0">
+            <a:schemeClr val="accent1"/>
+          </a:effectRef>
+          <a:fontRef idx="minor">
+            <a:schemeClr val="lt1"/>
+          </a:fontRef>
+        </p:style>
+        <p:txBody>
+          <a:bodyPr rtlCol="0" anchor="ctr"/>
+          <a:lstStyle/>
+          <a:p>
+            <a:r>
+              <a:rPr lang="ko-KR" altLang="en-US" sz="1200" dirty="0" smtClean="0">
+                <a:solidFill>
+                  <a:schemeClr val="bg1">
+                    <a:lumMod val="85000"/>
+                  </a:schemeClr>
+                </a:solidFill>
+              </a:rPr>
+              <a:t>만약 장전된 탄약수가 모두 소모되었다면 숫자 </a:t>
+            </a:r>
+            <a:r>
+              <a:rPr lang="en-US" altLang="ko-KR" sz="1200" dirty="0" smtClean="0">
+                <a:solidFill>
+                  <a:schemeClr val="bg1">
+                    <a:lumMod val="85000"/>
+                  </a:schemeClr>
+                </a:solidFill>
+              </a:rPr>
+              <a:t>0</a:t>
+            </a:r>
+            <a:r>
+              <a:rPr lang="ko-KR" altLang="en-US" sz="1200" dirty="0" smtClean="0">
+                <a:solidFill>
+                  <a:schemeClr val="bg1">
+                    <a:lumMod val="85000"/>
+                  </a:schemeClr>
+                </a:solidFill>
+              </a:rPr>
+              <a:t>을 </a:t>
+            </a:r>
+            <a:endParaRPr lang="en-US" altLang="ko-KR" sz="1200" dirty="0" smtClean="0">
+              <a:solidFill>
+                <a:schemeClr val="bg1">
+                  <a:lumMod val="85000"/>
+                </a:schemeClr>
+              </a:solidFill>
+            </a:endParaRPr>
+          </a:p>
+          <a:p>
+            <a:r>
+              <a:rPr lang="ko-KR" altLang="en-US" sz="1200" dirty="0" smtClean="0">
+                <a:solidFill>
+                  <a:schemeClr val="bg1">
+                    <a:lumMod val="85000"/>
+                  </a:schemeClr>
+                </a:solidFill>
+              </a:rPr>
+              <a:t>빨간색으로 그려주어 </a:t>
+            </a:r>
+            <a:r>
+              <a:rPr lang="ko-KR" altLang="en-US" sz="1200" dirty="0" smtClean="0">
+                <a:solidFill>
+                  <a:schemeClr val="accent4"/>
+                </a:solidFill>
+              </a:rPr>
+              <a:t>더 이상의 공격이 불가능하다</a:t>
+            </a:r>
+            <a:r>
+              <a:rPr lang="en-US" altLang="ko-KR" sz="1200" dirty="0" smtClean="0">
+                <a:solidFill>
+                  <a:schemeClr val="accent4"/>
+                </a:solidFill>
+              </a:rPr>
+              <a:t>, </a:t>
+            </a:r>
+          </a:p>
+          <a:p>
+            <a:r>
+              <a:rPr lang="ko-KR" altLang="en-US" sz="1200" dirty="0" smtClean="0">
+                <a:solidFill>
+                  <a:schemeClr val="accent4"/>
+                </a:solidFill>
+              </a:rPr>
+              <a:t>위급한 상황이다 라는 정보를 한 눈에 알 수 있도록 한다</a:t>
+            </a:r>
+            <a:r>
+              <a:rPr lang="en-US" altLang="ko-KR" sz="1200" dirty="0" smtClean="0">
+                <a:solidFill>
+                  <a:schemeClr val="accent4"/>
+                </a:solidFill>
+              </a:rPr>
+              <a:t>.</a:t>
+            </a:r>
+          </a:p>
         </p:txBody>
       </p:sp>
     </p:spTree>
     <p:extLst>
       <p:ext uri="{BB962C8B-B14F-4D97-AF65-F5344CB8AC3E}">
         <p14:creationId xmlns:p14="http://schemas.microsoft.com/office/powerpoint/2010/main" val="3688643029"/>
+      </p:ext>
+    </p:extLst>
+  </p:cSld>
+  <p:clrMapOvr>
+    <a:masterClrMapping/>
+  </p:clrMapOvr>
+  <p:timing>
+    <p:tnLst>
+      <p:par>
+        <p:cTn id="1" dur="indefinite" restart="never" nodeType="tmRoot"/>
+      </p:par>
+    </p:tnLst>
+  </p:timing>
+</p:sld>
+</file>
+
+<file path=ppt/slides/slide11.xml><?xml version="1.0" encoding="utf-8"?>
+<p:sld xmlns:a="http://schemas.openxmlformats.org/drawingml/2006/main" xmlns:r="http://schemas.openxmlformats.org/officeDocument/2006/relationships" xmlns:p="http://schemas.openxmlformats.org/presentationml/2006/main">
+  <p:cSld>
+    <p:bg>
+      <p:bgPr>
+        <a:solidFill>
+          <a:schemeClr val="tx2">
+            <a:lumMod val="50000"/>
+          </a:schemeClr>
+        </a:solidFill>
+        <a:effectLst/>
+      </p:bgPr>
+    </p:bg>
+    <p:spTree>
+      <p:nvGrpSpPr>
+        <p:cNvPr id="1" name=""/>
+        <p:cNvGrpSpPr/>
+        <p:nvPr/>
+      </p:nvGrpSpPr>
+      <p:grpSpPr>
+        <a:xfrm>
+          <a:off x="0" y="0"/>
+          <a:ext cx="0" cy="0"/>
+          <a:chOff x="0" y="0"/>
+          <a:chExt cx="0" cy="0"/>
+        </a:xfrm>
+      </p:grpSpPr>
+      <p:sp>
+        <p:nvSpPr>
+          <p:cNvPr id="40" name="사각형: 둥근 모서리 39">
+            <a:extLst>
+              <a:ext uri="{FF2B5EF4-FFF2-40B4-BE49-F238E27FC236}">
+                <a16:creationId xmlns="" xmlns:a16="http://schemas.microsoft.com/office/drawing/2014/main" id="{DEB48728-12FA-4B10-82E6-7899DDCA2731}"/>
+              </a:ext>
+            </a:extLst>
+          </p:cNvPr>
+          <p:cNvSpPr/>
+          <p:nvPr/>
+        </p:nvSpPr>
+        <p:spPr>
+          <a:xfrm>
+            <a:off x="491492" y="504093"/>
+            <a:ext cx="1711727" cy="585286"/>
+          </a:xfrm>
+          <a:prstGeom prst="roundRect">
+            <a:avLst>
+              <a:gd name="adj" fmla="val 50000"/>
+            </a:avLst>
+          </a:prstGeom>
+          <a:solidFill>
+            <a:srgbClr val="181E26"/>
+          </a:solidFill>
+          <a:ln>
+            <a:noFill/>
+          </a:ln>
+        </p:spPr>
+        <p:style>
+          <a:lnRef idx="2">
+            <a:schemeClr val="accent1">
+              <a:shade val="50000"/>
+            </a:schemeClr>
+          </a:lnRef>
+          <a:fillRef idx="1">
+            <a:schemeClr val="accent1"/>
+          </a:fillRef>
+          <a:effectRef idx="0">
+            <a:schemeClr val="accent1"/>
+          </a:effectRef>
+          <a:fontRef idx="minor">
+            <a:schemeClr val="lt1"/>
+          </a:fontRef>
+        </p:style>
+        <p:txBody>
+          <a:bodyPr rtlCol="0" anchor="ctr"/>
+          <a:lstStyle/>
+          <a:p>
+            <a:pPr algn="ctr">
+              <a:lnSpc>
+                <a:spcPct val="150000"/>
+              </a:lnSpc>
+            </a:pPr>
+            <a:r>
+              <a:rPr lang="ko-KR" altLang="en-US" sz="2400" b="1" dirty="0" smtClean="0">
+                <a:solidFill>
+                  <a:prstClr val="white"/>
+                </a:solidFill>
+              </a:rPr>
+              <a:t>기본 화면</a:t>
+            </a:r>
+            <a:endParaRPr lang="en-US" altLang="ko-KR" sz="1600" dirty="0">
+              <a:solidFill>
+                <a:prstClr val="white">
+                  <a:lumMod val="50000"/>
+                </a:prstClr>
+              </a:solidFill>
+            </a:endParaRPr>
+          </a:p>
+        </p:txBody>
+      </p:sp>
+      <p:sp>
+        <p:nvSpPr>
+          <p:cNvPr id="43" name="직사각형 42">
+            <a:extLst>
+              <a:ext uri="{FF2B5EF4-FFF2-40B4-BE49-F238E27FC236}">
+                <a16:creationId xmlns="" xmlns:a16="http://schemas.microsoft.com/office/drawing/2014/main" id="{32B56811-2E7B-4FBF-99CB-4CECF20A9AC0}"/>
+              </a:ext>
+            </a:extLst>
+          </p:cNvPr>
+          <p:cNvSpPr/>
+          <p:nvPr/>
+        </p:nvSpPr>
+        <p:spPr>
+          <a:xfrm>
+            <a:off x="0" y="472736"/>
+            <a:ext cx="45719" cy="648000"/>
+          </a:xfrm>
+          <a:prstGeom prst="rect">
+            <a:avLst/>
+          </a:prstGeom>
+          <a:solidFill>
+            <a:srgbClr val="FF9900"/>
+          </a:solidFill>
+          <a:ln>
+            <a:noFill/>
+          </a:ln>
+        </p:spPr>
+        <p:style>
+          <a:lnRef idx="2">
+            <a:schemeClr val="accent1">
+              <a:shade val="50000"/>
+            </a:schemeClr>
+          </a:lnRef>
+          <a:fillRef idx="1">
+            <a:schemeClr val="accent1"/>
+          </a:fillRef>
+          <a:effectRef idx="0">
+            <a:schemeClr val="accent1"/>
+          </a:effectRef>
+          <a:fontRef idx="minor">
+            <a:schemeClr val="lt1"/>
+          </a:fontRef>
+        </p:style>
+        <p:txBody>
+          <a:bodyPr rtlCol="0" anchor="ctr"/>
+          <a:lstStyle/>
+          <a:p>
+            <a:pPr algn="ctr">
+              <a:defRPr/>
+            </a:pPr>
+            <a:endParaRPr lang="ko-KR" altLang="en-US">
+              <a:solidFill>
+                <a:prstClr val="white"/>
+              </a:solidFill>
+            </a:endParaRPr>
+          </a:p>
+        </p:txBody>
+      </p:sp>
+      <p:sp>
+        <p:nvSpPr>
+          <p:cNvPr id="2" name="슬라이드 번호 개체 틀 1"/>
+          <p:cNvSpPr>
+            <a:spLocks noGrp="1"/>
+          </p:cNvSpPr>
+          <p:nvPr>
+            <p:ph type="sldNum" sz="quarter" idx="12"/>
+          </p:nvPr>
+        </p:nvSpPr>
+        <p:spPr/>
+        <p:txBody>
+          <a:bodyPr/>
+          <a:lstStyle/>
+          <a:p>
+            <a:fld id="{5D878A70-FB77-4F9B-8311-4FBED7F04F1E}" type="slidenum">
+              <a:rPr lang="ko-KR" altLang="en-US" sz="1600" smtClean="0">
+                <a:solidFill>
+                  <a:prstClr val="black">
+                    <a:tint val="75000"/>
+                  </a:prstClr>
+                </a:solidFill>
+              </a:rPr>
+              <a:pPr/>
+              <a:t>11</a:t>
+            </a:fld>
+            <a:endParaRPr lang="ko-KR" altLang="en-US" sz="1600" dirty="0">
+              <a:solidFill>
+                <a:prstClr val="black">
+                  <a:tint val="75000"/>
+                </a:prstClr>
+              </a:solidFill>
+            </a:endParaRPr>
+          </a:p>
+        </p:txBody>
+      </p:sp>
+      <p:pic>
+        <p:nvPicPr>
+          <p:cNvPr id="5" name="그림 4"/>
+          <p:cNvPicPr>
+            <a:picLocks noChangeAspect="1"/>
+          </p:cNvPicPr>
+          <p:nvPr/>
+        </p:nvPicPr>
+        <p:blipFill>
+          <a:blip r:embed="rId2" cstate="print">
+            <a:extLst>
+              <a:ext uri="{28A0092B-C50C-407E-A947-70E740481C1C}">
+                <a14:useLocalDpi xmlns:a14="http://schemas.microsoft.com/office/drawing/2010/main" val="0"/>
+              </a:ext>
+            </a:extLst>
+          </a:blip>
+          <a:stretch>
+            <a:fillRect/>
+          </a:stretch>
+        </p:blipFill>
+        <p:spPr>
+          <a:xfrm>
+            <a:off x="491492" y="1332345"/>
+            <a:ext cx="2404740" cy="1352666"/>
+          </a:xfrm>
+          <a:prstGeom prst="rect">
+            <a:avLst/>
+          </a:prstGeom>
+        </p:spPr>
+      </p:pic>
+      <p:sp>
+        <p:nvSpPr>
+          <p:cNvPr id="10" name="직사각형 9"/>
+          <p:cNvSpPr/>
+          <p:nvPr/>
+        </p:nvSpPr>
+        <p:spPr>
+          <a:xfrm>
+            <a:off x="1280324" y="2542834"/>
+            <a:ext cx="827075" cy="145472"/>
+          </a:xfrm>
+          <a:prstGeom prst="rect">
+            <a:avLst/>
+          </a:prstGeom>
+          <a:noFill/>
+          <a:ln>
+            <a:solidFill>
+              <a:srgbClr val="FF0000"/>
+            </a:solidFill>
+            <a:prstDash val="dash"/>
+          </a:ln>
+        </p:spPr>
+        <p:style>
+          <a:lnRef idx="2">
+            <a:schemeClr val="accent1">
+              <a:shade val="50000"/>
+            </a:schemeClr>
+          </a:lnRef>
+          <a:fillRef idx="1">
+            <a:schemeClr val="accent1"/>
+          </a:fillRef>
+          <a:effectRef idx="0">
+            <a:schemeClr val="accent1"/>
+          </a:effectRef>
+          <a:fontRef idx="minor">
+            <a:schemeClr val="lt1"/>
+          </a:fontRef>
+        </p:style>
+        <p:txBody>
+          <a:bodyPr rtlCol="0" anchor="ctr"/>
+          <a:lstStyle/>
+          <a:p>
+            <a:pPr algn="ctr"/>
+            <a:endParaRPr lang="ko-KR" altLang="en-US"/>
+          </a:p>
+        </p:txBody>
+      </p:sp>
+      <p:sp>
+        <p:nvSpPr>
+          <p:cNvPr id="13" name="직사각형 12">
+            <a:extLst>
+              <a:ext uri="{FF2B5EF4-FFF2-40B4-BE49-F238E27FC236}">
+                <a16:creationId xmlns="" xmlns:a16="http://schemas.microsoft.com/office/drawing/2014/main" id="{24EDB60A-88EE-4624-924F-1D4B6948100C}"/>
+              </a:ext>
+            </a:extLst>
+          </p:cNvPr>
+          <p:cNvSpPr/>
+          <p:nvPr/>
+        </p:nvSpPr>
+        <p:spPr>
+          <a:xfrm>
+            <a:off x="2371327" y="544106"/>
+            <a:ext cx="2894736" cy="414024"/>
+          </a:xfrm>
+          <a:prstGeom prst="rect">
+            <a:avLst/>
+          </a:prstGeom>
+          <a:noFill/>
+        </p:spPr>
+        <p:txBody>
+          <a:bodyPr wrap="square">
+            <a:spAutoFit/>
+          </a:bodyPr>
+          <a:lstStyle/>
+          <a:p>
+            <a:pPr latinLnBrk="0">
+              <a:lnSpc>
+                <a:spcPct val="150000"/>
+              </a:lnSpc>
+              <a:defRPr/>
+            </a:pPr>
+            <a:r>
+              <a:rPr lang="en-US" altLang="ko-KR" sz="1600" kern="0" dirty="0">
+                <a:solidFill>
+                  <a:prstClr val="white"/>
+                </a:solidFill>
+              </a:rPr>
+              <a:t>4</a:t>
+            </a:r>
+            <a:r>
+              <a:rPr lang="en-US" altLang="ko-KR" sz="1600" kern="0" dirty="0" smtClean="0">
+                <a:solidFill>
+                  <a:prstClr val="white"/>
+                </a:solidFill>
+              </a:rPr>
+              <a:t>) </a:t>
+            </a:r>
+            <a:r>
+              <a:rPr lang="ko-KR" altLang="en-US" sz="1600" kern="0" dirty="0" err="1" smtClean="0">
+                <a:solidFill>
+                  <a:prstClr val="white"/>
+                </a:solidFill>
+              </a:rPr>
+              <a:t>스테이터스</a:t>
+            </a:r>
+            <a:r>
+              <a:rPr lang="ko-KR" altLang="en-US" sz="1600" kern="0" dirty="0" smtClean="0">
+                <a:solidFill>
+                  <a:prstClr val="white"/>
+                </a:solidFill>
+              </a:rPr>
+              <a:t> </a:t>
+            </a:r>
+            <a:r>
+              <a:rPr lang="en-US" altLang="ko-KR" sz="1400" kern="0" dirty="0" smtClean="0">
+                <a:solidFill>
+                  <a:prstClr val="white"/>
+                </a:solidFill>
+              </a:rPr>
+              <a:t>(</a:t>
+            </a:r>
+            <a:r>
+              <a:rPr lang="ko-KR" altLang="en-US" sz="1400" kern="0" dirty="0" smtClean="0">
+                <a:solidFill>
+                  <a:prstClr val="white"/>
+                </a:solidFill>
+              </a:rPr>
+              <a:t>체력 게이지</a:t>
+            </a:r>
+            <a:r>
+              <a:rPr lang="en-US" altLang="ko-KR" sz="1400" kern="0" dirty="0" smtClean="0">
+                <a:solidFill>
+                  <a:prstClr val="white"/>
+                </a:solidFill>
+              </a:rPr>
+              <a:t>)</a:t>
+            </a:r>
+            <a:endParaRPr lang="ko-KR" altLang="en-US" sz="8000" kern="0" dirty="0">
+              <a:solidFill>
+                <a:prstClr val="white"/>
+              </a:solidFill>
+            </a:endParaRPr>
+          </a:p>
+        </p:txBody>
+      </p:sp>
+      <p:cxnSp>
+        <p:nvCxnSpPr>
+          <p:cNvPr id="15" name="직선 화살표 연결선 14"/>
+          <p:cNvCxnSpPr/>
+          <p:nvPr/>
+        </p:nvCxnSpPr>
+        <p:spPr>
+          <a:xfrm>
+            <a:off x="2051732" y="2615570"/>
+            <a:ext cx="1195488" cy="873109"/>
+          </a:xfrm>
+          <a:prstGeom prst="straightConnector1">
+            <a:avLst/>
+          </a:prstGeom>
+          <a:ln w="28575">
+            <a:solidFill>
+              <a:srgbClr val="FF0000"/>
+            </a:solidFill>
+            <a:tailEnd type="triangle"/>
+          </a:ln>
+        </p:spPr>
+        <p:style>
+          <a:lnRef idx="1">
+            <a:schemeClr val="accent1"/>
+          </a:lnRef>
+          <a:fillRef idx="0">
+            <a:schemeClr val="accent1"/>
+          </a:fillRef>
+          <a:effectRef idx="0">
+            <a:schemeClr val="accent1"/>
+          </a:effectRef>
+          <a:fontRef idx="minor">
+            <a:schemeClr val="tx1"/>
+          </a:fontRef>
+        </p:style>
+      </p:cxnSp>
+      <p:pic>
+        <p:nvPicPr>
+          <p:cNvPr id="1026" name="Picture 2"/>
+          <p:cNvPicPr>
+            <a:picLocks noChangeAspect="1" noChangeArrowheads="1"/>
+          </p:cNvPicPr>
+          <p:nvPr/>
+        </p:nvPicPr>
+        <p:blipFill>
+          <a:blip r:embed="rId3">
+            <a:extLst>
+              <a:ext uri="{28A0092B-C50C-407E-A947-70E740481C1C}">
+                <a14:useLocalDpi xmlns:a14="http://schemas.microsoft.com/office/drawing/2010/main" val="0"/>
+              </a:ext>
+            </a:extLst>
+          </a:blip>
+          <a:srcRect/>
+          <a:stretch>
+            <a:fillRect/>
+          </a:stretch>
+        </p:blipFill>
+        <p:spPr bwMode="auto">
+          <a:xfrm>
+            <a:off x="3247220" y="3488677"/>
+            <a:ext cx="5281933" cy="1478153"/>
+          </a:xfrm>
+          <a:prstGeom prst="rect">
+            <a:avLst/>
+          </a:prstGeom>
+          <a:noFill/>
+          <a:ln>
+            <a:noFill/>
+          </a:ln>
+          <a:effectLst/>
+          <a:extLst>
+            <a:ext uri="{909E8E84-426E-40DD-AFC4-6F175D3DCCD1}">
+              <a14:hiddenFill xmlns:a14="http://schemas.microsoft.com/office/drawing/2010/main">
+                <a:solidFill>
+                  <a:schemeClr val="accent1"/>
+                </a:solidFill>
+              </a14:hiddenFill>
+            </a:ext>
+            <a:ext uri="{91240B29-F687-4F45-9708-019B960494DF}">
+              <a14:hiddenLine xmlns:a14="http://schemas.microsoft.com/office/drawing/2010/main" w="9525">
+                <a:solidFill>
+                  <a:schemeClr val="tx1"/>
+                </a:solidFill>
+                <a:miter lim="800000"/>
+                <a:headEnd/>
+                <a:tailEnd/>
+              </a14:hiddenLine>
+            </a:ext>
+            <a:ext uri="{AF507438-7753-43E0-B8FC-AC1667EBCBE1}">
+              <a14:hiddenEffects xmlns:a14="http://schemas.microsoft.com/office/drawing/2010/main">
+                <a:effectLst>
+                  <a:outerShdw dist="35921" dir="2700000" algn="ctr" rotWithShape="0">
+                    <a:schemeClr val="bg2"/>
+                  </a:outerShdw>
+                </a:effectLst>
+              </a14:hiddenEffects>
+            </a:ext>
+          </a:extLst>
+        </p:spPr>
+      </p:pic>
+      <p:sp>
+        <p:nvSpPr>
+          <p:cNvPr id="22" name="직사각형 21"/>
+          <p:cNvSpPr/>
+          <p:nvPr/>
+        </p:nvSpPr>
+        <p:spPr>
+          <a:xfrm>
+            <a:off x="3325341" y="4293856"/>
+            <a:ext cx="4816123" cy="454414"/>
+          </a:xfrm>
+          <a:prstGeom prst="rect">
+            <a:avLst/>
+          </a:prstGeom>
+          <a:noFill/>
+          <a:ln>
+            <a:solidFill>
+              <a:srgbClr val="FF0000"/>
+            </a:solidFill>
+            <a:prstDash val="dash"/>
+          </a:ln>
+        </p:spPr>
+        <p:style>
+          <a:lnRef idx="2">
+            <a:schemeClr val="accent1">
+              <a:shade val="50000"/>
+            </a:schemeClr>
+          </a:lnRef>
+          <a:fillRef idx="1">
+            <a:schemeClr val="accent1"/>
+          </a:fillRef>
+          <a:effectRef idx="0">
+            <a:schemeClr val="accent1"/>
+          </a:effectRef>
+          <a:fontRef idx="minor">
+            <a:schemeClr val="lt1"/>
+          </a:fontRef>
+        </p:style>
+        <p:txBody>
+          <a:bodyPr rtlCol="0" anchor="ctr"/>
+          <a:lstStyle/>
+          <a:p>
+            <a:pPr algn="ctr"/>
+            <a:endParaRPr lang="ko-KR" altLang="en-US"/>
+          </a:p>
+        </p:txBody>
+      </p:sp>
+      <p:cxnSp>
+        <p:nvCxnSpPr>
+          <p:cNvPr id="30" name="직선 화살표 연결선 29"/>
+          <p:cNvCxnSpPr/>
+          <p:nvPr/>
+        </p:nvCxnSpPr>
+        <p:spPr>
+          <a:xfrm>
+            <a:off x="4090063" y="2395238"/>
+            <a:ext cx="0" cy="1898618"/>
+          </a:xfrm>
+          <a:prstGeom prst="straightConnector1">
+            <a:avLst/>
+          </a:prstGeom>
+          <a:ln w="28575">
+            <a:solidFill>
+              <a:srgbClr val="FF0000"/>
+            </a:solidFill>
+            <a:prstDash val="dash"/>
+            <a:tailEnd type="triangle"/>
+          </a:ln>
+        </p:spPr>
+        <p:style>
+          <a:lnRef idx="1">
+            <a:schemeClr val="accent1"/>
+          </a:lnRef>
+          <a:fillRef idx="0">
+            <a:schemeClr val="accent1"/>
+          </a:fillRef>
+          <a:effectRef idx="0">
+            <a:schemeClr val="accent1"/>
+          </a:effectRef>
+          <a:fontRef idx="minor">
+            <a:schemeClr val="tx1"/>
+          </a:fontRef>
+        </p:style>
+      </p:cxnSp>
+      <p:sp>
+        <p:nvSpPr>
+          <p:cNvPr id="24" name="직사각형 23"/>
+          <p:cNvSpPr/>
+          <p:nvPr/>
+        </p:nvSpPr>
+        <p:spPr>
+          <a:xfrm>
+            <a:off x="3325341" y="1332345"/>
+            <a:ext cx="4902506" cy="1062893"/>
+          </a:xfrm>
+          <a:prstGeom prst="rect">
+            <a:avLst/>
+          </a:prstGeom>
+          <a:solidFill>
+            <a:schemeClr val="tx2"/>
+          </a:solidFill>
+          <a:ln>
+            <a:solidFill>
+              <a:schemeClr val="accent5">
+                <a:lumMod val="50000"/>
+              </a:schemeClr>
+            </a:solidFill>
+          </a:ln>
+        </p:spPr>
+        <p:style>
+          <a:lnRef idx="2">
+            <a:schemeClr val="accent1">
+              <a:shade val="50000"/>
+            </a:schemeClr>
+          </a:lnRef>
+          <a:fillRef idx="1">
+            <a:schemeClr val="accent1"/>
+          </a:fillRef>
+          <a:effectRef idx="0">
+            <a:schemeClr val="accent1"/>
+          </a:effectRef>
+          <a:fontRef idx="minor">
+            <a:schemeClr val="lt1"/>
+          </a:fontRef>
+        </p:style>
+        <p:txBody>
+          <a:bodyPr rtlCol="0" anchor="ctr"/>
+          <a:lstStyle/>
+          <a:p>
+            <a:r>
+              <a:rPr lang="ko-KR" altLang="en-US" sz="1200" dirty="0" smtClean="0">
+                <a:solidFill>
+                  <a:schemeClr val="bg1">
+                    <a:lumMod val="85000"/>
+                  </a:schemeClr>
+                </a:solidFill>
+              </a:rPr>
+              <a:t>플레이어의 체력을 막대 게이지를 사용해 보여준다</a:t>
+            </a:r>
+            <a:r>
+              <a:rPr lang="en-US" altLang="ko-KR" sz="1200" dirty="0" smtClean="0">
+                <a:solidFill>
+                  <a:schemeClr val="bg1">
+                    <a:lumMod val="85000"/>
+                  </a:schemeClr>
+                </a:solidFill>
+              </a:rPr>
+              <a:t>. </a:t>
+            </a:r>
+            <a:r>
+              <a:rPr lang="ko-KR" altLang="en-US" sz="1200" dirty="0" smtClean="0">
+                <a:solidFill>
+                  <a:schemeClr val="bg1">
+                    <a:lumMod val="85000"/>
+                  </a:schemeClr>
+                </a:solidFill>
+              </a:rPr>
+              <a:t>완전히 회복된 </a:t>
+            </a:r>
+            <a:endParaRPr lang="en-US" altLang="ko-KR" sz="1200" dirty="0" smtClean="0">
+              <a:solidFill>
+                <a:schemeClr val="bg1">
+                  <a:lumMod val="85000"/>
+                </a:schemeClr>
+              </a:solidFill>
+            </a:endParaRPr>
+          </a:p>
+          <a:p>
+            <a:r>
+              <a:rPr lang="ko-KR" altLang="en-US" sz="1200" dirty="0" smtClean="0">
+                <a:solidFill>
+                  <a:schemeClr val="bg1">
+                    <a:lumMod val="85000"/>
+                  </a:schemeClr>
+                </a:solidFill>
+              </a:rPr>
+              <a:t>경우 약간 옅은 회색으로</a:t>
+            </a:r>
+            <a:r>
+              <a:rPr lang="en-US" altLang="ko-KR" sz="1200" dirty="0" smtClean="0">
+                <a:solidFill>
+                  <a:schemeClr val="bg1">
+                    <a:lumMod val="85000"/>
+                  </a:schemeClr>
+                </a:solidFill>
+              </a:rPr>
+              <a:t>, </a:t>
+            </a:r>
+            <a:r>
+              <a:rPr lang="ko-KR" altLang="en-US" sz="1200" dirty="0" smtClean="0">
+                <a:solidFill>
+                  <a:schemeClr val="bg1">
+                    <a:lumMod val="85000"/>
+                  </a:schemeClr>
+                </a:solidFill>
+              </a:rPr>
+              <a:t>그 외의 경우 체력의 정도에 따라 흰색</a:t>
+            </a:r>
+            <a:r>
+              <a:rPr lang="en-US" altLang="ko-KR" sz="1200" dirty="0" smtClean="0">
+                <a:solidFill>
+                  <a:schemeClr val="bg1">
+                    <a:lumMod val="85000"/>
+                  </a:schemeClr>
+                </a:solidFill>
+              </a:rPr>
+              <a:t>, </a:t>
+            </a:r>
+          </a:p>
+          <a:p>
+            <a:r>
+              <a:rPr lang="ko-KR" altLang="en-US" sz="1200" dirty="0" smtClean="0">
+                <a:solidFill>
+                  <a:schemeClr val="bg1">
+                    <a:lumMod val="85000"/>
+                  </a:schemeClr>
+                </a:solidFill>
+              </a:rPr>
+              <a:t>황색</a:t>
+            </a:r>
+            <a:r>
+              <a:rPr lang="en-US" altLang="ko-KR" sz="1200" dirty="0" smtClean="0">
+                <a:solidFill>
+                  <a:schemeClr val="bg1">
+                    <a:lumMod val="85000"/>
+                  </a:schemeClr>
+                </a:solidFill>
+              </a:rPr>
+              <a:t>, </a:t>
+            </a:r>
+            <a:r>
+              <a:rPr lang="ko-KR" altLang="en-US" sz="1200" dirty="0" smtClean="0">
+                <a:solidFill>
+                  <a:schemeClr val="bg1">
+                    <a:lumMod val="85000"/>
+                  </a:schemeClr>
+                </a:solidFill>
+              </a:rPr>
+              <a:t>빨간색으로 위험 정도를 표시한다</a:t>
+            </a:r>
+            <a:r>
+              <a:rPr lang="en-US" altLang="ko-KR" sz="1200" dirty="0" smtClean="0">
+                <a:solidFill>
+                  <a:schemeClr val="bg1">
+                    <a:lumMod val="85000"/>
+                  </a:schemeClr>
+                </a:solidFill>
+              </a:rPr>
+              <a:t>. </a:t>
+            </a:r>
+            <a:r>
+              <a:rPr lang="ko-KR" altLang="en-US" sz="1200" dirty="0" smtClean="0">
+                <a:solidFill>
+                  <a:schemeClr val="accent4"/>
+                </a:solidFill>
+              </a:rPr>
+              <a:t>색상을 달리 표현함으로써</a:t>
+            </a:r>
+            <a:endParaRPr lang="en-US" altLang="ko-KR" sz="1200" dirty="0" smtClean="0">
+              <a:solidFill>
+                <a:schemeClr val="accent4"/>
+              </a:solidFill>
+            </a:endParaRPr>
+          </a:p>
+          <a:p>
+            <a:r>
+              <a:rPr lang="ko-KR" altLang="en-US" sz="1200" dirty="0" smtClean="0">
+                <a:solidFill>
+                  <a:schemeClr val="accent4"/>
+                </a:solidFill>
+              </a:rPr>
+              <a:t>현재 플레이어의 </a:t>
+            </a:r>
+            <a:r>
+              <a:rPr lang="en-US" altLang="ko-KR" sz="1200" dirty="0" smtClean="0">
+                <a:solidFill>
+                  <a:schemeClr val="accent4"/>
+                </a:solidFill>
+              </a:rPr>
+              <a:t>HP </a:t>
+            </a:r>
+            <a:r>
+              <a:rPr lang="ko-KR" altLang="en-US" sz="1200" dirty="0" smtClean="0">
+                <a:solidFill>
+                  <a:schemeClr val="accent4"/>
+                </a:solidFill>
+              </a:rPr>
+              <a:t>정보를 한 눈에 알기 쉽게 보여준다</a:t>
+            </a:r>
+            <a:r>
+              <a:rPr lang="en-US" altLang="ko-KR" sz="1200" dirty="0" smtClean="0">
+                <a:solidFill>
+                  <a:schemeClr val="accent4"/>
+                </a:solidFill>
+              </a:rPr>
+              <a:t>.</a:t>
+            </a:r>
+          </a:p>
+        </p:txBody>
+      </p:sp>
+      <p:pic>
+        <p:nvPicPr>
+          <p:cNvPr id="2051" name="Picture 3"/>
+          <p:cNvPicPr>
+            <a:picLocks noChangeAspect="1" noChangeArrowheads="1"/>
+          </p:cNvPicPr>
+          <p:nvPr/>
+        </p:nvPicPr>
+        <p:blipFill>
+          <a:blip r:embed="rId4">
+            <a:extLst>
+              <a:ext uri="{28A0092B-C50C-407E-A947-70E740481C1C}">
+                <a14:useLocalDpi xmlns:a14="http://schemas.microsoft.com/office/drawing/2010/main" val="0"/>
+              </a:ext>
+            </a:extLst>
+          </a:blip>
+          <a:srcRect/>
+          <a:stretch>
+            <a:fillRect/>
+          </a:stretch>
+        </p:blipFill>
+        <p:spPr bwMode="auto">
+          <a:xfrm>
+            <a:off x="4414878" y="2910777"/>
+            <a:ext cx="2209800" cy="142875"/>
+          </a:xfrm>
+          <a:prstGeom prst="rect">
+            <a:avLst/>
+          </a:prstGeom>
+          <a:noFill/>
+          <a:ln>
+            <a:noFill/>
+          </a:ln>
+          <a:effectLst/>
+          <a:extLst>
+            <a:ext uri="{909E8E84-426E-40DD-AFC4-6F175D3DCCD1}">
+              <a14:hiddenFill xmlns:a14="http://schemas.microsoft.com/office/drawing/2010/main">
+                <a:solidFill>
+                  <a:schemeClr val="accent1"/>
+                </a:solidFill>
+              </a14:hiddenFill>
+            </a:ext>
+            <a:ext uri="{91240B29-F687-4F45-9708-019B960494DF}">
+              <a14:hiddenLine xmlns:a14="http://schemas.microsoft.com/office/drawing/2010/main" w="9525">
+                <a:solidFill>
+                  <a:schemeClr val="tx1"/>
+                </a:solidFill>
+                <a:miter lim="800000"/>
+                <a:headEnd/>
+                <a:tailEnd/>
+              </a14:hiddenLine>
+            </a:ext>
+            <a:ext uri="{AF507438-7753-43E0-B8FC-AC1667EBCBE1}">
+              <a14:hiddenEffects xmlns:a14="http://schemas.microsoft.com/office/drawing/2010/main">
+                <a:effectLst>
+                  <a:outerShdw dist="35921" dir="2700000" algn="ctr" rotWithShape="0">
+                    <a:schemeClr val="bg2"/>
+                  </a:outerShdw>
+                </a:effectLst>
+              </a14:hiddenEffects>
+            </a:ext>
+          </a:extLst>
+        </p:spPr>
+      </p:pic>
+      <p:pic>
+        <p:nvPicPr>
+          <p:cNvPr id="2053" name="Picture 5"/>
+          <p:cNvPicPr>
+            <a:picLocks noChangeAspect="1" noChangeArrowheads="1"/>
+          </p:cNvPicPr>
+          <p:nvPr/>
+        </p:nvPicPr>
+        <p:blipFill>
+          <a:blip r:embed="rId5">
+            <a:extLst>
+              <a:ext uri="{28A0092B-C50C-407E-A947-70E740481C1C}">
+                <a14:useLocalDpi xmlns:a14="http://schemas.microsoft.com/office/drawing/2010/main" val="0"/>
+              </a:ext>
+            </a:extLst>
+          </a:blip>
+          <a:srcRect/>
+          <a:stretch>
+            <a:fillRect/>
+          </a:stretch>
+        </p:blipFill>
+        <p:spPr bwMode="auto">
+          <a:xfrm>
+            <a:off x="4414877" y="3171789"/>
+            <a:ext cx="2200275" cy="142875"/>
+          </a:xfrm>
+          <a:prstGeom prst="rect">
+            <a:avLst/>
+          </a:prstGeom>
+          <a:noFill/>
+          <a:ln>
+            <a:noFill/>
+          </a:ln>
+          <a:effectLst/>
+          <a:extLst>
+            <a:ext uri="{909E8E84-426E-40DD-AFC4-6F175D3DCCD1}">
+              <a14:hiddenFill xmlns:a14="http://schemas.microsoft.com/office/drawing/2010/main">
+                <a:solidFill>
+                  <a:schemeClr val="accent1"/>
+                </a:solidFill>
+              </a14:hiddenFill>
+            </a:ext>
+            <a:ext uri="{91240B29-F687-4F45-9708-019B960494DF}">
+              <a14:hiddenLine xmlns:a14="http://schemas.microsoft.com/office/drawing/2010/main" w="9525">
+                <a:solidFill>
+                  <a:schemeClr val="tx1"/>
+                </a:solidFill>
+                <a:miter lim="800000"/>
+                <a:headEnd/>
+                <a:tailEnd/>
+              </a14:hiddenLine>
+            </a:ext>
+            <a:ext uri="{AF507438-7753-43E0-B8FC-AC1667EBCBE1}">
+              <a14:hiddenEffects xmlns:a14="http://schemas.microsoft.com/office/drawing/2010/main">
+                <a:effectLst>
+                  <a:outerShdw dist="35921" dir="2700000" algn="ctr" rotWithShape="0">
+                    <a:schemeClr val="bg2"/>
+                  </a:outerShdw>
+                </a:effectLst>
+              </a14:hiddenEffects>
+            </a:ext>
+          </a:extLst>
+        </p:spPr>
+      </p:pic>
+      <p:pic>
+        <p:nvPicPr>
+          <p:cNvPr id="2055" name="Picture 7"/>
+          <p:cNvPicPr>
+            <a:picLocks noChangeAspect="1" noChangeArrowheads="1"/>
+          </p:cNvPicPr>
+          <p:nvPr/>
+        </p:nvPicPr>
+        <p:blipFill>
+          <a:blip r:embed="rId6">
+            <a:extLst>
+              <a:ext uri="{28A0092B-C50C-407E-A947-70E740481C1C}">
+                <a14:useLocalDpi xmlns:a14="http://schemas.microsoft.com/office/drawing/2010/main" val="0"/>
+              </a:ext>
+            </a:extLst>
+          </a:blip>
+          <a:srcRect/>
+          <a:stretch>
+            <a:fillRect/>
+          </a:stretch>
+        </p:blipFill>
+        <p:spPr bwMode="auto">
+          <a:xfrm>
+            <a:off x="4414878" y="2685011"/>
+            <a:ext cx="2200275" cy="133350"/>
+          </a:xfrm>
+          <a:prstGeom prst="rect">
+            <a:avLst/>
+          </a:prstGeom>
+          <a:noFill/>
+          <a:ln>
+            <a:noFill/>
+          </a:ln>
+          <a:effectLst/>
+          <a:extLst>
+            <a:ext uri="{909E8E84-426E-40DD-AFC4-6F175D3DCCD1}">
+              <a14:hiddenFill xmlns:a14="http://schemas.microsoft.com/office/drawing/2010/main">
+                <a:solidFill>
+                  <a:schemeClr val="accent1"/>
+                </a:solidFill>
+              </a14:hiddenFill>
+            </a:ext>
+            <a:ext uri="{91240B29-F687-4F45-9708-019B960494DF}">
+              <a14:hiddenLine xmlns:a14="http://schemas.microsoft.com/office/drawing/2010/main" w="9525">
+                <a:solidFill>
+                  <a:schemeClr val="tx1"/>
+                </a:solidFill>
+                <a:miter lim="800000"/>
+                <a:headEnd/>
+                <a:tailEnd/>
+              </a14:hiddenLine>
+            </a:ext>
+            <a:ext uri="{AF507438-7753-43E0-B8FC-AC1667EBCBE1}">
+              <a14:hiddenEffects xmlns:a14="http://schemas.microsoft.com/office/drawing/2010/main">
+                <a:effectLst>
+                  <a:outerShdw dist="35921" dir="2700000" algn="ctr" rotWithShape="0">
+                    <a:schemeClr val="bg2"/>
+                  </a:outerShdw>
+                </a:effectLst>
+              </a14:hiddenEffects>
+            </a:ext>
+          </a:extLst>
+        </p:spPr>
+      </p:pic>
+      <p:pic>
+        <p:nvPicPr>
+          <p:cNvPr id="2056" name="Picture 8"/>
+          <p:cNvPicPr>
+            <a:picLocks noChangeAspect="1" noChangeArrowheads="1"/>
+          </p:cNvPicPr>
+          <p:nvPr/>
+        </p:nvPicPr>
+        <p:blipFill>
+          <a:blip r:embed="rId7">
+            <a:extLst>
+              <a:ext uri="{28A0092B-C50C-407E-A947-70E740481C1C}">
+                <a14:useLocalDpi xmlns:a14="http://schemas.microsoft.com/office/drawing/2010/main" val="0"/>
+              </a:ext>
+            </a:extLst>
+          </a:blip>
+          <a:srcRect/>
+          <a:stretch>
+            <a:fillRect/>
+          </a:stretch>
+        </p:blipFill>
+        <p:spPr bwMode="auto">
+          <a:xfrm>
+            <a:off x="1598404" y="5566284"/>
+            <a:ext cx="3913724" cy="237195"/>
+          </a:xfrm>
+          <a:prstGeom prst="rect">
+            <a:avLst/>
+          </a:prstGeom>
+          <a:noFill/>
+          <a:ln>
+            <a:noFill/>
+          </a:ln>
+          <a:effectLst/>
+          <a:extLst>
+            <a:ext uri="{909E8E84-426E-40DD-AFC4-6F175D3DCCD1}">
+              <a14:hiddenFill xmlns:a14="http://schemas.microsoft.com/office/drawing/2010/main">
+                <a:solidFill>
+                  <a:schemeClr val="accent1"/>
+                </a:solidFill>
+              </a14:hiddenFill>
+            </a:ext>
+            <a:ext uri="{91240B29-F687-4F45-9708-019B960494DF}">
+              <a14:hiddenLine xmlns:a14="http://schemas.microsoft.com/office/drawing/2010/main" w="9525">
+                <a:solidFill>
+                  <a:schemeClr val="tx1"/>
+                </a:solidFill>
+                <a:miter lim="800000"/>
+                <a:headEnd/>
+                <a:tailEnd/>
+              </a14:hiddenLine>
+            </a:ext>
+            <a:ext uri="{AF507438-7753-43E0-B8FC-AC1667EBCBE1}">
+              <a14:hiddenEffects xmlns:a14="http://schemas.microsoft.com/office/drawing/2010/main">
+                <a:effectLst>
+                  <a:outerShdw dist="35921" dir="2700000" algn="ctr" rotWithShape="0">
+                    <a:schemeClr val="bg2"/>
+                  </a:outerShdw>
+                </a:effectLst>
+              </a14:hiddenEffects>
+            </a:ext>
+          </a:extLst>
+        </p:spPr>
+      </p:pic>
+      <p:cxnSp>
+        <p:nvCxnSpPr>
+          <p:cNvPr id="17" name="직선 화살표 연결선 16"/>
+          <p:cNvCxnSpPr>
+            <a:stCxn id="16" idx="1"/>
+          </p:cNvCxnSpPr>
+          <p:nvPr/>
+        </p:nvCxnSpPr>
+        <p:spPr>
+          <a:xfrm flipH="1" flipV="1">
+            <a:off x="2798285" y="5684883"/>
+            <a:ext cx="3580606" cy="362836"/>
+          </a:xfrm>
+          <a:prstGeom prst="straightConnector1">
+            <a:avLst/>
+          </a:prstGeom>
+          <a:ln w="28575">
+            <a:solidFill>
+              <a:srgbClr val="FF0000"/>
+            </a:solidFill>
+            <a:prstDash val="dash"/>
+            <a:tailEnd type="triangle"/>
+          </a:ln>
+        </p:spPr>
+        <p:style>
+          <a:lnRef idx="1">
+            <a:schemeClr val="accent1"/>
+          </a:lnRef>
+          <a:fillRef idx="0">
+            <a:schemeClr val="accent1"/>
+          </a:fillRef>
+          <a:effectRef idx="0">
+            <a:schemeClr val="accent1"/>
+          </a:effectRef>
+          <a:fontRef idx="minor">
+            <a:schemeClr val="tx1"/>
+          </a:fontRef>
+        </p:style>
+      </p:cxnSp>
+      <p:sp>
+        <p:nvSpPr>
+          <p:cNvPr id="16" name="직사각형 15"/>
+          <p:cNvSpPr/>
+          <p:nvPr/>
+        </p:nvSpPr>
+        <p:spPr>
+          <a:xfrm>
+            <a:off x="6378891" y="5398265"/>
+            <a:ext cx="4513160" cy="1298907"/>
+          </a:xfrm>
+          <a:prstGeom prst="rect">
+            <a:avLst/>
+          </a:prstGeom>
+          <a:solidFill>
+            <a:schemeClr val="tx2"/>
+          </a:solidFill>
+          <a:ln>
+            <a:solidFill>
+              <a:schemeClr val="accent5">
+                <a:lumMod val="50000"/>
+              </a:schemeClr>
+            </a:solidFill>
+          </a:ln>
+        </p:spPr>
+        <p:style>
+          <a:lnRef idx="2">
+            <a:schemeClr val="accent1">
+              <a:shade val="50000"/>
+            </a:schemeClr>
+          </a:lnRef>
+          <a:fillRef idx="1">
+            <a:schemeClr val="accent1"/>
+          </a:fillRef>
+          <a:effectRef idx="0">
+            <a:schemeClr val="accent1"/>
+          </a:effectRef>
+          <a:fontRef idx="minor">
+            <a:schemeClr val="lt1"/>
+          </a:fontRef>
+        </p:style>
+        <p:txBody>
+          <a:bodyPr rtlCol="0" anchor="ctr"/>
+          <a:lstStyle/>
+          <a:p>
+            <a:r>
+              <a:rPr lang="ko-KR" altLang="en-US" sz="1200" dirty="0" smtClean="0">
+                <a:solidFill>
+                  <a:schemeClr val="bg1">
+                    <a:lumMod val="85000"/>
+                  </a:schemeClr>
+                </a:solidFill>
+              </a:rPr>
+              <a:t>회복 아이템으로 채울 수 있는 체력에는 상한선이 존재하고 </a:t>
+            </a:r>
+            <a:endParaRPr lang="en-US" altLang="ko-KR" sz="1200" dirty="0" smtClean="0">
+              <a:solidFill>
+                <a:schemeClr val="bg1">
+                  <a:lumMod val="85000"/>
+                </a:schemeClr>
+              </a:solidFill>
+            </a:endParaRPr>
+          </a:p>
+          <a:p>
+            <a:r>
+              <a:rPr lang="ko-KR" altLang="en-US" sz="1200" dirty="0" smtClean="0">
+                <a:solidFill>
+                  <a:schemeClr val="accent4"/>
+                </a:solidFill>
+              </a:rPr>
+              <a:t>한계를 명확히 표시하여 구분하기 위해 </a:t>
+            </a:r>
+            <a:r>
+              <a:rPr lang="ko-KR" altLang="en-US" sz="1200" dirty="0" smtClean="0">
+                <a:solidFill>
+                  <a:schemeClr val="bg1">
+                    <a:lumMod val="85000"/>
+                  </a:schemeClr>
+                </a:solidFill>
+              </a:rPr>
+              <a:t>그 게이지를 사선으로 처리하여 보여준다</a:t>
+            </a:r>
+            <a:r>
+              <a:rPr lang="en-US" altLang="ko-KR" sz="1200" dirty="0" smtClean="0">
+                <a:solidFill>
+                  <a:schemeClr val="bg1">
+                    <a:lumMod val="85000"/>
+                  </a:schemeClr>
+                </a:solidFill>
+              </a:rPr>
+              <a:t>. </a:t>
+            </a:r>
+            <a:r>
+              <a:rPr lang="ko-KR" altLang="en-US" sz="1200" dirty="0" smtClean="0">
+                <a:solidFill>
+                  <a:schemeClr val="bg1">
+                    <a:lumMod val="85000"/>
+                  </a:schemeClr>
+                </a:solidFill>
+              </a:rPr>
+              <a:t>상한선 밑에서 체력 회복을 시도할 경우</a:t>
+            </a:r>
+            <a:r>
+              <a:rPr lang="en-US" altLang="ko-KR" sz="1200" dirty="0" smtClean="0">
+                <a:solidFill>
+                  <a:schemeClr val="bg1">
+                    <a:lumMod val="85000"/>
+                  </a:schemeClr>
+                </a:solidFill>
+              </a:rPr>
+              <a:t>,</a:t>
+            </a:r>
+          </a:p>
+          <a:p>
+            <a:r>
+              <a:rPr lang="ko-KR" altLang="en-US" sz="1200" dirty="0" smtClean="0">
+                <a:solidFill>
+                  <a:schemeClr val="accent4"/>
+                </a:solidFill>
+              </a:rPr>
+              <a:t>회복 행동이 얼만큼 채워줄 것인지 볼 수 있도록 </a:t>
+            </a:r>
+            <a:r>
+              <a:rPr lang="ko-KR" altLang="en-US" sz="1200" dirty="0" smtClean="0">
+                <a:solidFill>
+                  <a:schemeClr val="bg1">
+                    <a:lumMod val="85000"/>
+                  </a:schemeClr>
+                </a:solidFill>
+              </a:rPr>
+              <a:t>성공적으로</a:t>
+            </a:r>
+            <a:endParaRPr lang="en-US" altLang="ko-KR" sz="1200" dirty="0" smtClean="0">
+              <a:solidFill>
+                <a:schemeClr val="bg1">
+                  <a:lumMod val="85000"/>
+                </a:schemeClr>
+              </a:solidFill>
+            </a:endParaRPr>
+          </a:p>
+          <a:p>
+            <a:r>
+              <a:rPr lang="ko-KR" altLang="en-US" sz="1200" dirty="0" smtClean="0">
+                <a:solidFill>
+                  <a:schemeClr val="bg1">
+                    <a:lumMod val="85000"/>
+                  </a:schemeClr>
+                </a:solidFill>
+              </a:rPr>
+              <a:t>수행했을 때 회복될 게이지를 반투명하게 덧대어 표시한다</a:t>
+            </a:r>
+            <a:r>
+              <a:rPr lang="en-US" altLang="ko-KR" sz="1200" dirty="0" smtClean="0">
+                <a:solidFill>
+                  <a:schemeClr val="bg1">
+                    <a:lumMod val="85000"/>
+                  </a:schemeClr>
+                </a:solidFill>
+              </a:rPr>
+              <a:t>.</a:t>
+            </a:r>
+          </a:p>
+        </p:txBody>
+      </p:sp>
+    </p:spTree>
+    <p:extLst>
+      <p:ext uri="{BB962C8B-B14F-4D97-AF65-F5344CB8AC3E}">
+        <p14:creationId xmlns:p14="http://schemas.microsoft.com/office/powerpoint/2010/main" val="609971446"/>
+      </p:ext>
+    </p:extLst>
+  </p:cSld>
+  <p:clrMapOvr>
+    <a:masterClrMapping/>
+  </p:clrMapOvr>
+  <p:timing>
+    <p:tnLst>
+      <p:par>
+        <p:cTn id="1" dur="indefinite" restart="never" nodeType="tmRoot"/>
+      </p:par>
+    </p:tnLst>
+  </p:timing>
+</p:sld>
+</file>
+
+<file path=ppt/slides/slide12.xml><?xml version="1.0" encoding="utf-8"?>
+<p:sld xmlns:a="http://schemas.openxmlformats.org/drawingml/2006/main" xmlns:r="http://schemas.openxmlformats.org/officeDocument/2006/relationships" xmlns:p="http://schemas.openxmlformats.org/presentationml/2006/main">
+  <p:cSld>
+    <p:bg>
+      <p:bgPr>
+        <a:solidFill>
+          <a:schemeClr val="tx2">
+            <a:lumMod val="50000"/>
+          </a:schemeClr>
+        </a:solidFill>
+        <a:effectLst/>
+      </p:bgPr>
+    </p:bg>
+    <p:spTree>
+      <p:nvGrpSpPr>
+        <p:cNvPr id="1" name=""/>
+        <p:cNvGrpSpPr/>
+        <p:nvPr/>
+      </p:nvGrpSpPr>
+      <p:grpSpPr>
+        <a:xfrm>
+          <a:off x="0" y="0"/>
+          <a:ext cx="0" cy="0"/>
+          <a:chOff x="0" y="0"/>
+          <a:chExt cx="0" cy="0"/>
+        </a:xfrm>
+      </p:grpSpPr>
+      <p:sp>
+        <p:nvSpPr>
+          <p:cNvPr id="40" name="사각형: 둥근 모서리 39">
+            <a:extLst>
+              <a:ext uri="{FF2B5EF4-FFF2-40B4-BE49-F238E27FC236}">
+                <a16:creationId xmlns="" xmlns:a16="http://schemas.microsoft.com/office/drawing/2014/main" id="{DEB48728-12FA-4B10-82E6-7899DDCA2731}"/>
+              </a:ext>
+            </a:extLst>
+          </p:cNvPr>
+          <p:cNvSpPr/>
+          <p:nvPr/>
+        </p:nvSpPr>
+        <p:spPr>
+          <a:xfrm>
+            <a:off x="491492" y="504093"/>
+            <a:ext cx="1711727" cy="585286"/>
+          </a:xfrm>
+          <a:prstGeom prst="roundRect">
+            <a:avLst>
+              <a:gd name="adj" fmla="val 50000"/>
+            </a:avLst>
+          </a:prstGeom>
+          <a:solidFill>
+            <a:srgbClr val="181E26"/>
+          </a:solidFill>
+          <a:ln>
+            <a:noFill/>
+          </a:ln>
+        </p:spPr>
+        <p:style>
+          <a:lnRef idx="2">
+            <a:schemeClr val="accent1">
+              <a:shade val="50000"/>
+            </a:schemeClr>
+          </a:lnRef>
+          <a:fillRef idx="1">
+            <a:schemeClr val="accent1"/>
+          </a:fillRef>
+          <a:effectRef idx="0">
+            <a:schemeClr val="accent1"/>
+          </a:effectRef>
+          <a:fontRef idx="minor">
+            <a:schemeClr val="lt1"/>
+          </a:fontRef>
+        </p:style>
+        <p:txBody>
+          <a:bodyPr rtlCol="0" anchor="ctr"/>
+          <a:lstStyle/>
+          <a:p>
+            <a:pPr algn="ctr">
+              <a:lnSpc>
+                <a:spcPct val="150000"/>
+              </a:lnSpc>
+            </a:pPr>
+            <a:r>
+              <a:rPr lang="ko-KR" altLang="en-US" sz="2400" b="1" dirty="0" smtClean="0">
+                <a:solidFill>
+                  <a:prstClr val="white"/>
+                </a:solidFill>
+              </a:rPr>
+              <a:t>기본 화면</a:t>
+            </a:r>
+            <a:endParaRPr lang="en-US" altLang="ko-KR" sz="1600" dirty="0">
+              <a:solidFill>
+                <a:prstClr val="white">
+                  <a:lumMod val="50000"/>
+                </a:prstClr>
+              </a:solidFill>
+            </a:endParaRPr>
+          </a:p>
+        </p:txBody>
+      </p:sp>
+      <p:sp>
+        <p:nvSpPr>
+          <p:cNvPr id="43" name="직사각형 42">
+            <a:extLst>
+              <a:ext uri="{FF2B5EF4-FFF2-40B4-BE49-F238E27FC236}">
+                <a16:creationId xmlns="" xmlns:a16="http://schemas.microsoft.com/office/drawing/2014/main" id="{32B56811-2E7B-4FBF-99CB-4CECF20A9AC0}"/>
+              </a:ext>
+            </a:extLst>
+          </p:cNvPr>
+          <p:cNvSpPr/>
+          <p:nvPr/>
+        </p:nvSpPr>
+        <p:spPr>
+          <a:xfrm>
+            <a:off x="0" y="472736"/>
+            <a:ext cx="45719" cy="648000"/>
+          </a:xfrm>
+          <a:prstGeom prst="rect">
+            <a:avLst/>
+          </a:prstGeom>
+          <a:solidFill>
+            <a:srgbClr val="FF9900"/>
+          </a:solidFill>
+          <a:ln>
+            <a:noFill/>
+          </a:ln>
+        </p:spPr>
+        <p:style>
+          <a:lnRef idx="2">
+            <a:schemeClr val="accent1">
+              <a:shade val="50000"/>
+            </a:schemeClr>
+          </a:lnRef>
+          <a:fillRef idx="1">
+            <a:schemeClr val="accent1"/>
+          </a:fillRef>
+          <a:effectRef idx="0">
+            <a:schemeClr val="accent1"/>
+          </a:effectRef>
+          <a:fontRef idx="minor">
+            <a:schemeClr val="lt1"/>
+          </a:fontRef>
+        </p:style>
+        <p:txBody>
+          <a:bodyPr rtlCol="0" anchor="ctr"/>
+          <a:lstStyle/>
+          <a:p>
+            <a:pPr algn="ctr">
+              <a:defRPr/>
+            </a:pPr>
+            <a:endParaRPr lang="ko-KR" altLang="en-US">
+              <a:solidFill>
+                <a:prstClr val="white"/>
+              </a:solidFill>
+            </a:endParaRPr>
+          </a:p>
+        </p:txBody>
+      </p:sp>
+      <p:sp>
+        <p:nvSpPr>
+          <p:cNvPr id="2" name="슬라이드 번호 개체 틀 1"/>
+          <p:cNvSpPr>
+            <a:spLocks noGrp="1"/>
+          </p:cNvSpPr>
+          <p:nvPr>
+            <p:ph type="sldNum" sz="quarter" idx="12"/>
+          </p:nvPr>
+        </p:nvSpPr>
+        <p:spPr/>
+        <p:txBody>
+          <a:bodyPr/>
+          <a:lstStyle/>
+          <a:p>
+            <a:fld id="{5D878A70-FB77-4F9B-8311-4FBED7F04F1E}" type="slidenum">
+              <a:rPr lang="ko-KR" altLang="en-US" sz="1600" smtClean="0">
+                <a:solidFill>
+                  <a:prstClr val="black">
+                    <a:tint val="75000"/>
+                  </a:prstClr>
+                </a:solidFill>
+              </a:rPr>
+              <a:pPr/>
+              <a:t>12</a:t>
+            </a:fld>
+            <a:endParaRPr lang="ko-KR" altLang="en-US" sz="1600" dirty="0">
+              <a:solidFill>
+                <a:prstClr val="black">
+                  <a:tint val="75000"/>
+                </a:prstClr>
+              </a:solidFill>
+            </a:endParaRPr>
+          </a:p>
+        </p:txBody>
+      </p:sp>
+      <p:pic>
+        <p:nvPicPr>
+          <p:cNvPr id="5" name="그림 4"/>
+          <p:cNvPicPr>
+            <a:picLocks noChangeAspect="1"/>
+          </p:cNvPicPr>
+          <p:nvPr/>
+        </p:nvPicPr>
+        <p:blipFill>
+          <a:blip r:embed="rId2" cstate="print">
+            <a:extLst>
+              <a:ext uri="{28A0092B-C50C-407E-A947-70E740481C1C}">
+                <a14:useLocalDpi xmlns:a14="http://schemas.microsoft.com/office/drawing/2010/main" val="0"/>
+              </a:ext>
+            </a:extLst>
+          </a:blip>
+          <a:stretch>
+            <a:fillRect/>
+          </a:stretch>
+        </p:blipFill>
+        <p:spPr>
+          <a:xfrm>
+            <a:off x="491492" y="1332345"/>
+            <a:ext cx="2404740" cy="1352666"/>
+          </a:xfrm>
+          <a:prstGeom prst="rect">
+            <a:avLst/>
+          </a:prstGeom>
+        </p:spPr>
+      </p:pic>
+      <p:sp>
+        <p:nvSpPr>
+          <p:cNvPr id="10" name="직사각형 9"/>
+          <p:cNvSpPr/>
+          <p:nvPr/>
+        </p:nvSpPr>
+        <p:spPr>
+          <a:xfrm>
+            <a:off x="1280324" y="2542834"/>
+            <a:ext cx="827075" cy="145472"/>
+          </a:xfrm>
+          <a:prstGeom prst="rect">
+            <a:avLst/>
+          </a:prstGeom>
+          <a:noFill/>
+          <a:ln>
+            <a:solidFill>
+              <a:srgbClr val="FF0000"/>
+            </a:solidFill>
+            <a:prstDash val="dash"/>
+          </a:ln>
+        </p:spPr>
+        <p:style>
+          <a:lnRef idx="2">
+            <a:schemeClr val="accent1">
+              <a:shade val="50000"/>
+            </a:schemeClr>
+          </a:lnRef>
+          <a:fillRef idx="1">
+            <a:schemeClr val="accent1"/>
+          </a:fillRef>
+          <a:effectRef idx="0">
+            <a:schemeClr val="accent1"/>
+          </a:effectRef>
+          <a:fontRef idx="minor">
+            <a:schemeClr val="lt1"/>
+          </a:fontRef>
+        </p:style>
+        <p:txBody>
+          <a:bodyPr rtlCol="0" anchor="ctr"/>
+          <a:lstStyle/>
+          <a:p>
+            <a:pPr algn="ctr"/>
+            <a:endParaRPr lang="ko-KR" altLang="en-US"/>
+          </a:p>
+        </p:txBody>
+      </p:sp>
+      <p:sp>
+        <p:nvSpPr>
+          <p:cNvPr id="13" name="직사각형 12">
+            <a:extLst>
+              <a:ext uri="{FF2B5EF4-FFF2-40B4-BE49-F238E27FC236}">
+                <a16:creationId xmlns="" xmlns:a16="http://schemas.microsoft.com/office/drawing/2014/main" id="{24EDB60A-88EE-4624-924F-1D4B6948100C}"/>
+              </a:ext>
+            </a:extLst>
+          </p:cNvPr>
+          <p:cNvSpPr/>
+          <p:nvPr/>
+        </p:nvSpPr>
+        <p:spPr>
+          <a:xfrm>
+            <a:off x="2371327" y="544106"/>
+            <a:ext cx="2894736" cy="461665"/>
+          </a:xfrm>
+          <a:prstGeom prst="rect">
+            <a:avLst/>
+          </a:prstGeom>
+          <a:noFill/>
+        </p:spPr>
+        <p:txBody>
+          <a:bodyPr wrap="square">
+            <a:spAutoFit/>
+          </a:bodyPr>
+          <a:lstStyle/>
+          <a:p>
+            <a:pPr latinLnBrk="0">
+              <a:lnSpc>
+                <a:spcPct val="150000"/>
+              </a:lnSpc>
+              <a:defRPr/>
+            </a:pPr>
+            <a:r>
+              <a:rPr lang="en-US" altLang="ko-KR" sz="1600" kern="0" dirty="0">
+                <a:solidFill>
+                  <a:prstClr val="white"/>
+                </a:solidFill>
+              </a:rPr>
+              <a:t>4</a:t>
+            </a:r>
+            <a:r>
+              <a:rPr lang="en-US" altLang="ko-KR" sz="1600" kern="0" dirty="0" smtClean="0">
+                <a:solidFill>
+                  <a:prstClr val="white"/>
+                </a:solidFill>
+              </a:rPr>
+              <a:t>) </a:t>
+            </a:r>
+            <a:r>
+              <a:rPr lang="ko-KR" altLang="en-US" sz="1600" kern="0" dirty="0" err="1" smtClean="0">
+                <a:solidFill>
+                  <a:prstClr val="white"/>
+                </a:solidFill>
+              </a:rPr>
+              <a:t>스테이터스</a:t>
+            </a:r>
+            <a:r>
+              <a:rPr lang="ko-KR" altLang="en-US" sz="1600" kern="0" dirty="0" smtClean="0">
+                <a:solidFill>
+                  <a:prstClr val="white"/>
+                </a:solidFill>
+              </a:rPr>
+              <a:t> </a:t>
+            </a:r>
+            <a:r>
+              <a:rPr lang="en-US" altLang="ko-KR" sz="1400" kern="0" dirty="0" smtClean="0">
+                <a:solidFill>
+                  <a:prstClr val="white"/>
+                </a:solidFill>
+              </a:rPr>
+              <a:t>(</a:t>
+            </a:r>
+            <a:r>
+              <a:rPr lang="ko-KR" altLang="en-US" sz="1400" kern="0" dirty="0" err="1" smtClean="0">
+                <a:solidFill>
+                  <a:prstClr val="white"/>
+                </a:solidFill>
+              </a:rPr>
+              <a:t>부스팅</a:t>
+            </a:r>
+            <a:r>
+              <a:rPr lang="ko-KR" altLang="en-US" sz="1400" kern="0" dirty="0" smtClean="0">
+                <a:solidFill>
+                  <a:prstClr val="white"/>
+                </a:solidFill>
+              </a:rPr>
+              <a:t> 게이지</a:t>
+            </a:r>
+            <a:r>
+              <a:rPr lang="en-US" altLang="ko-KR" sz="1400" kern="0" dirty="0" smtClean="0">
+                <a:solidFill>
+                  <a:prstClr val="white"/>
+                </a:solidFill>
+              </a:rPr>
+              <a:t>)</a:t>
+            </a:r>
+            <a:endParaRPr lang="ko-KR" altLang="en-US" sz="8000" kern="0" dirty="0">
+              <a:solidFill>
+                <a:prstClr val="white"/>
+              </a:solidFill>
+            </a:endParaRPr>
+          </a:p>
+        </p:txBody>
+      </p:sp>
+      <p:cxnSp>
+        <p:nvCxnSpPr>
+          <p:cNvPr id="15" name="직선 화살표 연결선 14"/>
+          <p:cNvCxnSpPr/>
+          <p:nvPr/>
+        </p:nvCxnSpPr>
+        <p:spPr>
+          <a:xfrm>
+            <a:off x="2051732" y="2615570"/>
+            <a:ext cx="1195488" cy="873109"/>
+          </a:xfrm>
+          <a:prstGeom prst="straightConnector1">
+            <a:avLst/>
+          </a:prstGeom>
+          <a:ln w="28575">
+            <a:solidFill>
+              <a:srgbClr val="FF0000"/>
+            </a:solidFill>
+            <a:tailEnd type="triangle"/>
+          </a:ln>
+        </p:spPr>
+        <p:style>
+          <a:lnRef idx="1">
+            <a:schemeClr val="accent1"/>
+          </a:lnRef>
+          <a:fillRef idx="0">
+            <a:schemeClr val="accent1"/>
+          </a:fillRef>
+          <a:effectRef idx="0">
+            <a:schemeClr val="accent1"/>
+          </a:effectRef>
+          <a:fontRef idx="minor">
+            <a:schemeClr val="tx1"/>
+          </a:fontRef>
+        </p:style>
+      </p:cxnSp>
+      <p:sp>
+        <p:nvSpPr>
+          <p:cNvPr id="24" name="직사각형 23"/>
+          <p:cNvSpPr/>
+          <p:nvPr/>
+        </p:nvSpPr>
+        <p:spPr>
+          <a:xfrm>
+            <a:off x="3051121" y="4847421"/>
+            <a:ext cx="5828474" cy="1454226"/>
+          </a:xfrm>
+          <a:prstGeom prst="rect">
+            <a:avLst/>
+          </a:prstGeom>
+          <a:solidFill>
+            <a:schemeClr val="tx2"/>
+          </a:solidFill>
+          <a:ln>
+            <a:solidFill>
+              <a:schemeClr val="accent5">
+                <a:lumMod val="50000"/>
+              </a:schemeClr>
+            </a:solidFill>
+          </a:ln>
+        </p:spPr>
+        <p:style>
+          <a:lnRef idx="2">
+            <a:schemeClr val="accent1">
+              <a:shade val="50000"/>
+            </a:schemeClr>
+          </a:lnRef>
+          <a:fillRef idx="1">
+            <a:schemeClr val="accent1"/>
+          </a:fillRef>
+          <a:effectRef idx="0">
+            <a:schemeClr val="accent1"/>
+          </a:effectRef>
+          <a:fontRef idx="minor">
+            <a:schemeClr val="lt1"/>
+          </a:fontRef>
+        </p:style>
+        <p:txBody>
+          <a:bodyPr rtlCol="0" anchor="ctr"/>
+          <a:lstStyle/>
+          <a:p>
+            <a:r>
+              <a:rPr lang="ko-KR" altLang="en-US" sz="1200" dirty="0" smtClean="0">
+                <a:solidFill>
+                  <a:schemeClr val="bg1">
+                    <a:lumMod val="85000"/>
+                  </a:schemeClr>
+                </a:solidFill>
+              </a:rPr>
+              <a:t>평상시 </a:t>
+            </a:r>
+            <a:r>
+              <a:rPr lang="en-US" altLang="ko-KR" sz="1200" dirty="0" smtClean="0">
+                <a:solidFill>
+                  <a:schemeClr val="bg1">
+                    <a:lumMod val="85000"/>
+                  </a:schemeClr>
+                </a:solidFill>
+              </a:rPr>
+              <a:t>UI</a:t>
+            </a:r>
+            <a:r>
+              <a:rPr lang="ko-KR" altLang="en-US" sz="1200" dirty="0" smtClean="0">
+                <a:solidFill>
+                  <a:schemeClr val="bg1">
+                    <a:lumMod val="85000"/>
+                  </a:schemeClr>
+                </a:solidFill>
+              </a:rPr>
+              <a:t>를 띄우지 않은 상태에서</a:t>
+            </a:r>
+            <a:r>
+              <a:rPr lang="en-US" altLang="ko-KR" sz="1200" dirty="0" smtClean="0">
+                <a:solidFill>
+                  <a:schemeClr val="bg1">
+                    <a:lumMod val="85000"/>
+                  </a:schemeClr>
+                </a:solidFill>
+              </a:rPr>
+              <a:t>,</a:t>
+            </a:r>
+            <a:r>
+              <a:rPr lang="ko-KR" altLang="en-US" sz="1200" dirty="0" smtClean="0">
+                <a:solidFill>
+                  <a:schemeClr val="bg1">
+                    <a:lumMod val="85000"/>
+                  </a:schemeClr>
+                </a:solidFill>
+              </a:rPr>
+              <a:t> 아이템을 사용하여 </a:t>
+            </a:r>
+            <a:r>
+              <a:rPr lang="ko-KR" altLang="en-US" sz="1200" dirty="0" err="1" smtClean="0">
+                <a:solidFill>
+                  <a:schemeClr val="bg1">
+                    <a:lumMod val="85000"/>
+                  </a:schemeClr>
+                </a:solidFill>
+              </a:rPr>
+              <a:t>부스팅</a:t>
+            </a:r>
+            <a:r>
+              <a:rPr lang="ko-KR" altLang="en-US" sz="1200" dirty="0" smtClean="0">
+                <a:solidFill>
+                  <a:schemeClr val="bg1">
+                    <a:lumMod val="85000"/>
+                  </a:schemeClr>
+                </a:solidFill>
+              </a:rPr>
+              <a:t> 효과가 생길 경우</a:t>
+            </a:r>
+            <a:r>
+              <a:rPr lang="en-US" altLang="ko-KR" sz="1200" dirty="0" smtClean="0">
+                <a:solidFill>
+                  <a:schemeClr val="bg1">
+                    <a:lumMod val="85000"/>
+                  </a:schemeClr>
+                </a:solidFill>
+              </a:rPr>
+              <a:t>, </a:t>
+            </a:r>
+            <a:r>
+              <a:rPr lang="ko-KR" altLang="en-US" sz="1200" dirty="0" smtClean="0">
+                <a:solidFill>
+                  <a:schemeClr val="bg1">
+                    <a:lumMod val="85000"/>
+                  </a:schemeClr>
+                </a:solidFill>
+              </a:rPr>
+              <a:t>그 양만큼 왼쪽부터 황색으로 게이지가 채워진다</a:t>
+            </a:r>
+            <a:r>
+              <a:rPr lang="en-US" altLang="ko-KR" sz="1200" dirty="0" smtClean="0">
+                <a:solidFill>
+                  <a:schemeClr val="bg1">
+                    <a:lumMod val="85000"/>
+                  </a:schemeClr>
+                </a:solidFill>
+              </a:rPr>
+              <a:t>.</a:t>
+            </a:r>
+            <a:r>
+              <a:rPr lang="ko-KR" altLang="en-US" sz="1200" dirty="0" smtClean="0">
+                <a:solidFill>
+                  <a:schemeClr val="bg1">
+                    <a:lumMod val="85000"/>
+                  </a:schemeClr>
+                </a:solidFill>
+              </a:rPr>
+              <a:t> </a:t>
+            </a:r>
+            <a:r>
+              <a:rPr lang="ko-KR" altLang="en-US" sz="1200" dirty="0" smtClean="0">
+                <a:solidFill>
+                  <a:schemeClr val="accent4"/>
+                </a:solidFill>
+              </a:rPr>
+              <a:t>게이지가 채워진 정도를 알기</a:t>
+            </a:r>
+            <a:endParaRPr lang="en-US" altLang="ko-KR" sz="1200" dirty="0" smtClean="0">
+              <a:solidFill>
+                <a:schemeClr val="accent4"/>
+              </a:solidFill>
+            </a:endParaRPr>
+          </a:p>
+          <a:p>
+            <a:r>
+              <a:rPr lang="ko-KR" altLang="en-US" sz="1200" dirty="0" smtClean="0">
+                <a:solidFill>
+                  <a:schemeClr val="accent4"/>
+                </a:solidFill>
+              </a:rPr>
+              <a:t>쉽도록 </a:t>
+            </a:r>
+            <a:r>
+              <a:rPr lang="en-US" altLang="ko-KR" sz="1200" dirty="0" smtClean="0">
+                <a:solidFill>
+                  <a:schemeClr val="bg1">
+                    <a:lumMod val="85000"/>
+                  </a:schemeClr>
+                </a:solidFill>
+              </a:rPr>
+              <a:t>4</a:t>
+            </a:r>
+            <a:r>
+              <a:rPr lang="ko-KR" altLang="en-US" sz="1200" dirty="0" smtClean="0">
+                <a:solidFill>
+                  <a:schemeClr val="bg1">
+                    <a:lumMod val="85000"/>
+                  </a:schemeClr>
+                </a:solidFill>
+              </a:rPr>
+              <a:t>개의 절편으로 나뉘며</a:t>
+            </a:r>
+            <a:r>
+              <a:rPr lang="en-US" altLang="ko-KR" sz="1200" dirty="0">
+                <a:solidFill>
+                  <a:schemeClr val="bg1">
+                    <a:lumMod val="85000"/>
+                  </a:schemeClr>
+                </a:solidFill>
+              </a:rPr>
+              <a:t> </a:t>
+            </a:r>
+            <a:r>
+              <a:rPr lang="ko-KR" altLang="en-US" sz="1200" dirty="0" smtClean="0">
+                <a:solidFill>
+                  <a:schemeClr val="bg1">
+                    <a:lumMod val="85000"/>
+                  </a:schemeClr>
+                </a:solidFill>
+              </a:rPr>
+              <a:t>최대치에서 얼마만큼의 게이지가 채워져 있는지 </a:t>
+            </a:r>
+            <a:endParaRPr lang="en-US" altLang="ko-KR" sz="1200" dirty="0" smtClean="0">
+              <a:solidFill>
+                <a:schemeClr val="bg1">
+                  <a:lumMod val="85000"/>
+                </a:schemeClr>
+              </a:solidFill>
+            </a:endParaRPr>
+          </a:p>
+          <a:p>
+            <a:r>
+              <a:rPr lang="ko-KR" altLang="en-US" sz="1200" dirty="0" smtClean="0">
+                <a:solidFill>
+                  <a:schemeClr val="bg1">
+                    <a:lumMod val="85000"/>
+                  </a:schemeClr>
+                </a:solidFill>
+              </a:rPr>
+              <a:t>시각적으로 표시한다</a:t>
+            </a:r>
+            <a:r>
+              <a:rPr lang="en-US" altLang="ko-KR" sz="1200" dirty="0" smtClean="0">
+                <a:solidFill>
+                  <a:schemeClr val="bg1">
+                    <a:lumMod val="85000"/>
+                  </a:schemeClr>
+                </a:solidFill>
+              </a:rPr>
+              <a:t>. </a:t>
+            </a:r>
+            <a:r>
+              <a:rPr lang="ko-KR" altLang="en-US" sz="1200" dirty="0" smtClean="0">
+                <a:solidFill>
+                  <a:schemeClr val="bg1">
+                    <a:lumMod val="85000"/>
+                  </a:schemeClr>
+                </a:solidFill>
+              </a:rPr>
+              <a:t>시간이 흐르면 게이지가 점점 감소한다</a:t>
+            </a:r>
+            <a:r>
+              <a:rPr lang="en-US" altLang="ko-KR" sz="1200" dirty="0" smtClean="0">
+                <a:solidFill>
+                  <a:schemeClr val="bg1">
+                    <a:lumMod val="85000"/>
+                  </a:schemeClr>
+                </a:solidFill>
+              </a:rPr>
+              <a:t>. </a:t>
+            </a:r>
+          </a:p>
+          <a:p>
+            <a:r>
+              <a:rPr lang="ko-KR" altLang="en-US" sz="1200" dirty="0" smtClean="0">
+                <a:solidFill>
+                  <a:schemeClr val="bg1">
+                    <a:lumMod val="85000"/>
+                  </a:schemeClr>
+                </a:solidFill>
+              </a:rPr>
+              <a:t>플레이어의 체력과 밀접한 연관이 있기 때문에 </a:t>
+            </a:r>
+            <a:r>
+              <a:rPr lang="en-US" altLang="ko-KR" sz="1200" dirty="0" smtClean="0">
+                <a:solidFill>
+                  <a:schemeClr val="bg1">
+                    <a:lumMod val="85000"/>
+                  </a:schemeClr>
+                </a:solidFill>
+              </a:rPr>
+              <a:t>HP </a:t>
+            </a:r>
+            <a:r>
+              <a:rPr lang="ko-KR" altLang="en-US" sz="1200" dirty="0" smtClean="0">
+                <a:solidFill>
+                  <a:schemeClr val="bg1">
+                    <a:lumMod val="85000"/>
+                  </a:schemeClr>
+                </a:solidFill>
+              </a:rPr>
+              <a:t>게이지 바로 위에 두어 </a:t>
+            </a:r>
+            <a:endParaRPr lang="en-US" altLang="ko-KR" sz="1200" dirty="0" smtClean="0">
+              <a:solidFill>
+                <a:schemeClr val="bg1">
+                  <a:lumMod val="85000"/>
+                </a:schemeClr>
+              </a:solidFill>
+            </a:endParaRPr>
+          </a:p>
+          <a:p>
+            <a:r>
+              <a:rPr lang="ko-KR" altLang="en-US" sz="1200" dirty="0" smtClean="0">
+                <a:solidFill>
+                  <a:schemeClr val="accent4"/>
+                </a:solidFill>
+              </a:rPr>
+              <a:t>체력 상황을 한꺼번에 볼 수 있도록 배치한다</a:t>
+            </a:r>
+            <a:r>
+              <a:rPr lang="en-US" altLang="ko-KR" sz="1200" dirty="0" smtClean="0">
+                <a:solidFill>
+                  <a:schemeClr val="accent4"/>
+                </a:solidFill>
+              </a:rPr>
+              <a:t>.</a:t>
+            </a:r>
+          </a:p>
+        </p:txBody>
+      </p:sp>
+      <p:pic>
+        <p:nvPicPr>
+          <p:cNvPr id="2051" name="Picture 3"/>
+          <p:cNvPicPr>
+            <a:picLocks noChangeAspect="1" noChangeArrowheads="1"/>
+          </p:cNvPicPr>
+          <p:nvPr/>
+        </p:nvPicPr>
+        <p:blipFill>
+          <a:blip r:embed="rId3">
+            <a:extLst>
+              <a:ext uri="{28A0092B-C50C-407E-A947-70E740481C1C}">
+                <a14:useLocalDpi xmlns:a14="http://schemas.microsoft.com/office/drawing/2010/main" val="0"/>
+              </a:ext>
+            </a:extLst>
+          </a:blip>
+          <a:srcRect/>
+          <a:stretch>
+            <a:fillRect/>
+          </a:stretch>
+        </p:blipFill>
+        <p:spPr bwMode="auto">
+          <a:xfrm>
+            <a:off x="4414878" y="2910777"/>
+            <a:ext cx="2209800" cy="142875"/>
+          </a:xfrm>
+          <a:prstGeom prst="rect">
+            <a:avLst/>
+          </a:prstGeom>
+          <a:noFill/>
+          <a:ln>
+            <a:noFill/>
+          </a:ln>
+          <a:effectLst/>
+          <a:extLst>
+            <a:ext uri="{909E8E84-426E-40DD-AFC4-6F175D3DCCD1}">
+              <a14:hiddenFill xmlns:a14="http://schemas.microsoft.com/office/drawing/2010/main">
+                <a:solidFill>
+                  <a:schemeClr val="accent1"/>
+                </a:solidFill>
+              </a14:hiddenFill>
+            </a:ext>
+            <a:ext uri="{91240B29-F687-4F45-9708-019B960494DF}">
+              <a14:hiddenLine xmlns:a14="http://schemas.microsoft.com/office/drawing/2010/main" w="9525">
+                <a:solidFill>
+                  <a:schemeClr val="tx1"/>
+                </a:solidFill>
+                <a:miter lim="800000"/>
+                <a:headEnd/>
+                <a:tailEnd/>
+              </a14:hiddenLine>
+            </a:ext>
+            <a:ext uri="{AF507438-7753-43E0-B8FC-AC1667EBCBE1}">
+              <a14:hiddenEffects xmlns:a14="http://schemas.microsoft.com/office/drawing/2010/main">
+                <a:effectLst>
+                  <a:outerShdw dist="35921" dir="2700000" algn="ctr" rotWithShape="0">
+                    <a:schemeClr val="bg2"/>
+                  </a:outerShdw>
+                </a:effectLst>
+              </a14:hiddenEffects>
+            </a:ext>
+          </a:extLst>
+        </p:spPr>
+      </p:pic>
+      <p:pic>
+        <p:nvPicPr>
+          <p:cNvPr id="2053" name="Picture 5"/>
+          <p:cNvPicPr>
+            <a:picLocks noChangeAspect="1" noChangeArrowheads="1"/>
+          </p:cNvPicPr>
+          <p:nvPr/>
+        </p:nvPicPr>
+        <p:blipFill>
+          <a:blip r:embed="rId4">
+            <a:extLst>
+              <a:ext uri="{28A0092B-C50C-407E-A947-70E740481C1C}">
+                <a14:useLocalDpi xmlns:a14="http://schemas.microsoft.com/office/drawing/2010/main" val="0"/>
+              </a:ext>
+            </a:extLst>
+          </a:blip>
+          <a:srcRect/>
+          <a:stretch>
+            <a:fillRect/>
+          </a:stretch>
+        </p:blipFill>
+        <p:spPr bwMode="auto">
+          <a:xfrm>
+            <a:off x="4414877" y="3171789"/>
+            <a:ext cx="2200275" cy="142875"/>
+          </a:xfrm>
+          <a:prstGeom prst="rect">
+            <a:avLst/>
+          </a:prstGeom>
+          <a:noFill/>
+          <a:ln>
+            <a:noFill/>
+          </a:ln>
+          <a:effectLst/>
+          <a:extLst>
+            <a:ext uri="{909E8E84-426E-40DD-AFC4-6F175D3DCCD1}">
+              <a14:hiddenFill xmlns:a14="http://schemas.microsoft.com/office/drawing/2010/main">
+                <a:solidFill>
+                  <a:schemeClr val="accent1"/>
+                </a:solidFill>
+              </a14:hiddenFill>
+            </a:ext>
+            <a:ext uri="{91240B29-F687-4F45-9708-019B960494DF}">
+              <a14:hiddenLine xmlns:a14="http://schemas.microsoft.com/office/drawing/2010/main" w="9525">
+                <a:solidFill>
+                  <a:schemeClr val="tx1"/>
+                </a:solidFill>
+                <a:miter lim="800000"/>
+                <a:headEnd/>
+                <a:tailEnd/>
+              </a14:hiddenLine>
+            </a:ext>
+            <a:ext uri="{AF507438-7753-43E0-B8FC-AC1667EBCBE1}">
+              <a14:hiddenEffects xmlns:a14="http://schemas.microsoft.com/office/drawing/2010/main">
+                <a:effectLst>
+                  <a:outerShdw dist="35921" dir="2700000" algn="ctr" rotWithShape="0">
+                    <a:schemeClr val="bg2"/>
+                  </a:outerShdw>
+                </a:effectLst>
+              </a14:hiddenEffects>
+            </a:ext>
+          </a:extLst>
+        </p:spPr>
+      </p:pic>
+      <p:pic>
+        <p:nvPicPr>
+          <p:cNvPr id="2055" name="Picture 7"/>
+          <p:cNvPicPr>
+            <a:picLocks noChangeAspect="1" noChangeArrowheads="1"/>
+          </p:cNvPicPr>
+          <p:nvPr/>
+        </p:nvPicPr>
+        <p:blipFill>
+          <a:blip r:embed="rId5">
+            <a:extLst>
+              <a:ext uri="{28A0092B-C50C-407E-A947-70E740481C1C}">
+                <a14:useLocalDpi xmlns:a14="http://schemas.microsoft.com/office/drawing/2010/main" val="0"/>
+              </a:ext>
+            </a:extLst>
+          </a:blip>
+          <a:srcRect/>
+          <a:stretch>
+            <a:fillRect/>
+          </a:stretch>
+        </p:blipFill>
+        <p:spPr bwMode="auto">
+          <a:xfrm>
+            <a:off x="4414878" y="2685011"/>
+            <a:ext cx="2200275" cy="133350"/>
+          </a:xfrm>
+          <a:prstGeom prst="rect">
+            <a:avLst/>
+          </a:prstGeom>
+          <a:noFill/>
+          <a:ln>
+            <a:noFill/>
+          </a:ln>
+          <a:effectLst/>
+          <a:extLst>
+            <a:ext uri="{909E8E84-426E-40DD-AFC4-6F175D3DCCD1}">
+              <a14:hiddenFill xmlns:a14="http://schemas.microsoft.com/office/drawing/2010/main">
+                <a:solidFill>
+                  <a:schemeClr val="accent1"/>
+                </a:solidFill>
+              </a14:hiddenFill>
+            </a:ext>
+            <a:ext uri="{91240B29-F687-4F45-9708-019B960494DF}">
+              <a14:hiddenLine xmlns:a14="http://schemas.microsoft.com/office/drawing/2010/main" w="9525">
+                <a:solidFill>
+                  <a:schemeClr val="tx1"/>
+                </a:solidFill>
+                <a:miter lim="800000"/>
+                <a:headEnd/>
+                <a:tailEnd/>
+              </a14:hiddenLine>
+            </a:ext>
+            <a:ext uri="{AF507438-7753-43E0-B8FC-AC1667EBCBE1}">
+              <a14:hiddenEffects xmlns:a14="http://schemas.microsoft.com/office/drawing/2010/main">
+                <a:effectLst>
+                  <a:outerShdw dist="35921" dir="2700000" algn="ctr" rotWithShape="0">
+                    <a:schemeClr val="bg2"/>
+                  </a:outerShdw>
+                </a:effectLst>
+              </a14:hiddenEffects>
+            </a:ext>
+          </a:extLst>
+        </p:spPr>
+      </p:pic>
+      <p:pic>
+        <p:nvPicPr>
+          <p:cNvPr id="3074" name="Picture 2"/>
+          <p:cNvPicPr>
+            <a:picLocks noChangeAspect="1" noChangeArrowheads="1"/>
+          </p:cNvPicPr>
+          <p:nvPr/>
+        </p:nvPicPr>
+        <p:blipFill>
+          <a:blip r:embed="rId6">
+            <a:extLst>
+              <a:ext uri="{28A0092B-C50C-407E-A947-70E740481C1C}">
+                <a14:useLocalDpi xmlns:a14="http://schemas.microsoft.com/office/drawing/2010/main" val="0"/>
+              </a:ext>
+            </a:extLst>
+          </a:blip>
+          <a:srcRect/>
+          <a:stretch>
+            <a:fillRect/>
+          </a:stretch>
+        </p:blipFill>
+        <p:spPr bwMode="auto">
+          <a:xfrm>
+            <a:off x="2960580" y="3488679"/>
+            <a:ext cx="6118351" cy="638864"/>
+          </a:xfrm>
+          <a:prstGeom prst="rect">
+            <a:avLst/>
+          </a:prstGeom>
+          <a:noFill/>
+          <a:ln>
+            <a:noFill/>
+          </a:ln>
+          <a:effectLst/>
+          <a:extLst>
+            <a:ext uri="{909E8E84-426E-40DD-AFC4-6F175D3DCCD1}">
+              <a14:hiddenFill xmlns:a14="http://schemas.microsoft.com/office/drawing/2010/main">
+                <a:solidFill>
+                  <a:schemeClr val="accent1"/>
+                </a:solidFill>
+              </a14:hiddenFill>
+            </a:ext>
+            <a:ext uri="{91240B29-F687-4F45-9708-019B960494DF}">
+              <a14:hiddenLine xmlns:a14="http://schemas.microsoft.com/office/drawing/2010/main" w="9525">
+                <a:solidFill>
+                  <a:schemeClr val="tx1"/>
+                </a:solidFill>
+                <a:miter lim="800000"/>
+                <a:headEnd/>
+                <a:tailEnd/>
+              </a14:hiddenLine>
+            </a:ext>
+            <a:ext uri="{AF507438-7753-43E0-B8FC-AC1667EBCBE1}">
+              <a14:hiddenEffects xmlns:a14="http://schemas.microsoft.com/office/drawing/2010/main">
+                <a:effectLst>
+                  <a:outerShdw dist="35921" dir="2700000" algn="ctr" rotWithShape="0">
+                    <a:schemeClr val="bg2"/>
+                  </a:outerShdw>
+                </a:effectLst>
+              </a14:hiddenEffects>
+            </a:ext>
+          </a:extLst>
+        </p:spPr>
+      </p:pic>
+      <p:sp>
+        <p:nvSpPr>
+          <p:cNvPr id="22" name="직사각형 21"/>
+          <p:cNvSpPr/>
+          <p:nvPr/>
+        </p:nvSpPr>
+        <p:spPr>
+          <a:xfrm>
+            <a:off x="3196681" y="3790224"/>
+            <a:ext cx="5782066" cy="227207"/>
+          </a:xfrm>
+          <a:prstGeom prst="rect">
+            <a:avLst/>
+          </a:prstGeom>
+          <a:noFill/>
+          <a:ln>
+            <a:solidFill>
+              <a:srgbClr val="FF0000"/>
+            </a:solidFill>
+            <a:prstDash val="dash"/>
+          </a:ln>
+        </p:spPr>
+        <p:style>
+          <a:lnRef idx="2">
+            <a:schemeClr val="accent1">
+              <a:shade val="50000"/>
+            </a:schemeClr>
+          </a:lnRef>
+          <a:fillRef idx="1">
+            <a:schemeClr val="accent1"/>
+          </a:fillRef>
+          <a:effectRef idx="0">
+            <a:schemeClr val="accent1"/>
+          </a:effectRef>
+          <a:fontRef idx="minor">
+            <a:schemeClr val="lt1"/>
+          </a:fontRef>
+        </p:style>
+        <p:txBody>
+          <a:bodyPr rtlCol="0" anchor="ctr"/>
+          <a:lstStyle/>
+          <a:p>
+            <a:pPr algn="ctr"/>
+            <a:endParaRPr lang="ko-KR" altLang="en-US"/>
+          </a:p>
+        </p:txBody>
+      </p:sp>
+      <p:cxnSp>
+        <p:nvCxnSpPr>
+          <p:cNvPr id="30" name="직선 화살표 연결선 29"/>
+          <p:cNvCxnSpPr/>
+          <p:nvPr/>
+        </p:nvCxnSpPr>
+        <p:spPr>
+          <a:xfrm flipV="1">
+            <a:off x="4090063" y="3903827"/>
+            <a:ext cx="0" cy="943596"/>
+          </a:xfrm>
+          <a:prstGeom prst="straightConnector1">
+            <a:avLst/>
+          </a:prstGeom>
+          <a:ln w="28575">
+            <a:solidFill>
+              <a:srgbClr val="FF0000"/>
+            </a:solidFill>
+            <a:prstDash val="dash"/>
+            <a:tailEnd type="triangle"/>
+          </a:ln>
+        </p:spPr>
+        <p:style>
+          <a:lnRef idx="1">
+            <a:schemeClr val="accent1"/>
+          </a:lnRef>
+          <a:fillRef idx="0">
+            <a:schemeClr val="accent1"/>
+          </a:fillRef>
+          <a:effectRef idx="0">
+            <a:schemeClr val="accent1"/>
+          </a:effectRef>
+          <a:fontRef idx="minor">
+            <a:schemeClr val="tx1"/>
+          </a:fontRef>
+        </p:style>
+      </p:cxnSp>
+    </p:spTree>
+    <p:extLst>
+      <p:ext uri="{BB962C8B-B14F-4D97-AF65-F5344CB8AC3E}">
+        <p14:creationId xmlns:p14="http://schemas.microsoft.com/office/powerpoint/2010/main" val="318364867"/>
       </p:ext>
     </p:extLst>
   </p:cSld>
@@ -9989,7 +12653,7 @@
           <p:cNvPr id="3" name="직선 연결선 2">
             <a:extLst>
               <a:ext uri="{FF2B5EF4-FFF2-40B4-BE49-F238E27FC236}">
-                <a16:creationId xmlns:a16="http://schemas.microsoft.com/office/drawing/2014/main" xmlns="" id="{24C98E6B-2B63-475F-837A-7E31088AD69A}"/>
+                <a16:creationId xmlns="" xmlns:a16="http://schemas.microsoft.com/office/drawing/2014/main" id="{24C98E6B-2B63-475F-837A-7E31088AD69A}"/>
               </a:ext>
             </a:extLst>
           </p:cNvPr>
@@ -10032,7 +12696,7 @@
           <p:cNvPr id="22" name="타원 21">
             <a:extLst>
               <a:ext uri="{FF2B5EF4-FFF2-40B4-BE49-F238E27FC236}">
-                <a16:creationId xmlns:a16="http://schemas.microsoft.com/office/drawing/2014/main" xmlns="" id="{D8241E59-0646-41EB-8ED0-090409856B7D}"/>
+                <a16:creationId xmlns="" xmlns:a16="http://schemas.microsoft.com/office/drawing/2014/main" id="{D8241E59-0646-41EB-8ED0-090409856B7D}"/>
               </a:ext>
             </a:extLst>
           </p:cNvPr>
@@ -10100,7 +12764,7 @@
           <p:cNvPr id="26" name="직사각형 25">
             <a:extLst>
               <a:ext uri="{FF2B5EF4-FFF2-40B4-BE49-F238E27FC236}">
-                <a16:creationId xmlns:a16="http://schemas.microsoft.com/office/drawing/2014/main" xmlns="" id="{76B5609D-62AE-4714-BDF8-6284F2967DFB}"/>
+                <a16:creationId xmlns="" xmlns:a16="http://schemas.microsoft.com/office/drawing/2014/main" id="{76B5609D-62AE-4714-BDF8-6284F2967DFB}"/>
               </a:ext>
             </a:extLst>
           </p:cNvPr>
@@ -10148,7 +12812,7 @@
           <p:cNvPr id="40" name="사각형: 둥근 모서리 39">
             <a:extLst>
               <a:ext uri="{FF2B5EF4-FFF2-40B4-BE49-F238E27FC236}">
-                <a16:creationId xmlns:a16="http://schemas.microsoft.com/office/drawing/2014/main" xmlns="" id="{DEB48728-12FA-4B10-82E6-7899DDCA2731}"/>
+                <a16:creationId xmlns="" xmlns:a16="http://schemas.microsoft.com/office/drawing/2014/main" id="{DEB48728-12FA-4B10-82E6-7899DDCA2731}"/>
               </a:ext>
             </a:extLst>
           </p:cNvPr>
@@ -10220,7 +12884,7 @@
           <p:cNvPr id="43" name="직사각형 42">
             <a:extLst>
               <a:ext uri="{FF2B5EF4-FFF2-40B4-BE49-F238E27FC236}">
-                <a16:creationId xmlns:a16="http://schemas.microsoft.com/office/drawing/2014/main" xmlns="" id="{32B56811-2E7B-4FBF-99CB-4CECF20A9AC0}"/>
+                <a16:creationId xmlns="" xmlns:a16="http://schemas.microsoft.com/office/drawing/2014/main" id="{32B56811-2E7B-4FBF-99CB-4CECF20A9AC0}"/>
               </a:ext>
             </a:extLst>
           </p:cNvPr>
@@ -10278,7 +12942,7 @@
           <p:cNvPr id="27" name="타원 26">
             <a:extLst>
               <a:ext uri="{FF2B5EF4-FFF2-40B4-BE49-F238E27FC236}">
-                <a16:creationId xmlns:a16="http://schemas.microsoft.com/office/drawing/2014/main" xmlns="" id="{D8241E59-0646-41EB-8ED0-090409856B7D}"/>
+                <a16:creationId xmlns="" xmlns:a16="http://schemas.microsoft.com/office/drawing/2014/main" id="{D8241E59-0646-41EB-8ED0-090409856B7D}"/>
               </a:ext>
             </a:extLst>
           </p:cNvPr>
@@ -10346,7 +13010,7 @@
           <p:cNvPr id="45" name="직사각형 44">
             <a:extLst>
               <a:ext uri="{FF2B5EF4-FFF2-40B4-BE49-F238E27FC236}">
-                <a16:creationId xmlns:a16="http://schemas.microsoft.com/office/drawing/2014/main" xmlns="" id="{76B5609D-62AE-4714-BDF8-6284F2967DFB}"/>
+                <a16:creationId xmlns="" xmlns:a16="http://schemas.microsoft.com/office/drawing/2014/main" id="{76B5609D-62AE-4714-BDF8-6284F2967DFB}"/>
               </a:ext>
             </a:extLst>
           </p:cNvPr>
@@ -10430,7 +13094,7 @@
           <p:cNvPr id="52" name="직사각형 51">
             <a:extLst>
               <a:ext uri="{FF2B5EF4-FFF2-40B4-BE49-F238E27FC236}">
-                <a16:creationId xmlns:a16="http://schemas.microsoft.com/office/drawing/2014/main" xmlns="" id="{76B5609D-62AE-4714-BDF8-6284F2967DFB}"/>
+                <a16:creationId xmlns="" xmlns:a16="http://schemas.microsoft.com/office/drawing/2014/main" id="{76B5609D-62AE-4714-BDF8-6284F2967DFB}"/>
               </a:ext>
             </a:extLst>
           </p:cNvPr>
@@ -10486,7 +13150,7 @@
           <p:cNvPr id="53" name="직사각형 52">
             <a:extLst>
               <a:ext uri="{FF2B5EF4-FFF2-40B4-BE49-F238E27FC236}">
-                <a16:creationId xmlns:a16="http://schemas.microsoft.com/office/drawing/2014/main" xmlns="" id="{76B5609D-62AE-4714-BDF8-6284F2967DFB}"/>
+                <a16:creationId xmlns="" xmlns:a16="http://schemas.microsoft.com/office/drawing/2014/main" id="{76B5609D-62AE-4714-BDF8-6284F2967DFB}"/>
               </a:ext>
             </a:extLst>
           </p:cNvPr>
@@ -10558,7 +13222,7 @@
           <p:cNvPr id="54" name="직사각형 53">
             <a:extLst>
               <a:ext uri="{FF2B5EF4-FFF2-40B4-BE49-F238E27FC236}">
-                <a16:creationId xmlns:a16="http://schemas.microsoft.com/office/drawing/2014/main" xmlns="" id="{76B5609D-62AE-4714-BDF8-6284F2967DFB}"/>
+                <a16:creationId xmlns="" xmlns:a16="http://schemas.microsoft.com/office/drawing/2014/main" id="{76B5609D-62AE-4714-BDF8-6284F2967DFB}"/>
               </a:ext>
             </a:extLst>
           </p:cNvPr>
@@ -10614,7 +13278,7 @@
           <p:cNvPr id="56" name="직사각형 55">
             <a:extLst>
               <a:ext uri="{FF2B5EF4-FFF2-40B4-BE49-F238E27FC236}">
-                <a16:creationId xmlns:a16="http://schemas.microsoft.com/office/drawing/2014/main" xmlns="" id="{76B5609D-62AE-4714-BDF8-6284F2967DFB}"/>
+                <a16:creationId xmlns="" xmlns:a16="http://schemas.microsoft.com/office/drawing/2014/main" id="{76B5609D-62AE-4714-BDF8-6284F2967DFB}"/>
               </a:ext>
             </a:extLst>
           </p:cNvPr>
@@ -10670,7 +13334,7 @@
           <p:cNvPr id="57" name="직사각형 56">
             <a:extLst>
               <a:ext uri="{FF2B5EF4-FFF2-40B4-BE49-F238E27FC236}">
-                <a16:creationId xmlns:a16="http://schemas.microsoft.com/office/drawing/2014/main" xmlns="" id="{76B5609D-62AE-4714-BDF8-6284F2967DFB}"/>
+                <a16:creationId xmlns="" xmlns:a16="http://schemas.microsoft.com/office/drawing/2014/main" id="{76B5609D-62AE-4714-BDF8-6284F2967DFB}"/>
               </a:ext>
             </a:extLst>
           </p:cNvPr>
@@ -10734,7 +13398,7 @@
           <p:cNvPr id="58" name="직사각형 57">
             <a:extLst>
               <a:ext uri="{FF2B5EF4-FFF2-40B4-BE49-F238E27FC236}">
-                <a16:creationId xmlns:a16="http://schemas.microsoft.com/office/drawing/2014/main" xmlns="" id="{76B5609D-62AE-4714-BDF8-6284F2967DFB}"/>
+                <a16:creationId xmlns="" xmlns:a16="http://schemas.microsoft.com/office/drawing/2014/main" id="{76B5609D-62AE-4714-BDF8-6284F2967DFB}"/>
               </a:ext>
             </a:extLst>
           </p:cNvPr>
@@ -10790,7 +13454,7 @@
           <p:cNvPr id="59" name="직사각형 58">
             <a:extLst>
               <a:ext uri="{FF2B5EF4-FFF2-40B4-BE49-F238E27FC236}">
-                <a16:creationId xmlns:a16="http://schemas.microsoft.com/office/drawing/2014/main" xmlns="" id="{76B5609D-62AE-4714-BDF8-6284F2967DFB}"/>
+                <a16:creationId xmlns="" xmlns:a16="http://schemas.microsoft.com/office/drawing/2014/main" id="{76B5609D-62AE-4714-BDF8-6284F2967DFB}"/>
               </a:ext>
             </a:extLst>
           </p:cNvPr>
@@ -10870,7 +13534,7 @@
           <p:cNvPr id="60" name="직사각형 59">
             <a:extLst>
               <a:ext uri="{FF2B5EF4-FFF2-40B4-BE49-F238E27FC236}">
-                <a16:creationId xmlns:a16="http://schemas.microsoft.com/office/drawing/2014/main" xmlns="" id="{76B5609D-62AE-4714-BDF8-6284F2967DFB}"/>
+                <a16:creationId xmlns="" xmlns:a16="http://schemas.microsoft.com/office/drawing/2014/main" id="{76B5609D-62AE-4714-BDF8-6284F2967DFB}"/>
               </a:ext>
             </a:extLst>
           </p:cNvPr>
@@ -10926,7 +13590,7 @@
           <p:cNvPr id="61" name="직사각형 60">
             <a:extLst>
               <a:ext uri="{FF2B5EF4-FFF2-40B4-BE49-F238E27FC236}">
-                <a16:creationId xmlns:a16="http://schemas.microsoft.com/office/drawing/2014/main" xmlns="" id="{76B5609D-62AE-4714-BDF8-6284F2967DFB}"/>
+                <a16:creationId xmlns="" xmlns:a16="http://schemas.microsoft.com/office/drawing/2014/main" id="{76B5609D-62AE-4714-BDF8-6284F2967DFB}"/>
               </a:ext>
             </a:extLst>
           </p:cNvPr>
@@ -10982,7 +13646,7 @@
           <p:cNvPr id="67" name="직사각형 66">
             <a:extLst>
               <a:ext uri="{FF2B5EF4-FFF2-40B4-BE49-F238E27FC236}">
-                <a16:creationId xmlns:a16="http://schemas.microsoft.com/office/drawing/2014/main" xmlns="" id="{76B5609D-62AE-4714-BDF8-6284F2967DFB}"/>
+                <a16:creationId xmlns="" xmlns:a16="http://schemas.microsoft.com/office/drawing/2014/main" id="{76B5609D-62AE-4714-BDF8-6284F2967DFB}"/>
               </a:ext>
             </a:extLst>
           </p:cNvPr>
@@ -11085,7 +13749,7 @@
           <p:cNvPr id="3" name="직선 연결선 2">
             <a:extLst>
               <a:ext uri="{FF2B5EF4-FFF2-40B4-BE49-F238E27FC236}">
-                <a16:creationId xmlns:a16="http://schemas.microsoft.com/office/drawing/2014/main" xmlns="" id="{24C98E6B-2B63-475F-837A-7E31088AD69A}"/>
+                <a16:creationId xmlns="" xmlns:a16="http://schemas.microsoft.com/office/drawing/2014/main" id="{24C98E6B-2B63-475F-837A-7E31088AD69A}"/>
               </a:ext>
             </a:extLst>
           </p:cNvPr>
@@ -11128,7 +13792,7 @@
           <p:cNvPr id="22" name="타원 21">
             <a:extLst>
               <a:ext uri="{FF2B5EF4-FFF2-40B4-BE49-F238E27FC236}">
-                <a16:creationId xmlns:a16="http://schemas.microsoft.com/office/drawing/2014/main" xmlns="" id="{D8241E59-0646-41EB-8ED0-090409856B7D}"/>
+                <a16:creationId xmlns="" xmlns:a16="http://schemas.microsoft.com/office/drawing/2014/main" id="{D8241E59-0646-41EB-8ED0-090409856B7D}"/>
               </a:ext>
             </a:extLst>
           </p:cNvPr>
@@ -11196,7 +13860,7 @@
           <p:cNvPr id="26" name="직사각형 25">
             <a:extLst>
               <a:ext uri="{FF2B5EF4-FFF2-40B4-BE49-F238E27FC236}">
-                <a16:creationId xmlns:a16="http://schemas.microsoft.com/office/drawing/2014/main" xmlns="" id="{76B5609D-62AE-4714-BDF8-6284F2967DFB}"/>
+                <a16:creationId xmlns="" xmlns:a16="http://schemas.microsoft.com/office/drawing/2014/main" id="{76B5609D-62AE-4714-BDF8-6284F2967DFB}"/>
               </a:ext>
             </a:extLst>
           </p:cNvPr>
@@ -11244,7 +13908,7 @@
           <p:cNvPr id="40" name="사각형: 둥근 모서리 39">
             <a:extLst>
               <a:ext uri="{FF2B5EF4-FFF2-40B4-BE49-F238E27FC236}">
-                <a16:creationId xmlns:a16="http://schemas.microsoft.com/office/drawing/2014/main" xmlns="" id="{DEB48728-12FA-4B10-82E6-7899DDCA2731}"/>
+                <a16:creationId xmlns="" xmlns:a16="http://schemas.microsoft.com/office/drawing/2014/main" id="{DEB48728-12FA-4B10-82E6-7899DDCA2731}"/>
               </a:ext>
             </a:extLst>
           </p:cNvPr>
@@ -11316,7 +13980,7 @@
           <p:cNvPr id="43" name="직사각형 42">
             <a:extLst>
               <a:ext uri="{FF2B5EF4-FFF2-40B4-BE49-F238E27FC236}">
-                <a16:creationId xmlns:a16="http://schemas.microsoft.com/office/drawing/2014/main" xmlns="" id="{32B56811-2E7B-4FBF-99CB-4CECF20A9AC0}"/>
+                <a16:creationId xmlns="" xmlns:a16="http://schemas.microsoft.com/office/drawing/2014/main" id="{32B56811-2E7B-4FBF-99CB-4CECF20A9AC0}"/>
               </a:ext>
             </a:extLst>
           </p:cNvPr>
@@ -11374,7 +14038,7 @@
           <p:cNvPr id="27" name="타원 26">
             <a:extLst>
               <a:ext uri="{FF2B5EF4-FFF2-40B4-BE49-F238E27FC236}">
-                <a16:creationId xmlns:a16="http://schemas.microsoft.com/office/drawing/2014/main" xmlns="" id="{D8241E59-0646-41EB-8ED0-090409856B7D}"/>
+                <a16:creationId xmlns="" xmlns:a16="http://schemas.microsoft.com/office/drawing/2014/main" id="{D8241E59-0646-41EB-8ED0-090409856B7D}"/>
               </a:ext>
             </a:extLst>
           </p:cNvPr>
@@ -11442,7 +14106,7 @@
           <p:cNvPr id="45" name="직사각형 44">
             <a:extLst>
               <a:ext uri="{FF2B5EF4-FFF2-40B4-BE49-F238E27FC236}">
-                <a16:creationId xmlns:a16="http://schemas.microsoft.com/office/drawing/2014/main" xmlns="" id="{76B5609D-62AE-4714-BDF8-6284F2967DFB}"/>
+                <a16:creationId xmlns="" xmlns:a16="http://schemas.microsoft.com/office/drawing/2014/main" id="{76B5609D-62AE-4714-BDF8-6284F2967DFB}"/>
               </a:ext>
             </a:extLst>
           </p:cNvPr>
@@ -11542,7 +14206,7 @@
           <p:cNvPr id="52" name="직사각형 51">
             <a:extLst>
               <a:ext uri="{FF2B5EF4-FFF2-40B4-BE49-F238E27FC236}">
-                <a16:creationId xmlns:a16="http://schemas.microsoft.com/office/drawing/2014/main" xmlns="" id="{76B5609D-62AE-4714-BDF8-6284F2967DFB}"/>
+                <a16:creationId xmlns="" xmlns:a16="http://schemas.microsoft.com/office/drawing/2014/main" id="{76B5609D-62AE-4714-BDF8-6284F2967DFB}"/>
               </a:ext>
             </a:extLst>
           </p:cNvPr>
@@ -11590,7 +14254,7 @@
           <p:cNvPr id="53" name="직사각형 52">
             <a:extLst>
               <a:ext uri="{FF2B5EF4-FFF2-40B4-BE49-F238E27FC236}">
-                <a16:creationId xmlns:a16="http://schemas.microsoft.com/office/drawing/2014/main" xmlns="" id="{76B5609D-62AE-4714-BDF8-6284F2967DFB}"/>
+                <a16:creationId xmlns="" xmlns:a16="http://schemas.microsoft.com/office/drawing/2014/main" id="{76B5609D-62AE-4714-BDF8-6284F2967DFB}"/>
               </a:ext>
             </a:extLst>
           </p:cNvPr>
@@ -11646,7 +14310,7 @@
           <p:cNvPr id="54" name="직사각형 53">
             <a:extLst>
               <a:ext uri="{FF2B5EF4-FFF2-40B4-BE49-F238E27FC236}">
-                <a16:creationId xmlns:a16="http://schemas.microsoft.com/office/drawing/2014/main" xmlns="" id="{76B5609D-62AE-4714-BDF8-6284F2967DFB}"/>
+                <a16:creationId xmlns="" xmlns:a16="http://schemas.microsoft.com/office/drawing/2014/main" id="{76B5609D-62AE-4714-BDF8-6284F2967DFB}"/>
               </a:ext>
             </a:extLst>
           </p:cNvPr>
@@ -11702,7 +14366,7 @@
           <p:cNvPr id="56" name="직사각형 55">
             <a:extLst>
               <a:ext uri="{FF2B5EF4-FFF2-40B4-BE49-F238E27FC236}">
-                <a16:creationId xmlns:a16="http://schemas.microsoft.com/office/drawing/2014/main" xmlns="" id="{76B5609D-62AE-4714-BDF8-6284F2967DFB}"/>
+                <a16:creationId xmlns="" xmlns:a16="http://schemas.microsoft.com/office/drawing/2014/main" id="{76B5609D-62AE-4714-BDF8-6284F2967DFB}"/>
               </a:ext>
             </a:extLst>
           </p:cNvPr>
@@ -11758,7 +14422,7 @@
           <p:cNvPr id="57" name="직사각형 56">
             <a:extLst>
               <a:ext uri="{FF2B5EF4-FFF2-40B4-BE49-F238E27FC236}">
-                <a16:creationId xmlns:a16="http://schemas.microsoft.com/office/drawing/2014/main" xmlns="" id="{76B5609D-62AE-4714-BDF8-6284F2967DFB}"/>
+                <a16:creationId xmlns="" xmlns:a16="http://schemas.microsoft.com/office/drawing/2014/main" id="{76B5609D-62AE-4714-BDF8-6284F2967DFB}"/>
               </a:ext>
             </a:extLst>
           </p:cNvPr>
@@ -11814,7 +14478,7 @@
           <p:cNvPr id="58" name="직사각형 57">
             <a:extLst>
               <a:ext uri="{FF2B5EF4-FFF2-40B4-BE49-F238E27FC236}">
-                <a16:creationId xmlns:a16="http://schemas.microsoft.com/office/drawing/2014/main" xmlns="" id="{76B5609D-62AE-4714-BDF8-6284F2967DFB}"/>
+                <a16:creationId xmlns="" xmlns:a16="http://schemas.microsoft.com/office/drawing/2014/main" id="{76B5609D-62AE-4714-BDF8-6284F2967DFB}"/>
               </a:ext>
             </a:extLst>
           </p:cNvPr>
@@ -11870,7 +14534,7 @@
           <p:cNvPr id="60" name="직사각형 59">
             <a:extLst>
               <a:ext uri="{FF2B5EF4-FFF2-40B4-BE49-F238E27FC236}">
-                <a16:creationId xmlns:a16="http://schemas.microsoft.com/office/drawing/2014/main" xmlns="" id="{76B5609D-62AE-4714-BDF8-6284F2967DFB}"/>
+                <a16:creationId xmlns="" xmlns:a16="http://schemas.microsoft.com/office/drawing/2014/main" id="{76B5609D-62AE-4714-BDF8-6284F2967DFB}"/>
               </a:ext>
             </a:extLst>
           </p:cNvPr>
@@ -11926,7 +14590,7 @@
           <p:cNvPr id="61" name="직사각형 60">
             <a:extLst>
               <a:ext uri="{FF2B5EF4-FFF2-40B4-BE49-F238E27FC236}">
-                <a16:creationId xmlns:a16="http://schemas.microsoft.com/office/drawing/2014/main" xmlns="" id="{76B5609D-62AE-4714-BDF8-6284F2967DFB}"/>
+                <a16:creationId xmlns="" xmlns:a16="http://schemas.microsoft.com/office/drawing/2014/main" id="{76B5609D-62AE-4714-BDF8-6284F2967DFB}"/>
               </a:ext>
             </a:extLst>
           </p:cNvPr>
@@ -11982,7 +14646,7 @@
           <p:cNvPr id="25" name="직사각형 24">
             <a:extLst>
               <a:ext uri="{FF2B5EF4-FFF2-40B4-BE49-F238E27FC236}">
-                <a16:creationId xmlns:a16="http://schemas.microsoft.com/office/drawing/2014/main" xmlns="" id="{76B5609D-62AE-4714-BDF8-6284F2967DFB}"/>
+                <a16:creationId xmlns="" xmlns:a16="http://schemas.microsoft.com/office/drawing/2014/main" id="{76B5609D-62AE-4714-BDF8-6284F2967DFB}"/>
               </a:ext>
             </a:extLst>
           </p:cNvPr>
@@ -12085,7 +14749,7 @@
           <p:cNvPr id="40" name="사각형: 둥근 모서리 39">
             <a:extLst>
               <a:ext uri="{FF2B5EF4-FFF2-40B4-BE49-F238E27FC236}">
-                <a16:creationId xmlns:a16="http://schemas.microsoft.com/office/drawing/2014/main" xmlns="" id="{DEB48728-12FA-4B10-82E6-7899DDCA2731}"/>
+                <a16:creationId xmlns="" xmlns:a16="http://schemas.microsoft.com/office/drawing/2014/main" id="{DEB48728-12FA-4B10-82E6-7899DDCA2731}"/>
               </a:ext>
             </a:extLst>
           </p:cNvPr>
@@ -12157,7 +14821,7 @@
           <p:cNvPr id="43" name="직사각형 42">
             <a:extLst>
               <a:ext uri="{FF2B5EF4-FFF2-40B4-BE49-F238E27FC236}">
-                <a16:creationId xmlns:a16="http://schemas.microsoft.com/office/drawing/2014/main" xmlns="" id="{32B56811-2E7B-4FBF-99CB-4CECF20A9AC0}"/>
+                <a16:creationId xmlns="" xmlns:a16="http://schemas.microsoft.com/office/drawing/2014/main" id="{32B56811-2E7B-4FBF-99CB-4CECF20A9AC0}"/>
               </a:ext>
             </a:extLst>
           </p:cNvPr>
@@ -12328,7 +14992,7 @@
           <p:cNvPr id="40" name="사각형: 둥근 모서리 39">
             <a:extLst>
               <a:ext uri="{FF2B5EF4-FFF2-40B4-BE49-F238E27FC236}">
-                <a16:creationId xmlns:a16="http://schemas.microsoft.com/office/drawing/2014/main" xmlns="" id="{DEB48728-12FA-4B10-82E6-7899DDCA2731}"/>
+                <a16:creationId xmlns="" xmlns:a16="http://schemas.microsoft.com/office/drawing/2014/main" id="{DEB48728-12FA-4B10-82E6-7899DDCA2731}"/>
               </a:ext>
             </a:extLst>
           </p:cNvPr>
@@ -12400,7 +15064,7 @@
           <p:cNvPr id="43" name="직사각형 42">
             <a:extLst>
               <a:ext uri="{FF2B5EF4-FFF2-40B4-BE49-F238E27FC236}">
-                <a16:creationId xmlns:a16="http://schemas.microsoft.com/office/drawing/2014/main" xmlns="" id="{32B56811-2E7B-4FBF-99CB-4CECF20A9AC0}"/>
+                <a16:creationId xmlns="" xmlns:a16="http://schemas.microsoft.com/office/drawing/2014/main" id="{32B56811-2E7B-4FBF-99CB-4CECF20A9AC0}"/>
               </a:ext>
             </a:extLst>
           </p:cNvPr>
@@ -12904,7 +15568,7 @@
           <p:cNvPr id="15" name="직사각형 14">
             <a:extLst>
               <a:ext uri="{FF2B5EF4-FFF2-40B4-BE49-F238E27FC236}">
-                <a16:creationId xmlns:a16="http://schemas.microsoft.com/office/drawing/2014/main" xmlns="" id="{76B5609D-62AE-4714-BDF8-6284F2967DFB}"/>
+                <a16:creationId xmlns="" xmlns:a16="http://schemas.microsoft.com/office/drawing/2014/main" id="{76B5609D-62AE-4714-BDF8-6284F2967DFB}"/>
               </a:ext>
             </a:extLst>
           </p:cNvPr>
@@ -13017,7 +15681,7 @@
             <p:cNvPr id="19" name="직사각형 18">
               <a:extLst>
                 <a:ext uri="{FF2B5EF4-FFF2-40B4-BE49-F238E27FC236}">
-                  <a16:creationId xmlns:a16="http://schemas.microsoft.com/office/drawing/2014/main" xmlns="" id="{76B5609D-62AE-4714-BDF8-6284F2967DFB}"/>
+                  <a16:creationId xmlns="" xmlns:a16="http://schemas.microsoft.com/office/drawing/2014/main" id="{76B5609D-62AE-4714-BDF8-6284F2967DFB}"/>
                 </a:ext>
               </a:extLst>
             </p:cNvPr>
@@ -13126,7 +15790,7 @@
             <p:cNvPr id="22" name="직사각형 21">
               <a:extLst>
                 <a:ext uri="{FF2B5EF4-FFF2-40B4-BE49-F238E27FC236}">
-                  <a16:creationId xmlns:a16="http://schemas.microsoft.com/office/drawing/2014/main" xmlns="" id="{76B5609D-62AE-4714-BDF8-6284F2967DFB}"/>
+                  <a16:creationId xmlns="" xmlns:a16="http://schemas.microsoft.com/office/drawing/2014/main" id="{76B5609D-62AE-4714-BDF8-6284F2967DFB}"/>
                 </a:ext>
               </a:extLst>
             </p:cNvPr>
@@ -13226,7 +15890,7 @@
           <p:cNvPr id="31" name="직사각형 30">
             <a:extLst>
               <a:ext uri="{FF2B5EF4-FFF2-40B4-BE49-F238E27FC236}">
-                <a16:creationId xmlns:a16="http://schemas.microsoft.com/office/drawing/2014/main" xmlns="" id="{76B5609D-62AE-4714-BDF8-6284F2967DFB}"/>
+                <a16:creationId xmlns="" xmlns:a16="http://schemas.microsoft.com/office/drawing/2014/main" id="{76B5609D-62AE-4714-BDF8-6284F2967DFB}"/>
               </a:ext>
             </a:extLst>
           </p:cNvPr>
@@ -13325,7 +15989,7 @@
           <p:cNvPr id="32" name="직사각형 31">
             <a:extLst>
               <a:ext uri="{FF2B5EF4-FFF2-40B4-BE49-F238E27FC236}">
-                <a16:creationId xmlns:a16="http://schemas.microsoft.com/office/drawing/2014/main" xmlns="" id="{76B5609D-62AE-4714-BDF8-6284F2967DFB}"/>
+                <a16:creationId xmlns="" xmlns:a16="http://schemas.microsoft.com/office/drawing/2014/main" id="{76B5609D-62AE-4714-BDF8-6284F2967DFB}"/>
               </a:ext>
             </a:extLst>
           </p:cNvPr>
@@ -13438,7 +16102,7 @@
             <p:cNvPr id="36" name="직사각형 35">
               <a:extLst>
                 <a:ext uri="{FF2B5EF4-FFF2-40B4-BE49-F238E27FC236}">
-                  <a16:creationId xmlns:a16="http://schemas.microsoft.com/office/drawing/2014/main" xmlns="" id="{76B5609D-62AE-4714-BDF8-6284F2967DFB}"/>
+                  <a16:creationId xmlns="" xmlns:a16="http://schemas.microsoft.com/office/drawing/2014/main" id="{76B5609D-62AE-4714-BDF8-6284F2967DFB}"/>
                 </a:ext>
               </a:extLst>
             </p:cNvPr>
@@ -13533,7 +16197,7 @@
           <p:cNvPr id="42" name="직사각형 41">
             <a:extLst>
               <a:ext uri="{FF2B5EF4-FFF2-40B4-BE49-F238E27FC236}">
-                <a16:creationId xmlns:a16="http://schemas.microsoft.com/office/drawing/2014/main" xmlns="" id="{76B5609D-62AE-4714-BDF8-6284F2967DFB}"/>
+                <a16:creationId xmlns="" xmlns:a16="http://schemas.microsoft.com/office/drawing/2014/main" id="{76B5609D-62AE-4714-BDF8-6284F2967DFB}"/>
               </a:ext>
             </a:extLst>
           </p:cNvPr>
@@ -13623,7 +16287,7 @@
           <p:cNvPr id="40" name="사각형: 둥근 모서리 39">
             <a:extLst>
               <a:ext uri="{FF2B5EF4-FFF2-40B4-BE49-F238E27FC236}">
-                <a16:creationId xmlns:a16="http://schemas.microsoft.com/office/drawing/2014/main" xmlns="" id="{DEB48728-12FA-4B10-82E6-7899DDCA2731}"/>
+                <a16:creationId xmlns="" xmlns:a16="http://schemas.microsoft.com/office/drawing/2014/main" id="{DEB48728-12FA-4B10-82E6-7899DDCA2731}"/>
               </a:ext>
             </a:extLst>
           </p:cNvPr>
@@ -13695,7 +16359,7 @@
           <p:cNvPr id="43" name="직사각형 42">
             <a:extLst>
               <a:ext uri="{FF2B5EF4-FFF2-40B4-BE49-F238E27FC236}">
-                <a16:creationId xmlns:a16="http://schemas.microsoft.com/office/drawing/2014/main" xmlns="" id="{32B56811-2E7B-4FBF-99CB-4CECF20A9AC0}"/>
+                <a16:creationId xmlns="" xmlns:a16="http://schemas.microsoft.com/office/drawing/2014/main" id="{32B56811-2E7B-4FBF-99CB-4CECF20A9AC0}"/>
               </a:ext>
             </a:extLst>
           </p:cNvPr>
@@ -13866,7 +16530,7 @@
           <p:cNvPr id="13" name="직사각형 12">
             <a:extLst>
               <a:ext uri="{FF2B5EF4-FFF2-40B4-BE49-F238E27FC236}">
-                <a16:creationId xmlns:a16="http://schemas.microsoft.com/office/drawing/2014/main" xmlns="" id="{24EDB60A-88EE-4624-924F-1D4B6948100C}"/>
+                <a16:creationId xmlns="" xmlns:a16="http://schemas.microsoft.com/office/drawing/2014/main" id="{24EDB60A-88EE-4624-924F-1D4B6948100C}"/>
               </a:ext>
             </a:extLst>
           </p:cNvPr>
@@ -14121,15 +16785,7 @@
                   <a:schemeClr val="accent4"/>
                 </a:solidFill>
               </a:rPr>
-              <a:t>중요 </a:t>
-            </a:r>
-            <a:r>
-              <a:rPr lang="ko-KR" altLang="en-US" sz="1200" dirty="0" smtClean="0">
-                <a:solidFill>
-                  <a:schemeClr val="accent4"/>
-                </a:solidFill>
-              </a:rPr>
-              <a:t>목표의 방향을 알 수 있도록 도와준다</a:t>
+              <a:t>중요 목표의 방향을 알 수 있도록 도와준다</a:t>
             </a:r>
             <a:r>
               <a:rPr lang="en-US" altLang="ko-KR" sz="1200" dirty="0" smtClean="0">
@@ -14710,15 +17366,7 @@
                   <a:schemeClr val="accent4"/>
                 </a:solidFill>
               </a:rPr>
-              <a:t>대략적인 정보와 세부적인 정보를 동시에 전달하기 </a:t>
-            </a:r>
-            <a:r>
-              <a:rPr lang="ko-KR" altLang="en-US" sz="1200" dirty="0" smtClean="0">
-                <a:solidFill>
-                  <a:schemeClr val="accent4"/>
-                </a:solidFill>
-              </a:rPr>
-              <a:t>위해서 </a:t>
+              <a:t>대략적인 정보와 세부적인 정보를 동시에 전달하기 위해서 </a:t>
             </a:r>
             <a:r>
               <a:rPr lang="ko-KR" altLang="en-US" sz="1200" dirty="0" smtClean="0">
@@ -14748,147 +17396,127 @@
                   </a:schemeClr>
                 </a:solidFill>
               </a:rPr>
-              <a:t>방위는 </a:t>
-            </a:r>
-            <a:r>
-              <a:rPr lang="ko-KR" altLang="en-US" sz="1200" dirty="0" smtClean="0">
+              <a:t>방위는 더 크고 굵게</a:t>
+            </a:r>
+            <a:r>
+              <a:rPr lang="en-US" altLang="ko-KR" sz="1200" dirty="0">
                 <a:solidFill>
                   <a:schemeClr val="bg1">
                     <a:lumMod val="85000"/>
                   </a:schemeClr>
                 </a:solidFill>
               </a:rPr>
-              <a:t>더 크고 굵게</a:t>
-            </a:r>
-            <a:r>
-              <a:rPr lang="en-US" altLang="ko-KR" sz="1200" dirty="0">
+              <a:t> </a:t>
+            </a:r>
+            <a:r>
+              <a:rPr lang="ko-KR" altLang="en-US" sz="1200" dirty="0" smtClean="0">
                 <a:solidFill>
                   <a:schemeClr val="bg1">
                     <a:lumMod val="85000"/>
                   </a:schemeClr>
                 </a:solidFill>
               </a:rPr>
-              <a:t> </a:t>
-            </a:r>
-            <a:r>
-              <a:rPr lang="ko-KR" altLang="en-US" sz="1200" dirty="0" smtClean="0">
+              <a:t>영어로 표시하고</a:t>
+            </a:r>
+            <a:r>
+              <a:rPr lang="en-US" altLang="ko-KR" sz="1200" dirty="0" smtClean="0">
                 <a:solidFill>
                   <a:schemeClr val="bg1">
                     <a:lumMod val="85000"/>
                   </a:schemeClr>
                 </a:solidFill>
               </a:rPr>
-              <a:t>영어로 표시하고</a:t>
-            </a:r>
-            <a:r>
-              <a:rPr lang="en-US" altLang="ko-KR" sz="1200" dirty="0" smtClean="0">
+              <a:t>, </a:t>
+            </a:r>
+            <a:r>
+              <a:rPr lang="ko-KR" altLang="en-US" sz="1200" dirty="0" smtClean="0">
                 <a:solidFill>
                   <a:schemeClr val="bg1">
                     <a:lumMod val="85000"/>
                   </a:schemeClr>
                 </a:solidFill>
               </a:rPr>
-              <a:t>, </a:t>
-            </a:r>
-            <a:r>
-              <a:rPr lang="ko-KR" altLang="en-US" sz="1200" dirty="0" smtClean="0">
+              <a:t>각</a:t>
+            </a:r>
+            <a:r>
+              <a:rPr lang="en-US" altLang="ko-KR" sz="1200" dirty="0" smtClean="0">
                 <a:solidFill>
                   <a:schemeClr val="bg1">
                     <a:lumMod val="85000"/>
                   </a:schemeClr>
                 </a:solidFill>
               </a:rPr>
-              <a:t>각</a:t>
-            </a:r>
-            <a:r>
-              <a:rPr lang="en-US" altLang="ko-KR" sz="1200" dirty="0" smtClean="0">
+              <a:t> </a:t>
+            </a:r>
+            <a:r>
+              <a:rPr lang="ko-KR" altLang="en-US" sz="1200" dirty="0" smtClean="0">
                 <a:solidFill>
                   <a:schemeClr val="bg1">
                     <a:lumMod val="85000"/>
                   </a:schemeClr>
                 </a:solidFill>
               </a:rPr>
-              <a:t> </a:t>
-            </a:r>
-            <a:r>
-              <a:rPr lang="ko-KR" altLang="en-US" sz="1200" dirty="0" smtClean="0">
+              <a:t>방위 사이를 </a:t>
+            </a:r>
+            <a:r>
+              <a:rPr lang="en-US" altLang="ko-KR" sz="1200" dirty="0" smtClean="0">
                 <a:solidFill>
                   <a:schemeClr val="bg1">
                     <a:lumMod val="85000"/>
                   </a:schemeClr>
                 </a:solidFill>
               </a:rPr>
-              <a:t>방위 사이를 </a:t>
-            </a:r>
-            <a:r>
-              <a:rPr lang="en-US" altLang="ko-KR" sz="1200" dirty="0" smtClean="0">
+              <a:t>15</a:t>
+            </a:r>
+            <a:r>
+              <a:rPr lang="ko-KR" altLang="en-US" sz="1200" dirty="0" smtClean="0">
                 <a:solidFill>
                   <a:schemeClr val="bg1">
                     <a:lumMod val="85000"/>
                   </a:schemeClr>
                 </a:solidFill>
               </a:rPr>
-              <a:t>15</a:t>
-            </a:r>
-            <a:r>
-              <a:rPr lang="ko-KR" altLang="en-US" sz="1200" dirty="0" smtClean="0">
+              <a:t>도 단위로 나눠 숫자를 통해 총 </a:t>
+            </a:r>
+            <a:r>
+              <a:rPr lang="en-US" altLang="ko-KR" sz="1200" dirty="0" smtClean="0">
                 <a:solidFill>
                   <a:schemeClr val="bg1">
                     <a:lumMod val="85000"/>
                   </a:schemeClr>
                 </a:solidFill>
               </a:rPr>
-              <a:t>도 단위로 나눠 숫자를 통해 총 </a:t>
-            </a:r>
-            <a:r>
-              <a:rPr lang="en-US" altLang="ko-KR" sz="1200" dirty="0" smtClean="0">
+              <a:t>360</a:t>
+            </a:r>
+            <a:r>
+              <a:rPr lang="ko-KR" altLang="en-US" sz="1200" dirty="0" smtClean="0">
                 <a:solidFill>
                   <a:schemeClr val="bg1">
                     <a:lumMod val="85000"/>
                   </a:schemeClr>
                 </a:solidFill>
               </a:rPr>
-              <a:t>360</a:t>
-            </a:r>
-            <a:r>
-              <a:rPr lang="ko-KR" altLang="en-US" sz="1200" dirty="0" smtClean="0">
+              <a:t>도까지 표시한다</a:t>
+            </a:r>
+            <a:r>
+              <a:rPr lang="en-US" altLang="ko-KR" sz="1200" dirty="0" smtClean="0">
                 <a:solidFill>
                   <a:schemeClr val="bg1">
                     <a:lumMod val="85000"/>
                   </a:schemeClr>
                 </a:solidFill>
               </a:rPr>
-              <a:t>도까지 표시한다</a:t>
-            </a:r>
-            <a:r>
-              <a:rPr lang="en-US" altLang="ko-KR" sz="1200" dirty="0" smtClean="0">
+              <a:t>. </a:t>
+            </a:r>
+            <a:r>
+              <a:rPr lang="ko-KR" altLang="en-US" sz="1200" dirty="0" smtClean="0">
                 <a:solidFill>
                   <a:schemeClr val="bg1">
                     <a:lumMod val="85000"/>
                   </a:schemeClr>
                 </a:solidFill>
               </a:rPr>
-              <a:t>. </a:t>
-            </a:r>
-            <a:r>
-              <a:rPr lang="ko-KR" altLang="en-US" sz="1200" dirty="0" smtClean="0">
-                <a:solidFill>
-                  <a:schemeClr val="bg1">
-                    <a:lumMod val="85000"/>
-                  </a:schemeClr>
-                </a:solidFill>
-              </a:rPr>
-              <a:t>또한 </a:t>
-            </a:r>
-            <a:r>
-              <a:rPr lang="ko-KR" altLang="en-US" sz="1200" dirty="0" smtClean="0">
-                <a:solidFill>
-                  <a:schemeClr val="bg1">
-                    <a:lumMod val="85000"/>
-                  </a:schemeClr>
-                </a:solidFill>
-              </a:rPr>
-              <a:t>모든 방향표 위에 선분을 그어 정확한 방향을 나타내고 방향표들을 서로 구분 짓는다</a:t>
+              <a:t>또한 모든 방향표 위에 선분을 그어 정확한 방향을 나타내고 방향표들을 서로 구분 짓는다</a:t>
             </a:r>
             <a:r>
               <a:rPr lang="en-US" altLang="ko-KR" sz="1200" dirty="0" smtClean="0">
@@ -15082,7 +17710,7 @@
           <p:cNvPr id="40" name="사각형: 둥근 모서리 39">
             <a:extLst>
               <a:ext uri="{FF2B5EF4-FFF2-40B4-BE49-F238E27FC236}">
-                <a16:creationId xmlns:a16="http://schemas.microsoft.com/office/drawing/2014/main" xmlns="" id="{DEB48728-12FA-4B10-82E6-7899DDCA2731}"/>
+                <a16:creationId xmlns="" xmlns:a16="http://schemas.microsoft.com/office/drawing/2014/main" id="{DEB48728-12FA-4B10-82E6-7899DDCA2731}"/>
               </a:ext>
             </a:extLst>
           </p:cNvPr>
@@ -15154,7 +17782,7 @@
           <p:cNvPr id="43" name="직사각형 42">
             <a:extLst>
               <a:ext uri="{FF2B5EF4-FFF2-40B4-BE49-F238E27FC236}">
-                <a16:creationId xmlns:a16="http://schemas.microsoft.com/office/drawing/2014/main" xmlns="" id="{32B56811-2E7B-4FBF-99CB-4CECF20A9AC0}"/>
+                <a16:creationId xmlns="" xmlns:a16="http://schemas.microsoft.com/office/drawing/2014/main" id="{32B56811-2E7B-4FBF-99CB-4CECF20A9AC0}"/>
               </a:ext>
             </a:extLst>
           </p:cNvPr>
@@ -15325,7 +17953,7 @@
           <p:cNvPr id="13" name="직사각형 12">
             <a:extLst>
               <a:ext uri="{FF2B5EF4-FFF2-40B4-BE49-F238E27FC236}">
-                <a16:creationId xmlns:a16="http://schemas.microsoft.com/office/drawing/2014/main" xmlns="" id="{24EDB60A-88EE-4624-924F-1D4B6948100C}"/>
+                <a16:creationId xmlns="" xmlns:a16="http://schemas.microsoft.com/office/drawing/2014/main" id="{24EDB60A-88EE-4624-924F-1D4B6948100C}"/>
               </a:ext>
             </a:extLst>
           </p:cNvPr>
@@ -15644,15 +18272,7 @@
                   <a:schemeClr val="accent4"/>
                 </a:solidFill>
               </a:rPr>
-              <a:t>사망 </a:t>
-            </a:r>
-            <a:r>
-              <a:rPr lang="ko-KR" altLang="en-US" sz="1200" dirty="0" smtClean="0">
-                <a:solidFill>
-                  <a:schemeClr val="accent4"/>
-                </a:solidFill>
-              </a:rPr>
-              <a:t>원인을</a:t>
+              <a:t>사망 원인을</a:t>
             </a:r>
             <a:endParaRPr lang="en-US" altLang="ko-KR" sz="1200" dirty="0" smtClean="0">
               <a:solidFill>
@@ -15667,15 +18287,7 @@
                   <a:schemeClr val="accent4"/>
                 </a:solidFill>
               </a:rPr>
-              <a:t>정확히 </a:t>
-            </a:r>
-            <a:r>
-              <a:rPr lang="ko-KR" altLang="en-US" sz="1200" dirty="0" smtClean="0">
-                <a:solidFill>
-                  <a:schemeClr val="accent4"/>
-                </a:solidFill>
-              </a:rPr>
-              <a:t>표시하기 위해</a:t>
+              <a:t>정확히 표시하기 위해</a:t>
             </a:r>
             <a:r>
               <a:rPr lang="ko-KR" altLang="en-US" sz="1200" dirty="0">
@@ -15804,17 +18416,7 @@
                   </a:schemeClr>
                 </a:solidFill>
               </a:rPr>
-              <a:t>사용하여 누가 </a:t>
-            </a:r>
-            <a:r>
-              <a:rPr lang="ko-KR" altLang="en-US" sz="1200" dirty="0" smtClean="0">
-                <a:solidFill>
-                  <a:schemeClr val="bg1">
-                    <a:lumMod val="85000"/>
-                  </a:schemeClr>
-                </a:solidFill>
-              </a:rPr>
-              <a:t>어떤 것으로 쓰러졌는지 보여준다</a:t>
+              <a:t>사용하여 누가 어떤 것으로 쓰러졌는지 보여준다</a:t>
             </a:r>
             <a:r>
               <a:rPr lang="en-US" altLang="ko-KR" sz="1200" dirty="0" smtClean="0">
@@ -15941,11 +18543,6 @@
               </a:rPr>
               <a:t>)</a:t>
             </a:r>
-            <a:endParaRPr lang="en-US" altLang="ko-KR" sz="1200" dirty="0" smtClean="0">
-              <a:solidFill>
-                <a:schemeClr val="accent4"/>
-              </a:solidFill>
-            </a:endParaRPr>
           </a:p>
         </p:txBody>
       </p:sp>
@@ -16039,7 +18636,15 @@
                   <a:schemeClr val="accent4"/>
                 </a:solidFill>
               </a:rPr>
-              <a:t>플레이어 간 전투의 결과를 명백히 </a:t>
+              <a:t>플레이어 간 전투의 결과를 명백히 표시하고</a:t>
+            </a:r>
+            <a:r>
+              <a:rPr lang="en-US" altLang="ko-KR" sz="1200" dirty="0" smtClean="0">
+                <a:solidFill>
+                  <a:schemeClr val="accent4"/>
+                </a:solidFill>
+              </a:rPr>
+              <a:t>,</a:t>
             </a:r>
             <a:r>
               <a:rPr lang="ko-KR" altLang="en-US" sz="1200" dirty="0" smtClean="0">
@@ -16047,31 +18652,7 @@
                   <a:schemeClr val="accent4"/>
                 </a:solidFill>
               </a:rPr>
-              <a:t>표시하고</a:t>
-            </a:r>
-            <a:r>
-              <a:rPr lang="en-US" altLang="ko-KR" sz="1200" dirty="0" smtClean="0">
-                <a:solidFill>
-                  <a:schemeClr val="accent4"/>
-                </a:solidFill>
-              </a:rPr>
-              <a:t>,</a:t>
-            </a:r>
-            <a:r>
-              <a:rPr lang="ko-KR" altLang="en-US" sz="1200" dirty="0" smtClean="0">
-                <a:solidFill>
-                  <a:schemeClr val="accent4"/>
-                </a:solidFill>
-              </a:rPr>
-              <a:t> </a:t>
-            </a:r>
-            <a:r>
-              <a:rPr lang="ko-KR" altLang="en-US" sz="1200" dirty="0" smtClean="0">
-                <a:solidFill>
-                  <a:schemeClr val="accent4"/>
-                </a:solidFill>
-              </a:rPr>
-              <a:t>서바이벌 정보를</a:t>
+              <a:t> 서바이벌 정보를</a:t>
             </a:r>
             <a:endParaRPr lang="en-US" altLang="ko-KR" sz="1200" dirty="0" smtClean="0">
               <a:solidFill>
@@ -16528,7 +19109,7 @@
           <p:cNvPr id="40" name="사각형: 둥근 모서리 39">
             <a:extLst>
               <a:ext uri="{FF2B5EF4-FFF2-40B4-BE49-F238E27FC236}">
-                <a16:creationId xmlns:a16="http://schemas.microsoft.com/office/drawing/2014/main" xmlns="" id="{DEB48728-12FA-4B10-82E6-7899DDCA2731}"/>
+                <a16:creationId xmlns="" xmlns:a16="http://schemas.microsoft.com/office/drawing/2014/main" id="{DEB48728-12FA-4B10-82E6-7899DDCA2731}"/>
               </a:ext>
             </a:extLst>
           </p:cNvPr>
@@ -16600,7 +19181,7 @@
           <p:cNvPr id="43" name="직사각형 42">
             <a:extLst>
               <a:ext uri="{FF2B5EF4-FFF2-40B4-BE49-F238E27FC236}">
-                <a16:creationId xmlns:a16="http://schemas.microsoft.com/office/drawing/2014/main" xmlns="" id="{32B56811-2E7B-4FBF-99CB-4CECF20A9AC0}"/>
+                <a16:creationId xmlns="" xmlns:a16="http://schemas.microsoft.com/office/drawing/2014/main" id="{32B56811-2E7B-4FBF-99CB-4CECF20A9AC0}"/>
               </a:ext>
             </a:extLst>
           </p:cNvPr>
@@ -16771,7 +19352,7 @@
           <p:cNvPr id="13" name="직사각형 12">
             <a:extLst>
               <a:ext uri="{FF2B5EF4-FFF2-40B4-BE49-F238E27FC236}">
-                <a16:creationId xmlns:a16="http://schemas.microsoft.com/office/drawing/2014/main" xmlns="" id="{24EDB60A-88EE-4624-924F-1D4B6948100C}"/>
+                <a16:creationId xmlns="" xmlns:a16="http://schemas.microsoft.com/office/drawing/2014/main" id="{24EDB60A-88EE-4624-924F-1D4B6948100C}"/>
               </a:ext>
             </a:extLst>
           </p:cNvPr>
@@ -17281,17 +19862,7 @@
                   </a:schemeClr>
                 </a:solidFill>
               </a:rPr>
-              <a:t>현재 장비한 주무기의 </a:t>
-            </a:r>
-            <a:r>
-              <a:rPr lang="ko-KR" altLang="en-US" sz="1200" dirty="0" smtClean="0">
-                <a:solidFill>
-                  <a:schemeClr val="bg1">
-                    <a:lumMod val="85000"/>
-                  </a:schemeClr>
-                </a:solidFill>
-              </a:rPr>
-              <a:t>종류에 따라 크로스헤어가 달라져</a:t>
+              <a:t>현재 장비한 주무기의 종류에 따라 크로스헤어가 달라져</a:t>
             </a:r>
             <a:endParaRPr lang="en-US" altLang="ko-KR" sz="1200" dirty="0" smtClean="0">
               <a:solidFill>
@@ -17308,39 +19879,7 @@
                   <a:schemeClr val="accent4"/>
                 </a:solidFill>
               </a:rPr>
-              <a:t>현재 </a:t>
-            </a:r>
-            <a:r>
-              <a:rPr lang="ko-KR" altLang="en-US" sz="1200" dirty="0" smtClean="0">
-                <a:solidFill>
-                  <a:schemeClr val="accent4"/>
-                </a:solidFill>
-              </a:rPr>
-              <a:t>플레이어의 주무기가 </a:t>
-            </a:r>
-            <a:r>
-              <a:rPr lang="ko-KR" altLang="en-US" sz="1200" dirty="0" smtClean="0">
-                <a:solidFill>
-                  <a:schemeClr val="accent4"/>
-                </a:solidFill>
-              </a:rPr>
-              <a:t>어떤 </a:t>
-            </a:r>
-            <a:r>
-              <a:rPr lang="ko-KR" altLang="en-US" sz="1200" dirty="0" smtClean="0">
-                <a:solidFill>
-                  <a:schemeClr val="accent4"/>
-                </a:solidFill>
-              </a:rPr>
-              <a:t>종류인지 </a:t>
-            </a:r>
-            <a:r>
-              <a:rPr lang="ko-KR" altLang="en-US" sz="1200" dirty="0" smtClean="0">
-                <a:solidFill>
-                  <a:schemeClr val="accent4"/>
-                </a:solidFill>
-              </a:rPr>
-              <a:t>알 수 있다</a:t>
+              <a:t>현재 플레이어의 주무기가 어떤 종류인지 알 수 있다</a:t>
             </a:r>
             <a:r>
               <a:rPr lang="en-US" altLang="ko-KR" sz="1200" dirty="0" smtClean="0">
@@ -17418,7 +19957,7 @@
           <p:cNvPr id="40" name="사각형: 둥근 모서리 39">
             <a:extLst>
               <a:ext uri="{FF2B5EF4-FFF2-40B4-BE49-F238E27FC236}">
-                <a16:creationId xmlns:a16="http://schemas.microsoft.com/office/drawing/2014/main" xmlns="" id="{DEB48728-12FA-4B10-82E6-7899DDCA2731}"/>
+                <a16:creationId xmlns="" xmlns:a16="http://schemas.microsoft.com/office/drawing/2014/main" id="{DEB48728-12FA-4B10-82E6-7899DDCA2731}"/>
               </a:ext>
             </a:extLst>
           </p:cNvPr>
@@ -17490,7 +20029,7 @@
           <p:cNvPr id="43" name="직사각형 42">
             <a:extLst>
               <a:ext uri="{FF2B5EF4-FFF2-40B4-BE49-F238E27FC236}">
-                <a16:creationId xmlns:a16="http://schemas.microsoft.com/office/drawing/2014/main" xmlns="" id="{32B56811-2E7B-4FBF-99CB-4CECF20A9AC0}"/>
+                <a16:creationId xmlns="" xmlns:a16="http://schemas.microsoft.com/office/drawing/2014/main" id="{32B56811-2E7B-4FBF-99CB-4CECF20A9AC0}"/>
               </a:ext>
             </a:extLst>
           </p:cNvPr>
@@ -17661,7 +20200,7 @@
           <p:cNvPr id="13" name="직사각형 12">
             <a:extLst>
               <a:ext uri="{FF2B5EF4-FFF2-40B4-BE49-F238E27FC236}">
-                <a16:creationId xmlns:a16="http://schemas.microsoft.com/office/drawing/2014/main" xmlns="" id="{24EDB60A-88EE-4624-924F-1D4B6948100C}"/>
+                <a16:creationId xmlns="" xmlns:a16="http://schemas.microsoft.com/office/drawing/2014/main" id="{24EDB60A-88EE-4624-924F-1D4B6948100C}"/>
               </a:ext>
             </a:extLst>
           </p:cNvPr>
@@ -17671,7 +20210,7 @@
         <p:spPr>
           <a:xfrm>
             <a:off x="2371327" y="544106"/>
-            <a:ext cx="1751786" cy="461665"/>
+            <a:ext cx="2498128" cy="414024"/>
           </a:xfrm>
           <a:prstGeom prst="rect">
             <a:avLst/>
@@ -17714,7 +20253,39 @@
               </a:rPr>
               <a:t>스테이터스</a:t>
             </a:r>
-            <a:endParaRPr lang="ko-KR" altLang="en-US" sz="8800" kern="0" dirty="0">
+            <a:r>
+              <a:rPr lang="ko-KR" altLang="en-US" sz="1600" kern="0" dirty="0" smtClean="0">
+                <a:solidFill>
+                  <a:prstClr val="white"/>
+                </a:solidFill>
+              </a:rPr>
+              <a:t> </a:t>
+            </a:r>
+            <a:r>
+              <a:rPr lang="en-US" altLang="ko-KR" sz="1400" kern="0" dirty="0" smtClean="0">
+                <a:solidFill>
+                  <a:prstClr val="white"/>
+                </a:solidFill>
+              </a:rPr>
+              <a:t>(</a:t>
+            </a:r>
+            <a:r>
+              <a:rPr lang="ko-KR" altLang="en-US" sz="1400" kern="0" dirty="0" smtClean="0">
+                <a:solidFill>
+                  <a:prstClr val="white"/>
+                </a:solidFill>
+              </a:rPr>
+              <a:t>장비</a:t>
+            </a:r>
+            <a:r>
+              <a:rPr lang="en-US" altLang="ko-KR" sz="1400" kern="0" dirty="0" smtClean="0">
+                <a:solidFill>
+                  <a:prstClr val="white"/>
+                </a:solidFill>
+              </a:rPr>
+              <a:t>)</a:t>
+            </a:r>
+            <a:endParaRPr lang="ko-KR" altLang="en-US" sz="8000" kern="0" dirty="0">
               <a:solidFill>
                 <a:prstClr val="white"/>
               </a:solidFill>
@@ -18478,7 +21049,7 @@
   <a:extraClrSchemeLst/>
   <a:extLst>
     <a:ext uri="{05A4C25C-085E-4340-85A3-A5531E510DB2}">
-      <thm15:themeFamily xmlns:thm15="http://schemas.microsoft.com/office/thememl/2012/main" xmlns="" name="Office Theme" id="{62F939B6-93AF-4DB8-9C6B-D6C7DFDC589F}" vid="{4A3C46E8-61CC-4603-A589-7422A47A8E4A}"/>
+      <thm15:themeFamily xmlns="" xmlns:thm15="http://schemas.microsoft.com/office/thememl/2012/main" name="Office Theme" id="{62F939B6-93AF-4DB8-9C6B-D6C7DFDC589F}" vid="{4A3C46E8-61CC-4603-A589-7422A47A8E4A}"/>
     </a:ext>
   </a:extLst>
 </a:theme>
@@ -18739,7 +21310,7 @@
   <a:extraClrSchemeLst/>
   <a:extLst>
     <a:ext uri="{05A4C25C-085E-4340-85A3-A5531E510DB2}">
-      <thm15:themeFamily xmlns:thm15="http://schemas.microsoft.com/office/thememl/2012/main" xmlns="" name="Office Theme" id="{62F939B6-93AF-4DB8-9C6B-D6C7DFDC589F}" vid="{4A3C46E8-61CC-4603-A589-7422A47A8E4A}"/>
+      <thm15:themeFamily xmlns="" xmlns:thm15="http://schemas.microsoft.com/office/thememl/2012/main" name="Office Theme" id="{62F939B6-93AF-4DB8-9C6B-D6C7DFDC589F}" vid="{4A3C46E8-61CC-4603-A589-7422A47A8E4A}"/>
     </a:ext>
   </a:extLst>
 </a:theme>

--- a/3-1 기획 포트폴리오 작성/PUBG 전투 UI 역기획서.pptx
+++ b/3-1 기획 포트폴리오 작성/PUBG 전투 UI 역기획서.pptx
@@ -5,21 +5,22 @@
     <p:sldMasterId id="2147483660" r:id="rId1"/>
   </p:sldMasterIdLst>
   <p:notesMasterIdLst>
-    <p:notesMasterId r:id="rId14"/>
+    <p:notesMasterId r:id="rId15"/>
   </p:notesMasterIdLst>
   <p:sldIdLst>
     <p:sldId id="258" r:id="rId2"/>
     <p:sldId id="263" r:id="rId3"/>
     <p:sldId id="266" r:id="rId4"/>
     <p:sldId id="264" r:id="rId5"/>
-    <p:sldId id="265" r:id="rId6"/>
-    <p:sldId id="267" r:id="rId7"/>
-    <p:sldId id="268" r:id="rId8"/>
-    <p:sldId id="269" r:id="rId9"/>
-    <p:sldId id="270" r:id="rId10"/>
-    <p:sldId id="271" r:id="rId11"/>
-    <p:sldId id="272" r:id="rId12"/>
-    <p:sldId id="273" r:id="rId13"/>
+    <p:sldId id="274" r:id="rId6"/>
+    <p:sldId id="265" r:id="rId7"/>
+    <p:sldId id="267" r:id="rId8"/>
+    <p:sldId id="268" r:id="rId9"/>
+    <p:sldId id="269" r:id="rId10"/>
+    <p:sldId id="270" r:id="rId11"/>
+    <p:sldId id="271" r:id="rId12"/>
+    <p:sldId id="272" r:id="rId13"/>
+    <p:sldId id="273" r:id="rId14"/>
   </p:sldIdLst>
   <p:sldSz cx="12192000" cy="6858000"/>
   <p:notesSz cx="6858000" cy="9144000"/>
@@ -120,7 +121,7 @@
   </p:defaultTextStyle>
   <p:extLst>
     <p:ext uri="{EFAFB233-063F-42B5-8137-9DF3F51BA10A}">
-      <p15:sldGuideLst xmlns="" xmlns:p15="http://schemas.microsoft.com/office/powerpoint/2012/main"/>
+      <p15:sldGuideLst xmlns:p15="http://schemas.microsoft.com/office/powerpoint/2012/main" xmlns=""/>
     </p:ext>
   </p:extLst>
 </p:presentation>
@@ -208,7 +209,7 @@
           <a:p>
             <a:fld id="{BEB49F3D-8A57-43DD-A757-DD94CEE66A95}" type="datetimeFigureOut">
               <a:rPr lang="ko-KR" altLang="en-US" smtClean="0"/>
-              <a:t>2019-05-15</a:t>
+              <a:t>2019-05-20</a:t>
             </a:fld>
             <a:endParaRPr lang="ko-KR" altLang="en-US"/>
           </a:p>
@@ -498,7 +499,7 @@
           <p:cNvPr id="2" name="제목 1">
             <a:extLst>
               <a:ext uri="{FF2B5EF4-FFF2-40B4-BE49-F238E27FC236}">
-                <a16:creationId xmlns="" xmlns:a16="http://schemas.microsoft.com/office/drawing/2014/main" id="{BC4B5A23-C81F-4AF5-A748-1D1EE93505F9}"/>
+                <a16:creationId xmlns:a16="http://schemas.microsoft.com/office/drawing/2014/main" xmlns="" id="{BC4B5A23-C81F-4AF5-A748-1D1EE93505F9}"/>
               </a:ext>
             </a:extLst>
           </p:cNvPr>
@@ -535,7 +536,7 @@
           <p:cNvPr id="3" name="부제목 2">
             <a:extLst>
               <a:ext uri="{FF2B5EF4-FFF2-40B4-BE49-F238E27FC236}">
-                <a16:creationId xmlns="" xmlns:a16="http://schemas.microsoft.com/office/drawing/2014/main" id="{26F8B85E-9692-4475-9B5C-3E3DB5D88828}"/>
+                <a16:creationId xmlns:a16="http://schemas.microsoft.com/office/drawing/2014/main" xmlns="" id="{26F8B85E-9692-4475-9B5C-3E3DB5D88828}"/>
               </a:ext>
             </a:extLst>
           </p:cNvPr>
@@ -605,7 +606,7 @@
           <p:cNvPr id="4" name="날짜 개체 틀 3">
             <a:extLst>
               <a:ext uri="{FF2B5EF4-FFF2-40B4-BE49-F238E27FC236}">
-                <a16:creationId xmlns="" xmlns:a16="http://schemas.microsoft.com/office/drawing/2014/main" id="{BC005B73-604A-4AB5-8137-DDC71FB7678B}"/>
+                <a16:creationId xmlns:a16="http://schemas.microsoft.com/office/drawing/2014/main" xmlns="" id="{BC005B73-604A-4AB5-8137-DDC71FB7678B}"/>
               </a:ext>
             </a:extLst>
           </p:cNvPr>
@@ -629,7 +630,7 @@
                   </a:prstClr>
                 </a:solidFill>
               </a:rPr>
-              <a:t>2019-05-15</a:t>
+              <a:t>2019-05-20</a:t>
             </a:fld>
             <a:endParaRPr lang="ko-KR" altLang="en-US">
               <a:solidFill>
@@ -646,7 +647,7 @@
           <p:cNvPr id="5" name="바닥글 개체 틀 4">
             <a:extLst>
               <a:ext uri="{FF2B5EF4-FFF2-40B4-BE49-F238E27FC236}">
-                <a16:creationId xmlns="" xmlns:a16="http://schemas.microsoft.com/office/drawing/2014/main" id="{D657B5ED-EDEA-4726-A63A-ABCD88DDA24F}"/>
+                <a16:creationId xmlns:a16="http://schemas.microsoft.com/office/drawing/2014/main" xmlns="" id="{D657B5ED-EDEA-4726-A63A-ABCD88DDA24F}"/>
               </a:ext>
             </a:extLst>
           </p:cNvPr>
@@ -677,7 +678,7 @@
           <p:cNvPr id="6" name="슬라이드 번호 개체 틀 5">
             <a:extLst>
               <a:ext uri="{FF2B5EF4-FFF2-40B4-BE49-F238E27FC236}">
-                <a16:creationId xmlns="" xmlns:a16="http://schemas.microsoft.com/office/drawing/2014/main" id="{EE561B83-F1A6-46DA-BD34-3B375CB3487C}"/>
+                <a16:creationId xmlns:a16="http://schemas.microsoft.com/office/drawing/2014/main" xmlns="" id="{EE561B83-F1A6-46DA-BD34-3B375CB3487C}"/>
               </a:ext>
             </a:extLst>
           </p:cNvPr>
@@ -749,7 +750,7 @@
           <p:cNvPr id="2" name="제목 1">
             <a:extLst>
               <a:ext uri="{FF2B5EF4-FFF2-40B4-BE49-F238E27FC236}">
-                <a16:creationId xmlns="" xmlns:a16="http://schemas.microsoft.com/office/drawing/2014/main" id="{39E36BD6-A4CF-4B25-AB1E-51253291E2B4}"/>
+                <a16:creationId xmlns:a16="http://schemas.microsoft.com/office/drawing/2014/main" xmlns="" id="{39E36BD6-A4CF-4B25-AB1E-51253291E2B4}"/>
               </a:ext>
             </a:extLst>
           </p:cNvPr>
@@ -777,7 +778,7 @@
           <p:cNvPr id="3" name="세로 텍스트 개체 틀 2">
             <a:extLst>
               <a:ext uri="{FF2B5EF4-FFF2-40B4-BE49-F238E27FC236}">
-                <a16:creationId xmlns="" xmlns:a16="http://schemas.microsoft.com/office/drawing/2014/main" id="{8749623F-E56B-4F2D-8C1B-7FE5A6708872}"/>
+                <a16:creationId xmlns:a16="http://schemas.microsoft.com/office/drawing/2014/main" xmlns="" id="{8749623F-E56B-4F2D-8C1B-7FE5A6708872}"/>
               </a:ext>
             </a:extLst>
           </p:cNvPr>
@@ -834,7 +835,7 @@
           <p:cNvPr id="4" name="날짜 개체 틀 3">
             <a:extLst>
               <a:ext uri="{FF2B5EF4-FFF2-40B4-BE49-F238E27FC236}">
-                <a16:creationId xmlns="" xmlns:a16="http://schemas.microsoft.com/office/drawing/2014/main" id="{638878DC-1F89-454E-8C22-21927454BB66}"/>
+                <a16:creationId xmlns:a16="http://schemas.microsoft.com/office/drawing/2014/main" xmlns="" id="{638878DC-1F89-454E-8C22-21927454BB66}"/>
               </a:ext>
             </a:extLst>
           </p:cNvPr>
@@ -858,7 +859,7 @@
                   </a:prstClr>
                 </a:solidFill>
               </a:rPr>
-              <a:t>2019-05-15</a:t>
+              <a:t>2019-05-20</a:t>
             </a:fld>
             <a:endParaRPr lang="ko-KR" altLang="en-US">
               <a:solidFill>
@@ -875,7 +876,7 @@
           <p:cNvPr id="5" name="바닥글 개체 틀 4">
             <a:extLst>
               <a:ext uri="{FF2B5EF4-FFF2-40B4-BE49-F238E27FC236}">
-                <a16:creationId xmlns="" xmlns:a16="http://schemas.microsoft.com/office/drawing/2014/main" id="{A9C32D40-FC59-4599-8DB0-4EDB55159969}"/>
+                <a16:creationId xmlns:a16="http://schemas.microsoft.com/office/drawing/2014/main" xmlns="" id="{A9C32D40-FC59-4599-8DB0-4EDB55159969}"/>
               </a:ext>
             </a:extLst>
           </p:cNvPr>
@@ -906,7 +907,7 @@
           <p:cNvPr id="6" name="슬라이드 번호 개체 틀 5">
             <a:extLst>
               <a:ext uri="{FF2B5EF4-FFF2-40B4-BE49-F238E27FC236}">
-                <a16:creationId xmlns="" xmlns:a16="http://schemas.microsoft.com/office/drawing/2014/main" id="{C4BECE70-0B94-4918-8A6B-CE318F78DB6B}"/>
+                <a16:creationId xmlns:a16="http://schemas.microsoft.com/office/drawing/2014/main" xmlns="" id="{C4BECE70-0B94-4918-8A6B-CE318F78DB6B}"/>
               </a:ext>
             </a:extLst>
           </p:cNvPr>
@@ -978,7 +979,7 @@
           <p:cNvPr id="2" name="세로 제목 1">
             <a:extLst>
               <a:ext uri="{FF2B5EF4-FFF2-40B4-BE49-F238E27FC236}">
-                <a16:creationId xmlns="" xmlns:a16="http://schemas.microsoft.com/office/drawing/2014/main" id="{1CC509A6-106F-4F30-B678-2B05478C05AD}"/>
+                <a16:creationId xmlns:a16="http://schemas.microsoft.com/office/drawing/2014/main" xmlns="" id="{1CC509A6-106F-4F30-B678-2B05478C05AD}"/>
               </a:ext>
             </a:extLst>
           </p:cNvPr>
@@ -1011,7 +1012,7 @@
           <p:cNvPr id="3" name="세로 텍스트 개체 틀 2">
             <a:extLst>
               <a:ext uri="{FF2B5EF4-FFF2-40B4-BE49-F238E27FC236}">
-                <a16:creationId xmlns="" xmlns:a16="http://schemas.microsoft.com/office/drawing/2014/main" id="{4728D6E4-1D89-4B38-BBBD-0F051698128F}"/>
+                <a16:creationId xmlns:a16="http://schemas.microsoft.com/office/drawing/2014/main" xmlns="" id="{4728D6E4-1D89-4B38-BBBD-0F051698128F}"/>
               </a:ext>
             </a:extLst>
           </p:cNvPr>
@@ -1073,7 +1074,7 @@
           <p:cNvPr id="4" name="날짜 개체 틀 3">
             <a:extLst>
               <a:ext uri="{FF2B5EF4-FFF2-40B4-BE49-F238E27FC236}">
-                <a16:creationId xmlns="" xmlns:a16="http://schemas.microsoft.com/office/drawing/2014/main" id="{5C995D7F-87F4-4EAE-B067-A371E5D3C9ED}"/>
+                <a16:creationId xmlns:a16="http://schemas.microsoft.com/office/drawing/2014/main" xmlns="" id="{5C995D7F-87F4-4EAE-B067-A371E5D3C9ED}"/>
               </a:ext>
             </a:extLst>
           </p:cNvPr>
@@ -1097,7 +1098,7 @@
                   </a:prstClr>
                 </a:solidFill>
               </a:rPr>
-              <a:t>2019-05-15</a:t>
+              <a:t>2019-05-20</a:t>
             </a:fld>
             <a:endParaRPr lang="ko-KR" altLang="en-US">
               <a:solidFill>
@@ -1114,7 +1115,7 @@
           <p:cNvPr id="5" name="바닥글 개체 틀 4">
             <a:extLst>
               <a:ext uri="{FF2B5EF4-FFF2-40B4-BE49-F238E27FC236}">
-                <a16:creationId xmlns="" xmlns:a16="http://schemas.microsoft.com/office/drawing/2014/main" id="{B56F322D-4B78-410F-883C-30640F0A1B9B}"/>
+                <a16:creationId xmlns:a16="http://schemas.microsoft.com/office/drawing/2014/main" xmlns="" id="{B56F322D-4B78-410F-883C-30640F0A1B9B}"/>
               </a:ext>
             </a:extLst>
           </p:cNvPr>
@@ -1145,7 +1146,7 @@
           <p:cNvPr id="6" name="슬라이드 번호 개체 틀 5">
             <a:extLst>
               <a:ext uri="{FF2B5EF4-FFF2-40B4-BE49-F238E27FC236}">
-                <a16:creationId xmlns="" xmlns:a16="http://schemas.microsoft.com/office/drawing/2014/main" id="{D8A676F9-DE6E-4CF9-8A5F-C636669B6A79}"/>
+                <a16:creationId xmlns:a16="http://schemas.microsoft.com/office/drawing/2014/main" xmlns="" id="{D8A676F9-DE6E-4CF9-8A5F-C636669B6A79}"/>
               </a:ext>
             </a:extLst>
           </p:cNvPr>
@@ -1217,7 +1218,7 @@
           <p:cNvPr id="2" name="제목 1">
             <a:extLst>
               <a:ext uri="{FF2B5EF4-FFF2-40B4-BE49-F238E27FC236}">
-                <a16:creationId xmlns="" xmlns:a16="http://schemas.microsoft.com/office/drawing/2014/main" id="{F2AFF599-F9A5-411F-BFB9-C4FB2A3A31B1}"/>
+                <a16:creationId xmlns:a16="http://schemas.microsoft.com/office/drawing/2014/main" xmlns="" id="{F2AFF599-F9A5-411F-BFB9-C4FB2A3A31B1}"/>
               </a:ext>
             </a:extLst>
           </p:cNvPr>
@@ -1245,7 +1246,7 @@
           <p:cNvPr id="3" name="내용 개체 틀 2">
             <a:extLst>
               <a:ext uri="{FF2B5EF4-FFF2-40B4-BE49-F238E27FC236}">
-                <a16:creationId xmlns="" xmlns:a16="http://schemas.microsoft.com/office/drawing/2014/main" id="{193CECED-CCAF-4DDD-B539-F3AF15540E07}"/>
+                <a16:creationId xmlns:a16="http://schemas.microsoft.com/office/drawing/2014/main" xmlns="" id="{193CECED-CCAF-4DDD-B539-F3AF15540E07}"/>
               </a:ext>
             </a:extLst>
           </p:cNvPr>
@@ -1302,7 +1303,7 @@
           <p:cNvPr id="4" name="날짜 개체 틀 3">
             <a:extLst>
               <a:ext uri="{FF2B5EF4-FFF2-40B4-BE49-F238E27FC236}">
-                <a16:creationId xmlns="" xmlns:a16="http://schemas.microsoft.com/office/drawing/2014/main" id="{BC0C8BE3-B2E2-4859-8481-2ADA01A44F0B}"/>
+                <a16:creationId xmlns:a16="http://schemas.microsoft.com/office/drawing/2014/main" xmlns="" id="{BC0C8BE3-B2E2-4859-8481-2ADA01A44F0B}"/>
               </a:ext>
             </a:extLst>
           </p:cNvPr>
@@ -1326,7 +1327,7 @@
                   </a:prstClr>
                 </a:solidFill>
               </a:rPr>
-              <a:t>2019-05-15</a:t>
+              <a:t>2019-05-20</a:t>
             </a:fld>
             <a:endParaRPr lang="ko-KR" altLang="en-US">
               <a:solidFill>
@@ -1343,7 +1344,7 @@
           <p:cNvPr id="5" name="바닥글 개체 틀 4">
             <a:extLst>
               <a:ext uri="{FF2B5EF4-FFF2-40B4-BE49-F238E27FC236}">
-                <a16:creationId xmlns="" xmlns:a16="http://schemas.microsoft.com/office/drawing/2014/main" id="{288CDC39-E89C-42A8-9B52-C7D6DAC2A6DF}"/>
+                <a16:creationId xmlns:a16="http://schemas.microsoft.com/office/drawing/2014/main" xmlns="" id="{288CDC39-E89C-42A8-9B52-C7D6DAC2A6DF}"/>
               </a:ext>
             </a:extLst>
           </p:cNvPr>
@@ -1374,7 +1375,7 @@
           <p:cNvPr id="6" name="슬라이드 번호 개체 틀 5">
             <a:extLst>
               <a:ext uri="{FF2B5EF4-FFF2-40B4-BE49-F238E27FC236}">
-                <a16:creationId xmlns="" xmlns:a16="http://schemas.microsoft.com/office/drawing/2014/main" id="{E1B28C08-4C0A-48B8-A2D2-41A018AB93AC}"/>
+                <a16:creationId xmlns:a16="http://schemas.microsoft.com/office/drawing/2014/main" xmlns="" id="{E1B28C08-4C0A-48B8-A2D2-41A018AB93AC}"/>
               </a:ext>
             </a:extLst>
           </p:cNvPr>
@@ -1446,7 +1447,7 @@
           <p:cNvPr id="2" name="제목 1">
             <a:extLst>
               <a:ext uri="{FF2B5EF4-FFF2-40B4-BE49-F238E27FC236}">
-                <a16:creationId xmlns="" xmlns:a16="http://schemas.microsoft.com/office/drawing/2014/main" id="{CB24B900-D8B5-4B2F-9A9B-DAFD43923849}"/>
+                <a16:creationId xmlns:a16="http://schemas.microsoft.com/office/drawing/2014/main" xmlns="" id="{CB24B900-D8B5-4B2F-9A9B-DAFD43923849}"/>
               </a:ext>
             </a:extLst>
           </p:cNvPr>
@@ -1483,7 +1484,7 @@
           <p:cNvPr id="3" name="텍스트 개체 틀 2">
             <a:extLst>
               <a:ext uri="{FF2B5EF4-FFF2-40B4-BE49-F238E27FC236}">
-                <a16:creationId xmlns="" xmlns:a16="http://schemas.microsoft.com/office/drawing/2014/main" id="{46D0AAEF-5449-4C97-B530-902BE63F1B9A}"/>
+                <a16:creationId xmlns:a16="http://schemas.microsoft.com/office/drawing/2014/main" xmlns="" id="{46D0AAEF-5449-4C97-B530-902BE63F1B9A}"/>
               </a:ext>
             </a:extLst>
           </p:cNvPr>
@@ -1608,7 +1609,7 @@
           <p:cNvPr id="4" name="날짜 개체 틀 3">
             <a:extLst>
               <a:ext uri="{FF2B5EF4-FFF2-40B4-BE49-F238E27FC236}">
-                <a16:creationId xmlns="" xmlns:a16="http://schemas.microsoft.com/office/drawing/2014/main" id="{598CE2F0-2D83-432D-AAAB-53B7BDADB673}"/>
+                <a16:creationId xmlns:a16="http://schemas.microsoft.com/office/drawing/2014/main" xmlns="" id="{598CE2F0-2D83-432D-AAAB-53B7BDADB673}"/>
               </a:ext>
             </a:extLst>
           </p:cNvPr>
@@ -1632,7 +1633,7 @@
                   </a:prstClr>
                 </a:solidFill>
               </a:rPr>
-              <a:t>2019-05-15</a:t>
+              <a:t>2019-05-20</a:t>
             </a:fld>
             <a:endParaRPr lang="ko-KR" altLang="en-US">
               <a:solidFill>
@@ -1649,7 +1650,7 @@
           <p:cNvPr id="5" name="바닥글 개체 틀 4">
             <a:extLst>
               <a:ext uri="{FF2B5EF4-FFF2-40B4-BE49-F238E27FC236}">
-                <a16:creationId xmlns="" xmlns:a16="http://schemas.microsoft.com/office/drawing/2014/main" id="{F14A1FD5-451B-4844-91B8-CAAD1300221D}"/>
+                <a16:creationId xmlns:a16="http://schemas.microsoft.com/office/drawing/2014/main" xmlns="" id="{F14A1FD5-451B-4844-91B8-CAAD1300221D}"/>
               </a:ext>
             </a:extLst>
           </p:cNvPr>
@@ -1680,7 +1681,7 @@
           <p:cNvPr id="6" name="슬라이드 번호 개체 틀 5">
             <a:extLst>
               <a:ext uri="{FF2B5EF4-FFF2-40B4-BE49-F238E27FC236}">
-                <a16:creationId xmlns="" xmlns:a16="http://schemas.microsoft.com/office/drawing/2014/main" id="{DC4FCB56-5F29-4966-828B-6F12C897F578}"/>
+                <a16:creationId xmlns:a16="http://schemas.microsoft.com/office/drawing/2014/main" xmlns="" id="{DC4FCB56-5F29-4966-828B-6F12C897F578}"/>
               </a:ext>
             </a:extLst>
           </p:cNvPr>
@@ -1752,7 +1753,7 @@
           <p:cNvPr id="2" name="제목 1">
             <a:extLst>
               <a:ext uri="{FF2B5EF4-FFF2-40B4-BE49-F238E27FC236}">
-                <a16:creationId xmlns="" xmlns:a16="http://schemas.microsoft.com/office/drawing/2014/main" id="{07A8BCA9-CCD6-4662-A75A-29683674065D}"/>
+                <a16:creationId xmlns:a16="http://schemas.microsoft.com/office/drawing/2014/main" xmlns="" id="{07A8BCA9-CCD6-4662-A75A-29683674065D}"/>
               </a:ext>
             </a:extLst>
           </p:cNvPr>
@@ -1780,7 +1781,7 @@
           <p:cNvPr id="3" name="내용 개체 틀 2">
             <a:extLst>
               <a:ext uri="{FF2B5EF4-FFF2-40B4-BE49-F238E27FC236}">
-                <a16:creationId xmlns="" xmlns:a16="http://schemas.microsoft.com/office/drawing/2014/main" id="{2DB64179-D214-4078-BA5F-DFCB5B7AB550}"/>
+                <a16:creationId xmlns:a16="http://schemas.microsoft.com/office/drawing/2014/main" xmlns="" id="{2DB64179-D214-4078-BA5F-DFCB5B7AB550}"/>
               </a:ext>
             </a:extLst>
           </p:cNvPr>
@@ -1842,7 +1843,7 @@
           <p:cNvPr id="4" name="내용 개체 틀 3">
             <a:extLst>
               <a:ext uri="{FF2B5EF4-FFF2-40B4-BE49-F238E27FC236}">
-                <a16:creationId xmlns="" xmlns:a16="http://schemas.microsoft.com/office/drawing/2014/main" id="{B1779CDF-61C0-406A-811C-6499DEFD46BA}"/>
+                <a16:creationId xmlns:a16="http://schemas.microsoft.com/office/drawing/2014/main" xmlns="" id="{B1779CDF-61C0-406A-811C-6499DEFD46BA}"/>
               </a:ext>
             </a:extLst>
           </p:cNvPr>
@@ -1904,7 +1905,7 @@
           <p:cNvPr id="5" name="날짜 개체 틀 4">
             <a:extLst>
               <a:ext uri="{FF2B5EF4-FFF2-40B4-BE49-F238E27FC236}">
-                <a16:creationId xmlns="" xmlns:a16="http://schemas.microsoft.com/office/drawing/2014/main" id="{AE2950D3-3FB5-4335-966B-7606E35446D8}"/>
+                <a16:creationId xmlns:a16="http://schemas.microsoft.com/office/drawing/2014/main" xmlns="" id="{AE2950D3-3FB5-4335-966B-7606E35446D8}"/>
               </a:ext>
             </a:extLst>
           </p:cNvPr>
@@ -1928,7 +1929,7 @@
                   </a:prstClr>
                 </a:solidFill>
               </a:rPr>
-              <a:t>2019-05-15</a:t>
+              <a:t>2019-05-20</a:t>
             </a:fld>
             <a:endParaRPr lang="ko-KR" altLang="en-US">
               <a:solidFill>
@@ -1945,7 +1946,7 @@
           <p:cNvPr id="6" name="바닥글 개체 틀 5">
             <a:extLst>
               <a:ext uri="{FF2B5EF4-FFF2-40B4-BE49-F238E27FC236}">
-                <a16:creationId xmlns="" xmlns:a16="http://schemas.microsoft.com/office/drawing/2014/main" id="{6EA6937B-7D55-49EA-B7A1-89529F5A35C3}"/>
+                <a16:creationId xmlns:a16="http://schemas.microsoft.com/office/drawing/2014/main" xmlns="" id="{6EA6937B-7D55-49EA-B7A1-89529F5A35C3}"/>
               </a:ext>
             </a:extLst>
           </p:cNvPr>
@@ -1976,7 +1977,7 @@
           <p:cNvPr id="7" name="슬라이드 번호 개체 틀 6">
             <a:extLst>
               <a:ext uri="{FF2B5EF4-FFF2-40B4-BE49-F238E27FC236}">
-                <a16:creationId xmlns="" xmlns:a16="http://schemas.microsoft.com/office/drawing/2014/main" id="{BB794612-C908-4F25-B9A3-09427AE34A52}"/>
+                <a16:creationId xmlns:a16="http://schemas.microsoft.com/office/drawing/2014/main" xmlns="" id="{BB794612-C908-4F25-B9A3-09427AE34A52}"/>
               </a:ext>
             </a:extLst>
           </p:cNvPr>
@@ -2048,7 +2049,7 @@
           <p:cNvPr id="2" name="제목 1">
             <a:extLst>
               <a:ext uri="{FF2B5EF4-FFF2-40B4-BE49-F238E27FC236}">
-                <a16:creationId xmlns="" xmlns:a16="http://schemas.microsoft.com/office/drawing/2014/main" id="{3F3C1362-BBA7-4D01-B788-14FDB950ECB7}"/>
+                <a16:creationId xmlns:a16="http://schemas.microsoft.com/office/drawing/2014/main" xmlns="" id="{3F3C1362-BBA7-4D01-B788-14FDB950ECB7}"/>
               </a:ext>
             </a:extLst>
           </p:cNvPr>
@@ -2081,7 +2082,7 @@
           <p:cNvPr id="3" name="텍스트 개체 틀 2">
             <a:extLst>
               <a:ext uri="{FF2B5EF4-FFF2-40B4-BE49-F238E27FC236}">
-                <a16:creationId xmlns="" xmlns:a16="http://schemas.microsoft.com/office/drawing/2014/main" id="{65AC57B0-4E1F-4D85-8918-3867A4BE7C4B}"/>
+                <a16:creationId xmlns:a16="http://schemas.microsoft.com/office/drawing/2014/main" xmlns="" id="{65AC57B0-4E1F-4D85-8918-3867A4BE7C4B}"/>
               </a:ext>
             </a:extLst>
           </p:cNvPr>
@@ -2152,7 +2153,7 @@
           <p:cNvPr id="4" name="내용 개체 틀 3">
             <a:extLst>
               <a:ext uri="{FF2B5EF4-FFF2-40B4-BE49-F238E27FC236}">
-                <a16:creationId xmlns="" xmlns:a16="http://schemas.microsoft.com/office/drawing/2014/main" id="{5E57D204-8AC0-4D04-AEF3-91D211206179}"/>
+                <a16:creationId xmlns:a16="http://schemas.microsoft.com/office/drawing/2014/main" xmlns="" id="{5E57D204-8AC0-4D04-AEF3-91D211206179}"/>
               </a:ext>
             </a:extLst>
           </p:cNvPr>
@@ -2214,7 +2215,7 @@
           <p:cNvPr id="5" name="텍스트 개체 틀 4">
             <a:extLst>
               <a:ext uri="{FF2B5EF4-FFF2-40B4-BE49-F238E27FC236}">
-                <a16:creationId xmlns="" xmlns:a16="http://schemas.microsoft.com/office/drawing/2014/main" id="{695EB064-60AB-4FE5-AF06-C9FE48BB4819}"/>
+                <a16:creationId xmlns:a16="http://schemas.microsoft.com/office/drawing/2014/main" xmlns="" id="{695EB064-60AB-4FE5-AF06-C9FE48BB4819}"/>
               </a:ext>
             </a:extLst>
           </p:cNvPr>
@@ -2285,7 +2286,7 @@
           <p:cNvPr id="6" name="내용 개체 틀 5">
             <a:extLst>
               <a:ext uri="{FF2B5EF4-FFF2-40B4-BE49-F238E27FC236}">
-                <a16:creationId xmlns="" xmlns:a16="http://schemas.microsoft.com/office/drawing/2014/main" id="{79DB6808-33C3-4B13-8365-0D85B8DDBE45}"/>
+                <a16:creationId xmlns:a16="http://schemas.microsoft.com/office/drawing/2014/main" xmlns="" id="{79DB6808-33C3-4B13-8365-0D85B8DDBE45}"/>
               </a:ext>
             </a:extLst>
           </p:cNvPr>
@@ -2347,7 +2348,7 @@
           <p:cNvPr id="7" name="날짜 개체 틀 6">
             <a:extLst>
               <a:ext uri="{FF2B5EF4-FFF2-40B4-BE49-F238E27FC236}">
-                <a16:creationId xmlns="" xmlns:a16="http://schemas.microsoft.com/office/drawing/2014/main" id="{9C2640C7-3844-4222-AC6F-AB4902A4DB44}"/>
+                <a16:creationId xmlns:a16="http://schemas.microsoft.com/office/drawing/2014/main" xmlns="" id="{9C2640C7-3844-4222-AC6F-AB4902A4DB44}"/>
               </a:ext>
             </a:extLst>
           </p:cNvPr>
@@ -2371,7 +2372,7 @@
                   </a:prstClr>
                 </a:solidFill>
               </a:rPr>
-              <a:t>2019-05-15</a:t>
+              <a:t>2019-05-20</a:t>
             </a:fld>
             <a:endParaRPr lang="ko-KR" altLang="en-US">
               <a:solidFill>
@@ -2388,7 +2389,7 @@
           <p:cNvPr id="8" name="바닥글 개체 틀 7">
             <a:extLst>
               <a:ext uri="{FF2B5EF4-FFF2-40B4-BE49-F238E27FC236}">
-                <a16:creationId xmlns="" xmlns:a16="http://schemas.microsoft.com/office/drawing/2014/main" id="{61889AA5-8486-41FD-8413-A10122960217}"/>
+                <a16:creationId xmlns:a16="http://schemas.microsoft.com/office/drawing/2014/main" xmlns="" id="{61889AA5-8486-41FD-8413-A10122960217}"/>
               </a:ext>
             </a:extLst>
           </p:cNvPr>
@@ -2419,7 +2420,7 @@
           <p:cNvPr id="9" name="슬라이드 번호 개체 틀 8">
             <a:extLst>
               <a:ext uri="{FF2B5EF4-FFF2-40B4-BE49-F238E27FC236}">
-                <a16:creationId xmlns="" xmlns:a16="http://schemas.microsoft.com/office/drawing/2014/main" id="{72CBBB2D-B216-4BCD-8B81-731C681CF619}"/>
+                <a16:creationId xmlns:a16="http://schemas.microsoft.com/office/drawing/2014/main" xmlns="" id="{72CBBB2D-B216-4BCD-8B81-731C681CF619}"/>
               </a:ext>
             </a:extLst>
           </p:cNvPr>
@@ -2491,7 +2492,7 @@
           <p:cNvPr id="2" name="제목 1">
             <a:extLst>
               <a:ext uri="{FF2B5EF4-FFF2-40B4-BE49-F238E27FC236}">
-                <a16:creationId xmlns="" xmlns:a16="http://schemas.microsoft.com/office/drawing/2014/main" id="{86649871-FAAA-407D-9245-5C61A8E32E22}"/>
+                <a16:creationId xmlns:a16="http://schemas.microsoft.com/office/drawing/2014/main" xmlns="" id="{86649871-FAAA-407D-9245-5C61A8E32E22}"/>
               </a:ext>
             </a:extLst>
           </p:cNvPr>
@@ -2519,7 +2520,7 @@
           <p:cNvPr id="3" name="날짜 개체 틀 2">
             <a:extLst>
               <a:ext uri="{FF2B5EF4-FFF2-40B4-BE49-F238E27FC236}">
-                <a16:creationId xmlns="" xmlns:a16="http://schemas.microsoft.com/office/drawing/2014/main" id="{3A38A7DA-9D13-4BB7-ADE4-F35E84E3A879}"/>
+                <a16:creationId xmlns:a16="http://schemas.microsoft.com/office/drawing/2014/main" xmlns="" id="{3A38A7DA-9D13-4BB7-ADE4-F35E84E3A879}"/>
               </a:ext>
             </a:extLst>
           </p:cNvPr>
@@ -2543,7 +2544,7 @@
                   </a:prstClr>
                 </a:solidFill>
               </a:rPr>
-              <a:t>2019-05-15</a:t>
+              <a:t>2019-05-20</a:t>
             </a:fld>
             <a:endParaRPr lang="ko-KR" altLang="en-US">
               <a:solidFill>
@@ -2560,7 +2561,7 @@
           <p:cNvPr id="4" name="바닥글 개체 틀 3">
             <a:extLst>
               <a:ext uri="{FF2B5EF4-FFF2-40B4-BE49-F238E27FC236}">
-                <a16:creationId xmlns="" xmlns:a16="http://schemas.microsoft.com/office/drawing/2014/main" id="{43FEE6E1-89D7-49AE-A816-C7B25C1D5069}"/>
+                <a16:creationId xmlns:a16="http://schemas.microsoft.com/office/drawing/2014/main" xmlns="" id="{43FEE6E1-89D7-49AE-A816-C7B25C1D5069}"/>
               </a:ext>
             </a:extLst>
           </p:cNvPr>
@@ -2591,7 +2592,7 @@
           <p:cNvPr id="5" name="슬라이드 번호 개체 틀 4">
             <a:extLst>
               <a:ext uri="{FF2B5EF4-FFF2-40B4-BE49-F238E27FC236}">
-                <a16:creationId xmlns="" xmlns:a16="http://schemas.microsoft.com/office/drawing/2014/main" id="{516B1AE1-FDC9-44CA-9C12-53013C082766}"/>
+                <a16:creationId xmlns:a16="http://schemas.microsoft.com/office/drawing/2014/main" xmlns="" id="{516B1AE1-FDC9-44CA-9C12-53013C082766}"/>
               </a:ext>
             </a:extLst>
           </p:cNvPr>
@@ -2663,7 +2664,7 @@
           <p:cNvPr id="2" name="날짜 개체 틀 1">
             <a:extLst>
               <a:ext uri="{FF2B5EF4-FFF2-40B4-BE49-F238E27FC236}">
-                <a16:creationId xmlns="" xmlns:a16="http://schemas.microsoft.com/office/drawing/2014/main" id="{275ACA46-7E3A-4F54-B5C7-2D501C8054EF}"/>
+                <a16:creationId xmlns:a16="http://schemas.microsoft.com/office/drawing/2014/main" xmlns="" id="{275ACA46-7E3A-4F54-B5C7-2D501C8054EF}"/>
               </a:ext>
             </a:extLst>
           </p:cNvPr>
@@ -2687,7 +2688,7 @@
                   </a:prstClr>
                 </a:solidFill>
               </a:rPr>
-              <a:t>2019-05-15</a:t>
+              <a:t>2019-05-20</a:t>
             </a:fld>
             <a:endParaRPr lang="ko-KR" altLang="en-US">
               <a:solidFill>
@@ -2704,7 +2705,7 @@
           <p:cNvPr id="3" name="바닥글 개체 틀 2">
             <a:extLst>
               <a:ext uri="{FF2B5EF4-FFF2-40B4-BE49-F238E27FC236}">
-                <a16:creationId xmlns="" xmlns:a16="http://schemas.microsoft.com/office/drawing/2014/main" id="{3A6C4713-7972-4FE4-B6C4-CD4F252FD09F}"/>
+                <a16:creationId xmlns:a16="http://schemas.microsoft.com/office/drawing/2014/main" xmlns="" id="{3A6C4713-7972-4FE4-B6C4-CD4F252FD09F}"/>
               </a:ext>
             </a:extLst>
           </p:cNvPr>
@@ -2735,7 +2736,7 @@
           <p:cNvPr id="4" name="슬라이드 번호 개체 틀 3">
             <a:extLst>
               <a:ext uri="{FF2B5EF4-FFF2-40B4-BE49-F238E27FC236}">
-                <a16:creationId xmlns="" xmlns:a16="http://schemas.microsoft.com/office/drawing/2014/main" id="{7D64F96C-A2F1-409B-B68C-BE3C8992CC4D}"/>
+                <a16:creationId xmlns:a16="http://schemas.microsoft.com/office/drawing/2014/main" xmlns="" id="{7D64F96C-A2F1-409B-B68C-BE3C8992CC4D}"/>
               </a:ext>
             </a:extLst>
           </p:cNvPr>
@@ -2807,7 +2808,7 @@
           <p:cNvPr id="2" name="제목 1">
             <a:extLst>
               <a:ext uri="{FF2B5EF4-FFF2-40B4-BE49-F238E27FC236}">
-                <a16:creationId xmlns="" xmlns:a16="http://schemas.microsoft.com/office/drawing/2014/main" id="{C113D69A-09A1-4C99-B3A6-6FFAF00F0057}"/>
+                <a16:creationId xmlns:a16="http://schemas.microsoft.com/office/drawing/2014/main" xmlns="" id="{C113D69A-09A1-4C99-B3A6-6FFAF00F0057}"/>
               </a:ext>
             </a:extLst>
           </p:cNvPr>
@@ -2844,7 +2845,7 @@
           <p:cNvPr id="3" name="내용 개체 틀 2">
             <a:extLst>
               <a:ext uri="{FF2B5EF4-FFF2-40B4-BE49-F238E27FC236}">
-                <a16:creationId xmlns="" xmlns:a16="http://schemas.microsoft.com/office/drawing/2014/main" id="{EA0AD2F4-8A1D-4D48-B8E0-B0A9F378B44D}"/>
+                <a16:creationId xmlns:a16="http://schemas.microsoft.com/office/drawing/2014/main" xmlns="" id="{EA0AD2F4-8A1D-4D48-B8E0-B0A9F378B44D}"/>
               </a:ext>
             </a:extLst>
           </p:cNvPr>
@@ -2934,7 +2935,7 @@
           <p:cNvPr id="4" name="텍스트 개체 틀 3">
             <a:extLst>
               <a:ext uri="{FF2B5EF4-FFF2-40B4-BE49-F238E27FC236}">
-                <a16:creationId xmlns="" xmlns:a16="http://schemas.microsoft.com/office/drawing/2014/main" id="{1F2D0DD9-6BA7-496D-AB88-10339921C67C}"/>
+                <a16:creationId xmlns:a16="http://schemas.microsoft.com/office/drawing/2014/main" xmlns="" id="{1F2D0DD9-6BA7-496D-AB88-10339921C67C}"/>
               </a:ext>
             </a:extLst>
           </p:cNvPr>
@@ -3005,7 +3006,7 @@
           <p:cNvPr id="5" name="날짜 개체 틀 4">
             <a:extLst>
               <a:ext uri="{FF2B5EF4-FFF2-40B4-BE49-F238E27FC236}">
-                <a16:creationId xmlns="" xmlns:a16="http://schemas.microsoft.com/office/drawing/2014/main" id="{EE604958-49B0-4000-9AE8-1A82649DBB2B}"/>
+                <a16:creationId xmlns:a16="http://schemas.microsoft.com/office/drawing/2014/main" xmlns="" id="{EE604958-49B0-4000-9AE8-1A82649DBB2B}"/>
               </a:ext>
             </a:extLst>
           </p:cNvPr>
@@ -3029,7 +3030,7 @@
                   </a:prstClr>
                 </a:solidFill>
               </a:rPr>
-              <a:t>2019-05-15</a:t>
+              <a:t>2019-05-20</a:t>
             </a:fld>
             <a:endParaRPr lang="ko-KR" altLang="en-US">
               <a:solidFill>
@@ -3046,7 +3047,7 @@
           <p:cNvPr id="6" name="바닥글 개체 틀 5">
             <a:extLst>
               <a:ext uri="{FF2B5EF4-FFF2-40B4-BE49-F238E27FC236}">
-                <a16:creationId xmlns="" xmlns:a16="http://schemas.microsoft.com/office/drawing/2014/main" id="{5A224506-57FE-4AE4-915B-1BCF662CF85C}"/>
+                <a16:creationId xmlns:a16="http://schemas.microsoft.com/office/drawing/2014/main" xmlns="" id="{5A224506-57FE-4AE4-915B-1BCF662CF85C}"/>
               </a:ext>
             </a:extLst>
           </p:cNvPr>
@@ -3077,7 +3078,7 @@
           <p:cNvPr id="7" name="슬라이드 번호 개체 틀 6">
             <a:extLst>
               <a:ext uri="{FF2B5EF4-FFF2-40B4-BE49-F238E27FC236}">
-                <a16:creationId xmlns="" xmlns:a16="http://schemas.microsoft.com/office/drawing/2014/main" id="{106D5D81-A0DA-465B-9DDB-DA44E7CFA71E}"/>
+                <a16:creationId xmlns:a16="http://schemas.microsoft.com/office/drawing/2014/main" xmlns="" id="{106D5D81-A0DA-465B-9DDB-DA44E7CFA71E}"/>
               </a:ext>
             </a:extLst>
           </p:cNvPr>
@@ -3149,7 +3150,7 @@
           <p:cNvPr id="2" name="제목 1">
             <a:extLst>
               <a:ext uri="{FF2B5EF4-FFF2-40B4-BE49-F238E27FC236}">
-                <a16:creationId xmlns="" xmlns:a16="http://schemas.microsoft.com/office/drawing/2014/main" id="{8BD983AA-0F4A-45E5-9631-DE95D37482BB}"/>
+                <a16:creationId xmlns:a16="http://schemas.microsoft.com/office/drawing/2014/main" xmlns="" id="{8BD983AA-0F4A-45E5-9631-DE95D37482BB}"/>
               </a:ext>
             </a:extLst>
           </p:cNvPr>
@@ -3186,7 +3187,7 @@
           <p:cNvPr id="3" name="그림 개체 틀 2">
             <a:extLst>
               <a:ext uri="{FF2B5EF4-FFF2-40B4-BE49-F238E27FC236}">
-                <a16:creationId xmlns="" xmlns:a16="http://schemas.microsoft.com/office/drawing/2014/main" id="{4E327D0E-1174-49F8-B6E6-ED9C4C24CCD7}"/>
+                <a16:creationId xmlns:a16="http://schemas.microsoft.com/office/drawing/2014/main" xmlns="" id="{4E327D0E-1174-49F8-B6E6-ED9C4C24CCD7}"/>
               </a:ext>
             </a:extLst>
           </p:cNvPr>
@@ -3253,7 +3254,7 @@
           <p:cNvPr id="4" name="텍스트 개체 틀 3">
             <a:extLst>
               <a:ext uri="{FF2B5EF4-FFF2-40B4-BE49-F238E27FC236}">
-                <a16:creationId xmlns="" xmlns:a16="http://schemas.microsoft.com/office/drawing/2014/main" id="{909C250D-0505-42BE-A5E8-7419DF44EF8A}"/>
+                <a16:creationId xmlns:a16="http://schemas.microsoft.com/office/drawing/2014/main" xmlns="" id="{909C250D-0505-42BE-A5E8-7419DF44EF8A}"/>
               </a:ext>
             </a:extLst>
           </p:cNvPr>
@@ -3324,7 +3325,7 @@
           <p:cNvPr id="5" name="날짜 개체 틀 4">
             <a:extLst>
               <a:ext uri="{FF2B5EF4-FFF2-40B4-BE49-F238E27FC236}">
-                <a16:creationId xmlns="" xmlns:a16="http://schemas.microsoft.com/office/drawing/2014/main" id="{1BEAFD8E-9839-4C72-8762-8562A91618C3}"/>
+                <a16:creationId xmlns:a16="http://schemas.microsoft.com/office/drawing/2014/main" xmlns="" id="{1BEAFD8E-9839-4C72-8762-8562A91618C3}"/>
               </a:ext>
             </a:extLst>
           </p:cNvPr>
@@ -3348,7 +3349,7 @@
                   </a:prstClr>
                 </a:solidFill>
               </a:rPr>
-              <a:t>2019-05-15</a:t>
+              <a:t>2019-05-20</a:t>
             </a:fld>
             <a:endParaRPr lang="ko-KR" altLang="en-US">
               <a:solidFill>
@@ -3365,7 +3366,7 @@
           <p:cNvPr id="6" name="바닥글 개체 틀 5">
             <a:extLst>
               <a:ext uri="{FF2B5EF4-FFF2-40B4-BE49-F238E27FC236}">
-                <a16:creationId xmlns="" xmlns:a16="http://schemas.microsoft.com/office/drawing/2014/main" id="{9BFA4037-6B16-4DCF-B42A-04CA15059F48}"/>
+                <a16:creationId xmlns:a16="http://schemas.microsoft.com/office/drawing/2014/main" xmlns="" id="{9BFA4037-6B16-4DCF-B42A-04CA15059F48}"/>
               </a:ext>
             </a:extLst>
           </p:cNvPr>
@@ -3396,7 +3397,7 @@
           <p:cNvPr id="7" name="슬라이드 번호 개체 틀 6">
             <a:extLst>
               <a:ext uri="{FF2B5EF4-FFF2-40B4-BE49-F238E27FC236}">
-                <a16:creationId xmlns="" xmlns:a16="http://schemas.microsoft.com/office/drawing/2014/main" id="{F41A69A5-76C9-4317-9EA8-5195D125D9B5}"/>
+                <a16:creationId xmlns:a16="http://schemas.microsoft.com/office/drawing/2014/main" xmlns="" id="{F41A69A5-76C9-4317-9EA8-5195D125D9B5}"/>
               </a:ext>
             </a:extLst>
           </p:cNvPr>
@@ -3473,7 +3474,7 @@
           <p:cNvPr id="2" name="제목 개체 틀 1">
             <a:extLst>
               <a:ext uri="{FF2B5EF4-FFF2-40B4-BE49-F238E27FC236}">
-                <a16:creationId xmlns="" xmlns:a16="http://schemas.microsoft.com/office/drawing/2014/main" id="{E67ADECC-9799-4216-9862-AA5ADA4C89E7}"/>
+                <a16:creationId xmlns:a16="http://schemas.microsoft.com/office/drawing/2014/main" xmlns="" id="{E67ADECC-9799-4216-9862-AA5ADA4C89E7}"/>
               </a:ext>
             </a:extLst>
           </p:cNvPr>
@@ -3511,7 +3512,7 @@
           <p:cNvPr id="3" name="텍스트 개체 틀 2">
             <a:extLst>
               <a:ext uri="{FF2B5EF4-FFF2-40B4-BE49-F238E27FC236}">
-                <a16:creationId xmlns="" xmlns:a16="http://schemas.microsoft.com/office/drawing/2014/main" id="{247C8BE3-DBC3-496D-978E-EEAF27BD153D}"/>
+                <a16:creationId xmlns:a16="http://schemas.microsoft.com/office/drawing/2014/main" xmlns="" id="{247C8BE3-DBC3-496D-978E-EEAF27BD153D}"/>
               </a:ext>
             </a:extLst>
           </p:cNvPr>
@@ -3578,7 +3579,7 @@
           <p:cNvPr id="4" name="날짜 개체 틀 3">
             <a:extLst>
               <a:ext uri="{FF2B5EF4-FFF2-40B4-BE49-F238E27FC236}">
-                <a16:creationId xmlns="" xmlns:a16="http://schemas.microsoft.com/office/drawing/2014/main" id="{3EA01D7B-4D81-4C57-A818-0D2B635AD141}"/>
+                <a16:creationId xmlns:a16="http://schemas.microsoft.com/office/drawing/2014/main" xmlns="" id="{3EA01D7B-4D81-4C57-A818-0D2B635AD141}"/>
               </a:ext>
             </a:extLst>
           </p:cNvPr>
@@ -3620,7 +3621,7 @@
                   </a:prstClr>
                 </a:solidFill>
               </a:rPr>
-              <a:t>2019-05-15</a:t>
+              <a:t>2019-05-20</a:t>
             </a:fld>
             <a:endParaRPr lang="ko-KR" altLang="en-US">
               <a:solidFill>
@@ -3637,7 +3638,7 @@
           <p:cNvPr id="5" name="바닥글 개체 틀 4">
             <a:extLst>
               <a:ext uri="{FF2B5EF4-FFF2-40B4-BE49-F238E27FC236}">
-                <a16:creationId xmlns="" xmlns:a16="http://schemas.microsoft.com/office/drawing/2014/main" id="{D5504206-C714-4A83-8AB2-390F6A4DB12B}"/>
+                <a16:creationId xmlns:a16="http://schemas.microsoft.com/office/drawing/2014/main" xmlns="" id="{D5504206-C714-4A83-8AB2-390F6A4DB12B}"/>
               </a:ext>
             </a:extLst>
           </p:cNvPr>
@@ -3686,7 +3687,7 @@
           <p:cNvPr id="6" name="슬라이드 번호 개체 틀 5">
             <a:extLst>
               <a:ext uri="{FF2B5EF4-FFF2-40B4-BE49-F238E27FC236}">
-                <a16:creationId xmlns="" xmlns:a16="http://schemas.microsoft.com/office/drawing/2014/main" id="{DC61C595-D0A5-4894-99F9-5A8A1E0099AF}"/>
+                <a16:creationId xmlns:a16="http://schemas.microsoft.com/office/drawing/2014/main" xmlns="" id="{DC61C595-D0A5-4894-99F9-5A8A1E0099AF}"/>
               </a:ext>
             </a:extLst>
           </p:cNvPr>
@@ -4131,7 +4132,7 @@
           <p:cNvPr id="44" name="직사각형 43">
             <a:extLst>
               <a:ext uri="{FF2B5EF4-FFF2-40B4-BE49-F238E27FC236}">
-                <a16:creationId xmlns="" xmlns:a16="http://schemas.microsoft.com/office/drawing/2014/main" id="{D8241E59-0646-41EB-8ED0-090409856B7D}"/>
+                <a16:creationId xmlns:a16="http://schemas.microsoft.com/office/drawing/2014/main" xmlns="" id="{D8241E59-0646-41EB-8ED0-090409856B7D}"/>
               </a:ext>
             </a:extLst>
           </p:cNvPr>
@@ -4187,7 +4188,7 @@
           <p:cNvPr id="26" name="직사각형 25">
             <a:extLst>
               <a:ext uri="{FF2B5EF4-FFF2-40B4-BE49-F238E27FC236}">
-                <a16:creationId xmlns="" xmlns:a16="http://schemas.microsoft.com/office/drawing/2014/main" id="{24EDB60A-88EE-4624-924F-1D4B6948100C}"/>
+                <a16:creationId xmlns:a16="http://schemas.microsoft.com/office/drawing/2014/main" xmlns="" id="{24EDB60A-88EE-4624-924F-1D4B6948100C}"/>
               </a:ext>
             </a:extLst>
           </p:cNvPr>
@@ -4269,7 +4270,7 @@
           <p:cNvPr id="30" name="직사각형 29">
             <a:extLst>
               <a:ext uri="{FF2B5EF4-FFF2-40B4-BE49-F238E27FC236}">
-                <a16:creationId xmlns="" xmlns:a16="http://schemas.microsoft.com/office/drawing/2014/main" id="{32B56811-2E7B-4FBF-99CB-4CECF20A9AC0}"/>
+                <a16:creationId xmlns:a16="http://schemas.microsoft.com/office/drawing/2014/main" xmlns="" id="{32B56811-2E7B-4FBF-99CB-4CECF20A9AC0}"/>
               </a:ext>
             </a:extLst>
           </p:cNvPr>
@@ -4341,7 +4342,7 @@
             <p:cNvPr id="34" name="타원 33">
               <a:extLst>
                 <a:ext uri="{FF2B5EF4-FFF2-40B4-BE49-F238E27FC236}">
-                  <a16:creationId xmlns="" xmlns:a16="http://schemas.microsoft.com/office/drawing/2014/main" id="{D8241E59-0646-41EB-8ED0-090409856B7D}"/>
+                  <a16:creationId xmlns:a16="http://schemas.microsoft.com/office/drawing/2014/main" xmlns="" id="{D8241E59-0646-41EB-8ED0-090409856B7D}"/>
                 </a:ext>
               </a:extLst>
             </p:cNvPr>
@@ -4397,7 +4398,7 @@
             <p:cNvPr id="35" name="Freeform 11">
               <a:extLst>
                 <a:ext uri="{FF2B5EF4-FFF2-40B4-BE49-F238E27FC236}">
-                  <a16:creationId xmlns="" xmlns:a16="http://schemas.microsoft.com/office/drawing/2014/main" id="{C4F9A130-FA06-4C64-B9C8-AF00295A3700}"/>
+                  <a16:creationId xmlns:a16="http://schemas.microsoft.com/office/drawing/2014/main" xmlns="" id="{C4F9A130-FA06-4C64-B9C8-AF00295A3700}"/>
                 </a:ext>
               </a:extLst>
             </p:cNvPr>
@@ -6274,7 +6275,7 @@
             <p:cNvPr id="36" name="타원 35">
               <a:extLst>
                 <a:ext uri="{FF2B5EF4-FFF2-40B4-BE49-F238E27FC236}">
-                  <a16:creationId xmlns="" xmlns:a16="http://schemas.microsoft.com/office/drawing/2014/main" id="{D8241E59-0646-41EB-8ED0-090409856B7D}"/>
+                  <a16:creationId xmlns:a16="http://schemas.microsoft.com/office/drawing/2014/main" xmlns="" id="{D8241E59-0646-41EB-8ED0-090409856B7D}"/>
                 </a:ext>
               </a:extLst>
             </p:cNvPr>
@@ -6330,7 +6331,7 @@
             <p:cNvPr id="38" name="Group 20">
               <a:extLst>
                 <a:ext uri="{FF2B5EF4-FFF2-40B4-BE49-F238E27FC236}">
-                  <a16:creationId xmlns="" xmlns:a16="http://schemas.microsoft.com/office/drawing/2014/main" id="{1C7089A4-20D7-4AF1-BE6E-531433FE9E66}"/>
+                  <a16:creationId xmlns:a16="http://schemas.microsoft.com/office/drawing/2014/main" xmlns="" id="{1C7089A4-20D7-4AF1-BE6E-531433FE9E66}"/>
                 </a:ext>
               </a:extLst>
             </p:cNvPr>
@@ -6355,7 +6356,7 @@
               <p:cNvPr id="39" name="Freeform 22">
                 <a:extLst>
                   <a:ext uri="{FF2B5EF4-FFF2-40B4-BE49-F238E27FC236}">
-                    <a16:creationId xmlns="" xmlns:a16="http://schemas.microsoft.com/office/drawing/2014/main" id="{4FD96A79-3125-4B4D-9D0F-5318695145ED}"/>
+                    <a16:creationId xmlns:a16="http://schemas.microsoft.com/office/drawing/2014/main" xmlns="" id="{4FD96A79-3125-4B4D-9D0F-5318695145ED}"/>
                   </a:ext>
                 </a:extLst>
               </p:cNvPr>
@@ -7341,7 +7342,7 @@
               <p:cNvPr id="40" name="Freeform 23">
                 <a:extLst>
                   <a:ext uri="{FF2B5EF4-FFF2-40B4-BE49-F238E27FC236}">
-                    <a16:creationId xmlns="" xmlns:a16="http://schemas.microsoft.com/office/drawing/2014/main" id="{1E104CFD-44EE-4744-892C-82D81F2C0045}"/>
+                    <a16:creationId xmlns:a16="http://schemas.microsoft.com/office/drawing/2014/main" xmlns="" id="{1E104CFD-44EE-4744-892C-82D81F2C0045}"/>
                   </a:ext>
                 </a:extLst>
               </p:cNvPr>
@@ -8237,7 +8238,7 @@
               <p:cNvPr id="41" name="Freeform 24">
                 <a:extLst>
                   <a:ext uri="{FF2B5EF4-FFF2-40B4-BE49-F238E27FC236}">
-                    <a16:creationId xmlns="" xmlns:a16="http://schemas.microsoft.com/office/drawing/2014/main" id="{E013D346-0728-4628-A7B9-15F1191C1C66}"/>
+                    <a16:creationId xmlns:a16="http://schemas.microsoft.com/office/drawing/2014/main" xmlns="" id="{E013D346-0728-4628-A7B9-15F1191C1C66}"/>
                   </a:ext>
                 </a:extLst>
               </p:cNvPr>
@@ -8681,7 +8682,7 @@
               <p:cNvPr id="42" name="Freeform 25">
                 <a:extLst>
                   <a:ext uri="{FF2B5EF4-FFF2-40B4-BE49-F238E27FC236}">
-                    <a16:creationId xmlns="" xmlns:a16="http://schemas.microsoft.com/office/drawing/2014/main" id="{388D3E4B-8569-4D4B-B6C3-A3B9FCAA8122}"/>
+                    <a16:creationId xmlns:a16="http://schemas.microsoft.com/office/drawing/2014/main" xmlns="" id="{388D3E4B-8569-4D4B-B6C3-A3B9FCAA8122}"/>
                   </a:ext>
                 </a:extLst>
               </p:cNvPr>
@@ -9186,7 +9187,7 @@
           <p:cNvPr id="40" name="사각형: 둥근 모서리 39">
             <a:extLst>
               <a:ext uri="{FF2B5EF4-FFF2-40B4-BE49-F238E27FC236}">
-                <a16:creationId xmlns="" xmlns:a16="http://schemas.microsoft.com/office/drawing/2014/main" id="{DEB48728-12FA-4B10-82E6-7899DDCA2731}"/>
+                <a16:creationId xmlns:a16="http://schemas.microsoft.com/office/drawing/2014/main" xmlns="" id="{DEB48728-12FA-4B10-82E6-7899DDCA2731}"/>
               </a:ext>
             </a:extLst>
           </p:cNvPr>
@@ -9258,7 +9259,7 @@
           <p:cNvPr id="43" name="직사각형 42">
             <a:extLst>
               <a:ext uri="{FF2B5EF4-FFF2-40B4-BE49-F238E27FC236}">
-                <a16:creationId xmlns="" xmlns:a16="http://schemas.microsoft.com/office/drawing/2014/main" id="{32B56811-2E7B-4FBF-99CB-4CECF20A9AC0}"/>
+                <a16:creationId xmlns:a16="http://schemas.microsoft.com/office/drawing/2014/main" xmlns="" id="{32B56811-2E7B-4FBF-99CB-4CECF20A9AC0}"/>
               </a:ext>
             </a:extLst>
           </p:cNvPr>
@@ -9429,7 +9430,842 @@
           <p:cNvPr id="13" name="직사각형 12">
             <a:extLst>
               <a:ext uri="{FF2B5EF4-FFF2-40B4-BE49-F238E27FC236}">
-                <a16:creationId xmlns="" xmlns:a16="http://schemas.microsoft.com/office/drawing/2014/main" id="{24EDB60A-88EE-4624-924F-1D4B6948100C}"/>
+                <a16:creationId xmlns:a16="http://schemas.microsoft.com/office/drawing/2014/main" xmlns="" id="{24EDB60A-88EE-4624-924F-1D4B6948100C}"/>
+              </a:ext>
+            </a:extLst>
+          </p:cNvPr>
+          <p:cNvSpPr/>
+          <p:nvPr/>
+        </p:nvSpPr>
+        <p:spPr>
+          <a:xfrm>
+            <a:off x="2371327" y="544106"/>
+            <a:ext cx="2498128" cy="414024"/>
+          </a:xfrm>
+          <a:prstGeom prst="rect">
+            <a:avLst/>
+          </a:prstGeom>
+          <a:noFill/>
+        </p:spPr>
+        <p:txBody>
+          <a:bodyPr wrap="square">
+            <a:spAutoFit/>
+          </a:bodyPr>
+          <a:lstStyle/>
+          <a:p>
+            <a:pPr latinLnBrk="0">
+              <a:lnSpc>
+                <a:spcPct val="150000"/>
+              </a:lnSpc>
+              <a:defRPr/>
+            </a:pPr>
+            <a:r>
+              <a:rPr lang="en-US" altLang="ko-KR" sz="1600" kern="0" dirty="0">
+                <a:solidFill>
+                  <a:prstClr val="white"/>
+                </a:solidFill>
+              </a:rPr>
+              <a:t>4</a:t>
+            </a:r>
+            <a:r>
+              <a:rPr lang="en-US" altLang="ko-KR" sz="1600" kern="0" dirty="0" smtClean="0">
+                <a:solidFill>
+                  <a:prstClr val="white"/>
+                </a:solidFill>
+              </a:rPr>
+              <a:t>) </a:t>
+            </a:r>
+            <a:r>
+              <a:rPr lang="ko-KR" altLang="en-US" sz="1600" kern="0" dirty="0" err="1" smtClean="0">
+                <a:solidFill>
+                  <a:prstClr val="white"/>
+                </a:solidFill>
+              </a:rPr>
+              <a:t>스테이터스</a:t>
+            </a:r>
+            <a:r>
+              <a:rPr lang="ko-KR" altLang="en-US" sz="1600" kern="0" dirty="0" smtClean="0">
+                <a:solidFill>
+                  <a:prstClr val="white"/>
+                </a:solidFill>
+              </a:rPr>
+              <a:t> </a:t>
+            </a:r>
+            <a:r>
+              <a:rPr lang="en-US" altLang="ko-KR" sz="1400" kern="0" dirty="0" smtClean="0">
+                <a:solidFill>
+                  <a:prstClr val="white"/>
+                </a:solidFill>
+              </a:rPr>
+              <a:t>(</a:t>
+            </a:r>
+            <a:r>
+              <a:rPr lang="ko-KR" altLang="en-US" sz="1400" kern="0" dirty="0" smtClean="0">
+                <a:solidFill>
+                  <a:prstClr val="white"/>
+                </a:solidFill>
+              </a:rPr>
+              <a:t>장비</a:t>
+            </a:r>
+            <a:r>
+              <a:rPr lang="en-US" altLang="ko-KR" sz="1400" kern="0" dirty="0" smtClean="0">
+                <a:solidFill>
+                  <a:prstClr val="white"/>
+                </a:solidFill>
+              </a:rPr>
+              <a:t>)</a:t>
+            </a:r>
+            <a:endParaRPr lang="ko-KR" altLang="en-US" sz="8000" kern="0" dirty="0">
+              <a:solidFill>
+                <a:prstClr val="white"/>
+              </a:solidFill>
+            </a:endParaRPr>
+          </a:p>
+        </p:txBody>
+      </p:sp>
+      <p:cxnSp>
+        <p:nvCxnSpPr>
+          <p:cNvPr id="15" name="직선 화살표 연결선 14"/>
+          <p:cNvCxnSpPr/>
+          <p:nvPr/>
+        </p:nvCxnSpPr>
+        <p:spPr>
+          <a:xfrm>
+            <a:off x="2051732" y="2615570"/>
+            <a:ext cx="1195555" cy="873109"/>
+          </a:xfrm>
+          <a:prstGeom prst="straightConnector1">
+            <a:avLst/>
+          </a:prstGeom>
+          <a:ln w="28575">
+            <a:solidFill>
+              <a:srgbClr val="FF0000"/>
+            </a:solidFill>
+            <a:tailEnd type="triangle"/>
+          </a:ln>
+        </p:spPr>
+        <p:style>
+          <a:lnRef idx="1">
+            <a:schemeClr val="accent1"/>
+          </a:lnRef>
+          <a:fillRef idx="0">
+            <a:schemeClr val="accent1"/>
+          </a:fillRef>
+          <a:effectRef idx="0">
+            <a:schemeClr val="accent1"/>
+          </a:effectRef>
+          <a:fontRef idx="minor">
+            <a:schemeClr val="tx1"/>
+          </a:fontRef>
+        </p:style>
+      </p:cxnSp>
+      <p:pic>
+        <p:nvPicPr>
+          <p:cNvPr id="1026" name="Picture 2"/>
+          <p:cNvPicPr>
+            <a:picLocks noChangeAspect="1" noChangeArrowheads="1"/>
+          </p:cNvPicPr>
+          <p:nvPr/>
+        </p:nvPicPr>
+        <p:blipFill>
+          <a:blip r:embed="rId3">
+            <a:extLst>
+              <a:ext uri="{28A0092B-C50C-407E-A947-70E740481C1C}">
+                <a14:useLocalDpi xmlns:a14="http://schemas.microsoft.com/office/drawing/2010/main" val="0"/>
+              </a:ext>
+            </a:extLst>
+          </a:blip>
+          <a:srcRect/>
+          <a:stretch>
+            <a:fillRect/>
+          </a:stretch>
+        </p:blipFill>
+        <p:spPr bwMode="auto">
+          <a:xfrm>
+            <a:off x="3247287" y="3488679"/>
+            <a:ext cx="5281933" cy="1478153"/>
+          </a:xfrm>
+          <a:prstGeom prst="rect">
+            <a:avLst/>
+          </a:prstGeom>
+          <a:noFill/>
+          <a:ln>
+            <a:noFill/>
+          </a:ln>
+          <a:effectLst/>
+          <a:extLst>
+            <a:ext uri="{909E8E84-426E-40DD-AFC4-6F175D3DCCD1}">
+              <a14:hiddenFill xmlns:a14="http://schemas.microsoft.com/office/drawing/2010/main">
+                <a:solidFill>
+                  <a:schemeClr val="accent1"/>
+                </a:solidFill>
+              </a14:hiddenFill>
+            </a:ext>
+            <a:ext uri="{91240B29-F687-4F45-9708-019B960494DF}">
+              <a14:hiddenLine xmlns:a14="http://schemas.microsoft.com/office/drawing/2010/main" w="9525">
+                <a:solidFill>
+                  <a:schemeClr val="tx1"/>
+                </a:solidFill>
+                <a:miter lim="800000"/>
+                <a:headEnd/>
+                <a:tailEnd/>
+              </a14:hiddenLine>
+            </a:ext>
+            <a:ext uri="{AF507438-7753-43E0-B8FC-AC1667EBCBE1}">
+              <a14:hiddenEffects xmlns:a14="http://schemas.microsoft.com/office/drawing/2010/main">
+                <a:effectLst>
+                  <a:outerShdw dist="35921" dir="2700000" algn="ctr" rotWithShape="0">
+                    <a:schemeClr val="bg2"/>
+                  </a:outerShdw>
+                </a:effectLst>
+              </a14:hiddenEffects>
+            </a:ext>
+          </a:extLst>
+        </p:spPr>
+      </p:pic>
+      <p:sp>
+        <p:nvSpPr>
+          <p:cNvPr id="22" name="직사각형 21"/>
+          <p:cNvSpPr/>
+          <p:nvPr/>
+        </p:nvSpPr>
+        <p:spPr>
+          <a:xfrm>
+            <a:off x="3353750" y="3737562"/>
+            <a:ext cx="1343456" cy="556296"/>
+          </a:xfrm>
+          <a:prstGeom prst="rect">
+            <a:avLst/>
+          </a:prstGeom>
+          <a:noFill/>
+          <a:ln>
+            <a:solidFill>
+              <a:srgbClr val="FF0000"/>
+            </a:solidFill>
+            <a:prstDash val="dash"/>
+          </a:ln>
+        </p:spPr>
+        <p:style>
+          <a:lnRef idx="2">
+            <a:schemeClr val="accent1">
+              <a:shade val="50000"/>
+            </a:schemeClr>
+          </a:lnRef>
+          <a:fillRef idx="1">
+            <a:schemeClr val="accent1"/>
+          </a:fillRef>
+          <a:effectRef idx="0">
+            <a:schemeClr val="accent1"/>
+          </a:effectRef>
+          <a:fontRef idx="minor">
+            <a:schemeClr val="lt1"/>
+          </a:fontRef>
+        </p:style>
+        <p:txBody>
+          <a:bodyPr rtlCol="0" anchor="ctr"/>
+          <a:lstStyle/>
+          <a:p>
+            <a:pPr algn="ctr"/>
+            <a:endParaRPr lang="ko-KR" altLang="en-US"/>
+          </a:p>
+        </p:txBody>
+      </p:sp>
+      <p:cxnSp>
+        <p:nvCxnSpPr>
+          <p:cNvPr id="30" name="직선 화살표 연결선 29"/>
+          <p:cNvCxnSpPr/>
+          <p:nvPr/>
+        </p:nvCxnSpPr>
+        <p:spPr>
+          <a:xfrm flipH="1">
+            <a:off x="4560985" y="2539850"/>
+            <a:ext cx="1718629" cy="1197712"/>
+          </a:xfrm>
+          <a:prstGeom prst="straightConnector1">
+            <a:avLst/>
+          </a:prstGeom>
+          <a:ln w="28575">
+            <a:solidFill>
+              <a:srgbClr val="FF0000"/>
+            </a:solidFill>
+            <a:prstDash val="dash"/>
+            <a:tailEnd type="triangle"/>
+          </a:ln>
+        </p:spPr>
+        <p:style>
+          <a:lnRef idx="1">
+            <a:schemeClr val="accent1"/>
+          </a:lnRef>
+          <a:fillRef idx="0">
+            <a:schemeClr val="accent1"/>
+          </a:fillRef>
+          <a:effectRef idx="0">
+            <a:schemeClr val="accent1"/>
+          </a:effectRef>
+          <a:fontRef idx="minor">
+            <a:schemeClr val="tx1"/>
+          </a:fontRef>
+        </p:style>
+      </p:cxnSp>
+      <p:sp>
+        <p:nvSpPr>
+          <p:cNvPr id="24" name="직사각형 23"/>
+          <p:cNvSpPr/>
+          <p:nvPr/>
+        </p:nvSpPr>
+        <p:spPr>
+          <a:xfrm>
+            <a:off x="5772839" y="1005771"/>
+            <a:ext cx="5640636" cy="1534080"/>
+          </a:xfrm>
+          <a:prstGeom prst="rect">
+            <a:avLst/>
+          </a:prstGeom>
+          <a:solidFill>
+            <a:schemeClr val="tx2"/>
+          </a:solidFill>
+          <a:ln>
+            <a:solidFill>
+              <a:schemeClr val="accent5">
+                <a:lumMod val="50000"/>
+              </a:schemeClr>
+            </a:solidFill>
+          </a:ln>
+        </p:spPr>
+        <p:style>
+          <a:lnRef idx="2">
+            <a:schemeClr val="accent1">
+              <a:shade val="50000"/>
+            </a:schemeClr>
+          </a:lnRef>
+          <a:fillRef idx="1">
+            <a:schemeClr val="accent1"/>
+          </a:fillRef>
+          <a:effectRef idx="0">
+            <a:schemeClr val="accent1"/>
+          </a:effectRef>
+          <a:fontRef idx="minor">
+            <a:schemeClr val="lt1"/>
+          </a:fontRef>
+        </p:style>
+        <p:txBody>
+          <a:bodyPr rtlCol="0" anchor="ctr"/>
+          <a:lstStyle/>
+          <a:p>
+            <a:r>
+              <a:rPr lang="ko-KR" altLang="en-US" sz="1200" dirty="0" smtClean="0">
+                <a:solidFill>
+                  <a:schemeClr val="bg1">
+                    <a:lumMod val="85000"/>
+                  </a:schemeClr>
+                </a:solidFill>
+              </a:rPr>
+              <a:t>플레이어가 장비류를 장비하고 있는 경우 그에 대응하는 아이콘이 생성되어</a:t>
+            </a:r>
+            <a:endParaRPr lang="en-US" altLang="ko-KR" sz="1200" dirty="0" smtClean="0">
+              <a:solidFill>
+                <a:schemeClr val="bg1">
+                  <a:lumMod val="85000"/>
+                </a:schemeClr>
+              </a:solidFill>
+            </a:endParaRPr>
+          </a:p>
+          <a:p>
+            <a:r>
+              <a:rPr lang="ko-KR" altLang="en-US" sz="1200" dirty="0" smtClean="0">
+                <a:solidFill>
+                  <a:schemeClr val="bg1">
+                    <a:lumMod val="85000"/>
+                  </a:schemeClr>
+                </a:solidFill>
+              </a:rPr>
+              <a:t>현재 </a:t>
+            </a:r>
+            <a:r>
+              <a:rPr lang="ko-KR" altLang="en-US" sz="1200" dirty="0">
+                <a:solidFill>
+                  <a:schemeClr val="bg1">
+                    <a:lumMod val="85000"/>
+                  </a:schemeClr>
+                </a:solidFill>
+              </a:rPr>
+              <a:t>플레이어가 장비하고 있는 가방과 헬멧</a:t>
+            </a:r>
+            <a:r>
+              <a:rPr lang="en-US" altLang="ko-KR" sz="1200" dirty="0">
+                <a:solidFill>
+                  <a:schemeClr val="bg1">
+                    <a:lumMod val="85000"/>
+                  </a:schemeClr>
+                </a:solidFill>
+              </a:rPr>
+              <a:t>, </a:t>
+            </a:r>
+            <a:r>
+              <a:rPr lang="ko-KR" altLang="en-US" sz="1200" dirty="0">
+                <a:solidFill>
+                  <a:schemeClr val="bg1">
+                    <a:lumMod val="85000"/>
+                  </a:schemeClr>
+                </a:solidFill>
+              </a:rPr>
+              <a:t>조끼의 레벨과 상태를 보여준다</a:t>
+            </a:r>
+            <a:r>
+              <a:rPr lang="en-US" altLang="ko-KR" sz="1200" dirty="0">
+                <a:solidFill>
+                  <a:schemeClr val="bg1">
+                    <a:lumMod val="85000"/>
+                  </a:schemeClr>
+                </a:solidFill>
+              </a:rPr>
+              <a:t>. </a:t>
+            </a:r>
+            <a:r>
+              <a:rPr lang="ko-KR" altLang="en-US" sz="1200" dirty="0">
+                <a:solidFill>
+                  <a:schemeClr val="bg1">
+                    <a:lumMod val="85000"/>
+                  </a:schemeClr>
+                </a:solidFill>
+              </a:rPr>
+              <a:t>레벨마다 서로 다른 아이콘을 적용하고</a:t>
+            </a:r>
+            <a:r>
+              <a:rPr lang="en-US" altLang="ko-KR" sz="1200" dirty="0">
+                <a:solidFill>
+                  <a:schemeClr val="bg1">
+                    <a:lumMod val="85000"/>
+                  </a:schemeClr>
+                </a:solidFill>
+              </a:rPr>
+              <a:t>, </a:t>
+            </a:r>
+            <a:r>
+              <a:rPr lang="ko-KR" altLang="en-US" sz="1200" dirty="0" err="1">
+                <a:solidFill>
+                  <a:schemeClr val="bg1">
+                    <a:lumMod val="85000"/>
+                  </a:schemeClr>
+                </a:solidFill>
+              </a:rPr>
+              <a:t>방어구의</a:t>
+            </a:r>
+            <a:r>
+              <a:rPr lang="ko-KR" altLang="en-US" sz="1200" dirty="0">
+                <a:solidFill>
+                  <a:schemeClr val="bg1">
+                    <a:lumMod val="85000"/>
+                  </a:schemeClr>
+                </a:solidFill>
+              </a:rPr>
+              <a:t> 경우 적의 공격으로 방어도가 깎였을 때 그 비율에 따라 밑에서부터 빨간색으로 채워진다</a:t>
+            </a:r>
+            <a:r>
+              <a:rPr lang="en-US" altLang="ko-KR" sz="1200" dirty="0">
+                <a:solidFill>
+                  <a:schemeClr val="bg1">
+                    <a:lumMod val="85000"/>
+                  </a:schemeClr>
+                </a:solidFill>
+              </a:rPr>
+              <a:t>. </a:t>
+            </a:r>
+            <a:r>
+              <a:rPr lang="ko-KR" altLang="en-US" sz="1200" dirty="0">
+                <a:solidFill>
+                  <a:schemeClr val="bg1">
+                    <a:lumMod val="85000"/>
+                  </a:schemeClr>
+                </a:solidFill>
+              </a:rPr>
+              <a:t>이를 통해 </a:t>
+            </a:r>
+            <a:r>
+              <a:rPr lang="ko-KR" altLang="en-US" sz="1200" dirty="0">
+                <a:solidFill>
+                  <a:schemeClr val="accent4"/>
+                </a:solidFill>
+              </a:rPr>
+              <a:t>굳이 </a:t>
+            </a:r>
+            <a:endParaRPr lang="en-US" altLang="ko-KR" sz="1200" dirty="0">
+              <a:solidFill>
+                <a:schemeClr val="accent4"/>
+              </a:solidFill>
+            </a:endParaRPr>
+          </a:p>
+          <a:p>
+            <a:r>
+              <a:rPr lang="ko-KR" altLang="en-US" sz="1200" dirty="0" err="1">
+                <a:solidFill>
+                  <a:schemeClr val="accent4"/>
+                </a:solidFill>
+              </a:rPr>
+              <a:t>인벤토리를</a:t>
+            </a:r>
+            <a:r>
+              <a:rPr lang="ko-KR" altLang="en-US" sz="1200" dirty="0">
+                <a:solidFill>
+                  <a:schemeClr val="accent4"/>
+                </a:solidFill>
+              </a:rPr>
+              <a:t> 열지 않고도 자신의 </a:t>
+            </a:r>
+            <a:r>
+              <a:rPr lang="ko-KR" altLang="en-US" sz="1200" dirty="0" smtClean="0">
+                <a:solidFill>
+                  <a:schemeClr val="accent4"/>
+                </a:solidFill>
+              </a:rPr>
+              <a:t>장비 상태와 수준을 </a:t>
+            </a:r>
+            <a:r>
+              <a:rPr lang="ko-KR" altLang="en-US" sz="1200" dirty="0">
+                <a:solidFill>
+                  <a:schemeClr val="accent4"/>
+                </a:solidFill>
+              </a:rPr>
+              <a:t>한 눈에 파악할 수 있고 </a:t>
+            </a:r>
+            <a:endParaRPr lang="en-US" altLang="ko-KR" sz="1200" dirty="0">
+              <a:solidFill>
+                <a:schemeClr val="accent4"/>
+              </a:solidFill>
+            </a:endParaRPr>
+          </a:p>
+          <a:p>
+            <a:r>
+              <a:rPr lang="ko-KR" altLang="en-US" sz="1200" dirty="0">
+                <a:solidFill>
+                  <a:schemeClr val="accent4"/>
+                </a:solidFill>
+              </a:rPr>
+              <a:t>그럼으로써 간편하고 신속한 아이템 </a:t>
+            </a:r>
+            <a:r>
+              <a:rPr lang="ko-KR" altLang="en-US" sz="1200" dirty="0" err="1">
+                <a:solidFill>
+                  <a:schemeClr val="accent4"/>
+                </a:solidFill>
+              </a:rPr>
+              <a:t>파밍을</a:t>
+            </a:r>
+            <a:r>
+              <a:rPr lang="ko-KR" altLang="en-US" sz="1200" dirty="0">
+                <a:solidFill>
+                  <a:schemeClr val="accent4"/>
+                </a:solidFill>
+              </a:rPr>
+              <a:t> 유도한다</a:t>
+            </a:r>
+            <a:r>
+              <a:rPr lang="en-US" altLang="ko-KR" sz="1200" dirty="0">
+                <a:solidFill>
+                  <a:schemeClr val="accent4"/>
+                </a:solidFill>
+              </a:rPr>
+              <a:t>.</a:t>
+            </a:r>
+          </a:p>
+        </p:txBody>
+      </p:sp>
+    </p:spTree>
+    <p:extLst>
+      <p:ext uri="{BB962C8B-B14F-4D97-AF65-F5344CB8AC3E}">
+        <p14:creationId xmlns:p14="http://schemas.microsoft.com/office/powerpoint/2010/main" val="2559082494"/>
+      </p:ext>
+    </p:extLst>
+  </p:cSld>
+  <p:clrMapOvr>
+    <a:masterClrMapping/>
+  </p:clrMapOvr>
+  <p:timing>
+    <p:tnLst>
+      <p:par>
+        <p:cTn id="1" dur="indefinite" restart="never" nodeType="tmRoot"/>
+      </p:par>
+    </p:tnLst>
+  </p:timing>
+</p:sld>
+</file>
+
+<file path=ppt/slides/slide11.xml><?xml version="1.0" encoding="utf-8"?>
+<p:sld xmlns:a="http://schemas.openxmlformats.org/drawingml/2006/main" xmlns:r="http://schemas.openxmlformats.org/officeDocument/2006/relationships" xmlns:p="http://schemas.openxmlformats.org/presentationml/2006/main">
+  <p:cSld>
+    <p:bg>
+      <p:bgPr>
+        <a:solidFill>
+          <a:schemeClr val="tx2">
+            <a:lumMod val="50000"/>
+          </a:schemeClr>
+        </a:solidFill>
+        <a:effectLst/>
+      </p:bgPr>
+    </p:bg>
+    <p:spTree>
+      <p:nvGrpSpPr>
+        <p:cNvPr id="1" name=""/>
+        <p:cNvGrpSpPr/>
+        <p:nvPr/>
+      </p:nvGrpSpPr>
+      <p:grpSpPr>
+        <a:xfrm>
+          <a:off x="0" y="0"/>
+          <a:ext cx="0" cy="0"/>
+          <a:chOff x="0" y="0"/>
+          <a:chExt cx="0" cy="0"/>
+        </a:xfrm>
+      </p:grpSpPr>
+      <p:sp>
+        <p:nvSpPr>
+          <p:cNvPr id="40" name="사각형: 둥근 모서리 39">
+            <a:extLst>
+              <a:ext uri="{FF2B5EF4-FFF2-40B4-BE49-F238E27FC236}">
+                <a16:creationId xmlns:a16="http://schemas.microsoft.com/office/drawing/2014/main" xmlns="" id="{DEB48728-12FA-4B10-82E6-7899DDCA2731}"/>
+              </a:ext>
+            </a:extLst>
+          </p:cNvPr>
+          <p:cNvSpPr/>
+          <p:nvPr/>
+        </p:nvSpPr>
+        <p:spPr>
+          <a:xfrm>
+            <a:off x="491492" y="504093"/>
+            <a:ext cx="1711727" cy="585286"/>
+          </a:xfrm>
+          <a:prstGeom prst="roundRect">
+            <a:avLst>
+              <a:gd name="adj" fmla="val 50000"/>
+            </a:avLst>
+          </a:prstGeom>
+          <a:solidFill>
+            <a:srgbClr val="181E26"/>
+          </a:solidFill>
+          <a:ln>
+            <a:noFill/>
+          </a:ln>
+        </p:spPr>
+        <p:style>
+          <a:lnRef idx="2">
+            <a:schemeClr val="accent1">
+              <a:shade val="50000"/>
+            </a:schemeClr>
+          </a:lnRef>
+          <a:fillRef idx="1">
+            <a:schemeClr val="accent1"/>
+          </a:fillRef>
+          <a:effectRef idx="0">
+            <a:schemeClr val="accent1"/>
+          </a:effectRef>
+          <a:fontRef idx="minor">
+            <a:schemeClr val="lt1"/>
+          </a:fontRef>
+        </p:style>
+        <p:txBody>
+          <a:bodyPr rtlCol="0" anchor="ctr"/>
+          <a:lstStyle/>
+          <a:p>
+            <a:pPr algn="ctr">
+              <a:lnSpc>
+                <a:spcPct val="150000"/>
+              </a:lnSpc>
+            </a:pPr>
+            <a:r>
+              <a:rPr lang="ko-KR" altLang="en-US" sz="2400" b="1" dirty="0" smtClean="0">
+                <a:solidFill>
+                  <a:prstClr val="white"/>
+                </a:solidFill>
+              </a:rPr>
+              <a:t>기본 화면</a:t>
+            </a:r>
+            <a:endParaRPr lang="en-US" altLang="ko-KR" sz="1600" dirty="0">
+              <a:solidFill>
+                <a:prstClr val="white">
+                  <a:lumMod val="50000"/>
+                </a:prstClr>
+              </a:solidFill>
+            </a:endParaRPr>
+          </a:p>
+        </p:txBody>
+      </p:sp>
+      <p:sp>
+        <p:nvSpPr>
+          <p:cNvPr id="43" name="직사각형 42">
+            <a:extLst>
+              <a:ext uri="{FF2B5EF4-FFF2-40B4-BE49-F238E27FC236}">
+                <a16:creationId xmlns:a16="http://schemas.microsoft.com/office/drawing/2014/main" xmlns="" id="{32B56811-2E7B-4FBF-99CB-4CECF20A9AC0}"/>
+              </a:ext>
+            </a:extLst>
+          </p:cNvPr>
+          <p:cNvSpPr/>
+          <p:nvPr/>
+        </p:nvSpPr>
+        <p:spPr>
+          <a:xfrm>
+            <a:off x="0" y="472736"/>
+            <a:ext cx="45719" cy="648000"/>
+          </a:xfrm>
+          <a:prstGeom prst="rect">
+            <a:avLst/>
+          </a:prstGeom>
+          <a:solidFill>
+            <a:srgbClr val="FF9900"/>
+          </a:solidFill>
+          <a:ln>
+            <a:noFill/>
+          </a:ln>
+        </p:spPr>
+        <p:style>
+          <a:lnRef idx="2">
+            <a:schemeClr val="accent1">
+              <a:shade val="50000"/>
+            </a:schemeClr>
+          </a:lnRef>
+          <a:fillRef idx="1">
+            <a:schemeClr val="accent1"/>
+          </a:fillRef>
+          <a:effectRef idx="0">
+            <a:schemeClr val="accent1"/>
+          </a:effectRef>
+          <a:fontRef idx="minor">
+            <a:schemeClr val="lt1"/>
+          </a:fontRef>
+        </p:style>
+        <p:txBody>
+          <a:bodyPr rtlCol="0" anchor="ctr"/>
+          <a:lstStyle/>
+          <a:p>
+            <a:pPr algn="ctr">
+              <a:defRPr/>
+            </a:pPr>
+            <a:endParaRPr lang="ko-KR" altLang="en-US">
+              <a:solidFill>
+                <a:prstClr val="white"/>
+              </a:solidFill>
+            </a:endParaRPr>
+          </a:p>
+        </p:txBody>
+      </p:sp>
+      <p:sp>
+        <p:nvSpPr>
+          <p:cNvPr id="2" name="슬라이드 번호 개체 틀 1"/>
+          <p:cNvSpPr>
+            <a:spLocks noGrp="1"/>
+          </p:cNvSpPr>
+          <p:nvPr>
+            <p:ph type="sldNum" sz="quarter" idx="12"/>
+          </p:nvPr>
+        </p:nvSpPr>
+        <p:spPr/>
+        <p:txBody>
+          <a:bodyPr/>
+          <a:lstStyle/>
+          <a:p>
+            <a:fld id="{5D878A70-FB77-4F9B-8311-4FBED7F04F1E}" type="slidenum">
+              <a:rPr lang="ko-KR" altLang="en-US" sz="1600" smtClean="0">
+                <a:solidFill>
+                  <a:prstClr val="black">
+                    <a:tint val="75000"/>
+                  </a:prstClr>
+                </a:solidFill>
+              </a:rPr>
+              <a:pPr/>
+              <a:t>11</a:t>
+            </a:fld>
+            <a:endParaRPr lang="ko-KR" altLang="en-US" sz="1600" dirty="0">
+              <a:solidFill>
+                <a:prstClr val="black">
+                  <a:tint val="75000"/>
+                </a:prstClr>
+              </a:solidFill>
+            </a:endParaRPr>
+          </a:p>
+        </p:txBody>
+      </p:sp>
+      <p:pic>
+        <p:nvPicPr>
+          <p:cNvPr id="5" name="그림 4"/>
+          <p:cNvPicPr>
+            <a:picLocks noChangeAspect="1"/>
+          </p:cNvPicPr>
+          <p:nvPr/>
+        </p:nvPicPr>
+        <p:blipFill>
+          <a:blip r:embed="rId2" cstate="print">
+            <a:extLst>
+              <a:ext uri="{28A0092B-C50C-407E-A947-70E740481C1C}">
+                <a14:useLocalDpi xmlns:a14="http://schemas.microsoft.com/office/drawing/2010/main" val="0"/>
+              </a:ext>
+            </a:extLst>
+          </a:blip>
+          <a:stretch>
+            <a:fillRect/>
+          </a:stretch>
+        </p:blipFill>
+        <p:spPr>
+          <a:xfrm>
+            <a:off x="491492" y="1332345"/>
+            <a:ext cx="2404740" cy="1352666"/>
+          </a:xfrm>
+          <a:prstGeom prst="rect">
+            <a:avLst/>
+          </a:prstGeom>
+        </p:spPr>
+      </p:pic>
+      <p:sp>
+        <p:nvSpPr>
+          <p:cNvPr id="10" name="직사각형 9"/>
+          <p:cNvSpPr/>
+          <p:nvPr/>
+        </p:nvSpPr>
+        <p:spPr>
+          <a:xfrm>
+            <a:off x="1280324" y="2542834"/>
+            <a:ext cx="827075" cy="145472"/>
+          </a:xfrm>
+          <a:prstGeom prst="rect">
+            <a:avLst/>
+          </a:prstGeom>
+          <a:noFill/>
+          <a:ln>
+            <a:solidFill>
+              <a:srgbClr val="FF0000"/>
+            </a:solidFill>
+            <a:prstDash val="dash"/>
+          </a:ln>
+        </p:spPr>
+        <p:style>
+          <a:lnRef idx="2">
+            <a:schemeClr val="accent1">
+              <a:shade val="50000"/>
+            </a:schemeClr>
+          </a:lnRef>
+          <a:fillRef idx="1">
+            <a:schemeClr val="accent1"/>
+          </a:fillRef>
+          <a:effectRef idx="0">
+            <a:schemeClr val="accent1"/>
+          </a:effectRef>
+          <a:fontRef idx="minor">
+            <a:schemeClr val="lt1"/>
+          </a:fontRef>
+        </p:style>
+        <p:txBody>
+          <a:bodyPr rtlCol="0" anchor="ctr"/>
+          <a:lstStyle/>
+          <a:p>
+            <a:pPr algn="ctr"/>
+            <a:endParaRPr lang="ko-KR" altLang="en-US"/>
+          </a:p>
+        </p:txBody>
+      </p:sp>
+      <p:sp>
+        <p:nvSpPr>
+          <p:cNvPr id="13" name="직사각형 12">
+            <a:extLst>
+              <a:ext uri="{FF2B5EF4-FFF2-40B4-BE49-F238E27FC236}">
+                <a16:creationId xmlns:a16="http://schemas.microsoft.com/office/drawing/2014/main" xmlns="" id="{24EDB60A-88EE-4624-924F-1D4B6948100C}"/>
               </a:ext>
             </a:extLst>
           </p:cNvPr>
@@ -10275,7 +11111,7 @@
 </p:sld>
 </file>
 
-<file path=ppt/slides/slide11.xml><?xml version="1.0" encoding="utf-8"?>
+<file path=ppt/slides/slide12.xml><?xml version="1.0" encoding="utf-8"?>
 <p:sld xmlns:a="http://schemas.openxmlformats.org/drawingml/2006/main" xmlns:r="http://schemas.openxmlformats.org/officeDocument/2006/relationships" xmlns:p="http://schemas.openxmlformats.org/presentationml/2006/main">
   <p:cSld>
     <p:bg>
@@ -10307,7 +11143,7 @@
           <p:cNvPr id="40" name="사각형: 둥근 모서리 39">
             <a:extLst>
               <a:ext uri="{FF2B5EF4-FFF2-40B4-BE49-F238E27FC236}">
-                <a16:creationId xmlns="" xmlns:a16="http://schemas.microsoft.com/office/drawing/2014/main" id="{DEB48728-12FA-4B10-82E6-7899DDCA2731}"/>
+                <a16:creationId xmlns:a16="http://schemas.microsoft.com/office/drawing/2014/main" xmlns="" id="{DEB48728-12FA-4B10-82E6-7899DDCA2731}"/>
               </a:ext>
             </a:extLst>
           </p:cNvPr>
@@ -10379,7 +11215,7 @@
           <p:cNvPr id="43" name="직사각형 42">
             <a:extLst>
               <a:ext uri="{FF2B5EF4-FFF2-40B4-BE49-F238E27FC236}">
-                <a16:creationId xmlns="" xmlns:a16="http://schemas.microsoft.com/office/drawing/2014/main" id="{32B56811-2E7B-4FBF-99CB-4CECF20A9AC0}"/>
+                <a16:creationId xmlns:a16="http://schemas.microsoft.com/office/drawing/2014/main" xmlns="" id="{32B56811-2E7B-4FBF-99CB-4CECF20A9AC0}"/>
               </a:ext>
             </a:extLst>
           </p:cNvPr>
@@ -10456,7 +11292,7 @@
                 </a:solidFill>
               </a:rPr>
               <a:pPr/>
-              <a:t>11</a:t>
+              <a:t>12</a:t>
             </a:fld>
             <a:endParaRPr lang="ko-KR" altLang="en-US" sz="1600" dirty="0">
               <a:solidFill>
@@ -10550,7 +11386,7 @@
           <p:cNvPr id="13" name="직사각형 12">
             <a:extLst>
               <a:ext uri="{FF2B5EF4-FFF2-40B4-BE49-F238E27FC236}">
-                <a16:creationId xmlns="" xmlns:a16="http://schemas.microsoft.com/office/drawing/2014/main" id="{24EDB60A-88EE-4624-924F-1D4B6948100C}"/>
+                <a16:creationId xmlns:a16="http://schemas.microsoft.com/office/drawing/2014/main" xmlns="" id="{24EDB60A-88EE-4624-924F-1D4B6948100C}"/>
               </a:ext>
             </a:extLst>
           </p:cNvPr>
@@ -11258,7 +12094,7 @@
         </p:blipFill>
         <p:spPr bwMode="auto">
           <a:xfrm>
-            <a:off x="1598404" y="5566284"/>
+            <a:off x="1606054" y="5411730"/>
             <a:ext cx="3913724" cy="237195"/>
           </a:xfrm>
           <a:prstGeom prst="rect">
@@ -11309,8 +12145,8 @@
         </p:nvCxnSpPr>
         <p:spPr>
           <a:xfrm flipH="1" flipV="1">
-            <a:off x="2798285" y="5684883"/>
-            <a:ext cx="3580606" cy="362836"/>
+            <a:off x="2798286" y="5530327"/>
+            <a:ext cx="3172981" cy="530857"/>
           </a:xfrm>
           <a:prstGeom prst="straightConnector1">
             <a:avLst/>
@@ -11346,7 +12182,7 @@
         </p:nvSpPr>
         <p:spPr>
           <a:xfrm>
-            <a:off x="6378891" y="5398265"/>
+            <a:off x="5971267" y="5411730"/>
             <a:ext cx="4513160" cy="1298907"/>
           </a:xfrm>
           <a:prstGeom prst="rect">
@@ -11522,7 +12358,7 @@
 </p:sld>
 </file>
 
-<file path=ppt/slides/slide12.xml><?xml version="1.0" encoding="utf-8"?>
+<file path=ppt/slides/slide13.xml><?xml version="1.0" encoding="utf-8"?>
 <p:sld xmlns:a="http://schemas.openxmlformats.org/drawingml/2006/main" xmlns:r="http://schemas.openxmlformats.org/officeDocument/2006/relationships" xmlns:p="http://schemas.openxmlformats.org/presentationml/2006/main">
   <p:cSld>
     <p:bg>
@@ -11554,7 +12390,7 @@
           <p:cNvPr id="40" name="사각형: 둥근 모서리 39">
             <a:extLst>
               <a:ext uri="{FF2B5EF4-FFF2-40B4-BE49-F238E27FC236}">
-                <a16:creationId xmlns="" xmlns:a16="http://schemas.microsoft.com/office/drawing/2014/main" id="{DEB48728-12FA-4B10-82E6-7899DDCA2731}"/>
+                <a16:creationId xmlns:a16="http://schemas.microsoft.com/office/drawing/2014/main" xmlns="" id="{DEB48728-12FA-4B10-82E6-7899DDCA2731}"/>
               </a:ext>
             </a:extLst>
           </p:cNvPr>
@@ -11626,7 +12462,7 @@
           <p:cNvPr id="43" name="직사각형 42">
             <a:extLst>
               <a:ext uri="{FF2B5EF4-FFF2-40B4-BE49-F238E27FC236}">
-                <a16:creationId xmlns="" xmlns:a16="http://schemas.microsoft.com/office/drawing/2014/main" id="{32B56811-2E7B-4FBF-99CB-4CECF20A9AC0}"/>
+                <a16:creationId xmlns:a16="http://schemas.microsoft.com/office/drawing/2014/main" xmlns="" id="{32B56811-2E7B-4FBF-99CB-4CECF20A9AC0}"/>
               </a:ext>
             </a:extLst>
           </p:cNvPr>
@@ -11703,7 +12539,7 @@
                 </a:solidFill>
               </a:rPr>
               <a:pPr/>
-              <a:t>12</a:t>
+              <a:t>13</a:t>
             </a:fld>
             <a:endParaRPr lang="ko-KR" altLang="en-US" sz="1600" dirty="0">
               <a:solidFill>
@@ -11797,7 +12633,7 @@
           <p:cNvPr id="13" name="직사각형 12">
             <a:extLst>
               <a:ext uri="{FF2B5EF4-FFF2-40B4-BE49-F238E27FC236}">
-                <a16:creationId xmlns="" xmlns:a16="http://schemas.microsoft.com/office/drawing/2014/main" id="{24EDB60A-88EE-4624-924F-1D4B6948100C}"/>
+                <a16:creationId xmlns:a16="http://schemas.microsoft.com/office/drawing/2014/main" xmlns="" id="{24EDB60A-88EE-4624-924F-1D4B6948100C}"/>
               </a:ext>
             </a:extLst>
           </p:cNvPr>
@@ -12653,7 +13489,7 @@
           <p:cNvPr id="3" name="직선 연결선 2">
             <a:extLst>
               <a:ext uri="{FF2B5EF4-FFF2-40B4-BE49-F238E27FC236}">
-                <a16:creationId xmlns="" xmlns:a16="http://schemas.microsoft.com/office/drawing/2014/main" id="{24C98E6B-2B63-475F-837A-7E31088AD69A}"/>
+                <a16:creationId xmlns:a16="http://schemas.microsoft.com/office/drawing/2014/main" xmlns="" id="{24C98E6B-2B63-475F-837A-7E31088AD69A}"/>
               </a:ext>
             </a:extLst>
           </p:cNvPr>
@@ -12696,7 +13532,7 @@
           <p:cNvPr id="22" name="타원 21">
             <a:extLst>
               <a:ext uri="{FF2B5EF4-FFF2-40B4-BE49-F238E27FC236}">
-                <a16:creationId xmlns="" xmlns:a16="http://schemas.microsoft.com/office/drawing/2014/main" id="{D8241E59-0646-41EB-8ED0-090409856B7D}"/>
+                <a16:creationId xmlns:a16="http://schemas.microsoft.com/office/drawing/2014/main" xmlns="" id="{D8241E59-0646-41EB-8ED0-090409856B7D}"/>
               </a:ext>
             </a:extLst>
           </p:cNvPr>
@@ -12764,7 +13600,7 @@
           <p:cNvPr id="26" name="직사각형 25">
             <a:extLst>
               <a:ext uri="{FF2B5EF4-FFF2-40B4-BE49-F238E27FC236}">
-                <a16:creationId xmlns="" xmlns:a16="http://schemas.microsoft.com/office/drawing/2014/main" id="{76B5609D-62AE-4714-BDF8-6284F2967DFB}"/>
+                <a16:creationId xmlns:a16="http://schemas.microsoft.com/office/drawing/2014/main" xmlns="" id="{76B5609D-62AE-4714-BDF8-6284F2967DFB}"/>
               </a:ext>
             </a:extLst>
           </p:cNvPr>
@@ -12812,7 +13648,7 @@
           <p:cNvPr id="40" name="사각형: 둥근 모서리 39">
             <a:extLst>
               <a:ext uri="{FF2B5EF4-FFF2-40B4-BE49-F238E27FC236}">
-                <a16:creationId xmlns="" xmlns:a16="http://schemas.microsoft.com/office/drawing/2014/main" id="{DEB48728-12FA-4B10-82E6-7899DDCA2731}"/>
+                <a16:creationId xmlns:a16="http://schemas.microsoft.com/office/drawing/2014/main" xmlns="" id="{DEB48728-12FA-4B10-82E6-7899DDCA2731}"/>
               </a:ext>
             </a:extLst>
           </p:cNvPr>
@@ -12884,7 +13720,7 @@
           <p:cNvPr id="43" name="직사각형 42">
             <a:extLst>
               <a:ext uri="{FF2B5EF4-FFF2-40B4-BE49-F238E27FC236}">
-                <a16:creationId xmlns="" xmlns:a16="http://schemas.microsoft.com/office/drawing/2014/main" id="{32B56811-2E7B-4FBF-99CB-4CECF20A9AC0}"/>
+                <a16:creationId xmlns:a16="http://schemas.microsoft.com/office/drawing/2014/main" xmlns="" id="{32B56811-2E7B-4FBF-99CB-4CECF20A9AC0}"/>
               </a:ext>
             </a:extLst>
           </p:cNvPr>
@@ -12942,7 +13778,7 @@
           <p:cNvPr id="27" name="타원 26">
             <a:extLst>
               <a:ext uri="{FF2B5EF4-FFF2-40B4-BE49-F238E27FC236}">
-                <a16:creationId xmlns="" xmlns:a16="http://schemas.microsoft.com/office/drawing/2014/main" id="{D8241E59-0646-41EB-8ED0-090409856B7D}"/>
+                <a16:creationId xmlns:a16="http://schemas.microsoft.com/office/drawing/2014/main" xmlns="" id="{D8241E59-0646-41EB-8ED0-090409856B7D}"/>
               </a:ext>
             </a:extLst>
           </p:cNvPr>
@@ -13010,7 +13846,7 @@
           <p:cNvPr id="45" name="직사각형 44">
             <a:extLst>
               <a:ext uri="{FF2B5EF4-FFF2-40B4-BE49-F238E27FC236}">
-                <a16:creationId xmlns="" xmlns:a16="http://schemas.microsoft.com/office/drawing/2014/main" id="{76B5609D-62AE-4714-BDF8-6284F2967DFB}"/>
+                <a16:creationId xmlns:a16="http://schemas.microsoft.com/office/drawing/2014/main" xmlns="" id="{76B5609D-62AE-4714-BDF8-6284F2967DFB}"/>
               </a:ext>
             </a:extLst>
           </p:cNvPr>
@@ -13094,7 +13930,7 @@
           <p:cNvPr id="52" name="직사각형 51">
             <a:extLst>
               <a:ext uri="{FF2B5EF4-FFF2-40B4-BE49-F238E27FC236}">
-                <a16:creationId xmlns="" xmlns:a16="http://schemas.microsoft.com/office/drawing/2014/main" id="{76B5609D-62AE-4714-BDF8-6284F2967DFB}"/>
+                <a16:creationId xmlns:a16="http://schemas.microsoft.com/office/drawing/2014/main" xmlns="" id="{76B5609D-62AE-4714-BDF8-6284F2967DFB}"/>
               </a:ext>
             </a:extLst>
           </p:cNvPr>
@@ -13150,7 +13986,7 @@
           <p:cNvPr id="53" name="직사각형 52">
             <a:extLst>
               <a:ext uri="{FF2B5EF4-FFF2-40B4-BE49-F238E27FC236}">
-                <a16:creationId xmlns="" xmlns:a16="http://schemas.microsoft.com/office/drawing/2014/main" id="{76B5609D-62AE-4714-BDF8-6284F2967DFB}"/>
+                <a16:creationId xmlns:a16="http://schemas.microsoft.com/office/drawing/2014/main" xmlns="" id="{76B5609D-62AE-4714-BDF8-6284F2967DFB}"/>
               </a:ext>
             </a:extLst>
           </p:cNvPr>
@@ -13222,7 +14058,7 @@
           <p:cNvPr id="54" name="직사각형 53">
             <a:extLst>
               <a:ext uri="{FF2B5EF4-FFF2-40B4-BE49-F238E27FC236}">
-                <a16:creationId xmlns="" xmlns:a16="http://schemas.microsoft.com/office/drawing/2014/main" id="{76B5609D-62AE-4714-BDF8-6284F2967DFB}"/>
+                <a16:creationId xmlns:a16="http://schemas.microsoft.com/office/drawing/2014/main" xmlns="" id="{76B5609D-62AE-4714-BDF8-6284F2967DFB}"/>
               </a:ext>
             </a:extLst>
           </p:cNvPr>
@@ -13278,7 +14114,7 @@
           <p:cNvPr id="56" name="직사각형 55">
             <a:extLst>
               <a:ext uri="{FF2B5EF4-FFF2-40B4-BE49-F238E27FC236}">
-                <a16:creationId xmlns="" xmlns:a16="http://schemas.microsoft.com/office/drawing/2014/main" id="{76B5609D-62AE-4714-BDF8-6284F2967DFB}"/>
+                <a16:creationId xmlns:a16="http://schemas.microsoft.com/office/drawing/2014/main" xmlns="" id="{76B5609D-62AE-4714-BDF8-6284F2967DFB}"/>
               </a:ext>
             </a:extLst>
           </p:cNvPr>
@@ -13334,7 +14170,7 @@
           <p:cNvPr id="57" name="직사각형 56">
             <a:extLst>
               <a:ext uri="{FF2B5EF4-FFF2-40B4-BE49-F238E27FC236}">
-                <a16:creationId xmlns="" xmlns:a16="http://schemas.microsoft.com/office/drawing/2014/main" id="{76B5609D-62AE-4714-BDF8-6284F2967DFB}"/>
+                <a16:creationId xmlns:a16="http://schemas.microsoft.com/office/drawing/2014/main" xmlns="" id="{76B5609D-62AE-4714-BDF8-6284F2967DFB}"/>
               </a:ext>
             </a:extLst>
           </p:cNvPr>
@@ -13398,7 +14234,7 @@
           <p:cNvPr id="58" name="직사각형 57">
             <a:extLst>
               <a:ext uri="{FF2B5EF4-FFF2-40B4-BE49-F238E27FC236}">
-                <a16:creationId xmlns="" xmlns:a16="http://schemas.microsoft.com/office/drawing/2014/main" id="{76B5609D-62AE-4714-BDF8-6284F2967DFB}"/>
+                <a16:creationId xmlns:a16="http://schemas.microsoft.com/office/drawing/2014/main" xmlns="" id="{76B5609D-62AE-4714-BDF8-6284F2967DFB}"/>
               </a:ext>
             </a:extLst>
           </p:cNvPr>
@@ -13454,7 +14290,7 @@
           <p:cNvPr id="59" name="직사각형 58">
             <a:extLst>
               <a:ext uri="{FF2B5EF4-FFF2-40B4-BE49-F238E27FC236}">
-                <a16:creationId xmlns="" xmlns:a16="http://schemas.microsoft.com/office/drawing/2014/main" id="{76B5609D-62AE-4714-BDF8-6284F2967DFB}"/>
+                <a16:creationId xmlns:a16="http://schemas.microsoft.com/office/drawing/2014/main" xmlns="" id="{76B5609D-62AE-4714-BDF8-6284F2967DFB}"/>
               </a:ext>
             </a:extLst>
           </p:cNvPr>
@@ -13534,7 +14370,7 @@
           <p:cNvPr id="60" name="직사각형 59">
             <a:extLst>
               <a:ext uri="{FF2B5EF4-FFF2-40B4-BE49-F238E27FC236}">
-                <a16:creationId xmlns="" xmlns:a16="http://schemas.microsoft.com/office/drawing/2014/main" id="{76B5609D-62AE-4714-BDF8-6284F2967DFB}"/>
+                <a16:creationId xmlns:a16="http://schemas.microsoft.com/office/drawing/2014/main" xmlns="" id="{76B5609D-62AE-4714-BDF8-6284F2967DFB}"/>
               </a:ext>
             </a:extLst>
           </p:cNvPr>
@@ -13590,7 +14426,7 @@
           <p:cNvPr id="61" name="직사각형 60">
             <a:extLst>
               <a:ext uri="{FF2B5EF4-FFF2-40B4-BE49-F238E27FC236}">
-                <a16:creationId xmlns="" xmlns:a16="http://schemas.microsoft.com/office/drawing/2014/main" id="{76B5609D-62AE-4714-BDF8-6284F2967DFB}"/>
+                <a16:creationId xmlns:a16="http://schemas.microsoft.com/office/drawing/2014/main" xmlns="" id="{76B5609D-62AE-4714-BDF8-6284F2967DFB}"/>
               </a:ext>
             </a:extLst>
           </p:cNvPr>
@@ -13646,7 +14482,7 @@
           <p:cNvPr id="67" name="직사각형 66">
             <a:extLst>
               <a:ext uri="{FF2B5EF4-FFF2-40B4-BE49-F238E27FC236}">
-                <a16:creationId xmlns="" xmlns:a16="http://schemas.microsoft.com/office/drawing/2014/main" id="{76B5609D-62AE-4714-BDF8-6284F2967DFB}"/>
+                <a16:creationId xmlns:a16="http://schemas.microsoft.com/office/drawing/2014/main" xmlns="" id="{76B5609D-62AE-4714-BDF8-6284F2967DFB}"/>
               </a:ext>
             </a:extLst>
           </p:cNvPr>
@@ -13749,7 +14585,7 @@
           <p:cNvPr id="3" name="직선 연결선 2">
             <a:extLst>
               <a:ext uri="{FF2B5EF4-FFF2-40B4-BE49-F238E27FC236}">
-                <a16:creationId xmlns="" xmlns:a16="http://schemas.microsoft.com/office/drawing/2014/main" id="{24C98E6B-2B63-475F-837A-7E31088AD69A}"/>
+                <a16:creationId xmlns:a16="http://schemas.microsoft.com/office/drawing/2014/main" xmlns="" id="{24C98E6B-2B63-475F-837A-7E31088AD69A}"/>
               </a:ext>
             </a:extLst>
           </p:cNvPr>
@@ -13792,7 +14628,7 @@
           <p:cNvPr id="22" name="타원 21">
             <a:extLst>
               <a:ext uri="{FF2B5EF4-FFF2-40B4-BE49-F238E27FC236}">
-                <a16:creationId xmlns="" xmlns:a16="http://schemas.microsoft.com/office/drawing/2014/main" id="{D8241E59-0646-41EB-8ED0-090409856B7D}"/>
+                <a16:creationId xmlns:a16="http://schemas.microsoft.com/office/drawing/2014/main" xmlns="" id="{D8241E59-0646-41EB-8ED0-090409856B7D}"/>
               </a:ext>
             </a:extLst>
           </p:cNvPr>
@@ -13860,7 +14696,7 @@
           <p:cNvPr id="26" name="직사각형 25">
             <a:extLst>
               <a:ext uri="{FF2B5EF4-FFF2-40B4-BE49-F238E27FC236}">
-                <a16:creationId xmlns="" xmlns:a16="http://schemas.microsoft.com/office/drawing/2014/main" id="{76B5609D-62AE-4714-BDF8-6284F2967DFB}"/>
+                <a16:creationId xmlns:a16="http://schemas.microsoft.com/office/drawing/2014/main" xmlns="" id="{76B5609D-62AE-4714-BDF8-6284F2967DFB}"/>
               </a:ext>
             </a:extLst>
           </p:cNvPr>
@@ -13908,7 +14744,7 @@
           <p:cNvPr id="40" name="사각형: 둥근 모서리 39">
             <a:extLst>
               <a:ext uri="{FF2B5EF4-FFF2-40B4-BE49-F238E27FC236}">
-                <a16:creationId xmlns="" xmlns:a16="http://schemas.microsoft.com/office/drawing/2014/main" id="{DEB48728-12FA-4B10-82E6-7899DDCA2731}"/>
+                <a16:creationId xmlns:a16="http://schemas.microsoft.com/office/drawing/2014/main" xmlns="" id="{DEB48728-12FA-4B10-82E6-7899DDCA2731}"/>
               </a:ext>
             </a:extLst>
           </p:cNvPr>
@@ -13980,7 +14816,7 @@
           <p:cNvPr id="43" name="직사각형 42">
             <a:extLst>
               <a:ext uri="{FF2B5EF4-FFF2-40B4-BE49-F238E27FC236}">
-                <a16:creationId xmlns="" xmlns:a16="http://schemas.microsoft.com/office/drawing/2014/main" id="{32B56811-2E7B-4FBF-99CB-4CECF20A9AC0}"/>
+                <a16:creationId xmlns:a16="http://schemas.microsoft.com/office/drawing/2014/main" xmlns="" id="{32B56811-2E7B-4FBF-99CB-4CECF20A9AC0}"/>
               </a:ext>
             </a:extLst>
           </p:cNvPr>
@@ -14038,7 +14874,7 @@
           <p:cNvPr id="27" name="타원 26">
             <a:extLst>
               <a:ext uri="{FF2B5EF4-FFF2-40B4-BE49-F238E27FC236}">
-                <a16:creationId xmlns="" xmlns:a16="http://schemas.microsoft.com/office/drawing/2014/main" id="{D8241E59-0646-41EB-8ED0-090409856B7D}"/>
+                <a16:creationId xmlns:a16="http://schemas.microsoft.com/office/drawing/2014/main" xmlns="" id="{D8241E59-0646-41EB-8ED0-090409856B7D}"/>
               </a:ext>
             </a:extLst>
           </p:cNvPr>
@@ -14047,7 +14883,7 @@
         </p:nvSpPr>
         <p:spPr>
           <a:xfrm>
-            <a:off x="2914078" y="4409588"/>
+            <a:off x="2914078" y="4612784"/>
             <a:ext cx="444864" cy="444864"/>
           </a:xfrm>
           <a:prstGeom prst="ellipse">
@@ -14106,7 +14942,7 @@
           <p:cNvPr id="45" name="직사각형 44">
             <a:extLst>
               <a:ext uri="{FF2B5EF4-FFF2-40B4-BE49-F238E27FC236}">
-                <a16:creationId xmlns="" xmlns:a16="http://schemas.microsoft.com/office/drawing/2014/main" id="{76B5609D-62AE-4714-BDF8-6284F2967DFB}"/>
+                <a16:creationId xmlns:a16="http://schemas.microsoft.com/office/drawing/2014/main" xmlns="" id="{76B5609D-62AE-4714-BDF8-6284F2967DFB}"/>
               </a:ext>
             </a:extLst>
           </p:cNvPr>
@@ -14115,7 +14951,7 @@
         </p:nvSpPr>
         <p:spPr>
           <a:xfrm>
-            <a:off x="3662468" y="4334873"/>
+            <a:off x="3662468" y="4523555"/>
             <a:ext cx="1722013" cy="494494"/>
           </a:xfrm>
           <a:prstGeom prst="rect">
@@ -14206,7 +15042,7 @@
           <p:cNvPr id="52" name="직사각형 51">
             <a:extLst>
               <a:ext uri="{FF2B5EF4-FFF2-40B4-BE49-F238E27FC236}">
-                <a16:creationId xmlns="" xmlns:a16="http://schemas.microsoft.com/office/drawing/2014/main" id="{76B5609D-62AE-4714-BDF8-6284F2967DFB}"/>
+                <a16:creationId xmlns:a16="http://schemas.microsoft.com/office/drawing/2014/main" xmlns="" id="{76B5609D-62AE-4714-BDF8-6284F2967DFB}"/>
               </a:ext>
             </a:extLst>
           </p:cNvPr>
@@ -14254,7 +15090,7 @@
           <p:cNvPr id="53" name="직사각형 52">
             <a:extLst>
               <a:ext uri="{FF2B5EF4-FFF2-40B4-BE49-F238E27FC236}">
-                <a16:creationId xmlns="" xmlns:a16="http://schemas.microsoft.com/office/drawing/2014/main" id="{76B5609D-62AE-4714-BDF8-6284F2967DFB}"/>
+                <a16:creationId xmlns:a16="http://schemas.microsoft.com/office/drawing/2014/main" xmlns="" id="{76B5609D-62AE-4714-BDF8-6284F2967DFB}"/>
               </a:ext>
             </a:extLst>
           </p:cNvPr>
@@ -14310,7 +15146,7 @@
           <p:cNvPr id="54" name="직사각형 53">
             <a:extLst>
               <a:ext uri="{FF2B5EF4-FFF2-40B4-BE49-F238E27FC236}">
-                <a16:creationId xmlns="" xmlns:a16="http://schemas.microsoft.com/office/drawing/2014/main" id="{76B5609D-62AE-4714-BDF8-6284F2967DFB}"/>
+                <a16:creationId xmlns:a16="http://schemas.microsoft.com/office/drawing/2014/main" xmlns="" id="{76B5609D-62AE-4714-BDF8-6284F2967DFB}"/>
               </a:ext>
             </a:extLst>
           </p:cNvPr>
@@ -14366,7 +15202,7 @@
           <p:cNvPr id="56" name="직사각형 55">
             <a:extLst>
               <a:ext uri="{FF2B5EF4-FFF2-40B4-BE49-F238E27FC236}">
-                <a16:creationId xmlns="" xmlns:a16="http://schemas.microsoft.com/office/drawing/2014/main" id="{76B5609D-62AE-4714-BDF8-6284F2967DFB}"/>
+                <a16:creationId xmlns:a16="http://schemas.microsoft.com/office/drawing/2014/main" xmlns="" id="{76B5609D-62AE-4714-BDF8-6284F2967DFB}"/>
               </a:ext>
             </a:extLst>
           </p:cNvPr>
@@ -14422,7 +15258,7 @@
           <p:cNvPr id="57" name="직사각형 56">
             <a:extLst>
               <a:ext uri="{FF2B5EF4-FFF2-40B4-BE49-F238E27FC236}">
-                <a16:creationId xmlns="" xmlns:a16="http://schemas.microsoft.com/office/drawing/2014/main" id="{76B5609D-62AE-4714-BDF8-6284F2967DFB}"/>
+                <a16:creationId xmlns:a16="http://schemas.microsoft.com/office/drawing/2014/main" xmlns="" id="{76B5609D-62AE-4714-BDF8-6284F2967DFB}"/>
               </a:ext>
             </a:extLst>
           </p:cNvPr>
@@ -14478,7 +15314,7 @@
           <p:cNvPr id="58" name="직사각형 57">
             <a:extLst>
               <a:ext uri="{FF2B5EF4-FFF2-40B4-BE49-F238E27FC236}">
-                <a16:creationId xmlns="" xmlns:a16="http://schemas.microsoft.com/office/drawing/2014/main" id="{76B5609D-62AE-4714-BDF8-6284F2967DFB}"/>
+                <a16:creationId xmlns:a16="http://schemas.microsoft.com/office/drawing/2014/main" xmlns="" id="{76B5609D-62AE-4714-BDF8-6284F2967DFB}"/>
               </a:ext>
             </a:extLst>
           </p:cNvPr>
@@ -14534,7 +15370,7 @@
           <p:cNvPr id="60" name="직사각형 59">
             <a:extLst>
               <a:ext uri="{FF2B5EF4-FFF2-40B4-BE49-F238E27FC236}">
-                <a16:creationId xmlns="" xmlns:a16="http://schemas.microsoft.com/office/drawing/2014/main" id="{76B5609D-62AE-4714-BDF8-6284F2967DFB}"/>
+                <a16:creationId xmlns:a16="http://schemas.microsoft.com/office/drawing/2014/main" xmlns="" id="{76B5609D-62AE-4714-BDF8-6284F2967DFB}"/>
               </a:ext>
             </a:extLst>
           </p:cNvPr>
@@ -14543,7 +15379,7 @@
         </p:nvSpPr>
         <p:spPr>
           <a:xfrm>
-            <a:off x="4254421" y="4789148"/>
+            <a:off x="4254421" y="4977830"/>
             <a:ext cx="1722013" cy="373885"/>
           </a:xfrm>
           <a:prstGeom prst="rect">
@@ -14590,7 +15426,7 @@
           <p:cNvPr id="61" name="직사각형 60">
             <a:extLst>
               <a:ext uri="{FF2B5EF4-FFF2-40B4-BE49-F238E27FC236}">
-                <a16:creationId xmlns="" xmlns:a16="http://schemas.microsoft.com/office/drawing/2014/main" id="{76B5609D-62AE-4714-BDF8-6284F2967DFB}"/>
+                <a16:creationId xmlns:a16="http://schemas.microsoft.com/office/drawing/2014/main" xmlns="" id="{76B5609D-62AE-4714-BDF8-6284F2967DFB}"/>
               </a:ext>
             </a:extLst>
           </p:cNvPr>
@@ -14599,7 +15435,7 @@
         </p:nvSpPr>
         <p:spPr>
           <a:xfrm>
-            <a:off x="4254421" y="5105593"/>
+            <a:off x="4254421" y="5294275"/>
             <a:ext cx="1722013" cy="373885"/>
           </a:xfrm>
           <a:prstGeom prst="rect">
@@ -14646,7 +15482,7 @@
           <p:cNvPr id="25" name="직사각형 24">
             <a:extLst>
               <a:ext uri="{FF2B5EF4-FFF2-40B4-BE49-F238E27FC236}">
-                <a16:creationId xmlns="" xmlns:a16="http://schemas.microsoft.com/office/drawing/2014/main" id="{76B5609D-62AE-4714-BDF8-6284F2967DFB}"/>
+                <a16:creationId xmlns:a16="http://schemas.microsoft.com/office/drawing/2014/main" xmlns="" id="{76B5609D-62AE-4714-BDF8-6284F2967DFB}"/>
               </a:ext>
             </a:extLst>
           </p:cNvPr>
@@ -14655,7 +15491,7 @@
         </p:nvSpPr>
         <p:spPr>
           <a:xfrm>
-            <a:off x="4254421" y="5462852"/>
+            <a:off x="4254421" y="5651534"/>
             <a:ext cx="1722013" cy="373885"/>
           </a:xfrm>
           <a:prstGeom prst="rect">
@@ -14749,7 +15585,7 @@
           <p:cNvPr id="40" name="사각형: 둥근 모서리 39">
             <a:extLst>
               <a:ext uri="{FF2B5EF4-FFF2-40B4-BE49-F238E27FC236}">
-                <a16:creationId xmlns="" xmlns:a16="http://schemas.microsoft.com/office/drawing/2014/main" id="{DEB48728-12FA-4B10-82E6-7899DDCA2731}"/>
+                <a16:creationId xmlns:a16="http://schemas.microsoft.com/office/drawing/2014/main" xmlns="" id="{DEB48728-12FA-4B10-82E6-7899DDCA2731}"/>
               </a:ext>
             </a:extLst>
           </p:cNvPr>
@@ -14759,7 +15595,7 @@
         <p:spPr>
           <a:xfrm>
             <a:off x="491492" y="504093"/>
-            <a:ext cx="1711727" cy="585286"/>
+            <a:ext cx="2033994" cy="585286"/>
           </a:xfrm>
           <a:prstGeom prst="roundRect">
             <a:avLst>
@@ -14799,12 +15635,20 @@
               </a:lnSpc>
             </a:pPr>
             <a:r>
+              <a:rPr lang="ko-KR" altLang="en-US" sz="2400" b="1" smtClean="0">
+                <a:solidFill>
+                  <a:prstClr val="white"/>
+                </a:solidFill>
+              </a:rPr>
+              <a:t>공통적 </a:t>
+            </a:r>
+            <a:r>
               <a:rPr lang="ko-KR" altLang="en-US" sz="2400" b="1" dirty="0" smtClean="0">
                 <a:solidFill>
                   <a:prstClr val="white"/>
                 </a:solidFill>
               </a:rPr>
-              <a:t>기본 화면</a:t>
+              <a:t>특징</a:t>
             </a:r>
             <a:endParaRPr lang="en-US" altLang="ko-KR" sz="1600" dirty="0">
               <a:solidFill>
@@ -14821,7 +15665,7 @@
           <p:cNvPr id="43" name="직사각형 42">
             <a:extLst>
               <a:ext uri="{FF2B5EF4-FFF2-40B4-BE49-F238E27FC236}">
-                <a16:creationId xmlns="" xmlns:a16="http://schemas.microsoft.com/office/drawing/2014/main" id="{32B56811-2E7B-4FBF-99CB-4CECF20A9AC0}"/>
+                <a16:creationId xmlns:a16="http://schemas.microsoft.com/office/drawing/2014/main" xmlns="" id="{32B56811-2E7B-4FBF-99CB-4CECF20A9AC0}"/>
               </a:ext>
             </a:extLst>
           </p:cNvPr>
@@ -14910,36 +15754,1276 @@
           </a:p>
         </p:txBody>
       </p:sp>
-      <p:pic>
-        <p:nvPicPr>
-          <p:cNvPr id="5" name="그림 4"/>
-          <p:cNvPicPr>
-            <a:picLocks noChangeAspect="1"/>
-          </p:cNvPicPr>
+      <p:sp>
+        <p:nvSpPr>
+          <p:cNvPr id="6" name="직사각형 5"/>
+          <p:cNvSpPr/>
           <p:nvPr/>
-        </p:nvPicPr>
-        <p:blipFill>
-          <a:blip r:embed="rId2">
-            <a:extLst>
-              <a:ext uri="{28A0092B-C50C-407E-A947-70E740481C1C}">
-                <a14:useLocalDpi xmlns:a14="http://schemas.microsoft.com/office/drawing/2010/main" val="0"/>
-              </a:ext>
-            </a:extLst>
-          </a:blip>
-          <a:stretch>
-            <a:fillRect/>
-          </a:stretch>
-        </p:blipFill>
+        </p:nvSpPr>
         <p:spPr>
           <a:xfrm>
-            <a:off x="1662545" y="1240905"/>
-            <a:ext cx="9094124" cy="5115445"/>
+            <a:off x="1508489" y="1120736"/>
+            <a:ext cx="9274628" cy="5439720"/>
           </a:xfrm>
           <a:prstGeom prst="rect">
             <a:avLst/>
           </a:prstGeom>
+          <a:solidFill>
+            <a:schemeClr val="tx2"/>
+          </a:solidFill>
+          <a:ln>
+            <a:solidFill>
+              <a:schemeClr val="accent5">
+                <a:lumMod val="50000"/>
+              </a:schemeClr>
+            </a:solidFill>
+          </a:ln>
         </p:spPr>
-      </p:pic>
+        <p:style>
+          <a:lnRef idx="2">
+            <a:schemeClr val="accent1">
+              <a:shade val="50000"/>
+            </a:schemeClr>
+          </a:lnRef>
+          <a:fillRef idx="1">
+            <a:schemeClr val="accent1"/>
+          </a:fillRef>
+          <a:effectRef idx="0">
+            <a:schemeClr val="accent1"/>
+          </a:effectRef>
+          <a:fontRef idx="minor">
+            <a:schemeClr val="lt1"/>
+          </a:fontRef>
+        </p:style>
+        <p:txBody>
+          <a:bodyPr rtlCol="0" anchor="ctr"/>
+          <a:lstStyle/>
+          <a:p>
+            <a:r>
+              <a:rPr lang="ko-KR" altLang="en-US" sz="1200" dirty="0" smtClean="0">
+                <a:solidFill>
+                  <a:schemeClr val="bg1">
+                    <a:lumMod val="85000"/>
+                  </a:schemeClr>
+                </a:solidFill>
+              </a:rPr>
+              <a:t>시점 </a:t>
+            </a:r>
+            <a:r>
+              <a:rPr lang="en-US" altLang="ko-KR" sz="1200" dirty="0" smtClean="0">
+                <a:solidFill>
+                  <a:schemeClr val="bg1">
+                    <a:lumMod val="85000"/>
+                  </a:schemeClr>
+                </a:solidFill>
+              </a:rPr>
+              <a:t>: 3</a:t>
+            </a:r>
+            <a:r>
+              <a:rPr lang="ko-KR" altLang="en-US" sz="1200" dirty="0" smtClean="0">
+                <a:solidFill>
+                  <a:schemeClr val="bg1">
+                    <a:lumMod val="85000"/>
+                  </a:schemeClr>
+                </a:solidFill>
+              </a:rPr>
+              <a:t>인칭</a:t>
+            </a:r>
+            <a:r>
+              <a:rPr lang="en-US" altLang="ko-KR" sz="1200" dirty="0" smtClean="0">
+                <a:solidFill>
+                  <a:schemeClr val="bg1">
+                    <a:lumMod val="85000"/>
+                  </a:schemeClr>
+                </a:solidFill>
+              </a:rPr>
+              <a:t>(</a:t>
+            </a:r>
+            <a:r>
+              <a:rPr lang="ko-KR" altLang="en-US" sz="1200" dirty="0" smtClean="0">
+                <a:solidFill>
+                  <a:schemeClr val="bg1">
+                    <a:lumMod val="85000"/>
+                  </a:schemeClr>
+                </a:solidFill>
+              </a:rPr>
+              <a:t>기본</a:t>
+            </a:r>
+            <a:r>
+              <a:rPr lang="en-US" altLang="ko-KR" sz="1200" dirty="0" smtClean="0">
+                <a:solidFill>
+                  <a:schemeClr val="bg1">
+                    <a:lumMod val="85000"/>
+                  </a:schemeClr>
+                </a:solidFill>
+              </a:rPr>
+              <a:t>) / 1</a:t>
+            </a:r>
+            <a:r>
+              <a:rPr lang="ko-KR" altLang="en-US" sz="1200" dirty="0" smtClean="0">
+                <a:solidFill>
+                  <a:schemeClr val="bg1">
+                    <a:lumMod val="85000"/>
+                  </a:schemeClr>
+                </a:solidFill>
+              </a:rPr>
+              <a:t>인칭</a:t>
+            </a:r>
+            <a:endParaRPr lang="en-US" altLang="ko-KR" sz="1200" dirty="0" smtClean="0">
+              <a:solidFill>
+                <a:schemeClr val="bg1">
+                  <a:lumMod val="85000"/>
+                </a:schemeClr>
+              </a:solidFill>
+            </a:endParaRPr>
+          </a:p>
+          <a:p>
+            <a:r>
+              <a:rPr lang="ko-KR" altLang="en-US" sz="1200" dirty="0" err="1" smtClean="0">
+                <a:solidFill>
+                  <a:schemeClr val="bg1">
+                    <a:lumMod val="85000"/>
+                  </a:schemeClr>
+                </a:solidFill>
+              </a:rPr>
+              <a:t>배그는</a:t>
+            </a:r>
+            <a:r>
+              <a:rPr lang="ko-KR" altLang="en-US" sz="1200" dirty="0" smtClean="0">
+                <a:solidFill>
+                  <a:schemeClr val="bg1">
+                    <a:lumMod val="85000"/>
+                  </a:schemeClr>
+                </a:solidFill>
+              </a:rPr>
+              <a:t> 기본적으로 </a:t>
+            </a:r>
+            <a:r>
+              <a:rPr lang="en-US" altLang="ko-KR" sz="1200" dirty="0" smtClean="0">
+                <a:solidFill>
+                  <a:schemeClr val="bg1">
+                    <a:lumMod val="85000"/>
+                  </a:schemeClr>
+                </a:solidFill>
+              </a:rPr>
+              <a:t>3</a:t>
+            </a:r>
+            <a:r>
+              <a:rPr lang="ko-KR" altLang="en-US" sz="1200" dirty="0" smtClean="0">
+                <a:solidFill>
+                  <a:schemeClr val="bg1">
+                    <a:lumMod val="85000"/>
+                  </a:schemeClr>
+                </a:solidFill>
+              </a:rPr>
+              <a:t>인칭 시점</a:t>
+            </a:r>
+            <a:r>
+              <a:rPr lang="en-US" altLang="ko-KR" sz="1200" dirty="0" smtClean="0">
+                <a:solidFill>
+                  <a:schemeClr val="bg1">
+                    <a:lumMod val="85000"/>
+                  </a:schemeClr>
+                </a:solidFill>
+              </a:rPr>
+              <a:t>, </a:t>
+            </a:r>
+            <a:r>
+              <a:rPr lang="ko-KR" altLang="en-US" sz="1200" dirty="0" smtClean="0">
+                <a:solidFill>
+                  <a:schemeClr val="bg1">
+                    <a:lumMod val="85000"/>
+                  </a:schemeClr>
+                </a:solidFill>
+              </a:rPr>
+              <a:t>더 자세하게는 </a:t>
+            </a:r>
+            <a:r>
+              <a:rPr lang="ko-KR" altLang="en-US" sz="1200" dirty="0" err="1" smtClean="0">
+                <a:solidFill>
+                  <a:schemeClr val="bg1">
+                    <a:lumMod val="85000"/>
+                  </a:schemeClr>
+                </a:solidFill>
+              </a:rPr>
+              <a:t>숄더뷰</a:t>
+            </a:r>
+            <a:r>
+              <a:rPr lang="ko-KR" altLang="en-US" sz="1200" dirty="0" smtClean="0">
+                <a:solidFill>
+                  <a:schemeClr val="bg1">
+                    <a:lumMod val="85000"/>
+                  </a:schemeClr>
+                </a:solidFill>
+              </a:rPr>
+              <a:t> 형식을 채용하고 있다</a:t>
+            </a:r>
+            <a:r>
+              <a:rPr lang="en-US" altLang="ko-KR" sz="1200" dirty="0" smtClean="0">
+                <a:solidFill>
+                  <a:schemeClr val="bg1">
+                    <a:lumMod val="85000"/>
+                  </a:schemeClr>
+                </a:solidFill>
+              </a:rPr>
+              <a:t>.</a:t>
+            </a:r>
+          </a:p>
+          <a:p>
+            <a:r>
+              <a:rPr lang="ko-KR" altLang="en-US" sz="1200" dirty="0" smtClean="0">
+                <a:solidFill>
+                  <a:schemeClr val="bg1">
+                    <a:lumMod val="85000"/>
+                  </a:schemeClr>
+                </a:solidFill>
+              </a:rPr>
+              <a:t>평소에는 </a:t>
+            </a:r>
+            <a:r>
+              <a:rPr lang="ko-KR" altLang="en-US" sz="1200" dirty="0" err="1" smtClean="0">
+                <a:solidFill>
+                  <a:schemeClr val="bg1">
+                    <a:lumMod val="85000"/>
+                  </a:schemeClr>
+                </a:solidFill>
+              </a:rPr>
+              <a:t>색적</a:t>
+            </a:r>
+            <a:r>
+              <a:rPr lang="en-US" altLang="ko-KR" sz="1200" dirty="0" smtClean="0">
+                <a:solidFill>
+                  <a:schemeClr val="bg1">
+                    <a:lumMod val="85000"/>
+                  </a:schemeClr>
+                </a:solidFill>
+              </a:rPr>
+              <a:t>, </a:t>
+            </a:r>
+            <a:r>
+              <a:rPr lang="ko-KR" altLang="en-US" sz="1200" dirty="0" smtClean="0">
+                <a:solidFill>
+                  <a:schemeClr val="bg1">
+                    <a:lumMod val="85000"/>
+                  </a:schemeClr>
+                </a:solidFill>
+              </a:rPr>
+              <a:t>정보 습득</a:t>
+            </a:r>
+            <a:r>
+              <a:rPr lang="en-US" altLang="ko-KR" sz="1200" dirty="0" smtClean="0">
+                <a:solidFill>
+                  <a:schemeClr val="bg1">
+                    <a:lumMod val="85000"/>
+                  </a:schemeClr>
+                </a:solidFill>
+              </a:rPr>
+              <a:t>, </a:t>
+            </a:r>
+            <a:r>
+              <a:rPr lang="ko-KR" altLang="en-US" sz="1200" dirty="0" smtClean="0">
+                <a:solidFill>
+                  <a:schemeClr val="bg1">
+                    <a:lumMod val="85000"/>
+                  </a:schemeClr>
+                </a:solidFill>
+              </a:rPr>
+              <a:t>아이템 </a:t>
+            </a:r>
+            <a:r>
+              <a:rPr lang="ko-KR" altLang="en-US" sz="1200" dirty="0" err="1" smtClean="0">
+                <a:solidFill>
+                  <a:schemeClr val="bg1">
+                    <a:lumMod val="85000"/>
+                  </a:schemeClr>
+                </a:solidFill>
+              </a:rPr>
+              <a:t>파밍</a:t>
+            </a:r>
+            <a:r>
+              <a:rPr lang="ko-KR" altLang="en-US" sz="1200" dirty="0" smtClean="0">
+                <a:solidFill>
+                  <a:schemeClr val="bg1">
+                    <a:lumMod val="85000"/>
+                  </a:schemeClr>
+                </a:solidFill>
+              </a:rPr>
+              <a:t> 등을 위해 </a:t>
+            </a:r>
+            <a:r>
+              <a:rPr lang="en-US" altLang="ko-KR" sz="1200" dirty="0" smtClean="0">
+                <a:solidFill>
+                  <a:schemeClr val="bg1">
+                    <a:lumMod val="85000"/>
+                  </a:schemeClr>
+                </a:solidFill>
+              </a:rPr>
+              <a:t>3</a:t>
+            </a:r>
+            <a:r>
+              <a:rPr lang="ko-KR" altLang="en-US" sz="1200" dirty="0" smtClean="0">
+                <a:solidFill>
+                  <a:schemeClr val="bg1">
+                    <a:lumMod val="85000"/>
+                  </a:schemeClr>
+                </a:solidFill>
+              </a:rPr>
+              <a:t>인칭 시점을 사용한다</a:t>
+            </a:r>
+            <a:r>
+              <a:rPr lang="en-US" altLang="ko-KR" sz="1200" dirty="0" smtClean="0">
+                <a:solidFill>
+                  <a:schemeClr val="bg1">
+                    <a:lumMod val="85000"/>
+                  </a:schemeClr>
+                </a:solidFill>
+              </a:rPr>
+              <a:t>.</a:t>
+            </a:r>
+          </a:p>
+          <a:p>
+            <a:r>
+              <a:rPr lang="ko-KR" altLang="en-US" sz="1200" dirty="0" err="1" smtClean="0">
+                <a:solidFill>
+                  <a:schemeClr val="bg1">
+                    <a:lumMod val="85000"/>
+                  </a:schemeClr>
+                </a:solidFill>
+              </a:rPr>
+              <a:t>스코프를</a:t>
+            </a:r>
+            <a:r>
+              <a:rPr lang="ko-KR" altLang="en-US" sz="1200" dirty="0" smtClean="0">
+                <a:solidFill>
+                  <a:schemeClr val="bg1">
+                    <a:lumMod val="85000"/>
+                  </a:schemeClr>
+                </a:solidFill>
+              </a:rPr>
+              <a:t> 활용한 정조준 사격 시에는 </a:t>
+            </a:r>
+            <a:r>
+              <a:rPr lang="en-US" altLang="ko-KR" sz="1200" dirty="0" smtClean="0">
+                <a:solidFill>
+                  <a:schemeClr val="bg1">
+                    <a:lumMod val="85000"/>
+                  </a:schemeClr>
+                </a:solidFill>
+              </a:rPr>
+              <a:t>1</a:t>
+            </a:r>
+            <a:r>
+              <a:rPr lang="ko-KR" altLang="en-US" sz="1200" dirty="0" smtClean="0">
+                <a:solidFill>
+                  <a:schemeClr val="bg1">
+                    <a:lumMod val="85000"/>
+                  </a:schemeClr>
+                </a:solidFill>
+              </a:rPr>
+              <a:t>인칭 시점으로 사격한다</a:t>
+            </a:r>
+            <a:r>
+              <a:rPr lang="en-US" altLang="ko-KR" sz="1200" dirty="0" smtClean="0">
+                <a:solidFill>
+                  <a:schemeClr val="bg1">
+                    <a:lumMod val="85000"/>
+                  </a:schemeClr>
+                </a:solidFill>
+              </a:rPr>
+              <a:t>.</a:t>
+            </a:r>
+          </a:p>
+          <a:p>
+            <a:r>
+              <a:rPr lang="ko-KR" altLang="en-US" sz="1200" dirty="0" smtClean="0">
+                <a:solidFill>
+                  <a:schemeClr val="bg1">
+                    <a:lumMod val="85000"/>
+                  </a:schemeClr>
+                </a:solidFill>
+              </a:rPr>
+              <a:t>그 외 상황에 따라 필요하다고 판단되면 </a:t>
+            </a:r>
+            <a:r>
+              <a:rPr lang="en-US" altLang="ko-KR" sz="1200" dirty="0" smtClean="0">
+                <a:solidFill>
+                  <a:schemeClr val="bg1">
+                    <a:lumMod val="85000"/>
+                  </a:schemeClr>
+                </a:solidFill>
+              </a:rPr>
+              <a:t>1</a:t>
+            </a:r>
+            <a:r>
+              <a:rPr lang="ko-KR" altLang="en-US" sz="1200" dirty="0" smtClean="0">
+                <a:solidFill>
+                  <a:schemeClr val="bg1">
+                    <a:lumMod val="85000"/>
+                  </a:schemeClr>
+                </a:solidFill>
+              </a:rPr>
+              <a:t>인칭 시점으로 변경할 수 있다</a:t>
+            </a:r>
+            <a:r>
+              <a:rPr lang="en-US" altLang="ko-KR" sz="1200" dirty="0" smtClean="0">
+                <a:solidFill>
+                  <a:schemeClr val="bg1">
+                    <a:lumMod val="85000"/>
+                  </a:schemeClr>
+                </a:solidFill>
+              </a:rPr>
+              <a:t>.</a:t>
+            </a:r>
+          </a:p>
+          <a:p>
+            <a:endParaRPr lang="en-US" altLang="ko-KR" sz="1200" dirty="0" smtClean="0">
+              <a:solidFill>
+                <a:schemeClr val="bg1">
+                  <a:lumMod val="85000"/>
+                </a:schemeClr>
+              </a:solidFill>
+            </a:endParaRPr>
+          </a:p>
+          <a:p>
+            <a:r>
+              <a:rPr lang="en-US" altLang="ko-KR" sz="1200" dirty="0" smtClean="0">
+                <a:solidFill>
+                  <a:schemeClr val="bg1">
+                    <a:lumMod val="85000"/>
+                  </a:schemeClr>
+                </a:solidFill>
+              </a:rPr>
+              <a:t>3</a:t>
+            </a:r>
+            <a:r>
+              <a:rPr lang="ko-KR" altLang="en-US" sz="1200" dirty="0" smtClean="0">
+                <a:solidFill>
+                  <a:schemeClr val="bg1">
+                    <a:lumMod val="85000"/>
+                  </a:schemeClr>
+                </a:solidFill>
+              </a:rPr>
+              <a:t>인칭 시점을 사용했을 때의 변화</a:t>
+            </a:r>
+            <a:endParaRPr lang="en-US" altLang="ko-KR" sz="1200" dirty="0">
+              <a:solidFill>
+                <a:schemeClr val="bg1">
+                  <a:lumMod val="85000"/>
+                </a:schemeClr>
+              </a:solidFill>
+            </a:endParaRPr>
+          </a:p>
+          <a:p>
+            <a:r>
+              <a:rPr lang="ko-KR" altLang="en-US" sz="1200" dirty="0" smtClean="0">
+                <a:solidFill>
+                  <a:schemeClr val="bg1">
+                    <a:lumMod val="85000"/>
+                  </a:schemeClr>
+                </a:solidFill>
+              </a:rPr>
+              <a:t>시야 각이 넓어져 화면을 더 넓게 볼 수 있다</a:t>
+            </a:r>
+            <a:r>
+              <a:rPr lang="en-US" altLang="ko-KR" sz="1200" dirty="0" smtClean="0">
+                <a:solidFill>
+                  <a:schemeClr val="bg1">
+                    <a:lumMod val="85000"/>
+                  </a:schemeClr>
+                </a:solidFill>
+              </a:rPr>
+              <a:t>, </a:t>
+            </a:r>
+            <a:r>
+              <a:rPr lang="ko-KR" altLang="en-US" sz="1200" dirty="0" smtClean="0">
+                <a:solidFill>
+                  <a:schemeClr val="bg1">
+                    <a:lumMod val="85000"/>
+                  </a:schemeClr>
+                </a:solidFill>
+              </a:rPr>
+              <a:t>때문에 화면에 </a:t>
+            </a:r>
+            <a:r>
+              <a:rPr lang="en-US" altLang="ko-KR" sz="1200" dirty="0" smtClean="0">
+                <a:solidFill>
+                  <a:schemeClr val="bg1">
+                    <a:lumMod val="85000"/>
+                  </a:schemeClr>
+                </a:solidFill>
+              </a:rPr>
+              <a:t>UI</a:t>
+            </a:r>
+            <a:r>
+              <a:rPr lang="ko-KR" altLang="en-US" sz="1200" dirty="0" smtClean="0">
+                <a:solidFill>
+                  <a:schemeClr val="bg1">
+                    <a:lumMod val="85000"/>
+                  </a:schemeClr>
+                </a:solidFill>
+              </a:rPr>
+              <a:t>를 표현해도 시야에 큰 부담이 가지 않는다</a:t>
+            </a:r>
+            <a:r>
+              <a:rPr lang="en-US" altLang="ko-KR" sz="1200" dirty="0" smtClean="0">
+                <a:solidFill>
+                  <a:schemeClr val="bg1">
+                    <a:lumMod val="85000"/>
+                  </a:schemeClr>
+                </a:solidFill>
+              </a:rPr>
+              <a:t>.</a:t>
+            </a:r>
+          </a:p>
+          <a:p>
+            <a:r>
+              <a:rPr lang="ko-KR" altLang="en-US" sz="1200" dirty="0" smtClean="0">
+                <a:solidFill>
+                  <a:schemeClr val="bg1">
+                    <a:lumMod val="85000"/>
+                  </a:schemeClr>
+                </a:solidFill>
+              </a:rPr>
+              <a:t>시야 고도가 높아지고 그만큼 전장의 정보를 더 많이 획득하고 분석할 수 있다</a:t>
+            </a:r>
+            <a:r>
+              <a:rPr lang="en-US" altLang="ko-KR" sz="1200" dirty="0" smtClean="0">
+                <a:solidFill>
+                  <a:schemeClr val="bg1">
+                    <a:lumMod val="85000"/>
+                  </a:schemeClr>
+                </a:solidFill>
+              </a:rPr>
+              <a:t>, </a:t>
+            </a:r>
+            <a:r>
+              <a:rPr lang="ko-KR" altLang="en-US" sz="1200" dirty="0" smtClean="0">
+                <a:solidFill>
+                  <a:schemeClr val="bg1">
+                    <a:lumMod val="85000"/>
+                  </a:schemeClr>
+                </a:solidFill>
+              </a:rPr>
+              <a:t>난이도 하락</a:t>
+            </a:r>
+            <a:endParaRPr lang="en-US" altLang="ko-KR" sz="1200" dirty="0">
+              <a:solidFill>
+                <a:schemeClr val="bg1">
+                  <a:lumMod val="85000"/>
+                </a:schemeClr>
+              </a:solidFill>
+            </a:endParaRPr>
+          </a:p>
+          <a:p>
+            <a:r>
+              <a:rPr lang="ko-KR" altLang="en-US" sz="1200" dirty="0" smtClean="0">
+                <a:solidFill>
+                  <a:schemeClr val="bg1">
+                    <a:lumMod val="85000"/>
+                  </a:schemeClr>
+                </a:solidFill>
+              </a:rPr>
+              <a:t>캐릭터 주위 환경을 볼 수 있다</a:t>
+            </a:r>
+            <a:r>
+              <a:rPr lang="en-US" altLang="ko-KR" sz="1200" dirty="0" smtClean="0">
+                <a:solidFill>
+                  <a:schemeClr val="bg1">
+                    <a:lumMod val="85000"/>
+                  </a:schemeClr>
+                </a:solidFill>
+              </a:rPr>
+              <a:t>, </a:t>
+            </a:r>
+            <a:r>
+              <a:rPr lang="ko-KR" altLang="en-US" sz="1200" dirty="0" smtClean="0">
+                <a:solidFill>
+                  <a:schemeClr val="bg1">
+                    <a:lumMod val="85000"/>
+                  </a:schemeClr>
+                </a:solidFill>
+              </a:rPr>
+              <a:t>이 점을 활용해 장애물 너머의 존재를 확인하는 전략적 플레이가 가능하다</a:t>
+            </a:r>
+            <a:r>
+              <a:rPr lang="en-US" altLang="ko-KR" sz="1200" dirty="0" smtClean="0">
+                <a:solidFill>
+                  <a:schemeClr val="bg1">
+                    <a:lumMod val="85000"/>
+                  </a:schemeClr>
+                </a:solidFill>
+              </a:rPr>
+              <a:t>.</a:t>
+            </a:r>
+          </a:p>
+          <a:p>
+            <a:r>
+              <a:rPr lang="ko-KR" altLang="en-US" sz="1200" dirty="0" smtClean="0">
+                <a:solidFill>
+                  <a:schemeClr val="bg1">
+                    <a:lumMod val="85000"/>
+                  </a:schemeClr>
+                </a:solidFill>
+              </a:rPr>
+              <a:t>이러한 점들 덕분에 </a:t>
+            </a:r>
+            <a:r>
+              <a:rPr lang="en-US" altLang="ko-KR" sz="1200" dirty="0" smtClean="0">
+                <a:solidFill>
+                  <a:schemeClr val="bg1">
+                    <a:lumMod val="85000"/>
+                  </a:schemeClr>
+                </a:solidFill>
+              </a:rPr>
+              <a:t>FPS </a:t>
+            </a:r>
+            <a:r>
+              <a:rPr lang="ko-KR" altLang="en-US" sz="1200" dirty="0" smtClean="0">
+                <a:solidFill>
+                  <a:schemeClr val="bg1">
+                    <a:lumMod val="85000"/>
+                  </a:schemeClr>
+                </a:solidFill>
+              </a:rPr>
+              <a:t>환경보다 </a:t>
+            </a:r>
+            <a:r>
+              <a:rPr lang="en-US" altLang="ko-KR" sz="1200" dirty="0" smtClean="0">
+                <a:solidFill>
+                  <a:schemeClr val="bg1">
+                    <a:lumMod val="85000"/>
+                  </a:schemeClr>
+                </a:solidFill>
+              </a:rPr>
+              <a:t>TPS </a:t>
+            </a:r>
+            <a:r>
+              <a:rPr lang="ko-KR" altLang="en-US" sz="1200" dirty="0" smtClean="0">
+                <a:solidFill>
+                  <a:schemeClr val="bg1">
+                    <a:lumMod val="85000"/>
+                  </a:schemeClr>
+                </a:solidFill>
+              </a:rPr>
+              <a:t>환경이 체감 난이도가 낮다</a:t>
+            </a:r>
+            <a:r>
+              <a:rPr lang="en-US" altLang="ko-KR" sz="1200" dirty="0" smtClean="0">
+                <a:solidFill>
+                  <a:schemeClr val="bg1">
+                    <a:lumMod val="85000"/>
+                  </a:schemeClr>
+                </a:solidFill>
+              </a:rPr>
+              <a:t>,</a:t>
+            </a:r>
+          </a:p>
+          <a:p>
+            <a:endParaRPr lang="en-US" altLang="ko-KR" sz="1200" dirty="0">
+              <a:solidFill>
+                <a:schemeClr val="bg1">
+                  <a:lumMod val="85000"/>
+                </a:schemeClr>
+              </a:solidFill>
+            </a:endParaRPr>
+          </a:p>
+          <a:p>
+            <a:r>
+              <a:rPr lang="en-US" altLang="ko-KR" sz="1200" dirty="0" smtClean="0">
+                <a:solidFill>
+                  <a:schemeClr val="bg1">
+                    <a:lumMod val="85000"/>
+                  </a:schemeClr>
+                </a:solidFill>
+              </a:rPr>
+              <a:t>3</a:t>
+            </a:r>
+            <a:r>
+              <a:rPr lang="ko-KR" altLang="en-US" sz="1200" dirty="0" smtClean="0">
+                <a:solidFill>
+                  <a:schemeClr val="bg1">
+                    <a:lumMod val="85000"/>
+                  </a:schemeClr>
+                </a:solidFill>
+              </a:rPr>
+              <a:t>인칭 시점을 사용한 이유</a:t>
+            </a:r>
+            <a:endParaRPr lang="en-US" altLang="ko-KR" sz="1200" dirty="0" smtClean="0">
+              <a:solidFill>
+                <a:schemeClr val="bg1">
+                  <a:lumMod val="85000"/>
+                </a:schemeClr>
+              </a:solidFill>
+            </a:endParaRPr>
+          </a:p>
+          <a:p>
+            <a:r>
+              <a:rPr lang="en-US" altLang="ko-KR" sz="1200" dirty="0" smtClean="0">
+                <a:solidFill>
+                  <a:schemeClr val="bg1">
+                    <a:lumMod val="85000"/>
+                  </a:schemeClr>
+                </a:solidFill>
+              </a:rPr>
+              <a:t>1</a:t>
+            </a:r>
+            <a:r>
+              <a:rPr lang="ko-KR" altLang="en-US" sz="1200" dirty="0" smtClean="0">
+                <a:solidFill>
+                  <a:schemeClr val="bg1">
+                    <a:lumMod val="85000"/>
+                  </a:schemeClr>
+                </a:solidFill>
+              </a:rPr>
+              <a:t>인칭은 좁은 공간을 확대하여 보여주고 </a:t>
+            </a:r>
+            <a:r>
+              <a:rPr lang="en-US" altLang="ko-KR" sz="1200" dirty="0" smtClean="0">
+                <a:solidFill>
+                  <a:schemeClr val="bg1">
+                    <a:lumMod val="85000"/>
+                  </a:schemeClr>
+                </a:solidFill>
+              </a:rPr>
+              <a:t>3</a:t>
+            </a:r>
+            <a:r>
+              <a:rPr lang="ko-KR" altLang="en-US" sz="1200" dirty="0" smtClean="0">
+                <a:solidFill>
+                  <a:schemeClr val="bg1">
+                    <a:lumMod val="85000"/>
+                  </a:schemeClr>
+                </a:solidFill>
+              </a:rPr>
+              <a:t>인칭은 넓은 공간을 상대적으로 간단하게 보여주는데</a:t>
+            </a:r>
+            <a:endParaRPr lang="en-US" altLang="ko-KR" sz="1200" dirty="0" smtClean="0">
+              <a:solidFill>
+                <a:schemeClr val="bg1">
+                  <a:lumMod val="85000"/>
+                </a:schemeClr>
+              </a:solidFill>
+            </a:endParaRPr>
+          </a:p>
+          <a:p>
+            <a:r>
+              <a:rPr lang="ko-KR" altLang="en-US" sz="1200" dirty="0" smtClean="0">
+                <a:solidFill>
+                  <a:schemeClr val="bg1">
+                    <a:lumMod val="85000"/>
+                  </a:schemeClr>
+                </a:solidFill>
+              </a:rPr>
+              <a:t>여타 슈팅 게임과는 달리 </a:t>
+            </a:r>
+            <a:r>
+              <a:rPr lang="ko-KR" altLang="en-US" sz="1200" dirty="0" err="1" smtClean="0">
+                <a:solidFill>
+                  <a:schemeClr val="bg1">
+                    <a:lumMod val="85000"/>
+                  </a:schemeClr>
+                </a:solidFill>
+              </a:rPr>
+              <a:t>맵이</a:t>
+            </a:r>
+            <a:r>
+              <a:rPr lang="ko-KR" altLang="en-US" sz="1200" dirty="0" smtClean="0">
+                <a:solidFill>
+                  <a:schemeClr val="bg1">
+                    <a:lumMod val="85000"/>
+                  </a:schemeClr>
+                </a:solidFill>
+              </a:rPr>
+              <a:t> 매우 넓고 크기 때문에 시야가 제한된 </a:t>
+            </a:r>
+            <a:r>
+              <a:rPr lang="en-US" altLang="ko-KR" sz="1200" dirty="0" smtClean="0">
+                <a:solidFill>
+                  <a:schemeClr val="bg1">
+                    <a:lumMod val="85000"/>
+                  </a:schemeClr>
+                </a:solidFill>
+              </a:rPr>
+              <a:t>1</a:t>
+            </a:r>
+            <a:r>
+              <a:rPr lang="ko-KR" altLang="en-US" sz="1200" dirty="0" smtClean="0">
+                <a:solidFill>
+                  <a:schemeClr val="bg1">
+                    <a:lumMod val="85000"/>
+                  </a:schemeClr>
+                </a:solidFill>
+              </a:rPr>
+              <a:t>인칭 시점으로 </a:t>
+            </a:r>
+            <a:r>
+              <a:rPr lang="ko-KR" altLang="en-US" sz="1200" dirty="0" err="1" smtClean="0">
+                <a:solidFill>
+                  <a:schemeClr val="bg1">
+                    <a:lumMod val="85000"/>
+                  </a:schemeClr>
+                </a:solidFill>
+              </a:rPr>
+              <a:t>플레이하기에</a:t>
+            </a:r>
+            <a:r>
+              <a:rPr lang="ko-KR" altLang="en-US" sz="1200" dirty="0" smtClean="0">
+                <a:solidFill>
+                  <a:schemeClr val="bg1">
+                    <a:lumMod val="85000"/>
+                  </a:schemeClr>
+                </a:solidFill>
+              </a:rPr>
+              <a:t> 어려움이 따름</a:t>
+            </a:r>
+            <a:endParaRPr lang="en-US" altLang="ko-KR" sz="1200" dirty="0" smtClean="0">
+              <a:solidFill>
+                <a:schemeClr val="bg1">
+                  <a:lumMod val="85000"/>
+                </a:schemeClr>
+              </a:solidFill>
+            </a:endParaRPr>
+          </a:p>
+          <a:p>
+            <a:r>
+              <a:rPr lang="ko-KR" altLang="en-US" sz="1200" dirty="0" smtClean="0">
+                <a:solidFill>
+                  <a:schemeClr val="bg1">
+                    <a:lumMod val="85000"/>
+                  </a:schemeClr>
+                </a:solidFill>
+              </a:rPr>
+              <a:t>출시할 때 </a:t>
+            </a:r>
+            <a:r>
+              <a:rPr lang="ko-KR" altLang="en-US" sz="1200" dirty="0" err="1" smtClean="0">
+                <a:solidFill>
+                  <a:schemeClr val="bg1">
+                    <a:lumMod val="85000"/>
+                  </a:schemeClr>
+                </a:solidFill>
+              </a:rPr>
+              <a:t>서바이벌</a:t>
+            </a:r>
+            <a:r>
+              <a:rPr lang="ko-KR" altLang="en-US" sz="1200" dirty="0" smtClean="0">
+                <a:solidFill>
+                  <a:schemeClr val="bg1">
+                    <a:lumMod val="85000"/>
+                  </a:schemeClr>
+                </a:solidFill>
+              </a:rPr>
+              <a:t> 장르에 익숙하지 않을 사람들을 위해 상대적으로 난이도가 쉬운 </a:t>
+            </a:r>
+            <a:r>
+              <a:rPr lang="en-US" altLang="ko-KR" sz="1200" dirty="0" smtClean="0">
+                <a:solidFill>
+                  <a:schemeClr val="bg1">
+                    <a:lumMod val="85000"/>
+                  </a:schemeClr>
+                </a:solidFill>
+              </a:rPr>
+              <a:t>3</a:t>
+            </a:r>
+            <a:r>
+              <a:rPr lang="ko-KR" altLang="en-US" sz="1200" dirty="0" smtClean="0">
+                <a:solidFill>
+                  <a:schemeClr val="bg1">
+                    <a:lumMod val="85000"/>
+                  </a:schemeClr>
+                </a:solidFill>
+              </a:rPr>
+              <a:t>인칭 사용</a:t>
+            </a:r>
+            <a:endParaRPr lang="en-US" altLang="ko-KR" sz="1200" dirty="0" smtClean="0">
+              <a:solidFill>
+                <a:schemeClr val="bg1">
+                  <a:lumMod val="85000"/>
+                </a:schemeClr>
+              </a:solidFill>
+            </a:endParaRPr>
+          </a:p>
+          <a:p>
+            <a:r>
+              <a:rPr lang="ko-KR" altLang="en-US" sz="1200" dirty="0" smtClean="0">
+                <a:solidFill>
+                  <a:schemeClr val="bg1">
+                    <a:lumMod val="85000"/>
+                  </a:schemeClr>
+                </a:solidFill>
+              </a:rPr>
+              <a:t>더 넓어지고 자유로워진 시야를 통해서 정보를 더 쉽게 받아들이고 이를 활용하게끔 유도</a:t>
+            </a:r>
+            <a:endParaRPr lang="en-US" altLang="ko-KR" sz="1200" dirty="0" smtClean="0">
+              <a:solidFill>
+                <a:schemeClr val="bg1">
+                  <a:lumMod val="85000"/>
+                </a:schemeClr>
+              </a:solidFill>
+            </a:endParaRPr>
+          </a:p>
+          <a:p>
+            <a:endParaRPr lang="en-US" altLang="ko-KR" sz="1200" dirty="0" smtClean="0">
+              <a:solidFill>
+                <a:schemeClr val="bg1">
+                  <a:lumMod val="85000"/>
+                </a:schemeClr>
+              </a:solidFill>
+            </a:endParaRPr>
+          </a:p>
+          <a:p>
+            <a:r>
+              <a:rPr lang="ko-KR" altLang="en-US" sz="1200" dirty="0" smtClean="0">
+                <a:solidFill>
+                  <a:schemeClr val="bg1">
+                    <a:lumMod val="85000"/>
+                  </a:schemeClr>
+                </a:solidFill>
+              </a:rPr>
+              <a:t>전체적인 특징</a:t>
+            </a:r>
+            <a:endParaRPr lang="en-US" altLang="ko-KR" sz="1200" dirty="0" smtClean="0">
+              <a:solidFill>
+                <a:schemeClr val="bg1">
+                  <a:lumMod val="85000"/>
+                </a:schemeClr>
+              </a:solidFill>
+            </a:endParaRPr>
+          </a:p>
+          <a:p>
+            <a:r>
+              <a:rPr lang="ko-KR" altLang="en-US" sz="1200" dirty="0" smtClean="0">
+                <a:solidFill>
+                  <a:schemeClr val="bg1">
+                    <a:lumMod val="85000"/>
+                  </a:schemeClr>
+                </a:solidFill>
+              </a:rPr>
+              <a:t>무채색을 기본으로 하여 윤곽선이 없고 단조로운 </a:t>
+            </a:r>
+            <a:r>
+              <a:rPr lang="en-US" altLang="ko-KR" sz="1200" dirty="0" smtClean="0">
+                <a:solidFill>
+                  <a:schemeClr val="bg1">
+                    <a:lumMod val="85000"/>
+                  </a:schemeClr>
+                </a:solidFill>
+              </a:rPr>
+              <a:t>UI </a:t>
+            </a:r>
+            <a:r>
+              <a:rPr lang="ko-KR" altLang="en-US" sz="1200" dirty="0" smtClean="0">
+                <a:solidFill>
+                  <a:schemeClr val="bg1">
+                    <a:lumMod val="85000"/>
+                  </a:schemeClr>
+                </a:solidFill>
+              </a:rPr>
+              <a:t>디자인</a:t>
+            </a:r>
+            <a:r>
+              <a:rPr lang="en-US" altLang="ko-KR" sz="1200" dirty="0" smtClean="0">
+                <a:solidFill>
+                  <a:schemeClr val="bg1">
+                    <a:lumMod val="85000"/>
+                  </a:schemeClr>
+                </a:solidFill>
+              </a:rPr>
+              <a:t>. </a:t>
+            </a:r>
+          </a:p>
+          <a:p>
+            <a:r>
+              <a:rPr lang="ko-KR" altLang="en-US" sz="1200" dirty="0" err="1" smtClean="0">
+                <a:solidFill>
+                  <a:schemeClr val="bg1">
+                    <a:lumMod val="85000"/>
+                  </a:schemeClr>
+                </a:solidFill>
+              </a:rPr>
+              <a:t>미니맵을</a:t>
+            </a:r>
+            <a:r>
+              <a:rPr lang="ko-KR" altLang="en-US" sz="1200" dirty="0" smtClean="0">
+                <a:solidFill>
+                  <a:schemeClr val="bg1">
+                    <a:lumMod val="85000"/>
+                  </a:schemeClr>
+                </a:solidFill>
+              </a:rPr>
+              <a:t> 제외하고 투명도를 반투명하게 설정하여 </a:t>
+            </a:r>
+            <a:r>
+              <a:rPr lang="ko-KR" altLang="en-US" sz="1200" dirty="0" err="1" smtClean="0">
+                <a:solidFill>
+                  <a:schemeClr val="bg1">
+                    <a:lumMod val="85000"/>
+                  </a:schemeClr>
+                </a:solidFill>
+              </a:rPr>
+              <a:t>뒷배경을</a:t>
+            </a:r>
+            <a:r>
+              <a:rPr lang="ko-KR" altLang="en-US" sz="1200" dirty="0" smtClean="0">
+                <a:solidFill>
+                  <a:schemeClr val="bg1">
+                    <a:lumMod val="85000"/>
+                  </a:schemeClr>
+                </a:solidFill>
+              </a:rPr>
+              <a:t> 확인할 수 있게 설정했다</a:t>
+            </a:r>
+            <a:r>
+              <a:rPr lang="en-US" altLang="ko-KR" sz="1200" dirty="0" smtClean="0">
+                <a:solidFill>
+                  <a:schemeClr val="bg1">
+                    <a:lumMod val="85000"/>
+                  </a:schemeClr>
+                </a:solidFill>
+              </a:rPr>
+              <a:t>.</a:t>
+            </a:r>
+          </a:p>
+          <a:p>
+            <a:r>
+              <a:rPr lang="ko-KR" altLang="en-US" sz="1200" dirty="0" smtClean="0">
+                <a:solidFill>
+                  <a:schemeClr val="bg1">
+                    <a:lumMod val="85000"/>
+                  </a:schemeClr>
+                </a:solidFill>
+              </a:rPr>
+              <a:t>최대한 존재감을 지우고 필요최소한의 정보만 표시하도록 디자인한 모습이다</a:t>
+            </a:r>
+            <a:r>
+              <a:rPr lang="en-US" altLang="ko-KR" sz="1200" dirty="0" smtClean="0">
+                <a:solidFill>
+                  <a:schemeClr val="bg1">
+                    <a:lumMod val="85000"/>
+                  </a:schemeClr>
+                </a:solidFill>
+              </a:rPr>
+              <a:t>.</a:t>
+            </a:r>
+          </a:p>
+          <a:p>
+            <a:r>
+              <a:rPr lang="ko-KR" altLang="en-US" sz="1200" dirty="0" smtClean="0">
+                <a:solidFill>
+                  <a:schemeClr val="bg1">
+                    <a:lumMod val="85000"/>
+                  </a:schemeClr>
+                </a:solidFill>
+              </a:rPr>
+              <a:t>그 이유는 </a:t>
+            </a:r>
+            <a:r>
+              <a:rPr lang="ko-KR" altLang="en-US" sz="1200" dirty="0" err="1" smtClean="0">
+                <a:solidFill>
+                  <a:schemeClr val="bg1">
+                    <a:lumMod val="85000"/>
+                  </a:schemeClr>
+                </a:solidFill>
+              </a:rPr>
+              <a:t>서바이벌</a:t>
+            </a:r>
+            <a:r>
+              <a:rPr lang="ko-KR" altLang="en-US" sz="1200" dirty="0" smtClean="0">
+                <a:solidFill>
+                  <a:schemeClr val="bg1">
+                    <a:lumMod val="85000"/>
+                  </a:schemeClr>
+                </a:solidFill>
+              </a:rPr>
+              <a:t> 게임이기 때문에 게임 외적으로 이목을 최대한 끌지 않고</a:t>
+            </a:r>
+            <a:endParaRPr lang="en-US" altLang="ko-KR" sz="1200" dirty="0" smtClean="0">
+              <a:solidFill>
+                <a:schemeClr val="bg1">
+                  <a:lumMod val="85000"/>
+                </a:schemeClr>
+              </a:solidFill>
+            </a:endParaRPr>
+          </a:p>
+          <a:p>
+            <a:r>
+              <a:rPr lang="ko-KR" altLang="en-US" sz="1200" dirty="0" smtClean="0">
+                <a:solidFill>
+                  <a:schemeClr val="bg1">
+                    <a:lumMod val="85000"/>
+                  </a:schemeClr>
+                </a:solidFill>
+              </a:rPr>
+              <a:t>목표를 탐색하는 데 방해 요소를 최소화시켜 플레이 자체에 집중할 수 있도록 만들기 위함이다</a:t>
+            </a:r>
+            <a:r>
+              <a:rPr lang="en-US" altLang="ko-KR" sz="1200" dirty="0" smtClean="0">
+                <a:solidFill>
+                  <a:schemeClr val="bg1">
+                    <a:lumMod val="85000"/>
+                  </a:schemeClr>
+                </a:solidFill>
+              </a:rPr>
+              <a:t>.</a:t>
+            </a:r>
+          </a:p>
+          <a:p>
+            <a:r>
+              <a:rPr lang="ko-KR" altLang="en-US" sz="1200" dirty="0" smtClean="0">
+                <a:solidFill>
+                  <a:schemeClr val="bg1">
+                    <a:lumMod val="85000"/>
+                  </a:schemeClr>
+                </a:solidFill>
+              </a:rPr>
+              <a:t>슈팅게임 특성상 </a:t>
+            </a:r>
+            <a:r>
+              <a:rPr lang="ko-KR" altLang="en-US" sz="1200" dirty="0" err="1" smtClean="0">
+                <a:solidFill>
+                  <a:schemeClr val="bg1">
+                    <a:lumMod val="85000"/>
+                  </a:schemeClr>
+                </a:solidFill>
+              </a:rPr>
+              <a:t>크로스헤어를</a:t>
+            </a:r>
+            <a:r>
+              <a:rPr lang="ko-KR" altLang="en-US" sz="1200" dirty="0" smtClean="0">
+                <a:solidFill>
+                  <a:schemeClr val="bg1">
+                    <a:lumMod val="85000"/>
+                  </a:schemeClr>
+                </a:solidFill>
+              </a:rPr>
+              <a:t> 중심으로 화면 중앙에 시선이 집중되기 때문에 </a:t>
+            </a:r>
+            <a:endParaRPr lang="en-US" altLang="ko-KR" sz="1200" dirty="0" smtClean="0">
+              <a:solidFill>
+                <a:schemeClr val="bg1">
+                  <a:lumMod val="85000"/>
+                </a:schemeClr>
+              </a:solidFill>
+            </a:endParaRPr>
+          </a:p>
+          <a:p>
+            <a:r>
+              <a:rPr lang="ko-KR" altLang="en-US" sz="1200" dirty="0" smtClean="0">
+                <a:solidFill>
+                  <a:schemeClr val="bg1">
+                    <a:lumMod val="85000"/>
+                  </a:schemeClr>
+                </a:solidFill>
+              </a:rPr>
+              <a:t>화면 중앙을 최대한 비우고 기타 </a:t>
+            </a:r>
+            <a:r>
+              <a:rPr lang="en-US" altLang="ko-KR" sz="1200" dirty="0" smtClean="0">
+                <a:solidFill>
+                  <a:schemeClr val="bg1">
+                    <a:lumMod val="85000"/>
+                  </a:schemeClr>
+                </a:solidFill>
+              </a:rPr>
+              <a:t>UI </a:t>
+            </a:r>
+            <a:r>
+              <a:rPr lang="ko-KR" altLang="en-US" sz="1200" dirty="0" smtClean="0">
+                <a:solidFill>
+                  <a:schemeClr val="bg1">
+                    <a:lumMod val="85000"/>
+                  </a:schemeClr>
+                </a:solidFill>
+              </a:rPr>
+              <a:t>요소들을 외곽으로 몰아 그려줌</a:t>
+            </a:r>
+            <a:endParaRPr lang="en-US" altLang="ko-KR" sz="1200" dirty="0" smtClean="0">
+              <a:solidFill>
+                <a:schemeClr val="bg1">
+                  <a:lumMod val="85000"/>
+                </a:schemeClr>
+              </a:solidFill>
+            </a:endParaRPr>
+          </a:p>
+          <a:p>
+            <a:endParaRPr lang="en-US" altLang="ko-KR" sz="1200" dirty="0" smtClean="0">
+              <a:solidFill>
+                <a:schemeClr val="bg1">
+                  <a:lumMod val="85000"/>
+                </a:schemeClr>
+              </a:solidFill>
+            </a:endParaRPr>
+          </a:p>
+          <a:p>
+            <a:endParaRPr lang="en-US" altLang="ko-KR" sz="1200" dirty="0" smtClean="0">
+              <a:solidFill>
+                <a:schemeClr val="bg1">
+                  <a:lumMod val="85000"/>
+                </a:schemeClr>
+              </a:solidFill>
+            </a:endParaRPr>
+          </a:p>
+          <a:p>
+            <a:r>
+              <a:rPr lang="ko-KR" altLang="en-US" sz="1200" dirty="0" err="1" smtClean="0">
+                <a:solidFill>
+                  <a:schemeClr val="bg1">
+                    <a:lumMod val="85000"/>
+                  </a:schemeClr>
+                </a:solidFill>
+              </a:rPr>
+              <a:t>메인화면은</a:t>
+            </a:r>
+            <a:r>
+              <a:rPr lang="ko-KR" altLang="en-US" sz="1200" dirty="0" smtClean="0">
+                <a:solidFill>
+                  <a:schemeClr val="bg1">
+                    <a:lumMod val="85000"/>
+                  </a:schemeClr>
+                </a:solidFill>
+              </a:rPr>
+              <a:t> 간략하게</a:t>
+            </a:r>
+            <a:r>
+              <a:rPr lang="en-US" altLang="ko-KR" sz="1200" dirty="0" smtClean="0">
+                <a:solidFill>
+                  <a:schemeClr val="bg1">
+                    <a:lumMod val="85000"/>
+                  </a:schemeClr>
+                </a:solidFill>
+              </a:rPr>
+              <a:t>, </a:t>
+            </a:r>
+            <a:r>
+              <a:rPr lang="ko-KR" altLang="en-US" sz="1200" dirty="0" err="1" smtClean="0">
+                <a:solidFill>
+                  <a:schemeClr val="bg1">
+                    <a:lumMod val="85000"/>
+                  </a:schemeClr>
+                </a:solidFill>
+              </a:rPr>
+              <a:t>크로스헤어는</a:t>
+            </a:r>
+            <a:r>
+              <a:rPr lang="ko-KR" altLang="en-US" sz="1200" dirty="0" smtClean="0">
+                <a:solidFill>
+                  <a:schemeClr val="bg1">
+                    <a:lumMod val="85000"/>
+                  </a:schemeClr>
+                </a:solidFill>
+              </a:rPr>
+              <a:t> 심층적으로 분석하자</a:t>
+            </a:r>
+            <a:endParaRPr lang="en-US" altLang="ko-KR" sz="1200" dirty="0">
+              <a:solidFill>
+                <a:schemeClr val="bg1">
+                  <a:lumMod val="85000"/>
+                </a:schemeClr>
+              </a:solidFill>
+            </a:endParaRPr>
+          </a:p>
+        </p:txBody>
+      </p:sp>
     </p:spTree>
     <p:extLst>
       <p:ext uri="{BB962C8B-B14F-4D97-AF65-F5344CB8AC3E}">
@@ -14992,7 +17076,7 @@
           <p:cNvPr id="40" name="사각형: 둥근 모서리 39">
             <a:extLst>
               <a:ext uri="{FF2B5EF4-FFF2-40B4-BE49-F238E27FC236}">
-                <a16:creationId xmlns="" xmlns:a16="http://schemas.microsoft.com/office/drawing/2014/main" id="{DEB48728-12FA-4B10-82E6-7899DDCA2731}"/>
+                <a16:creationId xmlns:a16="http://schemas.microsoft.com/office/drawing/2014/main" xmlns="" id="{DEB48728-12FA-4B10-82E6-7899DDCA2731}"/>
               </a:ext>
             </a:extLst>
           </p:cNvPr>
@@ -15064,7 +17148,7 @@
           <p:cNvPr id="43" name="직사각형 42">
             <a:extLst>
               <a:ext uri="{FF2B5EF4-FFF2-40B4-BE49-F238E27FC236}">
-                <a16:creationId xmlns="" xmlns:a16="http://schemas.microsoft.com/office/drawing/2014/main" id="{32B56811-2E7B-4FBF-99CB-4CECF20A9AC0}"/>
+                <a16:creationId xmlns:a16="http://schemas.microsoft.com/office/drawing/2014/main" xmlns="" id="{32B56811-2E7B-4FBF-99CB-4CECF20A9AC0}"/>
               </a:ext>
             </a:extLst>
           </p:cNvPr>
@@ -15142,6 +17226,249 @@
               </a:rPr>
               <a:pPr/>
               <a:t>5</a:t>
+            </a:fld>
+            <a:endParaRPr lang="ko-KR" altLang="en-US" sz="1600" dirty="0">
+              <a:solidFill>
+                <a:prstClr val="black">
+                  <a:tint val="75000"/>
+                </a:prstClr>
+              </a:solidFill>
+            </a:endParaRPr>
+          </a:p>
+        </p:txBody>
+      </p:sp>
+      <p:pic>
+        <p:nvPicPr>
+          <p:cNvPr id="5" name="그림 4"/>
+          <p:cNvPicPr>
+            <a:picLocks noChangeAspect="1"/>
+          </p:cNvPicPr>
+          <p:nvPr/>
+        </p:nvPicPr>
+        <p:blipFill>
+          <a:blip r:embed="rId2">
+            <a:extLst>
+              <a:ext uri="{28A0092B-C50C-407E-A947-70E740481C1C}">
+                <a14:useLocalDpi xmlns:a14="http://schemas.microsoft.com/office/drawing/2010/main" val="0"/>
+              </a:ext>
+            </a:extLst>
+          </a:blip>
+          <a:stretch>
+            <a:fillRect/>
+          </a:stretch>
+        </p:blipFill>
+        <p:spPr>
+          <a:xfrm>
+            <a:off x="1662545" y="1240905"/>
+            <a:ext cx="9094124" cy="5115445"/>
+          </a:xfrm>
+          <a:prstGeom prst="rect">
+            <a:avLst/>
+          </a:prstGeom>
+        </p:spPr>
+      </p:pic>
+    </p:spTree>
+    <p:extLst>
+      <p:ext uri="{BB962C8B-B14F-4D97-AF65-F5344CB8AC3E}">
+        <p14:creationId xmlns:p14="http://schemas.microsoft.com/office/powerpoint/2010/main" val="2533603829"/>
+      </p:ext>
+    </p:extLst>
+  </p:cSld>
+  <p:clrMapOvr>
+    <a:masterClrMapping/>
+  </p:clrMapOvr>
+  <p:timing>
+    <p:tnLst>
+      <p:par>
+        <p:cTn id="1" dur="indefinite" restart="never" nodeType="tmRoot"/>
+      </p:par>
+    </p:tnLst>
+  </p:timing>
+</p:sld>
+</file>
+
+<file path=ppt/slides/slide6.xml><?xml version="1.0" encoding="utf-8"?>
+<p:sld xmlns:a="http://schemas.openxmlformats.org/drawingml/2006/main" xmlns:r="http://schemas.openxmlformats.org/officeDocument/2006/relationships" xmlns:p="http://schemas.openxmlformats.org/presentationml/2006/main">
+  <p:cSld>
+    <p:bg>
+      <p:bgPr>
+        <a:solidFill>
+          <a:schemeClr val="tx2">
+            <a:lumMod val="50000"/>
+          </a:schemeClr>
+        </a:solidFill>
+        <a:effectLst/>
+      </p:bgPr>
+    </p:bg>
+    <p:spTree>
+      <p:nvGrpSpPr>
+        <p:cNvPr id="1" name=""/>
+        <p:cNvGrpSpPr/>
+        <p:nvPr/>
+      </p:nvGrpSpPr>
+      <p:grpSpPr>
+        <a:xfrm>
+          <a:off x="0" y="0"/>
+          <a:ext cx="0" cy="0"/>
+          <a:chOff x="0" y="0"/>
+          <a:chExt cx="0" cy="0"/>
+        </a:xfrm>
+      </p:grpSpPr>
+      <p:sp>
+        <p:nvSpPr>
+          <p:cNvPr id="40" name="사각형: 둥근 모서리 39">
+            <a:extLst>
+              <a:ext uri="{FF2B5EF4-FFF2-40B4-BE49-F238E27FC236}">
+                <a16:creationId xmlns:a16="http://schemas.microsoft.com/office/drawing/2014/main" xmlns="" id="{DEB48728-12FA-4B10-82E6-7899DDCA2731}"/>
+              </a:ext>
+            </a:extLst>
+          </p:cNvPr>
+          <p:cNvSpPr/>
+          <p:nvPr/>
+        </p:nvSpPr>
+        <p:spPr>
+          <a:xfrm>
+            <a:off x="491492" y="504093"/>
+            <a:ext cx="1711727" cy="585286"/>
+          </a:xfrm>
+          <a:prstGeom prst="roundRect">
+            <a:avLst>
+              <a:gd name="adj" fmla="val 50000"/>
+            </a:avLst>
+          </a:prstGeom>
+          <a:solidFill>
+            <a:srgbClr val="181E26"/>
+          </a:solidFill>
+          <a:ln>
+            <a:noFill/>
+          </a:ln>
+        </p:spPr>
+        <p:style>
+          <a:lnRef idx="2">
+            <a:schemeClr val="accent1">
+              <a:shade val="50000"/>
+            </a:schemeClr>
+          </a:lnRef>
+          <a:fillRef idx="1">
+            <a:schemeClr val="accent1"/>
+          </a:fillRef>
+          <a:effectRef idx="0">
+            <a:schemeClr val="accent1"/>
+          </a:effectRef>
+          <a:fontRef idx="minor">
+            <a:schemeClr val="lt1"/>
+          </a:fontRef>
+        </p:style>
+        <p:txBody>
+          <a:bodyPr rtlCol="0" anchor="ctr"/>
+          <a:lstStyle/>
+          <a:p>
+            <a:pPr algn="ctr">
+              <a:lnSpc>
+                <a:spcPct val="150000"/>
+              </a:lnSpc>
+            </a:pPr>
+            <a:r>
+              <a:rPr lang="ko-KR" altLang="en-US" sz="2400" b="1" dirty="0" smtClean="0">
+                <a:solidFill>
+                  <a:prstClr val="white"/>
+                </a:solidFill>
+              </a:rPr>
+              <a:t>기본 화면</a:t>
+            </a:r>
+            <a:endParaRPr lang="en-US" altLang="ko-KR" sz="1600" dirty="0">
+              <a:solidFill>
+                <a:prstClr val="white">
+                  <a:lumMod val="50000"/>
+                </a:prstClr>
+              </a:solidFill>
+            </a:endParaRPr>
+          </a:p>
+        </p:txBody>
+      </p:sp>
+      <p:sp>
+        <p:nvSpPr>
+          <p:cNvPr id="43" name="직사각형 42">
+            <a:extLst>
+              <a:ext uri="{FF2B5EF4-FFF2-40B4-BE49-F238E27FC236}">
+                <a16:creationId xmlns:a16="http://schemas.microsoft.com/office/drawing/2014/main" xmlns="" id="{32B56811-2E7B-4FBF-99CB-4CECF20A9AC0}"/>
+              </a:ext>
+            </a:extLst>
+          </p:cNvPr>
+          <p:cNvSpPr/>
+          <p:nvPr/>
+        </p:nvSpPr>
+        <p:spPr>
+          <a:xfrm>
+            <a:off x="0" y="472736"/>
+            <a:ext cx="45719" cy="648000"/>
+          </a:xfrm>
+          <a:prstGeom prst="rect">
+            <a:avLst/>
+          </a:prstGeom>
+          <a:solidFill>
+            <a:srgbClr val="FF9900"/>
+          </a:solidFill>
+          <a:ln>
+            <a:noFill/>
+          </a:ln>
+        </p:spPr>
+        <p:style>
+          <a:lnRef idx="2">
+            <a:schemeClr val="accent1">
+              <a:shade val="50000"/>
+            </a:schemeClr>
+          </a:lnRef>
+          <a:fillRef idx="1">
+            <a:schemeClr val="accent1"/>
+          </a:fillRef>
+          <a:effectRef idx="0">
+            <a:schemeClr val="accent1"/>
+          </a:effectRef>
+          <a:fontRef idx="minor">
+            <a:schemeClr val="lt1"/>
+          </a:fontRef>
+        </p:style>
+        <p:txBody>
+          <a:bodyPr rtlCol="0" anchor="ctr"/>
+          <a:lstStyle/>
+          <a:p>
+            <a:pPr algn="ctr">
+              <a:defRPr/>
+            </a:pPr>
+            <a:endParaRPr lang="ko-KR" altLang="en-US">
+              <a:solidFill>
+                <a:prstClr val="white"/>
+              </a:solidFill>
+            </a:endParaRPr>
+          </a:p>
+        </p:txBody>
+      </p:sp>
+      <p:sp>
+        <p:nvSpPr>
+          <p:cNvPr id="2" name="슬라이드 번호 개체 틀 1"/>
+          <p:cNvSpPr>
+            <a:spLocks noGrp="1"/>
+          </p:cNvSpPr>
+          <p:nvPr>
+            <p:ph type="sldNum" sz="quarter" idx="12"/>
+          </p:nvPr>
+        </p:nvSpPr>
+        <p:spPr/>
+        <p:txBody>
+          <a:bodyPr/>
+          <a:lstStyle/>
+          <a:p>
+            <a:fld id="{5D878A70-FB77-4F9B-8311-4FBED7F04F1E}" type="slidenum">
+              <a:rPr lang="ko-KR" altLang="en-US" sz="1600" smtClean="0">
+                <a:solidFill>
+                  <a:prstClr val="black">
+                    <a:tint val="75000"/>
+                  </a:prstClr>
+                </a:solidFill>
+              </a:rPr>
+              <a:pPr/>
+              <a:t>6</a:t>
             </a:fld>
             <a:endParaRPr lang="ko-KR" altLang="en-US" sz="1600" dirty="0">
               <a:solidFill>
@@ -15568,7 +17895,7 @@
           <p:cNvPr id="15" name="직사각형 14">
             <a:extLst>
               <a:ext uri="{FF2B5EF4-FFF2-40B4-BE49-F238E27FC236}">
-                <a16:creationId xmlns="" xmlns:a16="http://schemas.microsoft.com/office/drawing/2014/main" id="{76B5609D-62AE-4714-BDF8-6284F2967DFB}"/>
+                <a16:creationId xmlns:a16="http://schemas.microsoft.com/office/drawing/2014/main" xmlns="" id="{76B5609D-62AE-4714-BDF8-6284F2967DFB}"/>
               </a:ext>
             </a:extLst>
           </p:cNvPr>
@@ -15681,7 +18008,7 @@
             <p:cNvPr id="19" name="직사각형 18">
               <a:extLst>
                 <a:ext uri="{FF2B5EF4-FFF2-40B4-BE49-F238E27FC236}">
-                  <a16:creationId xmlns="" xmlns:a16="http://schemas.microsoft.com/office/drawing/2014/main" id="{76B5609D-62AE-4714-BDF8-6284F2967DFB}"/>
+                  <a16:creationId xmlns:a16="http://schemas.microsoft.com/office/drawing/2014/main" xmlns="" id="{76B5609D-62AE-4714-BDF8-6284F2967DFB}"/>
                 </a:ext>
               </a:extLst>
             </p:cNvPr>
@@ -15790,7 +18117,7 @@
             <p:cNvPr id="22" name="직사각형 21">
               <a:extLst>
                 <a:ext uri="{FF2B5EF4-FFF2-40B4-BE49-F238E27FC236}">
-                  <a16:creationId xmlns="" xmlns:a16="http://schemas.microsoft.com/office/drawing/2014/main" id="{76B5609D-62AE-4714-BDF8-6284F2967DFB}"/>
+                  <a16:creationId xmlns:a16="http://schemas.microsoft.com/office/drawing/2014/main" xmlns="" id="{76B5609D-62AE-4714-BDF8-6284F2967DFB}"/>
                 </a:ext>
               </a:extLst>
             </p:cNvPr>
@@ -15890,7 +18217,7 @@
           <p:cNvPr id="31" name="직사각형 30">
             <a:extLst>
               <a:ext uri="{FF2B5EF4-FFF2-40B4-BE49-F238E27FC236}">
-                <a16:creationId xmlns="" xmlns:a16="http://schemas.microsoft.com/office/drawing/2014/main" id="{76B5609D-62AE-4714-BDF8-6284F2967DFB}"/>
+                <a16:creationId xmlns:a16="http://schemas.microsoft.com/office/drawing/2014/main" xmlns="" id="{76B5609D-62AE-4714-BDF8-6284F2967DFB}"/>
               </a:ext>
             </a:extLst>
           </p:cNvPr>
@@ -15989,7 +18316,7 @@
           <p:cNvPr id="32" name="직사각형 31">
             <a:extLst>
               <a:ext uri="{FF2B5EF4-FFF2-40B4-BE49-F238E27FC236}">
-                <a16:creationId xmlns="" xmlns:a16="http://schemas.microsoft.com/office/drawing/2014/main" id="{76B5609D-62AE-4714-BDF8-6284F2967DFB}"/>
+                <a16:creationId xmlns:a16="http://schemas.microsoft.com/office/drawing/2014/main" xmlns="" id="{76B5609D-62AE-4714-BDF8-6284F2967DFB}"/>
               </a:ext>
             </a:extLst>
           </p:cNvPr>
@@ -16102,7 +18429,7 @@
             <p:cNvPr id="36" name="직사각형 35">
               <a:extLst>
                 <a:ext uri="{FF2B5EF4-FFF2-40B4-BE49-F238E27FC236}">
-                  <a16:creationId xmlns="" xmlns:a16="http://schemas.microsoft.com/office/drawing/2014/main" id="{76B5609D-62AE-4714-BDF8-6284F2967DFB}"/>
+                  <a16:creationId xmlns:a16="http://schemas.microsoft.com/office/drawing/2014/main" xmlns="" id="{76B5609D-62AE-4714-BDF8-6284F2967DFB}"/>
                 </a:ext>
               </a:extLst>
             </p:cNvPr>
@@ -16197,7 +18524,7 @@
           <p:cNvPr id="42" name="직사각형 41">
             <a:extLst>
               <a:ext uri="{FF2B5EF4-FFF2-40B4-BE49-F238E27FC236}">
-                <a16:creationId xmlns="" xmlns:a16="http://schemas.microsoft.com/office/drawing/2014/main" id="{76B5609D-62AE-4714-BDF8-6284F2967DFB}"/>
+                <a16:creationId xmlns:a16="http://schemas.microsoft.com/office/drawing/2014/main" xmlns="" id="{76B5609D-62AE-4714-BDF8-6284F2967DFB}"/>
               </a:ext>
             </a:extLst>
           </p:cNvPr>
@@ -16255,7 +18582,7 @@
 </p:sld>
 </file>
 
-<file path=ppt/slides/slide6.xml><?xml version="1.0" encoding="utf-8"?>
+<file path=ppt/slides/slide7.xml><?xml version="1.0" encoding="utf-8"?>
 <p:sld xmlns:a="http://schemas.openxmlformats.org/drawingml/2006/main" xmlns:r="http://schemas.openxmlformats.org/officeDocument/2006/relationships" xmlns:p="http://schemas.openxmlformats.org/presentationml/2006/main">
   <p:cSld>
     <p:bg>
@@ -16287,7 +18614,7 @@
           <p:cNvPr id="40" name="사각형: 둥근 모서리 39">
             <a:extLst>
               <a:ext uri="{FF2B5EF4-FFF2-40B4-BE49-F238E27FC236}">
-                <a16:creationId xmlns="" xmlns:a16="http://schemas.microsoft.com/office/drawing/2014/main" id="{DEB48728-12FA-4B10-82E6-7899DDCA2731}"/>
+                <a16:creationId xmlns:a16="http://schemas.microsoft.com/office/drawing/2014/main" xmlns="" id="{DEB48728-12FA-4B10-82E6-7899DDCA2731}"/>
               </a:ext>
             </a:extLst>
           </p:cNvPr>
@@ -16359,7 +18686,7 @@
           <p:cNvPr id="43" name="직사각형 42">
             <a:extLst>
               <a:ext uri="{FF2B5EF4-FFF2-40B4-BE49-F238E27FC236}">
-                <a16:creationId xmlns="" xmlns:a16="http://schemas.microsoft.com/office/drawing/2014/main" id="{32B56811-2E7B-4FBF-99CB-4CECF20A9AC0}"/>
+                <a16:creationId xmlns:a16="http://schemas.microsoft.com/office/drawing/2014/main" xmlns="" id="{32B56811-2E7B-4FBF-99CB-4CECF20A9AC0}"/>
               </a:ext>
             </a:extLst>
           </p:cNvPr>
@@ -16436,7 +18763,7 @@
                 </a:solidFill>
               </a:rPr>
               <a:pPr/>
-              <a:t>6</a:t>
+              <a:t>7</a:t>
             </a:fld>
             <a:endParaRPr lang="ko-KR" altLang="en-US" sz="1600" dirty="0">
               <a:solidFill>
@@ -16530,7 +18857,7 @@
           <p:cNvPr id="13" name="직사각형 12">
             <a:extLst>
               <a:ext uri="{FF2B5EF4-FFF2-40B4-BE49-F238E27FC236}">
-                <a16:creationId xmlns="" xmlns:a16="http://schemas.microsoft.com/office/drawing/2014/main" id="{24EDB60A-88EE-4624-924F-1D4B6948100C}"/>
+                <a16:creationId xmlns:a16="http://schemas.microsoft.com/office/drawing/2014/main" xmlns="" id="{24EDB60A-88EE-4624-924F-1D4B6948100C}"/>
               </a:ext>
             </a:extLst>
           </p:cNvPr>
@@ -17678,7 +20005,7 @@
 </p:sld>
 </file>
 
-<file path=ppt/slides/slide7.xml><?xml version="1.0" encoding="utf-8"?>
+<file path=ppt/slides/slide8.xml><?xml version="1.0" encoding="utf-8"?>
 <p:sld xmlns:a="http://schemas.openxmlformats.org/drawingml/2006/main" xmlns:r="http://schemas.openxmlformats.org/officeDocument/2006/relationships" xmlns:p="http://schemas.openxmlformats.org/presentationml/2006/main">
   <p:cSld>
     <p:bg>
@@ -17710,7 +20037,7 @@
           <p:cNvPr id="40" name="사각형: 둥근 모서리 39">
             <a:extLst>
               <a:ext uri="{FF2B5EF4-FFF2-40B4-BE49-F238E27FC236}">
-                <a16:creationId xmlns="" xmlns:a16="http://schemas.microsoft.com/office/drawing/2014/main" id="{DEB48728-12FA-4B10-82E6-7899DDCA2731}"/>
+                <a16:creationId xmlns:a16="http://schemas.microsoft.com/office/drawing/2014/main" xmlns="" id="{DEB48728-12FA-4B10-82E6-7899DDCA2731}"/>
               </a:ext>
             </a:extLst>
           </p:cNvPr>
@@ -17782,7 +20109,7 @@
           <p:cNvPr id="43" name="직사각형 42">
             <a:extLst>
               <a:ext uri="{FF2B5EF4-FFF2-40B4-BE49-F238E27FC236}">
-                <a16:creationId xmlns="" xmlns:a16="http://schemas.microsoft.com/office/drawing/2014/main" id="{32B56811-2E7B-4FBF-99CB-4CECF20A9AC0}"/>
+                <a16:creationId xmlns:a16="http://schemas.microsoft.com/office/drawing/2014/main" xmlns="" id="{32B56811-2E7B-4FBF-99CB-4CECF20A9AC0}"/>
               </a:ext>
             </a:extLst>
           </p:cNvPr>
@@ -17859,7 +20186,7 @@
                 </a:solidFill>
               </a:rPr>
               <a:pPr/>
-              <a:t>7</a:t>
+              <a:t>8</a:t>
             </a:fld>
             <a:endParaRPr lang="ko-KR" altLang="en-US" sz="1600" dirty="0">
               <a:solidFill>
@@ -17953,7 +20280,7 @@
           <p:cNvPr id="13" name="직사각형 12">
             <a:extLst>
               <a:ext uri="{FF2B5EF4-FFF2-40B4-BE49-F238E27FC236}">
-                <a16:creationId xmlns="" xmlns:a16="http://schemas.microsoft.com/office/drawing/2014/main" id="{24EDB60A-88EE-4624-924F-1D4B6948100C}"/>
+                <a16:creationId xmlns:a16="http://schemas.microsoft.com/office/drawing/2014/main" xmlns="" id="{24EDB60A-88EE-4624-924F-1D4B6948100C}"/>
               </a:ext>
             </a:extLst>
           </p:cNvPr>
@@ -18841,7 +21168,17 @@
                   </a:schemeClr>
                 </a:solidFill>
               </a:rPr>
-              <a:t>)’ + ‘</a:t>
+              <a:t>)’ + </a:t>
+            </a:r>
+            <a:r>
+              <a:rPr lang="en-US" altLang="ko-KR" sz="1200" dirty="0" smtClean="0">
+                <a:solidFill>
+                  <a:schemeClr val="bg1">
+                    <a:lumMod val="85000"/>
+                  </a:schemeClr>
+                </a:solidFill>
+              </a:rPr>
+              <a:t>‘</a:t>
             </a:r>
             <a:r>
               <a:rPr lang="ko-KR" altLang="en-US" sz="1200" dirty="0" smtClean="0">
@@ -18851,7 +21188,7 @@
                   </a:schemeClr>
                 </a:solidFill>
               </a:rPr>
-              <a:t>무엇으로 </a:t>
+              <a:t>기절 </a:t>
             </a:r>
             <a:r>
               <a:rPr lang="en-US" altLang="ko-KR" sz="1200" dirty="0" smtClean="0">
@@ -18861,6 +21198,26 @@
                   </a:schemeClr>
                 </a:solidFill>
               </a:rPr>
+              <a:t>/ </a:t>
+            </a:r>
+            <a:r>
+              <a:rPr lang="ko-KR" altLang="en-US" sz="1200" dirty="0" smtClean="0">
+                <a:solidFill>
+                  <a:schemeClr val="bg1">
+                    <a:lumMod val="85000"/>
+                  </a:schemeClr>
+                </a:solidFill>
+              </a:rPr>
+              <a:t>사망</a:t>
+            </a:r>
+            <a:r>
+              <a:rPr lang="en-US" altLang="ko-KR" sz="1200" dirty="0" smtClean="0">
+                <a:solidFill>
+                  <a:schemeClr val="bg1">
+                    <a:lumMod val="85000"/>
+                  </a:schemeClr>
+                </a:solidFill>
+              </a:rPr>
               <a:t>(</a:t>
             </a:r>
             <a:r>
@@ -18871,7 +21228,7 @@
                   </a:schemeClr>
                 </a:solidFill>
               </a:rPr>
-              <a:t>기절 </a:t>
+              <a:t>무엇으로</a:t>
             </a:r>
             <a:r>
               <a:rPr lang="en-US" altLang="ko-KR" sz="1200" dirty="0" smtClean="0">
@@ -18881,17 +21238,7 @@
                   </a:schemeClr>
                 </a:solidFill>
               </a:rPr>
-              <a:t>/ </a:t>
-            </a:r>
-            <a:r>
-              <a:rPr lang="ko-KR" altLang="en-US" sz="1200" dirty="0" smtClean="0">
-                <a:solidFill>
-                  <a:schemeClr val="bg1">
-                    <a:lumMod val="85000"/>
-                  </a:schemeClr>
-                </a:solidFill>
-              </a:rPr>
-              <a:t>사망</a:t>
+              <a:t>)</a:t>
             </a:r>
             <a:r>
               <a:rPr lang="en-US" altLang="ko-KR" sz="1200" dirty="0" smtClean="0">
@@ -18901,7 +21248,17 @@
                   </a:schemeClr>
                 </a:solidFill>
               </a:rPr>
-              <a:t>) ’ + ‘</a:t>
+              <a:t>’ </a:t>
+            </a:r>
+            <a:r>
+              <a:rPr lang="en-US" altLang="ko-KR" sz="1200" dirty="0" smtClean="0">
+                <a:solidFill>
+                  <a:schemeClr val="bg1">
+                    <a:lumMod val="85000"/>
+                  </a:schemeClr>
+                </a:solidFill>
+              </a:rPr>
+              <a:t>+ ‘</a:t>
             </a:r>
             <a:r>
               <a:rPr lang="ko-KR" altLang="en-US" sz="1200" dirty="0" smtClean="0">
@@ -19077,7 +21434,7 @@
 </p:sld>
 </file>
 
-<file path=ppt/slides/slide8.xml><?xml version="1.0" encoding="utf-8"?>
+<file path=ppt/slides/slide9.xml><?xml version="1.0" encoding="utf-8"?>
 <p:sld xmlns:a="http://schemas.openxmlformats.org/drawingml/2006/main" xmlns:r="http://schemas.openxmlformats.org/officeDocument/2006/relationships" xmlns:p="http://schemas.openxmlformats.org/presentationml/2006/main">
   <p:cSld>
     <p:bg>
@@ -19109,7 +21466,7 @@
           <p:cNvPr id="40" name="사각형: 둥근 모서리 39">
             <a:extLst>
               <a:ext uri="{FF2B5EF4-FFF2-40B4-BE49-F238E27FC236}">
-                <a16:creationId xmlns="" xmlns:a16="http://schemas.microsoft.com/office/drawing/2014/main" id="{DEB48728-12FA-4B10-82E6-7899DDCA2731}"/>
+                <a16:creationId xmlns:a16="http://schemas.microsoft.com/office/drawing/2014/main" xmlns="" id="{DEB48728-12FA-4B10-82E6-7899DDCA2731}"/>
               </a:ext>
             </a:extLst>
           </p:cNvPr>
@@ -19181,7 +21538,7 @@
           <p:cNvPr id="43" name="직사각형 42">
             <a:extLst>
               <a:ext uri="{FF2B5EF4-FFF2-40B4-BE49-F238E27FC236}">
-                <a16:creationId xmlns="" xmlns:a16="http://schemas.microsoft.com/office/drawing/2014/main" id="{32B56811-2E7B-4FBF-99CB-4CECF20A9AC0}"/>
+                <a16:creationId xmlns:a16="http://schemas.microsoft.com/office/drawing/2014/main" xmlns="" id="{32B56811-2E7B-4FBF-99CB-4CECF20A9AC0}"/>
               </a:ext>
             </a:extLst>
           </p:cNvPr>
@@ -19258,7 +21615,7 @@
                 </a:solidFill>
               </a:rPr>
               <a:pPr/>
-              <a:t>8</a:t>
+              <a:t>9</a:t>
             </a:fld>
             <a:endParaRPr lang="ko-KR" altLang="en-US" sz="1600" dirty="0">
               <a:solidFill>
@@ -19352,7 +21709,7 @@
           <p:cNvPr id="13" name="직사각형 12">
             <a:extLst>
               <a:ext uri="{FF2B5EF4-FFF2-40B4-BE49-F238E27FC236}">
-                <a16:creationId xmlns="" xmlns:a16="http://schemas.microsoft.com/office/drawing/2014/main" id="{24EDB60A-88EE-4624-924F-1D4B6948100C}"/>
+                <a16:creationId xmlns:a16="http://schemas.microsoft.com/office/drawing/2014/main" xmlns="" id="{24EDB60A-88EE-4624-924F-1D4B6948100C}"/>
               </a:ext>
             </a:extLst>
           </p:cNvPr>
@@ -19909,841 +22266,6 @@
     <p:extLst>
       <p:ext uri="{BB962C8B-B14F-4D97-AF65-F5344CB8AC3E}">
         <p14:creationId xmlns:p14="http://schemas.microsoft.com/office/powerpoint/2010/main" val="1281583759"/>
-      </p:ext>
-    </p:extLst>
-  </p:cSld>
-  <p:clrMapOvr>
-    <a:masterClrMapping/>
-  </p:clrMapOvr>
-  <p:timing>
-    <p:tnLst>
-      <p:par>
-        <p:cTn id="1" dur="indefinite" restart="never" nodeType="tmRoot"/>
-      </p:par>
-    </p:tnLst>
-  </p:timing>
-</p:sld>
-</file>
-
-<file path=ppt/slides/slide9.xml><?xml version="1.0" encoding="utf-8"?>
-<p:sld xmlns:a="http://schemas.openxmlformats.org/drawingml/2006/main" xmlns:r="http://schemas.openxmlformats.org/officeDocument/2006/relationships" xmlns:p="http://schemas.openxmlformats.org/presentationml/2006/main">
-  <p:cSld>
-    <p:bg>
-      <p:bgPr>
-        <a:solidFill>
-          <a:schemeClr val="tx2">
-            <a:lumMod val="50000"/>
-          </a:schemeClr>
-        </a:solidFill>
-        <a:effectLst/>
-      </p:bgPr>
-    </p:bg>
-    <p:spTree>
-      <p:nvGrpSpPr>
-        <p:cNvPr id="1" name=""/>
-        <p:cNvGrpSpPr/>
-        <p:nvPr/>
-      </p:nvGrpSpPr>
-      <p:grpSpPr>
-        <a:xfrm>
-          <a:off x="0" y="0"/>
-          <a:ext cx="0" cy="0"/>
-          <a:chOff x="0" y="0"/>
-          <a:chExt cx="0" cy="0"/>
-        </a:xfrm>
-      </p:grpSpPr>
-      <p:sp>
-        <p:nvSpPr>
-          <p:cNvPr id="40" name="사각형: 둥근 모서리 39">
-            <a:extLst>
-              <a:ext uri="{FF2B5EF4-FFF2-40B4-BE49-F238E27FC236}">
-                <a16:creationId xmlns="" xmlns:a16="http://schemas.microsoft.com/office/drawing/2014/main" id="{DEB48728-12FA-4B10-82E6-7899DDCA2731}"/>
-              </a:ext>
-            </a:extLst>
-          </p:cNvPr>
-          <p:cNvSpPr/>
-          <p:nvPr/>
-        </p:nvSpPr>
-        <p:spPr>
-          <a:xfrm>
-            <a:off x="491492" y="504093"/>
-            <a:ext cx="1711727" cy="585286"/>
-          </a:xfrm>
-          <a:prstGeom prst="roundRect">
-            <a:avLst>
-              <a:gd name="adj" fmla="val 50000"/>
-            </a:avLst>
-          </a:prstGeom>
-          <a:solidFill>
-            <a:srgbClr val="181E26"/>
-          </a:solidFill>
-          <a:ln>
-            <a:noFill/>
-          </a:ln>
-        </p:spPr>
-        <p:style>
-          <a:lnRef idx="2">
-            <a:schemeClr val="accent1">
-              <a:shade val="50000"/>
-            </a:schemeClr>
-          </a:lnRef>
-          <a:fillRef idx="1">
-            <a:schemeClr val="accent1"/>
-          </a:fillRef>
-          <a:effectRef idx="0">
-            <a:schemeClr val="accent1"/>
-          </a:effectRef>
-          <a:fontRef idx="minor">
-            <a:schemeClr val="lt1"/>
-          </a:fontRef>
-        </p:style>
-        <p:txBody>
-          <a:bodyPr rtlCol="0" anchor="ctr"/>
-          <a:lstStyle/>
-          <a:p>
-            <a:pPr algn="ctr">
-              <a:lnSpc>
-                <a:spcPct val="150000"/>
-              </a:lnSpc>
-            </a:pPr>
-            <a:r>
-              <a:rPr lang="ko-KR" altLang="en-US" sz="2400" b="1" dirty="0" smtClean="0">
-                <a:solidFill>
-                  <a:prstClr val="white"/>
-                </a:solidFill>
-              </a:rPr>
-              <a:t>기본 화면</a:t>
-            </a:r>
-            <a:endParaRPr lang="en-US" altLang="ko-KR" sz="1600" dirty="0">
-              <a:solidFill>
-                <a:prstClr val="white">
-                  <a:lumMod val="50000"/>
-                </a:prstClr>
-              </a:solidFill>
-            </a:endParaRPr>
-          </a:p>
-        </p:txBody>
-      </p:sp>
-      <p:sp>
-        <p:nvSpPr>
-          <p:cNvPr id="43" name="직사각형 42">
-            <a:extLst>
-              <a:ext uri="{FF2B5EF4-FFF2-40B4-BE49-F238E27FC236}">
-                <a16:creationId xmlns="" xmlns:a16="http://schemas.microsoft.com/office/drawing/2014/main" id="{32B56811-2E7B-4FBF-99CB-4CECF20A9AC0}"/>
-              </a:ext>
-            </a:extLst>
-          </p:cNvPr>
-          <p:cNvSpPr/>
-          <p:nvPr/>
-        </p:nvSpPr>
-        <p:spPr>
-          <a:xfrm>
-            <a:off x="0" y="472736"/>
-            <a:ext cx="45719" cy="648000"/>
-          </a:xfrm>
-          <a:prstGeom prst="rect">
-            <a:avLst/>
-          </a:prstGeom>
-          <a:solidFill>
-            <a:srgbClr val="FF9900"/>
-          </a:solidFill>
-          <a:ln>
-            <a:noFill/>
-          </a:ln>
-        </p:spPr>
-        <p:style>
-          <a:lnRef idx="2">
-            <a:schemeClr val="accent1">
-              <a:shade val="50000"/>
-            </a:schemeClr>
-          </a:lnRef>
-          <a:fillRef idx="1">
-            <a:schemeClr val="accent1"/>
-          </a:fillRef>
-          <a:effectRef idx="0">
-            <a:schemeClr val="accent1"/>
-          </a:effectRef>
-          <a:fontRef idx="minor">
-            <a:schemeClr val="lt1"/>
-          </a:fontRef>
-        </p:style>
-        <p:txBody>
-          <a:bodyPr rtlCol="0" anchor="ctr"/>
-          <a:lstStyle/>
-          <a:p>
-            <a:pPr algn="ctr">
-              <a:defRPr/>
-            </a:pPr>
-            <a:endParaRPr lang="ko-KR" altLang="en-US">
-              <a:solidFill>
-                <a:prstClr val="white"/>
-              </a:solidFill>
-            </a:endParaRPr>
-          </a:p>
-        </p:txBody>
-      </p:sp>
-      <p:sp>
-        <p:nvSpPr>
-          <p:cNvPr id="2" name="슬라이드 번호 개체 틀 1"/>
-          <p:cNvSpPr>
-            <a:spLocks noGrp="1"/>
-          </p:cNvSpPr>
-          <p:nvPr>
-            <p:ph type="sldNum" sz="quarter" idx="12"/>
-          </p:nvPr>
-        </p:nvSpPr>
-        <p:spPr/>
-        <p:txBody>
-          <a:bodyPr/>
-          <a:lstStyle/>
-          <a:p>
-            <a:fld id="{5D878A70-FB77-4F9B-8311-4FBED7F04F1E}" type="slidenum">
-              <a:rPr lang="ko-KR" altLang="en-US" sz="1600" smtClean="0">
-                <a:solidFill>
-                  <a:prstClr val="black">
-                    <a:tint val="75000"/>
-                  </a:prstClr>
-                </a:solidFill>
-              </a:rPr>
-              <a:pPr/>
-              <a:t>9</a:t>
-            </a:fld>
-            <a:endParaRPr lang="ko-KR" altLang="en-US" sz="1600" dirty="0">
-              <a:solidFill>
-                <a:prstClr val="black">
-                  <a:tint val="75000"/>
-                </a:prstClr>
-              </a:solidFill>
-            </a:endParaRPr>
-          </a:p>
-        </p:txBody>
-      </p:sp>
-      <p:pic>
-        <p:nvPicPr>
-          <p:cNvPr id="5" name="그림 4"/>
-          <p:cNvPicPr>
-            <a:picLocks noChangeAspect="1"/>
-          </p:cNvPicPr>
-          <p:nvPr/>
-        </p:nvPicPr>
-        <p:blipFill>
-          <a:blip r:embed="rId2" cstate="print">
-            <a:extLst>
-              <a:ext uri="{28A0092B-C50C-407E-A947-70E740481C1C}">
-                <a14:useLocalDpi xmlns:a14="http://schemas.microsoft.com/office/drawing/2010/main" val="0"/>
-              </a:ext>
-            </a:extLst>
-          </a:blip>
-          <a:stretch>
-            <a:fillRect/>
-          </a:stretch>
-        </p:blipFill>
-        <p:spPr>
-          <a:xfrm>
-            <a:off x="491492" y="1332345"/>
-            <a:ext cx="2404740" cy="1352666"/>
-          </a:xfrm>
-          <a:prstGeom prst="rect">
-            <a:avLst/>
-          </a:prstGeom>
-        </p:spPr>
-      </p:pic>
-      <p:sp>
-        <p:nvSpPr>
-          <p:cNvPr id="10" name="직사각형 9"/>
-          <p:cNvSpPr/>
-          <p:nvPr/>
-        </p:nvSpPr>
-        <p:spPr>
-          <a:xfrm>
-            <a:off x="1280324" y="2542834"/>
-            <a:ext cx="827075" cy="145472"/>
-          </a:xfrm>
-          <a:prstGeom prst="rect">
-            <a:avLst/>
-          </a:prstGeom>
-          <a:noFill/>
-          <a:ln>
-            <a:solidFill>
-              <a:srgbClr val="FF0000"/>
-            </a:solidFill>
-            <a:prstDash val="dash"/>
-          </a:ln>
-        </p:spPr>
-        <p:style>
-          <a:lnRef idx="2">
-            <a:schemeClr val="accent1">
-              <a:shade val="50000"/>
-            </a:schemeClr>
-          </a:lnRef>
-          <a:fillRef idx="1">
-            <a:schemeClr val="accent1"/>
-          </a:fillRef>
-          <a:effectRef idx="0">
-            <a:schemeClr val="accent1"/>
-          </a:effectRef>
-          <a:fontRef idx="minor">
-            <a:schemeClr val="lt1"/>
-          </a:fontRef>
-        </p:style>
-        <p:txBody>
-          <a:bodyPr rtlCol="0" anchor="ctr"/>
-          <a:lstStyle/>
-          <a:p>
-            <a:pPr algn="ctr"/>
-            <a:endParaRPr lang="ko-KR" altLang="en-US"/>
-          </a:p>
-        </p:txBody>
-      </p:sp>
-      <p:sp>
-        <p:nvSpPr>
-          <p:cNvPr id="13" name="직사각형 12">
-            <a:extLst>
-              <a:ext uri="{FF2B5EF4-FFF2-40B4-BE49-F238E27FC236}">
-                <a16:creationId xmlns="" xmlns:a16="http://schemas.microsoft.com/office/drawing/2014/main" id="{24EDB60A-88EE-4624-924F-1D4B6948100C}"/>
-              </a:ext>
-            </a:extLst>
-          </p:cNvPr>
-          <p:cNvSpPr/>
-          <p:nvPr/>
-        </p:nvSpPr>
-        <p:spPr>
-          <a:xfrm>
-            <a:off x="2371327" y="544106"/>
-            <a:ext cx="2498128" cy="414024"/>
-          </a:xfrm>
-          <a:prstGeom prst="rect">
-            <a:avLst/>
-          </a:prstGeom>
-          <a:noFill/>
-        </p:spPr>
-        <p:txBody>
-          <a:bodyPr wrap="square">
-            <a:spAutoFit/>
-          </a:bodyPr>
-          <a:lstStyle/>
-          <a:p>
-            <a:pPr latinLnBrk="0">
-              <a:lnSpc>
-                <a:spcPct val="150000"/>
-              </a:lnSpc>
-              <a:defRPr/>
-            </a:pPr>
-            <a:r>
-              <a:rPr lang="en-US" altLang="ko-KR" sz="1600" kern="0" dirty="0">
-                <a:solidFill>
-                  <a:prstClr val="white"/>
-                </a:solidFill>
-              </a:rPr>
-              <a:t>4</a:t>
-            </a:r>
-            <a:r>
-              <a:rPr lang="en-US" altLang="ko-KR" sz="1600" kern="0" dirty="0" smtClean="0">
-                <a:solidFill>
-                  <a:prstClr val="white"/>
-                </a:solidFill>
-              </a:rPr>
-              <a:t>) </a:t>
-            </a:r>
-            <a:r>
-              <a:rPr lang="ko-KR" altLang="en-US" sz="1600" kern="0" dirty="0" err="1" smtClean="0">
-                <a:solidFill>
-                  <a:prstClr val="white"/>
-                </a:solidFill>
-              </a:rPr>
-              <a:t>스테이터스</a:t>
-            </a:r>
-            <a:r>
-              <a:rPr lang="ko-KR" altLang="en-US" sz="1600" kern="0" dirty="0" smtClean="0">
-                <a:solidFill>
-                  <a:prstClr val="white"/>
-                </a:solidFill>
-              </a:rPr>
-              <a:t> </a:t>
-            </a:r>
-            <a:r>
-              <a:rPr lang="en-US" altLang="ko-KR" sz="1400" kern="0" dirty="0" smtClean="0">
-                <a:solidFill>
-                  <a:prstClr val="white"/>
-                </a:solidFill>
-              </a:rPr>
-              <a:t>(</a:t>
-            </a:r>
-            <a:r>
-              <a:rPr lang="ko-KR" altLang="en-US" sz="1400" kern="0" dirty="0" smtClean="0">
-                <a:solidFill>
-                  <a:prstClr val="white"/>
-                </a:solidFill>
-              </a:rPr>
-              <a:t>장비</a:t>
-            </a:r>
-            <a:r>
-              <a:rPr lang="en-US" altLang="ko-KR" sz="1400" kern="0" dirty="0" smtClean="0">
-                <a:solidFill>
-                  <a:prstClr val="white"/>
-                </a:solidFill>
-              </a:rPr>
-              <a:t>)</a:t>
-            </a:r>
-            <a:endParaRPr lang="ko-KR" altLang="en-US" sz="8000" kern="0" dirty="0">
-              <a:solidFill>
-                <a:prstClr val="white"/>
-              </a:solidFill>
-            </a:endParaRPr>
-          </a:p>
-        </p:txBody>
-      </p:sp>
-      <p:cxnSp>
-        <p:nvCxnSpPr>
-          <p:cNvPr id="15" name="직선 화살표 연결선 14"/>
-          <p:cNvCxnSpPr/>
-          <p:nvPr/>
-        </p:nvCxnSpPr>
-        <p:spPr>
-          <a:xfrm>
-            <a:off x="2051732" y="2615570"/>
-            <a:ext cx="1195555" cy="873109"/>
-          </a:xfrm>
-          <a:prstGeom prst="straightConnector1">
-            <a:avLst/>
-          </a:prstGeom>
-          <a:ln w="28575">
-            <a:solidFill>
-              <a:srgbClr val="FF0000"/>
-            </a:solidFill>
-            <a:tailEnd type="triangle"/>
-          </a:ln>
-        </p:spPr>
-        <p:style>
-          <a:lnRef idx="1">
-            <a:schemeClr val="accent1"/>
-          </a:lnRef>
-          <a:fillRef idx="0">
-            <a:schemeClr val="accent1"/>
-          </a:fillRef>
-          <a:effectRef idx="0">
-            <a:schemeClr val="accent1"/>
-          </a:effectRef>
-          <a:fontRef idx="minor">
-            <a:schemeClr val="tx1"/>
-          </a:fontRef>
-        </p:style>
-      </p:cxnSp>
-      <p:pic>
-        <p:nvPicPr>
-          <p:cNvPr id="1026" name="Picture 2"/>
-          <p:cNvPicPr>
-            <a:picLocks noChangeAspect="1" noChangeArrowheads="1"/>
-          </p:cNvPicPr>
-          <p:nvPr/>
-        </p:nvPicPr>
-        <p:blipFill>
-          <a:blip r:embed="rId3">
-            <a:extLst>
-              <a:ext uri="{28A0092B-C50C-407E-A947-70E740481C1C}">
-                <a14:useLocalDpi xmlns:a14="http://schemas.microsoft.com/office/drawing/2010/main" val="0"/>
-              </a:ext>
-            </a:extLst>
-          </a:blip>
-          <a:srcRect/>
-          <a:stretch>
-            <a:fillRect/>
-          </a:stretch>
-        </p:blipFill>
-        <p:spPr bwMode="auto">
-          <a:xfrm>
-            <a:off x="3247287" y="3488679"/>
-            <a:ext cx="5281933" cy="1478153"/>
-          </a:xfrm>
-          <a:prstGeom prst="rect">
-            <a:avLst/>
-          </a:prstGeom>
-          <a:noFill/>
-          <a:ln>
-            <a:noFill/>
-          </a:ln>
-          <a:effectLst/>
-          <a:extLst>
-            <a:ext uri="{909E8E84-426E-40DD-AFC4-6F175D3DCCD1}">
-              <a14:hiddenFill xmlns:a14="http://schemas.microsoft.com/office/drawing/2010/main">
-                <a:solidFill>
-                  <a:schemeClr val="accent1"/>
-                </a:solidFill>
-              </a14:hiddenFill>
-            </a:ext>
-            <a:ext uri="{91240B29-F687-4F45-9708-019B960494DF}">
-              <a14:hiddenLine xmlns:a14="http://schemas.microsoft.com/office/drawing/2010/main" w="9525">
-                <a:solidFill>
-                  <a:schemeClr val="tx1"/>
-                </a:solidFill>
-                <a:miter lim="800000"/>
-                <a:headEnd/>
-                <a:tailEnd/>
-              </a14:hiddenLine>
-            </a:ext>
-            <a:ext uri="{AF507438-7753-43E0-B8FC-AC1667EBCBE1}">
-              <a14:hiddenEffects xmlns:a14="http://schemas.microsoft.com/office/drawing/2010/main">
-                <a:effectLst>
-                  <a:outerShdw dist="35921" dir="2700000" algn="ctr" rotWithShape="0">
-                    <a:schemeClr val="bg2"/>
-                  </a:outerShdw>
-                </a:effectLst>
-              </a14:hiddenEffects>
-            </a:ext>
-          </a:extLst>
-        </p:spPr>
-      </p:pic>
-      <p:sp>
-        <p:nvSpPr>
-          <p:cNvPr id="22" name="직사각형 21"/>
-          <p:cNvSpPr/>
-          <p:nvPr/>
-        </p:nvSpPr>
-        <p:spPr>
-          <a:xfrm>
-            <a:off x="3353750" y="3737562"/>
-            <a:ext cx="1343456" cy="556296"/>
-          </a:xfrm>
-          <a:prstGeom prst="rect">
-            <a:avLst/>
-          </a:prstGeom>
-          <a:noFill/>
-          <a:ln>
-            <a:solidFill>
-              <a:srgbClr val="FF0000"/>
-            </a:solidFill>
-            <a:prstDash val="dash"/>
-          </a:ln>
-        </p:spPr>
-        <p:style>
-          <a:lnRef idx="2">
-            <a:schemeClr val="accent1">
-              <a:shade val="50000"/>
-            </a:schemeClr>
-          </a:lnRef>
-          <a:fillRef idx="1">
-            <a:schemeClr val="accent1"/>
-          </a:fillRef>
-          <a:effectRef idx="0">
-            <a:schemeClr val="accent1"/>
-          </a:effectRef>
-          <a:fontRef idx="minor">
-            <a:schemeClr val="lt1"/>
-          </a:fontRef>
-        </p:style>
-        <p:txBody>
-          <a:bodyPr rtlCol="0" anchor="ctr"/>
-          <a:lstStyle/>
-          <a:p>
-            <a:pPr algn="ctr"/>
-            <a:endParaRPr lang="ko-KR" altLang="en-US"/>
-          </a:p>
-        </p:txBody>
-      </p:sp>
-      <p:cxnSp>
-        <p:nvCxnSpPr>
-          <p:cNvPr id="30" name="직선 화살표 연결선 29"/>
-          <p:cNvCxnSpPr/>
-          <p:nvPr/>
-        </p:nvCxnSpPr>
-        <p:spPr>
-          <a:xfrm flipH="1">
-            <a:off x="4560985" y="2539850"/>
-            <a:ext cx="1718629" cy="1197712"/>
-          </a:xfrm>
-          <a:prstGeom prst="straightConnector1">
-            <a:avLst/>
-          </a:prstGeom>
-          <a:ln w="28575">
-            <a:solidFill>
-              <a:srgbClr val="FF0000"/>
-            </a:solidFill>
-            <a:prstDash val="dash"/>
-            <a:tailEnd type="triangle"/>
-          </a:ln>
-        </p:spPr>
-        <p:style>
-          <a:lnRef idx="1">
-            <a:schemeClr val="accent1"/>
-          </a:lnRef>
-          <a:fillRef idx="0">
-            <a:schemeClr val="accent1"/>
-          </a:fillRef>
-          <a:effectRef idx="0">
-            <a:schemeClr val="accent1"/>
-          </a:effectRef>
-          <a:fontRef idx="minor">
-            <a:schemeClr val="tx1"/>
-          </a:fontRef>
-        </p:style>
-      </p:cxnSp>
-      <p:sp>
-        <p:nvSpPr>
-          <p:cNvPr id="24" name="직사각형 23"/>
-          <p:cNvSpPr/>
-          <p:nvPr/>
-        </p:nvSpPr>
-        <p:spPr>
-          <a:xfrm>
-            <a:off x="5772839" y="1005771"/>
-            <a:ext cx="5640636" cy="1534080"/>
-          </a:xfrm>
-          <a:prstGeom prst="rect">
-            <a:avLst/>
-          </a:prstGeom>
-          <a:solidFill>
-            <a:schemeClr val="tx2"/>
-          </a:solidFill>
-          <a:ln>
-            <a:solidFill>
-              <a:schemeClr val="accent5">
-                <a:lumMod val="50000"/>
-              </a:schemeClr>
-            </a:solidFill>
-          </a:ln>
-        </p:spPr>
-        <p:style>
-          <a:lnRef idx="2">
-            <a:schemeClr val="accent1">
-              <a:shade val="50000"/>
-            </a:schemeClr>
-          </a:lnRef>
-          <a:fillRef idx="1">
-            <a:schemeClr val="accent1"/>
-          </a:fillRef>
-          <a:effectRef idx="0">
-            <a:schemeClr val="accent1"/>
-          </a:effectRef>
-          <a:fontRef idx="minor">
-            <a:schemeClr val="lt1"/>
-          </a:fontRef>
-        </p:style>
-        <p:txBody>
-          <a:bodyPr rtlCol="0" anchor="ctr"/>
-          <a:lstStyle/>
-          <a:p>
-            <a:r>
-              <a:rPr lang="ko-KR" altLang="en-US" sz="1200" dirty="0" smtClean="0">
-                <a:solidFill>
-                  <a:schemeClr val="bg1">
-                    <a:lumMod val="85000"/>
-                  </a:schemeClr>
-                </a:solidFill>
-              </a:rPr>
-              <a:t>플레이어가 장비류를 장비하고 있는 경우 그에 대응하는 아이콘이 생성되어</a:t>
-            </a:r>
-            <a:endParaRPr lang="en-US" altLang="ko-KR" sz="1200" dirty="0" smtClean="0">
-              <a:solidFill>
-                <a:schemeClr val="bg1">
-                  <a:lumMod val="85000"/>
-                </a:schemeClr>
-              </a:solidFill>
-            </a:endParaRPr>
-          </a:p>
-          <a:p>
-            <a:r>
-              <a:rPr lang="ko-KR" altLang="en-US" sz="1200" dirty="0" smtClean="0">
-                <a:solidFill>
-                  <a:schemeClr val="bg1">
-                    <a:lumMod val="85000"/>
-                  </a:schemeClr>
-                </a:solidFill>
-              </a:rPr>
-              <a:t>현재 </a:t>
-            </a:r>
-            <a:r>
-              <a:rPr lang="ko-KR" altLang="en-US" sz="1200" dirty="0">
-                <a:solidFill>
-                  <a:schemeClr val="bg1">
-                    <a:lumMod val="85000"/>
-                  </a:schemeClr>
-                </a:solidFill>
-              </a:rPr>
-              <a:t>플레이어가 장비하고 있는 가방과 헬멧</a:t>
-            </a:r>
-            <a:r>
-              <a:rPr lang="en-US" altLang="ko-KR" sz="1200" dirty="0">
-                <a:solidFill>
-                  <a:schemeClr val="bg1">
-                    <a:lumMod val="85000"/>
-                  </a:schemeClr>
-                </a:solidFill>
-              </a:rPr>
-              <a:t>, </a:t>
-            </a:r>
-            <a:r>
-              <a:rPr lang="ko-KR" altLang="en-US" sz="1200" dirty="0">
-                <a:solidFill>
-                  <a:schemeClr val="bg1">
-                    <a:lumMod val="85000"/>
-                  </a:schemeClr>
-                </a:solidFill>
-              </a:rPr>
-              <a:t>조끼의 레벨과 상태를 보여준다</a:t>
-            </a:r>
-            <a:r>
-              <a:rPr lang="en-US" altLang="ko-KR" sz="1200" dirty="0">
-                <a:solidFill>
-                  <a:schemeClr val="bg1">
-                    <a:lumMod val="85000"/>
-                  </a:schemeClr>
-                </a:solidFill>
-              </a:rPr>
-              <a:t>. </a:t>
-            </a:r>
-            <a:r>
-              <a:rPr lang="ko-KR" altLang="en-US" sz="1200" dirty="0">
-                <a:solidFill>
-                  <a:schemeClr val="bg1">
-                    <a:lumMod val="85000"/>
-                  </a:schemeClr>
-                </a:solidFill>
-              </a:rPr>
-              <a:t>레벨마다 서로 다른 아이콘을 적용하고</a:t>
-            </a:r>
-            <a:r>
-              <a:rPr lang="en-US" altLang="ko-KR" sz="1200" dirty="0">
-                <a:solidFill>
-                  <a:schemeClr val="bg1">
-                    <a:lumMod val="85000"/>
-                  </a:schemeClr>
-                </a:solidFill>
-              </a:rPr>
-              <a:t>, </a:t>
-            </a:r>
-            <a:r>
-              <a:rPr lang="ko-KR" altLang="en-US" sz="1200" dirty="0" err="1">
-                <a:solidFill>
-                  <a:schemeClr val="bg1">
-                    <a:lumMod val="85000"/>
-                  </a:schemeClr>
-                </a:solidFill>
-              </a:rPr>
-              <a:t>방어구의</a:t>
-            </a:r>
-            <a:r>
-              <a:rPr lang="ko-KR" altLang="en-US" sz="1200" dirty="0">
-                <a:solidFill>
-                  <a:schemeClr val="bg1">
-                    <a:lumMod val="85000"/>
-                  </a:schemeClr>
-                </a:solidFill>
-              </a:rPr>
-              <a:t> 경우 적의 공격으로 방어도가 깎였을 때 그 비율에 따라 밑에서부터 빨간색으로 채워진다</a:t>
-            </a:r>
-            <a:r>
-              <a:rPr lang="en-US" altLang="ko-KR" sz="1200" dirty="0">
-                <a:solidFill>
-                  <a:schemeClr val="bg1">
-                    <a:lumMod val="85000"/>
-                  </a:schemeClr>
-                </a:solidFill>
-              </a:rPr>
-              <a:t>. </a:t>
-            </a:r>
-            <a:r>
-              <a:rPr lang="ko-KR" altLang="en-US" sz="1200" dirty="0">
-                <a:solidFill>
-                  <a:schemeClr val="bg1">
-                    <a:lumMod val="85000"/>
-                  </a:schemeClr>
-                </a:solidFill>
-              </a:rPr>
-              <a:t>이를 통해 </a:t>
-            </a:r>
-            <a:r>
-              <a:rPr lang="ko-KR" altLang="en-US" sz="1200" dirty="0">
-                <a:solidFill>
-                  <a:schemeClr val="accent4"/>
-                </a:solidFill>
-              </a:rPr>
-              <a:t>굳이 </a:t>
-            </a:r>
-            <a:endParaRPr lang="en-US" altLang="ko-KR" sz="1200" dirty="0">
-              <a:solidFill>
-                <a:schemeClr val="accent4"/>
-              </a:solidFill>
-            </a:endParaRPr>
-          </a:p>
-          <a:p>
-            <a:r>
-              <a:rPr lang="ko-KR" altLang="en-US" sz="1200" dirty="0" err="1">
-                <a:solidFill>
-                  <a:schemeClr val="accent4"/>
-                </a:solidFill>
-              </a:rPr>
-              <a:t>인벤토리를</a:t>
-            </a:r>
-            <a:r>
-              <a:rPr lang="ko-KR" altLang="en-US" sz="1200" dirty="0">
-                <a:solidFill>
-                  <a:schemeClr val="accent4"/>
-                </a:solidFill>
-              </a:rPr>
-              <a:t> 열지 않고도 자신의 </a:t>
-            </a:r>
-            <a:r>
-              <a:rPr lang="ko-KR" altLang="en-US" sz="1200" dirty="0" smtClean="0">
-                <a:solidFill>
-                  <a:schemeClr val="accent4"/>
-                </a:solidFill>
-              </a:rPr>
-              <a:t>장비 상태와 수준을 </a:t>
-            </a:r>
-            <a:r>
-              <a:rPr lang="ko-KR" altLang="en-US" sz="1200" dirty="0">
-                <a:solidFill>
-                  <a:schemeClr val="accent4"/>
-                </a:solidFill>
-              </a:rPr>
-              <a:t>한 눈에 파악할 수 있고 </a:t>
-            </a:r>
-            <a:endParaRPr lang="en-US" altLang="ko-KR" sz="1200" dirty="0">
-              <a:solidFill>
-                <a:schemeClr val="accent4"/>
-              </a:solidFill>
-            </a:endParaRPr>
-          </a:p>
-          <a:p>
-            <a:r>
-              <a:rPr lang="ko-KR" altLang="en-US" sz="1200" dirty="0">
-                <a:solidFill>
-                  <a:schemeClr val="accent4"/>
-                </a:solidFill>
-              </a:rPr>
-              <a:t>그럼으로써 간편하고 신속한 아이템 </a:t>
-            </a:r>
-            <a:r>
-              <a:rPr lang="ko-KR" altLang="en-US" sz="1200" dirty="0" err="1">
-                <a:solidFill>
-                  <a:schemeClr val="accent4"/>
-                </a:solidFill>
-              </a:rPr>
-              <a:t>파밍을</a:t>
-            </a:r>
-            <a:r>
-              <a:rPr lang="ko-KR" altLang="en-US" sz="1200" dirty="0">
-                <a:solidFill>
-                  <a:schemeClr val="accent4"/>
-                </a:solidFill>
-              </a:rPr>
-              <a:t> 유도한다</a:t>
-            </a:r>
-            <a:r>
-              <a:rPr lang="en-US" altLang="ko-KR" sz="1200" dirty="0">
-                <a:solidFill>
-                  <a:schemeClr val="accent4"/>
-                </a:solidFill>
-              </a:rPr>
-              <a:t>.</a:t>
-            </a:r>
-          </a:p>
-        </p:txBody>
-      </p:sp>
-    </p:spTree>
-    <p:extLst>
-      <p:ext uri="{BB962C8B-B14F-4D97-AF65-F5344CB8AC3E}">
-        <p14:creationId xmlns:p14="http://schemas.microsoft.com/office/powerpoint/2010/main" val="2559082494"/>
       </p:ext>
     </p:extLst>
   </p:cSld>
@@ -21049,7 +22571,7 @@
   <a:extraClrSchemeLst/>
   <a:extLst>
     <a:ext uri="{05A4C25C-085E-4340-85A3-A5531E510DB2}">
-      <thm15:themeFamily xmlns="" xmlns:thm15="http://schemas.microsoft.com/office/thememl/2012/main" name="Office Theme" id="{62F939B6-93AF-4DB8-9C6B-D6C7DFDC589F}" vid="{4A3C46E8-61CC-4603-A589-7422A47A8E4A}"/>
+      <thm15:themeFamily xmlns:thm15="http://schemas.microsoft.com/office/thememl/2012/main" xmlns="" name="Office Theme" id="{62F939B6-93AF-4DB8-9C6B-D6C7DFDC589F}" vid="{4A3C46E8-61CC-4603-A589-7422A47A8E4A}"/>
     </a:ext>
   </a:extLst>
 </a:theme>
@@ -21310,7 +22832,7 @@
   <a:extraClrSchemeLst/>
   <a:extLst>
     <a:ext uri="{05A4C25C-085E-4340-85A3-A5531E510DB2}">
-      <thm15:themeFamily xmlns="" xmlns:thm15="http://schemas.microsoft.com/office/thememl/2012/main" name="Office Theme" id="{62F939B6-93AF-4DB8-9C6B-D6C7DFDC589F}" vid="{4A3C46E8-61CC-4603-A589-7422A47A8E4A}"/>
+      <thm15:themeFamily xmlns:thm15="http://schemas.microsoft.com/office/thememl/2012/main" xmlns="" name="Office Theme" id="{62F939B6-93AF-4DB8-9C6B-D6C7DFDC589F}" vid="{4A3C46E8-61CC-4603-A589-7422A47A8E4A}"/>
     </a:ext>
   </a:extLst>
 </a:theme>

--- a/3-1 기획 포트폴리오 작성/PUBG 전투 UI 역기획서.pptx
+++ b/3-1 기획 포트폴리오 작성/PUBG 전투 UI 역기획서.pptx
@@ -5,22 +5,23 @@
     <p:sldMasterId id="2147483660" r:id="rId1"/>
   </p:sldMasterIdLst>
   <p:notesMasterIdLst>
-    <p:notesMasterId r:id="rId15"/>
+    <p:notesMasterId r:id="rId16"/>
   </p:notesMasterIdLst>
   <p:sldIdLst>
     <p:sldId id="258" r:id="rId2"/>
     <p:sldId id="263" r:id="rId3"/>
-    <p:sldId id="266" r:id="rId4"/>
-    <p:sldId id="264" r:id="rId5"/>
-    <p:sldId id="274" r:id="rId6"/>
-    <p:sldId id="265" r:id="rId7"/>
-    <p:sldId id="267" r:id="rId8"/>
-    <p:sldId id="268" r:id="rId9"/>
-    <p:sldId id="269" r:id="rId10"/>
-    <p:sldId id="270" r:id="rId11"/>
-    <p:sldId id="271" r:id="rId12"/>
-    <p:sldId id="272" r:id="rId13"/>
-    <p:sldId id="273" r:id="rId14"/>
+    <p:sldId id="264" r:id="rId4"/>
+    <p:sldId id="276" r:id="rId5"/>
+    <p:sldId id="275" r:id="rId6"/>
+    <p:sldId id="274" r:id="rId7"/>
+    <p:sldId id="265" r:id="rId8"/>
+    <p:sldId id="267" r:id="rId9"/>
+    <p:sldId id="268" r:id="rId10"/>
+    <p:sldId id="269" r:id="rId11"/>
+    <p:sldId id="270" r:id="rId12"/>
+    <p:sldId id="271" r:id="rId13"/>
+    <p:sldId id="272" r:id="rId14"/>
+    <p:sldId id="273" r:id="rId15"/>
   </p:sldIdLst>
   <p:sldSz cx="12192000" cy="6858000"/>
   <p:notesSz cx="6858000" cy="9144000"/>
@@ -121,7 +122,18 @@
   </p:defaultTextStyle>
   <p:extLst>
     <p:ext uri="{EFAFB233-063F-42B5-8137-9DF3F51BA10A}">
-      <p15:sldGuideLst xmlns:p15="http://schemas.microsoft.com/office/powerpoint/2012/main" xmlns=""/>
+      <p15:sldGuideLst xmlns:p15="http://schemas.microsoft.com/office/powerpoint/2012/main">
+        <p15:guide id="1" orient="horz" pos="2160">
+          <p15:clr>
+            <a:srgbClr val="A4A3A4"/>
+          </p15:clr>
+        </p15:guide>
+        <p15:guide id="2" pos="3840">
+          <p15:clr>
+            <a:srgbClr val="A4A3A4"/>
+          </p15:clr>
+        </p15:guide>
+      </p15:sldGuideLst>
     </p:ext>
   </p:extLst>
 </p:presentation>
@@ -209,7 +221,7 @@
           <a:p>
             <a:fld id="{BEB49F3D-8A57-43DD-A757-DD94CEE66A95}" type="datetimeFigureOut">
               <a:rPr lang="ko-KR" altLang="en-US" smtClean="0"/>
-              <a:t>2019-05-20</a:t>
+              <a:t>2019-05-21</a:t>
             </a:fld>
             <a:endParaRPr lang="ko-KR" altLang="en-US"/>
           </a:p>
@@ -499,7 +511,7 @@
           <p:cNvPr id="2" name="제목 1">
             <a:extLst>
               <a:ext uri="{FF2B5EF4-FFF2-40B4-BE49-F238E27FC236}">
-                <a16:creationId xmlns:a16="http://schemas.microsoft.com/office/drawing/2014/main" xmlns="" id="{BC4B5A23-C81F-4AF5-A748-1D1EE93505F9}"/>
+                <a16:creationId xmlns:a16="http://schemas.microsoft.com/office/drawing/2014/main" id="{BC4B5A23-C81F-4AF5-A748-1D1EE93505F9}"/>
               </a:ext>
             </a:extLst>
           </p:cNvPr>
@@ -536,7 +548,7 @@
           <p:cNvPr id="3" name="부제목 2">
             <a:extLst>
               <a:ext uri="{FF2B5EF4-FFF2-40B4-BE49-F238E27FC236}">
-                <a16:creationId xmlns:a16="http://schemas.microsoft.com/office/drawing/2014/main" xmlns="" id="{26F8B85E-9692-4475-9B5C-3E3DB5D88828}"/>
+                <a16:creationId xmlns:a16="http://schemas.microsoft.com/office/drawing/2014/main" id="{26F8B85E-9692-4475-9B5C-3E3DB5D88828}"/>
               </a:ext>
             </a:extLst>
           </p:cNvPr>
@@ -606,7 +618,7 @@
           <p:cNvPr id="4" name="날짜 개체 틀 3">
             <a:extLst>
               <a:ext uri="{FF2B5EF4-FFF2-40B4-BE49-F238E27FC236}">
-                <a16:creationId xmlns:a16="http://schemas.microsoft.com/office/drawing/2014/main" xmlns="" id="{BC005B73-604A-4AB5-8137-DDC71FB7678B}"/>
+                <a16:creationId xmlns:a16="http://schemas.microsoft.com/office/drawing/2014/main" id="{BC005B73-604A-4AB5-8137-DDC71FB7678B}"/>
               </a:ext>
             </a:extLst>
           </p:cNvPr>
@@ -630,7 +642,7 @@
                   </a:prstClr>
                 </a:solidFill>
               </a:rPr>
-              <a:t>2019-05-20</a:t>
+              <a:t>2019-05-21</a:t>
             </a:fld>
             <a:endParaRPr lang="ko-KR" altLang="en-US">
               <a:solidFill>
@@ -647,7 +659,7 @@
           <p:cNvPr id="5" name="바닥글 개체 틀 4">
             <a:extLst>
               <a:ext uri="{FF2B5EF4-FFF2-40B4-BE49-F238E27FC236}">
-                <a16:creationId xmlns:a16="http://schemas.microsoft.com/office/drawing/2014/main" xmlns="" id="{D657B5ED-EDEA-4726-A63A-ABCD88DDA24F}"/>
+                <a16:creationId xmlns:a16="http://schemas.microsoft.com/office/drawing/2014/main" id="{D657B5ED-EDEA-4726-A63A-ABCD88DDA24F}"/>
               </a:ext>
             </a:extLst>
           </p:cNvPr>
@@ -678,7 +690,7 @@
           <p:cNvPr id="6" name="슬라이드 번호 개체 틀 5">
             <a:extLst>
               <a:ext uri="{FF2B5EF4-FFF2-40B4-BE49-F238E27FC236}">
-                <a16:creationId xmlns:a16="http://schemas.microsoft.com/office/drawing/2014/main" xmlns="" id="{EE561B83-F1A6-46DA-BD34-3B375CB3487C}"/>
+                <a16:creationId xmlns:a16="http://schemas.microsoft.com/office/drawing/2014/main" id="{EE561B83-F1A6-46DA-BD34-3B375CB3487C}"/>
               </a:ext>
             </a:extLst>
           </p:cNvPr>
@@ -750,7 +762,7 @@
           <p:cNvPr id="2" name="제목 1">
             <a:extLst>
               <a:ext uri="{FF2B5EF4-FFF2-40B4-BE49-F238E27FC236}">
-                <a16:creationId xmlns:a16="http://schemas.microsoft.com/office/drawing/2014/main" xmlns="" id="{39E36BD6-A4CF-4B25-AB1E-51253291E2B4}"/>
+                <a16:creationId xmlns:a16="http://schemas.microsoft.com/office/drawing/2014/main" id="{39E36BD6-A4CF-4B25-AB1E-51253291E2B4}"/>
               </a:ext>
             </a:extLst>
           </p:cNvPr>
@@ -778,7 +790,7 @@
           <p:cNvPr id="3" name="세로 텍스트 개체 틀 2">
             <a:extLst>
               <a:ext uri="{FF2B5EF4-FFF2-40B4-BE49-F238E27FC236}">
-                <a16:creationId xmlns:a16="http://schemas.microsoft.com/office/drawing/2014/main" xmlns="" id="{8749623F-E56B-4F2D-8C1B-7FE5A6708872}"/>
+                <a16:creationId xmlns:a16="http://schemas.microsoft.com/office/drawing/2014/main" id="{8749623F-E56B-4F2D-8C1B-7FE5A6708872}"/>
               </a:ext>
             </a:extLst>
           </p:cNvPr>
@@ -835,7 +847,7 @@
           <p:cNvPr id="4" name="날짜 개체 틀 3">
             <a:extLst>
               <a:ext uri="{FF2B5EF4-FFF2-40B4-BE49-F238E27FC236}">
-                <a16:creationId xmlns:a16="http://schemas.microsoft.com/office/drawing/2014/main" xmlns="" id="{638878DC-1F89-454E-8C22-21927454BB66}"/>
+                <a16:creationId xmlns:a16="http://schemas.microsoft.com/office/drawing/2014/main" id="{638878DC-1F89-454E-8C22-21927454BB66}"/>
               </a:ext>
             </a:extLst>
           </p:cNvPr>
@@ -859,7 +871,7 @@
                   </a:prstClr>
                 </a:solidFill>
               </a:rPr>
-              <a:t>2019-05-20</a:t>
+              <a:t>2019-05-21</a:t>
             </a:fld>
             <a:endParaRPr lang="ko-KR" altLang="en-US">
               <a:solidFill>
@@ -876,7 +888,7 @@
           <p:cNvPr id="5" name="바닥글 개체 틀 4">
             <a:extLst>
               <a:ext uri="{FF2B5EF4-FFF2-40B4-BE49-F238E27FC236}">
-                <a16:creationId xmlns:a16="http://schemas.microsoft.com/office/drawing/2014/main" xmlns="" id="{A9C32D40-FC59-4599-8DB0-4EDB55159969}"/>
+                <a16:creationId xmlns:a16="http://schemas.microsoft.com/office/drawing/2014/main" id="{A9C32D40-FC59-4599-8DB0-4EDB55159969}"/>
               </a:ext>
             </a:extLst>
           </p:cNvPr>
@@ -907,7 +919,7 @@
           <p:cNvPr id="6" name="슬라이드 번호 개체 틀 5">
             <a:extLst>
               <a:ext uri="{FF2B5EF4-FFF2-40B4-BE49-F238E27FC236}">
-                <a16:creationId xmlns:a16="http://schemas.microsoft.com/office/drawing/2014/main" xmlns="" id="{C4BECE70-0B94-4918-8A6B-CE318F78DB6B}"/>
+                <a16:creationId xmlns:a16="http://schemas.microsoft.com/office/drawing/2014/main" id="{C4BECE70-0B94-4918-8A6B-CE318F78DB6B}"/>
               </a:ext>
             </a:extLst>
           </p:cNvPr>
@@ -979,7 +991,7 @@
           <p:cNvPr id="2" name="세로 제목 1">
             <a:extLst>
               <a:ext uri="{FF2B5EF4-FFF2-40B4-BE49-F238E27FC236}">
-                <a16:creationId xmlns:a16="http://schemas.microsoft.com/office/drawing/2014/main" xmlns="" id="{1CC509A6-106F-4F30-B678-2B05478C05AD}"/>
+                <a16:creationId xmlns:a16="http://schemas.microsoft.com/office/drawing/2014/main" id="{1CC509A6-106F-4F30-B678-2B05478C05AD}"/>
               </a:ext>
             </a:extLst>
           </p:cNvPr>
@@ -1012,7 +1024,7 @@
           <p:cNvPr id="3" name="세로 텍스트 개체 틀 2">
             <a:extLst>
               <a:ext uri="{FF2B5EF4-FFF2-40B4-BE49-F238E27FC236}">
-                <a16:creationId xmlns:a16="http://schemas.microsoft.com/office/drawing/2014/main" xmlns="" id="{4728D6E4-1D89-4B38-BBBD-0F051698128F}"/>
+                <a16:creationId xmlns:a16="http://schemas.microsoft.com/office/drawing/2014/main" id="{4728D6E4-1D89-4B38-BBBD-0F051698128F}"/>
               </a:ext>
             </a:extLst>
           </p:cNvPr>
@@ -1074,7 +1086,7 @@
           <p:cNvPr id="4" name="날짜 개체 틀 3">
             <a:extLst>
               <a:ext uri="{FF2B5EF4-FFF2-40B4-BE49-F238E27FC236}">
-                <a16:creationId xmlns:a16="http://schemas.microsoft.com/office/drawing/2014/main" xmlns="" id="{5C995D7F-87F4-4EAE-B067-A371E5D3C9ED}"/>
+                <a16:creationId xmlns:a16="http://schemas.microsoft.com/office/drawing/2014/main" id="{5C995D7F-87F4-4EAE-B067-A371E5D3C9ED}"/>
               </a:ext>
             </a:extLst>
           </p:cNvPr>
@@ -1098,7 +1110,7 @@
                   </a:prstClr>
                 </a:solidFill>
               </a:rPr>
-              <a:t>2019-05-20</a:t>
+              <a:t>2019-05-21</a:t>
             </a:fld>
             <a:endParaRPr lang="ko-KR" altLang="en-US">
               <a:solidFill>
@@ -1115,7 +1127,7 @@
           <p:cNvPr id="5" name="바닥글 개체 틀 4">
             <a:extLst>
               <a:ext uri="{FF2B5EF4-FFF2-40B4-BE49-F238E27FC236}">
-                <a16:creationId xmlns:a16="http://schemas.microsoft.com/office/drawing/2014/main" xmlns="" id="{B56F322D-4B78-410F-883C-30640F0A1B9B}"/>
+                <a16:creationId xmlns:a16="http://schemas.microsoft.com/office/drawing/2014/main" id="{B56F322D-4B78-410F-883C-30640F0A1B9B}"/>
               </a:ext>
             </a:extLst>
           </p:cNvPr>
@@ -1146,7 +1158,7 @@
           <p:cNvPr id="6" name="슬라이드 번호 개체 틀 5">
             <a:extLst>
               <a:ext uri="{FF2B5EF4-FFF2-40B4-BE49-F238E27FC236}">
-                <a16:creationId xmlns:a16="http://schemas.microsoft.com/office/drawing/2014/main" xmlns="" id="{D8A676F9-DE6E-4CF9-8A5F-C636669B6A79}"/>
+                <a16:creationId xmlns:a16="http://schemas.microsoft.com/office/drawing/2014/main" id="{D8A676F9-DE6E-4CF9-8A5F-C636669B6A79}"/>
               </a:ext>
             </a:extLst>
           </p:cNvPr>
@@ -1218,7 +1230,7 @@
           <p:cNvPr id="2" name="제목 1">
             <a:extLst>
               <a:ext uri="{FF2B5EF4-FFF2-40B4-BE49-F238E27FC236}">
-                <a16:creationId xmlns:a16="http://schemas.microsoft.com/office/drawing/2014/main" xmlns="" id="{F2AFF599-F9A5-411F-BFB9-C4FB2A3A31B1}"/>
+                <a16:creationId xmlns:a16="http://schemas.microsoft.com/office/drawing/2014/main" id="{F2AFF599-F9A5-411F-BFB9-C4FB2A3A31B1}"/>
               </a:ext>
             </a:extLst>
           </p:cNvPr>
@@ -1246,7 +1258,7 @@
           <p:cNvPr id="3" name="내용 개체 틀 2">
             <a:extLst>
               <a:ext uri="{FF2B5EF4-FFF2-40B4-BE49-F238E27FC236}">
-                <a16:creationId xmlns:a16="http://schemas.microsoft.com/office/drawing/2014/main" xmlns="" id="{193CECED-CCAF-4DDD-B539-F3AF15540E07}"/>
+                <a16:creationId xmlns:a16="http://schemas.microsoft.com/office/drawing/2014/main" id="{193CECED-CCAF-4DDD-B539-F3AF15540E07}"/>
               </a:ext>
             </a:extLst>
           </p:cNvPr>
@@ -1303,7 +1315,7 @@
           <p:cNvPr id="4" name="날짜 개체 틀 3">
             <a:extLst>
               <a:ext uri="{FF2B5EF4-FFF2-40B4-BE49-F238E27FC236}">
-                <a16:creationId xmlns:a16="http://schemas.microsoft.com/office/drawing/2014/main" xmlns="" id="{BC0C8BE3-B2E2-4859-8481-2ADA01A44F0B}"/>
+                <a16:creationId xmlns:a16="http://schemas.microsoft.com/office/drawing/2014/main" id="{BC0C8BE3-B2E2-4859-8481-2ADA01A44F0B}"/>
               </a:ext>
             </a:extLst>
           </p:cNvPr>
@@ -1327,7 +1339,7 @@
                   </a:prstClr>
                 </a:solidFill>
               </a:rPr>
-              <a:t>2019-05-20</a:t>
+              <a:t>2019-05-21</a:t>
             </a:fld>
             <a:endParaRPr lang="ko-KR" altLang="en-US">
               <a:solidFill>
@@ -1344,7 +1356,7 @@
           <p:cNvPr id="5" name="바닥글 개체 틀 4">
             <a:extLst>
               <a:ext uri="{FF2B5EF4-FFF2-40B4-BE49-F238E27FC236}">
-                <a16:creationId xmlns:a16="http://schemas.microsoft.com/office/drawing/2014/main" xmlns="" id="{288CDC39-E89C-42A8-9B52-C7D6DAC2A6DF}"/>
+                <a16:creationId xmlns:a16="http://schemas.microsoft.com/office/drawing/2014/main" id="{288CDC39-E89C-42A8-9B52-C7D6DAC2A6DF}"/>
               </a:ext>
             </a:extLst>
           </p:cNvPr>
@@ -1375,7 +1387,7 @@
           <p:cNvPr id="6" name="슬라이드 번호 개체 틀 5">
             <a:extLst>
               <a:ext uri="{FF2B5EF4-FFF2-40B4-BE49-F238E27FC236}">
-                <a16:creationId xmlns:a16="http://schemas.microsoft.com/office/drawing/2014/main" xmlns="" id="{E1B28C08-4C0A-48B8-A2D2-41A018AB93AC}"/>
+                <a16:creationId xmlns:a16="http://schemas.microsoft.com/office/drawing/2014/main" id="{E1B28C08-4C0A-48B8-A2D2-41A018AB93AC}"/>
               </a:ext>
             </a:extLst>
           </p:cNvPr>
@@ -1447,7 +1459,7 @@
           <p:cNvPr id="2" name="제목 1">
             <a:extLst>
               <a:ext uri="{FF2B5EF4-FFF2-40B4-BE49-F238E27FC236}">
-                <a16:creationId xmlns:a16="http://schemas.microsoft.com/office/drawing/2014/main" xmlns="" id="{CB24B900-D8B5-4B2F-9A9B-DAFD43923849}"/>
+                <a16:creationId xmlns:a16="http://schemas.microsoft.com/office/drawing/2014/main" id="{CB24B900-D8B5-4B2F-9A9B-DAFD43923849}"/>
               </a:ext>
             </a:extLst>
           </p:cNvPr>
@@ -1484,7 +1496,7 @@
           <p:cNvPr id="3" name="텍스트 개체 틀 2">
             <a:extLst>
               <a:ext uri="{FF2B5EF4-FFF2-40B4-BE49-F238E27FC236}">
-                <a16:creationId xmlns:a16="http://schemas.microsoft.com/office/drawing/2014/main" xmlns="" id="{46D0AAEF-5449-4C97-B530-902BE63F1B9A}"/>
+                <a16:creationId xmlns:a16="http://schemas.microsoft.com/office/drawing/2014/main" id="{46D0AAEF-5449-4C97-B530-902BE63F1B9A}"/>
               </a:ext>
             </a:extLst>
           </p:cNvPr>
@@ -1609,7 +1621,7 @@
           <p:cNvPr id="4" name="날짜 개체 틀 3">
             <a:extLst>
               <a:ext uri="{FF2B5EF4-FFF2-40B4-BE49-F238E27FC236}">
-                <a16:creationId xmlns:a16="http://schemas.microsoft.com/office/drawing/2014/main" xmlns="" id="{598CE2F0-2D83-432D-AAAB-53B7BDADB673}"/>
+                <a16:creationId xmlns:a16="http://schemas.microsoft.com/office/drawing/2014/main" id="{598CE2F0-2D83-432D-AAAB-53B7BDADB673}"/>
               </a:ext>
             </a:extLst>
           </p:cNvPr>
@@ -1633,7 +1645,7 @@
                   </a:prstClr>
                 </a:solidFill>
               </a:rPr>
-              <a:t>2019-05-20</a:t>
+              <a:t>2019-05-21</a:t>
             </a:fld>
             <a:endParaRPr lang="ko-KR" altLang="en-US">
               <a:solidFill>
@@ -1650,7 +1662,7 @@
           <p:cNvPr id="5" name="바닥글 개체 틀 4">
             <a:extLst>
               <a:ext uri="{FF2B5EF4-FFF2-40B4-BE49-F238E27FC236}">
-                <a16:creationId xmlns:a16="http://schemas.microsoft.com/office/drawing/2014/main" xmlns="" id="{F14A1FD5-451B-4844-91B8-CAAD1300221D}"/>
+                <a16:creationId xmlns:a16="http://schemas.microsoft.com/office/drawing/2014/main" id="{F14A1FD5-451B-4844-91B8-CAAD1300221D}"/>
               </a:ext>
             </a:extLst>
           </p:cNvPr>
@@ -1681,7 +1693,7 @@
           <p:cNvPr id="6" name="슬라이드 번호 개체 틀 5">
             <a:extLst>
               <a:ext uri="{FF2B5EF4-FFF2-40B4-BE49-F238E27FC236}">
-                <a16:creationId xmlns:a16="http://schemas.microsoft.com/office/drawing/2014/main" xmlns="" id="{DC4FCB56-5F29-4966-828B-6F12C897F578}"/>
+                <a16:creationId xmlns:a16="http://schemas.microsoft.com/office/drawing/2014/main" id="{DC4FCB56-5F29-4966-828B-6F12C897F578}"/>
               </a:ext>
             </a:extLst>
           </p:cNvPr>
@@ -1753,7 +1765,7 @@
           <p:cNvPr id="2" name="제목 1">
             <a:extLst>
               <a:ext uri="{FF2B5EF4-FFF2-40B4-BE49-F238E27FC236}">
-                <a16:creationId xmlns:a16="http://schemas.microsoft.com/office/drawing/2014/main" xmlns="" id="{07A8BCA9-CCD6-4662-A75A-29683674065D}"/>
+                <a16:creationId xmlns:a16="http://schemas.microsoft.com/office/drawing/2014/main" id="{07A8BCA9-CCD6-4662-A75A-29683674065D}"/>
               </a:ext>
             </a:extLst>
           </p:cNvPr>
@@ -1781,7 +1793,7 @@
           <p:cNvPr id="3" name="내용 개체 틀 2">
             <a:extLst>
               <a:ext uri="{FF2B5EF4-FFF2-40B4-BE49-F238E27FC236}">
-                <a16:creationId xmlns:a16="http://schemas.microsoft.com/office/drawing/2014/main" xmlns="" id="{2DB64179-D214-4078-BA5F-DFCB5B7AB550}"/>
+                <a16:creationId xmlns:a16="http://schemas.microsoft.com/office/drawing/2014/main" id="{2DB64179-D214-4078-BA5F-DFCB5B7AB550}"/>
               </a:ext>
             </a:extLst>
           </p:cNvPr>
@@ -1843,7 +1855,7 @@
           <p:cNvPr id="4" name="내용 개체 틀 3">
             <a:extLst>
               <a:ext uri="{FF2B5EF4-FFF2-40B4-BE49-F238E27FC236}">
-                <a16:creationId xmlns:a16="http://schemas.microsoft.com/office/drawing/2014/main" xmlns="" id="{B1779CDF-61C0-406A-811C-6499DEFD46BA}"/>
+                <a16:creationId xmlns:a16="http://schemas.microsoft.com/office/drawing/2014/main" id="{B1779CDF-61C0-406A-811C-6499DEFD46BA}"/>
               </a:ext>
             </a:extLst>
           </p:cNvPr>
@@ -1905,7 +1917,7 @@
           <p:cNvPr id="5" name="날짜 개체 틀 4">
             <a:extLst>
               <a:ext uri="{FF2B5EF4-FFF2-40B4-BE49-F238E27FC236}">
-                <a16:creationId xmlns:a16="http://schemas.microsoft.com/office/drawing/2014/main" xmlns="" id="{AE2950D3-3FB5-4335-966B-7606E35446D8}"/>
+                <a16:creationId xmlns:a16="http://schemas.microsoft.com/office/drawing/2014/main" id="{AE2950D3-3FB5-4335-966B-7606E35446D8}"/>
               </a:ext>
             </a:extLst>
           </p:cNvPr>
@@ -1929,7 +1941,7 @@
                   </a:prstClr>
                 </a:solidFill>
               </a:rPr>
-              <a:t>2019-05-20</a:t>
+              <a:t>2019-05-21</a:t>
             </a:fld>
             <a:endParaRPr lang="ko-KR" altLang="en-US">
               <a:solidFill>
@@ -1946,7 +1958,7 @@
           <p:cNvPr id="6" name="바닥글 개체 틀 5">
             <a:extLst>
               <a:ext uri="{FF2B5EF4-FFF2-40B4-BE49-F238E27FC236}">
-                <a16:creationId xmlns:a16="http://schemas.microsoft.com/office/drawing/2014/main" xmlns="" id="{6EA6937B-7D55-49EA-B7A1-89529F5A35C3}"/>
+                <a16:creationId xmlns:a16="http://schemas.microsoft.com/office/drawing/2014/main" id="{6EA6937B-7D55-49EA-B7A1-89529F5A35C3}"/>
               </a:ext>
             </a:extLst>
           </p:cNvPr>
@@ -1977,7 +1989,7 @@
           <p:cNvPr id="7" name="슬라이드 번호 개체 틀 6">
             <a:extLst>
               <a:ext uri="{FF2B5EF4-FFF2-40B4-BE49-F238E27FC236}">
-                <a16:creationId xmlns:a16="http://schemas.microsoft.com/office/drawing/2014/main" xmlns="" id="{BB794612-C908-4F25-B9A3-09427AE34A52}"/>
+                <a16:creationId xmlns:a16="http://schemas.microsoft.com/office/drawing/2014/main" id="{BB794612-C908-4F25-B9A3-09427AE34A52}"/>
               </a:ext>
             </a:extLst>
           </p:cNvPr>
@@ -2049,7 +2061,7 @@
           <p:cNvPr id="2" name="제목 1">
             <a:extLst>
               <a:ext uri="{FF2B5EF4-FFF2-40B4-BE49-F238E27FC236}">
-                <a16:creationId xmlns:a16="http://schemas.microsoft.com/office/drawing/2014/main" xmlns="" id="{3F3C1362-BBA7-4D01-B788-14FDB950ECB7}"/>
+                <a16:creationId xmlns:a16="http://schemas.microsoft.com/office/drawing/2014/main" id="{3F3C1362-BBA7-4D01-B788-14FDB950ECB7}"/>
               </a:ext>
             </a:extLst>
           </p:cNvPr>
@@ -2082,7 +2094,7 @@
           <p:cNvPr id="3" name="텍스트 개체 틀 2">
             <a:extLst>
               <a:ext uri="{FF2B5EF4-FFF2-40B4-BE49-F238E27FC236}">
-                <a16:creationId xmlns:a16="http://schemas.microsoft.com/office/drawing/2014/main" xmlns="" id="{65AC57B0-4E1F-4D85-8918-3867A4BE7C4B}"/>
+                <a16:creationId xmlns:a16="http://schemas.microsoft.com/office/drawing/2014/main" id="{65AC57B0-4E1F-4D85-8918-3867A4BE7C4B}"/>
               </a:ext>
             </a:extLst>
           </p:cNvPr>
@@ -2153,7 +2165,7 @@
           <p:cNvPr id="4" name="내용 개체 틀 3">
             <a:extLst>
               <a:ext uri="{FF2B5EF4-FFF2-40B4-BE49-F238E27FC236}">
-                <a16:creationId xmlns:a16="http://schemas.microsoft.com/office/drawing/2014/main" xmlns="" id="{5E57D204-8AC0-4D04-AEF3-91D211206179}"/>
+                <a16:creationId xmlns:a16="http://schemas.microsoft.com/office/drawing/2014/main" id="{5E57D204-8AC0-4D04-AEF3-91D211206179}"/>
               </a:ext>
             </a:extLst>
           </p:cNvPr>
@@ -2215,7 +2227,7 @@
           <p:cNvPr id="5" name="텍스트 개체 틀 4">
             <a:extLst>
               <a:ext uri="{FF2B5EF4-FFF2-40B4-BE49-F238E27FC236}">
-                <a16:creationId xmlns:a16="http://schemas.microsoft.com/office/drawing/2014/main" xmlns="" id="{695EB064-60AB-4FE5-AF06-C9FE48BB4819}"/>
+                <a16:creationId xmlns:a16="http://schemas.microsoft.com/office/drawing/2014/main" id="{695EB064-60AB-4FE5-AF06-C9FE48BB4819}"/>
               </a:ext>
             </a:extLst>
           </p:cNvPr>
@@ -2286,7 +2298,7 @@
           <p:cNvPr id="6" name="내용 개체 틀 5">
             <a:extLst>
               <a:ext uri="{FF2B5EF4-FFF2-40B4-BE49-F238E27FC236}">
-                <a16:creationId xmlns:a16="http://schemas.microsoft.com/office/drawing/2014/main" xmlns="" id="{79DB6808-33C3-4B13-8365-0D85B8DDBE45}"/>
+                <a16:creationId xmlns:a16="http://schemas.microsoft.com/office/drawing/2014/main" id="{79DB6808-33C3-4B13-8365-0D85B8DDBE45}"/>
               </a:ext>
             </a:extLst>
           </p:cNvPr>
@@ -2348,7 +2360,7 @@
           <p:cNvPr id="7" name="날짜 개체 틀 6">
             <a:extLst>
               <a:ext uri="{FF2B5EF4-FFF2-40B4-BE49-F238E27FC236}">
-                <a16:creationId xmlns:a16="http://schemas.microsoft.com/office/drawing/2014/main" xmlns="" id="{9C2640C7-3844-4222-AC6F-AB4902A4DB44}"/>
+                <a16:creationId xmlns:a16="http://schemas.microsoft.com/office/drawing/2014/main" id="{9C2640C7-3844-4222-AC6F-AB4902A4DB44}"/>
               </a:ext>
             </a:extLst>
           </p:cNvPr>
@@ -2372,7 +2384,7 @@
                   </a:prstClr>
                 </a:solidFill>
               </a:rPr>
-              <a:t>2019-05-20</a:t>
+              <a:t>2019-05-21</a:t>
             </a:fld>
             <a:endParaRPr lang="ko-KR" altLang="en-US">
               <a:solidFill>
@@ -2389,7 +2401,7 @@
           <p:cNvPr id="8" name="바닥글 개체 틀 7">
             <a:extLst>
               <a:ext uri="{FF2B5EF4-FFF2-40B4-BE49-F238E27FC236}">
-                <a16:creationId xmlns:a16="http://schemas.microsoft.com/office/drawing/2014/main" xmlns="" id="{61889AA5-8486-41FD-8413-A10122960217}"/>
+                <a16:creationId xmlns:a16="http://schemas.microsoft.com/office/drawing/2014/main" id="{61889AA5-8486-41FD-8413-A10122960217}"/>
               </a:ext>
             </a:extLst>
           </p:cNvPr>
@@ -2420,7 +2432,7 @@
           <p:cNvPr id="9" name="슬라이드 번호 개체 틀 8">
             <a:extLst>
               <a:ext uri="{FF2B5EF4-FFF2-40B4-BE49-F238E27FC236}">
-                <a16:creationId xmlns:a16="http://schemas.microsoft.com/office/drawing/2014/main" xmlns="" id="{72CBBB2D-B216-4BCD-8B81-731C681CF619}"/>
+                <a16:creationId xmlns:a16="http://schemas.microsoft.com/office/drawing/2014/main" id="{72CBBB2D-B216-4BCD-8B81-731C681CF619}"/>
               </a:ext>
             </a:extLst>
           </p:cNvPr>
@@ -2492,7 +2504,7 @@
           <p:cNvPr id="2" name="제목 1">
             <a:extLst>
               <a:ext uri="{FF2B5EF4-FFF2-40B4-BE49-F238E27FC236}">
-                <a16:creationId xmlns:a16="http://schemas.microsoft.com/office/drawing/2014/main" xmlns="" id="{86649871-FAAA-407D-9245-5C61A8E32E22}"/>
+                <a16:creationId xmlns:a16="http://schemas.microsoft.com/office/drawing/2014/main" id="{86649871-FAAA-407D-9245-5C61A8E32E22}"/>
               </a:ext>
             </a:extLst>
           </p:cNvPr>
@@ -2520,7 +2532,7 @@
           <p:cNvPr id="3" name="날짜 개체 틀 2">
             <a:extLst>
               <a:ext uri="{FF2B5EF4-FFF2-40B4-BE49-F238E27FC236}">
-                <a16:creationId xmlns:a16="http://schemas.microsoft.com/office/drawing/2014/main" xmlns="" id="{3A38A7DA-9D13-4BB7-ADE4-F35E84E3A879}"/>
+                <a16:creationId xmlns:a16="http://schemas.microsoft.com/office/drawing/2014/main" id="{3A38A7DA-9D13-4BB7-ADE4-F35E84E3A879}"/>
               </a:ext>
             </a:extLst>
           </p:cNvPr>
@@ -2544,7 +2556,7 @@
                   </a:prstClr>
                 </a:solidFill>
               </a:rPr>
-              <a:t>2019-05-20</a:t>
+              <a:t>2019-05-21</a:t>
             </a:fld>
             <a:endParaRPr lang="ko-KR" altLang="en-US">
               <a:solidFill>
@@ -2561,7 +2573,7 @@
           <p:cNvPr id="4" name="바닥글 개체 틀 3">
             <a:extLst>
               <a:ext uri="{FF2B5EF4-FFF2-40B4-BE49-F238E27FC236}">
-                <a16:creationId xmlns:a16="http://schemas.microsoft.com/office/drawing/2014/main" xmlns="" id="{43FEE6E1-89D7-49AE-A816-C7B25C1D5069}"/>
+                <a16:creationId xmlns:a16="http://schemas.microsoft.com/office/drawing/2014/main" id="{43FEE6E1-89D7-49AE-A816-C7B25C1D5069}"/>
               </a:ext>
             </a:extLst>
           </p:cNvPr>
@@ -2592,7 +2604,7 @@
           <p:cNvPr id="5" name="슬라이드 번호 개체 틀 4">
             <a:extLst>
               <a:ext uri="{FF2B5EF4-FFF2-40B4-BE49-F238E27FC236}">
-                <a16:creationId xmlns:a16="http://schemas.microsoft.com/office/drawing/2014/main" xmlns="" id="{516B1AE1-FDC9-44CA-9C12-53013C082766}"/>
+                <a16:creationId xmlns:a16="http://schemas.microsoft.com/office/drawing/2014/main" id="{516B1AE1-FDC9-44CA-9C12-53013C082766}"/>
               </a:ext>
             </a:extLst>
           </p:cNvPr>
@@ -2664,7 +2676,7 @@
           <p:cNvPr id="2" name="날짜 개체 틀 1">
             <a:extLst>
               <a:ext uri="{FF2B5EF4-FFF2-40B4-BE49-F238E27FC236}">
-                <a16:creationId xmlns:a16="http://schemas.microsoft.com/office/drawing/2014/main" xmlns="" id="{275ACA46-7E3A-4F54-B5C7-2D501C8054EF}"/>
+                <a16:creationId xmlns:a16="http://schemas.microsoft.com/office/drawing/2014/main" id="{275ACA46-7E3A-4F54-B5C7-2D501C8054EF}"/>
               </a:ext>
             </a:extLst>
           </p:cNvPr>
@@ -2688,7 +2700,7 @@
                   </a:prstClr>
                 </a:solidFill>
               </a:rPr>
-              <a:t>2019-05-20</a:t>
+              <a:t>2019-05-21</a:t>
             </a:fld>
             <a:endParaRPr lang="ko-KR" altLang="en-US">
               <a:solidFill>
@@ -2705,7 +2717,7 @@
           <p:cNvPr id="3" name="바닥글 개체 틀 2">
             <a:extLst>
               <a:ext uri="{FF2B5EF4-FFF2-40B4-BE49-F238E27FC236}">
-                <a16:creationId xmlns:a16="http://schemas.microsoft.com/office/drawing/2014/main" xmlns="" id="{3A6C4713-7972-4FE4-B6C4-CD4F252FD09F}"/>
+                <a16:creationId xmlns:a16="http://schemas.microsoft.com/office/drawing/2014/main" id="{3A6C4713-7972-4FE4-B6C4-CD4F252FD09F}"/>
               </a:ext>
             </a:extLst>
           </p:cNvPr>
@@ -2736,7 +2748,7 @@
           <p:cNvPr id="4" name="슬라이드 번호 개체 틀 3">
             <a:extLst>
               <a:ext uri="{FF2B5EF4-FFF2-40B4-BE49-F238E27FC236}">
-                <a16:creationId xmlns:a16="http://schemas.microsoft.com/office/drawing/2014/main" xmlns="" id="{7D64F96C-A2F1-409B-B68C-BE3C8992CC4D}"/>
+                <a16:creationId xmlns:a16="http://schemas.microsoft.com/office/drawing/2014/main" id="{7D64F96C-A2F1-409B-B68C-BE3C8992CC4D}"/>
               </a:ext>
             </a:extLst>
           </p:cNvPr>
@@ -2808,7 +2820,7 @@
           <p:cNvPr id="2" name="제목 1">
             <a:extLst>
               <a:ext uri="{FF2B5EF4-FFF2-40B4-BE49-F238E27FC236}">
-                <a16:creationId xmlns:a16="http://schemas.microsoft.com/office/drawing/2014/main" xmlns="" id="{C113D69A-09A1-4C99-B3A6-6FFAF00F0057}"/>
+                <a16:creationId xmlns:a16="http://schemas.microsoft.com/office/drawing/2014/main" id="{C113D69A-09A1-4C99-B3A6-6FFAF00F0057}"/>
               </a:ext>
             </a:extLst>
           </p:cNvPr>
@@ -2845,7 +2857,7 @@
           <p:cNvPr id="3" name="내용 개체 틀 2">
             <a:extLst>
               <a:ext uri="{FF2B5EF4-FFF2-40B4-BE49-F238E27FC236}">
-                <a16:creationId xmlns:a16="http://schemas.microsoft.com/office/drawing/2014/main" xmlns="" id="{EA0AD2F4-8A1D-4D48-B8E0-B0A9F378B44D}"/>
+                <a16:creationId xmlns:a16="http://schemas.microsoft.com/office/drawing/2014/main" id="{EA0AD2F4-8A1D-4D48-B8E0-B0A9F378B44D}"/>
               </a:ext>
             </a:extLst>
           </p:cNvPr>
@@ -2935,7 +2947,7 @@
           <p:cNvPr id="4" name="텍스트 개체 틀 3">
             <a:extLst>
               <a:ext uri="{FF2B5EF4-FFF2-40B4-BE49-F238E27FC236}">
-                <a16:creationId xmlns:a16="http://schemas.microsoft.com/office/drawing/2014/main" xmlns="" id="{1F2D0DD9-6BA7-496D-AB88-10339921C67C}"/>
+                <a16:creationId xmlns:a16="http://schemas.microsoft.com/office/drawing/2014/main" id="{1F2D0DD9-6BA7-496D-AB88-10339921C67C}"/>
               </a:ext>
             </a:extLst>
           </p:cNvPr>
@@ -3006,7 +3018,7 @@
           <p:cNvPr id="5" name="날짜 개체 틀 4">
             <a:extLst>
               <a:ext uri="{FF2B5EF4-FFF2-40B4-BE49-F238E27FC236}">
-                <a16:creationId xmlns:a16="http://schemas.microsoft.com/office/drawing/2014/main" xmlns="" id="{EE604958-49B0-4000-9AE8-1A82649DBB2B}"/>
+                <a16:creationId xmlns:a16="http://schemas.microsoft.com/office/drawing/2014/main" id="{EE604958-49B0-4000-9AE8-1A82649DBB2B}"/>
               </a:ext>
             </a:extLst>
           </p:cNvPr>
@@ -3030,7 +3042,7 @@
                   </a:prstClr>
                 </a:solidFill>
               </a:rPr>
-              <a:t>2019-05-20</a:t>
+              <a:t>2019-05-21</a:t>
             </a:fld>
             <a:endParaRPr lang="ko-KR" altLang="en-US">
               <a:solidFill>
@@ -3047,7 +3059,7 @@
           <p:cNvPr id="6" name="바닥글 개체 틀 5">
             <a:extLst>
               <a:ext uri="{FF2B5EF4-FFF2-40B4-BE49-F238E27FC236}">
-                <a16:creationId xmlns:a16="http://schemas.microsoft.com/office/drawing/2014/main" xmlns="" id="{5A224506-57FE-4AE4-915B-1BCF662CF85C}"/>
+                <a16:creationId xmlns:a16="http://schemas.microsoft.com/office/drawing/2014/main" id="{5A224506-57FE-4AE4-915B-1BCF662CF85C}"/>
               </a:ext>
             </a:extLst>
           </p:cNvPr>
@@ -3078,7 +3090,7 @@
           <p:cNvPr id="7" name="슬라이드 번호 개체 틀 6">
             <a:extLst>
               <a:ext uri="{FF2B5EF4-FFF2-40B4-BE49-F238E27FC236}">
-                <a16:creationId xmlns:a16="http://schemas.microsoft.com/office/drawing/2014/main" xmlns="" id="{106D5D81-A0DA-465B-9DDB-DA44E7CFA71E}"/>
+                <a16:creationId xmlns:a16="http://schemas.microsoft.com/office/drawing/2014/main" id="{106D5D81-A0DA-465B-9DDB-DA44E7CFA71E}"/>
               </a:ext>
             </a:extLst>
           </p:cNvPr>
@@ -3150,7 +3162,7 @@
           <p:cNvPr id="2" name="제목 1">
             <a:extLst>
               <a:ext uri="{FF2B5EF4-FFF2-40B4-BE49-F238E27FC236}">
-                <a16:creationId xmlns:a16="http://schemas.microsoft.com/office/drawing/2014/main" xmlns="" id="{8BD983AA-0F4A-45E5-9631-DE95D37482BB}"/>
+                <a16:creationId xmlns:a16="http://schemas.microsoft.com/office/drawing/2014/main" id="{8BD983AA-0F4A-45E5-9631-DE95D37482BB}"/>
               </a:ext>
             </a:extLst>
           </p:cNvPr>
@@ -3187,7 +3199,7 @@
           <p:cNvPr id="3" name="그림 개체 틀 2">
             <a:extLst>
               <a:ext uri="{FF2B5EF4-FFF2-40B4-BE49-F238E27FC236}">
-                <a16:creationId xmlns:a16="http://schemas.microsoft.com/office/drawing/2014/main" xmlns="" id="{4E327D0E-1174-49F8-B6E6-ED9C4C24CCD7}"/>
+                <a16:creationId xmlns:a16="http://schemas.microsoft.com/office/drawing/2014/main" id="{4E327D0E-1174-49F8-B6E6-ED9C4C24CCD7}"/>
               </a:ext>
             </a:extLst>
           </p:cNvPr>
@@ -3254,7 +3266,7 @@
           <p:cNvPr id="4" name="텍스트 개체 틀 3">
             <a:extLst>
               <a:ext uri="{FF2B5EF4-FFF2-40B4-BE49-F238E27FC236}">
-                <a16:creationId xmlns:a16="http://schemas.microsoft.com/office/drawing/2014/main" xmlns="" id="{909C250D-0505-42BE-A5E8-7419DF44EF8A}"/>
+                <a16:creationId xmlns:a16="http://schemas.microsoft.com/office/drawing/2014/main" id="{909C250D-0505-42BE-A5E8-7419DF44EF8A}"/>
               </a:ext>
             </a:extLst>
           </p:cNvPr>
@@ -3325,7 +3337,7 @@
           <p:cNvPr id="5" name="날짜 개체 틀 4">
             <a:extLst>
               <a:ext uri="{FF2B5EF4-FFF2-40B4-BE49-F238E27FC236}">
-                <a16:creationId xmlns:a16="http://schemas.microsoft.com/office/drawing/2014/main" xmlns="" id="{1BEAFD8E-9839-4C72-8762-8562A91618C3}"/>
+                <a16:creationId xmlns:a16="http://schemas.microsoft.com/office/drawing/2014/main" id="{1BEAFD8E-9839-4C72-8762-8562A91618C3}"/>
               </a:ext>
             </a:extLst>
           </p:cNvPr>
@@ -3349,7 +3361,7 @@
                   </a:prstClr>
                 </a:solidFill>
               </a:rPr>
-              <a:t>2019-05-20</a:t>
+              <a:t>2019-05-21</a:t>
             </a:fld>
             <a:endParaRPr lang="ko-KR" altLang="en-US">
               <a:solidFill>
@@ -3366,7 +3378,7 @@
           <p:cNvPr id="6" name="바닥글 개체 틀 5">
             <a:extLst>
               <a:ext uri="{FF2B5EF4-FFF2-40B4-BE49-F238E27FC236}">
-                <a16:creationId xmlns:a16="http://schemas.microsoft.com/office/drawing/2014/main" xmlns="" id="{9BFA4037-6B16-4DCF-B42A-04CA15059F48}"/>
+                <a16:creationId xmlns:a16="http://schemas.microsoft.com/office/drawing/2014/main" id="{9BFA4037-6B16-4DCF-B42A-04CA15059F48}"/>
               </a:ext>
             </a:extLst>
           </p:cNvPr>
@@ -3397,7 +3409,7 @@
           <p:cNvPr id="7" name="슬라이드 번호 개체 틀 6">
             <a:extLst>
               <a:ext uri="{FF2B5EF4-FFF2-40B4-BE49-F238E27FC236}">
-                <a16:creationId xmlns:a16="http://schemas.microsoft.com/office/drawing/2014/main" xmlns="" id="{F41A69A5-76C9-4317-9EA8-5195D125D9B5}"/>
+                <a16:creationId xmlns:a16="http://schemas.microsoft.com/office/drawing/2014/main" id="{F41A69A5-76C9-4317-9EA8-5195D125D9B5}"/>
               </a:ext>
             </a:extLst>
           </p:cNvPr>
@@ -3474,7 +3486,7 @@
           <p:cNvPr id="2" name="제목 개체 틀 1">
             <a:extLst>
               <a:ext uri="{FF2B5EF4-FFF2-40B4-BE49-F238E27FC236}">
-                <a16:creationId xmlns:a16="http://schemas.microsoft.com/office/drawing/2014/main" xmlns="" id="{E67ADECC-9799-4216-9862-AA5ADA4C89E7}"/>
+                <a16:creationId xmlns:a16="http://schemas.microsoft.com/office/drawing/2014/main" id="{E67ADECC-9799-4216-9862-AA5ADA4C89E7}"/>
               </a:ext>
             </a:extLst>
           </p:cNvPr>
@@ -3512,7 +3524,7 @@
           <p:cNvPr id="3" name="텍스트 개체 틀 2">
             <a:extLst>
               <a:ext uri="{FF2B5EF4-FFF2-40B4-BE49-F238E27FC236}">
-                <a16:creationId xmlns:a16="http://schemas.microsoft.com/office/drawing/2014/main" xmlns="" id="{247C8BE3-DBC3-496D-978E-EEAF27BD153D}"/>
+                <a16:creationId xmlns:a16="http://schemas.microsoft.com/office/drawing/2014/main" id="{247C8BE3-DBC3-496D-978E-EEAF27BD153D}"/>
               </a:ext>
             </a:extLst>
           </p:cNvPr>
@@ -3579,7 +3591,7 @@
           <p:cNvPr id="4" name="날짜 개체 틀 3">
             <a:extLst>
               <a:ext uri="{FF2B5EF4-FFF2-40B4-BE49-F238E27FC236}">
-                <a16:creationId xmlns:a16="http://schemas.microsoft.com/office/drawing/2014/main" xmlns="" id="{3EA01D7B-4D81-4C57-A818-0D2B635AD141}"/>
+                <a16:creationId xmlns:a16="http://schemas.microsoft.com/office/drawing/2014/main" id="{3EA01D7B-4D81-4C57-A818-0D2B635AD141}"/>
               </a:ext>
             </a:extLst>
           </p:cNvPr>
@@ -3621,7 +3633,7 @@
                   </a:prstClr>
                 </a:solidFill>
               </a:rPr>
-              <a:t>2019-05-20</a:t>
+              <a:t>2019-05-21</a:t>
             </a:fld>
             <a:endParaRPr lang="ko-KR" altLang="en-US">
               <a:solidFill>
@@ -3638,7 +3650,7 @@
           <p:cNvPr id="5" name="바닥글 개체 틀 4">
             <a:extLst>
               <a:ext uri="{FF2B5EF4-FFF2-40B4-BE49-F238E27FC236}">
-                <a16:creationId xmlns:a16="http://schemas.microsoft.com/office/drawing/2014/main" xmlns="" id="{D5504206-C714-4A83-8AB2-390F6A4DB12B}"/>
+                <a16:creationId xmlns:a16="http://schemas.microsoft.com/office/drawing/2014/main" id="{D5504206-C714-4A83-8AB2-390F6A4DB12B}"/>
               </a:ext>
             </a:extLst>
           </p:cNvPr>
@@ -3687,7 +3699,7 @@
           <p:cNvPr id="6" name="슬라이드 번호 개체 틀 5">
             <a:extLst>
               <a:ext uri="{FF2B5EF4-FFF2-40B4-BE49-F238E27FC236}">
-                <a16:creationId xmlns:a16="http://schemas.microsoft.com/office/drawing/2014/main" xmlns="" id="{DC61C595-D0A5-4894-99F9-5A8A1E0099AF}"/>
+                <a16:creationId xmlns:a16="http://schemas.microsoft.com/office/drawing/2014/main" id="{DC61C595-D0A5-4894-99F9-5A8A1E0099AF}"/>
               </a:ext>
             </a:extLst>
           </p:cNvPr>
@@ -4132,7 +4144,7 @@
           <p:cNvPr id="44" name="직사각형 43">
             <a:extLst>
               <a:ext uri="{FF2B5EF4-FFF2-40B4-BE49-F238E27FC236}">
-                <a16:creationId xmlns:a16="http://schemas.microsoft.com/office/drawing/2014/main" xmlns="" id="{D8241E59-0646-41EB-8ED0-090409856B7D}"/>
+                <a16:creationId xmlns:a16="http://schemas.microsoft.com/office/drawing/2014/main" id="{D8241E59-0646-41EB-8ED0-090409856B7D}"/>
               </a:ext>
             </a:extLst>
           </p:cNvPr>
@@ -4188,7 +4200,7 @@
           <p:cNvPr id="26" name="직사각형 25">
             <a:extLst>
               <a:ext uri="{FF2B5EF4-FFF2-40B4-BE49-F238E27FC236}">
-                <a16:creationId xmlns:a16="http://schemas.microsoft.com/office/drawing/2014/main" xmlns="" id="{24EDB60A-88EE-4624-924F-1D4B6948100C}"/>
+                <a16:creationId xmlns:a16="http://schemas.microsoft.com/office/drawing/2014/main" id="{24EDB60A-88EE-4624-924F-1D4B6948100C}"/>
               </a:ext>
             </a:extLst>
           </p:cNvPr>
@@ -4198,7 +4210,7 @@
         <p:spPr>
           <a:xfrm>
             <a:off x="2555745" y="1761599"/>
-            <a:ext cx="5826515" cy="1200329"/>
+            <a:ext cx="5826515" cy="1384995"/>
           </a:xfrm>
           <a:prstGeom prst="rect">
             <a:avLst/>
@@ -4234,12 +4246,20 @@
               <a:defRPr/>
             </a:pPr>
             <a:r>
+              <a:rPr lang="ko-KR" altLang="en-US" sz="2400" b="1" kern="0" dirty="0" err="1" smtClean="0">
+                <a:solidFill>
+                  <a:prstClr val="white"/>
+                </a:solidFill>
+              </a:rPr>
+              <a:t>인게임</a:t>
+            </a:r>
+            <a:r>
               <a:rPr lang="ko-KR" altLang="en-US" sz="2400" b="1" kern="0" dirty="0" smtClean="0">
                 <a:solidFill>
                   <a:prstClr val="white"/>
                 </a:solidFill>
               </a:rPr>
-              <a:t>전투 </a:t>
+              <a:t> 화면 </a:t>
             </a:r>
             <a:r>
               <a:rPr lang="en-US" altLang="ko-KR" sz="2400" b="1" kern="0" dirty="0" smtClean="0">
@@ -4257,7 +4277,68 @@
               </a:rPr>
               <a:t>역기획서</a:t>
             </a:r>
-            <a:endParaRPr lang="en-US" altLang="ko-KR" sz="3200" b="1" kern="0" dirty="0">
+            <a:endParaRPr lang="ko-KR" altLang="en-US" sz="2400" b="1" kern="0" dirty="0" smtClean="0">
+              <a:solidFill>
+                <a:prstClr val="white"/>
+              </a:solidFill>
+            </a:endParaRPr>
+          </a:p>
+          <a:p>
+            <a:pPr latinLnBrk="0">
+              <a:lnSpc>
+                <a:spcPct val="150000"/>
+              </a:lnSpc>
+              <a:defRPr/>
+            </a:pPr>
+            <a:r>
+              <a:rPr lang="ko-KR" altLang="en-US" sz="800" kern="0" dirty="0" smtClean="0">
+                <a:solidFill>
+                  <a:prstClr val="white"/>
+                </a:solidFill>
+              </a:rPr>
+              <a:t> </a:t>
+            </a:r>
+            <a:r>
+              <a:rPr lang="ko-KR" altLang="en-US" sz="800" kern="0" dirty="0" err="1" smtClean="0">
+                <a:solidFill>
+                  <a:prstClr val="white"/>
+                </a:solidFill>
+              </a:rPr>
+              <a:t>조준점</a:t>
+            </a:r>
+            <a:r>
+              <a:rPr lang="en-US" altLang="ko-KR" sz="800" kern="0" dirty="0" smtClean="0">
+                <a:solidFill>
+                  <a:prstClr val="white"/>
+                </a:solidFill>
+              </a:rPr>
+              <a:t>(</a:t>
+            </a:r>
+            <a:r>
+              <a:rPr lang="ko-KR" altLang="en-US" sz="800" kern="0" dirty="0" err="1" smtClean="0">
+                <a:solidFill>
+                  <a:prstClr val="white"/>
+                </a:solidFill>
+              </a:rPr>
+              <a:t>크로스헤어</a:t>
+            </a:r>
+            <a:r>
+              <a:rPr lang="en-US" altLang="ko-KR" sz="800" kern="0" dirty="0" smtClean="0">
+                <a:solidFill>
+                  <a:prstClr val="white"/>
+                </a:solidFill>
+              </a:rPr>
+              <a:t>)</a:t>
+            </a:r>
+            <a:r>
+              <a:rPr lang="ko-KR" altLang="en-US" sz="800" kern="0" dirty="0" smtClean="0">
+                <a:solidFill>
+                  <a:prstClr val="white"/>
+                </a:solidFill>
+              </a:rPr>
+              <a:t>를 중심으로</a:t>
+            </a:r>
+            <a:endParaRPr lang="en-US" altLang="ko-KR" sz="800" kern="0" dirty="0">
               <a:solidFill>
                 <a:prstClr val="white"/>
               </a:solidFill>
@@ -4270,7 +4351,7 @@
           <p:cNvPr id="30" name="직사각형 29">
             <a:extLst>
               <a:ext uri="{FF2B5EF4-FFF2-40B4-BE49-F238E27FC236}">
-                <a16:creationId xmlns:a16="http://schemas.microsoft.com/office/drawing/2014/main" xmlns="" id="{32B56811-2E7B-4FBF-99CB-4CECF20A9AC0}"/>
+                <a16:creationId xmlns:a16="http://schemas.microsoft.com/office/drawing/2014/main" id="{32B56811-2E7B-4FBF-99CB-4CECF20A9AC0}"/>
               </a:ext>
             </a:extLst>
           </p:cNvPr>
@@ -4342,7 +4423,7 @@
             <p:cNvPr id="34" name="타원 33">
               <a:extLst>
                 <a:ext uri="{FF2B5EF4-FFF2-40B4-BE49-F238E27FC236}">
-                  <a16:creationId xmlns:a16="http://schemas.microsoft.com/office/drawing/2014/main" xmlns="" id="{D8241E59-0646-41EB-8ED0-090409856B7D}"/>
+                  <a16:creationId xmlns:a16="http://schemas.microsoft.com/office/drawing/2014/main" id="{D8241E59-0646-41EB-8ED0-090409856B7D}"/>
                 </a:ext>
               </a:extLst>
             </p:cNvPr>
@@ -4398,7 +4479,7 @@
             <p:cNvPr id="35" name="Freeform 11">
               <a:extLst>
                 <a:ext uri="{FF2B5EF4-FFF2-40B4-BE49-F238E27FC236}">
-                  <a16:creationId xmlns:a16="http://schemas.microsoft.com/office/drawing/2014/main" xmlns="" id="{C4F9A130-FA06-4C64-B9C8-AF00295A3700}"/>
+                  <a16:creationId xmlns:a16="http://schemas.microsoft.com/office/drawing/2014/main" id="{C4F9A130-FA06-4C64-B9C8-AF00295A3700}"/>
                 </a:ext>
               </a:extLst>
             </p:cNvPr>
@@ -6275,7 +6356,7 @@
             <p:cNvPr id="36" name="타원 35">
               <a:extLst>
                 <a:ext uri="{FF2B5EF4-FFF2-40B4-BE49-F238E27FC236}">
-                  <a16:creationId xmlns:a16="http://schemas.microsoft.com/office/drawing/2014/main" xmlns="" id="{D8241E59-0646-41EB-8ED0-090409856B7D}"/>
+                  <a16:creationId xmlns:a16="http://schemas.microsoft.com/office/drawing/2014/main" id="{D8241E59-0646-41EB-8ED0-090409856B7D}"/>
                 </a:ext>
               </a:extLst>
             </p:cNvPr>
@@ -6331,7 +6412,7 @@
             <p:cNvPr id="38" name="Group 20">
               <a:extLst>
                 <a:ext uri="{FF2B5EF4-FFF2-40B4-BE49-F238E27FC236}">
-                  <a16:creationId xmlns:a16="http://schemas.microsoft.com/office/drawing/2014/main" xmlns="" id="{1C7089A4-20D7-4AF1-BE6E-531433FE9E66}"/>
+                  <a16:creationId xmlns:a16="http://schemas.microsoft.com/office/drawing/2014/main" id="{1C7089A4-20D7-4AF1-BE6E-531433FE9E66}"/>
                 </a:ext>
               </a:extLst>
             </p:cNvPr>
@@ -6356,7 +6437,7 @@
               <p:cNvPr id="39" name="Freeform 22">
                 <a:extLst>
                   <a:ext uri="{FF2B5EF4-FFF2-40B4-BE49-F238E27FC236}">
-                    <a16:creationId xmlns:a16="http://schemas.microsoft.com/office/drawing/2014/main" xmlns="" id="{4FD96A79-3125-4B4D-9D0F-5318695145ED}"/>
+                    <a16:creationId xmlns:a16="http://schemas.microsoft.com/office/drawing/2014/main" id="{4FD96A79-3125-4B4D-9D0F-5318695145ED}"/>
                   </a:ext>
                 </a:extLst>
               </p:cNvPr>
@@ -7342,7 +7423,7 @@
               <p:cNvPr id="40" name="Freeform 23">
                 <a:extLst>
                   <a:ext uri="{FF2B5EF4-FFF2-40B4-BE49-F238E27FC236}">
-                    <a16:creationId xmlns:a16="http://schemas.microsoft.com/office/drawing/2014/main" xmlns="" id="{1E104CFD-44EE-4744-892C-82D81F2C0045}"/>
+                    <a16:creationId xmlns:a16="http://schemas.microsoft.com/office/drawing/2014/main" id="{1E104CFD-44EE-4744-892C-82D81F2C0045}"/>
                   </a:ext>
                 </a:extLst>
               </p:cNvPr>
@@ -8238,7 +8319,7 @@
               <p:cNvPr id="41" name="Freeform 24">
                 <a:extLst>
                   <a:ext uri="{FF2B5EF4-FFF2-40B4-BE49-F238E27FC236}">
-                    <a16:creationId xmlns:a16="http://schemas.microsoft.com/office/drawing/2014/main" xmlns="" id="{E013D346-0728-4628-A7B9-15F1191C1C66}"/>
+                    <a16:creationId xmlns:a16="http://schemas.microsoft.com/office/drawing/2014/main" id="{E013D346-0728-4628-A7B9-15F1191C1C66}"/>
                   </a:ext>
                 </a:extLst>
               </p:cNvPr>
@@ -8682,7 +8763,7 @@
               <p:cNvPr id="42" name="Freeform 25">
                 <a:extLst>
                   <a:ext uri="{FF2B5EF4-FFF2-40B4-BE49-F238E27FC236}">
-                    <a16:creationId xmlns:a16="http://schemas.microsoft.com/office/drawing/2014/main" xmlns="" id="{388D3E4B-8569-4D4B-B6C3-A3B9FCAA8122}"/>
+                    <a16:creationId xmlns:a16="http://schemas.microsoft.com/office/drawing/2014/main" id="{388D3E4B-8569-4D4B-B6C3-A3B9FCAA8122}"/>
                   </a:ext>
                 </a:extLst>
               </p:cNvPr>
@@ -9187,7 +9268,7 @@
           <p:cNvPr id="40" name="사각형: 둥근 모서리 39">
             <a:extLst>
               <a:ext uri="{FF2B5EF4-FFF2-40B4-BE49-F238E27FC236}">
-                <a16:creationId xmlns:a16="http://schemas.microsoft.com/office/drawing/2014/main" xmlns="" id="{DEB48728-12FA-4B10-82E6-7899DDCA2731}"/>
+                <a16:creationId xmlns:a16="http://schemas.microsoft.com/office/drawing/2014/main" id="{DEB48728-12FA-4B10-82E6-7899DDCA2731}"/>
               </a:ext>
             </a:extLst>
           </p:cNvPr>
@@ -9259,7 +9340,7 @@
           <p:cNvPr id="43" name="직사각형 42">
             <a:extLst>
               <a:ext uri="{FF2B5EF4-FFF2-40B4-BE49-F238E27FC236}">
-                <a16:creationId xmlns:a16="http://schemas.microsoft.com/office/drawing/2014/main" xmlns="" id="{32B56811-2E7B-4FBF-99CB-4CECF20A9AC0}"/>
+                <a16:creationId xmlns:a16="http://schemas.microsoft.com/office/drawing/2014/main" id="{32B56811-2E7B-4FBF-99CB-4CECF20A9AC0}"/>
               </a:ext>
             </a:extLst>
           </p:cNvPr>
@@ -9337,6 +9418,854 @@
               </a:rPr>
               <a:pPr/>
               <a:t>10</a:t>
+            </a:fld>
+            <a:endParaRPr lang="ko-KR" altLang="en-US" sz="1600" dirty="0">
+              <a:solidFill>
+                <a:prstClr val="black">
+                  <a:tint val="75000"/>
+                </a:prstClr>
+              </a:solidFill>
+            </a:endParaRPr>
+          </a:p>
+        </p:txBody>
+      </p:sp>
+      <p:pic>
+        <p:nvPicPr>
+          <p:cNvPr id="5" name="그림 4"/>
+          <p:cNvPicPr>
+            <a:picLocks noChangeAspect="1"/>
+          </p:cNvPicPr>
+          <p:nvPr/>
+        </p:nvPicPr>
+        <p:blipFill>
+          <a:blip r:embed="rId2" cstate="print">
+            <a:extLst>
+              <a:ext uri="{28A0092B-C50C-407E-A947-70E740481C1C}">
+                <a14:useLocalDpi xmlns:a14="http://schemas.microsoft.com/office/drawing/2010/main" val="0"/>
+              </a:ext>
+            </a:extLst>
+          </a:blip>
+          <a:stretch>
+            <a:fillRect/>
+          </a:stretch>
+        </p:blipFill>
+        <p:spPr>
+          <a:xfrm>
+            <a:off x="491492" y="1332345"/>
+            <a:ext cx="2404740" cy="1352666"/>
+          </a:xfrm>
+          <a:prstGeom prst="rect">
+            <a:avLst/>
+          </a:prstGeom>
+        </p:spPr>
+      </p:pic>
+      <p:sp>
+        <p:nvSpPr>
+          <p:cNvPr id="10" name="직사각형 9"/>
+          <p:cNvSpPr/>
+          <p:nvPr/>
+        </p:nvSpPr>
+        <p:spPr>
+          <a:xfrm>
+            <a:off x="1579418" y="1936867"/>
+            <a:ext cx="276967" cy="172846"/>
+          </a:xfrm>
+          <a:prstGeom prst="rect">
+            <a:avLst/>
+          </a:prstGeom>
+          <a:noFill/>
+          <a:ln>
+            <a:solidFill>
+              <a:srgbClr val="FF0000"/>
+            </a:solidFill>
+            <a:prstDash val="dash"/>
+          </a:ln>
+        </p:spPr>
+        <p:style>
+          <a:lnRef idx="2">
+            <a:schemeClr val="accent1">
+              <a:shade val="50000"/>
+            </a:schemeClr>
+          </a:lnRef>
+          <a:fillRef idx="1">
+            <a:schemeClr val="accent1"/>
+          </a:fillRef>
+          <a:effectRef idx="0">
+            <a:schemeClr val="accent1"/>
+          </a:effectRef>
+          <a:fontRef idx="minor">
+            <a:schemeClr val="lt1"/>
+          </a:fontRef>
+        </p:style>
+        <p:txBody>
+          <a:bodyPr rtlCol="0" anchor="ctr"/>
+          <a:lstStyle/>
+          <a:p>
+            <a:pPr algn="ctr"/>
+            <a:endParaRPr lang="ko-KR" altLang="en-US"/>
+          </a:p>
+        </p:txBody>
+      </p:sp>
+      <p:sp>
+        <p:nvSpPr>
+          <p:cNvPr id="13" name="직사각형 12">
+            <a:extLst>
+              <a:ext uri="{FF2B5EF4-FFF2-40B4-BE49-F238E27FC236}">
+                <a16:creationId xmlns:a16="http://schemas.microsoft.com/office/drawing/2014/main" id="{24EDB60A-88EE-4624-924F-1D4B6948100C}"/>
+              </a:ext>
+            </a:extLst>
+          </p:cNvPr>
+          <p:cNvSpPr/>
+          <p:nvPr/>
+        </p:nvSpPr>
+        <p:spPr>
+          <a:xfrm>
+            <a:off x="2371327" y="544106"/>
+            <a:ext cx="1751786" cy="461665"/>
+          </a:xfrm>
+          <a:prstGeom prst="rect">
+            <a:avLst/>
+          </a:prstGeom>
+          <a:noFill/>
+        </p:spPr>
+        <p:txBody>
+          <a:bodyPr wrap="square">
+            <a:spAutoFit/>
+          </a:bodyPr>
+          <a:lstStyle/>
+          <a:p>
+            <a:pPr latinLnBrk="0">
+              <a:lnSpc>
+                <a:spcPct val="150000"/>
+              </a:lnSpc>
+              <a:defRPr/>
+            </a:pPr>
+            <a:r>
+              <a:rPr lang="en-US" altLang="ko-KR" sz="1600" kern="0" dirty="0" smtClean="0">
+                <a:solidFill>
+                  <a:prstClr val="white"/>
+                </a:solidFill>
+              </a:rPr>
+              <a:t>3) </a:t>
+            </a:r>
+            <a:r>
+              <a:rPr lang="ko-KR" altLang="en-US" sz="1600" kern="0" dirty="0" err="1" smtClean="0">
+                <a:solidFill>
+                  <a:prstClr val="white"/>
+                </a:solidFill>
+              </a:rPr>
+              <a:t>조준점</a:t>
+            </a:r>
+            <a:endParaRPr lang="ko-KR" altLang="en-US" sz="8800" kern="0" dirty="0">
+              <a:solidFill>
+                <a:prstClr val="white"/>
+              </a:solidFill>
+            </a:endParaRPr>
+          </a:p>
+        </p:txBody>
+      </p:sp>
+      <p:cxnSp>
+        <p:nvCxnSpPr>
+          <p:cNvPr id="15" name="직선 화살표 연결선 14"/>
+          <p:cNvCxnSpPr/>
+          <p:nvPr/>
+        </p:nvCxnSpPr>
+        <p:spPr>
+          <a:xfrm>
+            <a:off x="1856385" y="2109713"/>
+            <a:ext cx="2071381" cy="575298"/>
+          </a:xfrm>
+          <a:prstGeom prst="straightConnector1">
+            <a:avLst/>
+          </a:prstGeom>
+          <a:ln w="28575">
+            <a:solidFill>
+              <a:srgbClr val="FF0000"/>
+            </a:solidFill>
+            <a:tailEnd type="triangle"/>
+          </a:ln>
+        </p:spPr>
+        <p:style>
+          <a:lnRef idx="1">
+            <a:schemeClr val="accent1"/>
+          </a:lnRef>
+          <a:fillRef idx="0">
+            <a:schemeClr val="accent1"/>
+          </a:fillRef>
+          <a:effectRef idx="0">
+            <a:schemeClr val="accent1"/>
+          </a:effectRef>
+          <a:fontRef idx="minor">
+            <a:schemeClr val="tx1"/>
+          </a:fontRef>
+        </p:style>
+      </p:cxnSp>
+      <p:pic>
+        <p:nvPicPr>
+          <p:cNvPr id="14" name="그림 13"/>
+          <p:cNvPicPr>
+            <a:picLocks noChangeAspect="1"/>
+          </p:cNvPicPr>
+          <p:nvPr/>
+        </p:nvPicPr>
+        <p:blipFill>
+          <a:blip r:embed="rId3"/>
+          <a:stretch>
+            <a:fillRect/>
+          </a:stretch>
+        </p:blipFill>
+        <p:spPr>
+          <a:xfrm>
+            <a:off x="6357822" y="3910535"/>
+            <a:ext cx="1715406" cy="1425106"/>
+          </a:xfrm>
+          <a:prstGeom prst="rect">
+            <a:avLst/>
+          </a:prstGeom>
+        </p:spPr>
+      </p:pic>
+      <p:sp>
+        <p:nvSpPr>
+          <p:cNvPr id="24" name="직사각형 23"/>
+          <p:cNvSpPr/>
+          <p:nvPr/>
+        </p:nvSpPr>
+        <p:spPr>
+          <a:xfrm>
+            <a:off x="7215525" y="1332346"/>
+            <a:ext cx="3881965" cy="1252912"/>
+          </a:xfrm>
+          <a:prstGeom prst="rect">
+            <a:avLst/>
+          </a:prstGeom>
+          <a:solidFill>
+            <a:schemeClr val="tx2"/>
+          </a:solidFill>
+          <a:ln>
+            <a:solidFill>
+              <a:schemeClr val="accent5">
+                <a:lumMod val="50000"/>
+              </a:schemeClr>
+            </a:solidFill>
+          </a:ln>
+        </p:spPr>
+        <p:style>
+          <a:lnRef idx="2">
+            <a:schemeClr val="accent1">
+              <a:shade val="50000"/>
+            </a:schemeClr>
+          </a:lnRef>
+          <a:fillRef idx="1">
+            <a:schemeClr val="accent1"/>
+          </a:fillRef>
+          <a:effectRef idx="0">
+            <a:schemeClr val="accent1"/>
+          </a:effectRef>
+          <a:fontRef idx="minor">
+            <a:schemeClr val="lt1"/>
+          </a:fontRef>
+        </p:style>
+        <p:txBody>
+          <a:bodyPr rtlCol="0" anchor="ctr"/>
+          <a:lstStyle/>
+          <a:p>
+            <a:r>
+              <a:rPr lang="ko-KR" altLang="en-US" sz="1200" dirty="0" smtClean="0">
+                <a:solidFill>
+                  <a:schemeClr val="bg1">
+                    <a:lumMod val="85000"/>
+                  </a:schemeClr>
+                </a:solidFill>
+              </a:rPr>
+              <a:t>현재 플레이어의 </a:t>
+            </a:r>
+            <a:r>
+              <a:rPr lang="ko-KR" altLang="en-US" sz="1200" dirty="0" err="1" smtClean="0">
+                <a:solidFill>
+                  <a:schemeClr val="bg1">
+                    <a:lumMod val="85000"/>
+                  </a:schemeClr>
+                </a:solidFill>
+              </a:rPr>
+              <a:t>조준점을</a:t>
+            </a:r>
+            <a:r>
+              <a:rPr lang="ko-KR" altLang="en-US" sz="1200" dirty="0" smtClean="0">
+                <a:solidFill>
+                  <a:schemeClr val="bg1">
+                    <a:lumMod val="85000"/>
+                  </a:schemeClr>
+                </a:solidFill>
+              </a:rPr>
+              <a:t> 보여주어 </a:t>
+            </a:r>
+            <a:r>
+              <a:rPr lang="ko-KR" altLang="en-US" sz="1200" dirty="0" smtClean="0">
+                <a:solidFill>
+                  <a:schemeClr val="accent4"/>
+                </a:solidFill>
+              </a:rPr>
+              <a:t>사격 시 </a:t>
+            </a:r>
+            <a:endParaRPr lang="en-US" altLang="ko-KR" sz="1200" dirty="0" smtClean="0">
+              <a:solidFill>
+                <a:schemeClr val="accent4"/>
+              </a:solidFill>
+            </a:endParaRPr>
+          </a:p>
+          <a:p>
+            <a:r>
+              <a:rPr lang="ko-KR" altLang="en-US" sz="1200" dirty="0" smtClean="0">
+                <a:solidFill>
+                  <a:schemeClr val="accent4"/>
+                </a:solidFill>
+              </a:rPr>
+              <a:t>총알이 발사되는 방향을 알 수 있게 해주고</a:t>
+            </a:r>
+            <a:r>
+              <a:rPr lang="ko-KR" altLang="en-US" sz="1200" dirty="0" smtClean="0">
+                <a:solidFill>
+                  <a:schemeClr val="bg1">
+                    <a:lumMod val="85000"/>
+                  </a:schemeClr>
+                </a:solidFill>
+              </a:rPr>
+              <a:t> 나아가</a:t>
+            </a:r>
+            <a:endParaRPr lang="en-US" altLang="ko-KR" sz="1200" dirty="0" smtClean="0">
+              <a:solidFill>
+                <a:schemeClr val="bg1">
+                  <a:lumMod val="85000"/>
+                </a:schemeClr>
+              </a:solidFill>
+            </a:endParaRPr>
+          </a:p>
+          <a:p>
+            <a:r>
+              <a:rPr lang="ko-KR" altLang="en-US" sz="1200" dirty="0" smtClean="0">
+                <a:solidFill>
+                  <a:schemeClr val="bg1">
+                    <a:lumMod val="85000"/>
+                  </a:schemeClr>
+                </a:solidFill>
+              </a:rPr>
+              <a:t>컴퓨터의 마우스 포인터처럼 </a:t>
+            </a:r>
+            <a:r>
+              <a:rPr lang="ko-KR" altLang="en-US" sz="1200" dirty="0" smtClean="0">
+                <a:solidFill>
+                  <a:schemeClr val="accent4"/>
+                </a:solidFill>
+              </a:rPr>
+              <a:t>화면에서 길을 잃지 않고 목표를 정확히 확인하고 가리킬 수 있도록 도와준다</a:t>
+            </a:r>
+            <a:r>
+              <a:rPr lang="en-US" altLang="ko-KR" sz="1200" dirty="0" smtClean="0">
+                <a:solidFill>
+                  <a:schemeClr val="accent4"/>
+                </a:solidFill>
+              </a:rPr>
+              <a:t>.</a:t>
+            </a:r>
+          </a:p>
+        </p:txBody>
+      </p:sp>
+      <p:pic>
+        <p:nvPicPr>
+          <p:cNvPr id="19" name="그림 18"/>
+          <p:cNvPicPr>
+            <a:picLocks noChangeAspect="1"/>
+          </p:cNvPicPr>
+          <p:nvPr/>
+        </p:nvPicPr>
+        <p:blipFill>
+          <a:blip r:embed="rId4"/>
+          <a:stretch>
+            <a:fillRect/>
+          </a:stretch>
+        </p:blipFill>
+        <p:spPr>
+          <a:xfrm>
+            <a:off x="5059056" y="4161099"/>
+            <a:ext cx="1618335" cy="1455247"/>
+          </a:xfrm>
+          <a:prstGeom prst="rect">
+            <a:avLst/>
+          </a:prstGeom>
+        </p:spPr>
+      </p:pic>
+      <p:cxnSp>
+        <p:nvCxnSpPr>
+          <p:cNvPr id="25" name="직선 화살표 연결선 24"/>
+          <p:cNvCxnSpPr/>
+          <p:nvPr/>
+        </p:nvCxnSpPr>
+        <p:spPr>
+          <a:xfrm flipH="1">
+            <a:off x="7414953" y="2630978"/>
+            <a:ext cx="440576" cy="1657857"/>
+          </a:xfrm>
+          <a:prstGeom prst="straightConnector1">
+            <a:avLst/>
+          </a:prstGeom>
+          <a:ln w="28575">
+            <a:solidFill>
+              <a:srgbClr val="FF0000"/>
+            </a:solidFill>
+            <a:prstDash val="dash"/>
+            <a:tailEnd type="triangle"/>
+          </a:ln>
+        </p:spPr>
+        <p:style>
+          <a:lnRef idx="1">
+            <a:schemeClr val="accent1"/>
+          </a:lnRef>
+          <a:fillRef idx="0">
+            <a:schemeClr val="accent1"/>
+          </a:fillRef>
+          <a:effectRef idx="0">
+            <a:schemeClr val="accent1"/>
+          </a:effectRef>
+          <a:fontRef idx="minor">
+            <a:schemeClr val="tx1"/>
+          </a:fontRef>
+        </p:style>
+      </p:cxnSp>
+      <p:pic>
+        <p:nvPicPr>
+          <p:cNvPr id="6" name="그림 5"/>
+          <p:cNvPicPr>
+            <a:picLocks noChangeAspect="1"/>
+          </p:cNvPicPr>
+          <p:nvPr/>
+        </p:nvPicPr>
+        <p:blipFill>
+          <a:blip r:embed="rId5"/>
+          <a:stretch>
+            <a:fillRect/>
+          </a:stretch>
+        </p:blipFill>
+        <p:spPr>
+          <a:xfrm>
+            <a:off x="4046460" y="2409751"/>
+            <a:ext cx="2492397" cy="1879084"/>
+          </a:xfrm>
+          <a:prstGeom prst="rect">
+            <a:avLst/>
+          </a:prstGeom>
+        </p:spPr>
+      </p:pic>
+      <p:cxnSp>
+        <p:nvCxnSpPr>
+          <p:cNvPr id="30" name="직선 화살표 연결선 29"/>
+          <p:cNvCxnSpPr/>
+          <p:nvPr/>
+        </p:nvCxnSpPr>
+        <p:spPr>
+          <a:xfrm flipH="1">
+            <a:off x="5744096" y="2227811"/>
+            <a:ext cx="1471430" cy="806334"/>
+          </a:xfrm>
+          <a:prstGeom prst="straightConnector1">
+            <a:avLst/>
+          </a:prstGeom>
+          <a:ln w="28575">
+            <a:solidFill>
+              <a:srgbClr val="FF0000"/>
+            </a:solidFill>
+            <a:prstDash val="dash"/>
+            <a:tailEnd type="triangle"/>
+          </a:ln>
+        </p:spPr>
+        <p:style>
+          <a:lnRef idx="1">
+            <a:schemeClr val="accent1"/>
+          </a:lnRef>
+          <a:fillRef idx="0">
+            <a:schemeClr val="accent1"/>
+          </a:fillRef>
+          <a:effectRef idx="0">
+            <a:schemeClr val="accent1"/>
+          </a:effectRef>
+          <a:fontRef idx="minor">
+            <a:schemeClr val="tx1"/>
+          </a:fontRef>
+        </p:style>
+      </p:cxnSp>
+      <p:cxnSp>
+        <p:nvCxnSpPr>
+          <p:cNvPr id="31" name="직선 화살표 연결선 30"/>
+          <p:cNvCxnSpPr/>
+          <p:nvPr/>
+        </p:nvCxnSpPr>
+        <p:spPr>
+          <a:xfrm flipV="1">
+            <a:off x="3269786" y="3788953"/>
+            <a:ext cx="1571570" cy="1099770"/>
+          </a:xfrm>
+          <a:prstGeom prst="straightConnector1">
+            <a:avLst/>
+          </a:prstGeom>
+          <a:ln w="28575">
+            <a:solidFill>
+              <a:srgbClr val="FF0000"/>
+            </a:solidFill>
+            <a:prstDash val="dash"/>
+            <a:tailEnd type="triangle"/>
+          </a:ln>
+        </p:spPr>
+        <p:style>
+          <a:lnRef idx="1">
+            <a:schemeClr val="accent1"/>
+          </a:lnRef>
+          <a:fillRef idx="0">
+            <a:schemeClr val="accent1"/>
+          </a:fillRef>
+          <a:effectRef idx="0">
+            <a:schemeClr val="accent1"/>
+          </a:effectRef>
+          <a:fontRef idx="minor">
+            <a:schemeClr val="tx1"/>
+          </a:fontRef>
+        </p:style>
+      </p:cxnSp>
+      <p:cxnSp>
+        <p:nvCxnSpPr>
+          <p:cNvPr id="34" name="직선 화살표 연결선 33"/>
+          <p:cNvCxnSpPr>
+            <a:stCxn id="28" idx="3"/>
+          </p:cNvCxnSpPr>
+          <p:nvPr/>
+        </p:nvCxnSpPr>
+        <p:spPr>
+          <a:xfrm flipV="1">
+            <a:off x="4389547" y="4888723"/>
+            <a:ext cx="764726" cy="374424"/>
+          </a:xfrm>
+          <a:prstGeom prst="straightConnector1">
+            <a:avLst/>
+          </a:prstGeom>
+          <a:ln w="28575">
+            <a:solidFill>
+              <a:srgbClr val="FF0000"/>
+            </a:solidFill>
+            <a:prstDash val="dash"/>
+            <a:tailEnd type="triangle"/>
+          </a:ln>
+        </p:spPr>
+        <p:style>
+          <a:lnRef idx="1">
+            <a:schemeClr val="accent1"/>
+          </a:lnRef>
+          <a:fillRef idx="0">
+            <a:schemeClr val="accent1"/>
+          </a:fillRef>
+          <a:effectRef idx="0">
+            <a:schemeClr val="accent1"/>
+          </a:effectRef>
+          <a:fontRef idx="minor">
+            <a:schemeClr val="tx1"/>
+          </a:fontRef>
+        </p:style>
+      </p:cxnSp>
+      <p:sp>
+        <p:nvSpPr>
+          <p:cNvPr id="28" name="직사각형 27"/>
+          <p:cNvSpPr/>
+          <p:nvPr/>
+        </p:nvSpPr>
+        <p:spPr>
+          <a:xfrm>
+            <a:off x="353106" y="4888723"/>
+            <a:ext cx="4036441" cy="748847"/>
+          </a:xfrm>
+          <a:prstGeom prst="rect">
+            <a:avLst/>
+          </a:prstGeom>
+          <a:solidFill>
+            <a:schemeClr val="tx2"/>
+          </a:solidFill>
+          <a:ln>
+            <a:solidFill>
+              <a:schemeClr val="accent5">
+                <a:lumMod val="50000"/>
+              </a:schemeClr>
+            </a:solidFill>
+          </a:ln>
+        </p:spPr>
+        <p:style>
+          <a:lnRef idx="2">
+            <a:schemeClr val="accent1">
+              <a:shade val="50000"/>
+            </a:schemeClr>
+          </a:lnRef>
+          <a:fillRef idx="1">
+            <a:schemeClr val="accent1"/>
+          </a:fillRef>
+          <a:effectRef idx="0">
+            <a:schemeClr val="accent1"/>
+          </a:effectRef>
+          <a:fontRef idx="minor">
+            <a:schemeClr val="lt1"/>
+          </a:fontRef>
+        </p:style>
+        <p:txBody>
+          <a:bodyPr rtlCol="0" anchor="ctr"/>
+          <a:lstStyle/>
+          <a:p>
+            <a:r>
+              <a:rPr lang="ko-KR" altLang="en-US" sz="1200" dirty="0" smtClean="0">
+                <a:solidFill>
+                  <a:schemeClr val="bg1">
+                    <a:lumMod val="85000"/>
+                  </a:schemeClr>
+                </a:solidFill>
+              </a:rPr>
+              <a:t>현재 장비한 주무기의 종류에 따라 크로스헤어가 달라져</a:t>
+            </a:r>
+            <a:endParaRPr lang="en-US" altLang="ko-KR" sz="1200" dirty="0" smtClean="0">
+              <a:solidFill>
+                <a:schemeClr val="bg1">
+                  <a:lumMod val="85000"/>
+                </a:schemeClr>
+              </a:solidFill>
+            </a:endParaRPr>
+          </a:p>
+          <a:p>
+            <a:r>
+              <a:rPr lang="ko-KR" altLang="en-US" sz="1200" dirty="0" smtClean="0">
+                <a:solidFill>
+                  <a:schemeClr val="accent4"/>
+                </a:solidFill>
+              </a:rPr>
+              <a:t>현재 플레이어의 주무기가 어떤 종류인지 알 수 있다</a:t>
+            </a:r>
+            <a:r>
+              <a:rPr lang="en-US" altLang="ko-KR" sz="1200" dirty="0" smtClean="0">
+                <a:solidFill>
+                  <a:schemeClr val="accent4"/>
+                </a:solidFill>
+              </a:rPr>
+              <a:t>.</a:t>
+            </a:r>
+            <a:r>
+              <a:rPr lang="ko-KR" altLang="en-US" sz="1200" dirty="0">
+                <a:solidFill>
+                  <a:schemeClr val="accent4"/>
+                </a:solidFill>
+              </a:rPr>
+              <a:t> </a:t>
+            </a:r>
+            <a:endParaRPr lang="en-US" altLang="ko-KR" sz="1200" dirty="0" smtClean="0">
+              <a:solidFill>
+                <a:schemeClr val="accent4"/>
+              </a:solidFill>
+            </a:endParaRPr>
+          </a:p>
+        </p:txBody>
+      </p:sp>
+    </p:spTree>
+    <p:extLst>
+      <p:ext uri="{BB962C8B-B14F-4D97-AF65-F5344CB8AC3E}">
+        <p14:creationId xmlns:p14="http://schemas.microsoft.com/office/powerpoint/2010/main" val="1281583759"/>
+      </p:ext>
+    </p:extLst>
+  </p:cSld>
+  <p:clrMapOvr>
+    <a:masterClrMapping/>
+  </p:clrMapOvr>
+  <p:timing>
+    <p:tnLst>
+      <p:par>
+        <p:cTn id="1" dur="indefinite" restart="never" nodeType="tmRoot"/>
+      </p:par>
+    </p:tnLst>
+  </p:timing>
+</p:sld>
+</file>
+
+<file path=ppt/slides/slide11.xml><?xml version="1.0" encoding="utf-8"?>
+<p:sld xmlns:a="http://schemas.openxmlformats.org/drawingml/2006/main" xmlns:r="http://schemas.openxmlformats.org/officeDocument/2006/relationships" xmlns:p="http://schemas.openxmlformats.org/presentationml/2006/main">
+  <p:cSld>
+    <p:bg>
+      <p:bgPr>
+        <a:solidFill>
+          <a:schemeClr val="tx2">
+            <a:lumMod val="50000"/>
+          </a:schemeClr>
+        </a:solidFill>
+        <a:effectLst/>
+      </p:bgPr>
+    </p:bg>
+    <p:spTree>
+      <p:nvGrpSpPr>
+        <p:cNvPr id="1" name=""/>
+        <p:cNvGrpSpPr/>
+        <p:nvPr/>
+      </p:nvGrpSpPr>
+      <p:grpSpPr>
+        <a:xfrm>
+          <a:off x="0" y="0"/>
+          <a:ext cx="0" cy="0"/>
+          <a:chOff x="0" y="0"/>
+          <a:chExt cx="0" cy="0"/>
+        </a:xfrm>
+      </p:grpSpPr>
+      <p:sp>
+        <p:nvSpPr>
+          <p:cNvPr id="40" name="사각형: 둥근 모서리 39">
+            <a:extLst>
+              <a:ext uri="{FF2B5EF4-FFF2-40B4-BE49-F238E27FC236}">
+                <a16:creationId xmlns:a16="http://schemas.microsoft.com/office/drawing/2014/main" id="{DEB48728-12FA-4B10-82E6-7899DDCA2731}"/>
+              </a:ext>
+            </a:extLst>
+          </p:cNvPr>
+          <p:cNvSpPr/>
+          <p:nvPr/>
+        </p:nvSpPr>
+        <p:spPr>
+          <a:xfrm>
+            <a:off x="491492" y="504093"/>
+            <a:ext cx="1711727" cy="585286"/>
+          </a:xfrm>
+          <a:prstGeom prst="roundRect">
+            <a:avLst>
+              <a:gd name="adj" fmla="val 50000"/>
+            </a:avLst>
+          </a:prstGeom>
+          <a:solidFill>
+            <a:srgbClr val="181E26"/>
+          </a:solidFill>
+          <a:ln>
+            <a:noFill/>
+          </a:ln>
+        </p:spPr>
+        <p:style>
+          <a:lnRef idx="2">
+            <a:schemeClr val="accent1">
+              <a:shade val="50000"/>
+            </a:schemeClr>
+          </a:lnRef>
+          <a:fillRef idx="1">
+            <a:schemeClr val="accent1"/>
+          </a:fillRef>
+          <a:effectRef idx="0">
+            <a:schemeClr val="accent1"/>
+          </a:effectRef>
+          <a:fontRef idx="minor">
+            <a:schemeClr val="lt1"/>
+          </a:fontRef>
+        </p:style>
+        <p:txBody>
+          <a:bodyPr rtlCol="0" anchor="ctr"/>
+          <a:lstStyle/>
+          <a:p>
+            <a:pPr algn="ctr">
+              <a:lnSpc>
+                <a:spcPct val="150000"/>
+              </a:lnSpc>
+            </a:pPr>
+            <a:r>
+              <a:rPr lang="ko-KR" altLang="en-US" sz="2400" b="1" dirty="0" smtClean="0">
+                <a:solidFill>
+                  <a:prstClr val="white"/>
+                </a:solidFill>
+              </a:rPr>
+              <a:t>기본 화면</a:t>
+            </a:r>
+            <a:endParaRPr lang="en-US" altLang="ko-KR" sz="1600" dirty="0">
+              <a:solidFill>
+                <a:prstClr val="white">
+                  <a:lumMod val="50000"/>
+                </a:prstClr>
+              </a:solidFill>
+            </a:endParaRPr>
+          </a:p>
+        </p:txBody>
+      </p:sp>
+      <p:sp>
+        <p:nvSpPr>
+          <p:cNvPr id="43" name="직사각형 42">
+            <a:extLst>
+              <a:ext uri="{FF2B5EF4-FFF2-40B4-BE49-F238E27FC236}">
+                <a16:creationId xmlns:a16="http://schemas.microsoft.com/office/drawing/2014/main" id="{32B56811-2E7B-4FBF-99CB-4CECF20A9AC0}"/>
+              </a:ext>
+            </a:extLst>
+          </p:cNvPr>
+          <p:cNvSpPr/>
+          <p:nvPr/>
+        </p:nvSpPr>
+        <p:spPr>
+          <a:xfrm>
+            <a:off x="0" y="472736"/>
+            <a:ext cx="45719" cy="648000"/>
+          </a:xfrm>
+          <a:prstGeom prst="rect">
+            <a:avLst/>
+          </a:prstGeom>
+          <a:solidFill>
+            <a:srgbClr val="FF9900"/>
+          </a:solidFill>
+          <a:ln>
+            <a:noFill/>
+          </a:ln>
+        </p:spPr>
+        <p:style>
+          <a:lnRef idx="2">
+            <a:schemeClr val="accent1">
+              <a:shade val="50000"/>
+            </a:schemeClr>
+          </a:lnRef>
+          <a:fillRef idx="1">
+            <a:schemeClr val="accent1"/>
+          </a:fillRef>
+          <a:effectRef idx="0">
+            <a:schemeClr val="accent1"/>
+          </a:effectRef>
+          <a:fontRef idx="minor">
+            <a:schemeClr val="lt1"/>
+          </a:fontRef>
+        </p:style>
+        <p:txBody>
+          <a:bodyPr rtlCol="0" anchor="ctr"/>
+          <a:lstStyle/>
+          <a:p>
+            <a:pPr algn="ctr">
+              <a:defRPr/>
+            </a:pPr>
+            <a:endParaRPr lang="ko-KR" altLang="en-US">
+              <a:solidFill>
+                <a:prstClr val="white"/>
+              </a:solidFill>
+            </a:endParaRPr>
+          </a:p>
+        </p:txBody>
+      </p:sp>
+      <p:sp>
+        <p:nvSpPr>
+          <p:cNvPr id="2" name="슬라이드 번호 개체 틀 1"/>
+          <p:cNvSpPr>
+            <a:spLocks noGrp="1"/>
+          </p:cNvSpPr>
+          <p:nvPr>
+            <p:ph type="sldNum" sz="quarter" idx="12"/>
+          </p:nvPr>
+        </p:nvSpPr>
+        <p:spPr/>
+        <p:txBody>
+          <a:bodyPr/>
+          <a:lstStyle/>
+          <a:p>
+            <a:fld id="{5D878A70-FB77-4F9B-8311-4FBED7F04F1E}" type="slidenum">
+              <a:rPr lang="ko-KR" altLang="en-US" sz="1600" smtClean="0">
+                <a:solidFill>
+                  <a:prstClr val="black">
+                    <a:tint val="75000"/>
+                  </a:prstClr>
+                </a:solidFill>
+              </a:rPr>
+              <a:pPr/>
+              <a:t>11</a:t>
             </a:fld>
             <a:endParaRPr lang="ko-KR" altLang="en-US" sz="1600" dirty="0">
               <a:solidFill>
@@ -9430,7 +10359,7 @@
           <p:cNvPr id="13" name="직사각형 12">
             <a:extLst>
               <a:ext uri="{FF2B5EF4-FFF2-40B4-BE49-F238E27FC236}">
-                <a16:creationId xmlns:a16="http://schemas.microsoft.com/office/drawing/2014/main" xmlns="" id="{24EDB60A-88EE-4624-924F-1D4B6948100C}"/>
+                <a16:creationId xmlns:a16="http://schemas.microsoft.com/office/drawing/2014/main" id="{24EDB60A-88EE-4624-924F-1D4B6948100C}"/>
               </a:ext>
             </a:extLst>
           </p:cNvPr>
@@ -9990,7 +10919,7 @@
 </p:sld>
 </file>
 
-<file path=ppt/slides/slide11.xml><?xml version="1.0" encoding="utf-8"?>
+<file path=ppt/slides/slide12.xml><?xml version="1.0" encoding="utf-8"?>
 <p:sld xmlns:a="http://schemas.openxmlformats.org/drawingml/2006/main" xmlns:r="http://schemas.openxmlformats.org/officeDocument/2006/relationships" xmlns:p="http://schemas.openxmlformats.org/presentationml/2006/main">
   <p:cSld>
     <p:bg>
@@ -10022,7 +10951,7 @@
           <p:cNvPr id="40" name="사각형: 둥근 모서리 39">
             <a:extLst>
               <a:ext uri="{FF2B5EF4-FFF2-40B4-BE49-F238E27FC236}">
-                <a16:creationId xmlns:a16="http://schemas.microsoft.com/office/drawing/2014/main" xmlns="" id="{DEB48728-12FA-4B10-82E6-7899DDCA2731}"/>
+                <a16:creationId xmlns:a16="http://schemas.microsoft.com/office/drawing/2014/main" id="{DEB48728-12FA-4B10-82E6-7899DDCA2731}"/>
               </a:ext>
             </a:extLst>
           </p:cNvPr>
@@ -10094,7 +11023,7 @@
           <p:cNvPr id="43" name="직사각형 42">
             <a:extLst>
               <a:ext uri="{FF2B5EF4-FFF2-40B4-BE49-F238E27FC236}">
-                <a16:creationId xmlns:a16="http://schemas.microsoft.com/office/drawing/2014/main" xmlns="" id="{32B56811-2E7B-4FBF-99CB-4CECF20A9AC0}"/>
+                <a16:creationId xmlns:a16="http://schemas.microsoft.com/office/drawing/2014/main" id="{32B56811-2E7B-4FBF-99CB-4CECF20A9AC0}"/>
               </a:ext>
             </a:extLst>
           </p:cNvPr>
@@ -10171,7 +11100,7 @@
                 </a:solidFill>
               </a:rPr>
               <a:pPr/>
-              <a:t>11</a:t>
+              <a:t>12</a:t>
             </a:fld>
             <a:endParaRPr lang="ko-KR" altLang="en-US" sz="1600" dirty="0">
               <a:solidFill>
@@ -10265,7 +11194,7 @@
           <p:cNvPr id="13" name="직사각형 12">
             <a:extLst>
               <a:ext uri="{FF2B5EF4-FFF2-40B4-BE49-F238E27FC236}">
-                <a16:creationId xmlns:a16="http://schemas.microsoft.com/office/drawing/2014/main" xmlns="" id="{24EDB60A-88EE-4624-924F-1D4B6948100C}"/>
+                <a16:creationId xmlns:a16="http://schemas.microsoft.com/office/drawing/2014/main" id="{24EDB60A-88EE-4624-924F-1D4B6948100C}"/>
               </a:ext>
             </a:extLst>
           </p:cNvPr>
@@ -11111,7 +12040,7 @@
 </p:sld>
 </file>
 
-<file path=ppt/slides/slide12.xml><?xml version="1.0" encoding="utf-8"?>
+<file path=ppt/slides/slide13.xml><?xml version="1.0" encoding="utf-8"?>
 <p:sld xmlns:a="http://schemas.openxmlformats.org/drawingml/2006/main" xmlns:r="http://schemas.openxmlformats.org/officeDocument/2006/relationships" xmlns:p="http://schemas.openxmlformats.org/presentationml/2006/main">
   <p:cSld>
     <p:bg>
@@ -11143,7 +12072,7 @@
           <p:cNvPr id="40" name="사각형: 둥근 모서리 39">
             <a:extLst>
               <a:ext uri="{FF2B5EF4-FFF2-40B4-BE49-F238E27FC236}">
-                <a16:creationId xmlns:a16="http://schemas.microsoft.com/office/drawing/2014/main" xmlns="" id="{DEB48728-12FA-4B10-82E6-7899DDCA2731}"/>
+                <a16:creationId xmlns:a16="http://schemas.microsoft.com/office/drawing/2014/main" id="{DEB48728-12FA-4B10-82E6-7899DDCA2731}"/>
               </a:ext>
             </a:extLst>
           </p:cNvPr>
@@ -11215,7 +12144,7 @@
           <p:cNvPr id="43" name="직사각형 42">
             <a:extLst>
               <a:ext uri="{FF2B5EF4-FFF2-40B4-BE49-F238E27FC236}">
-                <a16:creationId xmlns:a16="http://schemas.microsoft.com/office/drawing/2014/main" xmlns="" id="{32B56811-2E7B-4FBF-99CB-4CECF20A9AC0}"/>
+                <a16:creationId xmlns:a16="http://schemas.microsoft.com/office/drawing/2014/main" id="{32B56811-2E7B-4FBF-99CB-4CECF20A9AC0}"/>
               </a:ext>
             </a:extLst>
           </p:cNvPr>
@@ -11292,7 +12221,7 @@
                 </a:solidFill>
               </a:rPr>
               <a:pPr/>
-              <a:t>12</a:t>
+              <a:t>13</a:t>
             </a:fld>
             <a:endParaRPr lang="ko-KR" altLang="en-US" sz="1600" dirty="0">
               <a:solidFill>
@@ -11386,7 +12315,7 @@
           <p:cNvPr id="13" name="직사각형 12">
             <a:extLst>
               <a:ext uri="{FF2B5EF4-FFF2-40B4-BE49-F238E27FC236}">
-                <a16:creationId xmlns:a16="http://schemas.microsoft.com/office/drawing/2014/main" xmlns="" id="{24EDB60A-88EE-4624-924F-1D4B6948100C}"/>
+                <a16:creationId xmlns:a16="http://schemas.microsoft.com/office/drawing/2014/main" id="{24EDB60A-88EE-4624-924F-1D4B6948100C}"/>
               </a:ext>
             </a:extLst>
           </p:cNvPr>
@@ -12358,7 +13287,7 @@
 </p:sld>
 </file>
 
-<file path=ppt/slides/slide13.xml><?xml version="1.0" encoding="utf-8"?>
+<file path=ppt/slides/slide14.xml><?xml version="1.0" encoding="utf-8"?>
 <p:sld xmlns:a="http://schemas.openxmlformats.org/drawingml/2006/main" xmlns:r="http://schemas.openxmlformats.org/officeDocument/2006/relationships" xmlns:p="http://schemas.openxmlformats.org/presentationml/2006/main">
   <p:cSld>
     <p:bg>
@@ -12390,7 +13319,7 @@
           <p:cNvPr id="40" name="사각형: 둥근 모서리 39">
             <a:extLst>
               <a:ext uri="{FF2B5EF4-FFF2-40B4-BE49-F238E27FC236}">
-                <a16:creationId xmlns:a16="http://schemas.microsoft.com/office/drawing/2014/main" xmlns="" id="{DEB48728-12FA-4B10-82E6-7899DDCA2731}"/>
+                <a16:creationId xmlns:a16="http://schemas.microsoft.com/office/drawing/2014/main" id="{DEB48728-12FA-4B10-82E6-7899DDCA2731}"/>
               </a:ext>
             </a:extLst>
           </p:cNvPr>
@@ -12462,7 +13391,7 @@
           <p:cNvPr id="43" name="직사각형 42">
             <a:extLst>
               <a:ext uri="{FF2B5EF4-FFF2-40B4-BE49-F238E27FC236}">
-                <a16:creationId xmlns:a16="http://schemas.microsoft.com/office/drawing/2014/main" xmlns="" id="{32B56811-2E7B-4FBF-99CB-4CECF20A9AC0}"/>
+                <a16:creationId xmlns:a16="http://schemas.microsoft.com/office/drawing/2014/main" id="{32B56811-2E7B-4FBF-99CB-4CECF20A9AC0}"/>
               </a:ext>
             </a:extLst>
           </p:cNvPr>
@@ -12539,7 +13468,7 @@
                 </a:solidFill>
               </a:rPr>
               <a:pPr/>
-              <a:t>13</a:t>
+              <a:t>14</a:t>
             </a:fld>
             <a:endParaRPr lang="ko-KR" altLang="en-US" sz="1600" dirty="0">
               <a:solidFill>
@@ -12633,7 +13562,7 @@
           <p:cNvPr id="13" name="직사각형 12">
             <a:extLst>
               <a:ext uri="{FF2B5EF4-FFF2-40B4-BE49-F238E27FC236}">
-                <a16:creationId xmlns:a16="http://schemas.microsoft.com/office/drawing/2014/main" xmlns="" id="{24EDB60A-88EE-4624-924F-1D4B6948100C}"/>
+                <a16:creationId xmlns:a16="http://schemas.microsoft.com/office/drawing/2014/main" id="{24EDB60A-88EE-4624-924F-1D4B6948100C}"/>
               </a:ext>
             </a:extLst>
           </p:cNvPr>
@@ -13489,7 +14418,7 @@
           <p:cNvPr id="3" name="직선 연결선 2">
             <a:extLst>
               <a:ext uri="{FF2B5EF4-FFF2-40B4-BE49-F238E27FC236}">
-                <a16:creationId xmlns:a16="http://schemas.microsoft.com/office/drawing/2014/main" xmlns="" id="{24C98E6B-2B63-475F-837A-7E31088AD69A}"/>
+                <a16:creationId xmlns:a16="http://schemas.microsoft.com/office/drawing/2014/main" id="{24C98E6B-2B63-475F-837A-7E31088AD69A}"/>
               </a:ext>
             </a:extLst>
           </p:cNvPr>
@@ -13532,7 +14461,7 @@
           <p:cNvPr id="22" name="타원 21">
             <a:extLst>
               <a:ext uri="{FF2B5EF4-FFF2-40B4-BE49-F238E27FC236}">
-                <a16:creationId xmlns:a16="http://schemas.microsoft.com/office/drawing/2014/main" xmlns="" id="{D8241E59-0646-41EB-8ED0-090409856B7D}"/>
+                <a16:creationId xmlns:a16="http://schemas.microsoft.com/office/drawing/2014/main" id="{D8241E59-0646-41EB-8ED0-090409856B7D}"/>
               </a:ext>
             </a:extLst>
           </p:cNvPr>
@@ -13600,7 +14529,7 @@
           <p:cNvPr id="26" name="직사각형 25">
             <a:extLst>
               <a:ext uri="{FF2B5EF4-FFF2-40B4-BE49-F238E27FC236}">
-                <a16:creationId xmlns:a16="http://schemas.microsoft.com/office/drawing/2014/main" xmlns="" id="{76B5609D-62AE-4714-BDF8-6284F2967DFB}"/>
+                <a16:creationId xmlns:a16="http://schemas.microsoft.com/office/drawing/2014/main" id="{76B5609D-62AE-4714-BDF8-6284F2967DFB}"/>
               </a:ext>
             </a:extLst>
           </p:cNvPr>
@@ -13633,7 +14562,7 @@
                   <a:prstClr val="white"/>
                 </a:solidFill>
               </a:rPr>
-              <a:t>기본 화면</a:t>
+              <a:t>개요</a:t>
             </a:r>
             <a:endParaRPr lang="en-US" altLang="ko-KR" sz="2000" b="1" dirty="0">
               <a:solidFill>
@@ -13648,7 +14577,7 @@
           <p:cNvPr id="40" name="사각형: 둥근 모서리 39">
             <a:extLst>
               <a:ext uri="{FF2B5EF4-FFF2-40B4-BE49-F238E27FC236}">
-                <a16:creationId xmlns:a16="http://schemas.microsoft.com/office/drawing/2014/main" xmlns="" id="{DEB48728-12FA-4B10-82E6-7899DDCA2731}"/>
+                <a16:creationId xmlns:a16="http://schemas.microsoft.com/office/drawing/2014/main" id="{DEB48728-12FA-4B10-82E6-7899DDCA2731}"/>
               </a:ext>
             </a:extLst>
           </p:cNvPr>
@@ -13720,7 +14649,7 @@
           <p:cNvPr id="43" name="직사각형 42">
             <a:extLst>
               <a:ext uri="{FF2B5EF4-FFF2-40B4-BE49-F238E27FC236}">
-                <a16:creationId xmlns:a16="http://schemas.microsoft.com/office/drawing/2014/main" xmlns="" id="{32B56811-2E7B-4FBF-99CB-4CECF20A9AC0}"/>
+                <a16:creationId xmlns:a16="http://schemas.microsoft.com/office/drawing/2014/main" id="{32B56811-2E7B-4FBF-99CB-4CECF20A9AC0}"/>
               </a:ext>
             </a:extLst>
           </p:cNvPr>
@@ -13778,7 +14707,7 @@
           <p:cNvPr id="27" name="타원 26">
             <a:extLst>
               <a:ext uri="{FF2B5EF4-FFF2-40B4-BE49-F238E27FC236}">
-                <a16:creationId xmlns:a16="http://schemas.microsoft.com/office/drawing/2014/main" xmlns="" id="{D8241E59-0646-41EB-8ED0-090409856B7D}"/>
+                <a16:creationId xmlns:a16="http://schemas.microsoft.com/office/drawing/2014/main" id="{D8241E59-0646-41EB-8ED0-090409856B7D}"/>
               </a:ext>
             </a:extLst>
           </p:cNvPr>
@@ -13787,7 +14716,7 @@
         </p:nvSpPr>
         <p:spPr>
           <a:xfrm>
-            <a:off x="2914078" y="4609091"/>
+            <a:off x="2914078" y="2964172"/>
             <a:ext cx="444864" cy="444864"/>
           </a:xfrm>
           <a:prstGeom prst="ellipse">
@@ -13846,7 +14775,7 @@
           <p:cNvPr id="45" name="직사각형 44">
             <a:extLst>
               <a:ext uri="{FF2B5EF4-FFF2-40B4-BE49-F238E27FC236}">
-                <a16:creationId xmlns:a16="http://schemas.microsoft.com/office/drawing/2014/main" xmlns="" id="{76B5609D-62AE-4714-BDF8-6284F2967DFB}"/>
+                <a16:creationId xmlns:a16="http://schemas.microsoft.com/office/drawing/2014/main" id="{76B5609D-62AE-4714-BDF8-6284F2967DFB}"/>
               </a:ext>
             </a:extLst>
           </p:cNvPr>
@@ -13855,7 +14784,7 @@
         </p:nvSpPr>
         <p:spPr>
           <a:xfrm>
-            <a:off x="3662468" y="4534376"/>
+            <a:off x="3662468" y="2889457"/>
             <a:ext cx="1722013" cy="494494"/>
           </a:xfrm>
           <a:prstGeom prst="rect">
@@ -13874,12 +14803,12 @@
               </a:lnSpc>
             </a:pPr>
             <a:r>
-              <a:rPr lang="ko-KR" altLang="en-US" sz="2000" b="1" dirty="0" smtClean="0">
+              <a:rPr lang="ko-KR" altLang="en-US" sz="2000" b="1" dirty="0">
                 <a:solidFill>
                   <a:prstClr val="white"/>
                 </a:solidFill>
               </a:rPr>
-              <a:t>행동 및 조작</a:t>
+              <a:t>기본 화면</a:t>
             </a:r>
             <a:endParaRPr lang="en-US" altLang="ko-KR" sz="2000" b="1" dirty="0">
               <a:solidFill>
@@ -13930,7 +14859,7 @@
           <p:cNvPr id="52" name="직사각형 51">
             <a:extLst>
               <a:ext uri="{FF2B5EF4-FFF2-40B4-BE49-F238E27FC236}">
-                <a16:creationId xmlns:a16="http://schemas.microsoft.com/office/drawing/2014/main" xmlns="" id="{76B5609D-62AE-4714-BDF8-6284F2967DFB}"/>
+                <a16:creationId xmlns:a16="http://schemas.microsoft.com/office/drawing/2014/main" id="{76B5609D-62AE-4714-BDF8-6284F2967DFB}"/>
               </a:ext>
             </a:extLst>
           </p:cNvPr>
@@ -13971,7 +14900,7 @@
                   <a:prstClr val="white"/>
                 </a:solidFill>
               </a:rPr>
-              <a:t>나침반</a:t>
+              <a:t>특징</a:t>
             </a:r>
             <a:endParaRPr lang="en-US" altLang="ko-KR" sz="1400" dirty="0">
               <a:solidFill>
@@ -13986,7 +14915,7 @@
           <p:cNvPr id="53" name="직사각형 52">
             <a:extLst>
               <a:ext uri="{FF2B5EF4-FFF2-40B4-BE49-F238E27FC236}">
-                <a16:creationId xmlns:a16="http://schemas.microsoft.com/office/drawing/2014/main" xmlns="" id="{76B5609D-62AE-4714-BDF8-6284F2967DFB}"/>
+                <a16:creationId xmlns:a16="http://schemas.microsoft.com/office/drawing/2014/main" id="{76B5609D-62AE-4714-BDF8-6284F2967DFB}"/>
               </a:ext>
             </a:extLst>
           </p:cNvPr>
@@ -13995,7 +14924,7 @@
         </p:nvSpPr>
         <p:spPr>
           <a:xfrm>
-            <a:off x="4254421" y="2146790"/>
+            <a:off x="4254420" y="2261111"/>
             <a:ext cx="1722013" cy="415498"/>
           </a:xfrm>
           <a:prstGeom prst="rect">
@@ -14027,23 +14956,7 @@
                   <a:prstClr val="white"/>
                 </a:solidFill>
               </a:rPr>
-              <a:t>생존 </a:t>
-            </a:r>
-            <a:r>
-              <a:rPr lang="en-US" altLang="ko-KR" sz="1400" dirty="0" smtClean="0">
-                <a:solidFill>
-                  <a:prstClr val="white"/>
-                </a:solidFill>
-              </a:rPr>
-              <a:t>/</a:t>
-            </a:r>
-            <a:r>
-              <a:rPr lang="ko-KR" altLang="en-US" sz="1400" dirty="0" smtClean="0">
-                <a:solidFill>
-                  <a:prstClr val="white"/>
-                </a:solidFill>
-              </a:rPr>
-              <a:t> 킬 로그</a:t>
+              <a:t>시점</a:t>
             </a:r>
             <a:endParaRPr lang="en-US" altLang="ko-KR" sz="1400" dirty="0">
               <a:solidFill>
@@ -14055,10 +14968,10 @@
       </p:sp>
       <p:sp>
         <p:nvSpPr>
-          <p:cNvPr id="54" name="직사각형 53">
+          <p:cNvPr id="56" name="직사각형 55">
             <a:extLst>
               <a:ext uri="{FF2B5EF4-FFF2-40B4-BE49-F238E27FC236}">
-                <a16:creationId xmlns:a16="http://schemas.microsoft.com/office/drawing/2014/main" xmlns="" id="{76B5609D-62AE-4714-BDF8-6284F2967DFB}"/>
+                <a16:creationId xmlns:a16="http://schemas.microsoft.com/office/drawing/2014/main" id="{76B5609D-62AE-4714-BDF8-6284F2967DFB}"/>
               </a:ext>
             </a:extLst>
           </p:cNvPr>
@@ -14067,63 +14980,7 @@
         </p:nvSpPr>
         <p:spPr>
           <a:xfrm>
-            <a:off x="4254421" y="2488222"/>
-            <a:ext cx="1056993" cy="415498"/>
-          </a:xfrm>
-          <a:prstGeom prst="rect">
-            <a:avLst/>
-          </a:prstGeom>
-        </p:spPr>
-        <p:txBody>
-          <a:bodyPr wrap="square">
-            <a:spAutoFit/>
-          </a:bodyPr>
-          <a:lstStyle/>
-          <a:p>
-            <a:pPr>
-              <a:lnSpc>
-                <a:spcPct val="150000"/>
-              </a:lnSpc>
-            </a:pPr>
-            <a:r>
-              <a:rPr lang="en-US" altLang="ko-KR" sz="1400" dirty="0" smtClean="0">
-                <a:solidFill>
-                  <a:prstClr val="white"/>
-                </a:solidFill>
-              </a:rPr>
-              <a:t>- </a:t>
-            </a:r>
-            <a:r>
-              <a:rPr lang="ko-KR" altLang="en-US" sz="1400" dirty="0" err="1" smtClean="0">
-                <a:solidFill>
-                  <a:prstClr val="white"/>
-                </a:solidFill>
-              </a:rPr>
-              <a:t>조준점</a:t>
-            </a:r>
-            <a:endParaRPr lang="en-US" altLang="ko-KR" sz="1400" dirty="0">
-              <a:solidFill>
-                <a:prstClr val="white"/>
-              </a:solidFill>
-            </a:endParaRPr>
-          </a:p>
-        </p:txBody>
-      </p:sp>
-      <p:sp>
-        <p:nvSpPr>
-          <p:cNvPr id="56" name="직사각형 55">
-            <a:extLst>
-              <a:ext uri="{FF2B5EF4-FFF2-40B4-BE49-F238E27FC236}">
-                <a16:creationId xmlns:a16="http://schemas.microsoft.com/office/drawing/2014/main" xmlns="" id="{76B5609D-62AE-4714-BDF8-6284F2967DFB}"/>
-              </a:ext>
-            </a:extLst>
-          </p:cNvPr>
-          <p:cNvSpPr/>
-          <p:nvPr/>
-        </p:nvSpPr>
-        <p:spPr>
-          <a:xfrm>
-            <a:off x="4254421" y="2829654"/>
+            <a:off x="4254420" y="4465387"/>
             <a:ext cx="1589008" cy="415498"/>
           </a:xfrm>
           <a:prstGeom prst="rect">
@@ -14170,7 +15027,7 @@
           <p:cNvPr id="57" name="직사각형 56">
             <a:extLst>
               <a:ext uri="{FF2B5EF4-FFF2-40B4-BE49-F238E27FC236}">
-                <a16:creationId xmlns:a16="http://schemas.microsoft.com/office/drawing/2014/main" xmlns="" id="{76B5609D-62AE-4714-BDF8-6284F2967DFB}"/>
+                <a16:creationId xmlns:a16="http://schemas.microsoft.com/office/drawing/2014/main" id="{76B5609D-62AE-4714-BDF8-6284F2967DFB}"/>
               </a:ext>
             </a:extLst>
           </p:cNvPr>
@@ -14179,7 +15036,7 @@
         </p:nvSpPr>
         <p:spPr>
           <a:xfrm>
-            <a:off x="4254421" y="3171086"/>
+            <a:off x="4254420" y="4839272"/>
             <a:ext cx="1156746" cy="415498"/>
           </a:xfrm>
           <a:prstGeom prst="rect">
@@ -14234,7 +15091,7 @@
           <p:cNvPr id="58" name="직사각형 57">
             <a:extLst>
               <a:ext uri="{FF2B5EF4-FFF2-40B4-BE49-F238E27FC236}">
-                <a16:creationId xmlns:a16="http://schemas.microsoft.com/office/drawing/2014/main" xmlns="" id="{76B5609D-62AE-4714-BDF8-6284F2967DFB}"/>
+                <a16:creationId xmlns:a16="http://schemas.microsoft.com/office/drawing/2014/main" id="{76B5609D-62AE-4714-BDF8-6284F2967DFB}"/>
               </a:ext>
             </a:extLst>
           </p:cNvPr>
@@ -14243,7 +15100,7 @@
         </p:nvSpPr>
         <p:spPr>
           <a:xfrm>
-            <a:off x="4254421" y="3512518"/>
+            <a:off x="4254420" y="5255896"/>
             <a:ext cx="1321664" cy="415498"/>
           </a:xfrm>
           <a:prstGeom prst="rect">
@@ -14290,7 +15147,7 @@
           <p:cNvPr id="59" name="직사각형 58">
             <a:extLst>
               <a:ext uri="{FF2B5EF4-FFF2-40B4-BE49-F238E27FC236}">
-                <a16:creationId xmlns:a16="http://schemas.microsoft.com/office/drawing/2014/main" xmlns="" id="{76B5609D-62AE-4714-BDF8-6284F2967DFB}"/>
+                <a16:creationId xmlns:a16="http://schemas.microsoft.com/office/drawing/2014/main" id="{76B5609D-62AE-4714-BDF8-6284F2967DFB}"/>
               </a:ext>
             </a:extLst>
           </p:cNvPr>
@@ -14299,7 +15156,7 @@
         </p:nvSpPr>
         <p:spPr>
           <a:xfrm>
-            <a:off x="4254421" y="3853949"/>
+            <a:off x="4254420" y="5628655"/>
             <a:ext cx="1722013" cy="415498"/>
           </a:xfrm>
           <a:prstGeom prst="rect">
@@ -14370,7 +15227,7 @@
           <p:cNvPr id="60" name="직사각형 59">
             <a:extLst>
               <a:ext uri="{FF2B5EF4-FFF2-40B4-BE49-F238E27FC236}">
-                <a16:creationId xmlns:a16="http://schemas.microsoft.com/office/drawing/2014/main" xmlns="" id="{76B5609D-62AE-4714-BDF8-6284F2967DFB}"/>
+                <a16:creationId xmlns:a16="http://schemas.microsoft.com/office/drawing/2014/main" id="{76B5609D-62AE-4714-BDF8-6284F2967DFB}"/>
               </a:ext>
             </a:extLst>
           </p:cNvPr>
@@ -14379,7 +15236,7 @@
         </p:nvSpPr>
         <p:spPr>
           <a:xfrm>
-            <a:off x="4254421" y="4988651"/>
+            <a:off x="4254421" y="3343732"/>
             <a:ext cx="1722013" cy="373885"/>
           </a:xfrm>
           <a:prstGeom prst="rect">
@@ -14406,12 +15263,12 @@
               <a:t>- </a:t>
             </a:r>
             <a:r>
-              <a:rPr lang="ko-KR" altLang="en-US" sz="1400" dirty="0" smtClean="0">
+              <a:rPr lang="ko-KR" altLang="en-US" sz="1400" dirty="0">
                 <a:solidFill>
                   <a:prstClr val="white"/>
                 </a:solidFill>
               </a:rPr>
-              <a:t>조작</a:t>
+              <a:t>나침반</a:t>
             </a:r>
             <a:endParaRPr lang="en-US" altLang="ko-KR" sz="1400" dirty="0">
               <a:solidFill>
@@ -14426,7 +15283,7 @@
           <p:cNvPr id="61" name="직사각형 60">
             <a:extLst>
               <a:ext uri="{FF2B5EF4-FFF2-40B4-BE49-F238E27FC236}">
-                <a16:creationId xmlns:a16="http://schemas.microsoft.com/office/drawing/2014/main" xmlns="" id="{76B5609D-62AE-4714-BDF8-6284F2967DFB}"/>
+                <a16:creationId xmlns:a16="http://schemas.microsoft.com/office/drawing/2014/main" id="{76B5609D-62AE-4714-BDF8-6284F2967DFB}"/>
               </a:ext>
             </a:extLst>
           </p:cNvPr>
@@ -14435,7 +15292,7 @@
         </p:nvSpPr>
         <p:spPr>
           <a:xfrm>
-            <a:off x="4254421" y="5288470"/>
+            <a:off x="4254421" y="3717617"/>
             <a:ext cx="1722013" cy="373885"/>
           </a:xfrm>
           <a:prstGeom prst="rect">
@@ -14454,7 +15311,7 @@
               </a:lnSpc>
             </a:pPr>
             <a:r>
-              <a:rPr lang="en-US" altLang="ko-KR" sz="1400" dirty="0" smtClean="0">
+              <a:rPr lang="en-US" altLang="ko-KR" sz="1400" dirty="0">
                 <a:solidFill>
                   <a:prstClr val="white"/>
                 </a:solidFill>
@@ -14462,12 +15319,28 @@
               <a:t>- </a:t>
             </a:r>
             <a:r>
-              <a:rPr lang="ko-KR" altLang="en-US" sz="1400" dirty="0" smtClean="0">
+              <a:rPr lang="ko-KR" altLang="en-US" sz="1400" dirty="0">
                 <a:solidFill>
                   <a:prstClr val="white"/>
                 </a:solidFill>
               </a:rPr>
-              <a:t>상호작용</a:t>
+              <a:t>생존 </a:t>
+            </a:r>
+            <a:r>
+              <a:rPr lang="en-US" altLang="ko-KR" sz="1400" dirty="0">
+                <a:solidFill>
+                  <a:prstClr val="white"/>
+                </a:solidFill>
+              </a:rPr>
+              <a:t>/</a:t>
+            </a:r>
+            <a:r>
+              <a:rPr lang="ko-KR" altLang="en-US" sz="1400" dirty="0">
+                <a:solidFill>
+                  <a:prstClr val="white"/>
+                </a:solidFill>
+              </a:rPr>
+              <a:t> 킬 로그</a:t>
             </a:r>
             <a:endParaRPr lang="en-US" altLang="ko-KR" sz="1400" dirty="0">
               <a:solidFill>
@@ -14482,7 +15355,7 @@
           <p:cNvPr id="67" name="직사각형 66">
             <a:extLst>
               <a:ext uri="{FF2B5EF4-FFF2-40B4-BE49-F238E27FC236}">
-                <a16:creationId xmlns:a16="http://schemas.microsoft.com/office/drawing/2014/main" xmlns="" id="{76B5609D-62AE-4714-BDF8-6284F2967DFB}"/>
+                <a16:creationId xmlns:a16="http://schemas.microsoft.com/office/drawing/2014/main" id="{76B5609D-62AE-4714-BDF8-6284F2967DFB}"/>
               </a:ext>
             </a:extLst>
           </p:cNvPr>
@@ -14491,7 +15364,7 @@
         </p:nvSpPr>
         <p:spPr>
           <a:xfrm>
-            <a:off x="4254420" y="5635230"/>
+            <a:off x="4254420" y="4091502"/>
             <a:ext cx="1722013" cy="373885"/>
           </a:xfrm>
           <a:prstGeom prst="rect">
@@ -14510,7 +15383,7 @@
               </a:lnSpc>
             </a:pPr>
             <a:r>
-              <a:rPr lang="en-US" altLang="ko-KR" sz="1400" dirty="0" smtClean="0">
+              <a:rPr lang="en-US" altLang="ko-KR" sz="1400" dirty="0">
                 <a:solidFill>
                   <a:prstClr val="white"/>
                 </a:solidFill>
@@ -14518,16 +15391,535 @@
               <a:t>- </a:t>
             </a:r>
             <a:r>
-              <a:rPr lang="ko-KR" altLang="en-US" sz="1400" dirty="0" smtClean="0">
+              <a:rPr lang="ko-KR" altLang="en-US" sz="1400" dirty="0" err="1" smtClean="0">
                 <a:solidFill>
                   <a:prstClr val="white"/>
                 </a:solidFill>
               </a:rPr>
-              <a:t>아이템 사용</a:t>
+              <a:t>조준점</a:t>
             </a:r>
             <a:endParaRPr lang="en-US" altLang="ko-KR" sz="1400" dirty="0">
               <a:solidFill>
                 <a:prstClr val="white"/>
+              </a:solidFill>
+            </a:endParaRPr>
+          </a:p>
+        </p:txBody>
+      </p:sp>
+      <p:sp>
+        <p:nvSpPr>
+          <p:cNvPr id="21" name="직사각형 20">
+            <a:extLst>
+              <a:ext uri="{FF2B5EF4-FFF2-40B4-BE49-F238E27FC236}">
+                <a16:creationId xmlns:a16="http://schemas.microsoft.com/office/drawing/2014/main" id="{76B5609D-62AE-4714-BDF8-6284F2967DFB}"/>
+              </a:ext>
+            </a:extLst>
+          </p:cNvPr>
+          <p:cNvSpPr/>
+          <p:nvPr/>
+        </p:nvSpPr>
+        <p:spPr>
+          <a:xfrm>
+            <a:off x="7615672" y="1393291"/>
+            <a:ext cx="2569464" cy="553998"/>
+          </a:xfrm>
+          <a:prstGeom prst="rect">
+            <a:avLst/>
+          </a:prstGeom>
+        </p:spPr>
+        <p:txBody>
+          <a:bodyPr wrap="square">
+            <a:spAutoFit/>
+          </a:bodyPr>
+          <a:lstStyle/>
+          <a:p>
+            <a:pPr>
+              <a:lnSpc>
+                <a:spcPct val="150000"/>
+              </a:lnSpc>
+            </a:pPr>
+            <a:r>
+              <a:rPr lang="ko-KR" altLang="en-US" sz="2000" b="1" dirty="0" err="1" smtClean="0">
+                <a:solidFill>
+                  <a:prstClr val="white"/>
+                </a:solidFill>
+              </a:rPr>
+              <a:t>조준점</a:t>
+            </a:r>
+            <a:r>
+              <a:rPr lang="ko-KR" altLang="en-US" sz="2000" b="1" dirty="0" smtClean="0">
+                <a:solidFill>
+                  <a:prstClr val="white"/>
+                </a:solidFill>
+              </a:rPr>
+              <a:t> </a:t>
+            </a:r>
+            <a:r>
+              <a:rPr lang="en-US" altLang="ko-KR" sz="2000" b="1" dirty="0" smtClean="0">
+                <a:solidFill>
+                  <a:prstClr val="white"/>
+                </a:solidFill>
+              </a:rPr>
+              <a:t>(</a:t>
+            </a:r>
+            <a:r>
+              <a:rPr lang="ko-KR" altLang="en-US" sz="2000" b="1" dirty="0" smtClean="0">
+                <a:solidFill>
+                  <a:prstClr val="white"/>
+                </a:solidFill>
+              </a:rPr>
+              <a:t>세부</a:t>
+            </a:r>
+            <a:r>
+              <a:rPr lang="en-US" altLang="ko-KR" sz="2000" b="1" dirty="0" smtClean="0">
+                <a:solidFill>
+                  <a:prstClr val="white"/>
+                </a:solidFill>
+              </a:rPr>
+              <a:t>)</a:t>
+            </a:r>
+            <a:endParaRPr lang="en-US" altLang="ko-KR" sz="2000" b="1" dirty="0">
+              <a:solidFill>
+                <a:prstClr val="white"/>
+              </a:solidFill>
+            </a:endParaRPr>
+          </a:p>
+        </p:txBody>
+      </p:sp>
+      <p:sp>
+        <p:nvSpPr>
+          <p:cNvPr id="23" name="직사각형 22">
+            <a:extLst>
+              <a:ext uri="{FF2B5EF4-FFF2-40B4-BE49-F238E27FC236}">
+                <a16:creationId xmlns:a16="http://schemas.microsoft.com/office/drawing/2014/main" id="{76B5609D-62AE-4714-BDF8-6284F2967DFB}"/>
+              </a:ext>
+            </a:extLst>
+          </p:cNvPr>
+          <p:cNvSpPr/>
+          <p:nvPr/>
+        </p:nvSpPr>
+        <p:spPr>
+          <a:xfrm>
+            <a:off x="8212255" y="1846971"/>
+            <a:ext cx="1722013" cy="373885"/>
+          </a:xfrm>
+          <a:prstGeom prst="rect">
+            <a:avLst/>
+          </a:prstGeom>
+        </p:spPr>
+        <p:txBody>
+          <a:bodyPr wrap="square">
+            <a:spAutoFit/>
+          </a:bodyPr>
+          <a:lstStyle/>
+          <a:p>
+            <a:pPr>
+              <a:lnSpc>
+                <a:spcPct val="150000"/>
+              </a:lnSpc>
+            </a:pPr>
+            <a:r>
+              <a:rPr lang="en-US" altLang="ko-KR" sz="1400" dirty="0" smtClean="0">
+                <a:solidFill>
+                  <a:prstClr val="white"/>
+                </a:solidFill>
+              </a:rPr>
+              <a:t>- IDLE</a:t>
+            </a:r>
+            <a:endParaRPr lang="en-US" altLang="ko-KR" sz="1400" dirty="0">
+              <a:solidFill>
+                <a:prstClr val="white"/>
+              </a:solidFill>
+            </a:endParaRPr>
+          </a:p>
+        </p:txBody>
+      </p:sp>
+      <p:sp>
+        <p:nvSpPr>
+          <p:cNvPr id="24" name="직사각형 23">
+            <a:extLst>
+              <a:ext uri="{FF2B5EF4-FFF2-40B4-BE49-F238E27FC236}">
+                <a16:creationId xmlns:a16="http://schemas.microsoft.com/office/drawing/2014/main" id="{76B5609D-62AE-4714-BDF8-6284F2967DFB}"/>
+              </a:ext>
+            </a:extLst>
+          </p:cNvPr>
+          <p:cNvSpPr/>
+          <p:nvPr/>
+        </p:nvSpPr>
+        <p:spPr>
+          <a:xfrm>
+            <a:off x="8212255" y="2146790"/>
+            <a:ext cx="1722013" cy="373885"/>
+          </a:xfrm>
+          <a:prstGeom prst="rect">
+            <a:avLst/>
+          </a:prstGeom>
+        </p:spPr>
+        <p:txBody>
+          <a:bodyPr wrap="square">
+            <a:spAutoFit/>
+          </a:bodyPr>
+          <a:lstStyle/>
+          <a:p>
+            <a:pPr>
+              <a:lnSpc>
+                <a:spcPct val="150000"/>
+              </a:lnSpc>
+            </a:pPr>
+            <a:r>
+              <a:rPr lang="en-US" altLang="ko-KR" sz="1400" dirty="0" smtClean="0">
+                <a:solidFill>
+                  <a:prstClr val="white"/>
+                </a:solidFill>
+              </a:rPr>
+              <a:t>- </a:t>
+            </a:r>
+            <a:r>
+              <a:rPr lang="ko-KR" altLang="en-US" sz="1400" dirty="0" err="1" smtClean="0">
+                <a:solidFill>
+                  <a:prstClr val="white"/>
+                </a:solidFill>
+              </a:rPr>
+              <a:t>견착</a:t>
+            </a:r>
+            <a:endParaRPr lang="en-US" altLang="ko-KR" sz="1400" dirty="0">
+              <a:solidFill>
+                <a:prstClr val="white"/>
+              </a:solidFill>
+            </a:endParaRPr>
+          </a:p>
+        </p:txBody>
+      </p:sp>
+      <p:sp>
+        <p:nvSpPr>
+          <p:cNvPr id="25" name="직사각형 24">
+            <a:extLst>
+              <a:ext uri="{FF2B5EF4-FFF2-40B4-BE49-F238E27FC236}">
+                <a16:creationId xmlns:a16="http://schemas.microsoft.com/office/drawing/2014/main" id="{76B5609D-62AE-4714-BDF8-6284F2967DFB}"/>
+              </a:ext>
+            </a:extLst>
+          </p:cNvPr>
+          <p:cNvSpPr/>
+          <p:nvPr/>
+        </p:nvSpPr>
+        <p:spPr>
+          <a:xfrm>
+            <a:off x="8212255" y="2488222"/>
+            <a:ext cx="1056993" cy="373885"/>
+          </a:xfrm>
+          <a:prstGeom prst="rect">
+            <a:avLst/>
+          </a:prstGeom>
+        </p:spPr>
+        <p:txBody>
+          <a:bodyPr wrap="square">
+            <a:spAutoFit/>
+          </a:bodyPr>
+          <a:lstStyle/>
+          <a:p>
+            <a:pPr>
+              <a:lnSpc>
+                <a:spcPct val="150000"/>
+              </a:lnSpc>
+            </a:pPr>
+            <a:r>
+              <a:rPr lang="en-US" altLang="ko-KR" sz="1400" dirty="0" smtClean="0">
+                <a:solidFill>
+                  <a:prstClr val="white"/>
+                </a:solidFill>
+              </a:rPr>
+              <a:t>- </a:t>
+            </a:r>
+            <a:r>
+              <a:rPr lang="ko-KR" altLang="en-US" sz="1400" dirty="0" smtClean="0">
+                <a:solidFill>
+                  <a:prstClr val="white"/>
+                </a:solidFill>
+              </a:rPr>
+              <a:t>정조준</a:t>
+            </a:r>
+            <a:endParaRPr lang="en-US" altLang="ko-KR" sz="1400" dirty="0">
+              <a:solidFill>
+                <a:prstClr val="white"/>
+              </a:solidFill>
+            </a:endParaRPr>
+          </a:p>
+        </p:txBody>
+      </p:sp>
+      <p:sp>
+        <p:nvSpPr>
+          <p:cNvPr id="28" name="직사각형 27">
+            <a:extLst>
+              <a:ext uri="{FF2B5EF4-FFF2-40B4-BE49-F238E27FC236}">
+                <a16:creationId xmlns:a16="http://schemas.microsoft.com/office/drawing/2014/main" id="{76B5609D-62AE-4714-BDF8-6284F2967DFB}"/>
+              </a:ext>
+            </a:extLst>
+          </p:cNvPr>
+          <p:cNvSpPr/>
+          <p:nvPr/>
+        </p:nvSpPr>
+        <p:spPr>
+          <a:xfrm>
+            <a:off x="8212255" y="2829654"/>
+            <a:ext cx="1589008" cy="415498"/>
+          </a:xfrm>
+          <a:prstGeom prst="rect">
+            <a:avLst/>
+          </a:prstGeom>
+        </p:spPr>
+        <p:txBody>
+          <a:bodyPr wrap="square">
+            <a:spAutoFit/>
+          </a:bodyPr>
+          <a:lstStyle/>
+          <a:p>
+            <a:pPr>
+              <a:lnSpc>
+                <a:spcPct val="150000"/>
+              </a:lnSpc>
+            </a:pPr>
+            <a:r>
+              <a:rPr lang="en-US" altLang="ko-KR" sz="1400" dirty="0" smtClean="0">
+                <a:solidFill>
+                  <a:prstClr val="white"/>
+                </a:solidFill>
+              </a:rPr>
+              <a:t>- </a:t>
+            </a:r>
+            <a:r>
+              <a:rPr lang="ko-KR" altLang="en-US" sz="1400" dirty="0" smtClean="0">
+                <a:solidFill>
+                  <a:prstClr val="white"/>
+                </a:solidFill>
+              </a:rPr>
+              <a:t>배율</a:t>
+            </a:r>
+            <a:endParaRPr lang="en-US" altLang="ko-KR" sz="1400" dirty="0">
+              <a:solidFill>
+                <a:prstClr val="white"/>
+              </a:solidFill>
+            </a:endParaRPr>
+          </a:p>
+        </p:txBody>
+      </p:sp>
+      <p:sp>
+        <p:nvSpPr>
+          <p:cNvPr id="29" name="직사각형 28">
+            <a:extLst>
+              <a:ext uri="{FF2B5EF4-FFF2-40B4-BE49-F238E27FC236}">
+                <a16:creationId xmlns:a16="http://schemas.microsoft.com/office/drawing/2014/main" id="{76B5609D-62AE-4714-BDF8-6284F2967DFB}"/>
+              </a:ext>
+            </a:extLst>
+          </p:cNvPr>
+          <p:cNvSpPr/>
+          <p:nvPr/>
+        </p:nvSpPr>
+        <p:spPr>
+          <a:xfrm>
+            <a:off x="8212255" y="3171086"/>
+            <a:ext cx="1156746" cy="373885"/>
+          </a:xfrm>
+          <a:prstGeom prst="rect">
+            <a:avLst/>
+          </a:prstGeom>
+        </p:spPr>
+        <p:txBody>
+          <a:bodyPr wrap="square">
+            <a:spAutoFit/>
+          </a:bodyPr>
+          <a:lstStyle/>
+          <a:p>
+            <a:pPr>
+              <a:lnSpc>
+                <a:spcPct val="150000"/>
+              </a:lnSpc>
+            </a:pPr>
+            <a:r>
+              <a:rPr lang="en-US" altLang="ko-KR" sz="1400" dirty="0" smtClean="0">
+                <a:solidFill>
+                  <a:prstClr val="white"/>
+                </a:solidFill>
+              </a:rPr>
+              <a:t>- </a:t>
+            </a:r>
+            <a:r>
+              <a:rPr lang="ko-KR" altLang="en-US" sz="1400" dirty="0" smtClean="0">
+                <a:solidFill>
+                  <a:prstClr val="white"/>
+                </a:solidFill>
+              </a:rPr>
+              <a:t>근접 무기</a:t>
+            </a:r>
+            <a:endParaRPr lang="en-US" altLang="ko-KR" sz="1400" dirty="0">
+              <a:solidFill>
+                <a:prstClr val="white"/>
+              </a:solidFill>
+            </a:endParaRPr>
+          </a:p>
+        </p:txBody>
+      </p:sp>
+      <p:sp>
+        <p:nvSpPr>
+          <p:cNvPr id="30" name="직사각형 29">
+            <a:extLst>
+              <a:ext uri="{FF2B5EF4-FFF2-40B4-BE49-F238E27FC236}">
+                <a16:creationId xmlns:a16="http://schemas.microsoft.com/office/drawing/2014/main" id="{76B5609D-62AE-4714-BDF8-6284F2967DFB}"/>
+              </a:ext>
+            </a:extLst>
+          </p:cNvPr>
+          <p:cNvSpPr/>
+          <p:nvPr/>
+        </p:nvSpPr>
+        <p:spPr>
+          <a:xfrm>
+            <a:off x="8212255" y="3512518"/>
+            <a:ext cx="1321664" cy="415498"/>
+          </a:xfrm>
+          <a:prstGeom prst="rect">
+            <a:avLst/>
+          </a:prstGeom>
+        </p:spPr>
+        <p:txBody>
+          <a:bodyPr wrap="square">
+            <a:spAutoFit/>
+          </a:bodyPr>
+          <a:lstStyle/>
+          <a:p>
+            <a:pPr>
+              <a:lnSpc>
+                <a:spcPct val="150000"/>
+              </a:lnSpc>
+            </a:pPr>
+            <a:r>
+              <a:rPr lang="en-US" altLang="ko-KR" sz="1400" dirty="0" smtClean="0">
+                <a:solidFill>
+                  <a:prstClr val="white"/>
+                </a:solidFill>
+              </a:rPr>
+              <a:t>- </a:t>
+            </a:r>
+            <a:r>
+              <a:rPr lang="ko-KR" altLang="en-US" sz="1400" dirty="0" smtClean="0">
+                <a:solidFill>
+                  <a:prstClr val="white"/>
+                </a:solidFill>
+              </a:rPr>
+              <a:t>투척 무기</a:t>
+            </a:r>
+            <a:endParaRPr lang="en-US" altLang="ko-KR" sz="1400" dirty="0">
+              <a:solidFill>
+                <a:prstClr val="white"/>
+              </a:solidFill>
+            </a:endParaRPr>
+          </a:p>
+        </p:txBody>
+      </p:sp>
+      <p:cxnSp>
+        <p:nvCxnSpPr>
+          <p:cNvPr id="32" name="직선 연결선 31">
+            <a:extLst>
+              <a:ext uri="{FF2B5EF4-FFF2-40B4-BE49-F238E27FC236}">
+                <a16:creationId xmlns:a16="http://schemas.microsoft.com/office/drawing/2014/main" id="{24C98E6B-2B63-475F-837A-7E31088AD69A}"/>
+              </a:ext>
+            </a:extLst>
+          </p:cNvPr>
+          <p:cNvCxnSpPr/>
+          <p:nvPr/>
+        </p:nvCxnSpPr>
+        <p:spPr>
+          <a:xfrm flipH="1">
+            <a:off x="7094342" y="750072"/>
+            <a:ext cx="1" cy="944767"/>
+          </a:xfrm>
+          <a:prstGeom prst="line">
+            <a:avLst/>
+          </a:prstGeom>
+          <a:ln>
+            <a:solidFill>
+              <a:schemeClr val="bg1">
+                <a:lumMod val="75000"/>
+              </a:schemeClr>
+            </a:solidFill>
+          </a:ln>
+        </p:spPr>
+        <p:style>
+          <a:lnRef idx="1">
+            <a:schemeClr val="accent1"/>
+          </a:lnRef>
+          <a:fillRef idx="0">
+            <a:schemeClr val="accent1"/>
+          </a:fillRef>
+          <a:effectRef idx="0">
+            <a:schemeClr val="accent1"/>
+          </a:effectRef>
+          <a:fontRef idx="minor">
+            <a:schemeClr val="tx1"/>
+          </a:fontRef>
+        </p:style>
+      </p:cxnSp>
+      <p:sp>
+        <p:nvSpPr>
+          <p:cNvPr id="20" name="타원 19">
+            <a:extLst>
+              <a:ext uri="{FF2B5EF4-FFF2-40B4-BE49-F238E27FC236}">
+                <a16:creationId xmlns:a16="http://schemas.microsoft.com/office/drawing/2014/main" id="{D8241E59-0646-41EB-8ED0-090409856B7D}"/>
+              </a:ext>
+            </a:extLst>
+          </p:cNvPr>
+          <p:cNvSpPr/>
+          <p:nvPr/>
+        </p:nvSpPr>
+        <p:spPr>
+          <a:xfrm>
+            <a:off x="6871912" y="1460441"/>
+            <a:ext cx="444864" cy="444864"/>
+          </a:xfrm>
+          <a:prstGeom prst="ellipse">
+            <a:avLst/>
+          </a:prstGeom>
+          <a:solidFill>
+            <a:schemeClr val="bg1"/>
+          </a:solidFill>
+          <a:ln w="6350">
+            <a:solidFill>
+              <a:schemeClr val="bg1">
+                <a:lumMod val="85000"/>
+              </a:schemeClr>
+            </a:solidFill>
+          </a:ln>
+        </p:spPr>
+        <p:style>
+          <a:lnRef idx="2">
+            <a:schemeClr val="accent1">
+              <a:shade val="50000"/>
+            </a:schemeClr>
+          </a:lnRef>
+          <a:fillRef idx="1">
+            <a:schemeClr val="accent1"/>
+          </a:fillRef>
+          <a:effectRef idx="0">
+            <a:schemeClr val="accent1"/>
+          </a:effectRef>
+          <a:fontRef idx="minor">
+            <a:schemeClr val="lt1"/>
+          </a:fontRef>
+        </p:style>
+        <p:txBody>
+          <a:bodyPr rtlCol="0" anchor="ctr"/>
+          <a:lstStyle/>
+          <a:p>
+            <a:pPr algn="ctr"/>
+            <a:r>
+              <a:rPr lang="en-US" altLang="ko-KR" sz="2000" b="1" dirty="0">
+                <a:solidFill>
+                  <a:schemeClr val="tx1"/>
+                </a:solidFill>
+              </a:rPr>
+              <a:t>Ⅲ</a:t>
+            </a:r>
+            <a:endParaRPr lang="ko-KR" altLang="en-US" sz="2000" b="1" dirty="0">
+              <a:solidFill>
+                <a:schemeClr val="tx1"/>
               </a:solidFill>
             </a:endParaRPr>
           </a:p>
@@ -14580,55 +15972,12 @@
           <a:chExt cx="0" cy="0"/>
         </a:xfrm>
       </p:grpSpPr>
-      <p:cxnSp>
-        <p:nvCxnSpPr>
-          <p:cNvPr id="3" name="직선 연결선 2">
+      <p:sp>
+        <p:nvSpPr>
+          <p:cNvPr id="40" name="사각형: 둥근 모서리 39">
             <a:extLst>
               <a:ext uri="{FF2B5EF4-FFF2-40B4-BE49-F238E27FC236}">
-                <a16:creationId xmlns:a16="http://schemas.microsoft.com/office/drawing/2014/main" xmlns="" id="{24C98E6B-2B63-475F-837A-7E31088AD69A}"/>
-              </a:ext>
-            </a:extLst>
-          </p:cNvPr>
-          <p:cNvCxnSpPr/>
-          <p:nvPr/>
-        </p:nvCxnSpPr>
-        <p:spPr>
-          <a:xfrm flipH="1">
-            <a:off x="3136510" y="763921"/>
-            <a:ext cx="1" cy="3946525"/>
-          </a:xfrm>
-          <a:prstGeom prst="line">
-            <a:avLst/>
-          </a:prstGeom>
-          <a:ln>
-            <a:solidFill>
-              <a:schemeClr val="bg1">
-                <a:lumMod val="75000"/>
-              </a:schemeClr>
-            </a:solidFill>
-          </a:ln>
-        </p:spPr>
-        <p:style>
-          <a:lnRef idx="1">
-            <a:schemeClr val="accent1"/>
-          </a:lnRef>
-          <a:fillRef idx="0">
-            <a:schemeClr val="accent1"/>
-          </a:fillRef>
-          <a:effectRef idx="0">
-            <a:schemeClr val="accent1"/>
-          </a:effectRef>
-          <a:fontRef idx="minor">
-            <a:schemeClr val="tx1"/>
-          </a:fontRef>
-        </p:style>
-      </p:cxnSp>
-      <p:sp>
-        <p:nvSpPr>
-          <p:cNvPr id="22" name="타원 21">
-            <a:extLst>
-              <a:ext uri="{FF2B5EF4-FFF2-40B4-BE49-F238E27FC236}">
-                <a16:creationId xmlns:a16="http://schemas.microsoft.com/office/drawing/2014/main" xmlns="" id="{D8241E59-0646-41EB-8ED0-090409856B7D}"/>
+                <a16:creationId xmlns:a16="http://schemas.microsoft.com/office/drawing/2014/main" id="{DEB48728-12FA-4B10-82E6-7899DDCA2731}"/>
               </a:ext>
             </a:extLst>
           </p:cNvPr>
@@ -14637,124 +15986,8 @@
         </p:nvSpPr>
         <p:spPr>
           <a:xfrm>
-            <a:off x="2914078" y="1460440"/>
-            <a:ext cx="444864" cy="444864"/>
-          </a:xfrm>
-          <a:prstGeom prst="ellipse">
-            <a:avLst/>
-          </a:prstGeom>
-          <a:solidFill>
-            <a:schemeClr val="bg1"/>
-          </a:solidFill>
-          <a:ln w="6350">
-            <a:solidFill>
-              <a:schemeClr val="bg1">
-                <a:lumMod val="85000"/>
-              </a:schemeClr>
-            </a:solidFill>
-          </a:ln>
-        </p:spPr>
-        <p:style>
-          <a:lnRef idx="2">
-            <a:schemeClr val="accent1">
-              <a:shade val="50000"/>
-            </a:schemeClr>
-          </a:lnRef>
-          <a:fillRef idx="1">
-            <a:schemeClr val="accent1"/>
-          </a:fillRef>
-          <a:effectRef idx="0">
-            <a:schemeClr val="accent1"/>
-          </a:effectRef>
-          <a:fontRef idx="minor">
-            <a:schemeClr val="lt1"/>
-          </a:fontRef>
-        </p:style>
-        <p:txBody>
-          <a:bodyPr rtlCol="0" anchor="ctr"/>
-          <a:lstStyle/>
-          <a:p>
-            <a:pPr algn="ctr"/>
-            <a:r>
-              <a:rPr lang="en-US" altLang="ko-KR" sz="2000" b="1" dirty="0">
-                <a:solidFill>
-                  <a:schemeClr val="tx1"/>
-                </a:solidFill>
-              </a:rPr>
-              <a:t>Ⅲ</a:t>
-            </a:r>
-            <a:endParaRPr lang="ko-KR" altLang="en-US" sz="2000" b="1" dirty="0">
-              <a:solidFill>
-                <a:schemeClr val="tx1"/>
-              </a:solidFill>
-            </a:endParaRPr>
-          </a:p>
-        </p:txBody>
-      </p:sp>
-      <p:sp>
-        <p:nvSpPr>
-          <p:cNvPr id="26" name="직사각형 25">
-            <a:extLst>
-              <a:ext uri="{FF2B5EF4-FFF2-40B4-BE49-F238E27FC236}">
-                <a16:creationId xmlns:a16="http://schemas.microsoft.com/office/drawing/2014/main" xmlns="" id="{76B5609D-62AE-4714-BDF8-6284F2967DFB}"/>
-              </a:ext>
-            </a:extLst>
-          </p:cNvPr>
-          <p:cNvSpPr/>
-          <p:nvPr/>
-        </p:nvSpPr>
-        <p:spPr>
-          <a:xfrm>
-            <a:off x="3657838" y="1393290"/>
-            <a:ext cx="1722013" cy="494494"/>
-          </a:xfrm>
-          <a:prstGeom prst="rect">
-            <a:avLst/>
-          </a:prstGeom>
-        </p:spPr>
-        <p:txBody>
-          <a:bodyPr wrap="square">
-            <a:spAutoFit/>
-          </a:bodyPr>
-          <a:lstStyle/>
-          <a:p>
-            <a:pPr>
-              <a:lnSpc>
-                <a:spcPct val="150000"/>
-              </a:lnSpc>
-            </a:pPr>
-            <a:r>
-              <a:rPr lang="ko-KR" altLang="en-US" sz="2000" b="1" dirty="0" smtClean="0">
-                <a:solidFill>
-                  <a:prstClr val="white"/>
-                </a:solidFill>
-              </a:rPr>
-              <a:t>사격</a:t>
-            </a:r>
-            <a:endParaRPr lang="en-US" altLang="ko-KR" sz="2000" b="1" dirty="0">
-              <a:solidFill>
-                <a:prstClr val="white"/>
-              </a:solidFill>
-            </a:endParaRPr>
-          </a:p>
-        </p:txBody>
-      </p:sp>
-      <p:sp>
-        <p:nvSpPr>
-          <p:cNvPr id="40" name="사각형: 둥근 모서리 39">
-            <a:extLst>
-              <a:ext uri="{FF2B5EF4-FFF2-40B4-BE49-F238E27FC236}">
-                <a16:creationId xmlns:a16="http://schemas.microsoft.com/office/drawing/2014/main" xmlns="" id="{DEB48728-12FA-4B10-82E6-7899DDCA2731}"/>
-              </a:ext>
-            </a:extLst>
-          </p:cNvPr>
-          <p:cNvSpPr/>
-          <p:nvPr/>
-        </p:nvSpPr>
-        <p:spPr>
-          <a:xfrm>
-            <a:off x="549335" y="535450"/>
-            <a:ext cx="1425559" cy="585286"/>
+            <a:off x="491492" y="504093"/>
+            <a:ext cx="1270806" cy="585286"/>
           </a:xfrm>
           <a:prstGeom prst="roundRect">
             <a:avLst>
@@ -14799,7 +16032,7 @@
                   <a:prstClr val="white"/>
                 </a:solidFill>
               </a:rPr>
-              <a:t>목차</a:t>
+              <a:t>특징</a:t>
             </a:r>
             <a:endParaRPr lang="en-US" altLang="ko-KR" sz="1600" dirty="0">
               <a:solidFill>
@@ -14816,7 +16049,7 @@
           <p:cNvPr id="43" name="직사각형 42">
             <a:extLst>
               <a:ext uri="{FF2B5EF4-FFF2-40B4-BE49-F238E27FC236}">
-                <a16:creationId xmlns:a16="http://schemas.microsoft.com/office/drawing/2014/main" xmlns="" id="{32B56811-2E7B-4FBF-99CB-4CECF20A9AC0}"/>
+                <a16:creationId xmlns:a16="http://schemas.microsoft.com/office/drawing/2014/main" id="{32B56811-2E7B-4FBF-99CB-4CECF20A9AC0}"/>
               </a:ext>
             </a:extLst>
           </p:cNvPr>
@@ -14871,138 +16104,6 @@
       </p:sp>
       <p:sp>
         <p:nvSpPr>
-          <p:cNvPr id="27" name="타원 26">
-            <a:extLst>
-              <a:ext uri="{FF2B5EF4-FFF2-40B4-BE49-F238E27FC236}">
-                <a16:creationId xmlns:a16="http://schemas.microsoft.com/office/drawing/2014/main" xmlns="" id="{D8241E59-0646-41EB-8ED0-090409856B7D}"/>
-              </a:ext>
-            </a:extLst>
-          </p:cNvPr>
-          <p:cNvSpPr/>
-          <p:nvPr/>
-        </p:nvSpPr>
-        <p:spPr>
-          <a:xfrm>
-            <a:off x="2914078" y="4612784"/>
-            <a:ext cx="444864" cy="444864"/>
-          </a:xfrm>
-          <a:prstGeom prst="ellipse">
-            <a:avLst/>
-          </a:prstGeom>
-          <a:solidFill>
-            <a:schemeClr val="bg1"/>
-          </a:solidFill>
-          <a:ln w="6350">
-            <a:solidFill>
-              <a:schemeClr val="bg1">
-                <a:lumMod val="85000"/>
-              </a:schemeClr>
-            </a:solidFill>
-          </a:ln>
-        </p:spPr>
-        <p:style>
-          <a:lnRef idx="2">
-            <a:schemeClr val="accent1">
-              <a:shade val="50000"/>
-            </a:schemeClr>
-          </a:lnRef>
-          <a:fillRef idx="1">
-            <a:schemeClr val="accent1"/>
-          </a:fillRef>
-          <a:effectRef idx="0">
-            <a:schemeClr val="accent1"/>
-          </a:effectRef>
-          <a:fontRef idx="minor">
-            <a:schemeClr val="lt1"/>
-          </a:fontRef>
-        </p:style>
-        <p:txBody>
-          <a:bodyPr rtlCol="0" anchor="ctr"/>
-          <a:lstStyle/>
-          <a:p>
-            <a:pPr algn="ctr"/>
-            <a:r>
-              <a:rPr lang="en-US" altLang="ko-KR" sz="2000" b="1" dirty="0" smtClean="0">
-                <a:solidFill>
-                  <a:schemeClr val="tx1"/>
-                </a:solidFill>
-              </a:rPr>
-              <a:t>Ⅳ</a:t>
-            </a:r>
-            <a:endParaRPr lang="ko-KR" altLang="en-US" sz="2000" b="1" dirty="0">
-              <a:solidFill>
-                <a:schemeClr val="tx1"/>
-              </a:solidFill>
-            </a:endParaRPr>
-          </a:p>
-        </p:txBody>
-      </p:sp>
-      <p:sp>
-        <p:nvSpPr>
-          <p:cNvPr id="45" name="직사각형 44">
-            <a:extLst>
-              <a:ext uri="{FF2B5EF4-FFF2-40B4-BE49-F238E27FC236}">
-                <a16:creationId xmlns:a16="http://schemas.microsoft.com/office/drawing/2014/main" xmlns="" id="{76B5609D-62AE-4714-BDF8-6284F2967DFB}"/>
-              </a:ext>
-            </a:extLst>
-          </p:cNvPr>
-          <p:cNvSpPr/>
-          <p:nvPr/>
-        </p:nvSpPr>
-        <p:spPr>
-          <a:xfrm>
-            <a:off x="3662468" y="4523555"/>
-            <a:ext cx="1722013" cy="494494"/>
-          </a:xfrm>
-          <a:prstGeom prst="rect">
-            <a:avLst/>
-          </a:prstGeom>
-        </p:spPr>
-        <p:txBody>
-          <a:bodyPr wrap="square">
-            <a:spAutoFit/>
-          </a:bodyPr>
-          <a:lstStyle/>
-          <a:p>
-            <a:pPr>
-              <a:lnSpc>
-                <a:spcPct val="150000"/>
-              </a:lnSpc>
-            </a:pPr>
-            <a:r>
-              <a:rPr lang="ko-KR" altLang="en-US" sz="2000" b="1" dirty="0" smtClean="0">
-                <a:solidFill>
-                  <a:prstClr val="white"/>
-                </a:solidFill>
-              </a:rPr>
-              <a:t>킬 </a:t>
-            </a:r>
-            <a:r>
-              <a:rPr lang="en-US" altLang="ko-KR" sz="2000" b="1" dirty="0" smtClean="0">
-                <a:solidFill>
-                  <a:prstClr val="white"/>
-                </a:solidFill>
-              </a:rPr>
-              <a:t>/ </a:t>
-            </a:r>
-            <a:r>
-              <a:rPr lang="ko-KR" altLang="en-US" sz="2000" b="1" dirty="0" smtClean="0">
-                <a:solidFill>
-                  <a:prstClr val="white"/>
-                </a:solidFill>
-              </a:rPr>
-              <a:t>사망 </a:t>
-            </a:r>
-            <a:endParaRPr lang="en-US" altLang="ko-KR" sz="2000" b="1" dirty="0">
-              <a:solidFill>
-                <a:prstClr val="white"/>
-              </a:solidFill>
-            </a:endParaRPr>
-          </a:p>
-        </p:txBody>
-      </p:sp>
-      <p:sp>
-        <p:nvSpPr>
           <p:cNvPr id="2" name="슬라이드 번호 개체 틀 1"/>
           <p:cNvSpPr>
             <a:spLocks noGrp="1"/>
@@ -15039,10 +16140,488 @@
       </p:sp>
       <p:sp>
         <p:nvSpPr>
-          <p:cNvPr id="52" name="직사각형 51">
+          <p:cNvPr id="6" name="직사각형 5"/>
+          <p:cNvSpPr/>
+          <p:nvPr/>
+        </p:nvSpPr>
+        <p:spPr>
+          <a:xfrm>
+            <a:off x="7708332" y="1560537"/>
+            <a:ext cx="3972004" cy="1515599"/>
+          </a:xfrm>
+          <a:prstGeom prst="rect">
+            <a:avLst/>
+          </a:prstGeom>
+          <a:solidFill>
+            <a:schemeClr val="tx2"/>
+          </a:solidFill>
+          <a:ln>
+            <a:solidFill>
+              <a:schemeClr val="accent5">
+                <a:lumMod val="50000"/>
+              </a:schemeClr>
+            </a:solidFill>
+          </a:ln>
+        </p:spPr>
+        <p:style>
+          <a:lnRef idx="2">
+            <a:schemeClr val="accent1">
+              <a:shade val="50000"/>
+            </a:schemeClr>
+          </a:lnRef>
+          <a:fillRef idx="1">
+            <a:schemeClr val="accent1"/>
+          </a:fillRef>
+          <a:effectRef idx="0">
+            <a:schemeClr val="accent1"/>
+          </a:effectRef>
+          <a:fontRef idx="minor">
+            <a:schemeClr val="lt1"/>
+          </a:fontRef>
+        </p:style>
+        <p:txBody>
+          <a:bodyPr rtlCol="0" anchor="ctr"/>
+          <a:lstStyle/>
+          <a:p>
+            <a:r>
+              <a:rPr lang="ko-KR" altLang="en-US" sz="1200" dirty="0" smtClean="0">
+                <a:solidFill>
+                  <a:schemeClr val="bg1">
+                    <a:lumMod val="85000"/>
+                  </a:schemeClr>
+                </a:solidFill>
+              </a:rPr>
+              <a:t>기본적으로 </a:t>
+            </a:r>
+            <a:r>
+              <a:rPr lang="en-US" altLang="ko-KR" sz="1200" dirty="0" smtClean="0">
+                <a:solidFill>
+                  <a:schemeClr val="accent4"/>
+                </a:solidFill>
+              </a:rPr>
+              <a:t>3</a:t>
+            </a:r>
+            <a:r>
+              <a:rPr lang="ko-KR" altLang="en-US" sz="1200" dirty="0" smtClean="0">
+                <a:solidFill>
+                  <a:schemeClr val="accent4"/>
+                </a:solidFill>
+              </a:rPr>
+              <a:t>인칭 시점</a:t>
+            </a:r>
+            <a:r>
+              <a:rPr lang="en-US" altLang="ko-KR" sz="1200" dirty="0" smtClean="0">
+                <a:solidFill>
+                  <a:schemeClr val="bg1">
+                    <a:lumMod val="85000"/>
+                  </a:schemeClr>
+                </a:solidFill>
+              </a:rPr>
+              <a:t>, </a:t>
+            </a:r>
+            <a:r>
+              <a:rPr lang="ko-KR" altLang="en-US" sz="1200" dirty="0" smtClean="0">
+                <a:solidFill>
+                  <a:schemeClr val="bg1">
+                    <a:lumMod val="85000"/>
+                  </a:schemeClr>
+                </a:solidFill>
+              </a:rPr>
+              <a:t>더 </a:t>
+            </a:r>
+            <a:r>
+              <a:rPr lang="ko-KR" altLang="en-US" sz="1200" dirty="0" smtClean="0">
+                <a:solidFill>
+                  <a:schemeClr val="bg1">
+                    <a:lumMod val="85000"/>
+                  </a:schemeClr>
+                </a:solidFill>
+              </a:rPr>
+              <a:t>자세하게는 </a:t>
+            </a:r>
+            <a:r>
+              <a:rPr lang="ko-KR" altLang="en-US" sz="1200" dirty="0" err="1" smtClean="0">
+                <a:solidFill>
+                  <a:schemeClr val="accent4"/>
+                </a:solidFill>
+              </a:rPr>
+              <a:t>숄더뷰</a:t>
+            </a:r>
+            <a:r>
+              <a:rPr lang="ko-KR" altLang="en-US" sz="1200" dirty="0" smtClean="0">
+                <a:solidFill>
+                  <a:schemeClr val="bg1">
+                    <a:lumMod val="85000"/>
+                  </a:schemeClr>
+                </a:solidFill>
+              </a:rPr>
+              <a:t> </a:t>
+            </a:r>
+            <a:r>
+              <a:rPr lang="ko-KR" altLang="en-US" sz="1200" dirty="0" smtClean="0">
+                <a:solidFill>
+                  <a:schemeClr val="bg1">
+                    <a:lumMod val="85000"/>
+                  </a:schemeClr>
+                </a:solidFill>
+              </a:rPr>
+              <a:t>형식을 채용하고 있다</a:t>
+            </a:r>
+            <a:r>
+              <a:rPr lang="en-US" altLang="ko-KR" sz="1200" dirty="0" smtClean="0">
+                <a:solidFill>
+                  <a:schemeClr val="bg1">
+                    <a:lumMod val="85000"/>
+                  </a:schemeClr>
+                </a:solidFill>
+              </a:rPr>
+              <a:t>. </a:t>
+            </a:r>
+            <a:r>
+              <a:rPr lang="ko-KR" altLang="en-US" sz="1200" dirty="0" smtClean="0">
+                <a:solidFill>
+                  <a:schemeClr val="bg1">
+                    <a:lumMod val="85000"/>
+                  </a:schemeClr>
+                </a:solidFill>
+              </a:rPr>
+              <a:t>이동</a:t>
+            </a:r>
+            <a:r>
+              <a:rPr lang="en-US" altLang="ko-KR" sz="1200" dirty="0" smtClean="0">
+                <a:solidFill>
+                  <a:schemeClr val="bg1">
+                    <a:lumMod val="85000"/>
+                  </a:schemeClr>
+                </a:solidFill>
+              </a:rPr>
+              <a:t>, </a:t>
+            </a:r>
+            <a:r>
+              <a:rPr lang="ko-KR" altLang="en-US" sz="1200" dirty="0" err="1" smtClean="0">
+                <a:solidFill>
+                  <a:schemeClr val="bg1">
+                    <a:lumMod val="85000"/>
+                  </a:schemeClr>
+                </a:solidFill>
+              </a:rPr>
+              <a:t>색적</a:t>
+            </a:r>
+            <a:r>
+              <a:rPr lang="en-US" altLang="ko-KR" sz="1200" dirty="0" smtClean="0">
+                <a:solidFill>
+                  <a:schemeClr val="bg1">
+                    <a:lumMod val="85000"/>
+                  </a:schemeClr>
+                </a:solidFill>
+              </a:rPr>
+              <a:t>, </a:t>
+            </a:r>
+            <a:r>
+              <a:rPr lang="ko-KR" altLang="en-US" sz="1200" dirty="0" smtClean="0">
+                <a:solidFill>
+                  <a:schemeClr val="bg1">
+                    <a:lumMod val="85000"/>
+                  </a:schemeClr>
+                </a:solidFill>
+              </a:rPr>
+              <a:t>아이템 </a:t>
+            </a:r>
+            <a:r>
+              <a:rPr lang="ko-KR" altLang="en-US" sz="1200" dirty="0" err="1" smtClean="0">
+                <a:solidFill>
+                  <a:schemeClr val="bg1">
+                    <a:lumMod val="85000"/>
+                  </a:schemeClr>
+                </a:solidFill>
+              </a:rPr>
+              <a:t>파밍과</a:t>
+            </a:r>
+            <a:r>
+              <a:rPr lang="ko-KR" altLang="en-US" sz="1200" dirty="0" smtClean="0">
+                <a:solidFill>
+                  <a:schemeClr val="bg1">
+                    <a:lumMod val="85000"/>
+                  </a:schemeClr>
+                </a:solidFill>
+              </a:rPr>
+              <a:t> 같은 평상시에는 </a:t>
+            </a:r>
+            <a:r>
+              <a:rPr lang="en-US" altLang="ko-KR" sz="1200" dirty="0" smtClean="0">
+                <a:solidFill>
+                  <a:schemeClr val="bg1">
+                    <a:lumMod val="85000"/>
+                  </a:schemeClr>
+                </a:solidFill>
+              </a:rPr>
+              <a:t>3</a:t>
+            </a:r>
+            <a:r>
+              <a:rPr lang="ko-KR" altLang="en-US" sz="1200" dirty="0" smtClean="0">
+                <a:solidFill>
+                  <a:schemeClr val="bg1">
+                    <a:lumMod val="85000"/>
+                  </a:schemeClr>
+                </a:solidFill>
+              </a:rPr>
+              <a:t>인칭 시점을 사용하며</a:t>
+            </a:r>
+            <a:r>
+              <a:rPr lang="en-US" altLang="ko-KR" sz="1200" dirty="0" smtClean="0">
+                <a:solidFill>
+                  <a:schemeClr val="bg1">
+                    <a:lumMod val="85000"/>
+                  </a:schemeClr>
+                </a:solidFill>
+              </a:rPr>
+              <a:t>,</a:t>
+            </a:r>
+            <a:r>
+              <a:rPr lang="ko-KR" altLang="en-US" sz="1200" dirty="0" smtClean="0">
+                <a:solidFill>
+                  <a:schemeClr val="bg1">
+                    <a:lumMod val="85000"/>
+                  </a:schemeClr>
+                </a:solidFill>
+              </a:rPr>
+              <a:t> </a:t>
+            </a:r>
+            <a:r>
+              <a:rPr lang="ko-KR" altLang="en-US" sz="1200" dirty="0" err="1" smtClean="0">
+                <a:solidFill>
+                  <a:schemeClr val="bg1">
+                    <a:lumMod val="85000"/>
+                  </a:schemeClr>
+                </a:solidFill>
+              </a:rPr>
+              <a:t>스코프를</a:t>
+            </a:r>
+            <a:r>
+              <a:rPr lang="ko-KR" altLang="en-US" sz="1200" dirty="0" smtClean="0">
+                <a:solidFill>
+                  <a:schemeClr val="bg1">
+                    <a:lumMod val="85000"/>
+                  </a:schemeClr>
+                </a:solidFill>
+              </a:rPr>
+              <a:t> 비롯한 정조준 </a:t>
+            </a:r>
+            <a:r>
+              <a:rPr lang="ko-KR" altLang="en-US" sz="1200" dirty="0" smtClean="0">
+                <a:solidFill>
+                  <a:schemeClr val="bg1">
+                    <a:lumMod val="85000"/>
+                  </a:schemeClr>
+                </a:solidFill>
+              </a:rPr>
+              <a:t>사격 시에는 </a:t>
+            </a:r>
+            <a:r>
+              <a:rPr lang="en-US" altLang="ko-KR" sz="1200" dirty="0" smtClean="0">
+                <a:solidFill>
+                  <a:schemeClr val="bg1">
+                    <a:lumMod val="85000"/>
+                  </a:schemeClr>
+                </a:solidFill>
+              </a:rPr>
+              <a:t>1</a:t>
+            </a:r>
+            <a:r>
+              <a:rPr lang="ko-KR" altLang="en-US" sz="1200" dirty="0" smtClean="0">
+                <a:solidFill>
+                  <a:schemeClr val="bg1">
+                    <a:lumMod val="85000"/>
+                  </a:schemeClr>
+                </a:solidFill>
+              </a:rPr>
+              <a:t>인칭 시점으로 사격한다</a:t>
+            </a:r>
+            <a:r>
+              <a:rPr lang="en-US" altLang="ko-KR" sz="1200" dirty="0" smtClean="0">
+                <a:solidFill>
+                  <a:schemeClr val="bg1">
+                    <a:lumMod val="85000"/>
+                  </a:schemeClr>
+                </a:solidFill>
+              </a:rPr>
+              <a:t>. </a:t>
+            </a:r>
+            <a:r>
+              <a:rPr lang="ko-KR" altLang="en-US" sz="1200" dirty="0" smtClean="0">
+                <a:solidFill>
+                  <a:schemeClr val="bg1">
+                    <a:lumMod val="85000"/>
+                  </a:schemeClr>
+                </a:solidFill>
+              </a:rPr>
+              <a:t>그 </a:t>
+            </a:r>
+            <a:r>
+              <a:rPr lang="ko-KR" altLang="en-US" sz="1200" dirty="0" smtClean="0">
+                <a:solidFill>
+                  <a:schemeClr val="bg1">
+                    <a:lumMod val="85000"/>
+                  </a:schemeClr>
+                </a:solidFill>
+              </a:rPr>
+              <a:t>외 상황에 </a:t>
+            </a:r>
+            <a:endParaRPr lang="en-US" altLang="ko-KR" sz="1200" dirty="0" smtClean="0">
+              <a:solidFill>
+                <a:schemeClr val="bg1">
+                  <a:lumMod val="85000"/>
+                </a:schemeClr>
+              </a:solidFill>
+            </a:endParaRPr>
+          </a:p>
+          <a:p>
+            <a:r>
+              <a:rPr lang="ko-KR" altLang="en-US" sz="1200" dirty="0" smtClean="0">
+                <a:solidFill>
+                  <a:schemeClr val="bg1">
+                    <a:lumMod val="85000"/>
+                  </a:schemeClr>
+                </a:solidFill>
+              </a:rPr>
+              <a:t>따라 </a:t>
+            </a:r>
+            <a:r>
+              <a:rPr lang="ko-KR" altLang="en-US" sz="1200" dirty="0" smtClean="0">
+                <a:solidFill>
+                  <a:schemeClr val="bg1">
+                    <a:lumMod val="85000"/>
+                  </a:schemeClr>
+                </a:solidFill>
+              </a:rPr>
+              <a:t>필요하다고 판단되면 </a:t>
+            </a:r>
+            <a:r>
+              <a:rPr lang="en-US" altLang="ko-KR" sz="1200" dirty="0" smtClean="0">
+                <a:solidFill>
+                  <a:schemeClr val="bg1">
+                    <a:lumMod val="85000"/>
+                  </a:schemeClr>
+                </a:solidFill>
+              </a:rPr>
+              <a:t>1</a:t>
+            </a:r>
+            <a:r>
+              <a:rPr lang="ko-KR" altLang="en-US" sz="1200" dirty="0" smtClean="0">
+                <a:solidFill>
+                  <a:schemeClr val="bg1">
+                    <a:lumMod val="85000"/>
+                  </a:schemeClr>
+                </a:solidFill>
+              </a:rPr>
+              <a:t>인칭 시점으로 </a:t>
+            </a:r>
+            <a:r>
+              <a:rPr lang="ko-KR" altLang="en-US" sz="1200" dirty="0" smtClean="0">
+                <a:solidFill>
+                  <a:schemeClr val="bg1">
+                    <a:lumMod val="85000"/>
+                  </a:schemeClr>
+                </a:solidFill>
+              </a:rPr>
+              <a:t>변경할 </a:t>
+            </a:r>
+            <a:r>
+              <a:rPr lang="ko-KR" altLang="en-US" sz="1200" dirty="0" smtClean="0">
+                <a:solidFill>
+                  <a:schemeClr val="bg1">
+                    <a:lumMod val="85000"/>
+                  </a:schemeClr>
+                </a:solidFill>
+              </a:rPr>
+              <a:t>수 있다</a:t>
+            </a:r>
+            <a:r>
+              <a:rPr lang="en-US" altLang="ko-KR" sz="1200" dirty="0" smtClean="0">
+                <a:solidFill>
+                  <a:schemeClr val="bg1">
+                    <a:lumMod val="85000"/>
+                  </a:schemeClr>
+                </a:solidFill>
+              </a:rPr>
+              <a:t>.</a:t>
+            </a:r>
+            <a:endParaRPr lang="en-US" altLang="ko-KR" sz="1200" dirty="0" smtClean="0">
+              <a:solidFill>
+                <a:schemeClr val="bg1">
+                  <a:lumMod val="85000"/>
+                </a:schemeClr>
+              </a:solidFill>
+            </a:endParaRPr>
+          </a:p>
+        </p:txBody>
+      </p:sp>
+      <p:pic>
+        <p:nvPicPr>
+          <p:cNvPr id="3" name="그림 2"/>
+          <p:cNvPicPr>
+            <a:picLocks noChangeAspect="1"/>
+          </p:cNvPicPr>
+          <p:nvPr/>
+        </p:nvPicPr>
+        <p:blipFill>
+          <a:blip r:embed="rId2" cstate="print">
+            <a:extLst>
+              <a:ext uri="{28A0092B-C50C-407E-A947-70E740481C1C}">
+                <a14:useLocalDpi xmlns:a14="http://schemas.microsoft.com/office/drawing/2010/main" val="0"/>
+              </a:ext>
+            </a:extLst>
+          </a:blip>
+          <a:stretch>
+            <a:fillRect/>
+          </a:stretch>
+        </p:blipFill>
+        <p:spPr>
+          <a:xfrm>
+            <a:off x="491492" y="1560537"/>
+            <a:ext cx="6949756" cy="3909238"/>
+          </a:xfrm>
+          <a:prstGeom prst="rect">
+            <a:avLst/>
+          </a:prstGeom>
+        </p:spPr>
+      </p:pic>
+      <p:pic>
+        <p:nvPicPr>
+          <p:cNvPr id="4" name="그림 3"/>
+          <p:cNvPicPr>
+            <a:picLocks noChangeAspect="1"/>
+          </p:cNvPicPr>
+          <p:nvPr/>
+        </p:nvPicPr>
+        <p:blipFill>
+          <a:blip r:embed="rId3" cstate="print">
+            <a:extLst>
+              <a:ext uri="{28A0092B-C50C-407E-A947-70E740481C1C}">
+                <a14:useLocalDpi xmlns:a14="http://schemas.microsoft.com/office/drawing/2010/main" val="0"/>
+              </a:ext>
+            </a:extLst>
+          </a:blip>
+          <a:stretch>
+            <a:fillRect/>
+          </a:stretch>
+        </p:blipFill>
+        <p:spPr>
+          <a:xfrm>
+            <a:off x="7708332" y="3480778"/>
+            <a:ext cx="3964561" cy="2230066"/>
+          </a:xfrm>
+          <a:prstGeom prst="rect">
+            <a:avLst/>
+          </a:prstGeom>
+        </p:spPr>
+      </p:pic>
+      <p:sp>
+        <p:nvSpPr>
+          <p:cNvPr id="8" name="직사각형 7">
             <a:extLst>
               <a:ext uri="{FF2B5EF4-FFF2-40B4-BE49-F238E27FC236}">
-                <a16:creationId xmlns:a16="http://schemas.microsoft.com/office/drawing/2014/main" xmlns="" id="{76B5609D-62AE-4714-BDF8-6284F2967DFB}"/>
+                <a16:creationId xmlns:a16="http://schemas.microsoft.com/office/drawing/2014/main" id="{76B5609D-62AE-4714-BDF8-6284F2967DFB}"/>
               </a:ext>
             </a:extLst>
           </p:cNvPr>
@@ -15051,8 +16630,8 @@
         </p:nvSpPr>
         <p:spPr>
           <a:xfrm>
-            <a:off x="4254421" y="1846970"/>
-            <a:ext cx="1722013" cy="373885"/>
+            <a:off x="2767778" y="5549261"/>
+            <a:ext cx="2397183" cy="323165"/>
           </a:xfrm>
           <a:prstGeom prst="rect">
             <a:avLst/>
@@ -15070,16 +16649,90 @@
               </a:lnSpc>
             </a:pPr>
             <a:r>
-              <a:rPr lang="en-US" altLang="ko-KR" sz="1400" dirty="0" smtClean="0">
-                <a:solidFill>
-                  <a:prstClr val="white"/>
-                </a:solidFill>
-              </a:rPr>
-              <a:t>- IDLE</a:t>
-            </a:r>
-            <a:endParaRPr lang="en-US" altLang="ko-KR" sz="1400" dirty="0">
+              <a:rPr lang="en-US" altLang="ko-KR" sz="1000" dirty="0" smtClean="0">
+                <a:solidFill>
+                  <a:prstClr val="white">
+                    <a:lumMod val="75000"/>
+                  </a:prstClr>
+                </a:solidFill>
+              </a:rPr>
+              <a:t>&lt; 3</a:t>
+            </a:r>
+            <a:r>
+              <a:rPr lang="ko-KR" altLang="en-US" sz="1000" dirty="0" smtClean="0">
+                <a:solidFill>
+                  <a:prstClr val="white">
+                    <a:lumMod val="75000"/>
+                  </a:prstClr>
+                </a:solidFill>
+              </a:rPr>
+              <a:t>인칭</a:t>
+            </a:r>
+            <a:r>
+              <a:rPr lang="en-US" altLang="ko-KR" sz="1000" dirty="0" smtClean="0">
+                <a:solidFill>
+                  <a:prstClr val="white">
+                    <a:lumMod val="75000"/>
+                  </a:prstClr>
+                </a:solidFill>
+              </a:rPr>
+              <a:t>(TPS)</a:t>
+            </a:r>
+            <a:r>
+              <a:rPr lang="ko-KR" altLang="en-US" sz="1000" dirty="0" smtClean="0">
+                <a:solidFill>
+                  <a:prstClr val="white">
+                    <a:lumMod val="75000"/>
+                  </a:prstClr>
+                </a:solidFill>
+              </a:rPr>
+              <a:t> </a:t>
+            </a:r>
+            <a:r>
+              <a:rPr lang="en-US" altLang="ko-KR" sz="1000" dirty="0" smtClean="0">
+                <a:solidFill>
+                  <a:prstClr val="white">
+                    <a:lumMod val="75000"/>
+                  </a:prstClr>
+                </a:solidFill>
+              </a:rPr>
+              <a:t>/ </a:t>
+            </a:r>
+            <a:r>
+              <a:rPr lang="ko-KR" altLang="en-US" sz="1000" dirty="0" err="1" smtClean="0">
+                <a:solidFill>
+                  <a:prstClr val="white">
+                    <a:lumMod val="75000"/>
+                  </a:prstClr>
+                </a:solidFill>
+              </a:rPr>
+              <a:t>숄더뷰</a:t>
+            </a:r>
+            <a:r>
+              <a:rPr lang="ko-KR" altLang="en-US" sz="1000" dirty="0" smtClean="0">
+                <a:solidFill>
+                  <a:prstClr val="white">
+                    <a:lumMod val="75000"/>
+                  </a:prstClr>
+                </a:solidFill>
+              </a:rPr>
+              <a:t> 형식의 모습 </a:t>
+            </a:r>
+            <a:r>
+              <a:rPr lang="en-US" altLang="ko-KR" sz="1000" dirty="0" smtClean="0">
+                <a:solidFill>
+                  <a:prstClr val="white">
+                    <a:lumMod val="75000"/>
+                  </a:prstClr>
+                </a:solidFill>
+              </a:rPr>
+              <a:t>&gt;</a:t>
+            </a:r>
+            <a:endParaRPr lang="ko-KR" altLang="en-US" sz="1000" dirty="0">
               <a:solidFill>
-                <a:prstClr val="white"/>
+                <a:prstClr val="white">
+                  <a:lumMod val="75000"/>
+                </a:prstClr>
               </a:solidFill>
             </a:endParaRPr>
           </a:p>
@@ -15087,10 +16740,10 @@
       </p:sp>
       <p:sp>
         <p:nvSpPr>
-          <p:cNvPr id="53" name="직사각형 52">
+          <p:cNvPr id="9" name="직사각형 8">
             <a:extLst>
               <a:ext uri="{FF2B5EF4-FFF2-40B4-BE49-F238E27FC236}">
-                <a16:creationId xmlns:a16="http://schemas.microsoft.com/office/drawing/2014/main" xmlns="" id="{76B5609D-62AE-4714-BDF8-6284F2967DFB}"/>
+                <a16:creationId xmlns:a16="http://schemas.microsoft.com/office/drawing/2014/main" id="{76B5609D-62AE-4714-BDF8-6284F2967DFB}"/>
               </a:ext>
             </a:extLst>
           </p:cNvPr>
@@ -15099,8 +16752,8 @@
         </p:nvSpPr>
         <p:spPr>
           <a:xfrm>
-            <a:off x="4254421" y="2146789"/>
-            <a:ext cx="1722013" cy="373885"/>
+            <a:off x="8864446" y="5792321"/>
+            <a:ext cx="1652331" cy="323165"/>
           </a:xfrm>
           <a:prstGeom prst="rect">
             <a:avLst/>
@@ -15118,416 +16771,40 @@
               </a:lnSpc>
             </a:pPr>
             <a:r>
-              <a:rPr lang="en-US" altLang="ko-KR" sz="1400" dirty="0" smtClean="0">
-                <a:solidFill>
-                  <a:prstClr val="white"/>
-                </a:solidFill>
-              </a:rPr>
-              <a:t>- </a:t>
-            </a:r>
-            <a:r>
-              <a:rPr lang="ko-KR" altLang="en-US" sz="1400" dirty="0" err="1" smtClean="0">
-                <a:solidFill>
-                  <a:prstClr val="white"/>
-                </a:solidFill>
-              </a:rPr>
-              <a:t>견착</a:t>
-            </a:r>
-            <a:endParaRPr lang="en-US" altLang="ko-KR" sz="1400" dirty="0">
+              <a:rPr lang="en-US" altLang="ko-KR" sz="1000" dirty="0" smtClean="0">
+                <a:solidFill>
+                  <a:prstClr val="white">
+                    <a:lumMod val="75000"/>
+                  </a:prstClr>
+                </a:solidFill>
+              </a:rPr>
+              <a:t>&lt; </a:t>
+            </a:r>
+            <a:r>
+              <a:rPr lang="ko-KR" altLang="en-US" sz="1000" dirty="0" smtClean="0">
+                <a:solidFill>
+                  <a:prstClr val="white">
+                    <a:lumMod val="75000"/>
+                  </a:prstClr>
+                </a:solidFill>
+              </a:rPr>
+              <a:t>정조준 사격 시 모습 </a:t>
+            </a:r>
+            <a:r>
+              <a:rPr lang="en-US" altLang="ko-KR" sz="1000" dirty="0" smtClean="0">
+                <a:solidFill>
+                  <a:prstClr val="white">
+                    <a:lumMod val="75000"/>
+                  </a:prstClr>
+                </a:solidFill>
+              </a:rPr>
+              <a:t>&gt;</a:t>
+            </a:r>
+            <a:endParaRPr lang="ko-KR" altLang="en-US" sz="1000" dirty="0">
               <a:solidFill>
-                <a:prstClr val="white"/>
-              </a:solidFill>
-            </a:endParaRPr>
-          </a:p>
-        </p:txBody>
-      </p:sp>
-      <p:sp>
-        <p:nvSpPr>
-          <p:cNvPr id="54" name="직사각형 53">
-            <a:extLst>
-              <a:ext uri="{FF2B5EF4-FFF2-40B4-BE49-F238E27FC236}">
-                <a16:creationId xmlns:a16="http://schemas.microsoft.com/office/drawing/2014/main" xmlns="" id="{76B5609D-62AE-4714-BDF8-6284F2967DFB}"/>
-              </a:ext>
-            </a:extLst>
-          </p:cNvPr>
-          <p:cNvSpPr/>
-          <p:nvPr/>
-        </p:nvSpPr>
-        <p:spPr>
-          <a:xfrm>
-            <a:off x="4254421" y="2488221"/>
-            <a:ext cx="1056993" cy="373885"/>
-          </a:xfrm>
-          <a:prstGeom prst="rect">
-            <a:avLst/>
-          </a:prstGeom>
-        </p:spPr>
-        <p:txBody>
-          <a:bodyPr wrap="square">
-            <a:spAutoFit/>
-          </a:bodyPr>
-          <a:lstStyle/>
-          <a:p>
-            <a:pPr>
-              <a:lnSpc>
-                <a:spcPct val="150000"/>
-              </a:lnSpc>
-            </a:pPr>
-            <a:r>
-              <a:rPr lang="en-US" altLang="ko-KR" sz="1400" dirty="0" smtClean="0">
-                <a:solidFill>
-                  <a:prstClr val="white"/>
-                </a:solidFill>
-              </a:rPr>
-              <a:t>- </a:t>
-            </a:r>
-            <a:r>
-              <a:rPr lang="ko-KR" altLang="en-US" sz="1400" dirty="0" smtClean="0">
-                <a:solidFill>
-                  <a:prstClr val="white"/>
-                </a:solidFill>
-              </a:rPr>
-              <a:t>정조준</a:t>
-            </a:r>
-            <a:endParaRPr lang="en-US" altLang="ko-KR" sz="1400" dirty="0">
-              <a:solidFill>
-                <a:prstClr val="white"/>
-              </a:solidFill>
-            </a:endParaRPr>
-          </a:p>
-        </p:txBody>
-      </p:sp>
-      <p:sp>
-        <p:nvSpPr>
-          <p:cNvPr id="56" name="직사각형 55">
-            <a:extLst>
-              <a:ext uri="{FF2B5EF4-FFF2-40B4-BE49-F238E27FC236}">
-                <a16:creationId xmlns:a16="http://schemas.microsoft.com/office/drawing/2014/main" xmlns="" id="{76B5609D-62AE-4714-BDF8-6284F2967DFB}"/>
-              </a:ext>
-            </a:extLst>
-          </p:cNvPr>
-          <p:cNvSpPr/>
-          <p:nvPr/>
-        </p:nvSpPr>
-        <p:spPr>
-          <a:xfrm>
-            <a:off x="4254421" y="2829653"/>
-            <a:ext cx="1589008" cy="415498"/>
-          </a:xfrm>
-          <a:prstGeom prst="rect">
-            <a:avLst/>
-          </a:prstGeom>
-        </p:spPr>
-        <p:txBody>
-          <a:bodyPr wrap="square">
-            <a:spAutoFit/>
-          </a:bodyPr>
-          <a:lstStyle/>
-          <a:p>
-            <a:pPr>
-              <a:lnSpc>
-                <a:spcPct val="150000"/>
-              </a:lnSpc>
-            </a:pPr>
-            <a:r>
-              <a:rPr lang="en-US" altLang="ko-KR" sz="1400" dirty="0" smtClean="0">
-                <a:solidFill>
-                  <a:prstClr val="white"/>
-                </a:solidFill>
-              </a:rPr>
-              <a:t>- </a:t>
-            </a:r>
-            <a:r>
-              <a:rPr lang="ko-KR" altLang="en-US" sz="1400" dirty="0" smtClean="0">
-                <a:solidFill>
-                  <a:prstClr val="white"/>
-                </a:solidFill>
-              </a:rPr>
-              <a:t>배율</a:t>
-            </a:r>
-            <a:endParaRPr lang="en-US" altLang="ko-KR" sz="1400" dirty="0">
-              <a:solidFill>
-                <a:prstClr val="white"/>
-              </a:solidFill>
-            </a:endParaRPr>
-          </a:p>
-        </p:txBody>
-      </p:sp>
-      <p:sp>
-        <p:nvSpPr>
-          <p:cNvPr id="57" name="직사각형 56">
-            <a:extLst>
-              <a:ext uri="{FF2B5EF4-FFF2-40B4-BE49-F238E27FC236}">
-                <a16:creationId xmlns:a16="http://schemas.microsoft.com/office/drawing/2014/main" xmlns="" id="{76B5609D-62AE-4714-BDF8-6284F2967DFB}"/>
-              </a:ext>
-            </a:extLst>
-          </p:cNvPr>
-          <p:cNvSpPr/>
-          <p:nvPr/>
-        </p:nvSpPr>
-        <p:spPr>
-          <a:xfrm>
-            <a:off x="4254421" y="3171085"/>
-            <a:ext cx="1156746" cy="373885"/>
-          </a:xfrm>
-          <a:prstGeom prst="rect">
-            <a:avLst/>
-          </a:prstGeom>
-        </p:spPr>
-        <p:txBody>
-          <a:bodyPr wrap="square">
-            <a:spAutoFit/>
-          </a:bodyPr>
-          <a:lstStyle/>
-          <a:p>
-            <a:pPr>
-              <a:lnSpc>
-                <a:spcPct val="150000"/>
-              </a:lnSpc>
-            </a:pPr>
-            <a:r>
-              <a:rPr lang="en-US" altLang="ko-KR" sz="1400" dirty="0" smtClean="0">
-                <a:solidFill>
-                  <a:prstClr val="white"/>
-                </a:solidFill>
-              </a:rPr>
-              <a:t>- </a:t>
-            </a:r>
-            <a:r>
-              <a:rPr lang="ko-KR" altLang="en-US" sz="1400" dirty="0" smtClean="0">
-                <a:solidFill>
-                  <a:prstClr val="white"/>
-                </a:solidFill>
-              </a:rPr>
-              <a:t>근접 무기</a:t>
-            </a:r>
-            <a:endParaRPr lang="en-US" altLang="ko-KR" sz="1400" dirty="0">
-              <a:solidFill>
-                <a:prstClr val="white"/>
-              </a:solidFill>
-            </a:endParaRPr>
-          </a:p>
-        </p:txBody>
-      </p:sp>
-      <p:sp>
-        <p:nvSpPr>
-          <p:cNvPr id="58" name="직사각형 57">
-            <a:extLst>
-              <a:ext uri="{FF2B5EF4-FFF2-40B4-BE49-F238E27FC236}">
-                <a16:creationId xmlns:a16="http://schemas.microsoft.com/office/drawing/2014/main" xmlns="" id="{76B5609D-62AE-4714-BDF8-6284F2967DFB}"/>
-              </a:ext>
-            </a:extLst>
-          </p:cNvPr>
-          <p:cNvSpPr/>
-          <p:nvPr/>
-        </p:nvSpPr>
-        <p:spPr>
-          <a:xfrm>
-            <a:off x="4254421" y="3512517"/>
-            <a:ext cx="1321664" cy="415498"/>
-          </a:xfrm>
-          <a:prstGeom prst="rect">
-            <a:avLst/>
-          </a:prstGeom>
-        </p:spPr>
-        <p:txBody>
-          <a:bodyPr wrap="square">
-            <a:spAutoFit/>
-          </a:bodyPr>
-          <a:lstStyle/>
-          <a:p>
-            <a:pPr>
-              <a:lnSpc>
-                <a:spcPct val="150000"/>
-              </a:lnSpc>
-            </a:pPr>
-            <a:r>
-              <a:rPr lang="en-US" altLang="ko-KR" sz="1400" dirty="0" smtClean="0">
-                <a:solidFill>
-                  <a:prstClr val="white"/>
-                </a:solidFill>
-              </a:rPr>
-              <a:t>- </a:t>
-            </a:r>
-            <a:r>
-              <a:rPr lang="ko-KR" altLang="en-US" sz="1400" dirty="0" smtClean="0">
-                <a:solidFill>
-                  <a:prstClr val="white"/>
-                </a:solidFill>
-              </a:rPr>
-              <a:t>투척 무기</a:t>
-            </a:r>
-            <a:endParaRPr lang="en-US" altLang="ko-KR" sz="1400" dirty="0">
-              <a:solidFill>
-                <a:prstClr val="white"/>
-              </a:solidFill>
-            </a:endParaRPr>
-          </a:p>
-        </p:txBody>
-      </p:sp>
-      <p:sp>
-        <p:nvSpPr>
-          <p:cNvPr id="60" name="직사각형 59">
-            <a:extLst>
-              <a:ext uri="{FF2B5EF4-FFF2-40B4-BE49-F238E27FC236}">
-                <a16:creationId xmlns:a16="http://schemas.microsoft.com/office/drawing/2014/main" xmlns="" id="{76B5609D-62AE-4714-BDF8-6284F2967DFB}"/>
-              </a:ext>
-            </a:extLst>
-          </p:cNvPr>
-          <p:cNvSpPr/>
-          <p:nvPr/>
-        </p:nvSpPr>
-        <p:spPr>
-          <a:xfrm>
-            <a:off x="4254421" y="4977830"/>
-            <a:ext cx="1722013" cy="373885"/>
-          </a:xfrm>
-          <a:prstGeom prst="rect">
-            <a:avLst/>
-          </a:prstGeom>
-        </p:spPr>
-        <p:txBody>
-          <a:bodyPr wrap="square">
-            <a:spAutoFit/>
-          </a:bodyPr>
-          <a:lstStyle/>
-          <a:p>
-            <a:pPr>
-              <a:lnSpc>
-                <a:spcPct val="150000"/>
-              </a:lnSpc>
-            </a:pPr>
-            <a:r>
-              <a:rPr lang="en-US" altLang="ko-KR" sz="1400" dirty="0" smtClean="0">
-                <a:solidFill>
-                  <a:prstClr val="white"/>
-                </a:solidFill>
-              </a:rPr>
-              <a:t>- </a:t>
-            </a:r>
-            <a:r>
-              <a:rPr lang="ko-KR" altLang="en-US" sz="1400" dirty="0" smtClean="0">
-                <a:solidFill>
-                  <a:prstClr val="white"/>
-                </a:solidFill>
-              </a:rPr>
-              <a:t>킬</a:t>
-            </a:r>
-            <a:endParaRPr lang="en-US" altLang="ko-KR" sz="1400" dirty="0">
-              <a:solidFill>
-                <a:prstClr val="white"/>
-              </a:solidFill>
-            </a:endParaRPr>
-          </a:p>
-        </p:txBody>
-      </p:sp>
-      <p:sp>
-        <p:nvSpPr>
-          <p:cNvPr id="61" name="직사각형 60">
-            <a:extLst>
-              <a:ext uri="{FF2B5EF4-FFF2-40B4-BE49-F238E27FC236}">
-                <a16:creationId xmlns:a16="http://schemas.microsoft.com/office/drawing/2014/main" xmlns="" id="{76B5609D-62AE-4714-BDF8-6284F2967DFB}"/>
-              </a:ext>
-            </a:extLst>
-          </p:cNvPr>
-          <p:cNvSpPr/>
-          <p:nvPr/>
-        </p:nvSpPr>
-        <p:spPr>
-          <a:xfrm>
-            <a:off x="4254421" y="5294275"/>
-            <a:ext cx="1722013" cy="373885"/>
-          </a:xfrm>
-          <a:prstGeom prst="rect">
-            <a:avLst/>
-          </a:prstGeom>
-        </p:spPr>
-        <p:txBody>
-          <a:bodyPr wrap="square">
-            <a:spAutoFit/>
-          </a:bodyPr>
-          <a:lstStyle/>
-          <a:p>
-            <a:pPr>
-              <a:lnSpc>
-                <a:spcPct val="150000"/>
-              </a:lnSpc>
-            </a:pPr>
-            <a:r>
-              <a:rPr lang="en-US" altLang="ko-KR" sz="1400" dirty="0" smtClean="0">
-                <a:solidFill>
-                  <a:prstClr val="white"/>
-                </a:solidFill>
-              </a:rPr>
-              <a:t>- </a:t>
-            </a:r>
-            <a:r>
-              <a:rPr lang="ko-KR" altLang="en-US" sz="1400" dirty="0" smtClean="0">
-                <a:solidFill>
-                  <a:prstClr val="white"/>
-                </a:solidFill>
-              </a:rPr>
-              <a:t>기절</a:t>
-            </a:r>
-            <a:endParaRPr lang="en-US" altLang="ko-KR" sz="1400" dirty="0">
-              <a:solidFill>
-                <a:prstClr val="white"/>
-              </a:solidFill>
-            </a:endParaRPr>
-          </a:p>
-        </p:txBody>
-      </p:sp>
-      <p:sp>
-        <p:nvSpPr>
-          <p:cNvPr id="25" name="직사각형 24">
-            <a:extLst>
-              <a:ext uri="{FF2B5EF4-FFF2-40B4-BE49-F238E27FC236}">
-                <a16:creationId xmlns:a16="http://schemas.microsoft.com/office/drawing/2014/main" xmlns="" id="{76B5609D-62AE-4714-BDF8-6284F2967DFB}"/>
-              </a:ext>
-            </a:extLst>
-          </p:cNvPr>
-          <p:cNvSpPr/>
-          <p:nvPr/>
-        </p:nvSpPr>
-        <p:spPr>
-          <a:xfrm>
-            <a:off x="4254421" y="5651534"/>
-            <a:ext cx="1722013" cy="373885"/>
-          </a:xfrm>
-          <a:prstGeom prst="rect">
-            <a:avLst/>
-          </a:prstGeom>
-        </p:spPr>
-        <p:txBody>
-          <a:bodyPr wrap="square">
-            <a:spAutoFit/>
-          </a:bodyPr>
-          <a:lstStyle/>
-          <a:p>
-            <a:pPr>
-              <a:lnSpc>
-                <a:spcPct val="150000"/>
-              </a:lnSpc>
-            </a:pPr>
-            <a:r>
-              <a:rPr lang="en-US" altLang="ko-KR" sz="1400" dirty="0" smtClean="0">
-                <a:solidFill>
-                  <a:prstClr val="white"/>
-                </a:solidFill>
-              </a:rPr>
-              <a:t>- </a:t>
-            </a:r>
-            <a:r>
-              <a:rPr lang="ko-KR" altLang="en-US" sz="1400" dirty="0" smtClean="0">
-                <a:solidFill>
-                  <a:prstClr val="white"/>
-                </a:solidFill>
-              </a:rPr>
-              <a:t>사망</a:t>
-            </a:r>
-            <a:endParaRPr lang="en-US" altLang="ko-KR" sz="1400" dirty="0">
-              <a:solidFill>
-                <a:prstClr val="white"/>
+                <a:prstClr val="white">
+                  <a:lumMod val="75000"/>
+                </a:prstClr>
               </a:solidFill>
             </a:endParaRPr>
           </a:p>
@@ -15536,7 +16813,7 @@
     </p:spTree>
     <p:extLst>
       <p:ext uri="{BB962C8B-B14F-4D97-AF65-F5344CB8AC3E}">
-        <p14:creationId xmlns:p14="http://schemas.microsoft.com/office/powerpoint/2010/main" val="1612221728"/>
+        <p14:creationId xmlns:p14="http://schemas.microsoft.com/office/powerpoint/2010/main" val="1047911778"/>
       </p:ext>
     </p:extLst>
   </p:cSld>
@@ -15585,7 +16862,7 @@
           <p:cNvPr id="40" name="사각형: 둥근 모서리 39">
             <a:extLst>
               <a:ext uri="{FF2B5EF4-FFF2-40B4-BE49-F238E27FC236}">
-                <a16:creationId xmlns:a16="http://schemas.microsoft.com/office/drawing/2014/main" xmlns="" id="{DEB48728-12FA-4B10-82E6-7899DDCA2731}"/>
+                <a16:creationId xmlns:a16="http://schemas.microsoft.com/office/drawing/2014/main" id="{DEB48728-12FA-4B10-82E6-7899DDCA2731}"/>
               </a:ext>
             </a:extLst>
           </p:cNvPr>
@@ -15595,7 +16872,7 @@
         <p:spPr>
           <a:xfrm>
             <a:off x="491492" y="504093"/>
-            <a:ext cx="2033994" cy="585286"/>
+            <a:ext cx="1270806" cy="585286"/>
           </a:xfrm>
           <a:prstGeom prst="roundRect">
             <a:avLst>
@@ -15635,14 +16912,6 @@
               </a:lnSpc>
             </a:pPr>
             <a:r>
-              <a:rPr lang="ko-KR" altLang="en-US" sz="2400" b="1" smtClean="0">
-                <a:solidFill>
-                  <a:prstClr val="white"/>
-                </a:solidFill>
-              </a:rPr>
-              <a:t>공통적 </a:t>
-            </a:r>
-            <a:r>
               <a:rPr lang="ko-KR" altLang="en-US" sz="2400" b="1" dirty="0" smtClean="0">
                 <a:solidFill>
                   <a:prstClr val="white"/>
@@ -15665,7 +16934,7 @@
           <p:cNvPr id="43" name="직사각형 42">
             <a:extLst>
               <a:ext uri="{FF2B5EF4-FFF2-40B4-BE49-F238E27FC236}">
-                <a16:creationId xmlns:a16="http://schemas.microsoft.com/office/drawing/2014/main" xmlns="" id="{32B56811-2E7B-4FBF-99CB-4CECF20A9AC0}"/>
+                <a16:creationId xmlns:a16="http://schemas.microsoft.com/office/drawing/2014/main" id="{32B56811-2E7B-4FBF-99CB-4CECF20A9AC0}"/>
               </a:ext>
             </a:extLst>
           </p:cNvPr>
@@ -15762,8 +17031,8 @@
         </p:nvSpPr>
         <p:spPr>
           <a:xfrm>
-            <a:off x="1508489" y="1120736"/>
-            <a:ext cx="9274628" cy="5439720"/>
+            <a:off x="7697151" y="1579829"/>
+            <a:ext cx="4063971" cy="1296375"/>
           </a:xfrm>
           <a:prstGeom prst="rect">
             <a:avLst/>
@@ -15800,6 +17069,16 @@
           <a:lstStyle/>
           <a:p>
             <a:r>
+              <a:rPr lang="en-US" altLang="ko-KR" sz="1200" dirty="0" smtClean="0">
+                <a:solidFill>
+                  <a:schemeClr val="bg1">
+                    <a:lumMod val="85000"/>
+                  </a:schemeClr>
+                </a:solidFill>
+              </a:rPr>
+              <a:t>UI</a:t>
+            </a:r>
+            <a:r>
               <a:rPr lang="ko-KR" altLang="en-US" sz="1200" dirty="0" smtClean="0">
                 <a:solidFill>
                   <a:schemeClr val="bg1">
@@ -15807,37 +17086,15 @@
                   </a:schemeClr>
                 </a:solidFill>
               </a:rPr>
-              <a:t>시점 </a:t>
-            </a:r>
-            <a:r>
-              <a:rPr lang="en-US" altLang="ko-KR" sz="1200" dirty="0" smtClean="0">
-                <a:solidFill>
-                  <a:schemeClr val="bg1">
-                    <a:lumMod val="85000"/>
-                  </a:schemeClr>
-                </a:solidFill>
-              </a:rPr>
-              <a:t>: 3</a:t>
+              <a:t>가 전체적으로 옅은 </a:t>
             </a:r>
             <a:r>
               <a:rPr lang="ko-KR" altLang="en-US" sz="1200" dirty="0" smtClean="0">
                 <a:solidFill>
-                  <a:schemeClr val="bg1">
-                    <a:lumMod val="85000"/>
-                  </a:schemeClr>
-                </a:solidFill>
-              </a:rPr>
-              <a:t>인칭</a:t>
-            </a:r>
-            <a:r>
-              <a:rPr lang="en-US" altLang="ko-KR" sz="1200" dirty="0" smtClean="0">
-                <a:solidFill>
-                  <a:schemeClr val="bg1">
-                    <a:lumMod val="85000"/>
-                  </a:schemeClr>
-                </a:solidFill>
-              </a:rPr>
-              <a:t>(</a:t>
+                  <a:schemeClr val="accent4"/>
+                </a:solidFill>
+              </a:rPr>
+              <a:t>무채색</a:t>
             </a:r>
             <a:r>
               <a:rPr lang="ko-KR" altLang="en-US" sz="1200" dirty="0" smtClean="0">
@@ -15847,17 +17104,7 @@
                   </a:schemeClr>
                 </a:solidFill>
               </a:rPr>
-              <a:t>기본</a:t>
-            </a:r>
-            <a:r>
-              <a:rPr lang="en-US" altLang="ko-KR" sz="1200" dirty="0" smtClean="0">
-                <a:solidFill>
-                  <a:schemeClr val="bg1">
-                    <a:lumMod val="85000"/>
-                  </a:schemeClr>
-                </a:solidFill>
-              </a:rPr>
-              <a:t>) / 1</a:t>
+              <a:t>을 </a:t>
             </a:r>
             <a:r>
               <a:rPr lang="ko-KR" altLang="en-US" sz="1200" dirty="0" smtClean="0">
@@ -15867,7 +17114,17 @@
                   </a:schemeClr>
                 </a:solidFill>
               </a:rPr>
-              <a:t>인칭</a:t>
+              <a:t>기본으로 </a:t>
+            </a:r>
+            <a:r>
+              <a:rPr lang="ko-KR" altLang="en-US" sz="1200" dirty="0" smtClean="0">
+                <a:solidFill>
+                  <a:schemeClr val="bg1">
+                    <a:lumMod val="85000"/>
+                  </a:schemeClr>
+                </a:solidFill>
+              </a:rPr>
+              <a:t>한 색상에</a:t>
             </a:r>
             <a:endParaRPr lang="en-US" altLang="ko-KR" sz="1200" dirty="0" smtClean="0">
               <a:solidFill>
@@ -15879,6 +17136,62 @@
           </a:p>
           <a:p>
             <a:r>
+              <a:rPr lang="ko-KR" altLang="en-US" sz="1200" dirty="0" smtClean="0">
+                <a:solidFill>
+                  <a:schemeClr val="accent4"/>
+                </a:solidFill>
+              </a:rPr>
+              <a:t>윤곽선이 </a:t>
+            </a:r>
+            <a:r>
+              <a:rPr lang="ko-KR" altLang="en-US" sz="1200" dirty="0" smtClean="0">
+                <a:solidFill>
+                  <a:schemeClr val="accent4"/>
+                </a:solidFill>
+              </a:rPr>
+              <a:t>없고 단조로운</a:t>
+            </a:r>
+            <a:r>
+              <a:rPr lang="ko-KR" altLang="en-US" sz="1200" dirty="0" smtClean="0">
+                <a:solidFill>
+                  <a:schemeClr val="bg1">
+                    <a:lumMod val="85000"/>
+                  </a:schemeClr>
+                </a:solidFill>
+              </a:rPr>
+              <a:t> </a:t>
+            </a:r>
+            <a:r>
+              <a:rPr lang="ko-KR" altLang="en-US" sz="1200" dirty="0" smtClean="0">
+                <a:solidFill>
+                  <a:schemeClr val="bg1">
+                    <a:lumMod val="85000"/>
+                  </a:schemeClr>
+                </a:solidFill>
+              </a:rPr>
+              <a:t>디자인</a:t>
+            </a:r>
+            <a:r>
+              <a:rPr lang="ko-KR" altLang="en-US" sz="1200" dirty="0" smtClean="0">
+                <a:solidFill>
+                  <a:schemeClr val="bg1">
+                    <a:lumMod val="85000"/>
+                  </a:schemeClr>
+                </a:solidFill>
+              </a:rPr>
+              <a:t>이다</a:t>
+            </a:r>
+            <a:r>
+              <a:rPr lang="en-US" altLang="ko-KR" sz="1200" dirty="0" smtClean="0">
+                <a:solidFill>
+                  <a:schemeClr val="bg1">
+                    <a:lumMod val="85000"/>
+                  </a:schemeClr>
+                </a:solidFill>
+              </a:rPr>
+              <a:t>. </a:t>
+            </a:r>
+            <a:r>
               <a:rPr lang="ko-KR" altLang="en-US" sz="1200" dirty="0" err="1" smtClean="0">
                 <a:solidFill>
                   <a:schemeClr val="bg1">
@@ -15886,7 +17199,7 @@
                   </a:schemeClr>
                 </a:solidFill>
               </a:rPr>
-              <a:t>배그는</a:t>
+              <a:t>미니맵을</a:t>
             </a:r>
             <a:r>
               <a:rPr lang="ko-KR" altLang="en-US" sz="1200" dirty="0" smtClean="0">
@@ -15896,286 +17209,8 @@
                   </a:schemeClr>
                 </a:solidFill>
               </a:rPr>
-              <a:t> 기본적으로 </a:t>
-            </a:r>
-            <a:r>
-              <a:rPr lang="en-US" altLang="ko-KR" sz="1200" dirty="0" smtClean="0">
-                <a:solidFill>
-                  <a:schemeClr val="bg1">
-                    <a:lumMod val="85000"/>
-                  </a:schemeClr>
-                </a:solidFill>
-              </a:rPr>
-              <a:t>3</a:t>
-            </a:r>
-            <a:r>
-              <a:rPr lang="ko-KR" altLang="en-US" sz="1200" dirty="0" smtClean="0">
-                <a:solidFill>
-                  <a:schemeClr val="bg1">
-                    <a:lumMod val="85000"/>
-                  </a:schemeClr>
-                </a:solidFill>
-              </a:rPr>
-              <a:t>인칭 시점</a:t>
-            </a:r>
-            <a:r>
-              <a:rPr lang="en-US" altLang="ko-KR" sz="1200" dirty="0" smtClean="0">
-                <a:solidFill>
-                  <a:schemeClr val="bg1">
-                    <a:lumMod val="85000"/>
-                  </a:schemeClr>
-                </a:solidFill>
-              </a:rPr>
-              <a:t>, </a:t>
-            </a:r>
-            <a:r>
-              <a:rPr lang="ko-KR" altLang="en-US" sz="1200" dirty="0" smtClean="0">
-                <a:solidFill>
-                  <a:schemeClr val="bg1">
-                    <a:lumMod val="85000"/>
-                  </a:schemeClr>
-                </a:solidFill>
-              </a:rPr>
-              <a:t>더 자세하게는 </a:t>
-            </a:r>
-            <a:r>
-              <a:rPr lang="ko-KR" altLang="en-US" sz="1200" dirty="0" err="1" smtClean="0">
-                <a:solidFill>
-                  <a:schemeClr val="bg1">
-                    <a:lumMod val="85000"/>
-                  </a:schemeClr>
-                </a:solidFill>
-              </a:rPr>
-              <a:t>숄더뷰</a:t>
-            </a:r>
-            <a:r>
-              <a:rPr lang="ko-KR" altLang="en-US" sz="1200" dirty="0" smtClean="0">
-                <a:solidFill>
-                  <a:schemeClr val="bg1">
-                    <a:lumMod val="85000"/>
-                  </a:schemeClr>
-                </a:solidFill>
-              </a:rPr>
-              <a:t> 형식을 채용하고 있다</a:t>
-            </a:r>
-            <a:r>
-              <a:rPr lang="en-US" altLang="ko-KR" sz="1200" dirty="0" smtClean="0">
-                <a:solidFill>
-                  <a:schemeClr val="bg1">
-                    <a:lumMod val="85000"/>
-                  </a:schemeClr>
-                </a:solidFill>
-              </a:rPr>
-              <a:t>.</a:t>
-            </a:r>
-          </a:p>
-          <a:p>
-            <a:r>
-              <a:rPr lang="ko-KR" altLang="en-US" sz="1200" dirty="0" smtClean="0">
-                <a:solidFill>
-                  <a:schemeClr val="bg1">
-                    <a:lumMod val="85000"/>
-                  </a:schemeClr>
-                </a:solidFill>
-              </a:rPr>
-              <a:t>평소에는 </a:t>
-            </a:r>
-            <a:r>
-              <a:rPr lang="ko-KR" altLang="en-US" sz="1200" dirty="0" err="1" smtClean="0">
-                <a:solidFill>
-                  <a:schemeClr val="bg1">
-                    <a:lumMod val="85000"/>
-                  </a:schemeClr>
-                </a:solidFill>
-              </a:rPr>
-              <a:t>색적</a:t>
-            </a:r>
-            <a:r>
-              <a:rPr lang="en-US" altLang="ko-KR" sz="1200" dirty="0" smtClean="0">
-                <a:solidFill>
-                  <a:schemeClr val="bg1">
-                    <a:lumMod val="85000"/>
-                  </a:schemeClr>
-                </a:solidFill>
-              </a:rPr>
-              <a:t>, </a:t>
-            </a:r>
-            <a:r>
-              <a:rPr lang="ko-KR" altLang="en-US" sz="1200" dirty="0" smtClean="0">
-                <a:solidFill>
-                  <a:schemeClr val="bg1">
-                    <a:lumMod val="85000"/>
-                  </a:schemeClr>
-                </a:solidFill>
-              </a:rPr>
-              <a:t>정보 습득</a:t>
-            </a:r>
-            <a:r>
-              <a:rPr lang="en-US" altLang="ko-KR" sz="1200" dirty="0" smtClean="0">
-                <a:solidFill>
-                  <a:schemeClr val="bg1">
-                    <a:lumMod val="85000"/>
-                  </a:schemeClr>
-                </a:solidFill>
-              </a:rPr>
-              <a:t>, </a:t>
-            </a:r>
-            <a:r>
-              <a:rPr lang="ko-KR" altLang="en-US" sz="1200" dirty="0" smtClean="0">
-                <a:solidFill>
-                  <a:schemeClr val="bg1">
-                    <a:lumMod val="85000"/>
-                  </a:schemeClr>
-                </a:solidFill>
-              </a:rPr>
-              <a:t>아이템 </a:t>
-            </a:r>
-            <a:r>
-              <a:rPr lang="ko-KR" altLang="en-US" sz="1200" dirty="0" err="1" smtClean="0">
-                <a:solidFill>
-                  <a:schemeClr val="bg1">
-                    <a:lumMod val="85000"/>
-                  </a:schemeClr>
-                </a:solidFill>
-              </a:rPr>
-              <a:t>파밍</a:t>
-            </a:r>
-            <a:r>
-              <a:rPr lang="ko-KR" altLang="en-US" sz="1200" dirty="0" smtClean="0">
-                <a:solidFill>
-                  <a:schemeClr val="bg1">
-                    <a:lumMod val="85000"/>
-                  </a:schemeClr>
-                </a:solidFill>
-              </a:rPr>
-              <a:t> 등을 위해 </a:t>
-            </a:r>
-            <a:r>
-              <a:rPr lang="en-US" altLang="ko-KR" sz="1200" dirty="0" smtClean="0">
-                <a:solidFill>
-                  <a:schemeClr val="bg1">
-                    <a:lumMod val="85000"/>
-                  </a:schemeClr>
-                </a:solidFill>
-              </a:rPr>
-              <a:t>3</a:t>
-            </a:r>
-            <a:r>
-              <a:rPr lang="ko-KR" altLang="en-US" sz="1200" dirty="0" smtClean="0">
-                <a:solidFill>
-                  <a:schemeClr val="bg1">
-                    <a:lumMod val="85000"/>
-                  </a:schemeClr>
-                </a:solidFill>
-              </a:rPr>
-              <a:t>인칭 시점을 사용한다</a:t>
-            </a:r>
-            <a:r>
-              <a:rPr lang="en-US" altLang="ko-KR" sz="1200" dirty="0" smtClean="0">
-                <a:solidFill>
-                  <a:schemeClr val="bg1">
-                    <a:lumMod val="85000"/>
-                  </a:schemeClr>
-                </a:solidFill>
-              </a:rPr>
-              <a:t>.</a:t>
-            </a:r>
-          </a:p>
-          <a:p>
-            <a:r>
-              <a:rPr lang="ko-KR" altLang="en-US" sz="1200" dirty="0" err="1" smtClean="0">
-                <a:solidFill>
-                  <a:schemeClr val="bg1">
-                    <a:lumMod val="85000"/>
-                  </a:schemeClr>
-                </a:solidFill>
-              </a:rPr>
-              <a:t>스코프를</a:t>
-            </a:r>
-            <a:r>
-              <a:rPr lang="ko-KR" altLang="en-US" sz="1200" dirty="0" smtClean="0">
-                <a:solidFill>
-                  <a:schemeClr val="bg1">
-                    <a:lumMod val="85000"/>
-                  </a:schemeClr>
-                </a:solidFill>
-              </a:rPr>
-              <a:t> 활용한 정조준 사격 시에는 </a:t>
-            </a:r>
-            <a:r>
-              <a:rPr lang="en-US" altLang="ko-KR" sz="1200" dirty="0" smtClean="0">
-                <a:solidFill>
-                  <a:schemeClr val="bg1">
-                    <a:lumMod val="85000"/>
-                  </a:schemeClr>
-                </a:solidFill>
-              </a:rPr>
-              <a:t>1</a:t>
-            </a:r>
-            <a:r>
-              <a:rPr lang="ko-KR" altLang="en-US" sz="1200" dirty="0" smtClean="0">
-                <a:solidFill>
-                  <a:schemeClr val="bg1">
-                    <a:lumMod val="85000"/>
-                  </a:schemeClr>
-                </a:solidFill>
-              </a:rPr>
-              <a:t>인칭 시점으로 사격한다</a:t>
-            </a:r>
-            <a:r>
-              <a:rPr lang="en-US" altLang="ko-KR" sz="1200" dirty="0" smtClean="0">
-                <a:solidFill>
-                  <a:schemeClr val="bg1">
-                    <a:lumMod val="85000"/>
-                  </a:schemeClr>
-                </a:solidFill>
-              </a:rPr>
-              <a:t>.</a:t>
-            </a:r>
-          </a:p>
-          <a:p>
-            <a:r>
-              <a:rPr lang="ko-KR" altLang="en-US" sz="1200" dirty="0" smtClean="0">
-                <a:solidFill>
-                  <a:schemeClr val="bg1">
-                    <a:lumMod val="85000"/>
-                  </a:schemeClr>
-                </a:solidFill>
-              </a:rPr>
-              <a:t>그 외 상황에 따라 필요하다고 판단되면 </a:t>
-            </a:r>
-            <a:r>
-              <a:rPr lang="en-US" altLang="ko-KR" sz="1200" dirty="0" smtClean="0">
-                <a:solidFill>
-                  <a:schemeClr val="bg1">
-                    <a:lumMod val="85000"/>
-                  </a:schemeClr>
-                </a:solidFill>
-              </a:rPr>
-              <a:t>1</a:t>
-            </a:r>
-            <a:r>
-              <a:rPr lang="ko-KR" altLang="en-US" sz="1200" dirty="0" smtClean="0">
-                <a:solidFill>
-                  <a:schemeClr val="bg1">
-                    <a:lumMod val="85000"/>
-                  </a:schemeClr>
-                </a:solidFill>
-              </a:rPr>
-              <a:t>인칭 시점으로 변경할 수 있다</a:t>
-            </a:r>
-            <a:r>
-              <a:rPr lang="en-US" altLang="ko-KR" sz="1200" dirty="0" smtClean="0">
-                <a:solidFill>
-                  <a:schemeClr val="bg1">
-                    <a:lumMod val="85000"/>
-                  </a:schemeClr>
-                </a:solidFill>
-              </a:rPr>
-              <a:t>.</a:t>
-            </a:r>
-          </a:p>
-          <a:p>
+              <a:t> 제외한</a:t>
+            </a:r>
             <a:endParaRPr lang="en-US" altLang="ko-KR" sz="1200" dirty="0" smtClean="0">
               <a:solidFill>
                 <a:schemeClr val="bg1">
@@ -16186,6 +17221,16 @@
           </a:p>
           <a:p>
             <a:r>
+              <a:rPr lang="ko-KR" altLang="en-US" sz="1200" dirty="0" smtClean="0">
+                <a:solidFill>
+                  <a:schemeClr val="bg1">
+                    <a:lumMod val="85000"/>
+                  </a:schemeClr>
+                </a:solidFill>
+              </a:rPr>
+              <a:t>모든 </a:t>
+            </a:r>
+            <a:r>
               <a:rPr lang="en-US" altLang="ko-KR" sz="1200" dirty="0" smtClean="0">
                 <a:solidFill>
                   <a:schemeClr val="bg1">
@@ -16193,7 +17238,7 @@
                   </a:schemeClr>
                 </a:solidFill>
               </a:rPr>
-              <a:t>3</a:t>
+              <a:t>UI</a:t>
             </a:r>
             <a:r>
               <a:rPr lang="ko-KR" altLang="en-US" sz="1200" dirty="0" smtClean="0">
@@ -16203,36 +17248,15 @@
                   </a:schemeClr>
                 </a:solidFill>
               </a:rPr>
-              <a:t>인칭 시점을 사용했을 때의 변화</a:t>
-            </a:r>
-            <a:endParaRPr lang="en-US" altLang="ko-KR" sz="1200" dirty="0">
-              <a:solidFill>
-                <a:schemeClr val="bg1">
-                  <a:lumMod val="85000"/>
-                </a:schemeClr>
-              </a:solidFill>
-            </a:endParaRPr>
-          </a:p>
-          <a:p>
+              <a:t>의 투명도를 </a:t>
+            </a:r>
             <a:r>
               <a:rPr lang="ko-KR" altLang="en-US" sz="1200" dirty="0" smtClean="0">
                 <a:solidFill>
-                  <a:schemeClr val="bg1">
-                    <a:lumMod val="85000"/>
-                  </a:schemeClr>
-                </a:solidFill>
-              </a:rPr>
-              <a:t>시야 각이 넓어져 화면을 더 넓게 볼 수 있다</a:t>
-            </a:r>
-            <a:r>
-              <a:rPr lang="en-US" altLang="ko-KR" sz="1200" dirty="0" smtClean="0">
-                <a:solidFill>
-                  <a:schemeClr val="bg1">
-                    <a:lumMod val="85000"/>
-                  </a:schemeClr>
-                </a:solidFill>
-              </a:rPr>
-              <a:t>, </a:t>
+                  <a:schemeClr val="accent4"/>
+                </a:solidFill>
+              </a:rPr>
+              <a:t>반투명</a:t>
             </a:r>
             <a:r>
               <a:rPr lang="ko-KR" altLang="en-US" sz="1200" dirty="0" smtClean="0">
@@ -16242,17 +17266,17 @@
                   </a:schemeClr>
                 </a:solidFill>
               </a:rPr>
-              <a:t>때문에 화면에 </a:t>
-            </a:r>
-            <a:r>
-              <a:rPr lang="en-US" altLang="ko-KR" sz="1200" dirty="0" smtClean="0">
-                <a:solidFill>
-                  <a:schemeClr val="bg1">
-                    <a:lumMod val="85000"/>
-                  </a:schemeClr>
-                </a:solidFill>
-              </a:rPr>
-              <a:t>UI</a:t>
+              <a:t>하게 설정하여 </a:t>
+            </a:r>
+            <a:r>
+              <a:rPr lang="ko-KR" altLang="en-US" sz="1200" dirty="0" err="1" smtClean="0">
+                <a:solidFill>
+                  <a:schemeClr val="bg1">
+                    <a:lumMod val="85000"/>
+                  </a:schemeClr>
+                </a:solidFill>
+              </a:rPr>
+              <a:t>뒷배경을</a:t>
             </a:r>
             <a:r>
               <a:rPr lang="ko-KR" altLang="en-US" sz="1200" dirty="0" smtClean="0">
@@ -16262,191 +17286,7 @@
                   </a:schemeClr>
                 </a:solidFill>
               </a:rPr>
-              <a:t>를 표현해도 시야에 큰 부담이 가지 않는다</a:t>
-            </a:r>
-            <a:r>
-              <a:rPr lang="en-US" altLang="ko-KR" sz="1200" dirty="0" smtClean="0">
-                <a:solidFill>
-                  <a:schemeClr val="bg1">
-                    <a:lumMod val="85000"/>
-                  </a:schemeClr>
-                </a:solidFill>
-              </a:rPr>
-              <a:t>.</a:t>
-            </a:r>
-          </a:p>
-          <a:p>
-            <a:r>
-              <a:rPr lang="ko-KR" altLang="en-US" sz="1200" dirty="0" smtClean="0">
-                <a:solidFill>
-                  <a:schemeClr val="bg1">
-                    <a:lumMod val="85000"/>
-                  </a:schemeClr>
-                </a:solidFill>
-              </a:rPr>
-              <a:t>시야 고도가 높아지고 그만큼 전장의 정보를 더 많이 획득하고 분석할 수 있다</a:t>
-            </a:r>
-            <a:r>
-              <a:rPr lang="en-US" altLang="ko-KR" sz="1200" dirty="0" smtClean="0">
-                <a:solidFill>
-                  <a:schemeClr val="bg1">
-                    <a:lumMod val="85000"/>
-                  </a:schemeClr>
-                </a:solidFill>
-              </a:rPr>
-              <a:t>, </a:t>
-            </a:r>
-            <a:r>
-              <a:rPr lang="ko-KR" altLang="en-US" sz="1200" dirty="0" smtClean="0">
-                <a:solidFill>
-                  <a:schemeClr val="bg1">
-                    <a:lumMod val="85000"/>
-                  </a:schemeClr>
-                </a:solidFill>
-              </a:rPr>
-              <a:t>난이도 하락</a:t>
-            </a:r>
-            <a:endParaRPr lang="en-US" altLang="ko-KR" sz="1200" dirty="0">
-              <a:solidFill>
-                <a:schemeClr val="bg1">
-                  <a:lumMod val="85000"/>
-                </a:schemeClr>
-              </a:solidFill>
-            </a:endParaRPr>
-          </a:p>
-          <a:p>
-            <a:r>
-              <a:rPr lang="ko-KR" altLang="en-US" sz="1200" dirty="0" smtClean="0">
-                <a:solidFill>
-                  <a:schemeClr val="bg1">
-                    <a:lumMod val="85000"/>
-                  </a:schemeClr>
-                </a:solidFill>
-              </a:rPr>
-              <a:t>캐릭터 주위 환경을 볼 수 있다</a:t>
-            </a:r>
-            <a:r>
-              <a:rPr lang="en-US" altLang="ko-KR" sz="1200" dirty="0" smtClean="0">
-                <a:solidFill>
-                  <a:schemeClr val="bg1">
-                    <a:lumMod val="85000"/>
-                  </a:schemeClr>
-                </a:solidFill>
-              </a:rPr>
-              <a:t>, </a:t>
-            </a:r>
-            <a:r>
-              <a:rPr lang="ko-KR" altLang="en-US" sz="1200" dirty="0" smtClean="0">
-                <a:solidFill>
-                  <a:schemeClr val="bg1">
-                    <a:lumMod val="85000"/>
-                  </a:schemeClr>
-                </a:solidFill>
-              </a:rPr>
-              <a:t>이 점을 활용해 장애물 너머의 존재를 확인하는 전략적 플레이가 가능하다</a:t>
-            </a:r>
-            <a:r>
-              <a:rPr lang="en-US" altLang="ko-KR" sz="1200" dirty="0" smtClean="0">
-                <a:solidFill>
-                  <a:schemeClr val="bg1">
-                    <a:lumMod val="85000"/>
-                  </a:schemeClr>
-                </a:solidFill>
-              </a:rPr>
-              <a:t>.</a:t>
-            </a:r>
-          </a:p>
-          <a:p>
-            <a:r>
-              <a:rPr lang="ko-KR" altLang="en-US" sz="1200" dirty="0" smtClean="0">
-                <a:solidFill>
-                  <a:schemeClr val="bg1">
-                    <a:lumMod val="85000"/>
-                  </a:schemeClr>
-                </a:solidFill>
-              </a:rPr>
-              <a:t>이러한 점들 덕분에 </a:t>
-            </a:r>
-            <a:r>
-              <a:rPr lang="en-US" altLang="ko-KR" sz="1200" dirty="0" smtClean="0">
-                <a:solidFill>
-                  <a:schemeClr val="bg1">
-                    <a:lumMod val="85000"/>
-                  </a:schemeClr>
-                </a:solidFill>
-              </a:rPr>
-              <a:t>FPS </a:t>
-            </a:r>
-            <a:r>
-              <a:rPr lang="ko-KR" altLang="en-US" sz="1200" dirty="0" smtClean="0">
-                <a:solidFill>
-                  <a:schemeClr val="bg1">
-                    <a:lumMod val="85000"/>
-                  </a:schemeClr>
-                </a:solidFill>
-              </a:rPr>
-              <a:t>환경보다 </a:t>
-            </a:r>
-            <a:r>
-              <a:rPr lang="en-US" altLang="ko-KR" sz="1200" dirty="0" smtClean="0">
-                <a:solidFill>
-                  <a:schemeClr val="bg1">
-                    <a:lumMod val="85000"/>
-                  </a:schemeClr>
-                </a:solidFill>
-              </a:rPr>
-              <a:t>TPS </a:t>
-            </a:r>
-            <a:r>
-              <a:rPr lang="ko-KR" altLang="en-US" sz="1200" dirty="0" smtClean="0">
-                <a:solidFill>
-                  <a:schemeClr val="bg1">
-                    <a:lumMod val="85000"/>
-                  </a:schemeClr>
-                </a:solidFill>
-              </a:rPr>
-              <a:t>환경이 체감 난이도가 낮다</a:t>
-            </a:r>
-            <a:r>
-              <a:rPr lang="en-US" altLang="ko-KR" sz="1200" dirty="0" smtClean="0">
-                <a:solidFill>
-                  <a:schemeClr val="bg1">
-                    <a:lumMod val="85000"/>
-                  </a:schemeClr>
-                </a:solidFill>
-              </a:rPr>
-              <a:t>,</a:t>
-            </a:r>
-          </a:p>
-          <a:p>
-            <a:endParaRPr lang="en-US" altLang="ko-KR" sz="1200" dirty="0">
-              <a:solidFill>
-                <a:schemeClr val="bg1">
-                  <a:lumMod val="85000"/>
-                </a:schemeClr>
-              </a:solidFill>
-            </a:endParaRPr>
-          </a:p>
-          <a:p>
-            <a:r>
-              <a:rPr lang="en-US" altLang="ko-KR" sz="1200" dirty="0" smtClean="0">
-                <a:solidFill>
-                  <a:schemeClr val="bg1">
-                    <a:lumMod val="85000"/>
-                  </a:schemeClr>
-                </a:solidFill>
-              </a:rPr>
-              <a:t>3</a:t>
-            </a:r>
-            <a:r>
-              <a:rPr lang="ko-KR" altLang="en-US" sz="1200" dirty="0" smtClean="0">
-                <a:solidFill>
-                  <a:schemeClr val="bg1">
-                    <a:lumMod val="85000"/>
-                  </a:schemeClr>
-                </a:solidFill>
-              </a:rPr>
-              <a:t>인칭 시점을 사용한 이유</a:t>
+              <a:t> </a:t>
             </a:r>
             <a:endParaRPr lang="en-US" altLang="ko-KR" sz="1200" dirty="0" smtClean="0">
               <a:solidFill>
@@ -16458,6 +17298,16 @@
           </a:p>
           <a:p>
             <a:r>
+              <a:rPr lang="ko-KR" altLang="en-US" sz="1200" dirty="0" smtClean="0">
+                <a:solidFill>
+                  <a:schemeClr val="bg1">
+                    <a:lumMod val="85000"/>
+                  </a:schemeClr>
+                </a:solidFill>
+              </a:rPr>
+              <a:t>확인할 수 있게 설정하여 최대한 </a:t>
+            </a:r>
+            <a:r>
               <a:rPr lang="en-US" altLang="ko-KR" sz="1200" dirty="0" smtClean="0">
                 <a:solidFill>
                   <a:schemeClr val="bg1">
@@ -16465,7 +17315,7 @@
                   </a:schemeClr>
                 </a:solidFill>
               </a:rPr>
-              <a:t>1</a:t>
+              <a:t>UI</a:t>
             </a:r>
             <a:r>
               <a:rPr lang="ko-KR" altLang="en-US" sz="1200" dirty="0" smtClean="0">
@@ -16475,27 +17325,7 @@
                   </a:schemeClr>
                 </a:solidFill>
               </a:rPr>
-              <a:t>인칭은 좁은 공간을 확대하여 보여주고 </a:t>
-            </a:r>
-            <a:r>
-              <a:rPr lang="en-US" altLang="ko-KR" sz="1200" dirty="0" smtClean="0">
-                <a:solidFill>
-                  <a:schemeClr val="bg1">
-                    <a:lumMod val="85000"/>
-                  </a:schemeClr>
-                </a:solidFill>
-              </a:rPr>
-              <a:t>3</a:t>
-            </a:r>
-            <a:r>
-              <a:rPr lang="ko-KR" altLang="en-US" sz="1200" dirty="0" smtClean="0">
-                <a:solidFill>
-                  <a:schemeClr val="bg1">
-                    <a:lumMod val="85000"/>
-                  </a:schemeClr>
-                </a:solidFill>
-              </a:rPr>
-              <a:t>인칭은 넓은 공간을 상대적으로 간단하게 보여주는데</a:t>
+              <a:t>의 존재감을 지우고</a:t>
             </a:r>
             <a:endParaRPr lang="en-US" altLang="ko-KR" sz="1200" dirty="0" smtClean="0">
               <a:solidFill>
@@ -16514,7 +17344,145 @@
                   </a:schemeClr>
                 </a:solidFill>
               </a:rPr>
-              <a:t>여타 슈팅 게임과는 달리 </a:t>
+              <a:t>필요최소한의 </a:t>
+            </a:r>
+            <a:r>
+              <a:rPr lang="ko-KR" altLang="en-US" sz="1200" dirty="0" smtClean="0">
+                <a:solidFill>
+                  <a:schemeClr val="bg1">
+                    <a:lumMod val="85000"/>
+                  </a:schemeClr>
+                </a:solidFill>
+              </a:rPr>
+              <a:t>정보만 </a:t>
+            </a:r>
+            <a:r>
+              <a:rPr lang="ko-KR" altLang="en-US" sz="1200" dirty="0" smtClean="0">
+                <a:solidFill>
+                  <a:schemeClr val="bg1">
+                    <a:lumMod val="85000"/>
+                  </a:schemeClr>
+                </a:solidFill>
+              </a:rPr>
+              <a:t>표시한 </a:t>
+            </a:r>
+            <a:r>
+              <a:rPr lang="ko-KR" altLang="en-US" sz="1200" dirty="0" smtClean="0">
+                <a:solidFill>
+                  <a:schemeClr val="bg1">
+                    <a:lumMod val="85000"/>
+                  </a:schemeClr>
+                </a:solidFill>
+              </a:rPr>
+              <a:t>모습이다</a:t>
+            </a:r>
+            <a:r>
+              <a:rPr lang="en-US" altLang="ko-KR" sz="1200" dirty="0" smtClean="0">
+                <a:solidFill>
+                  <a:schemeClr val="bg1">
+                    <a:lumMod val="85000"/>
+                  </a:schemeClr>
+                </a:solidFill>
+              </a:rPr>
+              <a:t>.</a:t>
+            </a:r>
+          </a:p>
+        </p:txBody>
+      </p:sp>
+      <p:pic>
+        <p:nvPicPr>
+          <p:cNvPr id="5" name="그림 4"/>
+          <p:cNvPicPr>
+            <a:picLocks noChangeAspect="1"/>
+          </p:cNvPicPr>
+          <p:nvPr/>
+        </p:nvPicPr>
+        <p:blipFill>
+          <a:blip r:embed="rId2" cstate="print">
+            <a:extLst>
+              <a:ext uri="{28A0092B-C50C-407E-A947-70E740481C1C}">
+                <a14:useLocalDpi xmlns:a14="http://schemas.microsoft.com/office/drawing/2010/main" val="0"/>
+              </a:ext>
+            </a:extLst>
+          </a:blip>
+          <a:stretch>
+            <a:fillRect/>
+          </a:stretch>
+        </p:blipFill>
+        <p:spPr>
+          <a:xfrm>
+            <a:off x="491491" y="1579829"/>
+            <a:ext cx="6959793" cy="3914884"/>
+          </a:xfrm>
+          <a:prstGeom prst="rect">
+            <a:avLst/>
+          </a:prstGeom>
+        </p:spPr>
+      </p:pic>
+      <p:sp>
+        <p:nvSpPr>
+          <p:cNvPr id="9" name="직사각형 8"/>
+          <p:cNvSpPr/>
+          <p:nvPr/>
+        </p:nvSpPr>
+        <p:spPr>
+          <a:xfrm>
+            <a:off x="7697151" y="3956857"/>
+            <a:ext cx="4063971" cy="1518199"/>
+          </a:xfrm>
+          <a:prstGeom prst="rect">
+            <a:avLst/>
+          </a:prstGeom>
+          <a:solidFill>
+            <a:schemeClr val="tx2"/>
+          </a:solidFill>
+          <a:ln>
+            <a:solidFill>
+              <a:schemeClr val="accent5">
+                <a:lumMod val="50000"/>
+              </a:schemeClr>
+            </a:solidFill>
+          </a:ln>
+        </p:spPr>
+        <p:style>
+          <a:lnRef idx="2">
+            <a:schemeClr val="accent1">
+              <a:shade val="50000"/>
+            </a:schemeClr>
+          </a:lnRef>
+          <a:fillRef idx="1">
+            <a:schemeClr val="accent1"/>
+          </a:fillRef>
+          <a:effectRef idx="0">
+            <a:schemeClr val="accent1"/>
+          </a:effectRef>
+          <a:fontRef idx="minor">
+            <a:schemeClr val="lt1"/>
+          </a:fontRef>
+        </p:style>
+        <p:txBody>
+          <a:bodyPr rtlCol="0" anchor="ctr"/>
+          <a:lstStyle/>
+          <a:p>
+            <a:r>
+              <a:rPr lang="ko-KR" altLang="en-US" sz="1200" dirty="0" smtClean="0">
+                <a:solidFill>
+                  <a:schemeClr val="bg1">
+                    <a:lumMod val="85000"/>
+                  </a:schemeClr>
+                </a:solidFill>
+              </a:rPr>
+              <a:t>그 </a:t>
+            </a:r>
+            <a:r>
+              <a:rPr lang="ko-KR" altLang="en-US" sz="1200" dirty="0" smtClean="0">
+                <a:solidFill>
+                  <a:schemeClr val="bg1">
+                    <a:lumMod val="85000"/>
+                  </a:schemeClr>
+                </a:solidFill>
+              </a:rPr>
+              <a:t>이유는 </a:t>
             </a:r>
             <a:r>
               <a:rPr lang="ko-KR" altLang="en-US" sz="1200" dirty="0" err="1" smtClean="0">
@@ -16524,7 +17492,7 @@
                   </a:schemeClr>
                 </a:solidFill>
               </a:rPr>
-              <a:t>맵이</a:t>
+              <a:t>배틀로얄</a:t>
             </a:r>
             <a:r>
               <a:rPr lang="ko-KR" altLang="en-US" sz="1200" dirty="0" smtClean="0">
@@ -16534,17 +17502,7 @@
                   </a:schemeClr>
                 </a:solidFill>
               </a:rPr>
-              <a:t> 매우 넓고 크기 때문에 시야가 제한된 </a:t>
-            </a:r>
-            <a:r>
-              <a:rPr lang="en-US" altLang="ko-KR" sz="1200" dirty="0" smtClean="0">
-                <a:solidFill>
-                  <a:schemeClr val="bg1">
-                    <a:lumMod val="85000"/>
-                  </a:schemeClr>
-                </a:solidFill>
-              </a:rPr>
-              <a:t>1</a:t>
+              <a:t> 장르이기 </a:t>
             </a:r>
             <a:r>
               <a:rPr lang="ko-KR" altLang="en-US" sz="1200" dirty="0" smtClean="0">
@@ -16554,17 +17512,7 @@
                   </a:schemeClr>
                 </a:solidFill>
               </a:rPr>
-              <a:t>인칭 시점으로 </a:t>
-            </a:r>
-            <a:r>
-              <a:rPr lang="ko-KR" altLang="en-US" sz="1200" dirty="0" err="1" smtClean="0">
-                <a:solidFill>
-                  <a:schemeClr val="bg1">
-                    <a:lumMod val="85000"/>
-                  </a:schemeClr>
-                </a:solidFill>
-              </a:rPr>
-              <a:t>플레이하기에</a:t>
+              <a:t>때문에 </a:t>
             </a:r>
             <a:r>
               <a:rPr lang="ko-KR" altLang="en-US" sz="1200" dirty="0" smtClean="0">
@@ -16574,7 +17522,17 @@
                   </a:schemeClr>
                 </a:solidFill>
               </a:rPr>
-              <a:t> 어려움이 따름</a:t>
+              <a:t>게임 </a:t>
+            </a:r>
+            <a:r>
+              <a:rPr lang="ko-KR" altLang="en-US" sz="1200" dirty="0" smtClean="0">
+                <a:solidFill>
+                  <a:schemeClr val="bg1">
+                    <a:lumMod val="85000"/>
+                  </a:schemeClr>
+                </a:solidFill>
+              </a:rPr>
+              <a:t>외적으로 </a:t>
             </a:r>
             <a:endParaRPr lang="en-US" altLang="ko-KR" sz="1200" dirty="0" smtClean="0">
               <a:solidFill>
@@ -16593,17 +17551,7 @@
                   </a:schemeClr>
                 </a:solidFill>
               </a:rPr>
-              <a:t>출시할 때 </a:t>
-            </a:r>
-            <a:r>
-              <a:rPr lang="ko-KR" altLang="en-US" sz="1200" dirty="0" err="1" smtClean="0">
-                <a:solidFill>
-                  <a:schemeClr val="bg1">
-                    <a:lumMod val="85000"/>
-                  </a:schemeClr>
-                </a:solidFill>
-              </a:rPr>
-              <a:t>서바이벌</a:t>
+              <a:t>이목을 끌지 않고 목표를 </a:t>
             </a:r>
             <a:r>
               <a:rPr lang="ko-KR" altLang="en-US" sz="1200" dirty="0" smtClean="0">
@@ -16613,7 +17561,70 @@
                   </a:schemeClr>
                 </a:solidFill>
               </a:rPr>
-              <a:t> 장르에 익숙하지 않을 사람들을 위해 상대적으로 난이도가 쉬운 </a:t>
+              <a:t>탐색하는 데 </a:t>
+            </a:r>
+            <a:r>
+              <a:rPr lang="ko-KR" altLang="en-US" sz="1200" dirty="0" smtClean="0">
+                <a:solidFill>
+                  <a:schemeClr val="accent4"/>
+                </a:solidFill>
+              </a:rPr>
+              <a:t>방해 요소를 </a:t>
+            </a:r>
+            <a:endParaRPr lang="en-US" altLang="ko-KR" sz="1200" dirty="0" smtClean="0">
+              <a:solidFill>
+                <a:schemeClr val="accent4"/>
+              </a:solidFill>
+            </a:endParaRPr>
+          </a:p>
+          <a:p>
+            <a:r>
+              <a:rPr lang="ko-KR" altLang="en-US" sz="1200" dirty="0" smtClean="0">
+                <a:solidFill>
+                  <a:schemeClr val="accent4"/>
+                </a:solidFill>
+              </a:rPr>
+              <a:t>최소화</a:t>
+            </a:r>
+            <a:r>
+              <a:rPr lang="ko-KR" altLang="en-US" sz="1200" dirty="0" smtClean="0">
+                <a:solidFill>
+                  <a:schemeClr val="bg1">
+                    <a:lumMod val="85000"/>
+                  </a:schemeClr>
+                </a:solidFill>
+              </a:rPr>
+              <a:t>시켜 </a:t>
+            </a:r>
+            <a:r>
+              <a:rPr lang="ko-KR" altLang="en-US" sz="1200" dirty="0" smtClean="0">
+                <a:solidFill>
+                  <a:schemeClr val="bg1">
+                    <a:lumMod val="85000"/>
+                  </a:schemeClr>
+                </a:solidFill>
+              </a:rPr>
+              <a:t>플레이 자체에 </a:t>
+            </a:r>
+            <a:r>
+              <a:rPr lang="ko-KR" altLang="en-US" sz="1200" dirty="0" smtClean="0">
+                <a:solidFill>
+                  <a:schemeClr val="bg1">
+                    <a:lumMod val="85000"/>
+                  </a:schemeClr>
+                </a:solidFill>
+              </a:rPr>
+              <a:t>집중하도록 </a:t>
+            </a:r>
+            <a:r>
+              <a:rPr lang="ko-KR" altLang="en-US" sz="1200" dirty="0" smtClean="0">
+                <a:solidFill>
+                  <a:schemeClr val="bg1">
+                    <a:lumMod val="85000"/>
+                  </a:schemeClr>
+                </a:solidFill>
+              </a:rPr>
+              <a:t>만들기 위함이다</a:t>
             </a:r>
             <a:r>
               <a:rPr lang="en-US" altLang="ko-KR" sz="1200" dirty="0" smtClean="0">
@@ -16623,17 +17634,7 @@
                   </a:schemeClr>
                 </a:solidFill>
               </a:rPr>
-              <a:t>3</a:t>
-            </a:r>
-            <a:r>
-              <a:rPr lang="ko-KR" altLang="en-US" sz="1200" dirty="0" smtClean="0">
-                <a:solidFill>
-                  <a:schemeClr val="bg1">
-                    <a:lumMod val="85000"/>
-                  </a:schemeClr>
-                </a:solidFill>
-              </a:rPr>
-              <a:t>인칭 사용</a:t>
+              <a:t>.</a:t>
             </a:r>
             <a:endParaRPr lang="en-US" altLang="ko-KR" sz="1200" dirty="0" smtClean="0">
               <a:solidFill>
@@ -16652,7 +17653,108 @@
                   </a:schemeClr>
                 </a:solidFill>
               </a:rPr>
-              <a:t>더 넓어지고 자유로워진 시야를 통해서 정보를 더 쉽게 받아들이고 이를 활용하게끔 유도</a:t>
+              <a:t>또한 슈팅게임 </a:t>
+            </a:r>
+            <a:r>
+              <a:rPr lang="ko-KR" altLang="en-US" sz="1200" dirty="0" smtClean="0">
+                <a:solidFill>
+                  <a:schemeClr val="bg1">
+                    <a:lumMod val="85000"/>
+                  </a:schemeClr>
+                </a:solidFill>
+              </a:rPr>
+              <a:t>특성상 </a:t>
+            </a:r>
+            <a:r>
+              <a:rPr lang="ko-KR" altLang="en-US" sz="1200" dirty="0" err="1" smtClean="0">
+                <a:solidFill>
+                  <a:schemeClr val="bg1">
+                    <a:lumMod val="85000"/>
+                  </a:schemeClr>
+                </a:solidFill>
+              </a:rPr>
+              <a:t>조준점을</a:t>
+            </a:r>
+            <a:r>
+              <a:rPr lang="ko-KR" altLang="en-US" sz="1200" dirty="0" smtClean="0">
+                <a:solidFill>
+                  <a:schemeClr val="bg1">
+                    <a:lumMod val="85000"/>
+                  </a:schemeClr>
+                </a:solidFill>
+              </a:rPr>
+              <a:t> </a:t>
+            </a:r>
+            <a:r>
+              <a:rPr lang="ko-KR" altLang="en-US" sz="1200" dirty="0" smtClean="0">
+                <a:solidFill>
+                  <a:schemeClr val="bg1">
+                    <a:lumMod val="85000"/>
+                  </a:schemeClr>
+                </a:solidFill>
+              </a:rPr>
+              <a:t>중심으로 </a:t>
+            </a:r>
+            <a:r>
+              <a:rPr lang="ko-KR" altLang="en-US" sz="1200" dirty="0" smtClean="0">
+                <a:solidFill>
+                  <a:schemeClr val="accent4"/>
+                </a:solidFill>
+              </a:rPr>
+              <a:t>화면 중앙에 </a:t>
+            </a:r>
+            <a:endParaRPr lang="en-US" altLang="ko-KR" sz="1200" dirty="0" smtClean="0">
+              <a:solidFill>
+                <a:schemeClr val="accent4"/>
+              </a:solidFill>
+            </a:endParaRPr>
+          </a:p>
+          <a:p>
+            <a:r>
+              <a:rPr lang="ko-KR" altLang="en-US" sz="1200" dirty="0" smtClean="0">
+                <a:solidFill>
+                  <a:schemeClr val="accent4"/>
+                </a:solidFill>
+              </a:rPr>
+              <a:t>시선이 </a:t>
+            </a:r>
+            <a:r>
+              <a:rPr lang="ko-KR" altLang="en-US" sz="1200" dirty="0" smtClean="0">
+                <a:solidFill>
+                  <a:schemeClr val="accent4"/>
+                </a:solidFill>
+              </a:rPr>
+              <a:t>집중</a:t>
+            </a:r>
+            <a:r>
+              <a:rPr lang="ko-KR" altLang="en-US" sz="1200" dirty="0" smtClean="0">
+                <a:solidFill>
+                  <a:schemeClr val="bg1">
+                    <a:lumMod val="85000"/>
+                  </a:schemeClr>
+                </a:solidFill>
+              </a:rPr>
+              <a:t>되기 때문에 </a:t>
+            </a:r>
+            <a:r>
+              <a:rPr lang="ko-KR" altLang="en-US" sz="1200" dirty="0" smtClean="0">
+                <a:solidFill>
+                  <a:schemeClr val="bg1">
+                    <a:lumMod val="85000"/>
+                  </a:schemeClr>
+                </a:solidFill>
+              </a:rPr>
+              <a:t>화면 </a:t>
+            </a:r>
+            <a:r>
+              <a:rPr lang="ko-KR" altLang="en-US" sz="1200" dirty="0" smtClean="0">
+                <a:solidFill>
+                  <a:schemeClr val="bg1">
+                    <a:lumMod val="85000"/>
+                  </a:schemeClr>
+                </a:solidFill>
+              </a:rPr>
+              <a:t>중앙을 최대한 비우고 </a:t>
             </a:r>
             <a:endParaRPr lang="en-US" altLang="ko-KR" sz="1200" dirty="0" smtClean="0">
               <a:solidFill>
@@ -16663,6 +17765,56 @@
             </a:endParaRPr>
           </a:p>
           <a:p>
+            <a:r>
+              <a:rPr lang="ko-KR" altLang="en-US" sz="1200" dirty="0" smtClean="0">
+                <a:solidFill>
+                  <a:schemeClr val="bg1">
+                    <a:lumMod val="85000"/>
+                  </a:schemeClr>
+                </a:solidFill>
+              </a:rPr>
+              <a:t>기타 </a:t>
+            </a:r>
+            <a:r>
+              <a:rPr lang="en-US" altLang="ko-KR" sz="1200" dirty="0" smtClean="0">
+                <a:solidFill>
+                  <a:schemeClr val="bg1">
+                    <a:lumMod val="85000"/>
+                  </a:schemeClr>
+                </a:solidFill>
+              </a:rPr>
+              <a:t>UI </a:t>
+            </a:r>
+            <a:r>
+              <a:rPr lang="ko-KR" altLang="en-US" sz="1200" dirty="0" smtClean="0">
+                <a:solidFill>
+                  <a:schemeClr val="bg1">
+                    <a:lumMod val="85000"/>
+                  </a:schemeClr>
+                </a:solidFill>
+              </a:rPr>
+              <a:t>요소들을 외곽으로 몰아 </a:t>
+            </a:r>
+            <a:r>
+              <a:rPr lang="ko-KR" altLang="en-US" sz="1200" dirty="0" smtClean="0">
+                <a:solidFill>
+                  <a:schemeClr val="bg1">
+                    <a:lumMod val="85000"/>
+                  </a:schemeClr>
+                </a:solidFill>
+              </a:rPr>
+              <a:t>그려주고 있다</a:t>
+            </a:r>
+            <a:r>
+              <a:rPr lang="en-US" altLang="ko-KR" sz="1200" dirty="0" smtClean="0">
+                <a:solidFill>
+                  <a:schemeClr val="bg1">
+                    <a:lumMod val="85000"/>
+                  </a:schemeClr>
+                </a:solidFill>
+              </a:rPr>
+              <a:t>.</a:t>
+            </a:r>
             <a:endParaRPr lang="en-US" altLang="ko-KR" sz="1200" dirty="0" smtClean="0">
               <a:solidFill>
                 <a:schemeClr val="bg1">
@@ -16671,354 +17823,390 @@
               </a:solidFill>
             </a:endParaRPr>
           </a:p>
-          <a:p>
-            <a:r>
-              <a:rPr lang="ko-KR" altLang="en-US" sz="1200" dirty="0" smtClean="0">
-                <a:solidFill>
-                  <a:schemeClr val="bg1">
-                    <a:lumMod val="85000"/>
-                  </a:schemeClr>
-                </a:solidFill>
-              </a:rPr>
-              <a:t>전체적인 특징</a:t>
-            </a:r>
-            <a:endParaRPr lang="en-US" altLang="ko-KR" sz="1200" dirty="0" smtClean="0">
+        </p:txBody>
+      </p:sp>
+      <p:sp>
+        <p:nvSpPr>
+          <p:cNvPr id="7" name="도넛 6"/>
+          <p:cNvSpPr/>
+          <p:nvPr/>
+        </p:nvSpPr>
+        <p:spPr>
+          <a:xfrm>
+            <a:off x="6387255" y="1416605"/>
+            <a:ext cx="1064029" cy="798022"/>
+          </a:xfrm>
+          <a:prstGeom prst="donut">
+            <a:avLst>
+              <a:gd name="adj" fmla="val 0"/>
+            </a:avLst>
+          </a:prstGeom>
+          <a:ln>
+            <a:solidFill>
+              <a:srgbClr val="FF0000"/>
+            </a:solidFill>
+          </a:ln>
+        </p:spPr>
+        <p:style>
+          <a:lnRef idx="2">
+            <a:schemeClr val="accent1">
+              <a:shade val="50000"/>
+            </a:schemeClr>
+          </a:lnRef>
+          <a:fillRef idx="1">
+            <a:schemeClr val="accent1"/>
+          </a:fillRef>
+          <a:effectRef idx="0">
+            <a:schemeClr val="accent1"/>
+          </a:effectRef>
+          <a:fontRef idx="minor">
+            <a:schemeClr val="lt1"/>
+          </a:fontRef>
+        </p:style>
+        <p:txBody>
+          <a:bodyPr rtlCol="0" anchor="ctr"/>
+          <a:lstStyle/>
+          <a:p>
+            <a:pPr algn="ctr"/>
+            <a:endParaRPr lang="ko-KR" altLang="en-US">
               <a:solidFill>
-                <a:schemeClr val="bg1">
-                  <a:lumMod val="85000"/>
-                </a:schemeClr>
+                <a:schemeClr val="tx1"/>
               </a:solidFill>
             </a:endParaRPr>
           </a:p>
-          <a:p>
-            <a:r>
-              <a:rPr lang="ko-KR" altLang="en-US" sz="1200" dirty="0" smtClean="0">
-                <a:solidFill>
-                  <a:schemeClr val="bg1">
-                    <a:lumMod val="85000"/>
-                  </a:schemeClr>
-                </a:solidFill>
-              </a:rPr>
-              <a:t>무채색을 기본으로 하여 윤곽선이 없고 단조로운 </a:t>
-            </a:r>
-            <a:r>
-              <a:rPr lang="en-US" altLang="ko-KR" sz="1200" dirty="0" smtClean="0">
-                <a:solidFill>
-                  <a:schemeClr val="bg1">
-                    <a:lumMod val="85000"/>
-                  </a:schemeClr>
-                </a:solidFill>
-              </a:rPr>
-              <a:t>UI </a:t>
-            </a:r>
-            <a:r>
-              <a:rPr lang="ko-KR" altLang="en-US" sz="1200" dirty="0" smtClean="0">
-                <a:solidFill>
-                  <a:schemeClr val="bg1">
-                    <a:lumMod val="85000"/>
-                  </a:schemeClr>
-                </a:solidFill>
-              </a:rPr>
-              <a:t>디자인</a:t>
-            </a:r>
-            <a:r>
-              <a:rPr lang="en-US" altLang="ko-KR" sz="1200" dirty="0" smtClean="0">
-                <a:solidFill>
-                  <a:schemeClr val="bg1">
-                    <a:lumMod val="85000"/>
-                  </a:schemeClr>
-                </a:solidFill>
-              </a:rPr>
-              <a:t>. </a:t>
-            </a:r>
-          </a:p>
-          <a:p>
-            <a:r>
-              <a:rPr lang="ko-KR" altLang="en-US" sz="1200" dirty="0" err="1" smtClean="0">
-                <a:solidFill>
-                  <a:schemeClr val="bg1">
-                    <a:lumMod val="85000"/>
-                  </a:schemeClr>
-                </a:solidFill>
-              </a:rPr>
-              <a:t>미니맵을</a:t>
-            </a:r>
-            <a:r>
-              <a:rPr lang="ko-KR" altLang="en-US" sz="1200" dirty="0" smtClean="0">
-                <a:solidFill>
-                  <a:schemeClr val="bg1">
-                    <a:lumMod val="85000"/>
-                  </a:schemeClr>
-                </a:solidFill>
-              </a:rPr>
-              <a:t> 제외하고 투명도를 반투명하게 설정하여 </a:t>
-            </a:r>
-            <a:r>
-              <a:rPr lang="ko-KR" altLang="en-US" sz="1200" dirty="0" err="1" smtClean="0">
-                <a:solidFill>
-                  <a:schemeClr val="bg1">
-                    <a:lumMod val="85000"/>
-                  </a:schemeClr>
-                </a:solidFill>
-              </a:rPr>
-              <a:t>뒷배경을</a:t>
-            </a:r>
-            <a:r>
-              <a:rPr lang="ko-KR" altLang="en-US" sz="1200" dirty="0" smtClean="0">
-                <a:solidFill>
-                  <a:schemeClr val="bg1">
-                    <a:lumMod val="85000"/>
-                  </a:schemeClr>
-                </a:solidFill>
-              </a:rPr>
-              <a:t> 확인할 수 있게 설정했다</a:t>
-            </a:r>
-            <a:r>
-              <a:rPr lang="en-US" altLang="ko-KR" sz="1200" dirty="0" smtClean="0">
-                <a:solidFill>
-                  <a:schemeClr val="bg1">
-                    <a:lumMod val="85000"/>
-                  </a:schemeClr>
-                </a:solidFill>
-              </a:rPr>
-              <a:t>.</a:t>
-            </a:r>
-          </a:p>
-          <a:p>
-            <a:r>
-              <a:rPr lang="ko-KR" altLang="en-US" sz="1200" dirty="0" smtClean="0">
-                <a:solidFill>
-                  <a:schemeClr val="bg1">
-                    <a:lumMod val="85000"/>
-                  </a:schemeClr>
-                </a:solidFill>
-              </a:rPr>
-              <a:t>최대한 존재감을 지우고 필요최소한의 정보만 표시하도록 디자인한 모습이다</a:t>
-            </a:r>
-            <a:r>
-              <a:rPr lang="en-US" altLang="ko-KR" sz="1200" dirty="0" smtClean="0">
-                <a:solidFill>
-                  <a:schemeClr val="bg1">
-                    <a:lumMod val="85000"/>
-                  </a:schemeClr>
-                </a:solidFill>
-              </a:rPr>
-              <a:t>.</a:t>
-            </a:r>
-          </a:p>
-          <a:p>
-            <a:r>
-              <a:rPr lang="ko-KR" altLang="en-US" sz="1200" dirty="0" smtClean="0">
-                <a:solidFill>
-                  <a:schemeClr val="bg1">
-                    <a:lumMod val="85000"/>
-                  </a:schemeClr>
-                </a:solidFill>
-              </a:rPr>
-              <a:t>그 이유는 </a:t>
-            </a:r>
-            <a:r>
-              <a:rPr lang="ko-KR" altLang="en-US" sz="1200" dirty="0" err="1" smtClean="0">
-                <a:solidFill>
-                  <a:schemeClr val="bg1">
-                    <a:lumMod val="85000"/>
-                  </a:schemeClr>
-                </a:solidFill>
-              </a:rPr>
-              <a:t>서바이벌</a:t>
-            </a:r>
-            <a:r>
-              <a:rPr lang="ko-KR" altLang="en-US" sz="1200" dirty="0" smtClean="0">
-                <a:solidFill>
-                  <a:schemeClr val="bg1">
-                    <a:lumMod val="85000"/>
-                  </a:schemeClr>
-                </a:solidFill>
-              </a:rPr>
-              <a:t> 게임이기 때문에 게임 외적으로 이목을 최대한 끌지 않고</a:t>
-            </a:r>
-            <a:endParaRPr lang="en-US" altLang="ko-KR" sz="1200" dirty="0" smtClean="0">
+        </p:txBody>
+      </p:sp>
+      <p:sp>
+        <p:nvSpPr>
+          <p:cNvPr id="11" name="도넛 10"/>
+          <p:cNvSpPr/>
+          <p:nvPr/>
+        </p:nvSpPr>
+        <p:spPr>
+          <a:xfrm>
+            <a:off x="2947873" y="1512917"/>
+            <a:ext cx="2047028" cy="468954"/>
+          </a:xfrm>
+          <a:prstGeom prst="donut">
+            <a:avLst>
+              <a:gd name="adj" fmla="val 0"/>
+            </a:avLst>
+          </a:prstGeom>
+          <a:ln>
+            <a:solidFill>
+              <a:srgbClr val="FF0000"/>
+            </a:solidFill>
+          </a:ln>
+        </p:spPr>
+        <p:style>
+          <a:lnRef idx="2">
+            <a:schemeClr val="accent1">
+              <a:shade val="50000"/>
+            </a:schemeClr>
+          </a:lnRef>
+          <a:fillRef idx="1">
+            <a:schemeClr val="accent1"/>
+          </a:fillRef>
+          <a:effectRef idx="0">
+            <a:schemeClr val="accent1"/>
+          </a:effectRef>
+          <a:fontRef idx="minor">
+            <a:schemeClr val="lt1"/>
+          </a:fontRef>
+        </p:style>
+        <p:txBody>
+          <a:bodyPr rtlCol="0" anchor="ctr"/>
+          <a:lstStyle/>
+          <a:p>
+            <a:pPr algn="ctr"/>
+            <a:endParaRPr lang="ko-KR" altLang="en-US">
               <a:solidFill>
-                <a:schemeClr val="bg1">
-                  <a:lumMod val="85000"/>
-                </a:schemeClr>
+                <a:schemeClr val="tx1"/>
               </a:solidFill>
             </a:endParaRPr>
           </a:p>
-          <a:p>
-            <a:r>
-              <a:rPr lang="ko-KR" altLang="en-US" sz="1200" dirty="0" smtClean="0">
-                <a:solidFill>
-                  <a:schemeClr val="bg1">
-                    <a:lumMod val="85000"/>
-                  </a:schemeClr>
-                </a:solidFill>
-              </a:rPr>
-              <a:t>목표를 탐색하는 데 방해 요소를 최소화시켜 플레이 자체에 집중할 수 있도록 만들기 위함이다</a:t>
-            </a:r>
-            <a:r>
-              <a:rPr lang="en-US" altLang="ko-KR" sz="1200" dirty="0" smtClean="0">
-                <a:solidFill>
-                  <a:schemeClr val="bg1">
-                    <a:lumMod val="85000"/>
-                  </a:schemeClr>
-                </a:solidFill>
-              </a:rPr>
-              <a:t>.</a:t>
-            </a:r>
-          </a:p>
-          <a:p>
-            <a:r>
-              <a:rPr lang="ko-KR" altLang="en-US" sz="1200" dirty="0" smtClean="0">
-                <a:solidFill>
-                  <a:schemeClr val="bg1">
-                    <a:lumMod val="85000"/>
-                  </a:schemeClr>
-                </a:solidFill>
-              </a:rPr>
-              <a:t>슈팅게임 특성상 </a:t>
-            </a:r>
-            <a:r>
-              <a:rPr lang="ko-KR" altLang="en-US" sz="1200" dirty="0" err="1" smtClean="0">
-                <a:solidFill>
-                  <a:schemeClr val="bg1">
-                    <a:lumMod val="85000"/>
-                  </a:schemeClr>
-                </a:solidFill>
-              </a:rPr>
-              <a:t>크로스헤어를</a:t>
-            </a:r>
-            <a:r>
-              <a:rPr lang="ko-KR" altLang="en-US" sz="1200" dirty="0" smtClean="0">
-                <a:solidFill>
-                  <a:schemeClr val="bg1">
-                    <a:lumMod val="85000"/>
-                  </a:schemeClr>
-                </a:solidFill>
-              </a:rPr>
-              <a:t> 중심으로 화면 중앙에 시선이 집중되기 때문에 </a:t>
-            </a:r>
-            <a:endParaRPr lang="en-US" altLang="ko-KR" sz="1200" dirty="0" smtClean="0">
+        </p:txBody>
+      </p:sp>
+      <p:sp>
+        <p:nvSpPr>
+          <p:cNvPr id="12" name="도넛 11"/>
+          <p:cNvSpPr/>
+          <p:nvPr/>
+        </p:nvSpPr>
+        <p:spPr>
+          <a:xfrm>
+            <a:off x="4187518" y="3450788"/>
+            <a:ext cx="1064029" cy="798022"/>
+          </a:xfrm>
+          <a:prstGeom prst="donut">
+            <a:avLst>
+              <a:gd name="adj" fmla="val 0"/>
+            </a:avLst>
+          </a:prstGeom>
+          <a:ln>
+            <a:solidFill>
+              <a:srgbClr val="FF0000"/>
+            </a:solidFill>
+          </a:ln>
+        </p:spPr>
+        <p:style>
+          <a:lnRef idx="2">
+            <a:schemeClr val="accent1">
+              <a:shade val="50000"/>
+            </a:schemeClr>
+          </a:lnRef>
+          <a:fillRef idx="1">
+            <a:schemeClr val="accent1"/>
+          </a:fillRef>
+          <a:effectRef idx="0">
+            <a:schemeClr val="accent1"/>
+          </a:effectRef>
+          <a:fontRef idx="minor">
+            <a:schemeClr val="lt1"/>
+          </a:fontRef>
+        </p:style>
+        <p:txBody>
+          <a:bodyPr rtlCol="0" anchor="ctr"/>
+          <a:lstStyle/>
+          <a:p>
+            <a:pPr algn="ctr"/>
+            <a:endParaRPr lang="ko-KR" altLang="en-US">
               <a:solidFill>
-                <a:schemeClr val="bg1">
-                  <a:lumMod val="85000"/>
-                </a:schemeClr>
+                <a:schemeClr val="tx1"/>
               </a:solidFill>
             </a:endParaRPr>
           </a:p>
-          <a:p>
-            <a:r>
-              <a:rPr lang="ko-KR" altLang="en-US" sz="1200" dirty="0" smtClean="0">
-                <a:solidFill>
-                  <a:schemeClr val="bg1">
-                    <a:lumMod val="85000"/>
-                  </a:schemeClr>
-                </a:solidFill>
-              </a:rPr>
-              <a:t>화면 중앙을 최대한 비우고 기타 </a:t>
-            </a:r>
-            <a:r>
-              <a:rPr lang="en-US" altLang="ko-KR" sz="1200" dirty="0" smtClean="0">
-                <a:solidFill>
-                  <a:schemeClr val="bg1">
-                    <a:lumMod val="85000"/>
-                  </a:schemeClr>
-                </a:solidFill>
-              </a:rPr>
-              <a:t>UI </a:t>
-            </a:r>
-            <a:r>
-              <a:rPr lang="ko-KR" altLang="en-US" sz="1200" dirty="0" smtClean="0">
-                <a:solidFill>
-                  <a:schemeClr val="bg1">
-                    <a:lumMod val="85000"/>
-                  </a:schemeClr>
-                </a:solidFill>
-              </a:rPr>
-              <a:t>요소들을 외곽으로 몰아 그려줌</a:t>
-            </a:r>
-            <a:endParaRPr lang="en-US" altLang="ko-KR" sz="1200" dirty="0" smtClean="0">
+        </p:txBody>
+      </p:sp>
+      <p:sp>
+        <p:nvSpPr>
+          <p:cNvPr id="13" name="도넛 12"/>
+          <p:cNvSpPr/>
+          <p:nvPr/>
+        </p:nvSpPr>
+        <p:spPr>
+          <a:xfrm>
+            <a:off x="3079377" y="5017856"/>
+            <a:ext cx="1735856" cy="457200"/>
+          </a:xfrm>
+          <a:prstGeom prst="donut">
+            <a:avLst>
+              <a:gd name="adj" fmla="val 0"/>
+            </a:avLst>
+          </a:prstGeom>
+          <a:ln>
+            <a:solidFill>
+              <a:srgbClr val="FF0000"/>
+            </a:solidFill>
+          </a:ln>
+        </p:spPr>
+        <p:style>
+          <a:lnRef idx="2">
+            <a:schemeClr val="accent1">
+              <a:shade val="50000"/>
+            </a:schemeClr>
+          </a:lnRef>
+          <a:fillRef idx="1">
+            <a:schemeClr val="accent1"/>
+          </a:fillRef>
+          <a:effectRef idx="0">
+            <a:schemeClr val="accent1"/>
+          </a:effectRef>
+          <a:fontRef idx="minor">
+            <a:schemeClr val="lt1"/>
+          </a:fontRef>
+        </p:style>
+        <p:txBody>
+          <a:bodyPr rtlCol="0" anchor="ctr"/>
+          <a:lstStyle/>
+          <a:p>
+            <a:pPr algn="ctr"/>
+            <a:endParaRPr lang="ko-KR" altLang="en-US">
               <a:solidFill>
-                <a:schemeClr val="bg1">
-                  <a:lumMod val="85000"/>
-                </a:schemeClr>
+                <a:schemeClr val="tx1"/>
               </a:solidFill>
             </a:endParaRPr>
           </a:p>
-          <a:p>
-            <a:endParaRPr lang="en-US" altLang="ko-KR" sz="1200" dirty="0" smtClean="0">
+        </p:txBody>
+      </p:sp>
+      <p:sp>
+        <p:nvSpPr>
+          <p:cNvPr id="14" name="도넛 13"/>
+          <p:cNvSpPr/>
+          <p:nvPr/>
+        </p:nvSpPr>
+        <p:spPr>
+          <a:xfrm>
+            <a:off x="5855240" y="4248810"/>
+            <a:ext cx="1526462" cy="1226247"/>
+          </a:xfrm>
+          <a:prstGeom prst="donut">
+            <a:avLst>
+              <a:gd name="adj" fmla="val 0"/>
+            </a:avLst>
+          </a:prstGeom>
+          <a:ln>
+            <a:solidFill>
+              <a:srgbClr val="FF0000"/>
+            </a:solidFill>
+          </a:ln>
+        </p:spPr>
+        <p:style>
+          <a:lnRef idx="2">
+            <a:schemeClr val="accent1">
+              <a:shade val="50000"/>
+            </a:schemeClr>
+          </a:lnRef>
+          <a:fillRef idx="1">
+            <a:schemeClr val="accent1"/>
+          </a:fillRef>
+          <a:effectRef idx="0">
+            <a:schemeClr val="accent1"/>
+          </a:effectRef>
+          <a:fontRef idx="minor">
+            <a:schemeClr val="lt1"/>
+          </a:fontRef>
+        </p:style>
+        <p:txBody>
+          <a:bodyPr rtlCol="0" anchor="ctr"/>
+          <a:lstStyle/>
+          <a:p>
+            <a:pPr algn="ctr"/>
+            <a:endParaRPr lang="ko-KR" altLang="en-US">
               <a:solidFill>
-                <a:schemeClr val="bg1">
-                  <a:lumMod val="85000"/>
-                </a:schemeClr>
+                <a:schemeClr val="tx1"/>
               </a:solidFill>
             </a:endParaRPr>
           </a:p>
-          <a:p>
-            <a:endParaRPr lang="en-US" altLang="ko-KR" sz="1200" dirty="0" smtClean="0">
+        </p:txBody>
+      </p:sp>
+      <p:sp>
+        <p:nvSpPr>
+          <p:cNvPr id="8" name="아래쪽 화살표 7"/>
+          <p:cNvSpPr/>
+          <p:nvPr/>
+        </p:nvSpPr>
+        <p:spPr>
+          <a:xfrm>
+            <a:off x="9359219" y="3013363"/>
+            <a:ext cx="739833" cy="806334"/>
+          </a:xfrm>
+          <a:prstGeom prst="downArrow">
+            <a:avLst/>
+          </a:prstGeom>
+        </p:spPr>
+        <p:style>
+          <a:lnRef idx="2">
+            <a:schemeClr val="accent1">
+              <a:shade val="50000"/>
+            </a:schemeClr>
+          </a:lnRef>
+          <a:fillRef idx="1">
+            <a:schemeClr val="accent1"/>
+          </a:fillRef>
+          <a:effectRef idx="0">
+            <a:schemeClr val="accent1"/>
+          </a:effectRef>
+          <a:fontRef idx="minor">
+            <a:schemeClr val="lt1"/>
+          </a:fontRef>
+        </p:style>
+        <p:txBody>
+          <a:bodyPr rtlCol="0" anchor="ctr"/>
+          <a:lstStyle/>
+          <a:p>
+            <a:pPr algn="ctr"/>
+            <a:endParaRPr lang="ko-KR" altLang="en-US"/>
+          </a:p>
+        </p:txBody>
+      </p:sp>
+      <p:sp>
+        <p:nvSpPr>
+          <p:cNvPr id="16" name="직사각형 15">
+            <a:extLst>
+              <a:ext uri="{FF2B5EF4-FFF2-40B4-BE49-F238E27FC236}">
+                <a16:creationId xmlns:a16="http://schemas.microsoft.com/office/drawing/2014/main" id="{76B5609D-62AE-4714-BDF8-6284F2967DFB}"/>
+              </a:ext>
+            </a:extLst>
+          </p:cNvPr>
+          <p:cNvSpPr/>
+          <p:nvPr/>
+        </p:nvSpPr>
+        <p:spPr>
+          <a:xfrm>
+            <a:off x="2959832" y="5561625"/>
+            <a:ext cx="2023110" cy="323165"/>
+          </a:xfrm>
+          <a:prstGeom prst="rect">
+            <a:avLst/>
+          </a:prstGeom>
+        </p:spPr>
+        <p:txBody>
+          <a:bodyPr wrap="square">
+            <a:spAutoFit/>
+          </a:bodyPr>
+          <a:lstStyle/>
+          <a:p>
+            <a:pPr>
+              <a:lnSpc>
+                <a:spcPct val="150000"/>
+              </a:lnSpc>
+            </a:pPr>
+            <a:r>
+              <a:rPr lang="en-US" altLang="ko-KR" sz="1000" dirty="0" smtClean="0">
+                <a:solidFill>
+                  <a:prstClr val="white">
+                    <a:lumMod val="75000"/>
+                  </a:prstClr>
+                </a:solidFill>
+              </a:rPr>
+              <a:t>&lt; </a:t>
+            </a:r>
+            <a:r>
+              <a:rPr lang="ko-KR" altLang="en-US" sz="1000" dirty="0" smtClean="0">
+                <a:solidFill>
+                  <a:prstClr val="white">
+                    <a:lumMod val="75000"/>
+                  </a:prstClr>
+                </a:solidFill>
+              </a:rPr>
+              <a:t>기본 </a:t>
+            </a:r>
+            <a:r>
+              <a:rPr lang="en-US" altLang="ko-KR" sz="1000" dirty="0" smtClean="0">
+                <a:solidFill>
+                  <a:prstClr val="white">
+                    <a:lumMod val="75000"/>
+                  </a:prstClr>
+                </a:solidFill>
+              </a:rPr>
+              <a:t>UI</a:t>
+            </a:r>
+            <a:r>
+              <a:rPr lang="ko-KR" altLang="en-US" sz="1000" dirty="0" smtClean="0">
+                <a:solidFill>
+                  <a:prstClr val="white">
+                    <a:lumMod val="75000"/>
+                  </a:prstClr>
+                </a:solidFill>
+              </a:rPr>
+              <a:t>들의 전체적인 특징 </a:t>
+            </a:r>
+            <a:r>
+              <a:rPr lang="en-US" altLang="ko-KR" sz="1000" dirty="0" smtClean="0">
+                <a:solidFill>
+                  <a:prstClr val="white">
+                    <a:lumMod val="75000"/>
+                  </a:prstClr>
+                </a:solidFill>
+              </a:rPr>
+              <a:t>&gt;</a:t>
+            </a:r>
+            <a:endParaRPr lang="ko-KR" altLang="en-US" sz="1000" dirty="0">
               <a:solidFill>
-                <a:schemeClr val="bg1">
-                  <a:lumMod val="85000"/>
-                </a:schemeClr>
-              </a:solidFill>
-            </a:endParaRPr>
-          </a:p>
-          <a:p>
-            <a:r>
-              <a:rPr lang="ko-KR" altLang="en-US" sz="1200" dirty="0" err="1" smtClean="0">
-                <a:solidFill>
-                  <a:schemeClr val="bg1">
-                    <a:lumMod val="85000"/>
-                  </a:schemeClr>
-                </a:solidFill>
-              </a:rPr>
-              <a:t>메인화면은</a:t>
-            </a:r>
-            <a:r>
-              <a:rPr lang="ko-KR" altLang="en-US" sz="1200" dirty="0" smtClean="0">
-                <a:solidFill>
-                  <a:schemeClr val="bg1">
-                    <a:lumMod val="85000"/>
-                  </a:schemeClr>
-                </a:solidFill>
-              </a:rPr>
-              <a:t> 간략하게</a:t>
-            </a:r>
-            <a:r>
-              <a:rPr lang="en-US" altLang="ko-KR" sz="1200" dirty="0" smtClean="0">
-                <a:solidFill>
-                  <a:schemeClr val="bg1">
-                    <a:lumMod val="85000"/>
-                  </a:schemeClr>
-                </a:solidFill>
-              </a:rPr>
-              <a:t>, </a:t>
-            </a:r>
-            <a:r>
-              <a:rPr lang="ko-KR" altLang="en-US" sz="1200" dirty="0" err="1" smtClean="0">
-                <a:solidFill>
-                  <a:schemeClr val="bg1">
-                    <a:lumMod val="85000"/>
-                  </a:schemeClr>
-                </a:solidFill>
-              </a:rPr>
-              <a:t>크로스헤어는</a:t>
-            </a:r>
-            <a:r>
-              <a:rPr lang="ko-KR" altLang="en-US" sz="1200" dirty="0" smtClean="0">
-                <a:solidFill>
-                  <a:schemeClr val="bg1">
-                    <a:lumMod val="85000"/>
-                  </a:schemeClr>
-                </a:solidFill>
-              </a:rPr>
-              <a:t> 심층적으로 분석하자</a:t>
-            </a:r>
-            <a:endParaRPr lang="en-US" altLang="ko-KR" sz="1200" dirty="0">
-              <a:solidFill>
-                <a:schemeClr val="bg1">
-                  <a:lumMod val="85000"/>
-                </a:schemeClr>
+                <a:prstClr val="white">
+                  <a:lumMod val="75000"/>
+                </a:prstClr>
               </a:solidFill>
             </a:endParaRPr>
           </a:p>
@@ -17027,7 +18215,7 @@
     </p:spTree>
     <p:extLst>
       <p:ext uri="{BB962C8B-B14F-4D97-AF65-F5344CB8AC3E}">
-        <p14:creationId xmlns:p14="http://schemas.microsoft.com/office/powerpoint/2010/main" val="1047911778"/>
+        <p14:creationId xmlns:p14="http://schemas.microsoft.com/office/powerpoint/2010/main" val="2439085200"/>
       </p:ext>
     </p:extLst>
   </p:cSld>
@@ -17073,10 +18261,1412 @@
       </p:grpSpPr>
       <p:sp>
         <p:nvSpPr>
+          <p:cNvPr id="43" name="직사각형 42">
+            <a:extLst>
+              <a:ext uri="{FF2B5EF4-FFF2-40B4-BE49-F238E27FC236}">
+                <a16:creationId xmlns:a16="http://schemas.microsoft.com/office/drawing/2014/main" id="{32B56811-2E7B-4FBF-99CB-4CECF20A9AC0}"/>
+              </a:ext>
+            </a:extLst>
+          </p:cNvPr>
+          <p:cNvSpPr/>
+          <p:nvPr/>
+        </p:nvSpPr>
+        <p:spPr>
+          <a:xfrm>
+            <a:off x="0" y="472736"/>
+            <a:ext cx="45719" cy="648000"/>
+          </a:xfrm>
+          <a:prstGeom prst="rect">
+            <a:avLst/>
+          </a:prstGeom>
+          <a:solidFill>
+            <a:srgbClr val="FF9900"/>
+          </a:solidFill>
+          <a:ln>
+            <a:noFill/>
+          </a:ln>
+        </p:spPr>
+        <p:style>
+          <a:lnRef idx="2">
+            <a:schemeClr val="accent1">
+              <a:shade val="50000"/>
+            </a:schemeClr>
+          </a:lnRef>
+          <a:fillRef idx="1">
+            <a:schemeClr val="accent1"/>
+          </a:fillRef>
+          <a:effectRef idx="0">
+            <a:schemeClr val="accent1"/>
+          </a:effectRef>
+          <a:fontRef idx="minor">
+            <a:schemeClr val="lt1"/>
+          </a:fontRef>
+        </p:style>
+        <p:txBody>
+          <a:bodyPr rtlCol="0" anchor="ctr"/>
+          <a:lstStyle/>
+          <a:p>
+            <a:pPr algn="ctr">
+              <a:defRPr/>
+            </a:pPr>
+            <a:endParaRPr lang="ko-KR" altLang="en-US">
+              <a:solidFill>
+                <a:prstClr val="white"/>
+              </a:solidFill>
+            </a:endParaRPr>
+          </a:p>
+        </p:txBody>
+      </p:sp>
+      <p:sp>
+        <p:nvSpPr>
+          <p:cNvPr id="2" name="슬라이드 번호 개체 틀 1"/>
+          <p:cNvSpPr>
+            <a:spLocks noGrp="1"/>
+          </p:cNvSpPr>
+          <p:nvPr>
+            <p:ph type="sldNum" sz="quarter" idx="12"/>
+          </p:nvPr>
+        </p:nvSpPr>
+        <p:spPr/>
+        <p:txBody>
+          <a:bodyPr/>
+          <a:lstStyle/>
+          <a:p>
+            <a:fld id="{5D878A70-FB77-4F9B-8311-4FBED7F04F1E}" type="slidenum">
+              <a:rPr lang="ko-KR" altLang="en-US" sz="1600" smtClean="0">
+                <a:solidFill>
+                  <a:prstClr val="black">
+                    <a:tint val="75000"/>
+                  </a:prstClr>
+                </a:solidFill>
+              </a:rPr>
+              <a:pPr/>
+              <a:t>5</a:t>
+            </a:fld>
+            <a:endParaRPr lang="ko-KR" altLang="en-US" sz="1600" dirty="0">
+              <a:solidFill>
+                <a:prstClr val="black">
+                  <a:tint val="75000"/>
+                </a:prstClr>
+              </a:solidFill>
+            </a:endParaRPr>
+          </a:p>
+        </p:txBody>
+      </p:sp>
+      <p:sp>
+        <p:nvSpPr>
+          <p:cNvPr id="12" name="사각형: 둥근 모서리 39">
+            <a:extLst>
+              <a:ext uri="{FF2B5EF4-FFF2-40B4-BE49-F238E27FC236}">
+                <a16:creationId xmlns:a16="http://schemas.microsoft.com/office/drawing/2014/main" id="{DEB48728-12FA-4B10-82E6-7899DDCA2731}"/>
+              </a:ext>
+            </a:extLst>
+          </p:cNvPr>
+          <p:cNvSpPr/>
+          <p:nvPr/>
+        </p:nvSpPr>
+        <p:spPr>
+          <a:xfrm>
+            <a:off x="491491" y="504093"/>
+            <a:ext cx="1270807" cy="585286"/>
+          </a:xfrm>
+          <a:prstGeom prst="roundRect">
+            <a:avLst>
+              <a:gd name="adj" fmla="val 50000"/>
+            </a:avLst>
+          </a:prstGeom>
+          <a:solidFill>
+            <a:srgbClr val="181E26"/>
+          </a:solidFill>
+          <a:ln>
+            <a:noFill/>
+          </a:ln>
+        </p:spPr>
+        <p:style>
+          <a:lnRef idx="2">
+            <a:schemeClr val="accent1">
+              <a:shade val="50000"/>
+            </a:schemeClr>
+          </a:lnRef>
+          <a:fillRef idx="1">
+            <a:schemeClr val="accent1"/>
+          </a:fillRef>
+          <a:effectRef idx="0">
+            <a:schemeClr val="accent1"/>
+          </a:effectRef>
+          <a:fontRef idx="minor">
+            <a:schemeClr val="lt1"/>
+          </a:fontRef>
+        </p:style>
+        <p:txBody>
+          <a:bodyPr rtlCol="0" anchor="ctr"/>
+          <a:lstStyle/>
+          <a:p>
+            <a:pPr algn="ctr">
+              <a:lnSpc>
+                <a:spcPct val="150000"/>
+              </a:lnSpc>
+            </a:pPr>
+            <a:r>
+              <a:rPr lang="ko-KR" altLang="en-US" sz="2400" b="1" dirty="0" smtClean="0">
+                <a:solidFill>
+                  <a:prstClr val="white"/>
+                </a:solidFill>
+              </a:rPr>
+              <a:t>시점</a:t>
+            </a:r>
+            <a:endParaRPr lang="en-US" altLang="ko-KR" sz="1600" dirty="0">
+              <a:solidFill>
+                <a:prstClr val="white">
+                  <a:lumMod val="50000"/>
+                </a:prstClr>
+              </a:solidFill>
+            </a:endParaRPr>
+          </a:p>
+        </p:txBody>
+      </p:sp>
+      <p:pic>
+        <p:nvPicPr>
+          <p:cNvPr id="5" name="그림 4"/>
+          <p:cNvPicPr>
+            <a:picLocks noChangeAspect="1"/>
+          </p:cNvPicPr>
+          <p:nvPr/>
+        </p:nvPicPr>
+        <p:blipFill>
+          <a:blip r:embed="rId2" cstate="print">
+            <a:extLst>
+              <a:ext uri="{28A0092B-C50C-407E-A947-70E740481C1C}">
+                <a14:useLocalDpi xmlns:a14="http://schemas.microsoft.com/office/drawing/2010/main" val="0"/>
+              </a:ext>
+            </a:extLst>
+          </a:blip>
+          <a:stretch>
+            <a:fillRect/>
+          </a:stretch>
+        </p:blipFill>
+        <p:spPr>
+          <a:xfrm>
+            <a:off x="566311" y="1284939"/>
+            <a:ext cx="4912633" cy="2763356"/>
+          </a:xfrm>
+          <a:prstGeom prst="rect">
+            <a:avLst/>
+          </a:prstGeom>
+        </p:spPr>
+      </p:pic>
+      <p:pic>
+        <p:nvPicPr>
+          <p:cNvPr id="7" name="그림 6"/>
+          <p:cNvPicPr>
+            <a:picLocks noChangeAspect="1"/>
+          </p:cNvPicPr>
+          <p:nvPr/>
+        </p:nvPicPr>
+        <p:blipFill>
+          <a:blip r:embed="rId3" cstate="print">
+            <a:extLst>
+              <a:ext uri="{28A0092B-C50C-407E-A947-70E740481C1C}">
+                <a14:useLocalDpi xmlns:a14="http://schemas.microsoft.com/office/drawing/2010/main" val="0"/>
+              </a:ext>
+            </a:extLst>
+          </a:blip>
+          <a:stretch>
+            <a:fillRect/>
+          </a:stretch>
+        </p:blipFill>
+        <p:spPr>
+          <a:xfrm>
+            <a:off x="6491319" y="1284939"/>
+            <a:ext cx="4904046" cy="2758525"/>
+          </a:xfrm>
+          <a:prstGeom prst="rect">
+            <a:avLst/>
+          </a:prstGeom>
+        </p:spPr>
+      </p:pic>
+      <p:sp>
+        <p:nvSpPr>
+          <p:cNvPr id="6" name="직사각형 5"/>
+          <p:cNvSpPr/>
+          <p:nvPr/>
+        </p:nvSpPr>
+        <p:spPr>
+          <a:xfrm>
+            <a:off x="1923669" y="4456359"/>
+            <a:ext cx="8058531" cy="2082553"/>
+          </a:xfrm>
+          <a:prstGeom prst="rect">
+            <a:avLst/>
+          </a:prstGeom>
+          <a:solidFill>
+            <a:schemeClr val="tx2"/>
+          </a:solidFill>
+          <a:ln>
+            <a:solidFill>
+              <a:schemeClr val="accent5">
+                <a:lumMod val="50000"/>
+              </a:schemeClr>
+            </a:solidFill>
+          </a:ln>
+        </p:spPr>
+        <p:style>
+          <a:lnRef idx="2">
+            <a:schemeClr val="accent1">
+              <a:shade val="50000"/>
+            </a:schemeClr>
+          </a:lnRef>
+          <a:fillRef idx="1">
+            <a:schemeClr val="accent1"/>
+          </a:fillRef>
+          <a:effectRef idx="0">
+            <a:schemeClr val="accent1"/>
+          </a:effectRef>
+          <a:fontRef idx="minor">
+            <a:schemeClr val="lt1"/>
+          </a:fontRef>
+        </p:style>
+        <p:txBody>
+          <a:bodyPr rtlCol="0" anchor="ctr"/>
+          <a:lstStyle/>
+          <a:p>
+            <a:pPr algn="ctr"/>
+            <a:r>
+              <a:rPr lang="en-US" altLang="ko-KR" sz="1200" b="1" dirty="0" smtClean="0">
+                <a:solidFill>
+                  <a:schemeClr val="bg1">
+                    <a:lumMod val="85000"/>
+                  </a:schemeClr>
+                </a:solidFill>
+              </a:rPr>
+              <a:t>TPS</a:t>
+            </a:r>
+            <a:r>
+              <a:rPr lang="ko-KR" altLang="en-US" sz="1200" b="1" dirty="0" smtClean="0">
+                <a:solidFill>
+                  <a:schemeClr val="bg1">
+                    <a:lumMod val="85000"/>
+                  </a:schemeClr>
+                </a:solidFill>
+              </a:rPr>
+              <a:t>를 </a:t>
+            </a:r>
+            <a:r>
+              <a:rPr lang="ko-KR" altLang="en-US" sz="1200" b="1" dirty="0" smtClean="0">
+                <a:solidFill>
+                  <a:schemeClr val="bg1">
+                    <a:lumMod val="85000"/>
+                  </a:schemeClr>
+                </a:solidFill>
+              </a:rPr>
+              <a:t>사용했을 때의 </a:t>
+            </a:r>
+            <a:r>
+              <a:rPr lang="ko-KR" altLang="en-US" sz="1200" b="1" dirty="0" smtClean="0">
+                <a:solidFill>
+                  <a:schemeClr val="bg1">
+                    <a:lumMod val="85000"/>
+                  </a:schemeClr>
+                </a:solidFill>
+              </a:rPr>
+              <a:t>변화</a:t>
+            </a:r>
+            <a:endParaRPr lang="en-US" altLang="ko-KR" sz="1200" b="1" dirty="0" smtClean="0">
+              <a:solidFill>
+                <a:schemeClr val="bg1">
+                  <a:lumMod val="85000"/>
+                </a:schemeClr>
+              </a:solidFill>
+            </a:endParaRPr>
+          </a:p>
+          <a:p>
+            <a:pPr algn="ctr"/>
+            <a:endParaRPr lang="en-US" altLang="ko-KR" sz="600" b="1" dirty="0" smtClean="0">
+              <a:solidFill>
+                <a:schemeClr val="bg1">
+                  <a:lumMod val="85000"/>
+                </a:schemeClr>
+              </a:solidFill>
+            </a:endParaRPr>
+          </a:p>
+          <a:p>
+            <a:pPr marL="228600" indent="-228600">
+              <a:buAutoNum type="arabicParenR"/>
+            </a:pPr>
+            <a:r>
+              <a:rPr lang="ko-KR" altLang="en-US" sz="1200" dirty="0" smtClean="0">
+                <a:solidFill>
+                  <a:schemeClr val="bg1">
+                    <a:lumMod val="85000"/>
+                  </a:schemeClr>
+                </a:solidFill>
+              </a:rPr>
+              <a:t>실제 사람의 </a:t>
+            </a:r>
+            <a:r>
+              <a:rPr lang="ko-KR" altLang="en-US" sz="1200" dirty="0" err="1" smtClean="0">
+                <a:solidFill>
+                  <a:schemeClr val="bg1">
+                    <a:lumMod val="85000"/>
+                  </a:schemeClr>
+                </a:solidFill>
+              </a:rPr>
+              <a:t>시야각과</a:t>
+            </a:r>
+            <a:r>
+              <a:rPr lang="ko-KR" altLang="en-US" sz="1200" dirty="0" smtClean="0">
+                <a:solidFill>
+                  <a:schemeClr val="bg1">
+                    <a:lumMod val="85000"/>
+                  </a:schemeClr>
+                </a:solidFill>
+              </a:rPr>
+              <a:t> 유사한 시야를 확보할 수 있다</a:t>
+            </a:r>
+            <a:r>
+              <a:rPr lang="en-US" altLang="ko-KR" sz="1200" dirty="0" smtClean="0">
+                <a:solidFill>
+                  <a:schemeClr val="bg1">
+                    <a:lumMod val="85000"/>
+                  </a:schemeClr>
+                </a:solidFill>
+              </a:rPr>
+              <a:t>.     </a:t>
+            </a:r>
+            <a:r>
+              <a:rPr lang="en-US" altLang="ko-KR" sz="1200" b="1" dirty="0" smtClean="0">
+                <a:solidFill>
+                  <a:schemeClr val="bg1">
+                    <a:lumMod val="85000"/>
+                  </a:schemeClr>
+                </a:solidFill>
+              </a:rPr>
+              <a:t>→</a:t>
+            </a:r>
+            <a:r>
+              <a:rPr lang="en-US" altLang="ko-KR" sz="1200" dirty="0" smtClean="0">
+                <a:solidFill>
+                  <a:schemeClr val="bg1">
+                    <a:lumMod val="85000"/>
+                  </a:schemeClr>
+                </a:solidFill>
+              </a:rPr>
+              <a:t>     </a:t>
+            </a:r>
+            <a:r>
+              <a:rPr lang="ko-KR" altLang="en-US" sz="1200" dirty="0" smtClean="0">
+                <a:solidFill>
+                  <a:schemeClr val="accent4"/>
+                </a:solidFill>
+              </a:rPr>
+              <a:t>현실감</a:t>
+            </a:r>
+            <a:r>
+              <a:rPr lang="ko-KR" altLang="en-US" sz="1200" dirty="0" smtClean="0">
+                <a:solidFill>
+                  <a:schemeClr val="bg1">
+                    <a:lumMod val="85000"/>
+                  </a:schemeClr>
+                </a:solidFill>
+              </a:rPr>
+              <a:t>을 살려준다</a:t>
+            </a:r>
+            <a:r>
+              <a:rPr lang="en-US" altLang="ko-KR" sz="1200" dirty="0" smtClean="0">
+                <a:solidFill>
+                  <a:schemeClr val="bg1">
+                    <a:lumMod val="85000"/>
+                  </a:schemeClr>
+                </a:solidFill>
+              </a:rPr>
+              <a:t>.</a:t>
+            </a:r>
+            <a:endParaRPr lang="en-US" altLang="ko-KR" sz="1200" dirty="0">
+              <a:solidFill>
+                <a:schemeClr val="bg1">
+                  <a:lumMod val="85000"/>
+                </a:schemeClr>
+              </a:solidFill>
+            </a:endParaRPr>
+          </a:p>
+          <a:p>
+            <a:r>
+              <a:rPr lang="en-US" altLang="ko-KR" sz="1200" dirty="0" smtClean="0">
+                <a:solidFill>
+                  <a:schemeClr val="bg1">
+                    <a:lumMod val="85000"/>
+                  </a:schemeClr>
+                </a:solidFill>
+              </a:rPr>
+              <a:t>2)  </a:t>
+            </a:r>
+            <a:r>
+              <a:rPr lang="ko-KR" altLang="en-US" sz="1200" dirty="0" err="1" smtClean="0">
+                <a:solidFill>
+                  <a:schemeClr val="bg1">
+                    <a:lumMod val="85000"/>
+                  </a:schemeClr>
+                </a:solidFill>
+              </a:rPr>
+              <a:t>시야각이</a:t>
+            </a:r>
+            <a:r>
+              <a:rPr lang="ko-KR" altLang="en-US" sz="1200" dirty="0" smtClean="0">
+                <a:solidFill>
+                  <a:schemeClr val="bg1">
+                    <a:lumMod val="85000"/>
+                  </a:schemeClr>
+                </a:solidFill>
+              </a:rPr>
+              <a:t> 넓어져 화면과 배경을 더 넓게 볼 수 </a:t>
+            </a:r>
+            <a:r>
+              <a:rPr lang="ko-KR" altLang="en-US" sz="1200" dirty="0" smtClean="0">
+                <a:solidFill>
+                  <a:schemeClr val="bg1">
+                    <a:lumMod val="85000"/>
+                  </a:schemeClr>
+                </a:solidFill>
+              </a:rPr>
+              <a:t>있다</a:t>
+            </a:r>
+            <a:r>
+              <a:rPr lang="en-US" altLang="ko-KR" sz="1200" dirty="0" smtClean="0">
+                <a:solidFill>
+                  <a:schemeClr val="bg1">
+                    <a:lumMod val="85000"/>
+                  </a:schemeClr>
+                </a:solidFill>
+              </a:rPr>
+              <a:t>.       </a:t>
+            </a:r>
+            <a:r>
+              <a:rPr lang="en-US" altLang="ko-KR" sz="1200" b="1" dirty="0" smtClean="0">
+                <a:solidFill>
+                  <a:schemeClr val="bg1">
+                    <a:lumMod val="85000"/>
+                  </a:schemeClr>
+                </a:solidFill>
+              </a:rPr>
+              <a:t>→</a:t>
+            </a:r>
+            <a:r>
+              <a:rPr lang="en-US" altLang="ko-KR" sz="1200" dirty="0" smtClean="0">
+                <a:solidFill>
+                  <a:schemeClr val="bg1">
+                    <a:lumMod val="85000"/>
+                  </a:schemeClr>
+                </a:solidFill>
+              </a:rPr>
+              <a:t>     UI</a:t>
+            </a:r>
+            <a:r>
+              <a:rPr lang="ko-KR" altLang="en-US" sz="1200" dirty="0" smtClean="0">
+                <a:solidFill>
+                  <a:schemeClr val="bg1">
+                    <a:lumMod val="85000"/>
+                  </a:schemeClr>
+                </a:solidFill>
+              </a:rPr>
+              <a:t>로 인한 캐릭터 시야의 </a:t>
+            </a:r>
+            <a:r>
+              <a:rPr lang="ko-KR" altLang="en-US" sz="1200" dirty="0" smtClean="0">
+                <a:solidFill>
+                  <a:schemeClr val="accent4"/>
+                </a:solidFill>
+              </a:rPr>
+              <a:t>부담이 적다</a:t>
+            </a:r>
+            <a:r>
+              <a:rPr lang="en-US" altLang="ko-KR" sz="1200" dirty="0" smtClean="0">
+                <a:solidFill>
+                  <a:schemeClr val="bg1">
+                    <a:lumMod val="85000"/>
+                  </a:schemeClr>
+                </a:solidFill>
+              </a:rPr>
+              <a:t>.</a:t>
+            </a:r>
+          </a:p>
+          <a:p>
+            <a:r>
+              <a:rPr lang="en-US" altLang="ko-KR" sz="1200" dirty="0" smtClean="0">
+                <a:solidFill>
+                  <a:schemeClr val="bg1">
+                    <a:lumMod val="85000"/>
+                  </a:schemeClr>
+                </a:solidFill>
+              </a:rPr>
+              <a:t>3)  </a:t>
+            </a:r>
+            <a:r>
+              <a:rPr lang="ko-KR" altLang="en-US" sz="1200" dirty="0" err="1" smtClean="0">
+                <a:solidFill>
+                  <a:schemeClr val="bg1">
+                    <a:lumMod val="85000"/>
+                  </a:schemeClr>
+                </a:solidFill>
+              </a:rPr>
+              <a:t>시야고도가</a:t>
+            </a:r>
+            <a:r>
+              <a:rPr lang="ko-KR" altLang="en-US" sz="1200" dirty="0" smtClean="0">
+                <a:solidFill>
+                  <a:schemeClr val="bg1">
+                    <a:lumMod val="85000"/>
+                  </a:schemeClr>
+                </a:solidFill>
+              </a:rPr>
+              <a:t> 높아지고 캐릭터 주위 환경을 볼 수 있다</a:t>
+            </a:r>
+            <a:r>
+              <a:rPr lang="en-US" altLang="ko-KR" sz="1200" dirty="0">
+                <a:solidFill>
+                  <a:schemeClr val="bg1">
+                    <a:lumMod val="85000"/>
+                  </a:schemeClr>
+                </a:solidFill>
+              </a:rPr>
+              <a:t>. </a:t>
+            </a:r>
+            <a:r>
+              <a:rPr lang="en-US" altLang="ko-KR" sz="1200" dirty="0" smtClean="0">
+                <a:solidFill>
+                  <a:schemeClr val="bg1">
+                    <a:lumMod val="85000"/>
+                  </a:schemeClr>
+                </a:solidFill>
+              </a:rPr>
+              <a:t>    </a:t>
+            </a:r>
+            <a:r>
+              <a:rPr lang="en-US" altLang="ko-KR" sz="1200" b="1" dirty="0" smtClean="0">
+                <a:solidFill>
+                  <a:schemeClr val="bg1">
+                    <a:lumMod val="85000"/>
+                  </a:schemeClr>
+                </a:solidFill>
+              </a:rPr>
+              <a:t>→</a:t>
+            </a:r>
+            <a:r>
+              <a:rPr lang="en-US" altLang="ko-KR" sz="1200" dirty="0" smtClean="0">
+                <a:solidFill>
+                  <a:schemeClr val="bg1">
+                    <a:lumMod val="85000"/>
+                  </a:schemeClr>
+                </a:solidFill>
+              </a:rPr>
+              <a:t>     </a:t>
+            </a:r>
+            <a:r>
+              <a:rPr lang="ko-KR" altLang="en-US" sz="1200" dirty="0" smtClean="0">
+                <a:solidFill>
+                  <a:schemeClr val="accent4"/>
+                </a:solidFill>
+              </a:rPr>
+              <a:t>더 많은 </a:t>
+            </a:r>
+            <a:r>
+              <a:rPr lang="ko-KR" altLang="en-US" sz="1200" dirty="0" smtClean="0">
+                <a:solidFill>
+                  <a:schemeClr val="accent4"/>
+                </a:solidFill>
+              </a:rPr>
+              <a:t>정보</a:t>
+            </a:r>
+            <a:r>
+              <a:rPr lang="ko-KR" altLang="en-US" sz="1200" dirty="0" smtClean="0">
+                <a:solidFill>
+                  <a:schemeClr val="bg1">
+                    <a:lumMod val="85000"/>
+                  </a:schemeClr>
+                </a:solidFill>
+              </a:rPr>
+              <a:t>를 획득하고 </a:t>
+            </a:r>
+            <a:r>
+              <a:rPr lang="ko-KR" altLang="en-US" sz="1200" dirty="0" smtClean="0">
+                <a:solidFill>
+                  <a:schemeClr val="bg1">
+                    <a:lumMod val="85000"/>
+                  </a:schemeClr>
+                </a:solidFill>
+              </a:rPr>
+              <a:t>분석할 수 </a:t>
+            </a:r>
+            <a:r>
+              <a:rPr lang="ko-KR" altLang="en-US" sz="1200" dirty="0" smtClean="0">
+                <a:solidFill>
+                  <a:schemeClr val="bg1">
+                    <a:lumMod val="85000"/>
+                  </a:schemeClr>
+                </a:solidFill>
+              </a:rPr>
+              <a:t>있다</a:t>
+            </a:r>
+            <a:r>
+              <a:rPr lang="en-US" altLang="ko-KR" sz="1200" dirty="0" smtClean="0">
+                <a:solidFill>
+                  <a:schemeClr val="bg1">
+                    <a:lumMod val="85000"/>
+                  </a:schemeClr>
+                </a:solidFill>
+              </a:rPr>
+              <a:t>.</a:t>
+            </a:r>
+          </a:p>
+          <a:p>
+            <a:r>
+              <a:rPr lang="en-US" altLang="ko-KR" sz="1200" dirty="0" smtClean="0">
+                <a:solidFill>
+                  <a:schemeClr val="bg1">
+                    <a:lumMod val="85000"/>
+                  </a:schemeClr>
+                </a:solidFill>
+              </a:rPr>
+              <a:t>4)  </a:t>
+            </a:r>
+            <a:r>
+              <a:rPr lang="ko-KR" altLang="en-US" sz="1200" dirty="0" smtClean="0">
+                <a:solidFill>
+                  <a:schemeClr val="bg1">
+                    <a:lumMod val="85000"/>
+                  </a:schemeClr>
+                </a:solidFill>
+              </a:rPr>
+              <a:t>시야를 돌려 </a:t>
+            </a:r>
+            <a:r>
+              <a:rPr lang="ko-KR" altLang="en-US" sz="1200" dirty="0" smtClean="0">
+                <a:solidFill>
+                  <a:schemeClr val="bg1">
+                    <a:lumMod val="85000"/>
+                  </a:schemeClr>
+                </a:solidFill>
+              </a:rPr>
+              <a:t>엄폐물 </a:t>
+            </a:r>
+            <a:r>
+              <a:rPr lang="ko-KR" altLang="en-US" sz="1200" dirty="0" smtClean="0">
+                <a:solidFill>
+                  <a:schemeClr val="bg1">
+                    <a:lumMod val="85000"/>
+                  </a:schemeClr>
+                </a:solidFill>
+              </a:rPr>
+              <a:t>너머의 존재를 </a:t>
+            </a:r>
+            <a:r>
+              <a:rPr lang="ko-KR" altLang="en-US" sz="1200" dirty="0" smtClean="0">
+                <a:solidFill>
+                  <a:schemeClr val="bg1">
+                    <a:lumMod val="85000"/>
+                  </a:schemeClr>
+                </a:solidFill>
+              </a:rPr>
+              <a:t>확인할 수 있다</a:t>
+            </a:r>
+            <a:r>
+              <a:rPr lang="en-US" altLang="ko-KR" sz="1200" dirty="0">
+                <a:solidFill>
+                  <a:schemeClr val="bg1">
+                    <a:lumMod val="85000"/>
+                  </a:schemeClr>
+                </a:solidFill>
+              </a:rPr>
+              <a:t>. </a:t>
+            </a:r>
+            <a:r>
+              <a:rPr lang="en-US" altLang="ko-KR" sz="1200" dirty="0" smtClean="0">
+                <a:solidFill>
+                  <a:schemeClr val="bg1">
+                    <a:lumMod val="85000"/>
+                  </a:schemeClr>
+                </a:solidFill>
+              </a:rPr>
+              <a:t>       </a:t>
+            </a:r>
+            <a:r>
+              <a:rPr lang="en-US" altLang="ko-KR" sz="1200" b="1" dirty="0" smtClean="0">
+                <a:solidFill>
+                  <a:schemeClr val="bg1">
+                    <a:lumMod val="85000"/>
+                  </a:schemeClr>
+                </a:solidFill>
+              </a:rPr>
+              <a:t>→</a:t>
+            </a:r>
+            <a:r>
+              <a:rPr lang="en-US" altLang="ko-KR" sz="1200" dirty="0" smtClean="0">
+                <a:solidFill>
+                  <a:schemeClr val="bg1">
+                    <a:lumMod val="85000"/>
+                  </a:schemeClr>
+                </a:solidFill>
+              </a:rPr>
+              <a:t>     </a:t>
+            </a:r>
+            <a:r>
+              <a:rPr lang="ko-KR" altLang="en-US" sz="1200" dirty="0" err="1" smtClean="0">
+                <a:solidFill>
+                  <a:schemeClr val="accent4"/>
+                </a:solidFill>
+              </a:rPr>
+              <a:t>수비측</a:t>
+            </a:r>
+            <a:r>
+              <a:rPr lang="ko-KR" altLang="en-US" sz="1200" dirty="0" err="1" smtClean="0">
+                <a:solidFill>
+                  <a:schemeClr val="bg1">
+                    <a:lumMod val="85000"/>
+                  </a:schemeClr>
+                </a:solidFill>
+              </a:rPr>
+              <a:t>이</a:t>
+            </a:r>
+            <a:r>
+              <a:rPr lang="ko-KR" altLang="en-US" sz="1200" dirty="0" smtClean="0">
+                <a:solidFill>
+                  <a:schemeClr val="bg1">
+                    <a:lumMod val="85000"/>
+                  </a:schemeClr>
+                </a:solidFill>
+              </a:rPr>
+              <a:t> 상당한 이점을 가져간다</a:t>
+            </a:r>
+            <a:r>
+              <a:rPr lang="en-US" altLang="ko-KR" sz="1200" dirty="0" smtClean="0">
+                <a:solidFill>
+                  <a:schemeClr val="bg1">
+                    <a:lumMod val="85000"/>
+                  </a:schemeClr>
+                </a:solidFill>
+              </a:rPr>
+              <a:t>.</a:t>
+            </a:r>
+            <a:endParaRPr lang="en-US" altLang="ko-KR" sz="1200" dirty="0">
+              <a:solidFill>
+                <a:schemeClr val="bg1">
+                  <a:lumMod val="85000"/>
+                </a:schemeClr>
+              </a:solidFill>
+            </a:endParaRPr>
+          </a:p>
+          <a:p>
+            <a:endParaRPr lang="en-US" altLang="ko-KR" sz="1200" dirty="0" smtClean="0">
+              <a:solidFill>
+                <a:schemeClr val="bg1">
+                  <a:lumMod val="85000"/>
+                </a:schemeClr>
+              </a:solidFill>
+            </a:endParaRPr>
+          </a:p>
+          <a:p>
+            <a:r>
+              <a:rPr lang="en-US" altLang="ko-KR" sz="1200" dirty="0" smtClean="0">
+                <a:solidFill>
+                  <a:schemeClr val="bg1">
+                    <a:lumMod val="85000"/>
+                  </a:schemeClr>
+                </a:solidFill>
+              </a:rPr>
+              <a:t>■ FPS </a:t>
+            </a:r>
+            <a:r>
+              <a:rPr lang="ko-KR" altLang="en-US" sz="1200" dirty="0" smtClean="0">
+                <a:solidFill>
+                  <a:schemeClr val="bg1">
+                    <a:lumMod val="85000"/>
+                  </a:schemeClr>
+                </a:solidFill>
+              </a:rPr>
+              <a:t>환경보다 </a:t>
+            </a:r>
+            <a:r>
+              <a:rPr lang="ko-KR" altLang="en-US" sz="1200" dirty="0" smtClean="0">
+                <a:solidFill>
+                  <a:schemeClr val="bg1">
+                    <a:lumMod val="85000"/>
+                  </a:schemeClr>
+                </a:solidFill>
+              </a:rPr>
+              <a:t>낮은 체감 난이도를 바탕으로 </a:t>
+            </a:r>
+            <a:r>
+              <a:rPr lang="ko-KR" altLang="en-US" sz="1200" dirty="0" err="1" smtClean="0">
+                <a:solidFill>
+                  <a:schemeClr val="bg1">
+                    <a:lumMod val="85000"/>
+                  </a:schemeClr>
+                </a:solidFill>
+              </a:rPr>
+              <a:t>배틀로얄에</a:t>
+            </a:r>
+            <a:r>
+              <a:rPr lang="ko-KR" altLang="en-US" sz="1200" dirty="0" smtClean="0">
+                <a:solidFill>
+                  <a:schemeClr val="bg1">
+                    <a:lumMod val="85000"/>
+                  </a:schemeClr>
+                </a:solidFill>
+              </a:rPr>
+              <a:t> 익숙하지 않은 </a:t>
+            </a:r>
+            <a:r>
+              <a:rPr lang="ko-KR" altLang="en-US" sz="1200" dirty="0" smtClean="0">
+                <a:solidFill>
+                  <a:schemeClr val="bg1">
+                    <a:lumMod val="85000"/>
+                  </a:schemeClr>
+                </a:solidFill>
+              </a:rPr>
+              <a:t>유저들을 배려</a:t>
+            </a:r>
+            <a:r>
+              <a:rPr lang="en-US" altLang="ko-KR" sz="1200" dirty="0" smtClean="0">
+                <a:solidFill>
+                  <a:schemeClr val="bg1">
+                    <a:lumMod val="85000"/>
+                  </a:schemeClr>
+                </a:solidFill>
+              </a:rPr>
+              <a:t>, </a:t>
+            </a:r>
+            <a:r>
+              <a:rPr lang="ko-KR" altLang="en-US" sz="1200" dirty="0" smtClean="0">
+                <a:solidFill>
+                  <a:schemeClr val="accent4"/>
+                </a:solidFill>
+              </a:rPr>
+              <a:t>접근성을 높임</a:t>
+            </a:r>
+            <a:r>
+              <a:rPr lang="en-US" altLang="ko-KR" sz="1200" dirty="0" smtClean="0">
+                <a:solidFill>
+                  <a:schemeClr val="bg1">
+                    <a:lumMod val="85000"/>
+                  </a:schemeClr>
+                </a:solidFill>
+              </a:rPr>
+              <a:t>.</a:t>
+            </a:r>
+            <a:endParaRPr lang="en-US" altLang="ko-KR" sz="1200" dirty="0" smtClean="0">
+              <a:solidFill>
+                <a:schemeClr val="bg1">
+                  <a:lumMod val="85000"/>
+                </a:schemeClr>
+              </a:solidFill>
+            </a:endParaRPr>
+          </a:p>
+          <a:p>
+            <a:r>
+              <a:rPr lang="en-US" altLang="ko-KR" sz="1200" dirty="0">
+                <a:solidFill>
+                  <a:schemeClr val="bg1">
+                    <a:lumMod val="85000"/>
+                  </a:schemeClr>
+                </a:solidFill>
+              </a:rPr>
+              <a:t>■ </a:t>
+            </a:r>
+            <a:r>
+              <a:rPr lang="ko-KR" altLang="en-US" sz="1200" dirty="0" smtClean="0">
+                <a:solidFill>
+                  <a:schemeClr val="bg1">
+                    <a:lumMod val="85000"/>
+                  </a:schemeClr>
+                </a:solidFill>
+              </a:rPr>
+              <a:t>오로지 에임에 의한 사격 승부보다는</a:t>
+            </a:r>
+            <a:r>
+              <a:rPr lang="en-US" altLang="ko-KR" sz="1200" dirty="0" smtClean="0">
+                <a:solidFill>
+                  <a:schemeClr val="bg1">
+                    <a:lumMod val="85000"/>
+                  </a:schemeClr>
+                </a:solidFill>
+              </a:rPr>
+              <a:t> </a:t>
+            </a:r>
+            <a:r>
+              <a:rPr lang="ko-KR" altLang="en-US" sz="1200" dirty="0" err="1" smtClean="0">
+                <a:solidFill>
+                  <a:schemeClr val="bg1">
+                    <a:lumMod val="85000"/>
+                  </a:schemeClr>
+                </a:solidFill>
+              </a:rPr>
+              <a:t>은엄폐</a:t>
+            </a:r>
+            <a:r>
+              <a:rPr lang="en-US" altLang="ko-KR" sz="1200" dirty="0" smtClean="0">
+                <a:solidFill>
+                  <a:schemeClr val="bg1">
+                    <a:lumMod val="85000"/>
+                  </a:schemeClr>
+                </a:solidFill>
+              </a:rPr>
+              <a:t>, </a:t>
+            </a:r>
+            <a:r>
+              <a:rPr lang="ko-KR" altLang="en-US" sz="1200" dirty="0" smtClean="0">
+                <a:solidFill>
+                  <a:schemeClr val="bg1">
+                    <a:lumMod val="85000"/>
+                  </a:schemeClr>
+                </a:solidFill>
+              </a:rPr>
+              <a:t>요충지 점령</a:t>
+            </a:r>
+            <a:r>
+              <a:rPr lang="en-US" altLang="ko-KR" sz="1200" dirty="0" smtClean="0">
+                <a:solidFill>
+                  <a:schemeClr val="bg1">
+                    <a:lumMod val="85000"/>
+                  </a:schemeClr>
+                </a:solidFill>
+              </a:rPr>
+              <a:t>, </a:t>
+            </a:r>
+            <a:r>
+              <a:rPr lang="ko-KR" altLang="en-US" sz="1200" dirty="0" smtClean="0">
+                <a:solidFill>
+                  <a:schemeClr val="bg1">
+                    <a:lumMod val="85000"/>
+                  </a:schemeClr>
+                </a:solidFill>
+              </a:rPr>
+              <a:t>사주 경계 같은 </a:t>
+            </a:r>
+            <a:r>
+              <a:rPr lang="ko-KR" altLang="en-US" sz="1200" dirty="0" smtClean="0">
+                <a:solidFill>
+                  <a:schemeClr val="accent4"/>
+                </a:solidFill>
+              </a:rPr>
+              <a:t>전략적 플레이를 장려</a:t>
+            </a:r>
+            <a:r>
+              <a:rPr lang="ko-KR" altLang="en-US" sz="1200" dirty="0" smtClean="0">
+                <a:solidFill>
+                  <a:schemeClr val="bg1">
+                    <a:lumMod val="85000"/>
+                  </a:schemeClr>
+                </a:solidFill>
+              </a:rPr>
+              <a:t>함</a:t>
+            </a:r>
+            <a:r>
+              <a:rPr lang="en-US" altLang="ko-KR" sz="1200" dirty="0" smtClean="0">
+                <a:solidFill>
+                  <a:schemeClr val="bg1">
+                    <a:lumMod val="85000"/>
+                  </a:schemeClr>
+                </a:solidFill>
+              </a:rPr>
+              <a:t>.</a:t>
+            </a:r>
+            <a:endParaRPr lang="en-US" altLang="ko-KR" sz="1200" dirty="0">
+              <a:solidFill>
+                <a:schemeClr val="bg1">
+                  <a:lumMod val="85000"/>
+                </a:schemeClr>
+              </a:solidFill>
+            </a:endParaRPr>
+          </a:p>
+          <a:p>
+            <a:r>
+              <a:rPr lang="en-US" altLang="ko-KR" sz="1200" dirty="0">
+                <a:solidFill>
+                  <a:schemeClr val="bg1">
+                    <a:lumMod val="85000"/>
+                  </a:schemeClr>
+                </a:solidFill>
+              </a:rPr>
+              <a:t>■ </a:t>
+            </a:r>
+            <a:r>
+              <a:rPr lang="ko-KR" altLang="en-US" sz="1200" dirty="0" smtClean="0">
+                <a:solidFill>
+                  <a:schemeClr val="bg1">
+                    <a:lumMod val="85000"/>
+                  </a:schemeClr>
+                </a:solidFill>
+              </a:rPr>
+              <a:t>최대 </a:t>
+            </a:r>
+            <a:r>
+              <a:rPr lang="en-US" altLang="ko-KR" sz="1200" dirty="0" smtClean="0">
+                <a:solidFill>
+                  <a:schemeClr val="bg1">
+                    <a:lumMod val="85000"/>
+                  </a:schemeClr>
+                </a:solidFill>
+              </a:rPr>
+              <a:t>100</a:t>
+            </a:r>
+            <a:r>
+              <a:rPr lang="ko-KR" altLang="en-US" sz="1200" dirty="0" smtClean="0">
+                <a:solidFill>
+                  <a:schemeClr val="bg1">
+                    <a:lumMod val="85000"/>
+                  </a:schemeClr>
+                </a:solidFill>
+              </a:rPr>
+              <a:t>인의 전투</a:t>
+            </a:r>
+            <a:r>
+              <a:rPr lang="en-US" altLang="ko-KR" sz="1200" dirty="0" smtClean="0">
+                <a:solidFill>
+                  <a:schemeClr val="bg1">
+                    <a:lumMod val="85000"/>
+                  </a:schemeClr>
+                </a:solidFill>
+              </a:rPr>
+              <a:t>, </a:t>
+            </a:r>
+            <a:r>
+              <a:rPr lang="ko-KR" altLang="en-US" sz="1200" dirty="0" err="1" smtClean="0">
+                <a:solidFill>
+                  <a:schemeClr val="bg1">
+                    <a:lumMod val="85000"/>
+                  </a:schemeClr>
+                </a:solidFill>
+              </a:rPr>
+              <a:t>맵이</a:t>
+            </a:r>
+            <a:r>
+              <a:rPr lang="ko-KR" altLang="en-US" sz="1200" dirty="0" smtClean="0">
+                <a:solidFill>
+                  <a:schemeClr val="bg1">
+                    <a:lumMod val="85000"/>
+                  </a:schemeClr>
+                </a:solidFill>
+              </a:rPr>
+              <a:t> </a:t>
+            </a:r>
+            <a:r>
+              <a:rPr lang="ko-KR" altLang="en-US" sz="1200" dirty="0" smtClean="0">
+                <a:solidFill>
+                  <a:schemeClr val="bg1">
+                    <a:lumMod val="85000"/>
+                  </a:schemeClr>
+                </a:solidFill>
+              </a:rPr>
+              <a:t>매우 넓고 </a:t>
+            </a:r>
+            <a:r>
+              <a:rPr lang="ko-KR" altLang="en-US" sz="1200" dirty="0" smtClean="0">
+                <a:solidFill>
+                  <a:schemeClr val="bg1">
+                    <a:lumMod val="85000"/>
+                  </a:schemeClr>
+                </a:solidFill>
+              </a:rPr>
+              <a:t>큰 점 등을</a:t>
+            </a:r>
+            <a:r>
+              <a:rPr lang="ko-KR" altLang="en-US" sz="1200" dirty="0" smtClean="0">
+                <a:solidFill>
+                  <a:schemeClr val="bg1">
+                    <a:lumMod val="85000"/>
+                  </a:schemeClr>
+                </a:solidFill>
+              </a:rPr>
+              <a:t> 고려하여 플레이의 </a:t>
+            </a:r>
+            <a:r>
+              <a:rPr lang="ko-KR" altLang="en-US" sz="1200" dirty="0" smtClean="0">
+                <a:solidFill>
+                  <a:schemeClr val="accent4"/>
+                </a:solidFill>
+              </a:rPr>
+              <a:t>편의성을 증대</a:t>
+            </a:r>
+            <a:r>
+              <a:rPr lang="ko-KR" altLang="en-US" sz="1200" dirty="0" smtClean="0">
+                <a:solidFill>
+                  <a:schemeClr val="bg1">
+                    <a:lumMod val="85000"/>
+                  </a:schemeClr>
+                </a:solidFill>
+              </a:rPr>
+              <a:t>시키고 지나친 부담을 줄임</a:t>
+            </a:r>
+            <a:r>
+              <a:rPr lang="en-US" altLang="ko-KR" sz="1200" dirty="0" smtClean="0">
+                <a:solidFill>
+                  <a:schemeClr val="bg1">
+                    <a:lumMod val="85000"/>
+                  </a:schemeClr>
+                </a:solidFill>
+              </a:rPr>
+              <a:t>.</a:t>
+            </a:r>
+            <a:endParaRPr lang="en-US" altLang="ko-KR" sz="1200" dirty="0" smtClean="0">
+              <a:solidFill>
+                <a:schemeClr val="bg1">
+                  <a:lumMod val="85000"/>
+                </a:schemeClr>
+              </a:solidFill>
+            </a:endParaRPr>
+          </a:p>
+        </p:txBody>
+      </p:sp>
+      <p:sp>
+        <p:nvSpPr>
+          <p:cNvPr id="10" name="직사각형 9">
+            <a:extLst>
+              <a:ext uri="{FF2B5EF4-FFF2-40B4-BE49-F238E27FC236}">
+                <a16:creationId xmlns:a16="http://schemas.microsoft.com/office/drawing/2014/main" id="{76B5609D-62AE-4714-BDF8-6284F2967DFB}"/>
+              </a:ext>
+            </a:extLst>
+          </p:cNvPr>
+          <p:cNvSpPr/>
+          <p:nvPr/>
+        </p:nvSpPr>
+        <p:spPr>
+          <a:xfrm>
+            <a:off x="2182734" y="4043464"/>
+            <a:ext cx="1679784" cy="323165"/>
+          </a:xfrm>
+          <a:prstGeom prst="rect">
+            <a:avLst/>
+          </a:prstGeom>
+        </p:spPr>
+        <p:txBody>
+          <a:bodyPr wrap="square">
+            <a:spAutoFit/>
+          </a:bodyPr>
+          <a:lstStyle/>
+          <a:p>
+            <a:pPr>
+              <a:lnSpc>
+                <a:spcPct val="150000"/>
+              </a:lnSpc>
+            </a:pPr>
+            <a:r>
+              <a:rPr lang="en-US" altLang="ko-KR" sz="1000" dirty="0" smtClean="0">
+                <a:solidFill>
+                  <a:prstClr val="white">
+                    <a:lumMod val="75000"/>
+                  </a:prstClr>
+                </a:solidFill>
+              </a:rPr>
+              <a:t>&lt; TPS </a:t>
+            </a:r>
+            <a:r>
+              <a:rPr lang="ko-KR" altLang="en-US" sz="1000" dirty="0" smtClean="0">
+                <a:solidFill>
+                  <a:prstClr val="white">
+                    <a:lumMod val="75000"/>
+                  </a:prstClr>
+                </a:solidFill>
+              </a:rPr>
+              <a:t>환경에서의 시점 </a:t>
+            </a:r>
+            <a:r>
+              <a:rPr lang="en-US" altLang="ko-KR" sz="1000" dirty="0" smtClean="0">
+                <a:solidFill>
+                  <a:prstClr val="white">
+                    <a:lumMod val="75000"/>
+                  </a:prstClr>
+                </a:solidFill>
+              </a:rPr>
+              <a:t>&gt;</a:t>
+            </a:r>
+            <a:endParaRPr lang="ko-KR" altLang="en-US" sz="1000" dirty="0">
+              <a:solidFill>
+                <a:prstClr val="white">
+                  <a:lumMod val="75000"/>
+                </a:prstClr>
+              </a:solidFill>
+            </a:endParaRPr>
+          </a:p>
+        </p:txBody>
+      </p:sp>
+      <p:sp>
+        <p:nvSpPr>
+          <p:cNvPr id="11" name="직사각형 10">
+            <a:extLst>
+              <a:ext uri="{FF2B5EF4-FFF2-40B4-BE49-F238E27FC236}">
+                <a16:creationId xmlns:a16="http://schemas.microsoft.com/office/drawing/2014/main" id="{76B5609D-62AE-4714-BDF8-6284F2967DFB}"/>
+              </a:ext>
+            </a:extLst>
+          </p:cNvPr>
+          <p:cNvSpPr/>
+          <p:nvPr/>
+        </p:nvSpPr>
+        <p:spPr>
+          <a:xfrm>
+            <a:off x="8103450" y="4054001"/>
+            <a:ext cx="1679784" cy="323165"/>
+          </a:xfrm>
+          <a:prstGeom prst="rect">
+            <a:avLst/>
+          </a:prstGeom>
+        </p:spPr>
+        <p:txBody>
+          <a:bodyPr wrap="square">
+            <a:spAutoFit/>
+          </a:bodyPr>
+          <a:lstStyle/>
+          <a:p>
+            <a:pPr>
+              <a:lnSpc>
+                <a:spcPct val="150000"/>
+              </a:lnSpc>
+            </a:pPr>
+            <a:r>
+              <a:rPr lang="en-US" altLang="ko-KR" sz="1000" dirty="0" smtClean="0">
+                <a:solidFill>
+                  <a:prstClr val="white">
+                    <a:lumMod val="75000"/>
+                  </a:prstClr>
+                </a:solidFill>
+              </a:rPr>
+              <a:t>&lt; FPS </a:t>
+            </a:r>
+            <a:r>
+              <a:rPr lang="ko-KR" altLang="en-US" sz="1000" dirty="0" smtClean="0">
+                <a:solidFill>
+                  <a:prstClr val="white">
+                    <a:lumMod val="75000"/>
+                  </a:prstClr>
+                </a:solidFill>
+              </a:rPr>
+              <a:t>환경에서의 시점 </a:t>
+            </a:r>
+            <a:r>
+              <a:rPr lang="en-US" altLang="ko-KR" sz="1000" dirty="0" smtClean="0">
+                <a:solidFill>
+                  <a:prstClr val="white">
+                    <a:lumMod val="75000"/>
+                  </a:prstClr>
+                </a:solidFill>
+              </a:rPr>
+              <a:t>&gt;</a:t>
+            </a:r>
+            <a:endParaRPr lang="ko-KR" altLang="en-US" sz="1000" dirty="0">
+              <a:solidFill>
+                <a:prstClr val="white">
+                  <a:lumMod val="75000"/>
+                </a:prstClr>
+              </a:solidFill>
+            </a:endParaRPr>
+          </a:p>
+        </p:txBody>
+      </p:sp>
+      <p:sp>
+        <p:nvSpPr>
+          <p:cNvPr id="8" name="액자 7"/>
+          <p:cNvSpPr/>
+          <p:nvPr/>
+        </p:nvSpPr>
+        <p:spPr>
+          <a:xfrm>
+            <a:off x="566310" y="1284939"/>
+            <a:ext cx="4912633" cy="2769062"/>
+          </a:xfrm>
+          <a:prstGeom prst="frame">
+            <a:avLst>
+              <a:gd name="adj1" fmla="val 1501"/>
+            </a:avLst>
+          </a:prstGeom>
+          <a:solidFill>
+            <a:srgbClr val="C00000"/>
+          </a:solidFill>
+          <a:ln>
+            <a:solidFill>
+              <a:srgbClr val="C00000"/>
+            </a:solidFill>
+          </a:ln>
+        </p:spPr>
+        <p:style>
+          <a:lnRef idx="2">
+            <a:schemeClr val="accent1">
+              <a:shade val="50000"/>
+            </a:schemeClr>
+          </a:lnRef>
+          <a:fillRef idx="1">
+            <a:schemeClr val="accent1"/>
+          </a:fillRef>
+          <a:effectRef idx="0">
+            <a:schemeClr val="accent1"/>
+          </a:effectRef>
+          <a:fontRef idx="minor">
+            <a:schemeClr val="lt1"/>
+          </a:fontRef>
+        </p:style>
+        <p:txBody>
+          <a:bodyPr rtlCol="0" anchor="ctr"/>
+          <a:lstStyle/>
+          <a:p>
+            <a:pPr algn="ctr"/>
+            <a:endParaRPr lang="ko-KR" altLang="en-US">
+              <a:solidFill>
+                <a:schemeClr val="tx1"/>
+              </a:solidFill>
+            </a:endParaRPr>
+          </a:p>
+        </p:txBody>
+      </p:sp>
+    </p:spTree>
+    <p:extLst>
+      <p:ext uri="{BB962C8B-B14F-4D97-AF65-F5344CB8AC3E}">
+        <p14:creationId xmlns:p14="http://schemas.microsoft.com/office/powerpoint/2010/main" val="2492380108"/>
+      </p:ext>
+    </p:extLst>
+  </p:cSld>
+  <p:clrMapOvr>
+    <a:masterClrMapping/>
+  </p:clrMapOvr>
+  <p:timing>
+    <p:tnLst>
+      <p:par>
+        <p:cTn id="1" dur="indefinite" restart="never" nodeType="tmRoot"/>
+      </p:par>
+    </p:tnLst>
+  </p:timing>
+</p:sld>
+</file>
+
+<file path=ppt/slides/slide6.xml><?xml version="1.0" encoding="utf-8"?>
+<p:sld xmlns:a="http://schemas.openxmlformats.org/drawingml/2006/main" xmlns:r="http://schemas.openxmlformats.org/officeDocument/2006/relationships" xmlns:p="http://schemas.openxmlformats.org/presentationml/2006/main">
+  <p:cSld>
+    <p:bg>
+      <p:bgPr>
+        <a:solidFill>
+          <a:schemeClr val="tx2">
+            <a:lumMod val="50000"/>
+          </a:schemeClr>
+        </a:solidFill>
+        <a:effectLst/>
+      </p:bgPr>
+    </p:bg>
+    <p:spTree>
+      <p:nvGrpSpPr>
+        <p:cNvPr id="1" name=""/>
+        <p:cNvGrpSpPr/>
+        <p:nvPr/>
+      </p:nvGrpSpPr>
+      <p:grpSpPr>
+        <a:xfrm>
+          <a:off x="0" y="0"/>
+          <a:ext cx="0" cy="0"/>
+          <a:chOff x="0" y="0"/>
+          <a:chExt cx="0" cy="0"/>
+        </a:xfrm>
+      </p:grpSpPr>
+      <p:sp>
+        <p:nvSpPr>
           <p:cNvPr id="40" name="사각형: 둥근 모서리 39">
             <a:extLst>
               <a:ext uri="{FF2B5EF4-FFF2-40B4-BE49-F238E27FC236}">
-                <a16:creationId xmlns:a16="http://schemas.microsoft.com/office/drawing/2014/main" xmlns="" id="{DEB48728-12FA-4B10-82E6-7899DDCA2731}"/>
+                <a16:creationId xmlns:a16="http://schemas.microsoft.com/office/drawing/2014/main" id="{DEB48728-12FA-4B10-82E6-7899DDCA2731}"/>
               </a:ext>
             </a:extLst>
           </p:cNvPr>
@@ -17148,7 +19738,7 @@
           <p:cNvPr id="43" name="직사각형 42">
             <a:extLst>
               <a:ext uri="{FF2B5EF4-FFF2-40B4-BE49-F238E27FC236}">
-                <a16:creationId xmlns:a16="http://schemas.microsoft.com/office/drawing/2014/main" xmlns="" id="{32B56811-2E7B-4FBF-99CB-4CECF20A9AC0}"/>
+                <a16:creationId xmlns:a16="http://schemas.microsoft.com/office/drawing/2014/main" id="{32B56811-2E7B-4FBF-99CB-4CECF20A9AC0}"/>
               </a:ext>
             </a:extLst>
           </p:cNvPr>
@@ -17225,7 +19815,7 @@
                 </a:solidFill>
               </a:rPr>
               <a:pPr/>
-              <a:t>5</a:t>
+              <a:t>6</a:t>
             </a:fld>
             <a:endParaRPr lang="ko-KR" altLang="en-US" sz="1600" dirty="0">
               <a:solidFill>
@@ -17287,7 +19877,7 @@
 </p:sld>
 </file>
 
-<file path=ppt/slides/slide6.xml><?xml version="1.0" encoding="utf-8"?>
+<file path=ppt/slides/slide7.xml><?xml version="1.0" encoding="utf-8"?>
 <p:sld xmlns:a="http://schemas.openxmlformats.org/drawingml/2006/main" xmlns:r="http://schemas.openxmlformats.org/officeDocument/2006/relationships" xmlns:p="http://schemas.openxmlformats.org/presentationml/2006/main">
   <p:cSld>
     <p:bg>
@@ -17319,7 +19909,7 @@
           <p:cNvPr id="40" name="사각형: 둥근 모서리 39">
             <a:extLst>
               <a:ext uri="{FF2B5EF4-FFF2-40B4-BE49-F238E27FC236}">
-                <a16:creationId xmlns:a16="http://schemas.microsoft.com/office/drawing/2014/main" xmlns="" id="{DEB48728-12FA-4B10-82E6-7899DDCA2731}"/>
+                <a16:creationId xmlns:a16="http://schemas.microsoft.com/office/drawing/2014/main" id="{DEB48728-12FA-4B10-82E6-7899DDCA2731}"/>
               </a:ext>
             </a:extLst>
           </p:cNvPr>
@@ -17391,7 +19981,7 @@
           <p:cNvPr id="43" name="직사각형 42">
             <a:extLst>
               <a:ext uri="{FF2B5EF4-FFF2-40B4-BE49-F238E27FC236}">
-                <a16:creationId xmlns:a16="http://schemas.microsoft.com/office/drawing/2014/main" xmlns="" id="{32B56811-2E7B-4FBF-99CB-4CECF20A9AC0}"/>
+                <a16:creationId xmlns:a16="http://schemas.microsoft.com/office/drawing/2014/main" id="{32B56811-2E7B-4FBF-99CB-4CECF20A9AC0}"/>
               </a:ext>
             </a:extLst>
           </p:cNvPr>
@@ -17468,7 +20058,7 @@
                 </a:solidFill>
               </a:rPr>
               <a:pPr/>
-              <a:t>6</a:t>
+              <a:t>7</a:t>
             </a:fld>
             <a:endParaRPr lang="ko-KR" altLang="en-US" sz="1600" dirty="0">
               <a:solidFill>
@@ -17895,7 +20485,7 @@
           <p:cNvPr id="15" name="직사각형 14">
             <a:extLst>
               <a:ext uri="{FF2B5EF4-FFF2-40B4-BE49-F238E27FC236}">
-                <a16:creationId xmlns:a16="http://schemas.microsoft.com/office/drawing/2014/main" xmlns="" id="{76B5609D-62AE-4714-BDF8-6284F2967DFB}"/>
+                <a16:creationId xmlns:a16="http://schemas.microsoft.com/office/drawing/2014/main" id="{76B5609D-62AE-4714-BDF8-6284F2967DFB}"/>
               </a:ext>
             </a:extLst>
           </p:cNvPr>
@@ -18008,7 +20598,7 @@
             <p:cNvPr id="19" name="직사각형 18">
               <a:extLst>
                 <a:ext uri="{FF2B5EF4-FFF2-40B4-BE49-F238E27FC236}">
-                  <a16:creationId xmlns:a16="http://schemas.microsoft.com/office/drawing/2014/main" xmlns="" id="{76B5609D-62AE-4714-BDF8-6284F2967DFB}"/>
+                  <a16:creationId xmlns:a16="http://schemas.microsoft.com/office/drawing/2014/main" id="{76B5609D-62AE-4714-BDF8-6284F2967DFB}"/>
                 </a:ext>
               </a:extLst>
             </p:cNvPr>
@@ -18117,7 +20707,7 @@
             <p:cNvPr id="22" name="직사각형 21">
               <a:extLst>
                 <a:ext uri="{FF2B5EF4-FFF2-40B4-BE49-F238E27FC236}">
-                  <a16:creationId xmlns:a16="http://schemas.microsoft.com/office/drawing/2014/main" xmlns="" id="{76B5609D-62AE-4714-BDF8-6284F2967DFB}"/>
+                  <a16:creationId xmlns:a16="http://schemas.microsoft.com/office/drawing/2014/main" id="{76B5609D-62AE-4714-BDF8-6284F2967DFB}"/>
                 </a:ext>
               </a:extLst>
             </p:cNvPr>
@@ -18217,7 +20807,7 @@
           <p:cNvPr id="31" name="직사각형 30">
             <a:extLst>
               <a:ext uri="{FF2B5EF4-FFF2-40B4-BE49-F238E27FC236}">
-                <a16:creationId xmlns:a16="http://schemas.microsoft.com/office/drawing/2014/main" xmlns="" id="{76B5609D-62AE-4714-BDF8-6284F2967DFB}"/>
+                <a16:creationId xmlns:a16="http://schemas.microsoft.com/office/drawing/2014/main" id="{76B5609D-62AE-4714-BDF8-6284F2967DFB}"/>
               </a:ext>
             </a:extLst>
           </p:cNvPr>
@@ -18316,7 +20906,7 @@
           <p:cNvPr id="32" name="직사각형 31">
             <a:extLst>
               <a:ext uri="{FF2B5EF4-FFF2-40B4-BE49-F238E27FC236}">
-                <a16:creationId xmlns:a16="http://schemas.microsoft.com/office/drawing/2014/main" xmlns="" id="{76B5609D-62AE-4714-BDF8-6284F2967DFB}"/>
+                <a16:creationId xmlns:a16="http://schemas.microsoft.com/office/drawing/2014/main" id="{76B5609D-62AE-4714-BDF8-6284F2967DFB}"/>
               </a:ext>
             </a:extLst>
           </p:cNvPr>
@@ -18429,7 +21019,7 @@
             <p:cNvPr id="36" name="직사각형 35">
               <a:extLst>
                 <a:ext uri="{FF2B5EF4-FFF2-40B4-BE49-F238E27FC236}">
-                  <a16:creationId xmlns:a16="http://schemas.microsoft.com/office/drawing/2014/main" xmlns="" id="{76B5609D-62AE-4714-BDF8-6284F2967DFB}"/>
+                  <a16:creationId xmlns:a16="http://schemas.microsoft.com/office/drawing/2014/main" id="{76B5609D-62AE-4714-BDF8-6284F2967DFB}"/>
                 </a:ext>
               </a:extLst>
             </p:cNvPr>
@@ -18524,7 +21114,7 @@
           <p:cNvPr id="42" name="직사각형 41">
             <a:extLst>
               <a:ext uri="{FF2B5EF4-FFF2-40B4-BE49-F238E27FC236}">
-                <a16:creationId xmlns:a16="http://schemas.microsoft.com/office/drawing/2014/main" xmlns="" id="{76B5609D-62AE-4714-BDF8-6284F2967DFB}"/>
+                <a16:creationId xmlns:a16="http://schemas.microsoft.com/office/drawing/2014/main" id="{76B5609D-62AE-4714-BDF8-6284F2967DFB}"/>
               </a:ext>
             </a:extLst>
           </p:cNvPr>
@@ -18582,7 +21172,7 @@
 </p:sld>
 </file>
 
-<file path=ppt/slides/slide7.xml><?xml version="1.0" encoding="utf-8"?>
+<file path=ppt/slides/slide8.xml><?xml version="1.0" encoding="utf-8"?>
 <p:sld xmlns:a="http://schemas.openxmlformats.org/drawingml/2006/main" xmlns:r="http://schemas.openxmlformats.org/officeDocument/2006/relationships" xmlns:p="http://schemas.openxmlformats.org/presentationml/2006/main">
   <p:cSld>
     <p:bg>
@@ -18614,7 +21204,7 @@
           <p:cNvPr id="40" name="사각형: 둥근 모서리 39">
             <a:extLst>
               <a:ext uri="{FF2B5EF4-FFF2-40B4-BE49-F238E27FC236}">
-                <a16:creationId xmlns:a16="http://schemas.microsoft.com/office/drawing/2014/main" xmlns="" id="{DEB48728-12FA-4B10-82E6-7899DDCA2731}"/>
+                <a16:creationId xmlns:a16="http://schemas.microsoft.com/office/drawing/2014/main" id="{DEB48728-12FA-4B10-82E6-7899DDCA2731}"/>
               </a:ext>
             </a:extLst>
           </p:cNvPr>
@@ -18686,7 +21276,7 @@
           <p:cNvPr id="43" name="직사각형 42">
             <a:extLst>
               <a:ext uri="{FF2B5EF4-FFF2-40B4-BE49-F238E27FC236}">
-                <a16:creationId xmlns:a16="http://schemas.microsoft.com/office/drawing/2014/main" xmlns="" id="{32B56811-2E7B-4FBF-99CB-4CECF20A9AC0}"/>
+                <a16:creationId xmlns:a16="http://schemas.microsoft.com/office/drawing/2014/main" id="{32B56811-2E7B-4FBF-99CB-4CECF20A9AC0}"/>
               </a:ext>
             </a:extLst>
           </p:cNvPr>
@@ -18763,7 +21353,7 @@
                 </a:solidFill>
               </a:rPr>
               <a:pPr/>
-              <a:t>7</a:t>
+              <a:t>8</a:t>
             </a:fld>
             <a:endParaRPr lang="ko-KR" altLang="en-US" sz="1600" dirty="0">
               <a:solidFill>
@@ -18857,7 +21447,7 @@
           <p:cNvPr id="13" name="직사각형 12">
             <a:extLst>
               <a:ext uri="{FF2B5EF4-FFF2-40B4-BE49-F238E27FC236}">
-                <a16:creationId xmlns:a16="http://schemas.microsoft.com/office/drawing/2014/main" xmlns="" id="{24EDB60A-88EE-4624-924F-1D4B6948100C}"/>
+                <a16:creationId xmlns:a16="http://schemas.microsoft.com/office/drawing/2014/main" id="{24EDB60A-88EE-4624-924F-1D4B6948100C}"/>
               </a:ext>
             </a:extLst>
           </p:cNvPr>
@@ -20005,7 +22595,7 @@
 </p:sld>
 </file>
 
-<file path=ppt/slides/slide8.xml><?xml version="1.0" encoding="utf-8"?>
+<file path=ppt/slides/slide9.xml><?xml version="1.0" encoding="utf-8"?>
 <p:sld xmlns:a="http://schemas.openxmlformats.org/drawingml/2006/main" xmlns:r="http://schemas.openxmlformats.org/officeDocument/2006/relationships" xmlns:p="http://schemas.openxmlformats.org/presentationml/2006/main">
   <p:cSld>
     <p:bg>
@@ -20037,7 +22627,7 @@
           <p:cNvPr id="40" name="사각형: 둥근 모서리 39">
             <a:extLst>
               <a:ext uri="{FF2B5EF4-FFF2-40B4-BE49-F238E27FC236}">
-                <a16:creationId xmlns:a16="http://schemas.microsoft.com/office/drawing/2014/main" xmlns="" id="{DEB48728-12FA-4B10-82E6-7899DDCA2731}"/>
+                <a16:creationId xmlns:a16="http://schemas.microsoft.com/office/drawing/2014/main" id="{DEB48728-12FA-4B10-82E6-7899DDCA2731}"/>
               </a:ext>
             </a:extLst>
           </p:cNvPr>
@@ -20109,7 +22699,7 @@
           <p:cNvPr id="43" name="직사각형 42">
             <a:extLst>
               <a:ext uri="{FF2B5EF4-FFF2-40B4-BE49-F238E27FC236}">
-                <a16:creationId xmlns:a16="http://schemas.microsoft.com/office/drawing/2014/main" xmlns="" id="{32B56811-2E7B-4FBF-99CB-4CECF20A9AC0}"/>
+                <a16:creationId xmlns:a16="http://schemas.microsoft.com/office/drawing/2014/main" id="{32B56811-2E7B-4FBF-99CB-4CECF20A9AC0}"/>
               </a:ext>
             </a:extLst>
           </p:cNvPr>
@@ -20186,7 +22776,7 @@
                 </a:solidFill>
               </a:rPr>
               <a:pPr/>
-              <a:t>8</a:t>
+              <a:t>9</a:t>
             </a:fld>
             <a:endParaRPr lang="ko-KR" altLang="en-US" sz="1600" dirty="0">
               <a:solidFill>
@@ -20280,7 +22870,7 @@
           <p:cNvPr id="13" name="직사각형 12">
             <a:extLst>
               <a:ext uri="{FF2B5EF4-FFF2-40B4-BE49-F238E27FC236}">
-                <a16:creationId xmlns:a16="http://schemas.microsoft.com/office/drawing/2014/main" xmlns="" id="{24EDB60A-88EE-4624-924F-1D4B6948100C}"/>
+                <a16:creationId xmlns:a16="http://schemas.microsoft.com/office/drawing/2014/main" id="{24EDB60A-88EE-4624-924F-1D4B6948100C}"/>
               </a:ext>
             </a:extLst>
           </p:cNvPr>
@@ -21168,7 +23758,17 @@
                   </a:schemeClr>
                 </a:solidFill>
               </a:rPr>
-              <a:t>)’ + </a:t>
+              <a:t>)’ + ‘</a:t>
+            </a:r>
+            <a:r>
+              <a:rPr lang="ko-KR" altLang="en-US" sz="1200" dirty="0" smtClean="0">
+                <a:solidFill>
+                  <a:schemeClr val="bg1">
+                    <a:lumMod val="85000"/>
+                  </a:schemeClr>
+                </a:solidFill>
+              </a:rPr>
+              <a:t>기절 </a:t>
             </a:r>
             <a:r>
               <a:rPr lang="en-US" altLang="ko-KR" sz="1200" dirty="0" smtClean="0">
@@ -21178,7 +23778,7 @@
                   </a:schemeClr>
                 </a:solidFill>
               </a:rPr>
-              <a:t>‘</a:t>
+              <a:t>/ </a:t>
             </a:r>
             <a:r>
               <a:rPr lang="ko-KR" altLang="en-US" sz="1200" dirty="0" smtClean="0">
@@ -21188,7 +23788,7 @@
                   </a:schemeClr>
                 </a:solidFill>
               </a:rPr>
-              <a:t>기절 </a:t>
+              <a:t>사망</a:t>
             </a:r>
             <a:r>
               <a:rPr lang="en-US" altLang="ko-KR" sz="1200" dirty="0" smtClean="0">
@@ -21198,7 +23798,7 @@
                   </a:schemeClr>
                 </a:solidFill>
               </a:rPr>
-              <a:t>/ </a:t>
+              <a:t>(</a:t>
             </a:r>
             <a:r>
               <a:rPr lang="ko-KR" altLang="en-US" sz="1200" dirty="0" smtClean="0">
@@ -21208,7 +23808,7 @@
                   </a:schemeClr>
                 </a:solidFill>
               </a:rPr>
-              <a:t>사망</a:t>
+              <a:t>무엇으로</a:t>
             </a:r>
             <a:r>
               <a:rPr lang="en-US" altLang="ko-KR" sz="1200" dirty="0" smtClean="0">
@@ -21218,47 +23818,7 @@
                   </a:schemeClr>
                 </a:solidFill>
               </a:rPr>
-              <a:t>(</a:t>
-            </a:r>
-            <a:r>
-              <a:rPr lang="ko-KR" altLang="en-US" sz="1200" dirty="0" smtClean="0">
-                <a:solidFill>
-                  <a:schemeClr val="bg1">
-                    <a:lumMod val="85000"/>
-                  </a:schemeClr>
-                </a:solidFill>
-              </a:rPr>
-              <a:t>무엇으로</a:t>
-            </a:r>
-            <a:r>
-              <a:rPr lang="en-US" altLang="ko-KR" sz="1200" dirty="0" smtClean="0">
-                <a:solidFill>
-                  <a:schemeClr val="bg1">
-                    <a:lumMod val="85000"/>
-                  </a:schemeClr>
-                </a:solidFill>
-              </a:rPr>
-              <a:t>)</a:t>
-            </a:r>
-            <a:r>
-              <a:rPr lang="en-US" altLang="ko-KR" sz="1200" dirty="0" smtClean="0">
-                <a:solidFill>
-                  <a:schemeClr val="bg1">
-                    <a:lumMod val="85000"/>
-                  </a:schemeClr>
-                </a:solidFill>
-              </a:rPr>
-              <a:t>’ </a:t>
-            </a:r>
-            <a:r>
-              <a:rPr lang="en-US" altLang="ko-KR" sz="1200" dirty="0" smtClean="0">
-                <a:solidFill>
-                  <a:schemeClr val="bg1">
-                    <a:lumMod val="85000"/>
-                  </a:schemeClr>
-                </a:solidFill>
-              </a:rPr>
-              <a:t>+ ‘</a:t>
+              <a:t>)’ + ‘</a:t>
             </a:r>
             <a:r>
               <a:rPr lang="ko-KR" altLang="en-US" sz="1200" dirty="0" smtClean="0">
@@ -21418,854 +23978,6 @@
     <p:extLst>
       <p:ext uri="{BB962C8B-B14F-4D97-AF65-F5344CB8AC3E}">
         <p14:creationId xmlns:p14="http://schemas.microsoft.com/office/powerpoint/2010/main" val="3075627087"/>
-      </p:ext>
-    </p:extLst>
-  </p:cSld>
-  <p:clrMapOvr>
-    <a:masterClrMapping/>
-  </p:clrMapOvr>
-  <p:timing>
-    <p:tnLst>
-      <p:par>
-        <p:cTn id="1" dur="indefinite" restart="never" nodeType="tmRoot"/>
-      </p:par>
-    </p:tnLst>
-  </p:timing>
-</p:sld>
-</file>
-
-<file path=ppt/slides/slide9.xml><?xml version="1.0" encoding="utf-8"?>
-<p:sld xmlns:a="http://schemas.openxmlformats.org/drawingml/2006/main" xmlns:r="http://schemas.openxmlformats.org/officeDocument/2006/relationships" xmlns:p="http://schemas.openxmlformats.org/presentationml/2006/main">
-  <p:cSld>
-    <p:bg>
-      <p:bgPr>
-        <a:solidFill>
-          <a:schemeClr val="tx2">
-            <a:lumMod val="50000"/>
-          </a:schemeClr>
-        </a:solidFill>
-        <a:effectLst/>
-      </p:bgPr>
-    </p:bg>
-    <p:spTree>
-      <p:nvGrpSpPr>
-        <p:cNvPr id="1" name=""/>
-        <p:cNvGrpSpPr/>
-        <p:nvPr/>
-      </p:nvGrpSpPr>
-      <p:grpSpPr>
-        <a:xfrm>
-          <a:off x="0" y="0"/>
-          <a:ext cx="0" cy="0"/>
-          <a:chOff x="0" y="0"/>
-          <a:chExt cx="0" cy="0"/>
-        </a:xfrm>
-      </p:grpSpPr>
-      <p:sp>
-        <p:nvSpPr>
-          <p:cNvPr id="40" name="사각형: 둥근 모서리 39">
-            <a:extLst>
-              <a:ext uri="{FF2B5EF4-FFF2-40B4-BE49-F238E27FC236}">
-                <a16:creationId xmlns:a16="http://schemas.microsoft.com/office/drawing/2014/main" xmlns="" id="{DEB48728-12FA-4B10-82E6-7899DDCA2731}"/>
-              </a:ext>
-            </a:extLst>
-          </p:cNvPr>
-          <p:cNvSpPr/>
-          <p:nvPr/>
-        </p:nvSpPr>
-        <p:spPr>
-          <a:xfrm>
-            <a:off x="491492" y="504093"/>
-            <a:ext cx="1711727" cy="585286"/>
-          </a:xfrm>
-          <a:prstGeom prst="roundRect">
-            <a:avLst>
-              <a:gd name="adj" fmla="val 50000"/>
-            </a:avLst>
-          </a:prstGeom>
-          <a:solidFill>
-            <a:srgbClr val="181E26"/>
-          </a:solidFill>
-          <a:ln>
-            <a:noFill/>
-          </a:ln>
-        </p:spPr>
-        <p:style>
-          <a:lnRef idx="2">
-            <a:schemeClr val="accent1">
-              <a:shade val="50000"/>
-            </a:schemeClr>
-          </a:lnRef>
-          <a:fillRef idx="1">
-            <a:schemeClr val="accent1"/>
-          </a:fillRef>
-          <a:effectRef idx="0">
-            <a:schemeClr val="accent1"/>
-          </a:effectRef>
-          <a:fontRef idx="minor">
-            <a:schemeClr val="lt1"/>
-          </a:fontRef>
-        </p:style>
-        <p:txBody>
-          <a:bodyPr rtlCol="0" anchor="ctr"/>
-          <a:lstStyle/>
-          <a:p>
-            <a:pPr algn="ctr">
-              <a:lnSpc>
-                <a:spcPct val="150000"/>
-              </a:lnSpc>
-            </a:pPr>
-            <a:r>
-              <a:rPr lang="ko-KR" altLang="en-US" sz="2400" b="1" dirty="0" smtClean="0">
-                <a:solidFill>
-                  <a:prstClr val="white"/>
-                </a:solidFill>
-              </a:rPr>
-              <a:t>기본 화면</a:t>
-            </a:r>
-            <a:endParaRPr lang="en-US" altLang="ko-KR" sz="1600" dirty="0">
-              <a:solidFill>
-                <a:prstClr val="white">
-                  <a:lumMod val="50000"/>
-                </a:prstClr>
-              </a:solidFill>
-            </a:endParaRPr>
-          </a:p>
-        </p:txBody>
-      </p:sp>
-      <p:sp>
-        <p:nvSpPr>
-          <p:cNvPr id="43" name="직사각형 42">
-            <a:extLst>
-              <a:ext uri="{FF2B5EF4-FFF2-40B4-BE49-F238E27FC236}">
-                <a16:creationId xmlns:a16="http://schemas.microsoft.com/office/drawing/2014/main" xmlns="" id="{32B56811-2E7B-4FBF-99CB-4CECF20A9AC0}"/>
-              </a:ext>
-            </a:extLst>
-          </p:cNvPr>
-          <p:cNvSpPr/>
-          <p:nvPr/>
-        </p:nvSpPr>
-        <p:spPr>
-          <a:xfrm>
-            <a:off x="0" y="472736"/>
-            <a:ext cx="45719" cy="648000"/>
-          </a:xfrm>
-          <a:prstGeom prst="rect">
-            <a:avLst/>
-          </a:prstGeom>
-          <a:solidFill>
-            <a:srgbClr val="FF9900"/>
-          </a:solidFill>
-          <a:ln>
-            <a:noFill/>
-          </a:ln>
-        </p:spPr>
-        <p:style>
-          <a:lnRef idx="2">
-            <a:schemeClr val="accent1">
-              <a:shade val="50000"/>
-            </a:schemeClr>
-          </a:lnRef>
-          <a:fillRef idx="1">
-            <a:schemeClr val="accent1"/>
-          </a:fillRef>
-          <a:effectRef idx="0">
-            <a:schemeClr val="accent1"/>
-          </a:effectRef>
-          <a:fontRef idx="minor">
-            <a:schemeClr val="lt1"/>
-          </a:fontRef>
-        </p:style>
-        <p:txBody>
-          <a:bodyPr rtlCol="0" anchor="ctr"/>
-          <a:lstStyle/>
-          <a:p>
-            <a:pPr algn="ctr">
-              <a:defRPr/>
-            </a:pPr>
-            <a:endParaRPr lang="ko-KR" altLang="en-US">
-              <a:solidFill>
-                <a:prstClr val="white"/>
-              </a:solidFill>
-            </a:endParaRPr>
-          </a:p>
-        </p:txBody>
-      </p:sp>
-      <p:sp>
-        <p:nvSpPr>
-          <p:cNvPr id="2" name="슬라이드 번호 개체 틀 1"/>
-          <p:cNvSpPr>
-            <a:spLocks noGrp="1"/>
-          </p:cNvSpPr>
-          <p:nvPr>
-            <p:ph type="sldNum" sz="quarter" idx="12"/>
-          </p:nvPr>
-        </p:nvSpPr>
-        <p:spPr/>
-        <p:txBody>
-          <a:bodyPr/>
-          <a:lstStyle/>
-          <a:p>
-            <a:fld id="{5D878A70-FB77-4F9B-8311-4FBED7F04F1E}" type="slidenum">
-              <a:rPr lang="ko-KR" altLang="en-US" sz="1600" smtClean="0">
-                <a:solidFill>
-                  <a:prstClr val="black">
-                    <a:tint val="75000"/>
-                  </a:prstClr>
-                </a:solidFill>
-              </a:rPr>
-              <a:pPr/>
-              <a:t>9</a:t>
-            </a:fld>
-            <a:endParaRPr lang="ko-KR" altLang="en-US" sz="1600" dirty="0">
-              <a:solidFill>
-                <a:prstClr val="black">
-                  <a:tint val="75000"/>
-                </a:prstClr>
-              </a:solidFill>
-            </a:endParaRPr>
-          </a:p>
-        </p:txBody>
-      </p:sp>
-      <p:pic>
-        <p:nvPicPr>
-          <p:cNvPr id="5" name="그림 4"/>
-          <p:cNvPicPr>
-            <a:picLocks noChangeAspect="1"/>
-          </p:cNvPicPr>
-          <p:nvPr/>
-        </p:nvPicPr>
-        <p:blipFill>
-          <a:blip r:embed="rId2" cstate="print">
-            <a:extLst>
-              <a:ext uri="{28A0092B-C50C-407E-A947-70E740481C1C}">
-                <a14:useLocalDpi xmlns:a14="http://schemas.microsoft.com/office/drawing/2010/main" val="0"/>
-              </a:ext>
-            </a:extLst>
-          </a:blip>
-          <a:stretch>
-            <a:fillRect/>
-          </a:stretch>
-        </p:blipFill>
-        <p:spPr>
-          <a:xfrm>
-            <a:off x="491492" y="1332345"/>
-            <a:ext cx="2404740" cy="1352666"/>
-          </a:xfrm>
-          <a:prstGeom prst="rect">
-            <a:avLst/>
-          </a:prstGeom>
-        </p:spPr>
-      </p:pic>
-      <p:sp>
-        <p:nvSpPr>
-          <p:cNvPr id="10" name="직사각형 9"/>
-          <p:cNvSpPr/>
-          <p:nvPr/>
-        </p:nvSpPr>
-        <p:spPr>
-          <a:xfrm>
-            <a:off x="1579418" y="1936867"/>
-            <a:ext cx="276967" cy="172846"/>
-          </a:xfrm>
-          <a:prstGeom prst="rect">
-            <a:avLst/>
-          </a:prstGeom>
-          <a:noFill/>
-          <a:ln>
-            <a:solidFill>
-              <a:srgbClr val="FF0000"/>
-            </a:solidFill>
-            <a:prstDash val="dash"/>
-          </a:ln>
-        </p:spPr>
-        <p:style>
-          <a:lnRef idx="2">
-            <a:schemeClr val="accent1">
-              <a:shade val="50000"/>
-            </a:schemeClr>
-          </a:lnRef>
-          <a:fillRef idx="1">
-            <a:schemeClr val="accent1"/>
-          </a:fillRef>
-          <a:effectRef idx="0">
-            <a:schemeClr val="accent1"/>
-          </a:effectRef>
-          <a:fontRef idx="minor">
-            <a:schemeClr val="lt1"/>
-          </a:fontRef>
-        </p:style>
-        <p:txBody>
-          <a:bodyPr rtlCol="0" anchor="ctr"/>
-          <a:lstStyle/>
-          <a:p>
-            <a:pPr algn="ctr"/>
-            <a:endParaRPr lang="ko-KR" altLang="en-US"/>
-          </a:p>
-        </p:txBody>
-      </p:sp>
-      <p:sp>
-        <p:nvSpPr>
-          <p:cNvPr id="13" name="직사각형 12">
-            <a:extLst>
-              <a:ext uri="{FF2B5EF4-FFF2-40B4-BE49-F238E27FC236}">
-                <a16:creationId xmlns:a16="http://schemas.microsoft.com/office/drawing/2014/main" xmlns="" id="{24EDB60A-88EE-4624-924F-1D4B6948100C}"/>
-              </a:ext>
-            </a:extLst>
-          </p:cNvPr>
-          <p:cNvSpPr/>
-          <p:nvPr/>
-        </p:nvSpPr>
-        <p:spPr>
-          <a:xfrm>
-            <a:off x="2371327" y="544106"/>
-            <a:ext cx="1751786" cy="461665"/>
-          </a:xfrm>
-          <a:prstGeom prst="rect">
-            <a:avLst/>
-          </a:prstGeom>
-          <a:noFill/>
-        </p:spPr>
-        <p:txBody>
-          <a:bodyPr wrap="square">
-            <a:spAutoFit/>
-          </a:bodyPr>
-          <a:lstStyle/>
-          <a:p>
-            <a:pPr latinLnBrk="0">
-              <a:lnSpc>
-                <a:spcPct val="150000"/>
-              </a:lnSpc>
-              <a:defRPr/>
-            </a:pPr>
-            <a:r>
-              <a:rPr lang="en-US" altLang="ko-KR" sz="1600" kern="0" dirty="0" smtClean="0">
-                <a:solidFill>
-                  <a:prstClr val="white"/>
-                </a:solidFill>
-              </a:rPr>
-              <a:t>3) </a:t>
-            </a:r>
-            <a:r>
-              <a:rPr lang="ko-KR" altLang="en-US" sz="1600" kern="0" dirty="0" err="1" smtClean="0">
-                <a:solidFill>
-                  <a:prstClr val="white"/>
-                </a:solidFill>
-              </a:rPr>
-              <a:t>조준점</a:t>
-            </a:r>
-            <a:endParaRPr lang="ko-KR" altLang="en-US" sz="8800" kern="0" dirty="0">
-              <a:solidFill>
-                <a:prstClr val="white"/>
-              </a:solidFill>
-            </a:endParaRPr>
-          </a:p>
-        </p:txBody>
-      </p:sp>
-      <p:cxnSp>
-        <p:nvCxnSpPr>
-          <p:cNvPr id="15" name="직선 화살표 연결선 14"/>
-          <p:cNvCxnSpPr/>
-          <p:nvPr/>
-        </p:nvCxnSpPr>
-        <p:spPr>
-          <a:xfrm>
-            <a:off x="1856385" y="2109713"/>
-            <a:ext cx="2071381" cy="575298"/>
-          </a:xfrm>
-          <a:prstGeom prst="straightConnector1">
-            <a:avLst/>
-          </a:prstGeom>
-          <a:ln w="28575">
-            <a:solidFill>
-              <a:srgbClr val="FF0000"/>
-            </a:solidFill>
-            <a:tailEnd type="triangle"/>
-          </a:ln>
-        </p:spPr>
-        <p:style>
-          <a:lnRef idx="1">
-            <a:schemeClr val="accent1"/>
-          </a:lnRef>
-          <a:fillRef idx="0">
-            <a:schemeClr val="accent1"/>
-          </a:fillRef>
-          <a:effectRef idx="0">
-            <a:schemeClr val="accent1"/>
-          </a:effectRef>
-          <a:fontRef idx="minor">
-            <a:schemeClr val="tx1"/>
-          </a:fontRef>
-        </p:style>
-      </p:cxnSp>
-      <p:pic>
-        <p:nvPicPr>
-          <p:cNvPr id="14" name="그림 13"/>
-          <p:cNvPicPr>
-            <a:picLocks noChangeAspect="1"/>
-          </p:cNvPicPr>
-          <p:nvPr/>
-        </p:nvPicPr>
-        <p:blipFill>
-          <a:blip r:embed="rId3"/>
-          <a:stretch>
-            <a:fillRect/>
-          </a:stretch>
-        </p:blipFill>
-        <p:spPr>
-          <a:xfrm>
-            <a:off x="6357822" y="3910535"/>
-            <a:ext cx="1715406" cy="1425106"/>
-          </a:xfrm>
-          <a:prstGeom prst="rect">
-            <a:avLst/>
-          </a:prstGeom>
-        </p:spPr>
-      </p:pic>
-      <p:sp>
-        <p:nvSpPr>
-          <p:cNvPr id="24" name="직사각형 23"/>
-          <p:cNvSpPr/>
-          <p:nvPr/>
-        </p:nvSpPr>
-        <p:spPr>
-          <a:xfrm>
-            <a:off x="7215525" y="1332346"/>
-            <a:ext cx="3881965" cy="1252912"/>
-          </a:xfrm>
-          <a:prstGeom prst="rect">
-            <a:avLst/>
-          </a:prstGeom>
-          <a:solidFill>
-            <a:schemeClr val="tx2"/>
-          </a:solidFill>
-          <a:ln>
-            <a:solidFill>
-              <a:schemeClr val="accent5">
-                <a:lumMod val="50000"/>
-              </a:schemeClr>
-            </a:solidFill>
-          </a:ln>
-        </p:spPr>
-        <p:style>
-          <a:lnRef idx="2">
-            <a:schemeClr val="accent1">
-              <a:shade val="50000"/>
-            </a:schemeClr>
-          </a:lnRef>
-          <a:fillRef idx="1">
-            <a:schemeClr val="accent1"/>
-          </a:fillRef>
-          <a:effectRef idx="0">
-            <a:schemeClr val="accent1"/>
-          </a:effectRef>
-          <a:fontRef idx="minor">
-            <a:schemeClr val="lt1"/>
-          </a:fontRef>
-        </p:style>
-        <p:txBody>
-          <a:bodyPr rtlCol="0" anchor="ctr"/>
-          <a:lstStyle/>
-          <a:p>
-            <a:r>
-              <a:rPr lang="ko-KR" altLang="en-US" sz="1200" dirty="0" smtClean="0">
-                <a:solidFill>
-                  <a:schemeClr val="bg1">
-                    <a:lumMod val="85000"/>
-                  </a:schemeClr>
-                </a:solidFill>
-              </a:rPr>
-              <a:t>현재 플레이어의 </a:t>
-            </a:r>
-            <a:r>
-              <a:rPr lang="ko-KR" altLang="en-US" sz="1200" dirty="0" err="1" smtClean="0">
-                <a:solidFill>
-                  <a:schemeClr val="bg1">
-                    <a:lumMod val="85000"/>
-                  </a:schemeClr>
-                </a:solidFill>
-              </a:rPr>
-              <a:t>조준점을</a:t>
-            </a:r>
-            <a:r>
-              <a:rPr lang="ko-KR" altLang="en-US" sz="1200" dirty="0" smtClean="0">
-                <a:solidFill>
-                  <a:schemeClr val="bg1">
-                    <a:lumMod val="85000"/>
-                  </a:schemeClr>
-                </a:solidFill>
-              </a:rPr>
-              <a:t> 보여주어 </a:t>
-            </a:r>
-            <a:r>
-              <a:rPr lang="ko-KR" altLang="en-US" sz="1200" dirty="0" smtClean="0">
-                <a:solidFill>
-                  <a:schemeClr val="accent4"/>
-                </a:solidFill>
-              </a:rPr>
-              <a:t>사격 시 </a:t>
-            </a:r>
-            <a:endParaRPr lang="en-US" altLang="ko-KR" sz="1200" dirty="0" smtClean="0">
-              <a:solidFill>
-                <a:schemeClr val="accent4"/>
-              </a:solidFill>
-            </a:endParaRPr>
-          </a:p>
-          <a:p>
-            <a:r>
-              <a:rPr lang="ko-KR" altLang="en-US" sz="1200" dirty="0" smtClean="0">
-                <a:solidFill>
-                  <a:schemeClr val="accent4"/>
-                </a:solidFill>
-              </a:rPr>
-              <a:t>총알이 발사되는 방향을 알 수 있게 해주고</a:t>
-            </a:r>
-            <a:r>
-              <a:rPr lang="ko-KR" altLang="en-US" sz="1200" dirty="0" smtClean="0">
-                <a:solidFill>
-                  <a:schemeClr val="bg1">
-                    <a:lumMod val="85000"/>
-                  </a:schemeClr>
-                </a:solidFill>
-              </a:rPr>
-              <a:t> 나아가</a:t>
-            </a:r>
-            <a:endParaRPr lang="en-US" altLang="ko-KR" sz="1200" dirty="0" smtClean="0">
-              <a:solidFill>
-                <a:schemeClr val="bg1">
-                  <a:lumMod val="85000"/>
-                </a:schemeClr>
-              </a:solidFill>
-            </a:endParaRPr>
-          </a:p>
-          <a:p>
-            <a:r>
-              <a:rPr lang="ko-KR" altLang="en-US" sz="1200" dirty="0" smtClean="0">
-                <a:solidFill>
-                  <a:schemeClr val="bg1">
-                    <a:lumMod val="85000"/>
-                  </a:schemeClr>
-                </a:solidFill>
-              </a:rPr>
-              <a:t>컴퓨터의 마우스 포인터처럼 </a:t>
-            </a:r>
-            <a:r>
-              <a:rPr lang="ko-KR" altLang="en-US" sz="1200" dirty="0" smtClean="0">
-                <a:solidFill>
-                  <a:schemeClr val="accent4"/>
-                </a:solidFill>
-              </a:rPr>
-              <a:t>화면에서 길을 잃지 않고 목표를 정확히 확인하고 가리킬 수 있도록 도와준다</a:t>
-            </a:r>
-            <a:r>
-              <a:rPr lang="en-US" altLang="ko-KR" sz="1200" dirty="0" smtClean="0">
-                <a:solidFill>
-                  <a:schemeClr val="accent4"/>
-                </a:solidFill>
-              </a:rPr>
-              <a:t>.</a:t>
-            </a:r>
-          </a:p>
-        </p:txBody>
-      </p:sp>
-      <p:pic>
-        <p:nvPicPr>
-          <p:cNvPr id="19" name="그림 18"/>
-          <p:cNvPicPr>
-            <a:picLocks noChangeAspect="1"/>
-          </p:cNvPicPr>
-          <p:nvPr/>
-        </p:nvPicPr>
-        <p:blipFill>
-          <a:blip r:embed="rId4"/>
-          <a:stretch>
-            <a:fillRect/>
-          </a:stretch>
-        </p:blipFill>
-        <p:spPr>
-          <a:xfrm>
-            <a:off x="5059056" y="4161099"/>
-            <a:ext cx="1618335" cy="1455247"/>
-          </a:xfrm>
-          <a:prstGeom prst="rect">
-            <a:avLst/>
-          </a:prstGeom>
-        </p:spPr>
-      </p:pic>
-      <p:cxnSp>
-        <p:nvCxnSpPr>
-          <p:cNvPr id="25" name="직선 화살표 연결선 24"/>
-          <p:cNvCxnSpPr/>
-          <p:nvPr/>
-        </p:nvCxnSpPr>
-        <p:spPr>
-          <a:xfrm flipH="1">
-            <a:off x="7414953" y="2630978"/>
-            <a:ext cx="440576" cy="1657857"/>
-          </a:xfrm>
-          <a:prstGeom prst="straightConnector1">
-            <a:avLst/>
-          </a:prstGeom>
-          <a:ln w="28575">
-            <a:solidFill>
-              <a:srgbClr val="FF0000"/>
-            </a:solidFill>
-            <a:prstDash val="dash"/>
-            <a:tailEnd type="triangle"/>
-          </a:ln>
-        </p:spPr>
-        <p:style>
-          <a:lnRef idx="1">
-            <a:schemeClr val="accent1"/>
-          </a:lnRef>
-          <a:fillRef idx="0">
-            <a:schemeClr val="accent1"/>
-          </a:fillRef>
-          <a:effectRef idx="0">
-            <a:schemeClr val="accent1"/>
-          </a:effectRef>
-          <a:fontRef idx="minor">
-            <a:schemeClr val="tx1"/>
-          </a:fontRef>
-        </p:style>
-      </p:cxnSp>
-      <p:pic>
-        <p:nvPicPr>
-          <p:cNvPr id="6" name="그림 5"/>
-          <p:cNvPicPr>
-            <a:picLocks noChangeAspect="1"/>
-          </p:cNvPicPr>
-          <p:nvPr/>
-        </p:nvPicPr>
-        <p:blipFill>
-          <a:blip r:embed="rId5"/>
-          <a:stretch>
-            <a:fillRect/>
-          </a:stretch>
-        </p:blipFill>
-        <p:spPr>
-          <a:xfrm>
-            <a:off x="4046460" y="2409751"/>
-            <a:ext cx="2492397" cy="1879084"/>
-          </a:xfrm>
-          <a:prstGeom prst="rect">
-            <a:avLst/>
-          </a:prstGeom>
-        </p:spPr>
-      </p:pic>
-      <p:cxnSp>
-        <p:nvCxnSpPr>
-          <p:cNvPr id="30" name="직선 화살표 연결선 29"/>
-          <p:cNvCxnSpPr/>
-          <p:nvPr/>
-        </p:nvCxnSpPr>
-        <p:spPr>
-          <a:xfrm flipH="1">
-            <a:off x="5744096" y="2227811"/>
-            <a:ext cx="1471430" cy="806334"/>
-          </a:xfrm>
-          <a:prstGeom prst="straightConnector1">
-            <a:avLst/>
-          </a:prstGeom>
-          <a:ln w="28575">
-            <a:solidFill>
-              <a:srgbClr val="FF0000"/>
-            </a:solidFill>
-            <a:prstDash val="dash"/>
-            <a:tailEnd type="triangle"/>
-          </a:ln>
-        </p:spPr>
-        <p:style>
-          <a:lnRef idx="1">
-            <a:schemeClr val="accent1"/>
-          </a:lnRef>
-          <a:fillRef idx="0">
-            <a:schemeClr val="accent1"/>
-          </a:fillRef>
-          <a:effectRef idx="0">
-            <a:schemeClr val="accent1"/>
-          </a:effectRef>
-          <a:fontRef idx="minor">
-            <a:schemeClr val="tx1"/>
-          </a:fontRef>
-        </p:style>
-      </p:cxnSp>
-      <p:cxnSp>
-        <p:nvCxnSpPr>
-          <p:cNvPr id="31" name="직선 화살표 연결선 30"/>
-          <p:cNvCxnSpPr/>
-          <p:nvPr/>
-        </p:nvCxnSpPr>
-        <p:spPr>
-          <a:xfrm flipV="1">
-            <a:off x="3269786" y="3788953"/>
-            <a:ext cx="1571570" cy="1099770"/>
-          </a:xfrm>
-          <a:prstGeom prst="straightConnector1">
-            <a:avLst/>
-          </a:prstGeom>
-          <a:ln w="28575">
-            <a:solidFill>
-              <a:srgbClr val="FF0000"/>
-            </a:solidFill>
-            <a:prstDash val="dash"/>
-            <a:tailEnd type="triangle"/>
-          </a:ln>
-        </p:spPr>
-        <p:style>
-          <a:lnRef idx="1">
-            <a:schemeClr val="accent1"/>
-          </a:lnRef>
-          <a:fillRef idx="0">
-            <a:schemeClr val="accent1"/>
-          </a:fillRef>
-          <a:effectRef idx="0">
-            <a:schemeClr val="accent1"/>
-          </a:effectRef>
-          <a:fontRef idx="minor">
-            <a:schemeClr val="tx1"/>
-          </a:fontRef>
-        </p:style>
-      </p:cxnSp>
-      <p:cxnSp>
-        <p:nvCxnSpPr>
-          <p:cNvPr id="34" name="직선 화살표 연결선 33"/>
-          <p:cNvCxnSpPr>
-            <a:stCxn id="28" idx="3"/>
-          </p:cNvCxnSpPr>
-          <p:nvPr/>
-        </p:nvCxnSpPr>
-        <p:spPr>
-          <a:xfrm flipV="1">
-            <a:off x="4389547" y="4888723"/>
-            <a:ext cx="764726" cy="374424"/>
-          </a:xfrm>
-          <a:prstGeom prst="straightConnector1">
-            <a:avLst/>
-          </a:prstGeom>
-          <a:ln w="28575">
-            <a:solidFill>
-              <a:srgbClr val="FF0000"/>
-            </a:solidFill>
-            <a:prstDash val="dash"/>
-            <a:tailEnd type="triangle"/>
-          </a:ln>
-        </p:spPr>
-        <p:style>
-          <a:lnRef idx="1">
-            <a:schemeClr val="accent1"/>
-          </a:lnRef>
-          <a:fillRef idx="0">
-            <a:schemeClr val="accent1"/>
-          </a:fillRef>
-          <a:effectRef idx="0">
-            <a:schemeClr val="accent1"/>
-          </a:effectRef>
-          <a:fontRef idx="minor">
-            <a:schemeClr val="tx1"/>
-          </a:fontRef>
-        </p:style>
-      </p:cxnSp>
-      <p:sp>
-        <p:nvSpPr>
-          <p:cNvPr id="28" name="직사각형 27"/>
-          <p:cNvSpPr/>
-          <p:nvPr/>
-        </p:nvSpPr>
-        <p:spPr>
-          <a:xfrm>
-            <a:off x="353106" y="4888723"/>
-            <a:ext cx="4036441" cy="748847"/>
-          </a:xfrm>
-          <a:prstGeom prst="rect">
-            <a:avLst/>
-          </a:prstGeom>
-          <a:solidFill>
-            <a:schemeClr val="tx2"/>
-          </a:solidFill>
-          <a:ln>
-            <a:solidFill>
-              <a:schemeClr val="accent5">
-                <a:lumMod val="50000"/>
-              </a:schemeClr>
-            </a:solidFill>
-          </a:ln>
-        </p:spPr>
-        <p:style>
-          <a:lnRef idx="2">
-            <a:schemeClr val="accent1">
-              <a:shade val="50000"/>
-            </a:schemeClr>
-          </a:lnRef>
-          <a:fillRef idx="1">
-            <a:schemeClr val="accent1"/>
-          </a:fillRef>
-          <a:effectRef idx="0">
-            <a:schemeClr val="accent1"/>
-          </a:effectRef>
-          <a:fontRef idx="minor">
-            <a:schemeClr val="lt1"/>
-          </a:fontRef>
-        </p:style>
-        <p:txBody>
-          <a:bodyPr rtlCol="0" anchor="ctr"/>
-          <a:lstStyle/>
-          <a:p>
-            <a:r>
-              <a:rPr lang="ko-KR" altLang="en-US" sz="1200" dirty="0" smtClean="0">
-                <a:solidFill>
-                  <a:schemeClr val="bg1">
-                    <a:lumMod val="85000"/>
-                  </a:schemeClr>
-                </a:solidFill>
-              </a:rPr>
-              <a:t>현재 장비한 주무기의 종류에 따라 크로스헤어가 달라져</a:t>
-            </a:r>
-            <a:endParaRPr lang="en-US" altLang="ko-KR" sz="1200" dirty="0" smtClean="0">
-              <a:solidFill>
-                <a:schemeClr val="bg1">
-                  <a:lumMod val="85000"/>
-                </a:schemeClr>
-              </a:solidFill>
-            </a:endParaRPr>
-          </a:p>
-          <a:p>
-            <a:r>
-              <a:rPr lang="ko-KR" altLang="en-US" sz="1200" dirty="0" smtClean="0">
-                <a:solidFill>
-                  <a:schemeClr val="accent4"/>
-                </a:solidFill>
-              </a:rPr>
-              <a:t>현재 플레이어의 주무기가 어떤 종류인지 알 수 있다</a:t>
-            </a:r>
-            <a:r>
-              <a:rPr lang="en-US" altLang="ko-KR" sz="1200" dirty="0" smtClean="0">
-                <a:solidFill>
-                  <a:schemeClr val="accent4"/>
-                </a:solidFill>
-              </a:rPr>
-              <a:t>.</a:t>
-            </a:r>
-            <a:r>
-              <a:rPr lang="ko-KR" altLang="en-US" sz="1200" dirty="0">
-                <a:solidFill>
-                  <a:schemeClr val="accent4"/>
-                </a:solidFill>
-              </a:rPr>
-              <a:t> </a:t>
-            </a:r>
-            <a:endParaRPr lang="en-US" altLang="ko-KR" sz="1200" dirty="0" smtClean="0">
-              <a:solidFill>
-                <a:schemeClr val="accent4"/>
-              </a:solidFill>
-            </a:endParaRPr>
-          </a:p>
-        </p:txBody>
-      </p:sp>
-    </p:spTree>
-    <p:extLst>
-      <p:ext uri="{BB962C8B-B14F-4D97-AF65-F5344CB8AC3E}">
-        <p14:creationId xmlns:p14="http://schemas.microsoft.com/office/powerpoint/2010/main" val="1281583759"/>
       </p:ext>
     </p:extLst>
   </p:cSld>
@@ -22571,7 +24283,7 @@
   <a:extraClrSchemeLst/>
   <a:extLst>
     <a:ext uri="{05A4C25C-085E-4340-85A3-A5531E510DB2}">
-      <thm15:themeFamily xmlns:thm15="http://schemas.microsoft.com/office/thememl/2012/main" xmlns="" name="Office Theme" id="{62F939B6-93AF-4DB8-9C6B-D6C7DFDC589F}" vid="{4A3C46E8-61CC-4603-A589-7422A47A8E4A}"/>
+      <thm15:themeFamily xmlns:thm15="http://schemas.microsoft.com/office/thememl/2012/main" name="Office Theme" id="{62F939B6-93AF-4DB8-9C6B-D6C7DFDC589F}" vid="{4A3C46E8-61CC-4603-A589-7422A47A8E4A}"/>
     </a:ext>
   </a:extLst>
 </a:theme>
@@ -22832,7 +24544,7 @@
   <a:extraClrSchemeLst/>
   <a:extLst>
     <a:ext uri="{05A4C25C-085E-4340-85A3-A5531E510DB2}">
-      <thm15:themeFamily xmlns:thm15="http://schemas.microsoft.com/office/thememl/2012/main" xmlns="" name="Office Theme" id="{62F939B6-93AF-4DB8-9C6B-D6C7DFDC589F}" vid="{4A3C46E8-61CC-4603-A589-7422A47A8E4A}"/>
+      <thm15:themeFamily xmlns:thm15="http://schemas.microsoft.com/office/thememl/2012/main" name="Office Theme" id="{62F939B6-93AF-4DB8-9C6B-D6C7DFDC589F}" vid="{4A3C46E8-61CC-4603-A589-7422A47A8E4A}"/>
     </a:ext>
   </a:extLst>
 </a:theme>
